--- a/2022-05-12 Designing Monolith First (TR)/Monolith First Presentation.pptx
+++ b/2022-05-12 Designing Monolith First (TR)/Monolith First Presentation.pptx
@@ -290,7 +290,7 @@
           <a:p>
             <a:fld id="{2A14C9FE-EBC3-45D3-899C-58AAF4F8AF71}" type="datetimeFigureOut">
               <a:rPr lang="en-US" smtClean="0"/>
-              <a:t>27-Feb-22</a:t>
+              <a:t>18-Apr-22</a:t>
             </a:fld>
             <a:endParaRPr lang="en-US"/>
           </a:p>
@@ -488,7 +488,7 @@
           <a:p>
             <a:fld id="{2A14C9FE-EBC3-45D3-899C-58AAF4F8AF71}" type="datetimeFigureOut">
               <a:rPr lang="en-US" smtClean="0"/>
-              <a:t>27-Feb-22</a:t>
+              <a:t>18-Apr-22</a:t>
             </a:fld>
             <a:endParaRPr lang="en-US"/>
           </a:p>
@@ -696,7 +696,7 @@
           <a:p>
             <a:fld id="{2A14C9FE-EBC3-45D3-899C-58AAF4F8AF71}" type="datetimeFigureOut">
               <a:rPr lang="en-US" smtClean="0"/>
-              <a:t>27-Feb-22</a:t>
+              <a:t>18-Apr-22</a:t>
             </a:fld>
             <a:endParaRPr lang="en-US"/>
           </a:p>
@@ -894,7 +894,7 @@
           <a:p>
             <a:fld id="{2A14C9FE-EBC3-45D3-899C-58AAF4F8AF71}" type="datetimeFigureOut">
               <a:rPr lang="en-US" smtClean="0"/>
-              <a:t>27-Feb-22</a:t>
+              <a:t>18-Apr-22</a:t>
             </a:fld>
             <a:endParaRPr lang="en-US"/>
           </a:p>
@@ -1169,7 +1169,7 @@
           <a:p>
             <a:fld id="{2A14C9FE-EBC3-45D3-899C-58AAF4F8AF71}" type="datetimeFigureOut">
               <a:rPr lang="en-US" smtClean="0"/>
-              <a:t>27-Feb-22</a:t>
+              <a:t>18-Apr-22</a:t>
             </a:fld>
             <a:endParaRPr lang="en-US"/>
           </a:p>
@@ -1434,7 +1434,7 @@
           <a:p>
             <a:fld id="{2A14C9FE-EBC3-45D3-899C-58AAF4F8AF71}" type="datetimeFigureOut">
               <a:rPr lang="en-US" smtClean="0"/>
-              <a:t>27-Feb-22</a:t>
+              <a:t>18-Apr-22</a:t>
             </a:fld>
             <a:endParaRPr lang="en-US"/>
           </a:p>
@@ -1846,7 +1846,7 @@
           <a:p>
             <a:fld id="{2A14C9FE-EBC3-45D3-899C-58AAF4F8AF71}" type="datetimeFigureOut">
               <a:rPr lang="en-US" smtClean="0"/>
-              <a:t>27-Feb-22</a:t>
+              <a:t>18-Apr-22</a:t>
             </a:fld>
             <a:endParaRPr lang="en-US"/>
           </a:p>
@@ -1987,7 +1987,7 @@
           <a:p>
             <a:fld id="{2A14C9FE-EBC3-45D3-899C-58AAF4F8AF71}" type="datetimeFigureOut">
               <a:rPr lang="en-US" smtClean="0"/>
-              <a:t>27-Feb-22</a:t>
+              <a:t>18-Apr-22</a:t>
             </a:fld>
             <a:endParaRPr lang="en-US"/>
           </a:p>
@@ -2100,7 +2100,7 @@
           <a:p>
             <a:fld id="{2A14C9FE-EBC3-45D3-899C-58AAF4F8AF71}" type="datetimeFigureOut">
               <a:rPr lang="en-US" smtClean="0"/>
-              <a:t>27-Feb-22</a:t>
+              <a:t>18-Apr-22</a:t>
             </a:fld>
             <a:endParaRPr lang="en-US"/>
           </a:p>
@@ -2411,7 +2411,7 @@
           <a:p>
             <a:fld id="{2A14C9FE-EBC3-45D3-899C-58AAF4F8AF71}" type="datetimeFigureOut">
               <a:rPr lang="en-US" smtClean="0"/>
-              <a:t>27-Feb-22</a:t>
+              <a:t>18-Apr-22</a:t>
             </a:fld>
             <a:endParaRPr lang="en-US"/>
           </a:p>
@@ -2699,7 +2699,7 @@
           <a:p>
             <a:fld id="{2A14C9FE-EBC3-45D3-899C-58AAF4F8AF71}" type="datetimeFigureOut">
               <a:rPr lang="en-US" smtClean="0"/>
-              <a:t>27-Feb-22</a:t>
+              <a:t>18-Apr-22</a:t>
             </a:fld>
             <a:endParaRPr lang="en-US"/>
           </a:p>
@@ -2940,7 +2940,7 @@
           <a:p>
             <a:fld id="{2A14C9FE-EBC3-45D3-899C-58AAF4F8AF71}" type="datetimeFigureOut">
               <a:rPr lang="en-US" smtClean="0"/>
-              <a:t>27-Feb-22</a:t>
+              <a:t>18-Apr-22</a:t>
             </a:fld>
             <a:endParaRPr lang="en-US"/>
           </a:p>
@@ -3569,7 +3569,7 @@
                 <a:latin typeface="Euclid Circular B" panose="020B0504000000000000" pitchFamily="34" charset="0"/>
                 <a:ea typeface="Euclid Circular B" panose="020B0504000000000000" pitchFamily="34" charset="0"/>
               </a:rPr>
-              <a:t>23,000 commits</a:t>
+              <a:t>24,000 commits</a:t>
             </a:r>
           </a:p>
           <a:p>
@@ -3579,7 +3579,7 @@
                 <a:latin typeface="Euclid Circular B" panose="020B0504000000000000" pitchFamily="34" charset="0"/>
                 <a:ea typeface="Euclid Circular B" panose="020B0504000000000000" pitchFamily="34" charset="0"/>
               </a:rPr>
-              <a:t>231 contributors</a:t>
+              <a:t>238 contributors</a:t>
             </a:r>
           </a:p>
           <a:p>
@@ -3589,7 +3589,7 @@
                 <a:latin typeface="Euclid Circular B" panose="020B0504000000000000" pitchFamily="34" charset="0"/>
                 <a:ea typeface="Euclid Circular B" panose="020B0504000000000000" pitchFamily="34" charset="0"/>
               </a:rPr>
-              <a:t>6,000 issues &amp; 5,000 PRs closed</a:t>
+              <a:t>6,200 issues &amp; 5,200 PRs closed</a:t>
             </a:r>
           </a:p>
           <a:p>
@@ -3608,7 +3608,7 @@
                 <a:latin typeface="Euclid Circular B" panose="020B0504000000000000" pitchFamily="34" charset="0"/>
                 <a:ea typeface="Euclid Circular B" panose="020B0504000000000000" pitchFamily="34" charset="0"/>
               </a:rPr>
-              <a:t>125 releases</a:t>
+              <a:t>128 releases</a:t>
             </a:r>
           </a:p>
           <a:p>
@@ -8492,7 +8492,7 @@
                 <a:latin typeface="Euclid Circular B" panose="020B0504000000000000" pitchFamily="34" charset="0"/>
                 <a:ea typeface="Euclid Circular B" panose="020B0504000000000000" pitchFamily="34" charset="0"/>
               </a:rPr>
-              <a:t>About me</a:t>
+              <a:t>Title</a:t>
             </a:r>
           </a:p>
         </p:txBody>
@@ -8612,7 +8612,7 @@
                 <a:latin typeface="Euclid Circular B" panose="020B0504000000000000" pitchFamily="34" charset="0"/>
                 <a:ea typeface="Euclid Circular B" panose="020B0504000000000000" pitchFamily="34" charset="0"/>
               </a:rPr>
-              <a:t>About me</a:t>
+              <a:t>Title</a:t>
             </a:r>
           </a:p>
         </p:txBody>
@@ -8871,7 +8871,7 @@
                 <a:latin typeface="Euclid Circular B" panose="020B0504000000000000" pitchFamily="34" charset="0"/>
                 <a:ea typeface="Euclid Circular B" panose="020B0504000000000000" pitchFamily="34" charset="0"/>
               </a:rPr>
-              <a:t>About me</a:t>
+              <a:t>Title</a:t>
             </a:r>
           </a:p>
         </p:txBody>
@@ -8991,7 +8991,7 @@
                 <a:latin typeface="Euclid Circular B" panose="020B0504000000000000" pitchFamily="34" charset="0"/>
                 <a:ea typeface="Euclid Circular B" panose="020B0504000000000000" pitchFamily="34" charset="0"/>
               </a:rPr>
-              <a:t>About me</a:t>
+              <a:t>Title</a:t>
             </a:r>
           </a:p>
         </p:txBody>
@@ -9231,7 +9231,7 @@
                 <a:latin typeface="Euclid Circular B" panose="020B0504000000000000" pitchFamily="34" charset="0"/>
                 <a:ea typeface="Euclid Circular B" panose="020B0504000000000000" pitchFamily="34" charset="0"/>
               </a:rPr>
-              <a:t>About me</a:t>
+              <a:t>Title</a:t>
             </a:r>
           </a:p>
         </p:txBody>
@@ -9351,7 +9351,7 @@
                 <a:latin typeface="Euclid Circular B" panose="020B0504000000000000" pitchFamily="34" charset="0"/>
                 <a:ea typeface="Euclid Circular B" panose="020B0504000000000000" pitchFamily="34" charset="0"/>
               </a:rPr>
-              <a:t>About me</a:t>
+              <a:t>Title</a:t>
             </a:r>
           </a:p>
         </p:txBody>
@@ -9471,7 +9471,7 @@
                 <a:latin typeface="Euclid Circular B" panose="020B0504000000000000" pitchFamily="34" charset="0"/>
                 <a:ea typeface="Euclid Circular B" panose="020B0504000000000000" pitchFamily="34" charset="0"/>
               </a:rPr>
-              <a:t>About me</a:t>
+              <a:t>Title</a:t>
             </a:r>
           </a:p>
         </p:txBody>
@@ -9591,7 +9591,7 @@
                 <a:latin typeface="Euclid Circular B" panose="020B0504000000000000" pitchFamily="34" charset="0"/>
                 <a:ea typeface="Euclid Circular B" panose="020B0504000000000000" pitchFamily="34" charset="0"/>
               </a:rPr>
-              <a:t>About me</a:t>
+              <a:t>Title</a:t>
             </a:r>
           </a:p>
         </p:txBody>
@@ -9831,7 +9831,7 @@
                 <a:latin typeface="Euclid Circular B" panose="020B0504000000000000" pitchFamily="34" charset="0"/>
                 <a:ea typeface="Euclid Circular B" panose="020B0504000000000000" pitchFamily="34" charset="0"/>
               </a:rPr>
-              <a:t>About me</a:t>
+              <a:t>Title</a:t>
             </a:r>
           </a:p>
         </p:txBody>
@@ -9951,7 +9951,7 @@
                 <a:latin typeface="Euclid Circular B" panose="020B0504000000000000" pitchFamily="34" charset="0"/>
                 <a:ea typeface="Euclid Circular B" panose="020B0504000000000000" pitchFamily="34" charset="0"/>
               </a:rPr>
-              <a:t>About me</a:t>
+              <a:t>Title</a:t>
             </a:r>
           </a:p>
         </p:txBody>
@@ -10064,15 +10064,22 @@
           <a:lstStyle/>
           <a:p>
             <a:r>
-              <a:rPr lang="en-US" b="1" dirty="0">
+              <a:rPr lang="en-US" b="1">
                 <a:solidFill>
                   <a:srgbClr val="292D33"/>
                 </a:solidFill>
                 <a:latin typeface="Euclid Circular B" panose="020B0504000000000000" pitchFamily="34" charset="0"/>
                 <a:ea typeface="Euclid Circular B" panose="020B0504000000000000" pitchFamily="34" charset="0"/>
               </a:rPr>
-              <a:t>About me</a:t>
-            </a:r>
+              <a:t>Title</a:t>
+            </a:r>
+            <a:endParaRPr lang="en-US" b="1" dirty="0">
+              <a:solidFill>
+                <a:srgbClr val="292D33"/>
+              </a:solidFill>
+              <a:latin typeface="Euclid Circular B" panose="020B0504000000000000" pitchFamily="34" charset="0"/>
+              <a:ea typeface="Euclid Circular B" panose="020B0504000000000000" pitchFamily="34" charset="0"/>
+            </a:endParaRPr>
           </a:p>
         </p:txBody>
       </p:sp>
@@ -10404,7 +10411,7 @@
           <a:graphicData uri="http://schemas.openxmlformats.org/presentationml/2006/ole">
             <mc:AlternateContent xmlns:mc="http://schemas.openxmlformats.org/markup-compatibility/2006">
               <mc:Choice xmlns:v="urn:schemas-microsoft-com:vml" Requires="v">
-                <p:oleObj spid="_x0000_s2062" name="Bitmap Image" r:id="rId4" imgW="12553920" imgH="8362800" progId="Paint.Picture">
+                <p:oleObj spid="_x0000_s2065" name="Bitmap Image" r:id="rId4" imgW="12553920" imgH="8362800" progId="Paint.Picture">
                   <p:embed/>
                 </p:oleObj>
               </mc:Choice>
@@ -12025,7 +12032,7 @@
           <a:graphicData uri="http://schemas.openxmlformats.org/presentationml/2006/ole">
             <mc:AlternateContent xmlns:mc="http://schemas.openxmlformats.org/markup-compatibility/2006">
               <mc:Choice xmlns:v="urn:schemas-microsoft-com:vml" Requires="v">
-                <p:oleObj spid="_x0000_s3084" name="Bitmap Image" r:id="rId4" imgW="17059320" imgH="5762520" progId="Paint.Picture">
+                <p:oleObj spid="_x0000_s3087" name="Bitmap Image" r:id="rId4" imgW="17059320" imgH="5762520" progId="Paint.Picture">
                   <p:embed/>
                 </p:oleObj>
               </mc:Choice>

--- a/2022-05-12 Designing Monolith First (TR)/Monolith First Presentation.pptx
+++ b/2022-05-12 Designing Monolith First (TR)/Monolith First Presentation.pptx
@@ -25,18 +25,19 @@
     <p:sldId id="287" r:id="rId19"/>
     <p:sldId id="286" r:id="rId20"/>
     <p:sldId id="284" r:id="rId21"/>
-    <p:sldId id="285" r:id="rId22"/>
-    <p:sldId id="270" r:id="rId23"/>
-    <p:sldId id="260" r:id="rId24"/>
-    <p:sldId id="261" r:id="rId25"/>
-    <p:sldId id="271" r:id="rId26"/>
-    <p:sldId id="262" r:id="rId27"/>
-    <p:sldId id="263" r:id="rId28"/>
-    <p:sldId id="264" r:id="rId29"/>
-    <p:sldId id="265" r:id="rId30"/>
-    <p:sldId id="266" r:id="rId31"/>
-    <p:sldId id="267" r:id="rId32"/>
-    <p:sldId id="268" r:id="rId33"/>
+    <p:sldId id="288" r:id="rId22"/>
+    <p:sldId id="285" r:id="rId23"/>
+    <p:sldId id="270" r:id="rId24"/>
+    <p:sldId id="260" r:id="rId25"/>
+    <p:sldId id="261" r:id="rId26"/>
+    <p:sldId id="271" r:id="rId27"/>
+    <p:sldId id="262" r:id="rId28"/>
+    <p:sldId id="263" r:id="rId29"/>
+    <p:sldId id="264" r:id="rId30"/>
+    <p:sldId id="265" r:id="rId31"/>
+    <p:sldId id="266" r:id="rId32"/>
+    <p:sldId id="267" r:id="rId33"/>
+    <p:sldId id="268" r:id="rId34"/>
   </p:sldIdLst>
   <p:sldSz cx="12192000" cy="6858000"/>
   <p:notesSz cx="6858000" cy="9144000"/>
@@ -8014,7 +8015,7 @@
                 <a:latin typeface="Euclid Circular B" panose="020B0504000000000000" pitchFamily="34" charset="0"/>
                 <a:ea typeface="Euclid Circular B" panose="020B0504000000000000" pitchFamily="34" charset="0"/>
               </a:rPr>
-              <a:t>: Who is for?</a:t>
+              <a:t>: Who is (not) for?</a:t>
             </a:r>
           </a:p>
         </p:txBody>
@@ -8037,16 +8038,95 @@
         </p:nvSpPr>
         <p:spPr/>
         <p:txBody>
-          <a:bodyPr/>
+          <a:bodyPr>
+            <a:normAutofit/>
+          </a:bodyPr>
           <a:lstStyle/>
           <a:p>
-            <a:r>
-              <a:rPr lang="en-US" dirty="0">
-                <a:latin typeface="Euclid Circular B" panose="020B0504000000000000" pitchFamily="34" charset="0"/>
-                <a:ea typeface="Euclid Circular B" panose="020B0504000000000000" pitchFamily="34" charset="0"/>
-              </a:rPr>
-              <a:t>TODO: most business don’t need it!</a:t>
-            </a:r>
+            <a:pPr marL="0" indent="0">
+              <a:buNone/>
+            </a:pPr>
+            <a:r>
+              <a:rPr lang="en-US" sz="3200" dirty="0">
+                <a:latin typeface="Euclid Circular B" panose="020B0504000000000000" pitchFamily="34" charset="0"/>
+                <a:ea typeface="Euclid Circular B" panose="020B0504000000000000" pitchFamily="34" charset="0"/>
+              </a:rPr>
+              <a:t>My primary guideline would be </a:t>
+            </a:r>
+            <a:r>
+              <a:rPr lang="en-US" sz="3200" b="1" dirty="0">
+                <a:latin typeface="Euclid Circular B" panose="020B0504000000000000" pitchFamily="34" charset="0"/>
+                <a:ea typeface="Euclid Circular B" panose="020B0504000000000000" pitchFamily="34" charset="0"/>
+              </a:rPr>
+              <a:t>don't even consider microservices unless you have a system that's too complex to manage as a monolith</a:t>
+            </a:r>
+            <a:r>
+              <a:rPr lang="en-US" sz="3200" dirty="0">
+                <a:latin typeface="Euclid Circular B" panose="020B0504000000000000" pitchFamily="34" charset="0"/>
+                <a:ea typeface="Euclid Circular B" panose="020B0504000000000000" pitchFamily="34" charset="0"/>
+              </a:rPr>
+              <a:t>. The majority of software systems should be built as a single monolithic application. Do pay attention to good </a:t>
+            </a:r>
+            <a:r>
+              <a:rPr lang="en-US" sz="3200" b="1" dirty="0">
+                <a:latin typeface="Euclid Circular B" panose="020B0504000000000000" pitchFamily="34" charset="0"/>
+                <a:ea typeface="Euclid Circular B" panose="020B0504000000000000" pitchFamily="34" charset="0"/>
+              </a:rPr>
+              <a:t>modularity </a:t>
+            </a:r>
+            <a:r>
+              <a:rPr lang="en-US" sz="3200" dirty="0">
+                <a:latin typeface="Euclid Circular B" panose="020B0504000000000000" pitchFamily="34" charset="0"/>
+                <a:ea typeface="Euclid Circular B" panose="020B0504000000000000" pitchFamily="34" charset="0"/>
+              </a:rPr>
+              <a:t>within that monolith, but don't try to separate it into separate services.</a:t>
+            </a:r>
+          </a:p>
+          <a:p>
+            <a:pPr marL="0" indent="0">
+              <a:buNone/>
+            </a:pPr>
+            <a:endParaRPr lang="en-US" sz="1800" dirty="0">
+              <a:latin typeface="Euclid Circular B" panose="020B0504000000000000" pitchFamily="34" charset="0"/>
+              <a:ea typeface="Euclid Circular B" panose="020B0504000000000000" pitchFamily="34" charset="0"/>
+            </a:endParaRPr>
+          </a:p>
+          <a:p>
+            <a:pPr marL="0" indent="0">
+              <a:buNone/>
+            </a:pPr>
+            <a:r>
+              <a:rPr lang="en-US" sz="3600" b="1" dirty="0">
+                <a:latin typeface="Euclid Circular B" panose="020B0504000000000000" pitchFamily="34" charset="0"/>
+                <a:ea typeface="Euclid Circular B" panose="020B0504000000000000" pitchFamily="34" charset="0"/>
+              </a:rPr>
+              <a:t>--- Martin Fowler</a:t>
+            </a:r>
+            <a:br>
+              <a:rPr lang="en-US" sz="3600" b="1" dirty="0">
+                <a:latin typeface="Euclid Circular B" panose="020B0504000000000000" pitchFamily="34" charset="0"/>
+                <a:ea typeface="Euclid Circular B" panose="020B0504000000000000" pitchFamily="34" charset="0"/>
+              </a:rPr>
+            </a:br>
+            <a:r>
+              <a:rPr lang="en-US" sz="1400" i="1" dirty="0">
+                <a:latin typeface="Euclid Circular B" panose="020B0504000000000000" pitchFamily="34" charset="0"/>
+                <a:ea typeface="Euclid Circular B" panose="020B0504000000000000" pitchFamily="34" charset="0"/>
+                <a:hlinkClick r:id="rId3"/>
+              </a:rPr>
+              <a:t>https://martinfowler.com/bliki/MicroservicePremium.html</a:t>
+            </a:r>
+            <a:r>
+              <a:rPr lang="en-US" sz="1400" i="1" dirty="0">
+                <a:latin typeface="Euclid Circular B" panose="020B0504000000000000" pitchFamily="34" charset="0"/>
+                <a:ea typeface="Euclid Circular B" panose="020B0504000000000000" pitchFamily="34" charset="0"/>
+              </a:rPr>
+              <a:t> </a:t>
+            </a:r>
+            <a:endParaRPr lang="en-US" sz="3600" i="1" dirty="0">
+              <a:latin typeface="Euclid Circular B" panose="020B0504000000000000" pitchFamily="34" charset="0"/>
+              <a:ea typeface="Euclid Circular B" panose="020B0504000000000000" pitchFamily="34" charset="0"/>
+            </a:endParaRPr>
           </a:p>
         </p:txBody>
       </p:sp>
@@ -8060,6 +8140,97 @@
   <p:clrMapOvr>
     <a:masterClrMapping/>
   </p:clrMapOvr>
+  <p:timing>
+    <p:tnLst>
+      <p:par>
+        <p:cTn id="1" dur="indefinite" restart="never" nodeType="tmRoot">
+          <p:childTnLst>
+            <p:seq concurrent="1" nextAc="seek">
+              <p:cTn id="2" dur="indefinite" nodeType="mainSeq">
+                <p:childTnLst>
+                  <p:par>
+                    <p:cTn id="3" fill="hold">
+                      <p:stCondLst>
+                        <p:cond delay="indefinite"/>
+                      </p:stCondLst>
+                      <p:childTnLst>
+                        <p:par>
+                          <p:cTn id="4" fill="hold">
+                            <p:stCondLst>
+                              <p:cond delay="0"/>
+                            </p:stCondLst>
+                            <p:childTnLst>
+                              <p:par>
+                                <p:cTn id="5" presetID="10" presetClass="entr" presetSubtype="0" fill="hold" nodeType="clickEffect">
+                                  <p:stCondLst>
+                                    <p:cond delay="0"/>
+                                  </p:stCondLst>
+                                  <p:childTnLst>
+                                    <p:set>
+                                      <p:cBhvr>
+                                        <p:cTn id="6" dur="1" fill="hold">
+                                          <p:stCondLst>
+                                            <p:cond delay="0"/>
+                                          </p:stCondLst>
+                                        </p:cTn>
+                                        <p:tgtEl>
+                                          <p:spTgt spid="3">
+                                            <p:txEl>
+                                              <p:pRg st="2" end="2"/>
+                                            </p:txEl>
+                                          </p:spTgt>
+                                        </p:tgtEl>
+                                        <p:attrNameLst>
+                                          <p:attrName>style.visibility</p:attrName>
+                                        </p:attrNameLst>
+                                      </p:cBhvr>
+                                      <p:to>
+                                        <p:strVal val="visible"/>
+                                      </p:to>
+                                    </p:set>
+                                    <p:animEffect transition="in" filter="fade">
+                                      <p:cBhvr>
+                                        <p:cTn id="7" dur="500"/>
+                                        <p:tgtEl>
+                                          <p:spTgt spid="3">
+                                            <p:txEl>
+                                              <p:pRg st="2" end="2"/>
+                                            </p:txEl>
+                                          </p:spTgt>
+                                        </p:tgtEl>
+                                      </p:cBhvr>
+                                    </p:animEffect>
+                                  </p:childTnLst>
+                                </p:cTn>
+                              </p:par>
+                            </p:childTnLst>
+                          </p:cTn>
+                        </p:par>
+                      </p:childTnLst>
+                    </p:cTn>
+                  </p:par>
+                </p:childTnLst>
+              </p:cTn>
+              <p:prevCondLst>
+                <p:cond evt="onPrev" delay="0">
+                  <p:tgtEl>
+                    <p:sldTgt/>
+                  </p:tgtEl>
+                </p:cond>
+              </p:prevCondLst>
+              <p:nextCondLst>
+                <p:cond evt="onNext" delay="0">
+                  <p:tgtEl>
+                    <p:sldTgt/>
+                  </p:tgtEl>
+                </p:cond>
+              </p:nextCondLst>
+            </p:seq>
+          </p:childTnLst>
+        </p:cTn>
+      </p:par>
+    </p:tnLst>
+  </p:timing>
 </p:sld>
 </file>
 
@@ -8154,7 +8325,12 @@
             <p:ph idx="1"/>
           </p:nvPr>
         </p:nvSpPr>
-        <p:spPr/>
+        <p:spPr>
+          <a:xfrm>
+            <a:off x="838200" y="1825625"/>
+            <a:ext cx="3916680" cy="4351338"/>
+          </a:xfrm>
+        </p:spPr>
         <p:txBody>
           <a:bodyPr/>
           <a:lstStyle/>
@@ -8164,22 +8340,72 @@
                 <a:latin typeface="Euclid Circular B" panose="020B0504000000000000" pitchFamily="34" charset="0"/>
                 <a:ea typeface="Euclid Circular B" panose="020B0504000000000000" pitchFamily="34" charset="0"/>
               </a:rPr>
-              <a:t>TODO</a:t>
-            </a:r>
-            <a:r>
-              <a:rPr lang="en-US">
-                <a:latin typeface="Euclid Circular B" panose="020B0504000000000000" pitchFamily="34" charset="0"/>
-                <a:ea typeface="Euclid Circular B" panose="020B0504000000000000" pitchFamily="34" charset="0"/>
-              </a:rPr>
-              <a:t>: ...</a:t>
-            </a:r>
-            <a:endParaRPr lang="en-US" dirty="0">
-              <a:latin typeface="Euclid Circular B" panose="020B0504000000000000" pitchFamily="34" charset="0"/>
-              <a:ea typeface="Euclid Circular B" panose="020B0504000000000000" pitchFamily="34" charset="0"/>
-            </a:endParaRPr>
+              <a:t>You </a:t>
+            </a:r>
+            <a:r>
+              <a:rPr lang="en-US" b="1" dirty="0">
+                <a:latin typeface="Euclid Circular B" panose="020B0504000000000000" pitchFamily="34" charset="0"/>
+                <a:ea typeface="Euclid Circular B" panose="020B0504000000000000" pitchFamily="34" charset="0"/>
+              </a:rPr>
+              <a:t>shouldn't start a new project with microservices</a:t>
+            </a:r>
+            <a:r>
+              <a:rPr lang="en-US" dirty="0">
+                <a:latin typeface="Euclid Circular B" panose="020B0504000000000000" pitchFamily="34" charset="0"/>
+                <a:ea typeface="Euclid Circular B" panose="020B0504000000000000" pitchFamily="34" charset="0"/>
+              </a:rPr>
+              <a:t>, even if you're sure your application will be big enough to make it worthwhile.</a:t>
+            </a:r>
           </a:p>
         </p:txBody>
       </p:sp>
+      <p:pic>
+        <p:nvPicPr>
+          <p:cNvPr id="4100" name="Picture 4">
+            <a:extLst>
+              <a:ext uri="{FF2B5EF4-FFF2-40B4-BE49-F238E27FC236}">
+                <a16:creationId xmlns:a16="http://schemas.microsoft.com/office/drawing/2014/main" id="{41395D5B-27CF-4DE7-AC2B-E60B886CDD73}"/>
+              </a:ext>
+            </a:extLst>
+          </p:cNvPr>
+          <p:cNvPicPr>
+            <a:picLocks noChangeAspect="1" noChangeArrowheads="1"/>
+          </p:cNvPicPr>
+          <p:nvPr/>
+        </p:nvPicPr>
+        <p:blipFill>
+          <a:blip r:embed="rId3">
+            <a:extLst>
+              <a:ext uri="{28A0092B-C50C-407E-A947-70E740481C1C}">
+                <a14:useLocalDpi xmlns:a14="http://schemas.microsoft.com/office/drawing/2010/main" val="0"/>
+              </a:ext>
+            </a:extLst>
+          </a:blip>
+          <a:srcRect/>
+          <a:stretch>
+            <a:fillRect/>
+          </a:stretch>
+        </p:blipFill>
+        <p:spPr bwMode="auto">
+          <a:xfrm>
+            <a:off x="4754879" y="1825625"/>
+            <a:ext cx="7149803" cy="4026535"/>
+          </a:xfrm>
+          <a:prstGeom prst="rect">
+            <a:avLst/>
+          </a:prstGeom>
+          <a:noFill/>
+          <a:extLst>
+            <a:ext uri="{909E8E84-426E-40DD-AFC4-6F175D3DCCD1}">
+              <a14:hiddenFill xmlns:a14="http://schemas.microsoft.com/office/drawing/2010/main">
+                <a:solidFill>
+                  <a:srgbClr val="FFFFFF"/>
+                </a:solidFill>
+              </a14:hiddenFill>
+            </a:ext>
+          </a:extLst>
+        </p:spPr>
+      </p:pic>
     </p:spTree>
     <p:extLst>
       <p:ext uri="{BB962C8B-B14F-4D97-AF65-F5344CB8AC3E}">
@@ -8190,6 +8416,89 @@
   <p:clrMapOvr>
     <a:masterClrMapping/>
   </p:clrMapOvr>
+  <p:timing>
+    <p:tnLst>
+      <p:par>
+        <p:cTn id="1" dur="indefinite" restart="never" nodeType="tmRoot">
+          <p:childTnLst>
+            <p:seq concurrent="1" nextAc="seek">
+              <p:cTn id="2" dur="indefinite" nodeType="mainSeq">
+                <p:childTnLst>
+                  <p:par>
+                    <p:cTn id="3" fill="hold">
+                      <p:stCondLst>
+                        <p:cond delay="indefinite"/>
+                      </p:stCondLst>
+                      <p:childTnLst>
+                        <p:par>
+                          <p:cTn id="4" fill="hold">
+                            <p:stCondLst>
+                              <p:cond delay="0"/>
+                            </p:stCondLst>
+                            <p:childTnLst>
+                              <p:par>
+                                <p:cTn id="5" presetID="10" presetClass="entr" presetSubtype="0" fill="hold" nodeType="clickEffect">
+                                  <p:stCondLst>
+                                    <p:cond delay="0"/>
+                                  </p:stCondLst>
+                                  <p:childTnLst>
+                                    <p:set>
+                                      <p:cBhvr>
+                                        <p:cTn id="6" dur="1" fill="hold">
+                                          <p:stCondLst>
+                                            <p:cond delay="0"/>
+                                          </p:stCondLst>
+                                        </p:cTn>
+                                        <p:tgtEl>
+                                          <p:spTgt spid="4100"/>
+                                        </p:tgtEl>
+                                        <p:attrNameLst>
+                                          <p:attrName>style.visibility</p:attrName>
+                                        </p:attrNameLst>
+                                      </p:cBhvr>
+                                      <p:to>
+                                        <p:strVal val="visible"/>
+                                      </p:to>
+                                    </p:set>
+                                    <p:animEffect transition="in" filter="fade">
+                                      <p:cBhvr>
+                                        <p:cTn id="7" dur="500"/>
+                                        <p:tgtEl>
+                                          <p:spTgt spid="4100"/>
+                                        </p:tgtEl>
+                                      </p:cBhvr>
+                                    </p:animEffect>
+                                  </p:childTnLst>
+                                </p:cTn>
+                              </p:par>
+                            </p:childTnLst>
+                          </p:cTn>
+                        </p:par>
+                      </p:childTnLst>
+                    </p:cTn>
+                  </p:par>
+                </p:childTnLst>
+              </p:cTn>
+              <p:prevCondLst>
+                <p:cond evt="onPrev" delay="0">
+                  <p:tgtEl>
+                    <p:sldTgt/>
+                  </p:tgtEl>
+                </p:cond>
+              </p:prevCondLst>
+              <p:nextCondLst>
+                <p:cond evt="onNext" delay="0">
+                  <p:tgtEl>
+                    <p:sldTgt/>
+                  </p:tgtEl>
+                </p:cond>
+              </p:nextCondLst>
+            </p:seq>
+          </p:childTnLst>
+        </p:cTn>
+      </p:par>
+    </p:tnLst>
+  </p:timing>
 </p:sld>
 </file>
 
@@ -8294,19 +8603,35 @@
                 <a:latin typeface="Euclid Circular B" panose="020B0504000000000000" pitchFamily="34" charset="0"/>
                 <a:ea typeface="Euclid Circular B" panose="020B0504000000000000" pitchFamily="34" charset="0"/>
               </a:rPr>
-              <a:t>TODO</a:t>
-            </a:r>
-            <a:r>
-              <a:rPr lang="en-US">
-                <a:latin typeface="Euclid Circular B" panose="020B0504000000000000" pitchFamily="34" charset="0"/>
-                <a:ea typeface="Euclid Circular B" panose="020B0504000000000000" pitchFamily="34" charset="0"/>
-              </a:rPr>
-              <a:t>: ...</a:t>
-            </a:r>
-            <a:endParaRPr lang="en-US" dirty="0">
-              <a:latin typeface="Euclid Circular B" panose="020B0504000000000000" pitchFamily="34" charset="0"/>
-              <a:ea typeface="Euclid Circular B" panose="020B0504000000000000" pitchFamily="34" charset="0"/>
-            </a:endParaRPr>
+              <a:t>YAGNI: Create a simplistic version first, maybe it won’t succeed.</a:t>
+            </a:r>
+          </a:p>
+          <a:p>
+            <a:r>
+              <a:rPr lang="en-US" dirty="0">
+                <a:latin typeface="Euclid Circular B" panose="020B0504000000000000" pitchFamily="34" charset="0"/>
+                <a:ea typeface="Euclid Circular B" panose="020B0504000000000000" pitchFamily="34" charset="0"/>
+              </a:rPr>
+              <a:t>Fast MVP, shorter time to market</a:t>
+            </a:r>
+          </a:p>
+          <a:p>
+            <a:r>
+              <a:rPr lang="en-US" dirty="0">
+                <a:latin typeface="Euclid Circular B" panose="020B0504000000000000" pitchFamily="34" charset="0"/>
+                <a:ea typeface="Euclid Circular B" panose="020B0504000000000000" pitchFamily="34" charset="0"/>
+              </a:rPr>
+              <a:t>Service boundaries &amp; business requirements are not clear –refactoring a monolith is easier than a microservices</a:t>
+            </a:r>
+          </a:p>
+          <a:p>
+            <a:r>
+              <a:rPr lang="en-US" dirty="0">
+                <a:latin typeface="Euclid Circular B" panose="020B0504000000000000" pitchFamily="34" charset="0"/>
+                <a:ea typeface="Euclid Circular B" panose="020B0504000000000000" pitchFamily="34" charset="0"/>
+              </a:rPr>
+              <a:t>You’ve a small team</a:t>
+            </a:r>
           </a:p>
         </p:txBody>
       </p:sp>
@@ -8320,6 +8645,280 @@
   <p:clrMapOvr>
     <a:masterClrMapping/>
   </p:clrMapOvr>
+  <p:timing>
+    <p:tnLst>
+      <p:par>
+        <p:cTn id="1" dur="indefinite" restart="never" nodeType="tmRoot">
+          <p:childTnLst>
+            <p:seq concurrent="1" nextAc="seek">
+              <p:cTn id="2" dur="indefinite" nodeType="mainSeq">
+                <p:childTnLst>
+                  <p:par>
+                    <p:cTn id="3" fill="hold">
+                      <p:stCondLst>
+                        <p:cond delay="indefinite"/>
+                      </p:stCondLst>
+                      <p:childTnLst>
+                        <p:par>
+                          <p:cTn id="4" fill="hold">
+                            <p:stCondLst>
+                              <p:cond delay="0"/>
+                            </p:stCondLst>
+                            <p:childTnLst>
+                              <p:par>
+                                <p:cTn id="5" presetID="10" presetClass="entr" presetSubtype="0" fill="hold" nodeType="clickEffect">
+                                  <p:stCondLst>
+                                    <p:cond delay="0"/>
+                                  </p:stCondLst>
+                                  <p:childTnLst>
+                                    <p:set>
+                                      <p:cBhvr>
+                                        <p:cTn id="6" dur="1" fill="hold">
+                                          <p:stCondLst>
+                                            <p:cond delay="0"/>
+                                          </p:stCondLst>
+                                        </p:cTn>
+                                        <p:tgtEl>
+                                          <p:spTgt spid="3">
+                                            <p:txEl>
+                                              <p:pRg st="0" end="0"/>
+                                            </p:txEl>
+                                          </p:spTgt>
+                                        </p:tgtEl>
+                                        <p:attrNameLst>
+                                          <p:attrName>style.visibility</p:attrName>
+                                        </p:attrNameLst>
+                                      </p:cBhvr>
+                                      <p:to>
+                                        <p:strVal val="visible"/>
+                                      </p:to>
+                                    </p:set>
+                                    <p:animEffect transition="in" filter="fade">
+                                      <p:cBhvr>
+                                        <p:cTn id="7" dur="500"/>
+                                        <p:tgtEl>
+                                          <p:spTgt spid="3">
+                                            <p:txEl>
+                                              <p:pRg st="0" end="0"/>
+                                            </p:txEl>
+                                          </p:spTgt>
+                                        </p:tgtEl>
+                                      </p:cBhvr>
+                                    </p:animEffect>
+                                  </p:childTnLst>
+                                </p:cTn>
+                              </p:par>
+                            </p:childTnLst>
+                          </p:cTn>
+                        </p:par>
+                      </p:childTnLst>
+                    </p:cTn>
+                  </p:par>
+                  <p:par>
+                    <p:cTn id="8" fill="hold">
+                      <p:stCondLst>
+                        <p:cond delay="indefinite"/>
+                      </p:stCondLst>
+                      <p:childTnLst>
+                        <p:par>
+                          <p:cTn id="9" fill="hold">
+                            <p:stCondLst>
+                              <p:cond delay="0"/>
+                            </p:stCondLst>
+                            <p:childTnLst>
+                              <p:par>
+                                <p:cTn id="10" presetID="10" presetClass="entr" presetSubtype="0" fill="hold" nodeType="clickEffect">
+                                  <p:stCondLst>
+                                    <p:cond delay="0"/>
+                                  </p:stCondLst>
+                                  <p:childTnLst>
+                                    <p:set>
+                                      <p:cBhvr>
+                                        <p:cTn id="11" dur="1" fill="hold">
+                                          <p:stCondLst>
+                                            <p:cond delay="0"/>
+                                          </p:stCondLst>
+                                        </p:cTn>
+                                        <p:tgtEl>
+                                          <p:spTgt spid="3">
+                                            <p:txEl>
+                                              <p:pRg st="1" end="1"/>
+                                            </p:txEl>
+                                          </p:spTgt>
+                                        </p:tgtEl>
+                                        <p:attrNameLst>
+                                          <p:attrName>style.visibility</p:attrName>
+                                        </p:attrNameLst>
+                                      </p:cBhvr>
+                                      <p:to>
+                                        <p:strVal val="visible"/>
+                                      </p:to>
+                                    </p:set>
+                                    <p:animEffect transition="in" filter="fade">
+                                      <p:cBhvr>
+                                        <p:cTn id="12" dur="500"/>
+                                        <p:tgtEl>
+                                          <p:spTgt spid="3">
+                                            <p:txEl>
+                                              <p:pRg st="1" end="1"/>
+                                            </p:txEl>
+                                          </p:spTgt>
+                                        </p:tgtEl>
+                                      </p:cBhvr>
+                                    </p:animEffect>
+                                  </p:childTnLst>
+                                </p:cTn>
+                              </p:par>
+                            </p:childTnLst>
+                          </p:cTn>
+                        </p:par>
+                      </p:childTnLst>
+                    </p:cTn>
+                  </p:par>
+                  <p:par>
+                    <p:cTn id="13" fill="hold">
+                      <p:stCondLst>
+                        <p:cond delay="indefinite"/>
+                      </p:stCondLst>
+                      <p:childTnLst>
+                        <p:par>
+                          <p:cTn id="14" fill="hold">
+                            <p:stCondLst>
+                              <p:cond delay="0"/>
+                            </p:stCondLst>
+                            <p:childTnLst>
+                              <p:par>
+                                <p:cTn id="15" presetID="10" presetClass="entr" presetSubtype="0" fill="hold" nodeType="clickEffect">
+                                  <p:stCondLst>
+                                    <p:cond delay="0"/>
+                                  </p:stCondLst>
+                                  <p:childTnLst>
+                                    <p:set>
+                                      <p:cBhvr>
+                                        <p:cTn id="16" dur="1" fill="hold">
+                                          <p:stCondLst>
+                                            <p:cond delay="0"/>
+                                          </p:stCondLst>
+                                        </p:cTn>
+                                        <p:tgtEl>
+                                          <p:spTgt spid="3">
+                                            <p:txEl>
+                                              <p:pRg st="2" end="2"/>
+                                            </p:txEl>
+                                          </p:spTgt>
+                                        </p:tgtEl>
+                                        <p:attrNameLst>
+                                          <p:attrName>style.visibility</p:attrName>
+                                        </p:attrNameLst>
+                                      </p:cBhvr>
+                                      <p:to>
+                                        <p:strVal val="visible"/>
+                                      </p:to>
+                                    </p:set>
+                                    <p:animEffect transition="in" filter="fade">
+                                      <p:cBhvr>
+                                        <p:cTn id="17" dur="500"/>
+                                        <p:tgtEl>
+                                          <p:spTgt spid="3">
+                                            <p:txEl>
+                                              <p:pRg st="2" end="2"/>
+                                            </p:txEl>
+                                          </p:spTgt>
+                                        </p:tgtEl>
+                                      </p:cBhvr>
+                                    </p:animEffect>
+                                  </p:childTnLst>
+                                </p:cTn>
+                              </p:par>
+                            </p:childTnLst>
+                          </p:cTn>
+                        </p:par>
+                      </p:childTnLst>
+                    </p:cTn>
+                  </p:par>
+                  <p:par>
+                    <p:cTn id="18" fill="hold">
+                      <p:stCondLst>
+                        <p:cond delay="indefinite"/>
+                      </p:stCondLst>
+                      <p:childTnLst>
+                        <p:par>
+                          <p:cTn id="19" fill="hold">
+                            <p:stCondLst>
+                              <p:cond delay="0"/>
+                            </p:stCondLst>
+                            <p:childTnLst>
+                              <p:par>
+                                <p:cTn id="20" presetID="10" presetClass="entr" presetSubtype="0" fill="hold" nodeType="clickEffect">
+                                  <p:stCondLst>
+                                    <p:cond delay="0"/>
+                                  </p:stCondLst>
+                                  <p:childTnLst>
+                                    <p:set>
+                                      <p:cBhvr>
+                                        <p:cTn id="21" dur="1" fill="hold">
+                                          <p:stCondLst>
+                                            <p:cond delay="0"/>
+                                          </p:stCondLst>
+                                        </p:cTn>
+                                        <p:tgtEl>
+                                          <p:spTgt spid="3">
+                                            <p:txEl>
+                                              <p:pRg st="3" end="3"/>
+                                            </p:txEl>
+                                          </p:spTgt>
+                                        </p:tgtEl>
+                                        <p:attrNameLst>
+                                          <p:attrName>style.visibility</p:attrName>
+                                        </p:attrNameLst>
+                                      </p:cBhvr>
+                                      <p:to>
+                                        <p:strVal val="visible"/>
+                                      </p:to>
+                                    </p:set>
+                                    <p:animEffect transition="in" filter="fade">
+                                      <p:cBhvr>
+                                        <p:cTn id="22" dur="500"/>
+                                        <p:tgtEl>
+                                          <p:spTgt spid="3">
+                                            <p:txEl>
+                                              <p:pRg st="3" end="3"/>
+                                            </p:txEl>
+                                          </p:spTgt>
+                                        </p:tgtEl>
+                                      </p:cBhvr>
+                                    </p:animEffect>
+                                  </p:childTnLst>
+                                </p:cTn>
+                              </p:par>
+                            </p:childTnLst>
+                          </p:cTn>
+                        </p:par>
+                      </p:childTnLst>
+                    </p:cTn>
+                  </p:par>
+                </p:childTnLst>
+              </p:cTn>
+              <p:prevCondLst>
+                <p:cond evt="onPrev" delay="0">
+                  <p:tgtEl>
+                    <p:sldTgt/>
+                  </p:tgtEl>
+                </p:cond>
+              </p:prevCondLst>
+              <p:nextCondLst>
+                <p:cond evt="onNext" delay="0">
+                  <p:tgtEl>
+                    <p:sldTgt/>
+                  </p:tgtEl>
+                </p:cond>
+              </p:nextCondLst>
+            </p:seq>
+          </p:childTnLst>
+        </p:cTn>
+      </p:par>
+    </p:tnLst>
+  </p:timing>
 </p:sld>
 </file>
 
@@ -8492,8 +9091,25 @@
                 <a:latin typeface="Euclid Circular B" panose="020B0504000000000000" pitchFamily="34" charset="0"/>
                 <a:ea typeface="Euclid Circular B" panose="020B0504000000000000" pitchFamily="34" charset="0"/>
               </a:rPr>
-              <a:t>Title</a:t>
-            </a:r>
+              <a:t>Monolith first</a:t>
+            </a:r>
+            <a:r>
+              <a:rPr lang="en-US" dirty="0">
+                <a:solidFill>
+                  <a:srgbClr val="292D33"/>
+                </a:solidFill>
+                <a:latin typeface="Euclid Circular B" panose="020B0504000000000000" pitchFamily="34" charset="0"/>
+                <a:ea typeface="Euclid Circular B" panose="020B0504000000000000" pitchFamily="34" charset="0"/>
+              </a:rPr>
+              <a:t>: How?</a:t>
+            </a:r>
+            <a:endParaRPr lang="en-US" b="1" dirty="0">
+              <a:solidFill>
+                <a:srgbClr val="292D33"/>
+              </a:solidFill>
+              <a:latin typeface="Euclid Circular B" panose="020B0504000000000000" pitchFamily="34" charset="0"/>
+              <a:ea typeface="Euclid Circular B" panose="020B0504000000000000" pitchFamily="34" charset="0"/>
+            </a:endParaRPr>
           </a:p>
         </p:txBody>
       </p:sp>
@@ -8523,19 +9139,35 @@
                 <a:latin typeface="Euclid Circular B" panose="020B0504000000000000" pitchFamily="34" charset="0"/>
                 <a:ea typeface="Euclid Circular B" panose="020B0504000000000000" pitchFamily="34" charset="0"/>
               </a:rPr>
-              <a:t>TODO</a:t>
-            </a:r>
-            <a:r>
-              <a:rPr lang="en-US">
-                <a:latin typeface="Euclid Circular B" panose="020B0504000000000000" pitchFamily="34" charset="0"/>
-                <a:ea typeface="Euclid Circular B" panose="020B0504000000000000" pitchFamily="34" charset="0"/>
-              </a:rPr>
-              <a:t>: ...</a:t>
-            </a:r>
-            <a:endParaRPr lang="en-US" dirty="0">
-              <a:latin typeface="Euclid Circular B" panose="020B0504000000000000" pitchFamily="34" charset="0"/>
-              <a:ea typeface="Euclid Circular B" panose="020B0504000000000000" pitchFamily="34" charset="0"/>
-            </a:endParaRPr>
+              <a:t>Build as monolith (not modular), discard it and replace with microservices at some point</a:t>
+            </a:r>
+          </a:p>
+          <a:p>
+            <a:r>
+              <a:rPr lang="en-US" dirty="0">
+                <a:latin typeface="Euclid Circular B" panose="020B0504000000000000" pitchFamily="34" charset="0"/>
+                <a:ea typeface="Euclid Circular B" panose="020B0504000000000000" pitchFamily="34" charset="0"/>
+              </a:rPr>
+              <a:t>Build as monolith (may not be fully modular), introduce microservices by the time (keep the core as monolith for a while)</a:t>
+            </a:r>
+          </a:p>
+          <a:p>
+            <a:r>
+              <a:rPr lang="en-US" dirty="0">
+                <a:latin typeface="Euclid Circular B" panose="020B0504000000000000" pitchFamily="34" charset="0"/>
+                <a:ea typeface="Euclid Circular B" panose="020B0504000000000000" pitchFamily="34" charset="0"/>
+              </a:rPr>
+              <a:t>Create coarse-grained (large) services, then break down into finer-grained services as boundaries stabilize</a:t>
+            </a:r>
+          </a:p>
+          <a:p>
+            <a:r>
+              <a:rPr lang="en-US" dirty="0">
+                <a:latin typeface="Euclid Circular B" panose="020B0504000000000000" pitchFamily="34" charset="0"/>
+                <a:ea typeface="Euclid Circular B" panose="020B0504000000000000" pitchFamily="34" charset="0"/>
+              </a:rPr>
+              <a:t>Design a fully modular monolith, then migrate to microservices when it gets mature</a:t>
+            </a:r>
           </a:p>
         </p:txBody>
       </p:sp>
@@ -8549,6 +9181,280 @@
   <p:clrMapOvr>
     <a:masterClrMapping/>
   </p:clrMapOvr>
+  <p:timing>
+    <p:tnLst>
+      <p:par>
+        <p:cTn id="1" dur="indefinite" restart="never" nodeType="tmRoot">
+          <p:childTnLst>
+            <p:seq concurrent="1" nextAc="seek">
+              <p:cTn id="2" dur="indefinite" nodeType="mainSeq">
+                <p:childTnLst>
+                  <p:par>
+                    <p:cTn id="3" fill="hold">
+                      <p:stCondLst>
+                        <p:cond delay="indefinite"/>
+                      </p:stCondLst>
+                      <p:childTnLst>
+                        <p:par>
+                          <p:cTn id="4" fill="hold">
+                            <p:stCondLst>
+                              <p:cond delay="0"/>
+                            </p:stCondLst>
+                            <p:childTnLst>
+                              <p:par>
+                                <p:cTn id="5" presetID="10" presetClass="entr" presetSubtype="0" fill="hold" nodeType="clickEffect">
+                                  <p:stCondLst>
+                                    <p:cond delay="0"/>
+                                  </p:stCondLst>
+                                  <p:childTnLst>
+                                    <p:set>
+                                      <p:cBhvr>
+                                        <p:cTn id="6" dur="1" fill="hold">
+                                          <p:stCondLst>
+                                            <p:cond delay="0"/>
+                                          </p:stCondLst>
+                                        </p:cTn>
+                                        <p:tgtEl>
+                                          <p:spTgt spid="3">
+                                            <p:txEl>
+                                              <p:pRg st="0" end="0"/>
+                                            </p:txEl>
+                                          </p:spTgt>
+                                        </p:tgtEl>
+                                        <p:attrNameLst>
+                                          <p:attrName>style.visibility</p:attrName>
+                                        </p:attrNameLst>
+                                      </p:cBhvr>
+                                      <p:to>
+                                        <p:strVal val="visible"/>
+                                      </p:to>
+                                    </p:set>
+                                    <p:animEffect transition="in" filter="fade">
+                                      <p:cBhvr>
+                                        <p:cTn id="7" dur="500"/>
+                                        <p:tgtEl>
+                                          <p:spTgt spid="3">
+                                            <p:txEl>
+                                              <p:pRg st="0" end="0"/>
+                                            </p:txEl>
+                                          </p:spTgt>
+                                        </p:tgtEl>
+                                      </p:cBhvr>
+                                    </p:animEffect>
+                                  </p:childTnLst>
+                                </p:cTn>
+                              </p:par>
+                            </p:childTnLst>
+                          </p:cTn>
+                        </p:par>
+                      </p:childTnLst>
+                    </p:cTn>
+                  </p:par>
+                  <p:par>
+                    <p:cTn id="8" fill="hold">
+                      <p:stCondLst>
+                        <p:cond delay="indefinite"/>
+                      </p:stCondLst>
+                      <p:childTnLst>
+                        <p:par>
+                          <p:cTn id="9" fill="hold">
+                            <p:stCondLst>
+                              <p:cond delay="0"/>
+                            </p:stCondLst>
+                            <p:childTnLst>
+                              <p:par>
+                                <p:cTn id="10" presetID="10" presetClass="entr" presetSubtype="0" fill="hold" nodeType="clickEffect">
+                                  <p:stCondLst>
+                                    <p:cond delay="0"/>
+                                  </p:stCondLst>
+                                  <p:childTnLst>
+                                    <p:set>
+                                      <p:cBhvr>
+                                        <p:cTn id="11" dur="1" fill="hold">
+                                          <p:stCondLst>
+                                            <p:cond delay="0"/>
+                                          </p:stCondLst>
+                                        </p:cTn>
+                                        <p:tgtEl>
+                                          <p:spTgt spid="3">
+                                            <p:txEl>
+                                              <p:pRg st="1" end="1"/>
+                                            </p:txEl>
+                                          </p:spTgt>
+                                        </p:tgtEl>
+                                        <p:attrNameLst>
+                                          <p:attrName>style.visibility</p:attrName>
+                                        </p:attrNameLst>
+                                      </p:cBhvr>
+                                      <p:to>
+                                        <p:strVal val="visible"/>
+                                      </p:to>
+                                    </p:set>
+                                    <p:animEffect transition="in" filter="fade">
+                                      <p:cBhvr>
+                                        <p:cTn id="12" dur="500"/>
+                                        <p:tgtEl>
+                                          <p:spTgt spid="3">
+                                            <p:txEl>
+                                              <p:pRg st="1" end="1"/>
+                                            </p:txEl>
+                                          </p:spTgt>
+                                        </p:tgtEl>
+                                      </p:cBhvr>
+                                    </p:animEffect>
+                                  </p:childTnLst>
+                                </p:cTn>
+                              </p:par>
+                            </p:childTnLst>
+                          </p:cTn>
+                        </p:par>
+                      </p:childTnLst>
+                    </p:cTn>
+                  </p:par>
+                  <p:par>
+                    <p:cTn id="13" fill="hold">
+                      <p:stCondLst>
+                        <p:cond delay="indefinite"/>
+                      </p:stCondLst>
+                      <p:childTnLst>
+                        <p:par>
+                          <p:cTn id="14" fill="hold">
+                            <p:stCondLst>
+                              <p:cond delay="0"/>
+                            </p:stCondLst>
+                            <p:childTnLst>
+                              <p:par>
+                                <p:cTn id="15" presetID="10" presetClass="entr" presetSubtype="0" fill="hold" nodeType="clickEffect">
+                                  <p:stCondLst>
+                                    <p:cond delay="0"/>
+                                  </p:stCondLst>
+                                  <p:childTnLst>
+                                    <p:set>
+                                      <p:cBhvr>
+                                        <p:cTn id="16" dur="1" fill="hold">
+                                          <p:stCondLst>
+                                            <p:cond delay="0"/>
+                                          </p:stCondLst>
+                                        </p:cTn>
+                                        <p:tgtEl>
+                                          <p:spTgt spid="3">
+                                            <p:txEl>
+                                              <p:pRg st="2" end="2"/>
+                                            </p:txEl>
+                                          </p:spTgt>
+                                        </p:tgtEl>
+                                        <p:attrNameLst>
+                                          <p:attrName>style.visibility</p:attrName>
+                                        </p:attrNameLst>
+                                      </p:cBhvr>
+                                      <p:to>
+                                        <p:strVal val="visible"/>
+                                      </p:to>
+                                    </p:set>
+                                    <p:animEffect transition="in" filter="fade">
+                                      <p:cBhvr>
+                                        <p:cTn id="17" dur="500"/>
+                                        <p:tgtEl>
+                                          <p:spTgt spid="3">
+                                            <p:txEl>
+                                              <p:pRg st="2" end="2"/>
+                                            </p:txEl>
+                                          </p:spTgt>
+                                        </p:tgtEl>
+                                      </p:cBhvr>
+                                    </p:animEffect>
+                                  </p:childTnLst>
+                                </p:cTn>
+                              </p:par>
+                            </p:childTnLst>
+                          </p:cTn>
+                        </p:par>
+                      </p:childTnLst>
+                    </p:cTn>
+                  </p:par>
+                  <p:par>
+                    <p:cTn id="18" fill="hold">
+                      <p:stCondLst>
+                        <p:cond delay="indefinite"/>
+                      </p:stCondLst>
+                      <p:childTnLst>
+                        <p:par>
+                          <p:cTn id="19" fill="hold">
+                            <p:stCondLst>
+                              <p:cond delay="0"/>
+                            </p:stCondLst>
+                            <p:childTnLst>
+                              <p:par>
+                                <p:cTn id="20" presetID="10" presetClass="entr" presetSubtype="0" fill="hold" nodeType="clickEffect">
+                                  <p:stCondLst>
+                                    <p:cond delay="0"/>
+                                  </p:stCondLst>
+                                  <p:childTnLst>
+                                    <p:set>
+                                      <p:cBhvr>
+                                        <p:cTn id="21" dur="1" fill="hold">
+                                          <p:stCondLst>
+                                            <p:cond delay="0"/>
+                                          </p:stCondLst>
+                                        </p:cTn>
+                                        <p:tgtEl>
+                                          <p:spTgt spid="3">
+                                            <p:txEl>
+                                              <p:pRg st="3" end="3"/>
+                                            </p:txEl>
+                                          </p:spTgt>
+                                        </p:tgtEl>
+                                        <p:attrNameLst>
+                                          <p:attrName>style.visibility</p:attrName>
+                                        </p:attrNameLst>
+                                      </p:cBhvr>
+                                      <p:to>
+                                        <p:strVal val="visible"/>
+                                      </p:to>
+                                    </p:set>
+                                    <p:animEffect transition="in" filter="fade">
+                                      <p:cBhvr>
+                                        <p:cTn id="22" dur="500"/>
+                                        <p:tgtEl>
+                                          <p:spTgt spid="3">
+                                            <p:txEl>
+                                              <p:pRg st="3" end="3"/>
+                                            </p:txEl>
+                                          </p:spTgt>
+                                        </p:tgtEl>
+                                      </p:cBhvr>
+                                    </p:animEffect>
+                                  </p:childTnLst>
+                                </p:cTn>
+                              </p:par>
+                            </p:childTnLst>
+                          </p:cTn>
+                        </p:par>
+                      </p:childTnLst>
+                    </p:cTn>
+                  </p:par>
+                </p:childTnLst>
+              </p:cTn>
+              <p:prevCondLst>
+                <p:cond evt="onPrev" delay="0">
+                  <p:tgtEl>
+                    <p:sldTgt/>
+                  </p:tgtEl>
+                </p:cond>
+              </p:prevCondLst>
+              <p:nextCondLst>
+                <p:cond evt="onNext" delay="0">
+                  <p:tgtEl>
+                    <p:sldTgt/>
+                  </p:tgtEl>
+                </p:cond>
+              </p:nextCondLst>
+            </p:seq>
+          </p:childTnLst>
+        </p:cTn>
+      </p:par>
+    </p:tnLst>
+  </p:timing>
 </p:sld>
 </file>
 
@@ -8612,8 +9518,25 @@
                 <a:latin typeface="Euclid Circular B" panose="020B0504000000000000" pitchFamily="34" charset="0"/>
                 <a:ea typeface="Euclid Circular B" panose="020B0504000000000000" pitchFamily="34" charset="0"/>
               </a:rPr>
-              <a:t>Title</a:t>
-            </a:r>
+              <a:t>Monolith first</a:t>
+            </a:r>
+            <a:r>
+              <a:rPr lang="en-US" dirty="0">
+                <a:solidFill>
+                  <a:srgbClr val="292D33"/>
+                </a:solidFill>
+                <a:latin typeface="Euclid Circular B" panose="020B0504000000000000" pitchFamily="34" charset="0"/>
+                <a:ea typeface="Euclid Circular B" panose="020B0504000000000000" pitchFamily="34" charset="0"/>
+              </a:rPr>
+              <a:t>: When not?</a:t>
+            </a:r>
+            <a:endParaRPr lang="en-US" b="1" dirty="0">
+              <a:solidFill>
+                <a:srgbClr val="292D33"/>
+              </a:solidFill>
+              <a:latin typeface="Euclid Circular B" panose="020B0504000000000000" pitchFamily="34" charset="0"/>
+              <a:ea typeface="Euclid Circular B" panose="020B0504000000000000" pitchFamily="34" charset="0"/>
+            </a:endParaRPr>
           </a:p>
         </p:txBody>
       </p:sp>
@@ -8635,34 +9558,42 @@
         </p:nvSpPr>
         <p:spPr/>
         <p:txBody>
-          <a:bodyPr/>
+          <a:bodyPr>
+            <a:normAutofit/>
+          </a:bodyPr>
           <a:lstStyle/>
           <a:p>
-            <a:r>
-              <a:rPr lang="en-US" dirty="0">
-                <a:latin typeface="Euclid Circular B" panose="020B0504000000000000" pitchFamily="34" charset="0"/>
-                <a:ea typeface="Euclid Circular B" panose="020B0504000000000000" pitchFamily="34" charset="0"/>
-              </a:rPr>
-              <a:t>TODO</a:t>
-            </a:r>
-            <a:r>
-              <a:rPr lang="en-US">
-                <a:latin typeface="Euclid Circular B" panose="020B0504000000000000" pitchFamily="34" charset="0"/>
-                <a:ea typeface="Euclid Circular B" panose="020B0504000000000000" pitchFamily="34" charset="0"/>
-              </a:rPr>
-              <a:t>: ...</a:t>
-            </a:r>
-            <a:endParaRPr lang="en-US" dirty="0">
-              <a:latin typeface="Euclid Circular B" panose="020B0504000000000000" pitchFamily="34" charset="0"/>
-              <a:ea typeface="Euclid Circular B" panose="020B0504000000000000" pitchFamily="34" charset="0"/>
-            </a:endParaRPr>
+            <a:pPr marL="0" indent="0">
+              <a:buNone/>
+            </a:pPr>
+            <a:r>
+              <a:rPr lang="en-US" sz="3200" dirty="0">
+                <a:latin typeface="Euclid Circular B" panose="020B0504000000000000" pitchFamily="34" charset="0"/>
+                <a:ea typeface="Euclid Circular B" panose="020B0504000000000000" pitchFamily="34" charset="0"/>
+              </a:rPr>
+              <a:t>You are already replacing a </a:t>
+            </a:r>
+            <a:r>
+              <a:rPr lang="en-US" sz="3200" b="1" dirty="0">
+                <a:latin typeface="Euclid Circular B" panose="020B0504000000000000" pitchFamily="34" charset="0"/>
+                <a:ea typeface="Euclid Circular B" panose="020B0504000000000000" pitchFamily="34" charset="0"/>
+              </a:rPr>
+              <a:t>legacy</a:t>
+            </a:r>
+            <a:r>
+              <a:rPr lang="en-US" sz="3200" dirty="0">
+                <a:latin typeface="Euclid Circular B" panose="020B0504000000000000" pitchFamily="34" charset="0"/>
+                <a:ea typeface="Euclid Circular B" panose="020B0504000000000000" pitchFamily="34" charset="0"/>
+              </a:rPr>
+              <a:t> monolith or distributed system!</a:t>
+            </a:r>
           </a:p>
         </p:txBody>
       </p:sp>
     </p:spTree>
     <p:extLst>
       <p:ext uri="{BB962C8B-B14F-4D97-AF65-F5344CB8AC3E}">
-        <p14:creationId xmlns:p14="http://schemas.microsoft.com/office/powerpoint/2010/main" val="3098739854"/>
+        <p14:creationId xmlns:p14="http://schemas.microsoft.com/office/powerpoint/2010/main" val="125876453"/>
       </p:ext>
     </p:extLst>
   </p:cSld>
@@ -8708,7 +9639,7 @@
           <p:cNvPr id="2" name="Title 1">
             <a:extLst>
               <a:ext uri="{FF2B5EF4-FFF2-40B4-BE49-F238E27FC236}">
-                <a16:creationId xmlns:a16="http://schemas.microsoft.com/office/drawing/2014/main" id="{9255DFBE-19DA-408D-84E6-F4043FC30BD3}"/>
+                <a16:creationId xmlns:a16="http://schemas.microsoft.com/office/drawing/2014/main" id="{55E11F08-6CA0-48F1-AD67-97430DDA07F0}"/>
               </a:ext>
             </a:extLst>
           </p:cNvPr>
@@ -8716,54 +9647,33 @@
             <a:spLocks noGrp="1"/>
           </p:cNvSpPr>
           <p:nvPr>
-            <p:ph type="ctrTitle"/>
+            <p:ph type="title"/>
           </p:nvPr>
         </p:nvSpPr>
         <p:spPr/>
         <p:txBody>
-          <a:bodyPr>
-            <a:normAutofit/>
-          </a:bodyPr>
+          <a:bodyPr/>
           <a:lstStyle/>
           <a:p>
             <a:r>
-              <a:rPr lang="en-US" sz="4800" b="1" dirty="0">
+              <a:rPr lang="en-US" b="1" dirty="0">
                 <a:solidFill>
                   <a:srgbClr val="292D33"/>
                 </a:solidFill>
                 <a:latin typeface="Euclid Circular B" panose="020B0504000000000000" pitchFamily="34" charset="0"/>
                 <a:ea typeface="Euclid Circular B" panose="020B0504000000000000" pitchFamily="34" charset="0"/>
               </a:rPr>
-              <a:t>DESIGNING</a:t>
-            </a:r>
-            <a:br>
-              <a:rPr lang="en-US" sz="4800" b="1" dirty="0">
-                <a:solidFill>
-                  <a:srgbClr val="292D33"/>
-                </a:solidFill>
-                <a:latin typeface="Euclid Circular B" panose="020B0504000000000000" pitchFamily="34" charset="0"/>
-                <a:ea typeface="Euclid Circular B" panose="020B0504000000000000" pitchFamily="34" charset="0"/>
-              </a:rPr>
-            </a:br>
-            <a:r>
-              <a:rPr lang="en-US" sz="4800" b="1" dirty="0">
-                <a:solidFill>
-                  <a:srgbClr val="292D33"/>
-                </a:solidFill>
-                <a:latin typeface="Euclid Circular B" panose="020B0504000000000000" pitchFamily="34" charset="0"/>
-                <a:ea typeface="Euclid Circular B" panose="020B0504000000000000" pitchFamily="34" charset="0"/>
-              </a:rPr>
-              <a:t>A MODULAR MONOLITH</a:t>
+              <a:t>Title</a:t>
             </a:r>
           </a:p>
         </p:txBody>
       </p:sp>
       <p:sp>
         <p:nvSpPr>
-          <p:cNvPr id="3" name="Subtitle 2">
-            <a:extLst>
-              <a:ext uri="{FF2B5EF4-FFF2-40B4-BE49-F238E27FC236}">
-                <a16:creationId xmlns:a16="http://schemas.microsoft.com/office/drawing/2014/main" id="{265612B9-B745-46CB-8A20-997CA82E05E7}"/>
+          <p:cNvPr id="3" name="Content Placeholder 2">
+            <a:extLst>
+              <a:ext uri="{FF2B5EF4-FFF2-40B4-BE49-F238E27FC236}">
+                <a16:creationId xmlns:a16="http://schemas.microsoft.com/office/drawing/2014/main" id="{891C7693-D3DF-4635-96F4-97F3B4136FDF}"/>
               </a:ext>
             </a:extLst>
           </p:cNvPr>
@@ -8771,27 +9681,29 @@
             <a:spLocks noGrp="1"/>
           </p:cNvSpPr>
           <p:nvPr>
-            <p:ph type="subTitle" idx="1"/>
+            <p:ph idx="1"/>
           </p:nvPr>
         </p:nvSpPr>
         <p:spPr/>
         <p:txBody>
-          <a:bodyPr>
-            <a:normAutofit/>
-          </a:bodyPr>
+          <a:bodyPr/>
           <a:lstStyle/>
           <a:p>
             <a:r>
-              <a:rPr lang="en-US" sz="2000" b="1" dirty="0">
-                <a:solidFill>
-                  <a:srgbClr val="292D33"/>
-                </a:solidFill>
-                <a:latin typeface="Euclid Circular B" panose="020B0504000000000000" pitchFamily="34" charset="0"/>
-                <a:ea typeface="Euclid Circular B" panose="020B0504000000000000" pitchFamily="34" charset="0"/>
-              </a:rPr>
-              <a:t>DESIGNING MONOLITH FIRST FOR MICROSERVICE ARCHITECTURE</a:t>
-            </a:r>
-            <a:endParaRPr lang="en-US" sz="2000" dirty="0">
+              <a:rPr lang="en-US" dirty="0">
+                <a:latin typeface="Euclid Circular B" panose="020B0504000000000000" pitchFamily="34" charset="0"/>
+                <a:ea typeface="Euclid Circular B" panose="020B0504000000000000" pitchFamily="34" charset="0"/>
+              </a:rPr>
+              <a:t>TODO</a:t>
+            </a:r>
+            <a:r>
+              <a:rPr lang="en-US">
+                <a:latin typeface="Euclid Circular B" panose="020B0504000000000000" pitchFamily="34" charset="0"/>
+                <a:ea typeface="Euclid Circular B" panose="020B0504000000000000" pitchFamily="34" charset="0"/>
+              </a:rPr>
+              <a:t>: ...</a:t>
+            </a:r>
+            <a:endParaRPr lang="en-US" dirty="0">
               <a:latin typeface="Euclid Circular B" panose="020B0504000000000000" pitchFamily="34" charset="0"/>
               <a:ea typeface="Euclid Circular B" panose="020B0504000000000000" pitchFamily="34" charset="0"/>
             </a:endParaRPr>
@@ -8801,7 +9713,7 @@
     </p:spTree>
     <p:extLst>
       <p:ext uri="{BB962C8B-B14F-4D97-AF65-F5344CB8AC3E}">
-        <p14:creationId xmlns:p14="http://schemas.microsoft.com/office/powerpoint/2010/main" val="3204605943"/>
+        <p14:creationId xmlns:p14="http://schemas.microsoft.com/office/powerpoint/2010/main" val="3098739854"/>
       </p:ext>
     </p:extLst>
   </p:cSld>
@@ -8847,7 +9759,7 @@
           <p:cNvPr id="2" name="Title 1">
             <a:extLst>
               <a:ext uri="{FF2B5EF4-FFF2-40B4-BE49-F238E27FC236}">
-                <a16:creationId xmlns:a16="http://schemas.microsoft.com/office/drawing/2014/main" id="{55E11F08-6CA0-48F1-AD67-97430DDA07F0}"/>
+                <a16:creationId xmlns:a16="http://schemas.microsoft.com/office/drawing/2014/main" id="{9255DFBE-19DA-408D-84E6-F4043FC30BD3}"/>
               </a:ext>
             </a:extLst>
           </p:cNvPr>
@@ -8855,33 +9767,54 @@
             <a:spLocks noGrp="1"/>
           </p:cNvSpPr>
           <p:nvPr>
-            <p:ph type="title"/>
+            <p:ph type="ctrTitle"/>
           </p:nvPr>
         </p:nvSpPr>
         <p:spPr/>
         <p:txBody>
-          <a:bodyPr/>
+          <a:bodyPr>
+            <a:normAutofit/>
+          </a:bodyPr>
           <a:lstStyle/>
           <a:p>
             <a:r>
-              <a:rPr lang="en-US" b="1" dirty="0">
+              <a:rPr lang="en-US" sz="4800" b="1" dirty="0">
                 <a:solidFill>
                   <a:srgbClr val="292D33"/>
                 </a:solidFill>
                 <a:latin typeface="Euclid Circular B" panose="020B0504000000000000" pitchFamily="34" charset="0"/>
                 <a:ea typeface="Euclid Circular B" panose="020B0504000000000000" pitchFamily="34" charset="0"/>
               </a:rPr>
-              <a:t>Title</a:t>
+              <a:t>DESIGNING</a:t>
+            </a:r>
+            <a:br>
+              <a:rPr lang="en-US" sz="4800" b="1" dirty="0">
+                <a:solidFill>
+                  <a:srgbClr val="292D33"/>
+                </a:solidFill>
+                <a:latin typeface="Euclid Circular B" panose="020B0504000000000000" pitchFamily="34" charset="0"/>
+                <a:ea typeface="Euclid Circular B" panose="020B0504000000000000" pitchFamily="34" charset="0"/>
+              </a:rPr>
+            </a:br>
+            <a:r>
+              <a:rPr lang="en-US" sz="4800" b="1" dirty="0">
+                <a:solidFill>
+                  <a:srgbClr val="292D33"/>
+                </a:solidFill>
+                <a:latin typeface="Euclid Circular B" panose="020B0504000000000000" pitchFamily="34" charset="0"/>
+                <a:ea typeface="Euclid Circular B" panose="020B0504000000000000" pitchFamily="34" charset="0"/>
+              </a:rPr>
+              <a:t>A MODULAR MONOLITH</a:t>
             </a:r>
           </a:p>
         </p:txBody>
       </p:sp>
       <p:sp>
         <p:nvSpPr>
-          <p:cNvPr id="3" name="Content Placeholder 2">
-            <a:extLst>
-              <a:ext uri="{FF2B5EF4-FFF2-40B4-BE49-F238E27FC236}">
-                <a16:creationId xmlns:a16="http://schemas.microsoft.com/office/drawing/2014/main" id="{891C7693-D3DF-4635-96F4-97F3B4136FDF}"/>
+          <p:cNvPr id="3" name="Subtitle 2">
+            <a:extLst>
+              <a:ext uri="{FF2B5EF4-FFF2-40B4-BE49-F238E27FC236}">
+                <a16:creationId xmlns:a16="http://schemas.microsoft.com/office/drawing/2014/main" id="{265612B9-B745-46CB-8A20-997CA82E05E7}"/>
               </a:ext>
             </a:extLst>
           </p:cNvPr>
@@ -8889,29 +9822,27 @@
             <a:spLocks noGrp="1"/>
           </p:cNvSpPr>
           <p:nvPr>
-            <p:ph idx="1"/>
+            <p:ph type="subTitle" idx="1"/>
           </p:nvPr>
         </p:nvSpPr>
         <p:spPr/>
         <p:txBody>
-          <a:bodyPr/>
+          <a:bodyPr>
+            <a:normAutofit/>
+          </a:bodyPr>
           <a:lstStyle/>
           <a:p>
             <a:r>
-              <a:rPr lang="en-US" dirty="0">
-                <a:latin typeface="Euclid Circular B" panose="020B0504000000000000" pitchFamily="34" charset="0"/>
-                <a:ea typeface="Euclid Circular B" panose="020B0504000000000000" pitchFamily="34" charset="0"/>
-              </a:rPr>
-              <a:t>TODO</a:t>
-            </a:r>
-            <a:r>
-              <a:rPr lang="en-US">
-                <a:latin typeface="Euclid Circular B" panose="020B0504000000000000" pitchFamily="34" charset="0"/>
-                <a:ea typeface="Euclid Circular B" panose="020B0504000000000000" pitchFamily="34" charset="0"/>
-              </a:rPr>
-              <a:t>: ...</a:t>
-            </a:r>
-            <a:endParaRPr lang="en-US" dirty="0">
+              <a:rPr lang="en-US" sz="2000" b="1" dirty="0">
+                <a:solidFill>
+                  <a:srgbClr val="292D33"/>
+                </a:solidFill>
+                <a:latin typeface="Euclid Circular B" panose="020B0504000000000000" pitchFamily="34" charset="0"/>
+                <a:ea typeface="Euclid Circular B" panose="020B0504000000000000" pitchFamily="34" charset="0"/>
+              </a:rPr>
+              <a:t>DESIGNING MONOLITH FIRST FOR MICROSERVICE ARCHITECTURE</a:t>
+            </a:r>
+            <a:endParaRPr lang="en-US" sz="2000" dirty="0">
               <a:latin typeface="Euclid Circular B" panose="020B0504000000000000" pitchFamily="34" charset="0"/>
               <a:ea typeface="Euclid Circular B" panose="020B0504000000000000" pitchFamily="34" charset="0"/>
             </a:endParaRPr>
@@ -8921,7 +9852,7 @@
     </p:spTree>
     <p:extLst>
       <p:ext uri="{BB962C8B-B14F-4D97-AF65-F5344CB8AC3E}">
-        <p14:creationId xmlns:p14="http://schemas.microsoft.com/office/powerpoint/2010/main" val="1153068639"/>
+        <p14:creationId xmlns:p14="http://schemas.microsoft.com/office/powerpoint/2010/main" val="3204605943"/>
       </p:ext>
     </p:extLst>
   </p:cSld>
@@ -9041,7 +9972,7 @@
     </p:spTree>
     <p:extLst>
       <p:ext uri="{BB962C8B-B14F-4D97-AF65-F5344CB8AC3E}">
-        <p14:creationId xmlns:p14="http://schemas.microsoft.com/office/powerpoint/2010/main" val="989995036"/>
+        <p14:creationId xmlns:p14="http://schemas.microsoft.com/office/powerpoint/2010/main" val="1153068639"/>
       </p:ext>
     </p:extLst>
   </p:cSld>
@@ -9087,7 +10018,7 @@
           <p:cNvPr id="2" name="Title 1">
             <a:extLst>
               <a:ext uri="{FF2B5EF4-FFF2-40B4-BE49-F238E27FC236}">
-                <a16:creationId xmlns:a16="http://schemas.microsoft.com/office/drawing/2014/main" id="{9255DFBE-19DA-408D-84E6-F4043FC30BD3}"/>
+                <a16:creationId xmlns:a16="http://schemas.microsoft.com/office/drawing/2014/main" id="{55E11F08-6CA0-48F1-AD67-97430DDA07F0}"/>
               </a:ext>
             </a:extLst>
           </p:cNvPr>
@@ -9095,35 +10026,33 @@
             <a:spLocks noGrp="1"/>
           </p:cNvSpPr>
           <p:nvPr>
-            <p:ph type="ctrTitle"/>
+            <p:ph type="title"/>
           </p:nvPr>
         </p:nvSpPr>
         <p:spPr/>
         <p:txBody>
-          <a:bodyPr>
-            <a:normAutofit/>
-          </a:bodyPr>
+          <a:bodyPr/>
           <a:lstStyle/>
           <a:p>
             <a:r>
-              <a:rPr lang="en-US" sz="4800" b="1" dirty="0">
+              <a:rPr lang="en-US" b="1" dirty="0">
                 <a:solidFill>
                   <a:srgbClr val="292D33"/>
                 </a:solidFill>
                 <a:latin typeface="Euclid Circular B" panose="020B0504000000000000" pitchFamily="34" charset="0"/>
                 <a:ea typeface="Euclid Circular B" panose="020B0504000000000000" pitchFamily="34" charset="0"/>
               </a:rPr>
-              <a:t>MIGRATING TO MICROSERVICES</a:t>
+              <a:t>Title</a:t>
             </a:r>
           </a:p>
         </p:txBody>
       </p:sp>
       <p:sp>
         <p:nvSpPr>
-          <p:cNvPr id="3" name="Subtitle 2">
-            <a:extLst>
-              <a:ext uri="{FF2B5EF4-FFF2-40B4-BE49-F238E27FC236}">
-                <a16:creationId xmlns:a16="http://schemas.microsoft.com/office/drawing/2014/main" id="{265612B9-B745-46CB-8A20-997CA82E05E7}"/>
+          <p:cNvPr id="3" name="Content Placeholder 2">
+            <a:extLst>
+              <a:ext uri="{FF2B5EF4-FFF2-40B4-BE49-F238E27FC236}">
+                <a16:creationId xmlns:a16="http://schemas.microsoft.com/office/drawing/2014/main" id="{891C7693-D3DF-4635-96F4-97F3B4136FDF}"/>
               </a:ext>
             </a:extLst>
           </p:cNvPr>
@@ -9131,27 +10060,29 @@
             <a:spLocks noGrp="1"/>
           </p:cNvSpPr>
           <p:nvPr>
-            <p:ph type="subTitle" idx="1"/>
+            <p:ph idx="1"/>
           </p:nvPr>
         </p:nvSpPr>
         <p:spPr/>
         <p:txBody>
-          <a:bodyPr>
-            <a:normAutofit/>
-          </a:bodyPr>
+          <a:bodyPr/>
           <a:lstStyle/>
           <a:p>
             <a:r>
-              <a:rPr lang="en-US" sz="2000" b="1" dirty="0">
-                <a:solidFill>
-                  <a:srgbClr val="292D33"/>
-                </a:solidFill>
-                <a:latin typeface="Euclid Circular B" panose="020B0504000000000000" pitchFamily="34" charset="0"/>
-                <a:ea typeface="Euclid Circular B" panose="020B0504000000000000" pitchFamily="34" charset="0"/>
-              </a:rPr>
-              <a:t>DESIGNING MONOLITH FIRST FOR MICROSERVICE ARCHITECTURE</a:t>
-            </a:r>
-            <a:endParaRPr lang="en-US" sz="2000" dirty="0">
+              <a:rPr lang="en-US" dirty="0">
+                <a:latin typeface="Euclid Circular B" panose="020B0504000000000000" pitchFamily="34" charset="0"/>
+                <a:ea typeface="Euclid Circular B" panose="020B0504000000000000" pitchFamily="34" charset="0"/>
+              </a:rPr>
+              <a:t>TODO</a:t>
+            </a:r>
+            <a:r>
+              <a:rPr lang="en-US">
+                <a:latin typeface="Euclid Circular B" panose="020B0504000000000000" pitchFamily="34" charset="0"/>
+                <a:ea typeface="Euclid Circular B" panose="020B0504000000000000" pitchFamily="34" charset="0"/>
+              </a:rPr>
+              <a:t>: ...</a:t>
+            </a:r>
+            <a:endParaRPr lang="en-US" dirty="0">
               <a:latin typeface="Euclid Circular B" panose="020B0504000000000000" pitchFamily="34" charset="0"/>
               <a:ea typeface="Euclid Circular B" panose="020B0504000000000000" pitchFamily="34" charset="0"/>
             </a:endParaRPr>
@@ -9161,7 +10092,7 @@
     </p:spTree>
     <p:extLst>
       <p:ext uri="{BB962C8B-B14F-4D97-AF65-F5344CB8AC3E}">
-        <p14:creationId xmlns:p14="http://schemas.microsoft.com/office/powerpoint/2010/main" val="3507474482"/>
+        <p14:creationId xmlns:p14="http://schemas.microsoft.com/office/powerpoint/2010/main" val="989995036"/>
       </p:ext>
     </p:extLst>
   </p:cSld>
@@ -9207,7 +10138,7 @@
           <p:cNvPr id="2" name="Title 1">
             <a:extLst>
               <a:ext uri="{FF2B5EF4-FFF2-40B4-BE49-F238E27FC236}">
-                <a16:creationId xmlns:a16="http://schemas.microsoft.com/office/drawing/2014/main" id="{55E11F08-6CA0-48F1-AD67-97430DDA07F0}"/>
+                <a16:creationId xmlns:a16="http://schemas.microsoft.com/office/drawing/2014/main" id="{9255DFBE-19DA-408D-84E6-F4043FC30BD3}"/>
               </a:ext>
             </a:extLst>
           </p:cNvPr>
@@ -9215,33 +10146,35 @@
             <a:spLocks noGrp="1"/>
           </p:cNvSpPr>
           <p:nvPr>
-            <p:ph type="title"/>
+            <p:ph type="ctrTitle"/>
           </p:nvPr>
         </p:nvSpPr>
         <p:spPr/>
         <p:txBody>
-          <a:bodyPr/>
+          <a:bodyPr>
+            <a:normAutofit/>
+          </a:bodyPr>
           <a:lstStyle/>
           <a:p>
             <a:r>
-              <a:rPr lang="en-US" b="1" dirty="0">
+              <a:rPr lang="en-US" sz="4800" b="1" dirty="0">
                 <a:solidFill>
                   <a:srgbClr val="292D33"/>
                 </a:solidFill>
                 <a:latin typeface="Euclid Circular B" panose="020B0504000000000000" pitchFamily="34" charset="0"/>
                 <a:ea typeface="Euclid Circular B" panose="020B0504000000000000" pitchFamily="34" charset="0"/>
               </a:rPr>
-              <a:t>Title</a:t>
+              <a:t>MIGRATING TO MICROSERVICES</a:t>
             </a:r>
           </a:p>
         </p:txBody>
       </p:sp>
       <p:sp>
         <p:nvSpPr>
-          <p:cNvPr id="3" name="Content Placeholder 2">
-            <a:extLst>
-              <a:ext uri="{FF2B5EF4-FFF2-40B4-BE49-F238E27FC236}">
-                <a16:creationId xmlns:a16="http://schemas.microsoft.com/office/drawing/2014/main" id="{891C7693-D3DF-4635-96F4-97F3B4136FDF}"/>
+          <p:cNvPr id="3" name="Subtitle 2">
+            <a:extLst>
+              <a:ext uri="{FF2B5EF4-FFF2-40B4-BE49-F238E27FC236}">
+                <a16:creationId xmlns:a16="http://schemas.microsoft.com/office/drawing/2014/main" id="{265612B9-B745-46CB-8A20-997CA82E05E7}"/>
               </a:ext>
             </a:extLst>
           </p:cNvPr>
@@ -9249,29 +10182,27 @@
             <a:spLocks noGrp="1"/>
           </p:cNvSpPr>
           <p:nvPr>
-            <p:ph idx="1"/>
+            <p:ph type="subTitle" idx="1"/>
           </p:nvPr>
         </p:nvSpPr>
         <p:spPr/>
         <p:txBody>
-          <a:bodyPr/>
+          <a:bodyPr>
+            <a:normAutofit/>
+          </a:bodyPr>
           <a:lstStyle/>
           <a:p>
             <a:r>
-              <a:rPr lang="en-US" dirty="0">
-                <a:latin typeface="Euclid Circular B" panose="020B0504000000000000" pitchFamily="34" charset="0"/>
-                <a:ea typeface="Euclid Circular B" panose="020B0504000000000000" pitchFamily="34" charset="0"/>
-              </a:rPr>
-              <a:t>TODO</a:t>
-            </a:r>
-            <a:r>
-              <a:rPr lang="en-US">
-                <a:latin typeface="Euclid Circular B" panose="020B0504000000000000" pitchFamily="34" charset="0"/>
-                <a:ea typeface="Euclid Circular B" panose="020B0504000000000000" pitchFamily="34" charset="0"/>
-              </a:rPr>
-              <a:t>: ...</a:t>
-            </a:r>
-            <a:endParaRPr lang="en-US" dirty="0">
+              <a:rPr lang="en-US" sz="2000" b="1" dirty="0">
+                <a:solidFill>
+                  <a:srgbClr val="292D33"/>
+                </a:solidFill>
+                <a:latin typeface="Euclid Circular B" panose="020B0504000000000000" pitchFamily="34" charset="0"/>
+                <a:ea typeface="Euclid Circular B" panose="020B0504000000000000" pitchFamily="34" charset="0"/>
+              </a:rPr>
+              <a:t>DESIGNING MONOLITH FIRST FOR MICROSERVICE ARCHITECTURE</a:t>
+            </a:r>
+            <a:endParaRPr lang="en-US" sz="2000" dirty="0">
               <a:latin typeface="Euclid Circular B" panose="020B0504000000000000" pitchFamily="34" charset="0"/>
               <a:ea typeface="Euclid Circular B" panose="020B0504000000000000" pitchFamily="34" charset="0"/>
             </a:endParaRPr>
@@ -9281,7 +10212,7 @@
     </p:spTree>
     <p:extLst>
       <p:ext uri="{BB962C8B-B14F-4D97-AF65-F5344CB8AC3E}">
-        <p14:creationId xmlns:p14="http://schemas.microsoft.com/office/powerpoint/2010/main" val="1277783299"/>
+        <p14:creationId xmlns:p14="http://schemas.microsoft.com/office/powerpoint/2010/main" val="3507474482"/>
       </p:ext>
     </p:extLst>
   </p:cSld>
@@ -9401,7 +10332,7 @@
     </p:spTree>
     <p:extLst>
       <p:ext uri="{BB962C8B-B14F-4D97-AF65-F5344CB8AC3E}">
-        <p14:creationId xmlns:p14="http://schemas.microsoft.com/office/powerpoint/2010/main" val="326598016"/>
+        <p14:creationId xmlns:p14="http://schemas.microsoft.com/office/powerpoint/2010/main" val="1277783299"/>
       </p:ext>
     </p:extLst>
   </p:cSld>
@@ -9521,7 +10452,7 @@
     </p:spTree>
     <p:extLst>
       <p:ext uri="{BB962C8B-B14F-4D97-AF65-F5344CB8AC3E}">
-        <p14:creationId xmlns:p14="http://schemas.microsoft.com/office/powerpoint/2010/main" val="3073250955"/>
+        <p14:creationId xmlns:p14="http://schemas.microsoft.com/office/powerpoint/2010/main" val="326598016"/>
       </p:ext>
     </p:extLst>
   </p:cSld>
@@ -9641,7 +10572,7 @@
     </p:spTree>
     <p:extLst>
       <p:ext uri="{BB962C8B-B14F-4D97-AF65-F5344CB8AC3E}">
-        <p14:creationId xmlns:p14="http://schemas.microsoft.com/office/powerpoint/2010/main" val="214136112"/>
+        <p14:creationId xmlns:p14="http://schemas.microsoft.com/office/powerpoint/2010/main" val="3073250955"/>
       </p:ext>
     </p:extLst>
   </p:cSld>
@@ -9881,7 +10812,7 @@
     </p:spTree>
     <p:extLst>
       <p:ext uri="{BB962C8B-B14F-4D97-AF65-F5344CB8AC3E}">
-        <p14:creationId xmlns:p14="http://schemas.microsoft.com/office/powerpoint/2010/main" val="3539053896"/>
+        <p14:creationId xmlns:p14="http://schemas.microsoft.com/office/powerpoint/2010/main" val="214136112"/>
       </p:ext>
     </p:extLst>
   </p:cSld>
@@ -10001,7 +10932,7 @@
     </p:spTree>
     <p:extLst>
       <p:ext uri="{BB962C8B-B14F-4D97-AF65-F5344CB8AC3E}">
-        <p14:creationId xmlns:p14="http://schemas.microsoft.com/office/powerpoint/2010/main" val="2818505958"/>
+        <p14:creationId xmlns:p14="http://schemas.microsoft.com/office/powerpoint/2010/main" val="3539053896"/>
       </p:ext>
     </p:extLst>
   </p:cSld>
@@ -10064,7 +10995,7 @@
           <a:lstStyle/>
           <a:p>
             <a:r>
-              <a:rPr lang="en-US" b="1">
+              <a:rPr lang="en-US" b="1" dirty="0">
                 <a:solidFill>
                   <a:srgbClr val="292D33"/>
                 </a:solidFill>
@@ -10073,13 +11004,126 @@
               </a:rPr>
               <a:t>Title</a:t>
             </a:r>
-            <a:endParaRPr lang="en-US" b="1" dirty="0">
-              <a:solidFill>
-                <a:srgbClr val="292D33"/>
-              </a:solidFill>
+          </a:p>
+        </p:txBody>
+      </p:sp>
+      <p:sp>
+        <p:nvSpPr>
+          <p:cNvPr id="3" name="Content Placeholder 2">
+            <a:extLst>
+              <a:ext uri="{FF2B5EF4-FFF2-40B4-BE49-F238E27FC236}">
+                <a16:creationId xmlns:a16="http://schemas.microsoft.com/office/drawing/2014/main" id="{891C7693-D3DF-4635-96F4-97F3B4136FDF}"/>
+              </a:ext>
+            </a:extLst>
+          </p:cNvPr>
+          <p:cNvSpPr>
+            <a:spLocks noGrp="1"/>
+          </p:cNvSpPr>
+          <p:nvPr>
+            <p:ph idx="1"/>
+          </p:nvPr>
+        </p:nvSpPr>
+        <p:spPr/>
+        <p:txBody>
+          <a:bodyPr/>
+          <a:lstStyle/>
+          <a:p>
+            <a:r>
+              <a:rPr lang="en-US" dirty="0">
+                <a:latin typeface="Euclid Circular B" panose="020B0504000000000000" pitchFamily="34" charset="0"/>
+                <a:ea typeface="Euclid Circular B" panose="020B0504000000000000" pitchFamily="34" charset="0"/>
+              </a:rPr>
+              <a:t>TODO</a:t>
+            </a:r>
+            <a:r>
+              <a:rPr lang="en-US">
+                <a:latin typeface="Euclid Circular B" panose="020B0504000000000000" pitchFamily="34" charset="0"/>
+                <a:ea typeface="Euclid Circular B" panose="020B0504000000000000" pitchFamily="34" charset="0"/>
+              </a:rPr>
+              <a:t>: ...</a:t>
+            </a:r>
+            <a:endParaRPr lang="en-US" dirty="0">
               <a:latin typeface="Euclid Circular B" panose="020B0504000000000000" pitchFamily="34" charset="0"/>
               <a:ea typeface="Euclid Circular B" panose="020B0504000000000000" pitchFamily="34" charset="0"/>
             </a:endParaRPr>
+          </a:p>
+        </p:txBody>
+      </p:sp>
+    </p:spTree>
+    <p:extLst>
+      <p:ext uri="{BB962C8B-B14F-4D97-AF65-F5344CB8AC3E}">
+        <p14:creationId xmlns:p14="http://schemas.microsoft.com/office/powerpoint/2010/main" val="2818505958"/>
+      </p:ext>
+    </p:extLst>
+  </p:cSld>
+  <p:clrMapOvr>
+    <a:masterClrMapping/>
+  </p:clrMapOvr>
+</p:sld>
+</file>
+
+<file path=ppt/slides/slide33.xml><?xml version="1.0" encoding="utf-8"?>
+<p:sld xmlns:a="http://schemas.openxmlformats.org/drawingml/2006/main" xmlns:r="http://schemas.openxmlformats.org/officeDocument/2006/relationships" xmlns:p="http://schemas.openxmlformats.org/presentationml/2006/main">
+  <p:cSld>
+    <p:bg>
+      <p:bgPr>
+        <a:blipFill dpi="0" rotWithShape="1">
+          <a:blip r:embed="rId2">
+            <a:lum/>
+          </a:blip>
+          <a:srcRect/>
+          <a:stretch>
+            <a:fillRect/>
+          </a:stretch>
+        </a:blipFill>
+        <a:effectLst/>
+      </p:bgPr>
+    </p:bg>
+    <p:spTree>
+      <p:nvGrpSpPr>
+        <p:cNvPr id="1" name=""/>
+        <p:cNvGrpSpPr/>
+        <p:nvPr/>
+      </p:nvGrpSpPr>
+      <p:grpSpPr>
+        <a:xfrm>
+          <a:off x="0" y="0"/>
+          <a:ext cx="0" cy="0"/>
+          <a:chOff x="0" y="0"/>
+          <a:chExt cx="0" cy="0"/>
+        </a:xfrm>
+      </p:grpSpPr>
+      <p:sp>
+        <p:nvSpPr>
+          <p:cNvPr id="2" name="Title 1">
+            <a:extLst>
+              <a:ext uri="{FF2B5EF4-FFF2-40B4-BE49-F238E27FC236}">
+                <a16:creationId xmlns:a16="http://schemas.microsoft.com/office/drawing/2014/main" id="{55E11F08-6CA0-48F1-AD67-97430DDA07F0}"/>
+              </a:ext>
+            </a:extLst>
+          </p:cNvPr>
+          <p:cNvSpPr>
+            <a:spLocks noGrp="1"/>
+          </p:cNvSpPr>
+          <p:nvPr>
+            <p:ph type="title"/>
+          </p:nvPr>
+        </p:nvSpPr>
+        <p:spPr/>
+        <p:txBody>
+          <a:bodyPr/>
+          <a:lstStyle/>
+          <a:p>
+            <a:r>
+              <a:rPr lang="en-US" b="1" dirty="0">
+                <a:solidFill>
+                  <a:srgbClr val="292D33"/>
+                </a:solidFill>
+                <a:latin typeface="Euclid Circular B" panose="020B0504000000000000" pitchFamily="34" charset="0"/>
+                <a:ea typeface="Euclid Circular B" panose="020B0504000000000000" pitchFamily="34" charset="0"/>
+              </a:rPr>
+              <a:t>Title</a:t>
+            </a:r>
           </a:p>
         </p:txBody>
       </p:sp>
@@ -10411,7 +11455,7 @@
           <a:graphicData uri="http://schemas.openxmlformats.org/presentationml/2006/ole">
             <mc:AlternateContent xmlns:mc="http://schemas.openxmlformats.org/markup-compatibility/2006">
               <mc:Choice xmlns:v="urn:schemas-microsoft-com:vml" Requires="v">
-                <p:oleObj spid="_x0000_s2065" name="Bitmap Image" r:id="rId4" imgW="12553920" imgH="8362800" progId="Paint.Picture">
+                <p:oleObj spid="_x0000_s2077" name="Bitmap Image" r:id="rId4" imgW="12553920" imgH="8362800" progId="Paint.Picture">
                   <p:embed/>
                 </p:oleObj>
               </mc:Choice>
@@ -12032,7 +13076,7 @@
           <a:graphicData uri="http://schemas.openxmlformats.org/presentationml/2006/ole">
             <mc:AlternateContent xmlns:mc="http://schemas.openxmlformats.org/markup-compatibility/2006">
               <mc:Choice xmlns:v="urn:schemas-microsoft-com:vml" Requires="v">
-                <p:oleObj spid="_x0000_s3087" name="Bitmap Image" r:id="rId4" imgW="17059320" imgH="5762520" progId="Paint.Picture">
+                <p:oleObj spid="_x0000_s3099" name="Bitmap Image" r:id="rId4" imgW="17059320" imgH="5762520" progId="Paint.Picture">
                   <p:embed/>
                 </p:oleObj>
               </mc:Choice>

--- a/2022-05-12 Designing Monolith First (TR)/Monolith First Presentation.pptx
+++ b/2022-05-12 Designing Monolith First (TR)/Monolith First Presentation.pptx
@@ -26,18 +26,27 @@
     <p:sldId id="286" r:id="rId20"/>
     <p:sldId id="284" r:id="rId21"/>
     <p:sldId id="288" r:id="rId22"/>
-    <p:sldId id="285" r:id="rId23"/>
-    <p:sldId id="270" r:id="rId24"/>
-    <p:sldId id="260" r:id="rId25"/>
-    <p:sldId id="261" r:id="rId26"/>
-    <p:sldId id="271" r:id="rId27"/>
-    <p:sldId id="262" r:id="rId28"/>
-    <p:sldId id="263" r:id="rId29"/>
-    <p:sldId id="264" r:id="rId30"/>
-    <p:sldId id="265" r:id="rId31"/>
-    <p:sldId id="266" r:id="rId32"/>
-    <p:sldId id="267" r:id="rId33"/>
-    <p:sldId id="268" r:id="rId34"/>
+    <p:sldId id="270" r:id="rId23"/>
+    <p:sldId id="260" r:id="rId24"/>
+    <p:sldId id="261" r:id="rId25"/>
+    <p:sldId id="289" r:id="rId26"/>
+    <p:sldId id="290" r:id="rId27"/>
+    <p:sldId id="291" r:id="rId28"/>
+    <p:sldId id="292" r:id="rId29"/>
+    <p:sldId id="293" r:id="rId30"/>
+    <p:sldId id="294" r:id="rId31"/>
+    <p:sldId id="295" r:id="rId32"/>
+    <p:sldId id="296" r:id="rId33"/>
+    <p:sldId id="271" r:id="rId34"/>
+    <p:sldId id="262" r:id="rId35"/>
+    <p:sldId id="263" r:id="rId36"/>
+    <p:sldId id="264" r:id="rId37"/>
+    <p:sldId id="265" r:id="rId38"/>
+    <p:sldId id="266" r:id="rId39"/>
+    <p:sldId id="267" r:id="rId40"/>
+    <p:sldId id="268" r:id="rId41"/>
+    <p:sldId id="297" r:id="rId42"/>
+    <p:sldId id="298" r:id="rId43"/>
   </p:sldIdLst>
   <p:sldSz cx="12192000" cy="6858000"/>
   <p:notesSz cx="6858000" cy="9144000"/>
@@ -9639,7 +9648,7 @@
           <p:cNvPr id="2" name="Title 1">
             <a:extLst>
               <a:ext uri="{FF2B5EF4-FFF2-40B4-BE49-F238E27FC236}">
-                <a16:creationId xmlns:a16="http://schemas.microsoft.com/office/drawing/2014/main" id="{55E11F08-6CA0-48F1-AD67-97430DDA07F0}"/>
+                <a16:creationId xmlns:a16="http://schemas.microsoft.com/office/drawing/2014/main" id="{9255DFBE-19DA-408D-84E6-F4043FC30BD3}"/>
               </a:ext>
             </a:extLst>
           </p:cNvPr>
@@ -9647,33 +9656,54 @@
             <a:spLocks noGrp="1"/>
           </p:cNvSpPr>
           <p:nvPr>
-            <p:ph type="title"/>
+            <p:ph type="ctrTitle"/>
           </p:nvPr>
         </p:nvSpPr>
         <p:spPr/>
         <p:txBody>
-          <a:bodyPr/>
+          <a:bodyPr>
+            <a:normAutofit/>
+          </a:bodyPr>
           <a:lstStyle/>
           <a:p>
             <a:r>
-              <a:rPr lang="en-US" b="1" dirty="0">
+              <a:rPr lang="en-US" sz="4800" b="1" dirty="0">
                 <a:solidFill>
                   <a:srgbClr val="292D33"/>
                 </a:solidFill>
                 <a:latin typeface="Euclid Circular B" panose="020B0504000000000000" pitchFamily="34" charset="0"/>
                 <a:ea typeface="Euclid Circular B" panose="020B0504000000000000" pitchFamily="34" charset="0"/>
               </a:rPr>
-              <a:t>Title</a:t>
-            </a:r>
-          </a:p>
-        </p:txBody>
-      </p:sp>
-      <p:sp>
-        <p:nvSpPr>
-          <p:cNvPr id="3" name="Content Placeholder 2">
-            <a:extLst>
-              <a:ext uri="{FF2B5EF4-FFF2-40B4-BE49-F238E27FC236}">
-                <a16:creationId xmlns:a16="http://schemas.microsoft.com/office/drawing/2014/main" id="{891C7693-D3DF-4635-96F4-97F3B4136FDF}"/>
+              <a:t>DESIGNING</a:t>
+            </a:r>
+            <a:br>
+              <a:rPr lang="en-US" sz="4800" b="1" dirty="0">
+                <a:solidFill>
+                  <a:srgbClr val="292D33"/>
+                </a:solidFill>
+                <a:latin typeface="Euclid Circular B" panose="020B0504000000000000" pitchFamily="34" charset="0"/>
+                <a:ea typeface="Euclid Circular B" panose="020B0504000000000000" pitchFamily="34" charset="0"/>
+              </a:rPr>
+            </a:br>
+            <a:r>
+              <a:rPr lang="en-US" sz="4800" b="1" dirty="0">
+                <a:solidFill>
+                  <a:srgbClr val="292D33"/>
+                </a:solidFill>
+                <a:latin typeface="Euclid Circular B" panose="020B0504000000000000" pitchFamily="34" charset="0"/>
+                <a:ea typeface="Euclid Circular B" panose="020B0504000000000000" pitchFamily="34" charset="0"/>
+              </a:rPr>
+              <a:t>A MODULAR MONOLITH</a:t>
+            </a:r>
+          </a:p>
+        </p:txBody>
+      </p:sp>
+      <p:sp>
+        <p:nvSpPr>
+          <p:cNvPr id="3" name="Subtitle 2">
+            <a:extLst>
+              <a:ext uri="{FF2B5EF4-FFF2-40B4-BE49-F238E27FC236}">
+                <a16:creationId xmlns:a16="http://schemas.microsoft.com/office/drawing/2014/main" id="{265612B9-B745-46CB-8A20-997CA82E05E7}"/>
               </a:ext>
             </a:extLst>
           </p:cNvPr>
@@ -9681,29 +9711,27 @@
             <a:spLocks noGrp="1"/>
           </p:cNvSpPr>
           <p:nvPr>
-            <p:ph idx="1"/>
+            <p:ph type="subTitle" idx="1"/>
           </p:nvPr>
         </p:nvSpPr>
         <p:spPr/>
         <p:txBody>
-          <a:bodyPr/>
+          <a:bodyPr>
+            <a:normAutofit/>
+          </a:bodyPr>
           <a:lstStyle/>
           <a:p>
             <a:r>
-              <a:rPr lang="en-US" dirty="0">
-                <a:latin typeface="Euclid Circular B" panose="020B0504000000000000" pitchFamily="34" charset="0"/>
-                <a:ea typeface="Euclid Circular B" panose="020B0504000000000000" pitchFamily="34" charset="0"/>
-              </a:rPr>
-              <a:t>TODO</a:t>
-            </a:r>
-            <a:r>
-              <a:rPr lang="en-US">
-                <a:latin typeface="Euclid Circular B" panose="020B0504000000000000" pitchFamily="34" charset="0"/>
-                <a:ea typeface="Euclid Circular B" panose="020B0504000000000000" pitchFamily="34" charset="0"/>
-              </a:rPr>
-              <a:t>: ...</a:t>
-            </a:r>
-            <a:endParaRPr lang="en-US" dirty="0">
+              <a:rPr lang="en-US" sz="2000" b="1" dirty="0">
+                <a:solidFill>
+                  <a:srgbClr val="292D33"/>
+                </a:solidFill>
+                <a:latin typeface="Euclid Circular B" panose="020B0504000000000000" pitchFamily="34" charset="0"/>
+                <a:ea typeface="Euclid Circular B" panose="020B0504000000000000" pitchFamily="34" charset="0"/>
+              </a:rPr>
+              <a:t>DESIGNING MONOLITH FIRST FOR MICROSERVICE ARCHITECTURE</a:t>
+            </a:r>
+            <a:endParaRPr lang="en-US" sz="2000" dirty="0">
               <a:latin typeface="Euclid Circular B" panose="020B0504000000000000" pitchFamily="34" charset="0"/>
               <a:ea typeface="Euclid Circular B" panose="020B0504000000000000" pitchFamily="34" charset="0"/>
             </a:endParaRPr>
@@ -9713,7 +9741,7 @@
     </p:spTree>
     <p:extLst>
       <p:ext uri="{BB962C8B-B14F-4D97-AF65-F5344CB8AC3E}">
-        <p14:creationId xmlns:p14="http://schemas.microsoft.com/office/powerpoint/2010/main" val="3098739854"/>
+        <p14:creationId xmlns:p14="http://schemas.microsoft.com/office/powerpoint/2010/main" val="3204605943"/>
       </p:ext>
     </p:extLst>
   </p:cSld>
@@ -9759,7 +9787,7 @@
           <p:cNvPr id="2" name="Title 1">
             <a:extLst>
               <a:ext uri="{FF2B5EF4-FFF2-40B4-BE49-F238E27FC236}">
-                <a16:creationId xmlns:a16="http://schemas.microsoft.com/office/drawing/2014/main" id="{9255DFBE-19DA-408D-84E6-F4043FC30BD3}"/>
+                <a16:creationId xmlns:a16="http://schemas.microsoft.com/office/drawing/2014/main" id="{55E11F08-6CA0-48F1-AD67-97430DDA07F0}"/>
               </a:ext>
             </a:extLst>
           </p:cNvPr>
@@ -9767,54 +9795,33 @@
             <a:spLocks noGrp="1"/>
           </p:cNvSpPr>
           <p:nvPr>
-            <p:ph type="ctrTitle"/>
+            <p:ph type="title"/>
           </p:nvPr>
         </p:nvSpPr>
         <p:spPr/>
         <p:txBody>
-          <a:bodyPr>
-            <a:normAutofit/>
-          </a:bodyPr>
+          <a:bodyPr/>
           <a:lstStyle/>
           <a:p>
             <a:r>
-              <a:rPr lang="en-US" sz="4800" b="1" dirty="0">
+              <a:rPr lang="en-US" b="1" dirty="0">
                 <a:solidFill>
                   <a:srgbClr val="292D33"/>
                 </a:solidFill>
                 <a:latin typeface="Euclid Circular B" panose="020B0504000000000000" pitchFamily="34" charset="0"/>
                 <a:ea typeface="Euclid Circular B" panose="020B0504000000000000" pitchFamily="34" charset="0"/>
               </a:rPr>
-              <a:t>DESIGNING</a:t>
-            </a:r>
-            <a:br>
-              <a:rPr lang="en-US" sz="4800" b="1" dirty="0">
-                <a:solidFill>
-                  <a:srgbClr val="292D33"/>
-                </a:solidFill>
-                <a:latin typeface="Euclid Circular B" panose="020B0504000000000000" pitchFamily="34" charset="0"/>
-                <a:ea typeface="Euclid Circular B" panose="020B0504000000000000" pitchFamily="34" charset="0"/>
-              </a:rPr>
-            </a:br>
-            <a:r>
-              <a:rPr lang="en-US" sz="4800" b="1" dirty="0">
-                <a:solidFill>
-                  <a:srgbClr val="292D33"/>
-                </a:solidFill>
-                <a:latin typeface="Euclid Circular B" panose="020B0504000000000000" pitchFamily="34" charset="0"/>
-                <a:ea typeface="Euclid Circular B" panose="020B0504000000000000" pitchFamily="34" charset="0"/>
-              </a:rPr>
-              <a:t>A MODULAR MONOLITH</a:t>
-            </a:r>
-          </a:p>
-        </p:txBody>
-      </p:sp>
-      <p:sp>
-        <p:nvSpPr>
-          <p:cNvPr id="3" name="Subtitle 2">
-            <a:extLst>
-              <a:ext uri="{FF2B5EF4-FFF2-40B4-BE49-F238E27FC236}">
-                <a16:creationId xmlns:a16="http://schemas.microsoft.com/office/drawing/2014/main" id="{265612B9-B745-46CB-8A20-997CA82E05E7}"/>
+              <a:t>Title</a:t>
+            </a:r>
+          </a:p>
+        </p:txBody>
+      </p:sp>
+      <p:sp>
+        <p:nvSpPr>
+          <p:cNvPr id="3" name="Content Placeholder 2">
+            <a:extLst>
+              <a:ext uri="{FF2B5EF4-FFF2-40B4-BE49-F238E27FC236}">
+                <a16:creationId xmlns:a16="http://schemas.microsoft.com/office/drawing/2014/main" id="{891C7693-D3DF-4635-96F4-97F3B4136FDF}"/>
               </a:ext>
             </a:extLst>
           </p:cNvPr>
@@ -9822,27 +9829,29 @@
             <a:spLocks noGrp="1"/>
           </p:cNvSpPr>
           <p:nvPr>
-            <p:ph type="subTitle" idx="1"/>
+            <p:ph idx="1"/>
           </p:nvPr>
         </p:nvSpPr>
         <p:spPr/>
         <p:txBody>
-          <a:bodyPr>
-            <a:normAutofit/>
-          </a:bodyPr>
+          <a:bodyPr/>
           <a:lstStyle/>
           <a:p>
             <a:r>
-              <a:rPr lang="en-US" sz="2000" b="1" dirty="0">
-                <a:solidFill>
-                  <a:srgbClr val="292D33"/>
-                </a:solidFill>
-                <a:latin typeface="Euclid Circular B" panose="020B0504000000000000" pitchFamily="34" charset="0"/>
-                <a:ea typeface="Euclid Circular B" panose="020B0504000000000000" pitchFamily="34" charset="0"/>
-              </a:rPr>
-              <a:t>DESIGNING MONOLITH FIRST FOR MICROSERVICE ARCHITECTURE</a:t>
-            </a:r>
-            <a:endParaRPr lang="en-US" sz="2000" dirty="0">
+              <a:rPr lang="en-US" dirty="0">
+                <a:latin typeface="Euclid Circular B" panose="020B0504000000000000" pitchFamily="34" charset="0"/>
+                <a:ea typeface="Euclid Circular B" panose="020B0504000000000000" pitchFamily="34" charset="0"/>
+              </a:rPr>
+              <a:t>TODO</a:t>
+            </a:r>
+            <a:r>
+              <a:rPr lang="en-US">
+                <a:latin typeface="Euclid Circular B" panose="020B0504000000000000" pitchFamily="34" charset="0"/>
+                <a:ea typeface="Euclid Circular B" panose="020B0504000000000000" pitchFamily="34" charset="0"/>
+              </a:rPr>
+              <a:t>: ...</a:t>
+            </a:r>
+            <a:endParaRPr lang="en-US" dirty="0">
               <a:latin typeface="Euclid Circular B" panose="020B0504000000000000" pitchFamily="34" charset="0"/>
               <a:ea typeface="Euclid Circular B" panose="020B0504000000000000" pitchFamily="34" charset="0"/>
             </a:endParaRPr>
@@ -9852,7 +9861,7 @@
     </p:spTree>
     <p:extLst>
       <p:ext uri="{BB962C8B-B14F-4D97-AF65-F5344CB8AC3E}">
-        <p14:creationId xmlns:p14="http://schemas.microsoft.com/office/powerpoint/2010/main" val="3204605943"/>
+        <p14:creationId xmlns:p14="http://schemas.microsoft.com/office/powerpoint/2010/main" val="1153068639"/>
       </p:ext>
     </p:extLst>
   </p:cSld>
@@ -9972,7 +9981,7 @@
     </p:spTree>
     <p:extLst>
       <p:ext uri="{BB962C8B-B14F-4D97-AF65-F5344CB8AC3E}">
-        <p14:creationId xmlns:p14="http://schemas.microsoft.com/office/powerpoint/2010/main" val="1153068639"/>
+        <p14:creationId xmlns:p14="http://schemas.microsoft.com/office/powerpoint/2010/main" val="989995036"/>
       </p:ext>
     </p:extLst>
   </p:cSld>
@@ -10092,7 +10101,7 @@
     </p:spTree>
     <p:extLst>
       <p:ext uri="{BB962C8B-B14F-4D97-AF65-F5344CB8AC3E}">
-        <p14:creationId xmlns:p14="http://schemas.microsoft.com/office/powerpoint/2010/main" val="989995036"/>
+        <p14:creationId xmlns:p14="http://schemas.microsoft.com/office/powerpoint/2010/main" val="2873178930"/>
       </p:ext>
     </p:extLst>
   </p:cSld>
@@ -10138,7 +10147,7 @@
           <p:cNvPr id="2" name="Title 1">
             <a:extLst>
               <a:ext uri="{FF2B5EF4-FFF2-40B4-BE49-F238E27FC236}">
-                <a16:creationId xmlns:a16="http://schemas.microsoft.com/office/drawing/2014/main" id="{9255DFBE-19DA-408D-84E6-F4043FC30BD3}"/>
+                <a16:creationId xmlns:a16="http://schemas.microsoft.com/office/drawing/2014/main" id="{55E11F08-6CA0-48F1-AD67-97430DDA07F0}"/>
               </a:ext>
             </a:extLst>
           </p:cNvPr>
@@ -10146,35 +10155,33 @@
             <a:spLocks noGrp="1"/>
           </p:cNvSpPr>
           <p:nvPr>
-            <p:ph type="ctrTitle"/>
+            <p:ph type="title"/>
           </p:nvPr>
         </p:nvSpPr>
         <p:spPr/>
         <p:txBody>
-          <a:bodyPr>
-            <a:normAutofit/>
-          </a:bodyPr>
+          <a:bodyPr/>
           <a:lstStyle/>
           <a:p>
             <a:r>
-              <a:rPr lang="en-US" sz="4800" b="1" dirty="0">
+              <a:rPr lang="en-US" b="1" dirty="0">
                 <a:solidFill>
                   <a:srgbClr val="292D33"/>
                 </a:solidFill>
                 <a:latin typeface="Euclid Circular B" panose="020B0504000000000000" pitchFamily="34" charset="0"/>
                 <a:ea typeface="Euclid Circular B" panose="020B0504000000000000" pitchFamily="34" charset="0"/>
               </a:rPr>
-              <a:t>MIGRATING TO MICROSERVICES</a:t>
-            </a:r>
-          </a:p>
-        </p:txBody>
-      </p:sp>
-      <p:sp>
-        <p:nvSpPr>
-          <p:cNvPr id="3" name="Subtitle 2">
-            <a:extLst>
-              <a:ext uri="{FF2B5EF4-FFF2-40B4-BE49-F238E27FC236}">
-                <a16:creationId xmlns:a16="http://schemas.microsoft.com/office/drawing/2014/main" id="{265612B9-B745-46CB-8A20-997CA82E05E7}"/>
+              <a:t>Title</a:t>
+            </a:r>
+          </a:p>
+        </p:txBody>
+      </p:sp>
+      <p:sp>
+        <p:nvSpPr>
+          <p:cNvPr id="3" name="Content Placeholder 2">
+            <a:extLst>
+              <a:ext uri="{FF2B5EF4-FFF2-40B4-BE49-F238E27FC236}">
+                <a16:creationId xmlns:a16="http://schemas.microsoft.com/office/drawing/2014/main" id="{891C7693-D3DF-4635-96F4-97F3B4136FDF}"/>
               </a:ext>
             </a:extLst>
           </p:cNvPr>
@@ -10182,27 +10189,29 @@
             <a:spLocks noGrp="1"/>
           </p:cNvSpPr>
           <p:nvPr>
-            <p:ph type="subTitle" idx="1"/>
+            <p:ph idx="1"/>
           </p:nvPr>
         </p:nvSpPr>
         <p:spPr/>
         <p:txBody>
-          <a:bodyPr>
-            <a:normAutofit/>
-          </a:bodyPr>
+          <a:bodyPr/>
           <a:lstStyle/>
           <a:p>
             <a:r>
-              <a:rPr lang="en-US" sz="2000" b="1" dirty="0">
-                <a:solidFill>
-                  <a:srgbClr val="292D33"/>
-                </a:solidFill>
-                <a:latin typeface="Euclid Circular B" panose="020B0504000000000000" pitchFamily="34" charset="0"/>
-                <a:ea typeface="Euclid Circular B" panose="020B0504000000000000" pitchFamily="34" charset="0"/>
-              </a:rPr>
-              <a:t>DESIGNING MONOLITH FIRST FOR MICROSERVICE ARCHITECTURE</a:t>
-            </a:r>
-            <a:endParaRPr lang="en-US" sz="2000" dirty="0">
+              <a:rPr lang="en-US" dirty="0">
+                <a:latin typeface="Euclid Circular B" panose="020B0504000000000000" pitchFamily="34" charset="0"/>
+                <a:ea typeface="Euclid Circular B" panose="020B0504000000000000" pitchFamily="34" charset="0"/>
+              </a:rPr>
+              <a:t>TODO</a:t>
+            </a:r>
+            <a:r>
+              <a:rPr lang="en-US">
+                <a:latin typeface="Euclid Circular B" panose="020B0504000000000000" pitchFamily="34" charset="0"/>
+                <a:ea typeface="Euclid Circular B" panose="020B0504000000000000" pitchFamily="34" charset="0"/>
+              </a:rPr>
+              <a:t>: ...</a:t>
+            </a:r>
+            <a:endParaRPr lang="en-US" dirty="0">
               <a:latin typeface="Euclid Circular B" panose="020B0504000000000000" pitchFamily="34" charset="0"/>
               <a:ea typeface="Euclid Circular B" panose="020B0504000000000000" pitchFamily="34" charset="0"/>
             </a:endParaRPr>
@@ -10212,7 +10221,7 @@
     </p:spTree>
     <p:extLst>
       <p:ext uri="{BB962C8B-B14F-4D97-AF65-F5344CB8AC3E}">
-        <p14:creationId xmlns:p14="http://schemas.microsoft.com/office/powerpoint/2010/main" val="3507474482"/>
+        <p14:creationId xmlns:p14="http://schemas.microsoft.com/office/powerpoint/2010/main" val="884752629"/>
       </p:ext>
     </p:extLst>
   </p:cSld>
@@ -10332,7 +10341,7 @@
     </p:spTree>
     <p:extLst>
       <p:ext uri="{BB962C8B-B14F-4D97-AF65-F5344CB8AC3E}">
-        <p14:creationId xmlns:p14="http://schemas.microsoft.com/office/powerpoint/2010/main" val="1277783299"/>
+        <p14:creationId xmlns:p14="http://schemas.microsoft.com/office/powerpoint/2010/main" val="3017959482"/>
       </p:ext>
     </p:extLst>
   </p:cSld>
@@ -10452,7 +10461,7 @@
     </p:spTree>
     <p:extLst>
       <p:ext uri="{BB962C8B-B14F-4D97-AF65-F5344CB8AC3E}">
-        <p14:creationId xmlns:p14="http://schemas.microsoft.com/office/powerpoint/2010/main" val="326598016"/>
+        <p14:creationId xmlns:p14="http://schemas.microsoft.com/office/powerpoint/2010/main" val="4005011830"/>
       </p:ext>
     </p:extLst>
   </p:cSld>
@@ -10572,7 +10581,7 @@
     </p:spTree>
     <p:extLst>
       <p:ext uri="{BB962C8B-B14F-4D97-AF65-F5344CB8AC3E}">
-        <p14:creationId xmlns:p14="http://schemas.microsoft.com/office/powerpoint/2010/main" val="3073250955"/>
+        <p14:creationId xmlns:p14="http://schemas.microsoft.com/office/powerpoint/2010/main" val="356166219"/>
       </p:ext>
     </p:extLst>
   </p:cSld>
@@ -10812,7 +10821,7 @@
     </p:spTree>
     <p:extLst>
       <p:ext uri="{BB962C8B-B14F-4D97-AF65-F5344CB8AC3E}">
-        <p14:creationId xmlns:p14="http://schemas.microsoft.com/office/powerpoint/2010/main" val="214136112"/>
+        <p14:creationId xmlns:p14="http://schemas.microsoft.com/office/powerpoint/2010/main" val="2371312058"/>
       </p:ext>
     </p:extLst>
   </p:cSld>
@@ -10932,7 +10941,7 @@
     </p:spTree>
     <p:extLst>
       <p:ext uri="{BB962C8B-B14F-4D97-AF65-F5344CB8AC3E}">
-        <p14:creationId xmlns:p14="http://schemas.microsoft.com/office/powerpoint/2010/main" val="3539053896"/>
+        <p14:creationId xmlns:p14="http://schemas.microsoft.com/office/powerpoint/2010/main" val="3174985021"/>
       </p:ext>
     </p:extLst>
   </p:cSld>
@@ -11052,7 +11061,7 @@
     </p:spTree>
     <p:extLst>
       <p:ext uri="{BB962C8B-B14F-4D97-AF65-F5344CB8AC3E}">
-        <p14:creationId xmlns:p14="http://schemas.microsoft.com/office/powerpoint/2010/main" val="2818505958"/>
+        <p14:creationId xmlns:p14="http://schemas.microsoft.com/office/powerpoint/2010/main" val="1837533805"/>
       </p:ext>
     </p:extLst>
   </p:cSld>
@@ -11098,6 +11107,126 @@
           <p:cNvPr id="2" name="Title 1">
             <a:extLst>
               <a:ext uri="{FF2B5EF4-FFF2-40B4-BE49-F238E27FC236}">
+                <a16:creationId xmlns:a16="http://schemas.microsoft.com/office/drawing/2014/main" id="{9255DFBE-19DA-408D-84E6-F4043FC30BD3}"/>
+              </a:ext>
+            </a:extLst>
+          </p:cNvPr>
+          <p:cNvSpPr>
+            <a:spLocks noGrp="1"/>
+          </p:cNvSpPr>
+          <p:nvPr>
+            <p:ph type="ctrTitle"/>
+          </p:nvPr>
+        </p:nvSpPr>
+        <p:spPr/>
+        <p:txBody>
+          <a:bodyPr>
+            <a:normAutofit/>
+          </a:bodyPr>
+          <a:lstStyle/>
+          <a:p>
+            <a:r>
+              <a:rPr lang="en-US" sz="4800" b="1" dirty="0">
+                <a:solidFill>
+                  <a:srgbClr val="292D33"/>
+                </a:solidFill>
+                <a:latin typeface="Euclid Circular B" panose="020B0504000000000000" pitchFamily="34" charset="0"/>
+                <a:ea typeface="Euclid Circular B" panose="020B0504000000000000" pitchFamily="34" charset="0"/>
+              </a:rPr>
+              <a:t>MIGRATING TO MICROSERVICES</a:t>
+            </a:r>
+          </a:p>
+        </p:txBody>
+      </p:sp>
+      <p:sp>
+        <p:nvSpPr>
+          <p:cNvPr id="3" name="Subtitle 2">
+            <a:extLst>
+              <a:ext uri="{FF2B5EF4-FFF2-40B4-BE49-F238E27FC236}">
+                <a16:creationId xmlns:a16="http://schemas.microsoft.com/office/drawing/2014/main" id="{265612B9-B745-46CB-8A20-997CA82E05E7}"/>
+              </a:ext>
+            </a:extLst>
+          </p:cNvPr>
+          <p:cNvSpPr>
+            <a:spLocks noGrp="1"/>
+          </p:cNvSpPr>
+          <p:nvPr>
+            <p:ph type="subTitle" idx="1"/>
+          </p:nvPr>
+        </p:nvSpPr>
+        <p:spPr/>
+        <p:txBody>
+          <a:bodyPr>
+            <a:normAutofit/>
+          </a:bodyPr>
+          <a:lstStyle/>
+          <a:p>
+            <a:r>
+              <a:rPr lang="en-US" sz="2000" b="1" dirty="0">
+                <a:solidFill>
+                  <a:srgbClr val="292D33"/>
+                </a:solidFill>
+                <a:latin typeface="Euclid Circular B" panose="020B0504000000000000" pitchFamily="34" charset="0"/>
+                <a:ea typeface="Euclid Circular B" panose="020B0504000000000000" pitchFamily="34" charset="0"/>
+              </a:rPr>
+              <a:t>DESIGNING MONOLITH FIRST FOR MICROSERVICE ARCHITECTURE</a:t>
+            </a:r>
+            <a:endParaRPr lang="en-US" sz="2000" dirty="0">
+              <a:latin typeface="Euclid Circular B" panose="020B0504000000000000" pitchFamily="34" charset="0"/>
+              <a:ea typeface="Euclid Circular B" panose="020B0504000000000000" pitchFamily="34" charset="0"/>
+            </a:endParaRPr>
+          </a:p>
+        </p:txBody>
+      </p:sp>
+    </p:spTree>
+    <p:extLst>
+      <p:ext uri="{BB962C8B-B14F-4D97-AF65-F5344CB8AC3E}">
+        <p14:creationId xmlns:p14="http://schemas.microsoft.com/office/powerpoint/2010/main" val="3507474482"/>
+      </p:ext>
+    </p:extLst>
+  </p:cSld>
+  <p:clrMapOvr>
+    <a:masterClrMapping/>
+  </p:clrMapOvr>
+</p:sld>
+</file>
+
+<file path=ppt/slides/slide34.xml><?xml version="1.0" encoding="utf-8"?>
+<p:sld xmlns:a="http://schemas.openxmlformats.org/drawingml/2006/main" xmlns:r="http://schemas.openxmlformats.org/officeDocument/2006/relationships" xmlns:p="http://schemas.openxmlformats.org/presentationml/2006/main">
+  <p:cSld>
+    <p:bg>
+      <p:bgPr>
+        <a:blipFill dpi="0" rotWithShape="1">
+          <a:blip r:embed="rId2">
+            <a:lum/>
+          </a:blip>
+          <a:srcRect/>
+          <a:stretch>
+            <a:fillRect/>
+          </a:stretch>
+        </a:blipFill>
+        <a:effectLst/>
+      </p:bgPr>
+    </p:bg>
+    <p:spTree>
+      <p:nvGrpSpPr>
+        <p:cNvPr id="1" name=""/>
+        <p:cNvGrpSpPr/>
+        <p:nvPr/>
+      </p:nvGrpSpPr>
+      <p:grpSpPr>
+        <a:xfrm>
+          <a:off x="0" y="0"/>
+          <a:ext cx="0" cy="0"/>
+          <a:chOff x="0" y="0"/>
+          <a:chExt cx="0" cy="0"/>
+        </a:xfrm>
+      </p:grpSpPr>
+      <p:sp>
+        <p:nvSpPr>
+          <p:cNvPr id="2" name="Title 1">
+            <a:extLst>
+              <a:ext uri="{FF2B5EF4-FFF2-40B4-BE49-F238E27FC236}">
                 <a16:creationId xmlns:a16="http://schemas.microsoft.com/office/drawing/2014/main" id="{55E11F08-6CA0-48F1-AD67-97430DDA07F0}"/>
               </a:ext>
             </a:extLst>
@@ -11172,7 +11301,607 @@
     </p:spTree>
     <p:extLst>
       <p:ext uri="{BB962C8B-B14F-4D97-AF65-F5344CB8AC3E}">
-        <p14:creationId xmlns:p14="http://schemas.microsoft.com/office/powerpoint/2010/main" val="4272791268"/>
+        <p14:creationId xmlns:p14="http://schemas.microsoft.com/office/powerpoint/2010/main" val="1277783299"/>
+      </p:ext>
+    </p:extLst>
+  </p:cSld>
+  <p:clrMapOvr>
+    <a:masterClrMapping/>
+  </p:clrMapOvr>
+</p:sld>
+</file>
+
+<file path=ppt/slides/slide35.xml><?xml version="1.0" encoding="utf-8"?>
+<p:sld xmlns:a="http://schemas.openxmlformats.org/drawingml/2006/main" xmlns:r="http://schemas.openxmlformats.org/officeDocument/2006/relationships" xmlns:p="http://schemas.openxmlformats.org/presentationml/2006/main">
+  <p:cSld>
+    <p:bg>
+      <p:bgPr>
+        <a:blipFill dpi="0" rotWithShape="1">
+          <a:blip r:embed="rId2">
+            <a:lum/>
+          </a:blip>
+          <a:srcRect/>
+          <a:stretch>
+            <a:fillRect/>
+          </a:stretch>
+        </a:blipFill>
+        <a:effectLst/>
+      </p:bgPr>
+    </p:bg>
+    <p:spTree>
+      <p:nvGrpSpPr>
+        <p:cNvPr id="1" name=""/>
+        <p:cNvGrpSpPr/>
+        <p:nvPr/>
+      </p:nvGrpSpPr>
+      <p:grpSpPr>
+        <a:xfrm>
+          <a:off x="0" y="0"/>
+          <a:ext cx="0" cy="0"/>
+          <a:chOff x="0" y="0"/>
+          <a:chExt cx="0" cy="0"/>
+        </a:xfrm>
+      </p:grpSpPr>
+      <p:sp>
+        <p:nvSpPr>
+          <p:cNvPr id="2" name="Title 1">
+            <a:extLst>
+              <a:ext uri="{FF2B5EF4-FFF2-40B4-BE49-F238E27FC236}">
+                <a16:creationId xmlns:a16="http://schemas.microsoft.com/office/drawing/2014/main" id="{55E11F08-6CA0-48F1-AD67-97430DDA07F0}"/>
+              </a:ext>
+            </a:extLst>
+          </p:cNvPr>
+          <p:cNvSpPr>
+            <a:spLocks noGrp="1"/>
+          </p:cNvSpPr>
+          <p:nvPr>
+            <p:ph type="title"/>
+          </p:nvPr>
+        </p:nvSpPr>
+        <p:spPr/>
+        <p:txBody>
+          <a:bodyPr/>
+          <a:lstStyle/>
+          <a:p>
+            <a:r>
+              <a:rPr lang="en-US" b="1" dirty="0">
+                <a:solidFill>
+                  <a:srgbClr val="292D33"/>
+                </a:solidFill>
+                <a:latin typeface="Euclid Circular B" panose="020B0504000000000000" pitchFamily="34" charset="0"/>
+                <a:ea typeface="Euclid Circular B" panose="020B0504000000000000" pitchFamily="34" charset="0"/>
+              </a:rPr>
+              <a:t>Title</a:t>
+            </a:r>
+          </a:p>
+        </p:txBody>
+      </p:sp>
+      <p:sp>
+        <p:nvSpPr>
+          <p:cNvPr id="3" name="Content Placeholder 2">
+            <a:extLst>
+              <a:ext uri="{FF2B5EF4-FFF2-40B4-BE49-F238E27FC236}">
+                <a16:creationId xmlns:a16="http://schemas.microsoft.com/office/drawing/2014/main" id="{891C7693-D3DF-4635-96F4-97F3B4136FDF}"/>
+              </a:ext>
+            </a:extLst>
+          </p:cNvPr>
+          <p:cNvSpPr>
+            <a:spLocks noGrp="1"/>
+          </p:cNvSpPr>
+          <p:nvPr>
+            <p:ph idx="1"/>
+          </p:nvPr>
+        </p:nvSpPr>
+        <p:spPr/>
+        <p:txBody>
+          <a:bodyPr/>
+          <a:lstStyle/>
+          <a:p>
+            <a:r>
+              <a:rPr lang="en-US" dirty="0">
+                <a:latin typeface="Euclid Circular B" panose="020B0504000000000000" pitchFamily="34" charset="0"/>
+                <a:ea typeface="Euclid Circular B" panose="020B0504000000000000" pitchFamily="34" charset="0"/>
+              </a:rPr>
+              <a:t>TODO</a:t>
+            </a:r>
+            <a:r>
+              <a:rPr lang="en-US">
+                <a:latin typeface="Euclid Circular B" panose="020B0504000000000000" pitchFamily="34" charset="0"/>
+                <a:ea typeface="Euclid Circular B" panose="020B0504000000000000" pitchFamily="34" charset="0"/>
+              </a:rPr>
+              <a:t>: ...</a:t>
+            </a:r>
+            <a:endParaRPr lang="en-US" dirty="0">
+              <a:latin typeface="Euclid Circular B" panose="020B0504000000000000" pitchFamily="34" charset="0"/>
+              <a:ea typeface="Euclid Circular B" panose="020B0504000000000000" pitchFamily="34" charset="0"/>
+            </a:endParaRPr>
+          </a:p>
+        </p:txBody>
+      </p:sp>
+    </p:spTree>
+    <p:extLst>
+      <p:ext uri="{BB962C8B-B14F-4D97-AF65-F5344CB8AC3E}">
+        <p14:creationId xmlns:p14="http://schemas.microsoft.com/office/powerpoint/2010/main" val="326598016"/>
+      </p:ext>
+    </p:extLst>
+  </p:cSld>
+  <p:clrMapOvr>
+    <a:masterClrMapping/>
+  </p:clrMapOvr>
+</p:sld>
+</file>
+
+<file path=ppt/slides/slide36.xml><?xml version="1.0" encoding="utf-8"?>
+<p:sld xmlns:a="http://schemas.openxmlformats.org/drawingml/2006/main" xmlns:r="http://schemas.openxmlformats.org/officeDocument/2006/relationships" xmlns:p="http://schemas.openxmlformats.org/presentationml/2006/main">
+  <p:cSld>
+    <p:bg>
+      <p:bgPr>
+        <a:blipFill dpi="0" rotWithShape="1">
+          <a:blip r:embed="rId2">
+            <a:lum/>
+          </a:blip>
+          <a:srcRect/>
+          <a:stretch>
+            <a:fillRect/>
+          </a:stretch>
+        </a:blipFill>
+        <a:effectLst/>
+      </p:bgPr>
+    </p:bg>
+    <p:spTree>
+      <p:nvGrpSpPr>
+        <p:cNvPr id="1" name=""/>
+        <p:cNvGrpSpPr/>
+        <p:nvPr/>
+      </p:nvGrpSpPr>
+      <p:grpSpPr>
+        <a:xfrm>
+          <a:off x="0" y="0"/>
+          <a:ext cx="0" cy="0"/>
+          <a:chOff x="0" y="0"/>
+          <a:chExt cx="0" cy="0"/>
+        </a:xfrm>
+      </p:grpSpPr>
+      <p:sp>
+        <p:nvSpPr>
+          <p:cNvPr id="2" name="Title 1">
+            <a:extLst>
+              <a:ext uri="{FF2B5EF4-FFF2-40B4-BE49-F238E27FC236}">
+                <a16:creationId xmlns:a16="http://schemas.microsoft.com/office/drawing/2014/main" id="{55E11F08-6CA0-48F1-AD67-97430DDA07F0}"/>
+              </a:ext>
+            </a:extLst>
+          </p:cNvPr>
+          <p:cNvSpPr>
+            <a:spLocks noGrp="1"/>
+          </p:cNvSpPr>
+          <p:nvPr>
+            <p:ph type="title"/>
+          </p:nvPr>
+        </p:nvSpPr>
+        <p:spPr/>
+        <p:txBody>
+          <a:bodyPr/>
+          <a:lstStyle/>
+          <a:p>
+            <a:r>
+              <a:rPr lang="en-US" b="1" dirty="0">
+                <a:solidFill>
+                  <a:srgbClr val="292D33"/>
+                </a:solidFill>
+                <a:latin typeface="Euclid Circular B" panose="020B0504000000000000" pitchFamily="34" charset="0"/>
+                <a:ea typeface="Euclid Circular B" panose="020B0504000000000000" pitchFamily="34" charset="0"/>
+              </a:rPr>
+              <a:t>Title</a:t>
+            </a:r>
+          </a:p>
+        </p:txBody>
+      </p:sp>
+      <p:sp>
+        <p:nvSpPr>
+          <p:cNvPr id="3" name="Content Placeholder 2">
+            <a:extLst>
+              <a:ext uri="{FF2B5EF4-FFF2-40B4-BE49-F238E27FC236}">
+                <a16:creationId xmlns:a16="http://schemas.microsoft.com/office/drawing/2014/main" id="{891C7693-D3DF-4635-96F4-97F3B4136FDF}"/>
+              </a:ext>
+            </a:extLst>
+          </p:cNvPr>
+          <p:cNvSpPr>
+            <a:spLocks noGrp="1"/>
+          </p:cNvSpPr>
+          <p:nvPr>
+            <p:ph idx="1"/>
+          </p:nvPr>
+        </p:nvSpPr>
+        <p:spPr/>
+        <p:txBody>
+          <a:bodyPr/>
+          <a:lstStyle/>
+          <a:p>
+            <a:r>
+              <a:rPr lang="en-US" dirty="0">
+                <a:latin typeface="Euclid Circular B" panose="020B0504000000000000" pitchFamily="34" charset="0"/>
+                <a:ea typeface="Euclid Circular B" panose="020B0504000000000000" pitchFamily="34" charset="0"/>
+              </a:rPr>
+              <a:t>TODO</a:t>
+            </a:r>
+            <a:r>
+              <a:rPr lang="en-US">
+                <a:latin typeface="Euclid Circular B" panose="020B0504000000000000" pitchFamily="34" charset="0"/>
+                <a:ea typeface="Euclid Circular B" panose="020B0504000000000000" pitchFamily="34" charset="0"/>
+              </a:rPr>
+              <a:t>: ...</a:t>
+            </a:r>
+            <a:endParaRPr lang="en-US" dirty="0">
+              <a:latin typeface="Euclid Circular B" panose="020B0504000000000000" pitchFamily="34" charset="0"/>
+              <a:ea typeface="Euclid Circular B" panose="020B0504000000000000" pitchFamily="34" charset="0"/>
+            </a:endParaRPr>
+          </a:p>
+        </p:txBody>
+      </p:sp>
+    </p:spTree>
+    <p:extLst>
+      <p:ext uri="{BB962C8B-B14F-4D97-AF65-F5344CB8AC3E}">
+        <p14:creationId xmlns:p14="http://schemas.microsoft.com/office/powerpoint/2010/main" val="3073250955"/>
+      </p:ext>
+    </p:extLst>
+  </p:cSld>
+  <p:clrMapOvr>
+    <a:masterClrMapping/>
+  </p:clrMapOvr>
+</p:sld>
+</file>
+
+<file path=ppt/slides/slide37.xml><?xml version="1.0" encoding="utf-8"?>
+<p:sld xmlns:a="http://schemas.openxmlformats.org/drawingml/2006/main" xmlns:r="http://schemas.openxmlformats.org/officeDocument/2006/relationships" xmlns:p="http://schemas.openxmlformats.org/presentationml/2006/main">
+  <p:cSld>
+    <p:bg>
+      <p:bgPr>
+        <a:blipFill dpi="0" rotWithShape="1">
+          <a:blip r:embed="rId2">
+            <a:lum/>
+          </a:blip>
+          <a:srcRect/>
+          <a:stretch>
+            <a:fillRect/>
+          </a:stretch>
+        </a:blipFill>
+        <a:effectLst/>
+      </p:bgPr>
+    </p:bg>
+    <p:spTree>
+      <p:nvGrpSpPr>
+        <p:cNvPr id="1" name=""/>
+        <p:cNvGrpSpPr/>
+        <p:nvPr/>
+      </p:nvGrpSpPr>
+      <p:grpSpPr>
+        <a:xfrm>
+          <a:off x="0" y="0"/>
+          <a:ext cx="0" cy="0"/>
+          <a:chOff x="0" y="0"/>
+          <a:chExt cx="0" cy="0"/>
+        </a:xfrm>
+      </p:grpSpPr>
+      <p:sp>
+        <p:nvSpPr>
+          <p:cNvPr id="2" name="Title 1">
+            <a:extLst>
+              <a:ext uri="{FF2B5EF4-FFF2-40B4-BE49-F238E27FC236}">
+                <a16:creationId xmlns:a16="http://schemas.microsoft.com/office/drawing/2014/main" id="{55E11F08-6CA0-48F1-AD67-97430DDA07F0}"/>
+              </a:ext>
+            </a:extLst>
+          </p:cNvPr>
+          <p:cNvSpPr>
+            <a:spLocks noGrp="1"/>
+          </p:cNvSpPr>
+          <p:nvPr>
+            <p:ph type="title"/>
+          </p:nvPr>
+        </p:nvSpPr>
+        <p:spPr/>
+        <p:txBody>
+          <a:bodyPr/>
+          <a:lstStyle/>
+          <a:p>
+            <a:r>
+              <a:rPr lang="en-US" b="1" dirty="0">
+                <a:solidFill>
+                  <a:srgbClr val="292D33"/>
+                </a:solidFill>
+                <a:latin typeface="Euclid Circular B" panose="020B0504000000000000" pitchFamily="34" charset="0"/>
+                <a:ea typeface="Euclid Circular B" panose="020B0504000000000000" pitchFamily="34" charset="0"/>
+              </a:rPr>
+              <a:t>Title</a:t>
+            </a:r>
+          </a:p>
+        </p:txBody>
+      </p:sp>
+      <p:sp>
+        <p:nvSpPr>
+          <p:cNvPr id="3" name="Content Placeholder 2">
+            <a:extLst>
+              <a:ext uri="{FF2B5EF4-FFF2-40B4-BE49-F238E27FC236}">
+                <a16:creationId xmlns:a16="http://schemas.microsoft.com/office/drawing/2014/main" id="{891C7693-D3DF-4635-96F4-97F3B4136FDF}"/>
+              </a:ext>
+            </a:extLst>
+          </p:cNvPr>
+          <p:cNvSpPr>
+            <a:spLocks noGrp="1"/>
+          </p:cNvSpPr>
+          <p:nvPr>
+            <p:ph idx="1"/>
+          </p:nvPr>
+        </p:nvSpPr>
+        <p:spPr/>
+        <p:txBody>
+          <a:bodyPr/>
+          <a:lstStyle/>
+          <a:p>
+            <a:r>
+              <a:rPr lang="en-US" dirty="0">
+                <a:latin typeface="Euclid Circular B" panose="020B0504000000000000" pitchFamily="34" charset="0"/>
+                <a:ea typeface="Euclid Circular B" panose="020B0504000000000000" pitchFamily="34" charset="0"/>
+              </a:rPr>
+              <a:t>TODO</a:t>
+            </a:r>
+            <a:r>
+              <a:rPr lang="en-US">
+                <a:latin typeface="Euclid Circular B" panose="020B0504000000000000" pitchFamily="34" charset="0"/>
+                <a:ea typeface="Euclid Circular B" panose="020B0504000000000000" pitchFamily="34" charset="0"/>
+              </a:rPr>
+              <a:t>: ...</a:t>
+            </a:r>
+            <a:endParaRPr lang="en-US" dirty="0">
+              <a:latin typeface="Euclid Circular B" panose="020B0504000000000000" pitchFamily="34" charset="0"/>
+              <a:ea typeface="Euclid Circular B" panose="020B0504000000000000" pitchFamily="34" charset="0"/>
+            </a:endParaRPr>
+          </a:p>
+        </p:txBody>
+      </p:sp>
+    </p:spTree>
+    <p:extLst>
+      <p:ext uri="{BB962C8B-B14F-4D97-AF65-F5344CB8AC3E}">
+        <p14:creationId xmlns:p14="http://schemas.microsoft.com/office/powerpoint/2010/main" val="214136112"/>
+      </p:ext>
+    </p:extLst>
+  </p:cSld>
+  <p:clrMapOvr>
+    <a:masterClrMapping/>
+  </p:clrMapOvr>
+</p:sld>
+</file>
+
+<file path=ppt/slides/slide38.xml><?xml version="1.0" encoding="utf-8"?>
+<p:sld xmlns:a="http://schemas.openxmlformats.org/drawingml/2006/main" xmlns:r="http://schemas.openxmlformats.org/officeDocument/2006/relationships" xmlns:p="http://schemas.openxmlformats.org/presentationml/2006/main">
+  <p:cSld>
+    <p:bg>
+      <p:bgPr>
+        <a:blipFill dpi="0" rotWithShape="1">
+          <a:blip r:embed="rId2">
+            <a:lum/>
+          </a:blip>
+          <a:srcRect/>
+          <a:stretch>
+            <a:fillRect/>
+          </a:stretch>
+        </a:blipFill>
+        <a:effectLst/>
+      </p:bgPr>
+    </p:bg>
+    <p:spTree>
+      <p:nvGrpSpPr>
+        <p:cNvPr id="1" name=""/>
+        <p:cNvGrpSpPr/>
+        <p:nvPr/>
+      </p:nvGrpSpPr>
+      <p:grpSpPr>
+        <a:xfrm>
+          <a:off x="0" y="0"/>
+          <a:ext cx="0" cy="0"/>
+          <a:chOff x="0" y="0"/>
+          <a:chExt cx="0" cy="0"/>
+        </a:xfrm>
+      </p:grpSpPr>
+      <p:sp>
+        <p:nvSpPr>
+          <p:cNvPr id="2" name="Title 1">
+            <a:extLst>
+              <a:ext uri="{FF2B5EF4-FFF2-40B4-BE49-F238E27FC236}">
+                <a16:creationId xmlns:a16="http://schemas.microsoft.com/office/drawing/2014/main" id="{55E11F08-6CA0-48F1-AD67-97430DDA07F0}"/>
+              </a:ext>
+            </a:extLst>
+          </p:cNvPr>
+          <p:cNvSpPr>
+            <a:spLocks noGrp="1"/>
+          </p:cNvSpPr>
+          <p:nvPr>
+            <p:ph type="title"/>
+          </p:nvPr>
+        </p:nvSpPr>
+        <p:spPr/>
+        <p:txBody>
+          <a:bodyPr/>
+          <a:lstStyle/>
+          <a:p>
+            <a:r>
+              <a:rPr lang="en-US" b="1" dirty="0">
+                <a:solidFill>
+                  <a:srgbClr val="292D33"/>
+                </a:solidFill>
+                <a:latin typeface="Euclid Circular B" panose="020B0504000000000000" pitchFamily="34" charset="0"/>
+                <a:ea typeface="Euclid Circular B" panose="020B0504000000000000" pitchFamily="34" charset="0"/>
+              </a:rPr>
+              <a:t>Title</a:t>
+            </a:r>
+          </a:p>
+        </p:txBody>
+      </p:sp>
+      <p:sp>
+        <p:nvSpPr>
+          <p:cNvPr id="3" name="Content Placeholder 2">
+            <a:extLst>
+              <a:ext uri="{FF2B5EF4-FFF2-40B4-BE49-F238E27FC236}">
+                <a16:creationId xmlns:a16="http://schemas.microsoft.com/office/drawing/2014/main" id="{891C7693-D3DF-4635-96F4-97F3B4136FDF}"/>
+              </a:ext>
+            </a:extLst>
+          </p:cNvPr>
+          <p:cNvSpPr>
+            <a:spLocks noGrp="1"/>
+          </p:cNvSpPr>
+          <p:nvPr>
+            <p:ph idx="1"/>
+          </p:nvPr>
+        </p:nvSpPr>
+        <p:spPr/>
+        <p:txBody>
+          <a:bodyPr/>
+          <a:lstStyle/>
+          <a:p>
+            <a:r>
+              <a:rPr lang="en-US" dirty="0">
+                <a:latin typeface="Euclid Circular B" panose="020B0504000000000000" pitchFamily="34" charset="0"/>
+                <a:ea typeface="Euclid Circular B" panose="020B0504000000000000" pitchFamily="34" charset="0"/>
+              </a:rPr>
+              <a:t>TODO</a:t>
+            </a:r>
+            <a:r>
+              <a:rPr lang="en-US">
+                <a:latin typeface="Euclid Circular B" panose="020B0504000000000000" pitchFamily="34" charset="0"/>
+                <a:ea typeface="Euclid Circular B" panose="020B0504000000000000" pitchFamily="34" charset="0"/>
+              </a:rPr>
+              <a:t>: ...</a:t>
+            </a:r>
+            <a:endParaRPr lang="en-US" dirty="0">
+              <a:latin typeface="Euclid Circular B" panose="020B0504000000000000" pitchFamily="34" charset="0"/>
+              <a:ea typeface="Euclid Circular B" panose="020B0504000000000000" pitchFamily="34" charset="0"/>
+            </a:endParaRPr>
+          </a:p>
+        </p:txBody>
+      </p:sp>
+    </p:spTree>
+    <p:extLst>
+      <p:ext uri="{BB962C8B-B14F-4D97-AF65-F5344CB8AC3E}">
+        <p14:creationId xmlns:p14="http://schemas.microsoft.com/office/powerpoint/2010/main" val="3539053896"/>
+      </p:ext>
+    </p:extLst>
+  </p:cSld>
+  <p:clrMapOvr>
+    <a:masterClrMapping/>
+  </p:clrMapOvr>
+</p:sld>
+</file>
+
+<file path=ppt/slides/slide39.xml><?xml version="1.0" encoding="utf-8"?>
+<p:sld xmlns:a="http://schemas.openxmlformats.org/drawingml/2006/main" xmlns:r="http://schemas.openxmlformats.org/officeDocument/2006/relationships" xmlns:p="http://schemas.openxmlformats.org/presentationml/2006/main">
+  <p:cSld>
+    <p:bg>
+      <p:bgPr>
+        <a:blipFill dpi="0" rotWithShape="1">
+          <a:blip r:embed="rId2">
+            <a:lum/>
+          </a:blip>
+          <a:srcRect/>
+          <a:stretch>
+            <a:fillRect/>
+          </a:stretch>
+        </a:blipFill>
+        <a:effectLst/>
+      </p:bgPr>
+    </p:bg>
+    <p:spTree>
+      <p:nvGrpSpPr>
+        <p:cNvPr id="1" name=""/>
+        <p:cNvGrpSpPr/>
+        <p:nvPr/>
+      </p:nvGrpSpPr>
+      <p:grpSpPr>
+        <a:xfrm>
+          <a:off x="0" y="0"/>
+          <a:ext cx="0" cy="0"/>
+          <a:chOff x="0" y="0"/>
+          <a:chExt cx="0" cy="0"/>
+        </a:xfrm>
+      </p:grpSpPr>
+      <p:sp>
+        <p:nvSpPr>
+          <p:cNvPr id="2" name="Title 1">
+            <a:extLst>
+              <a:ext uri="{FF2B5EF4-FFF2-40B4-BE49-F238E27FC236}">
+                <a16:creationId xmlns:a16="http://schemas.microsoft.com/office/drawing/2014/main" id="{55E11F08-6CA0-48F1-AD67-97430DDA07F0}"/>
+              </a:ext>
+            </a:extLst>
+          </p:cNvPr>
+          <p:cNvSpPr>
+            <a:spLocks noGrp="1"/>
+          </p:cNvSpPr>
+          <p:nvPr>
+            <p:ph type="title"/>
+          </p:nvPr>
+        </p:nvSpPr>
+        <p:spPr/>
+        <p:txBody>
+          <a:bodyPr/>
+          <a:lstStyle/>
+          <a:p>
+            <a:r>
+              <a:rPr lang="en-US" b="1" dirty="0">
+                <a:solidFill>
+                  <a:srgbClr val="292D33"/>
+                </a:solidFill>
+                <a:latin typeface="Euclid Circular B" panose="020B0504000000000000" pitchFamily="34" charset="0"/>
+                <a:ea typeface="Euclid Circular B" panose="020B0504000000000000" pitchFamily="34" charset="0"/>
+              </a:rPr>
+              <a:t>Title</a:t>
+            </a:r>
+          </a:p>
+        </p:txBody>
+      </p:sp>
+      <p:sp>
+        <p:nvSpPr>
+          <p:cNvPr id="3" name="Content Placeholder 2">
+            <a:extLst>
+              <a:ext uri="{FF2B5EF4-FFF2-40B4-BE49-F238E27FC236}">
+                <a16:creationId xmlns:a16="http://schemas.microsoft.com/office/drawing/2014/main" id="{891C7693-D3DF-4635-96F4-97F3B4136FDF}"/>
+              </a:ext>
+            </a:extLst>
+          </p:cNvPr>
+          <p:cNvSpPr>
+            <a:spLocks noGrp="1"/>
+          </p:cNvSpPr>
+          <p:nvPr>
+            <p:ph idx="1"/>
+          </p:nvPr>
+        </p:nvSpPr>
+        <p:spPr/>
+        <p:txBody>
+          <a:bodyPr/>
+          <a:lstStyle/>
+          <a:p>
+            <a:r>
+              <a:rPr lang="en-US" dirty="0">
+                <a:latin typeface="Euclid Circular B" panose="020B0504000000000000" pitchFamily="34" charset="0"/>
+                <a:ea typeface="Euclid Circular B" panose="020B0504000000000000" pitchFamily="34" charset="0"/>
+              </a:rPr>
+              <a:t>TODO</a:t>
+            </a:r>
+            <a:r>
+              <a:rPr lang="en-US">
+                <a:latin typeface="Euclid Circular B" panose="020B0504000000000000" pitchFamily="34" charset="0"/>
+                <a:ea typeface="Euclid Circular B" panose="020B0504000000000000" pitchFamily="34" charset="0"/>
+              </a:rPr>
+              <a:t>: ...</a:t>
+            </a:r>
+            <a:endParaRPr lang="en-US" dirty="0">
+              <a:latin typeface="Euclid Circular B" panose="020B0504000000000000" pitchFamily="34" charset="0"/>
+              <a:ea typeface="Euclid Circular B" panose="020B0504000000000000" pitchFamily="34" charset="0"/>
+            </a:endParaRPr>
+          </a:p>
+        </p:txBody>
+      </p:sp>
+    </p:spTree>
+    <p:extLst>
+      <p:ext uri="{BB962C8B-B14F-4D97-AF65-F5344CB8AC3E}">
+        <p14:creationId xmlns:p14="http://schemas.microsoft.com/office/powerpoint/2010/main" val="2818505958"/>
       </p:ext>
     </p:extLst>
   </p:cSld>
@@ -11387,6 +12116,366 @@
     <p:extLst>
       <p:ext uri="{BB962C8B-B14F-4D97-AF65-F5344CB8AC3E}">
         <p14:creationId xmlns:p14="http://schemas.microsoft.com/office/powerpoint/2010/main" val="3419829372"/>
+      </p:ext>
+    </p:extLst>
+  </p:cSld>
+  <p:clrMapOvr>
+    <a:masterClrMapping/>
+  </p:clrMapOvr>
+</p:sld>
+</file>
+
+<file path=ppt/slides/slide40.xml><?xml version="1.0" encoding="utf-8"?>
+<p:sld xmlns:a="http://schemas.openxmlformats.org/drawingml/2006/main" xmlns:r="http://schemas.openxmlformats.org/officeDocument/2006/relationships" xmlns:p="http://schemas.openxmlformats.org/presentationml/2006/main">
+  <p:cSld>
+    <p:bg>
+      <p:bgPr>
+        <a:blipFill dpi="0" rotWithShape="1">
+          <a:blip r:embed="rId2">
+            <a:lum/>
+          </a:blip>
+          <a:srcRect/>
+          <a:stretch>
+            <a:fillRect/>
+          </a:stretch>
+        </a:blipFill>
+        <a:effectLst/>
+      </p:bgPr>
+    </p:bg>
+    <p:spTree>
+      <p:nvGrpSpPr>
+        <p:cNvPr id="1" name=""/>
+        <p:cNvGrpSpPr/>
+        <p:nvPr/>
+      </p:nvGrpSpPr>
+      <p:grpSpPr>
+        <a:xfrm>
+          <a:off x="0" y="0"/>
+          <a:ext cx="0" cy="0"/>
+          <a:chOff x="0" y="0"/>
+          <a:chExt cx="0" cy="0"/>
+        </a:xfrm>
+      </p:grpSpPr>
+      <p:sp>
+        <p:nvSpPr>
+          <p:cNvPr id="2" name="Title 1">
+            <a:extLst>
+              <a:ext uri="{FF2B5EF4-FFF2-40B4-BE49-F238E27FC236}">
+                <a16:creationId xmlns:a16="http://schemas.microsoft.com/office/drawing/2014/main" id="{55E11F08-6CA0-48F1-AD67-97430DDA07F0}"/>
+              </a:ext>
+            </a:extLst>
+          </p:cNvPr>
+          <p:cNvSpPr>
+            <a:spLocks noGrp="1"/>
+          </p:cNvSpPr>
+          <p:nvPr>
+            <p:ph type="title"/>
+          </p:nvPr>
+        </p:nvSpPr>
+        <p:spPr/>
+        <p:txBody>
+          <a:bodyPr/>
+          <a:lstStyle/>
+          <a:p>
+            <a:r>
+              <a:rPr lang="en-US" b="1" dirty="0">
+                <a:solidFill>
+                  <a:srgbClr val="292D33"/>
+                </a:solidFill>
+                <a:latin typeface="Euclid Circular B" panose="020B0504000000000000" pitchFamily="34" charset="0"/>
+                <a:ea typeface="Euclid Circular B" panose="020B0504000000000000" pitchFamily="34" charset="0"/>
+              </a:rPr>
+              <a:t>Title</a:t>
+            </a:r>
+          </a:p>
+        </p:txBody>
+      </p:sp>
+      <p:sp>
+        <p:nvSpPr>
+          <p:cNvPr id="3" name="Content Placeholder 2">
+            <a:extLst>
+              <a:ext uri="{FF2B5EF4-FFF2-40B4-BE49-F238E27FC236}">
+                <a16:creationId xmlns:a16="http://schemas.microsoft.com/office/drawing/2014/main" id="{891C7693-D3DF-4635-96F4-97F3B4136FDF}"/>
+              </a:ext>
+            </a:extLst>
+          </p:cNvPr>
+          <p:cNvSpPr>
+            <a:spLocks noGrp="1"/>
+          </p:cNvSpPr>
+          <p:nvPr>
+            <p:ph idx="1"/>
+          </p:nvPr>
+        </p:nvSpPr>
+        <p:spPr/>
+        <p:txBody>
+          <a:bodyPr/>
+          <a:lstStyle/>
+          <a:p>
+            <a:r>
+              <a:rPr lang="en-US" dirty="0">
+                <a:latin typeface="Euclid Circular B" panose="020B0504000000000000" pitchFamily="34" charset="0"/>
+                <a:ea typeface="Euclid Circular B" panose="020B0504000000000000" pitchFamily="34" charset="0"/>
+              </a:rPr>
+              <a:t>TODO</a:t>
+            </a:r>
+            <a:r>
+              <a:rPr lang="en-US">
+                <a:latin typeface="Euclid Circular B" panose="020B0504000000000000" pitchFamily="34" charset="0"/>
+                <a:ea typeface="Euclid Circular B" panose="020B0504000000000000" pitchFamily="34" charset="0"/>
+              </a:rPr>
+              <a:t>: ...</a:t>
+            </a:r>
+            <a:endParaRPr lang="en-US" dirty="0">
+              <a:latin typeface="Euclid Circular B" panose="020B0504000000000000" pitchFamily="34" charset="0"/>
+              <a:ea typeface="Euclid Circular B" panose="020B0504000000000000" pitchFamily="34" charset="0"/>
+            </a:endParaRPr>
+          </a:p>
+        </p:txBody>
+      </p:sp>
+    </p:spTree>
+    <p:extLst>
+      <p:ext uri="{BB962C8B-B14F-4D97-AF65-F5344CB8AC3E}">
+        <p14:creationId xmlns:p14="http://schemas.microsoft.com/office/powerpoint/2010/main" val="4272791268"/>
+      </p:ext>
+    </p:extLst>
+  </p:cSld>
+  <p:clrMapOvr>
+    <a:masterClrMapping/>
+  </p:clrMapOvr>
+</p:sld>
+</file>
+
+<file path=ppt/slides/slide41.xml><?xml version="1.0" encoding="utf-8"?>
+<p:sld xmlns:a="http://schemas.openxmlformats.org/drawingml/2006/main" xmlns:r="http://schemas.openxmlformats.org/officeDocument/2006/relationships" xmlns:p="http://schemas.openxmlformats.org/presentationml/2006/main">
+  <p:cSld>
+    <p:bg>
+      <p:bgPr>
+        <a:blipFill dpi="0" rotWithShape="1">
+          <a:blip r:embed="rId2">
+            <a:lum/>
+          </a:blip>
+          <a:srcRect/>
+          <a:stretch>
+            <a:fillRect/>
+          </a:stretch>
+        </a:blipFill>
+        <a:effectLst/>
+      </p:bgPr>
+    </p:bg>
+    <p:spTree>
+      <p:nvGrpSpPr>
+        <p:cNvPr id="1" name=""/>
+        <p:cNvGrpSpPr/>
+        <p:nvPr/>
+      </p:nvGrpSpPr>
+      <p:grpSpPr>
+        <a:xfrm>
+          <a:off x="0" y="0"/>
+          <a:ext cx="0" cy="0"/>
+          <a:chOff x="0" y="0"/>
+          <a:chExt cx="0" cy="0"/>
+        </a:xfrm>
+      </p:grpSpPr>
+      <p:sp>
+        <p:nvSpPr>
+          <p:cNvPr id="2" name="Title 1">
+            <a:extLst>
+              <a:ext uri="{FF2B5EF4-FFF2-40B4-BE49-F238E27FC236}">
+                <a16:creationId xmlns:a16="http://schemas.microsoft.com/office/drawing/2014/main" id="{55E11F08-6CA0-48F1-AD67-97430DDA07F0}"/>
+              </a:ext>
+            </a:extLst>
+          </p:cNvPr>
+          <p:cNvSpPr>
+            <a:spLocks noGrp="1"/>
+          </p:cNvSpPr>
+          <p:nvPr>
+            <p:ph type="title"/>
+          </p:nvPr>
+        </p:nvSpPr>
+        <p:spPr/>
+        <p:txBody>
+          <a:bodyPr/>
+          <a:lstStyle/>
+          <a:p>
+            <a:r>
+              <a:rPr lang="en-US" b="1" dirty="0">
+                <a:solidFill>
+                  <a:srgbClr val="292D33"/>
+                </a:solidFill>
+                <a:latin typeface="Euclid Circular B" panose="020B0504000000000000" pitchFamily="34" charset="0"/>
+                <a:ea typeface="Euclid Circular B" panose="020B0504000000000000" pitchFamily="34" charset="0"/>
+              </a:rPr>
+              <a:t>Title</a:t>
+            </a:r>
+          </a:p>
+        </p:txBody>
+      </p:sp>
+      <p:sp>
+        <p:nvSpPr>
+          <p:cNvPr id="3" name="Content Placeholder 2">
+            <a:extLst>
+              <a:ext uri="{FF2B5EF4-FFF2-40B4-BE49-F238E27FC236}">
+                <a16:creationId xmlns:a16="http://schemas.microsoft.com/office/drawing/2014/main" id="{891C7693-D3DF-4635-96F4-97F3B4136FDF}"/>
+              </a:ext>
+            </a:extLst>
+          </p:cNvPr>
+          <p:cNvSpPr>
+            <a:spLocks noGrp="1"/>
+          </p:cNvSpPr>
+          <p:nvPr>
+            <p:ph idx="1"/>
+          </p:nvPr>
+        </p:nvSpPr>
+        <p:spPr/>
+        <p:txBody>
+          <a:bodyPr/>
+          <a:lstStyle/>
+          <a:p>
+            <a:r>
+              <a:rPr lang="en-US" dirty="0">
+                <a:latin typeface="Euclid Circular B" panose="020B0504000000000000" pitchFamily="34" charset="0"/>
+                <a:ea typeface="Euclid Circular B" panose="020B0504000000000000" pitchFamily="34" charset="0"/>
+              </a:rPr>
+              <a:t>TODO</a:t>
+            </a:r>
+            <a:r>
+              <a:rPr lang="en-US">
+                <a:latin typeface="Euclid Circular B" panose="020B0504000000000000" pitchFamily="34" charset="0"/>
+                <a:ea typeface="Euclid Circular B" panose="020B0504000000000000" pitchFamily="34" charset="0"/>
+              </a:rPr>
+              <a:t>: ...</a:t>
+            </a:r>
+            <a:endParaRPr lang="en-US" dirty="0">
+              <a:latin typeface="Euclid Circular B" panose="020B0504000000000000" pitchFamily="34" charset="0"/>
+              <a:ea typeface="Euclid Circular B" panose="020B0504000000000000" pitchFamily="34" charset="0"/>
+            </a:endParaRPr>
+          </a:p>
+        </p:txBody>
+      </p:sp>
+    </p:spTree>
+    <p:extLst>
+      <p:ext uri="{BB962C8B-B14F-4D97-AF65-F5344CB8AC3E}">
+        <p14:creationId xmlns:p14="http://schemas.microsoft.com/office/powerpoint/2010/main" val="3822449102"/>
+      </p:ext>
+    </p:extLst>
+  </p:cSld>
+  <p:clrMapOvr>
+    <a:masterClrMapping/>
+  </p:clrMapOvr>
+</p:sld>
+</file>
+
+<file path=ppt/slides/slide42.xml><?xml version="1.0" encoding="utf-8"?>
+<p:sld xmlns:a="http://schemas.openxmlformats.org/drawingml/2006/main" xmlns:r="http://schemas.openxmlformats.org/officeDocument/2006/relationships" xmlns:p="http://schemas.openxmlformats.org/presentationml/2006/main">
+  <p:cSld>
+    <p:bg>
+      <p:bgPr>
+        <a:blipFill dpi="0" rotWithShape="1">
+          <a:blip r:embed="rId2">
+            <a:lum/>
+          </a:blip>
+          <a:srcRect/>
+          <a:stretch>
+            <a:fillRect/>
+          </a:stretch>
+        </a:blipFill>
+        <a:effectLst/>
+      </p:bgPr>
+    </p:bg>
+    <p:spTree>
+      <p:nvGrpSpPr>
+        <p:cNvPr id="1" name=""/>
+        <p:cNvGrpSpPr/>
+        <p:nvPr/>
+      </p:nvGrpSpPr>
+      <p:grpSpPr>
+        <a:xfrm>
+          <a:off x="0" y="0"/>
+          <a:ext cx="0" cy="0"/>
+          <a:chOff x="0" y="0"/>
+          <a:chExt cx="0" cy="0"/>
+        </a:xfrm>
+      </p:grpSpPr>
+      <p:sp>
+        <p:nvSpPr>
+          <p:cNvPr id="2" name="Title 1">
+            <a:extLst>
+              <a:ext uri="{FF2B5EF4-FFF2-40B4-BE49-F238E27FC236}">
+                <a16:creationId xmlns:a16="http://schemas.microsoft.com/office/drawing/2014/main" id="{55E11F08-6CA0-48F1-AD67-97430DDA07F0}"/>
+              </a:ext>
+            </a:extLst>
+          </p:cNvPr>
+          <p:cNvSpPr>
+            <a:spLocks noGrp="1"/>
+          </p:cNvSpPr>
+          <p:nvPr>
+            <p:ph type="title"/>
+          </p:nvPr>
+        </p:nvSpPr>
+        <p:spPr/>
+        <p:txBody>
+          <a:bodyPr/>
+          <a:lstStyle/>
+          <a:p>
+            <a:r>
+              <a:rPr lang="en-US" b="1" dirty="0">
+                <a:solidFill>
+                  <a:srgbClr val="292D33"/>
+                </a:solidFill>
+                <a:latin typeface="Euclid Circular B" panose="020B0504000000000000" pitchFamily="34" charset="0"/>
+                <a:ea typeface="Euclid Circular B" panose="020B0504000000000000" pitchFamily="34" charset="0"/>
+              </a:rPr>
+              <a:t>Title</a:t>
+            </a:r>
+          </a:p>
+        </p:txBody>
+      </p:sp>
+      <p:sp>
+        <p:nvSpPr>
+          <p:cNvPr id="3" name="Content Placeholder 2">
+            <a:extLst>
+              <a:ext uri="{FF2B5EF4-FFF2-40B4-BE49-F238E27FC236}">
+                <a16:creationId xmlns:a16="http://schemas.microsoft.com/office/drawing/2014/main" id="{891C7693-D3DF-4635-96F4-97F3B4136FDF}"/>
+              </a:ext>
+            </a:extLst>
+          </p:cNvPr>
+          <p:cNvSpPr>
+            <a:spLocks noGrp="1"/>
+          </p:cNvSpPr>
+          <p:nvPr>
+            <p:ph idx="1"/>
+          </p:nvPr>
+        </p:nvSpPr>
+        <p:spPr/>
+        <p:txBody>
+          <a:bodyPr/>
+          <a:lstStyle/>
+          <a:p>
+            <a:r>
+              <a:rPr lang="en-US" dirty="0">
+                <a:latin typeface="Euclid Circular B" panose="020B0504000000000000" pitchFamily="34" charset="0"/>
+                <a:ea typeface="Euclid Circular B" panose="020B0504000000000000" pitchFamily="34" charset="0"/>
+              </a:rPr>
+              <a:t>TODO</a:t>
+            </a:r>
+            <a:r>
+              <a:rPr lang="en-US">
+                <a:latin typeface="Euclid Circular B" panose="020B0504000000000000" pitchFamily="34" charset="0"/>
+                <a:ea typeface="Euclid Circular B" panose="020B0504000000000000" pitchFamily="34" charset="0"/>
+              </a:rPr>
+              <a:t>: ...</a:t>
+            </a:r>
+            <a:endParaRPr lang="en-US" dirty="0">
+              <a:latin typeface="Euclid Circular B" panose="020B0504000000000000" pitchFamily="34" charset="0"/>
+              <a:ea typeface="Euclid Circular B" panose="020B0504000000000000" pitchFamily="34" charset="0"/>
+            </a:endParaRPr>
+          </a:p>
+        </p:txBody>
+      </p:sp>
+    </p:spTree>
+    <p:extLst>
+      <p:ext uri="{BB962C8B-B14F-4D97-AF65-F5344CB8AC3E}">
+        <p14:creationId xmlns:p14="http://schemas.microsoft.com/office/powerpoint/2010/main" val="540211406"/>
       </p:ext>
     </p:extLst>
   </p:cSld>
@@ -11455,7 +12544,7 @@
           <a:graphicData uri="http://schemas.openxmlformats.org/presentationml/2006/ole">
             <mc:AlternateContent xmlns:mc="http://schemas.openxmlformats.org/markup-compatibility/2006">
               <mc:Choice xmlns:v="urn:schemas-microsoft-com:vml" Requires="v">
-                <p:oleObj spid="_x0000_s2077" name="Bitmap Image" r:id="rId4" imgW="12553920" imgH="8362800" progId="Paint.Picture">
+                <p:oleObj spid="_x0000_s2078" name="Bitmap Image" r:id="rId4" imgW="12553920" imgH="8362800" progId="Paint.Picture">
                   <p:embed/>
                 </p:oleObj>
               </mc:Choice>
@@ -13076,7 +14165,7 @@
           <a:graphicData uri="http://schemas.openxmlformats.org/presentationml/2006/ole">
             <mc:AlternateContent xmlns:mc="http://schemas.openxmlformats.org/markup-compatibility/2006">
               <mc:Choice xmlns:v="urn:schemas-microsoft-com:vml" Requires="v">
-                <p:oleObj spid="_x0000_s3099" name="Bitmap Image" r:id="rId4" imgW="17059320" imgH="5762520" progId="Paint.Picture">
+                <p:oleObj spid="_x0000_s3100" name="Bitmap Image" r:id="rId4" imgW="17059320" imgH="5762520" progId="Paint.Picture">
                   <p:embed/>
                 </p:oleObj>
               </mc:Choice>

--- a/2022-05-12 Designing Monolith First (TR)/Monolith First Presentation.pptx
+++ b/2022-05-12 Designing Monolith First (TR)/Monolith First Presentation.pptx
@@ -9148,16 +9148,21 @@
                 <a:latin typeface="Euclid Circular B" panose="020B0504000000000000" pitchFamily="34" charset="0"/>
                 <a:ea typeface="Euclid Circular B" panose="020B0504000000000000" pitchFamily="34" charset="0"/>
               </a:rPr>
-              <a:t>Build as monolith (not modular), discard it and replace with microservices at some point</a:t>
-            </a:r>
-          </a:p>
-          <a:p>
+              <a:t>Build as monolith (not modular), </a:t>
+            </a:r>
+            <a:r>
+              <a:rPr lang="en-US" b="1" dirty="0">
+                <a:latin typeface="Euclid Circular B" panose="020B0504000000000000" pitchFamily="34" charset="0"/>
+                <a:ea typeface="Euclid Circular B" panose="020B0504000000000000" pitchFamily="34" charset="0"/>
+              </a:rPr>
+              <a:t>discard it </a:t>
+            </a:r>
             <a:r>
               <a:rPr lang="en-US" dirty="0">
                 <a:latin typeface="Euclid Circular B" panose="020B0504000000000000" pitchFamily="34" charset="0"/>
                 <a:ea typeface="Euclid Circular B" panose="020B0504000000000000" pitchFamily="34" charset="0"/>
               </a:rPr>
-              <a:t>Build as monolith (may not be fully modular), introduce microservices by the time (keep the core as monolith for a while)</a:t>
+              <a:t>and replace with microservices at some point</a:t>
             </a:r>
           </a:p>
           <a:p>
@@ -9166,16 +9171,81 @@
                 <a:latin typeface="Euclid Circular B" panose="020B0504000000000000" pitchFamily="34" charset="0"/>
                 <a:ea typeface="Euclid Circular B" panose="020B0504000000000000" pitchFamily="34" charset="0"/>
               </a:rPr>
-              <a:t>Create coarse-grained (large) services, then break down into finer-grained services as boundaries stabilize</a:t>
-            </a:r>
-          </a:p>
-          <a:p>
+              <a:t>Build as monolith (may not be fully modular), </a:t>
+            </a:r>
+            <a:r>
+              <a:rPr lang="en-US" b="1" dirty="0">
+                <a:latin typeface="Euclid Circular B" panose="020B0504000000000000" pitchFamily="34" charset="0"/>
+                <a:ea typeface="Euclid Circular B" panose="020B0504000000000000" pitchFamily="34" charset="0"/>
+              </a:rPr>
+              <a:t>introduce microservices</a:t>
+            </a:r>
             <a:r>
               <a:rPr lang="en-US" dirty="0">
                 <a:latin typeface="Euclid Circular B" panose="020B0504000000000000" pitchFamily="34" charset="0"/>
                 <a:ea typeface="Euclid Circular B" panose="020B0504000000000000" pitchFamily="34" charset="0"/>
               </a:rPr>
-              <a:t>Design a fully modular monolith, then migrate to microservices when it gets mature</a:t>
+              <a:t> by the time (keep the core as monolith for a while)</a:t>
+            </a:r>
+          </a:p>
+          <a:p>
+            <a:r>
+              <a:rPr lang="en-US" dirty="0">
+                <a:latin typeface="Euclid Circular B" panose="020B0504000000000000" pitchFamily="34" charset="0"/>
+                <a:ea typeface="Euclid Circular B" panose="020B0504000000000000" pitchFamily="34" charset="0"/>
+              </a:rPr>
+              <a:t>Create </a:t>
+            </a:r>
+            <a:r>
+              <a:rPr lang="en-US" b="1" dirty="0">
+                <a:latin typeface="Euclid Circular B" panose="020B0504000000000000" pitchFamily="34" charset="0"/>
+                <a:ea typeface="Euclid Circular B" panose="020B0504000000000000" pitchFamily="34" charset="0"/>
+              </a:rPr>
+              <a:t>coarse-grained </a:t>
+            </a:r>
+            <a:r>
+              <a:rPr lang="en-US" dirty="0">
+                <a:latin typeface="Euclid Circular B" panose="020B0504000000000000" pitchFamily="34" charset="0"/>
+                <a:ea typeface="Euclid Circular B" panose="020B0504000000000000" pitchFamily="34" charset="0"/>
+              </a:rPr>
+              <a:t>(large) services, then </a:t>
+            </a:r>
+            <a:r>
+              <a:rPr lang="en-US" b="1" dirty="0">
+                <a:latin typeface="Euclid Circular B" panose="020B0504000000000000" pitchFamily="34" charset="0"/>
+                <a:ea typeface="Euclid Circular B" panose="020B0504000000000000" pitchFamily="34" charset="0"/>
+              </a:rPr>
+              <a:t>break down </a:t>
+            </a:r>
+            <a:r>
+              <a:rPr lang="en-US" dirty="0">
+                <a:latin typeface="Euclid Circular B" panose="020B0504000000000000" pitchFamily="34" charset="0"/>
+                <a:ea typeface="Euclid Circular B" panose="020B0504000000000000" pitchFamily="34" charset="0"/>
+              </a:rPr>
+              <a:t>into finer-grained services as boundaries stabilize</a:t>
+            </a:r>
+          </a:p>
+          <a:p>
+            <a:r>
+              <a:rPr lang="en-US" dirty="0">
+                <a:latin typeface="Euclid Circular B" panose="020B0504000000000000" pitchFamily="34" charset="0"/>
+                <a:ea typeface="Euclid Circular B" panose="020B0504000000000000" pitchFamily="34" charset="0"/>
+              </a:rPr>
+              <a:t>Design a fully </a:t>
+            </a:r>
+            <a:r>
+              <a:rPr lang="en-US" b="1" dirty="0">
+                <a:latin typeface="Euclid Circular B" panose="020B0504000000000000" pitchFamily="34" charset="0"/>
+                <a:ea typeface="Euclid Circular B" panose="020B0504000000000000" pitchFamily="34" charset="0"/>
+              </a:rPr>
+              <a:t>modular monolith</a:t>
+            </a:r>
+            <a:r>
+              <a:rPr lang="en-US" dirty="0">
+                <a:latin typeface="Euclid Circular B" panose="020B0504000000000000" pitchFamily="34" charset="0"/>
+                <a:ea typeface="Euclid Circular B" panose="020B0504000000000000" pitchFamily="34" charset="0"/>
+              </a:rPr>
+              <a:t>, then migrate to microservices when it gets mature</a:t>
             </a:r>
           </a:p>
         </p:txBody>
@@ -9609,6 +9679,97 @@
   <p:clrMapOvr>
     <a:masterClrMapping/>
   </p:clrMapOvr>
+  <p:timing>
+    <p:tnLst>
+      <p:par>
+        <p:cTn id="1" dur="indefinite" restart="never" nodeType="tmRoot">
+          <p:childTnLst>
+            <p:seq concurrent="1" nextAc="seek">
+              <p:cTn id="2" dur="indefinite" nodeType="mainSeq">
+                <p:childTnLst>
+                  <p:par>
+                    <p:cTn id="3" fill="hold">
+                      <p:stCondLst>
+                        <p:cond delay="indefinite"/>
+                      </p:stCondLst>
+                      <p:childTnLst>
+                        <p:par>
+                          <p:cTn id="4" fill="hold">
+                            <p:stCondLst>
+                              <p:cond delay="0"/>
+                            </p:stCondLst>
+                            <p:childTnLst>
+                              <p:par>
+                                <p:cTn id="5" presetID="10" presetClass="entr" presetSubtype="0" fill="hold" nodeType="clickEffect">
+                                  <p:stCondLst>
+                                    <p:cond delay="0"/>
+                                  </p:stCondLst>
+                                  <p:childTnLst>
+                                    <p:set>
+                                      <p:cBhvr>
+                                        <p:cTn id="6" dur="1" fill="hold">
+                                          <p:stCondLst>
+                                            <p:cond delay="0"/>
+                                          </p:stCondLst>
+                                        </p:cTn>
+                                        <p:tgtEl>
+                                          <p:spTgt spid="3">
+                                            <p:txEl>
+                                              <p:pRg st="0" end="0"/>
+                                            </p:txEl>
+                                          </p:spTgt>
+                                        </p:tgtEl>
+                                        <p:attrNameLst>
+                                          <p:attrName>style.visibility</p:attrName>
+                                        </p:attrNameLst>
+                                      </p:cBhvr>
+                                      <p:to>
+                                        <p:strVal val="visible"/>
+                                      </p:to>
+                                    </p:set>
+                                    <p:animEffect transition="in" filter="fade">
+                                      <p:cBhvr>
+                                        <p:cTn id="7" dur="500"/>
+                                        <p:tgtEl>
+                                          <p:spTgt spid="3">
+                                            <p:txEl>
+                                              <p:pRg st="0" end="0"/>
+                                            </p:txEl>
+                                          </p:spTgt>
+                                        </p:tgtEl>
+                                      </p:cBhvr>
+                                    </p:animEffect>
+                                  </p:childTnLst>
+                                </p:cTn>
+                              </p:par>
+                            </p:childTnLst>
+                          </p:cTn>
+                        </p:par>
+                      </p:childTnLst>
+                    </p:cTn>
+                  </p:par>
+                </p:childTnLst>
+              </p:cTn>
+              <p:prevCondLst>
+                <p:cond evt="onPrev" delay="0">
+                  <p:tgtEl>
+                    <p:sldTgt/>
+                  </p:tgtEl>
+                </p:cond>
+              </p:prevCondLst>
+              <p:nextCondLst>
+                <p:cond evt="onNext" delay="0">
+                  <p:tgtEl>
+                    <p:sldTgt/>
+                  </p:tgtEl>
+                </p:cond>
+              </p:nextCondLst>
+            </p:seq>
+          </p:childTnLst>
+        </p:cTn>
+      </p:par>
+    </p:tnLst>
+  </p:timing>
 </p:sld>
 </file>
 
@@ -12544,7 +12705,7 @@
           <a:graphicData uri="http://schemas.openxmlformats.org/presentationml/2006/ole">
             <mc:AlternateContent xmlns:mc="http://schemas.openxmlformats.org/markup-compatibility/2006">
               <mc:Choice xmlns:v="urn:schemas-microsoft-com:vml" Requires="v">
-                <p:oleObj spid="_x0000_s2078" name="Bitmap Image" r:id="rId4" imgW="12553920" imgH="8362800" progId="Paint.Picture">
+                <p:oleObj spid="_x0000_s2079" name="Bitmap Image" r:id="rId4" imgW="12553920" imgH="8362800" progId="Paint.Picture">
                   <p:embed/>
                 </p:oleObj>
               </mc:Choice>
@@ -14165,7 +14326,7 @@
           <a:graphicData uri="http://schemas.openxmlformats.org/presentationml/2006/ole">
             <mc:AlternateContent xmlns:mc="http://schemas.openxmlformats.org/markup-compatibility/2006">
               <mc:Choice xmlns:v="urn:schemas-microsoft-com:vml" Requires="v">
-                <p:oleObj spid="_x0000_s3100" name="Bitmap Image" r:id="rId4" imgW="17059320" imgH="5762520" progId="Paint.Picture">
+                <p:oleObj spid="_x0000_s3101" name="Bitmap Image" r:id="rId4" imgW="17059320" imgH="5762520" progId="Paint.Picture">
                   <p:embed/>
                 </p:oleObj>
               </mc:Choice>

--- a/2022-05-12 Designing Monolith First (TR)/Monolith First Presentation.pptx
+++ b/2022-05-12 Designing Monolith First (TR)/Monolith First Presentation.pptx
@@ -27,26 +27,27 @@
     <p:sldId id="284" r:id="rId21"/>
     <p:sldId id="288" r:id="rId22"/>
     <p:sldId id="270" r:id="rId23"/>
-    <p:sldId id="260" r:id="rId24"/>
-    <p:sldId id="261" r:id="rId25"/>
-    <p:sldId id="289" r:id="rId26"/>
-    <p:sldId id="290" r:id="rId27"/>
-    <p:sldId id="291" r:id="rId28"/>
-    <p:sldId id="292" r:id="rId29"/>
-    <p:sldId id="293" r:id="rId30"/>
-    <p:sldId id="294" r:id="rId31"/>
-    <p:sldId id="295" r:id="rId32"/>
-    <p:sldId id="296" r:id="rId33"/>
-    <p:sldId id="271" r:id="rId34"/>
-    <p:sldId id="262" r:id="rId35"/>
-    <p:sldId id="263" r:id="rId36"/>
-    <p:sldId id="264" r:id="rId37"/>
-    <p:sldId id="265" r:id="rId38"/>
-    <p:sldId id="266" r:id="rId39"/>
-    <p:sldId id="267" r:id="rId40"/>
-    <p:sldId id="268" r:id="rId41"/>
-    <p:sldId id="297" r:id="rId42"/>
-    <p:sldId id="298" r:id="rId43"/>
+    <p:sldId id="299" r:id="rId24"/>
+    <p:sldId id="260" r:id="rId25"/>
+    <p:sldId id="261" r:id="rId26"/>
+    <p:sldId id="289" r:id="rId27"/>
+    <p:sldId id="290" r:id="rId28"/>
+    <p:sldId id="291" r:id="rId29"/>
+    <p:sldId id="292" r:id="rId30"/>
+    <p:sldId id="293" r:id="rId31"/>
+    <p:sldId id="294" r:id="rId32"/>
+    <p:sldId id="295" r:id="rId33"/>
+    <p:sldId id="296" r:id="rId34"/>
+    <p:sldId id="271" r:id="rId35"/>
+    <p:sldId id="262" r:id="rId36"/>
+    <p:sldId id="263" r:id="rId37"/>
+    <p:sldId id="264" r:id="rId38"/>
+    <p:sldId id="265" r:id="rId39"/>
+    <p:sldId id="266" r:id="rId40"/>
+    <p:sldId id="267" r:id="rId41"/>
+    <p:sldId id="268" r:id="rId42"/>
+    <p:sldId id="297" r:id="rId43"/>
+    <p:sldId id="298" r:id="rId44"/>
   </p:sldIdLst>
   <p:sldSz cx="12192000" cy="6858000"/>
   <p:notesSz cx="6858000" cy="9144000"/>
@@ -300,7 +301,7 @@
           <a:p>
             <a:fld id="{2A14C9FE-EBC3-45D3-899C-58AAF4F8AF71}" type="datetimeFigureOut">
               <a:rPr lang="en-US" smtClean="0"/>
-              <a:t>18-Apr-22</a:t>
+              <a:t>20-Apr-22</a:t>
             </a:fld>
             <a:endParaRPr lang="en-US"/>
           </a:p>
@@ -498,7 +499,7 @@
           <a:p>
             <a:fld id="{2A14C9FE-EBC3-45D3-899C-58AAF4F8AF71}" type="datetimeFigureOut">
               <a:rPr lang="en-US" smtClean="0"/>
-              <a:t>18-Apr-22</a:t>
+              <a:t>20-Apr-22</a:t>
             </a:fld>
             <a:endParaRPr lang="en-US"/>
           </a:p>
@@ -706,7 +707,7 @@
           <a:p>
             <a:fld id="{2A14C9FE-EBC3-45D3-899C-58AAF4F8AF71}" type="datetimeFigureOut">
               <a:rPr lang="en-US" smtClean="0"/>
-              <a:t>18-Apr-22</a:t>
+              <a:t>20-Apr-22</a:t>
             </a:fld>
             <a:endParaRPr lang="en-US"/>
           </a:p>
@@ -904,7 +905,7 @@
           <a:p>
             <a:fld id="{2A14C9FE-EBC3-45D3-899C-58AAF4F8AF71}" type="datetimeFigureOut">
               <a:rPr lang="en-US" smtClean="0"/>
-              <a:t>18-Apr-22</a:t>
+              <a:t>20-Apr-22</a:t>
             </a:fld>
             <a:endParaRPr lang="en-US"/>
           </a:p>
@@ -1179,7 +1180,7 @@
           <a:p>
             <a:fld id="{2A14C9FE-EBC3-45D3-899C-58AAF4F8AF71}" type="datetimeFigureOut">
               <a:rPr lang="en-US" smtClean="0"/>
-              <a:t>18-Apr-22</a:t>
+              <a:t>20-Apr-22</a:t>
             </a:fld>
             <a:endParaRPr lang="en-US"/>
           </a:p>
@@ -1444,7 +1445,7 @@
           <a:p>
             <a:fld id="{2A14C9FE-EBC3-45D3-899C-58AAF4F8AF71}" type="datetimeFigureOut">
               <a:rPr lang="en-US" smtClean="0"/>
-              <a:t>18-Apr-22</a:t>
+              <a:t>20-Apr-22</a:t>
             </a:fld>
             <a:endParaRPr lang="en-US"/>
           </a:p>
@@ -1856,7 +1857,7 @@
           <a:p>
             <a:fld id="{2A14C9FE-EBC3-45D3-899C-58AAF4F8AF71}" type="datetimeFigureOut">
               <a:rPr lang="en-US" smtClean="0"/>
-              <a:t>18-Apr-22</a:t>
+              <a:t>20-Apr-22</a:t>
             </a:fld>
             <a:endParaRPr lang="en-US"/>
           </a:p>
@@ -1997,7 +1998,7 @@
           <a:p>
             <a:fld id="{2A14C9FE-EBC3-45D3-899C-58AAF4F8AF71}" type="datetimeFigureOut">
               <a:rPr lang="en-US" smtClean="0"/>
-              <a:t>18-Apr-22</a:t>
+              <a:t>20-Apr-22</a:t>
             </a:fld>
             <a:endParaRPr lang="en-US"/>
           </a:p>
@@ -2110,7 +2111,7 @@
           <a:p>
             <a:fld id="{2A14C9FE-EBC3-45D3-899C-58AAF4F8AF71}" type="datetimeFigureOut">
               <a:rPr lang="en-US" smtClean="0"/>
-              <a:t>18-Apr-22</a:t>
+              <a:t>20-Apr-22</a:t>
             </a:fld>
             <a:endParaRPr lang="en-US"/>
           </a:p>
@@ -2421,7 +2422,7 @@
           <a:p>
             <a:fld id="{2A14C9FE-EBC3-45D3-899C-58AAF4F8AF71}" type="datetimeFigureOut">
               <a:rPr lang="en-US" smtClean="0"/>
-              <a:t>18-Apr-22</a:t>
+              <a:t>20-Apr-22</a:t>
             </a:fld>
             <a:endParaRPr lang="en-US"/>
           </a:p>
@@ -2709,7 +2710,7 @@
           <a:p>
             <a:fld id="{2A14C9FE-EBC3-45D3-899C-58AAF4F8AF71}" type="datetimeFigureOut">
               <a:rPr lang="en-US" smtClean="0"/>
-              <a:t>18-Apr-22</a:t>
+              <a:t>20-Apr-22</a:t>
             </a:fld>
             <a:endParaRPr lang="en-US"/>
           </a:p>
@@ -2950,7 +2951,7 @@
           <a:p>
             <a:fld id="{2A14C9FE-EBC3-45D3-899C-58AAF4F8AF71}" type="datetimeFigureOut">
               <a:rPr lang="en-US" smtClean="0"/>
-              <a:t>18-Apr-22</a:t>
+              <a:t>20-Apr-22</a:t>
             </a:fld>
             <a:endParaRPr lang="en-US"/>
           </a:p>
@@ -9948,7 +9949,7 @@
           <p:cNvPr id="2" name="Title 1">
             <a:extLst>
               <a:ext uri="{FF2B5EF4-FFF2-40B4-BE49-F238E27FC236}">
-                <a16:creationId xmlns:a16="http://schemas.microsoft.com/office/drawing/2014/main" id="{55E11F08-6CA0-48F1-AD67-97430DDA07F0}"/>
+                <a16:creationId xmlns:a16="http://schemas.microsoft.com/office/drawing/2014/main" id="{9255DFBE-19DA-408D-84E6-F4043FC30BD3}"/>
               </a:ext>
             </a:extLst>
           </p:cNvPr>
@@ -9956,33 +9957,35 @@
             <a:spLocks noGrp="1"/>
           </p:cNvSpPr>
           <p:nvPr>
-            <p:ph type="title"/>
+            <p:ph type="ctrTitle"/>
           </p:nvPr>
         </p:nvSpPr>
         <p:spPr/>
         <p:txBody>
-          <a:bodyPr/>
+          <a:bodyPr>
+            <a:normAutofit/>
+          </a:bodyPr>
           <a:lstStyle/>
           <a:p>
             <a:r>
-              <a:rPr lang="en-US" b="1" dirty="0">
+              <a:rPr lang="en-US" sz="4800" b="1" dirty="0">
                 <a:solidFill>
                   <a:srgbClr val="292D33"/>
                 </a:solidFill>
                 <a:latin typeface="Euclid Circular B" panose="020B0504000000000000" pitchFamily="34" charset="0"/>
                 <a:ea typeface="Euclid Circular B" panose="020B0504000000000000" pitchFamily="34" charset="0"/>
               </a:rPr>
-              <a:t>Title</a:t>
+              <a:t>The Need for Layering</a:t>
             </a:r>
           </a:p>
         </p:txBody>
       </p:sp>
       <p:sp>
         <p:nvSpPr>
-          <p:cNvPr id="3" name="Content Placeholder 2">
-            <a:extLst>
-              <a:ext uri="{FF2B5EF4-FFF2-40B4-BE49-F238E27FC236}">
-                <a16:creationId xmlns:a16="http://schemas.microsoft.com/office/drawing/2014/main" id="{891C7693-D3DF-4635-96F4-97F3B4136FDF}"/>
+          <p:cNvPr id="3" name="Subtitle 2">
+            <a:extLst>
+              <a:ext uri="{FF2B5EF4-FFF2-40B4-BE49-F238E27FC236}">
+                <a16:creationId xmlns:a16="http://schemas.microsoft.com/office/drawing/2014/main" id="{265612B9-B745-46CB-8A20-997CA82E05E7}"/>
               </a:ext>
             </a:extLst>
           </p:cNvPr>
@@ -9990,29 +9993,27 @@
             <a:spLocks noGrp="1"/>
           </p:cNvSpPr>
           <p:nvPr>
-            <p:ph idx="1"/>
+            <p:ph type="subTitle" idx="1"/>
           </p:nvPr>
         </p:nvSpPr>
         <p:spPr/>
         <p:txBody>
-          <a:bodyPr/>
+          <a:bodyPr>
+            <a:normAutofit/>
+          </a:bodyPr>
           <a:lstStyle/>
           <a:p>
             <a:r>
-              <a:rPr lang="en-US" dirty="0">
-                <a:latin typeface="Euclid Circular B" panose="020B0504000000000000" pitchFamily="34" charset="0"/>
-                <a:ea typeface="Euclid Circular B" panose="020B0504000000000000" pitchFamily="34" charset="0"/>
-              </a:rPr>
-              <a:t>TODO</a:t>
-            </a:r>
-            <a:r>
-              <a:rPr lang="en-US">
-                <a:latin typeface="Euclid Circular B" panose="020B0504000000000000" pitchFamily="34" charset="0"/>
-                <a:ea typeface="Euclid Circular B" panose="020B0504000000000000" pitchFamily="34" charset="0"/>
-              </a:rPr>
-              <a:t>: ...</a:t>
-            </a:r>
-            <a:endParaRPr lang="en-US" dirty="0">
+              <a:rPr lang="en-US" sz="2000" b="1" dirty="0">
+                <a:solidFill>
+                  <a:srgbClr val="292D33"/>
+                </a:solidFill>
+                <a:latin typeface="Euclid Circular B" panose="020B0504000000000000" pitchFamily="34" charset="0"/>
+                <a:ea typeface="Euclid Circular B" panose="020B0504000000000000" pitchFamily="34" charset="0"/>
+              </a:rPr>
+              <a:t>DESIGNING A MODULAR MONOLITH</a:t>
+            </a:r>
+            <a:endParaRPr lang="en-US" sz="2000" dirty="0">
               <a:latin typeface="Euclid Circular B" panose="020B0504000000000000" pitchFamily="34" charset="0"/>
               <a:ea typeface="Euclid Circular B" panose="020B0504000000000000" pitchFamily="34" charset="0"/>
             </a:endParaRPr>
@@ -10022,7 +10023,7 @@
     </p:spTree>
     <p:extLst>
       <p:ext uri="{BB962C8B-B14F-4D97-AF65-F5344CB8AC3E}">
-        <p14:creationId xmlns:p14="http://schemas.microsoft.com/office/powerpoint/2010/main" val="1153068639"/>
+        <p14:creationId xmlns:p14="http://schemas.microsoft.com/office/powerpoint/2010/main" val="324146291"/>
       </p:ext>
     </p:extLst>
   </p:cSld>
@@ -10092,63 +10093,1152 @@
                 <a:latin typeface="Euclid Circular B" panose="020B0504000000000000" pitchFamily="34" charset="0"/>
                 <a:ea typeface="Euclid Circular B" panose="020B0504000000000000" pitchFamily="34" charset="0"/>
               </a:rPr>
-              <a:t>Title</a:t>
+              <a:t>Non-layered solution</a:t>
+            </a:r>
+          </a:p>
+        </p:txBody>
+      </p:sp>
+      <p:pic>
+        <p:nvPicPr>
+          <p:cNvPr id="5" name="Picture 4">
+            <a:extLst>
+              <a:ext uri="{FF2B5EF4-FFF2-40B4-BE49-F238E27FC236}">
+                <a16:creationId xmlns:a16="http://schemas.microsoft.com/office/drawing/2014/main" id="{4F37DD21-2F19-487A-9A42-283309DC01EE}"/>
+              </a:ext>
+            </a:extLst>
+          </p:cNvPr>
+          <p:cNvPicPr>
+            <a:picLocks noChangeAspect="1"/>
+          </p:cNvPicPr>
+          <p:nvPr/>
+        </p:nvPicPr>
+        <p:blipFill>
+          <a:blip r:embed="rId3"/>
+          <a:stretch>
+            <a:fillRect/>
+          </a:stretch>
+        </p:blipFill>
+        <p:spPr>
+          <a:xfrm>
+            <a:off x="4743201" y="1690688"/>
+            <a:ext cx="2705597" cy="3940294"/>
+          </a:xfrm>
+          <a:prstGeom prst="rect">
+            <a:avLst/>
+          </a:prstGeom>
+        </p:spPr>
+      </p:pic>
+      <p:sp>
+        <p:nvSpPr>
+          <p:cNvPr id="9" name="TextBox 8">
+            <a:extLst>
+              <a:ext uri="{FF2B5EF4-FFF2-40B4-BE49-F238E27FC236}">
+                <a16:creationId xmlns:a16="http://schemas.microsoft.com/office/drawing/2014/main" id="{477DE447-24B8-4E11-A598-331B26EC8F25}"/>
+              </a:ext>
+            </a:extLst>
+          </p:cNvPr>
+          <p:cNvSpPr txBox="1"/>
+          <p:nvPr/>
+        </p:nvSpPr>
+        <p:spPr>
+          <a:xfrm>
+            <a:off x="8317258" y="3307391"/>
+            <a:ext cx="2488596" cy="461665"/>
+          </a:xfrm>
+          <a:prstGeom prst="rect">
+            <a:avLst/>
+          </a:prstGeom>
+          <a:solidFill>
+            <a:schemeClr val="accent2">
+              <a:lumMod val="20000"/>
+              <a:lumOff val="80000"/>
+            </a:schemeClr>
+          </a:solidFill>
+          <a:ln>
+            <a:solidFill>
+              <a:schemeClr val="tx1">
+                <a:lumMod val="50000"/>
+                <a:lumOff val="50000"/>
+              </a:schemeClr>
+            </a:solidFill>
+          </a:ln>
+        </p:spPr>
+        <p:txBody>
+          <a:bodyPr wrap="square" rtlCol="0">
+            <a:spAutoFit/>
+          </a:bodyPr>
+          <a:lstStyle/>
+          <a:p>
+            <a:pPr algn="ctr"/>
+            <a:r>
+              <a:rPr lang="en-US" sz="2400" dirty="0"/>
+              <a:t>Hosting logic</a:t>
             </a:r>
           </a:p>
         </p:txBody>
       </p:sp>
       <p:sp>
         <p:nvSpPr>
-          <p:cNvPr id="3" name="Content Placeholder 2">
-            <a:extLst>
-              <a:ext uri="{FF2B5EF4-FFF2-40B4-BE49-F238E27FC236}">
-                <a16:creationId xmlns:a16="http://schemas.microsoft.com/office/drawing/2014/main" id="{891C7693-D3DF-4635-96F4-97F3B4136FDF}"/>
-              </a:ext>
-            </a:extLst>
-          </p:cNvPr>
-          <p:cNvSpPr>
-            <a:spLocks noGrp="1"/>
-          </p:cNvSpPr>
-          <p:nvPr>
-            <p:ph idx="1"/>
-          </p:nvPr>
+          <p:cNvPr id="10" name="TextBox 9">
+            <a:extLst>
+              <a:ext uri="{FF2B5EF4-FFF2-40B4-BE49-F238E27FC236}">
+                <a16:creationId xmlns:a16="http://schemas.microsoft.com/office/drawing/2014/main" id="{F94E5FE0-67F8-45DB-989A-B18E03CCED4B}"/>
+              </a:ext>
+            </a:extLst>
+          </p:cNvPr>
+          <p:cNvSpPr txBox="1"/>
+          <p:nvPr/>
         </p:nvSpPr>
-        <p:spPr/>
+        <p:spPr>
+          <a:xfrm>
+            <a:off x="1386145" y="4265109"/>
+            <a:ext cx="2488596" cy="461665"/>
+          </a:xfrm>
+          <a:prstGeom prst="rect">
+            <a:avLst/>
+          </a:prstGeom>
+          <a:solidFill>
+            <a:schemeClr val="accent4">
+              <a:lumMod val="20000"/>
+              <a:lumOff val="80000"/>
+            </a:schemeClr>
+          </a:solidFill>
+          <a:ln>
+            <a:solidFill>
+              <a:schemeClr val="tx1">
+                <a:lumMod val="50000"/>
+                <a:lumOff val="50000"/>
+              </a:schemeClr>
+            </a:solidFill>
+          </a:ln>
+        </p:spPr>
         <p:txBody>
-          <a:bodyPr/>
+          <a:bodyPr wrap="square" rtlCol="0">
+            <a:spAutoFit/>
+          </a:bodyPr>
           <a:lstStyle/>
           <a:p>
-            <a:r>
-              <a:rPr lang="en-US" dirty="0">
-                <a:latin typeface="Euclid Circular B" panose="020B0504000000000000" pitchFamily="34" charset="0"/>
-                <a:ea typeface="Euclid Circular B" panose="020B0504000000000000" pitchFamily="34" charset="0"/>
-              </a:rPr>
-              <a:t>TODO</a:t>
-            </a:r>
-            <a:r>
-              <a:rPr lang="en-US">
-                <a:latin typeface="Euclid Circular B" panose="020B0504000000000000" pitchFamily="34" charset="0"/>
-                <a:ea typeface="Euclid Circular B" panose="020B0504000000000000" pitchFamily="34" charset="0"/>
-              </a:rPr>
-              <a:t>: ...</a:t>
-            </a:r>
-            <a:endParaRPr lang="en-US" dirty="0">
-              <a:latin typeface="Euclid Circular B" panose="020B0504000000000000" pitchFamily="34" charset="0"/>
-              <a:ea typeface="Euclid Circular B" panose="020B0504000000000000" pitchFamily="34" charset="0"/>
-            </a:endParaRPr>
+            <a:pPr algn="ctr"/>
+            <a:r>
+              <a:rPr lang="en-US" sz="2400" dirty="0"/>
+              <a:t>User interface</a:t>
+            </a:r>
           </a:p>
         </p:txBody>
       </p:sp>
+      <p:sp>
+        <p:nvSpPr>
+          <p:cNvPr id="11" name="TextBox 10">
+            <a:extLst>
+              <a:ext uri="{FF2B5EF4-FFF2-40B4-BE49-F238E27FC236}">
+                <a16:creationId xmlns:a16="http://schemas.microsoft.com/office/drawing/2014/main" id="{A9F2B3DE-62C7-4AB6-A7CB-19A6190E64B9}"/>
+              </a:ext>
+            </a:extLst>
+          </p:cNvPr>
+          <p:cNvSpPr txBox="1"/>
+          <p:nvPr/>
+        </p:nvSpPr>
+        <p:spPr>
+          <a:xfrm>
+            <a:off x="1386145" y="3422808"/>
+            <a:ext cx="2488596" cy="461665"/>
+          </a:xfrm>
+          <a:prstGeom prst="rect">
+            <a:avLst/>
+          </a:prstGeom>
+          <a:solidFill>
+            <a:schemeClr val="accent5">
+              <a:lumMod val="20000"/>
+              <a:lumOff val="80000"/>
+            </a:schemeClr>
+          </a:solidFill>
+          <a:ln>
+            <a:solidFill>
+              <a:schemeClr val="tx1">
+                <a:lumMod val="50000"/>
+                <a:lumOff val="50000"/>
+              </a:schemeClr>
+            </a:solidFill>
+          </a:ln>
+        </p:spPr>
+        <p:txBody>
+          <a:bodyPr wrap="square" rtlCol="0">
+            <a:spAutoFit/>
+          </a:bodyPr>
+          <a:lstStyle/>
+          <a:p>
+            <a:pPr algn="ctr"/>
+            <a:r>
+              <a:rPr lang="en-US" sz="2400" dirty="0"/>
+              <a:t>Business logic</a:t>
+            </a:r>
+          </a:p>
+        </p:txBody>
+      </p:sp>
+      <p:sp>
+        <p:nvSpPr>
+          <p:cNvPr id="12" name="TextBox 11">
+            <a:extLst>
+              <a:ext uri="{FF2B5EF4-FFF2-40B4-BE49-F238E27FC236}">
+                <a16:creationId xmlns:a16="http://schemas.microsoft.com/office/drawing/2014/main" id="{85E4BFC2-D9CE-4A44-9969-79E2B9A0671A}"/>
+              </a:ext>
+            </a:extLst>
+          </p:cNvPr>
+          <p:cNvSpPr txBox="1"/>
+          <p:nvPr/>
+        </p:nvSpPr>
+        <p:spPr>
+          <a:xfrm>
+            <a:off x="1386145" y="2580507"/>
+            <a:ext cx="2488596" cy="461665"/>
+          </a:xfrm>
+          <a:prstGeom prst="rect">
+            <a:avLst/>
+          </a:prstGeom>
+          <a:solidFill>
+            <a:schemeClr val="accent6">
+              <a:lumMod val="20000"/>
+              <a:lumOff val="80000"/>
+            </a:schemeClr>
+          </a:solidFill>
+          <a:ln>
+            <a:solidFill>
+              <a:schemeClr val="tx1">
+                <a:lumMod val="50000"/>
+                <a:lumOff val="50000"/>
+              </a:schemeClr>
+            </a:solidFill>
+          </a:ln>
+        </p:spPr>
+        <p:txBody>
+          <a:bodyPr wrap="square" rtlCol="0">
+            <a:spAutoFit/>
+          </a:bodyPr>
+          <a:lstStyle/>
+          <a:p>
+            <a:pPr algn="ctr"/>
+            <a:r>
+              <a:rPr lang="en-US" sz="2400" dirty="0"/>
+              <a:t>Data access logic</a:t>
+            </a:r>
+          </a:p>
+        </p:txBody>
+      </p:sp>
+      <p:cxnSp>
+        <p:nvCxnSpPr>
+          <p:cNvPr id="16" name="Connector: Curved 15">
+            <a:extLst>
+              <a:ext uri="{FF2B5EF4-FFF2-40B4-BE49-F238E27FC236}">
+                <a16:creationId xmlns:a16="http://schemas.microsoft.com/office/drawing/2014/main" id="{5D54168B-9951-4D89-844D-72F16D91C784}"/>
+              </a:ext>
+            </a:extLst>
+          </p:cNvPr>
+          <p:cNvCxnSpPr>
+            <a:cxnSpLocks/>
+            <a:stCxn id="12" idx="3"/>
+          </p:cNvCxnSpPr>
+          <p:nvPr/>
+        </p:nvCxnSpPr>
+        <p:spPr>
+          <a:xfrm>
+            <a:off x="3874741" y="2811340"/>
+            <a:ext cx="1055478" cy="422054"/>
+          </a:xfrm>
+          <a:prstGeom prst="curvedConnector3">
+            <a:avLst/>
+          </a:prstGeom>
+          <a:ln w="25400">
+            <a:solidFill>
+              <a:schemeClr val="accent6">
+                <a:lumMod val="75000"/>
+              </a:schemeClr>
+            </a:solidFill>
+            <a:tailEnd type="triangle"/>
+          </a:ln>
+        </p:spPr>
+        <p:style>
+          <a:lnRef idx="1">
+            <a:schemeClr val="accent1"/>
+          </a:lnRef>
+          <a:fillRef idx="0">
+            <a:schemeClr val="accent1"/>
+          </a:fillRef>
+          <a:effectRef idx="0">
+            <a:schemeClr val="accent1"/>
+          </a:effectRef>
+          <a:fontRef idx="minor">
+            <a:schemeClr val="tx1"/>
+          </a:fontRef>
+        </p:style>
+      </p:cxnSp>
+      <p:cxnSp>
+        <p:nvCxnSpPr>
+          <p:cNvPr id="19" name="Connector: Curved 18">
+            <a:extLst>
+              <a:ext uri="{FF2B5EF4-FFF2-40B4-BE49-F238E27FC236}">
+                <a16:creationId xmlns:a16="http://schemas.microsoft.com/office/drawing/2014/main" id="{29B8BEF3-5FDA-4BFB-98C9-1D1027AD167D}"/>
+              </a:ext>
+            </a:extLst>
+          </p:cNvPr>
+          <p:cNvCxnSpPr>
+            <a:stCxn id="11" idx="3"/>
+          </p:cNvCxnSpPr>
+          <p:nvPr/>
+        </p:nvCxnSpPr>
+        <p:spPr>
+          <a:xfrm flipV="1">
+            <a:off x="3874741" y="3422808"/>
+            <a:ext cx="1055478" cy="230833"/>
+          </a:xfrm>
+          <a:prstGeom prst="curvedConnector3">
+            <a:avLst/>
+          </a:prstGeom>
+          <a:ln w="25400">
+            <a:solidFill>
+              <a:schemeClr val="accent5">
+                <a:lumMod val="50000"/>
+              </a:schemeClr>
+            </a:solidFill>
+            <a:tailEnd type="triangle"/>
+          </a:ln>
+        </p:spPr>
+        <p:style>
+          <a:lnRef idx="1">
+            <a:schemeClr val="accent1"/>
+          </a:lnRef>
+          <a:fillRef idx="0">
+            <a:schemeClr val="accent1"/>
+          </a:fillRef>
+          <a:effectRef idx="0">
+            <a:schemeClr val="accent1"/>
+          </a:effectRef>
+          <a:fontRef idx="minor">
+            <a:schemeClr val="tx1"/>
+          </a:fontRef>
+        </p:style>
+      </p:cxnSp>
+      <p:cxnSp>
+        <p:nvCxnSpPr>
+          <p:cNvPr id="21" name="Connector: Curved 20">
+            <a:extLst>
+              <a:ext uri="{FF2B5EF4-FFF2-40B4-BE49-F238E27FC236}">
+                <a16:creationId xmlns:a16="http://schemas.microsoft.com/office/drawing/2014/main" id="{86AD0920-92CE-49BA-9542-FB90EBD5CBB9}"/>
+              </a:ext>
+            </a:extLst>
+          </p:cNvPr>
+          <p:cNvCxnSpPr>
+            <a:cxnSpLocks/>
+            <a:stCxn id="11" idx="3"/>
+          </p:cNvCxnSpPr>
+          <p:nvPr/>
+        </p:nvCxnSpPr>
+        <p:spPr>
+          <a:xfrm>
+            <a:off x="3874741" y="3653641"/>
+            <a:ext cx="1055478" cy="798352"/>
+          </a:xfrm>
+          <a:prstGeom prst="curvedConnector3">
+            <a:avLst>
+              <a:gd name="adj1" fmla="val 33924"/>
+            </a:avLst>
+          </a:prstGeom>
+          <a:ln w="25400">
+            <a:solidFill>
+              <a:schemeClr val="accent5">
+                <a:lumMod val="50000"/>
+              </a:schemeClr>
+            </a:solidFill>
+            <a:tailEnd type="triangle"/>
+          </a:ln>
+        </p:spPr>
+        <p:style>
+          <a:lnRef idx="1">
+            <a:schemeClr val="accent1"/>
+          </a:lnRef>
+          <a:fillRef idx="0">
+            <a:schemeClr val="accent1"/>
+          </a:fillRef>
+          <a:effectRef idx="0">
+            <a:schemeClr val="accent1"/>
+          </a:effectRef>
+          <a:fontRef idx="minor">
+            <a:schemeClr val="tx1"/>
+          </a:fontRef>
+        </p:style>
+      </p:cxnSp>
+      <p:cxnSp>
+        <p:nvCxnSpPr>
+          <p:cNvPr id="24" name="Connector: Curved 23">
+            <a:extLst>
+              <a:ext uri="{FF2B5EF4-FFF2-40B4-BE49-F238E27FC236}">
+                <a16:creationId xmlns:a16="http://schemas.microsoft.com/office/drawing/2014/main" id="{87C8762E-D1B8-48FD-BD41-FBBC665E840B}"/>
+              </a:ext>
+            </a:extLst>
+          </p:cNvPr>
+          <p:cNvCxnSpPr>
+            <a:stCxn id="10" idx="3"/>
+          </p:cNvCxnSpPr>
+          <p:nvPr/>
+        </p:nvCxnSpPr>
+        <p:spPr>
+          <a:xfrm flipV="1">
+            <a:off x="3874741" y="4265109"/>
+            <a:ext cx="1055478" cy="230833"/>
+          </a:xfrm>
+          <a:prstGeom prst="curvedConnector3">
+            <a:avLst/>
+          </a:prstGeom>
+          <a:ln w="25400">
+            <a:solidFill>
+              <a:schemeClr val="accent4">
+                <a:lumMod val="50000"/>
+              </a:schemeClr>
+            </a:solidFill>
+            <a:tailEnd type="triangle"/>
+          </a:ln>
+        </p:spPr>
+        <p:style>
+          <a:lnRef idx="1">
+            <a:schemeClr val="accent1"/>
+          </a:lnRef>
+          <a:fillRef idx="0">
+            <a:schemeClr val="accent1"/>
+          </a:fillRef>
+          <a:effectRef idx="0">
+            <a:schemeClr val="accent1"/>
+          </a:effectRef>
+          <a:fontRef idx="minor">
+            <a:schemeClr val="tx1"/>
+          </a:fontRef>
+        </p:style>
+      </p:cxnSp>
+      <p:cxnSp>
+        <p:nvCxnSpPr>
+          <p:cNvPr id="26" name="Connector: Curved 25">
+            <a:extLst>
+              <a:ext uri="{FF2B5EF4-FFF2-40B4-BE49-F238E27FC236}">
+                <a16:creationId xmlns:a16="http://schemas.microsoft.com/office/drawing/2014/main" id="{53642AD0-ACFF-4C85-A976-88E2FD372A22}"/>
+              </a:ext>
+            </a:extLst>
+          </p:cNvPr>
+          <p:cNvCxnSpPr>
+            <a:cxnSpLocks/>
+            <a:stCxn id="10" idx="3"/>
+          </p:cNvCxnSpPr>
+          <p:nvPr/>
+        </p:nvCxnSpPr>
+        <p:spPr>
+          <a:xfrm flipV="1">
+            <a:off x="3874741" y="3846765"/>
+            <a:ext cx="1055478" cy="649177"/>
+          </a:xfrm>
+          <a:prstGeom prst="curvedConnector3">
+            <a:avLst/>
+          </a:prstGeom>
+          <a:ln w="25400">
+            <a:solidFill>
+              <a:schemeClr val="accent4">
+                <a:lumMod val="50000"/>
+              </a:schemeClr>
+            </a:solidFill>
+            <a:tailEnd type="triangle"/>
+          </a:ln>
+        </p:spPr>
+        <p:style>
+          <a:lnRef idx="1">
+            <a:schemeClr val="accent1"/>
+          </a:lnRef>
+          <a:fillRef idx="0">
+            <a:schemeClr val="accent1"/>
+          </a:fillRef>
+          <a:effectRef idx="0">
+            <a:schemeClr val="accent1"/>
+          </a:effectRef>
+          <a:fontRef idx="minor">
+            <a:schemeClr val="tx1"/>
+          </a:fontRef>
+        </p:style>
+      </p:cxnSp>
+      <p:cxnSp>
+        <p:nvCxnSpPr>
+          <p:cNvPr id="29" name="Connector: Curved 28">
+            <a:extLst>
+              <a:ext uri="{FF2B5EF4-FFF2-40B4-BE49-F238E27FC236}">
+                <a16:creationId xmlns:a16="http://schemas.microsoft.com/office/drawing/2014/main" id="{CFB6A98F-C694-4F00-96F9-F57F4B2124A9}"/>
+              </a:ext>
+            </a:extLst>
+          </p:cNvPr>
+          <p:cNvCxnSpPr>
+            <a:stCxn id="9" idx="1"/>
+          </p:cNvCxnSpPr>
+          <p:nvPr/>
+        </p:nvCxnSpPr>
+        <p:spPr>
+          <a:xfrm rot="10800000">
+            <a:off x="6853288" y="2811340"/>
+            <a:ext cx="1463971" cy="726885"/>
+          </a:xfrm>
+          <a:prstGeom prst="curvedConnector3">
+            <a:avLst/>
+          </a:prstGeom>
+          <a:ln w="25400">
+            <a:solidFill>
+              <a:schemeClr val="accent2">
+                <a:lumMod val="50000"/>
+              </a:schemeClr>
+            </a:solidFill>
+            <a:tailEnd type="triangle"/>
+          </a:ln>
+        </p:spPr>
+        <p:style>
+          <a:lnRef idx="1">
+            <a:schemeClr val="accent1"/>
+          </a:lnRef>
+          <a:fillRef idx="0">
+            <a:schemeClr val="accent1"/>
+          </a:fillRef>
+          <a:effectRef idx="0">
+            <a:schemeClr val="accent1"/>
+          </a:effectRef>
+          <a:fontRef idx="minor">
+            <a:schemeClr val="tx1"/>
+          </a:fontRef>
+        </p:style>
+      </p:cxnSp>
+      <p:cxnSp>
+        <p:nvCxnSpPr>
+          <p:cNvPr id="31" name="Connector: Curved 30">
+            <a:extLst>
+              <a:ext uri="{FF2B5EF4-FFF2-40B4-BE49-F238E27FC236}">
+                <a16:creationId xmlns:a16="http://schemas.microsoft.com/office/drawing/2014/main" id="{799ADDBB-A29C-4391-9B1B-5E67AF2164D6}"/>
+              </a:ext>
+            </a:extLst>
+          </p:cNvPr>
+          <p:cNvCxnSpPr>
+            <a:cxnSpLocks/>
+            <a:stCxn id="9" idx="1"/>
+          </p:cNvCxnSpPr>
+          <p:nvPr/>
+        </p:nvCxnSpPr>
+        <p:spPr>
+          <a:xfrm rot="10800000" flipV="1">
+            <a:off x="6476214" y="3538223"/>
+            <a:ext cx="1841044" cy="1120653"/>
+          </a:xfrm>
+          <a:prstGeom prst="curvedConnector3">
+            <a:avLst/>
+          </a:prstGeom>
+          <a:ln w="25400">
+            <a:solidFill>
+              <a:schemeClr val="accent2">
+                <a:lumMod val="50000"/>
+              </a:schemeClr>
+            </a:solidFill>
+            <a:tailEnd type="triangle"/>
+          </a:ln>
+        </p:spPr>
+        <p:style>
+          <a:lnRef idx="1">
+            <a:schemeClr val="accent1"/>
+          </a:lnRef>
+          <a:fillRef idx="0">
+            <a:schemeClr val="accent1"/>
+          </a:fillRef>
+          <a:effectRef idx="0">
+            <a:schemeClr val="accent1"/>
+          </a:effectRef>
+          <a:fontRef idx="minor">
+            <a:schemeClr val="tx1"/>
+          </a:fontRef>
+        </p:style>
+      </p:cxnSp>
+      <p:cxnSp>
+        <p:nvCxnSpPr>
+          <p:cNvPr id="34" name="Connector: Curved 33">
+            <a:extLst>
+              <a:ext uri="{FF2B5EF4-FFF2-40B4-BE49-F238E27FC236}">
+                <a16:creationId xmlns:a16="http://schemas.microsoft.com/office/drawing/2014/main" id="{28D548AA-155D-4361-BA2B-F0E0EAB94704}"/>
+              </a:ext>
+            </a:extLst>
+          </p:cNvPr>
+          <p:cNvCxnSpPr>
+            <a:cxnSpLocks/>
+            <a:stCxn id="9" idx="1"/>
+          </p:cNvCxnSpPr>
+          <p:nvPr/>
+        </p:nvCxnSpPr>
+        <p:spPr>
+          <a:xfrm rot="10800000" flipV="1">
+            <a:off x="6174562" y="3538223"/>
+            <a:ext cx="2142697" cy="1948173"/>
+          </a:xfrm>
+          <a:prstGeom prst="curvedConnector3">
+            <a:avLst>
+              <a:gd name="adj1" fmla="val 28002"/>
+            </a:avLst>
+          </a:prstGeom>
+          <a:ln w="25400">
+            <a:solidFill>
+              <a:schemeClr val="accent2">
+                <a:lumMod val="50000"/>
+              </a:schemeClr>
+            </a:solidFill>
+            <a:tailEnd type="triangle"/>
+          </a:ln>
+        </p:spPr>
+        <p:style>
+          <a:lnRef idx="1">
+            <a:schemeClr val="accent1"/>
+          </a:lnRef>
+          <a:fillRef idx="0">
+            <a:schemeClr val="accent1"/>
+          </a:fillRef>
+          <a:effectRef idx="0">
+            <a:schemeClr val="accent1"/>
+          </a:effectRef>
+          <a:fontRef idx="minor">
+            <a:schemeClr val="tx1"/>
+          </a:fontRef>
+        </p:style>
+      </p:cxnSp>
     </p:spTree>
     <p:extLst>
       <p:ext uri="{BB962C8B-B14F-4D97-AF65-F5344CB8AC3E}">
-        <p14:creationId xmlns:p14="http://schemas.microsoft.com/office/powerpoint/2010/main" val="989995036"/>
+        <p14:creationId xmlns:p14="http://schemas.microsoft.com/office/powerpoint/2010/main" val="1153068639"/>
       </p:ext>
     </p:extLst>
   </p:cSld>
   <p:clrMapOvr>
     <a:masterClrMapping/>
   </p:clrMapOvr>
+  <p:timing>
+    <p:tnLst>
+      <p:par>
+        <p:cTn id="1" dur="indefinite" restart="never" nodeType="tmRoot">
+          <p:childTnLst>
+            <p:seq concurrent="1" nextAc="seek">
+              <p:cTn id="2" dur="indefinite" nodeType="mainSeq">
+                <p:childTnLst>
+                  <p:par>
+                    <p:cTn id="3" fill="hold">
+                      <p:stCondLst>
+                        <p:cond delay="indefinite"/>
+                      </p:stCondLst>
+                      <p:childTnLst>
+                        <p:par>
+                          <p:cTn id="4" fill="hold">
+                            <p:stCondLst>
+                              <p:cond delay="0"/>
+                            </p:stCondLst>
+                            <p:childTnLst>
+                              <p:par>
+                                <p:cTn id="5" presetID="10" presetClass="entr" presetSubtype="0" fill="hold" grpId="0" nodeType="clickEffect">
+                                  <p:stCondLst>
+                                    <p:cond delay="0"/>
+                                  </p:stCondLst>
+                                  <p:childTnLst>
+                                    <p:set>
+                                      <p:cBhvr>
+                                        <p:cTn id="6" dur="1" fill="hold">
+                                          <p:stCondLst>
+                                            <p:cond delay="0"/>
+                                          </p:stCondLst>
+                                        </p:cTn>
+                                        <p:tgtEl>
+                                          <p:spTgt spid="12"/>
+                                        </p:tgtEl>
+                                        <p:attrNameLst>
+                                          <p:attrName>style.visibility</p:attrName>
+                                        </p:attrNameLst>
+                                      </p:cBhvr>
+                                      <p:to>
+                                        <p:strVal val="visible"/>
+                                      </p:to>
+                                    </p:set>
+                                    <p:animEffect transition="in" filter="fade">
+                                      <p:cBhvr>
+                                        <p:cTn id="7" dur="500"/>
+                                        <p:tgtEl>
+                                          <p:spTgt spid="12"/>
+                                        </p:tgtEl>
+                                      </p:cBhvr>
+                                    </p:animEffect>
+                                  </p:childTnLst>
+                                </p:cTn>
+                              </p:par>
+                              <p:par>
+                                <p:cTn id="8" presetID="10" presetClass="entr" presetSubtype="0" fill="hold" nodeType="withEffect">
+                                  <p:stCondLst>
+                                    <p:cond delay="0"/>
+                                  </p:stCondLst>
+                                  <p:childTnLst>
+                                    <p:set>
+                                      <p:cBhvr>
+                                        <p:cTn id="9" dur="1" fill="hold">
+                                          <p:stCondLst>
+                                            <p:cond delay="0"/>
+                                          </p:stCondLst>
+                                        </p:cTn>
+                                        <p:tgtEl>
+                                          <p:spTgt spid="16"/>
+                                        </p:tgtEl>
+                                        <p:attrNameLst>
+                                          <p:attrName>style.visibility</p:attrName>
+                                        </p:attrNameLst>
+                                      </p:cBhvr>
+                                      <p:to>
+                                        <p:strVal val="visible"/>
+                                      </p:to>
+                                    </p:set>
+                                    <p:animEffect transition="in" filter="fade">
+                                      <p:cBhvr>
+                                        <p:cTn id="10" dur="500"/>
+                                        <p:tgtEl>
+                                          <p:spTgt spid="16"/>
+                                        </p:tgtEl>
+                                      </p:cBhvr>
+                                    </p:animEffect>
+                                  </p:childTnLst>
+                                </p:cTn>
+                              </p:par>
+                            </p:childTnLst>
+                          </p:cTn>
+                        </p:par>
+                      </p:childTnLst>
+                    </p:cTn>
+                  </p:par>
+                  <p:par>
+                    <p:cTn id="11" fill="hold">
+                      <p:stCondLst>
+                        <p:cond delay="indefinite"/>
+                      </p:stCondLst>
+                      <p:childTnLst>
+                        <p:par>
+                          <p:cTn id="12" fill="hold">
+                            <p:stCondLst>
+                              <p:cond delay="0"/>
+                            </p:stCondLst>
+                            <p:childTnLst>
+                              <p:par>
+                                <p:cTn id="13" presetID="10" presetClass="entr" presetSubtype="0" fill="hold" grpId="0" nodeType="clickEffect">
+                                  <p:stCondLst>
+                                    <p:cond delay="0"/>
+                                  </p:stCondLst>
+                                  <p:childTnLst>
+                                    <p:set>
+                                      <p:cBhvr>
+                                        <p:cTn id="14" dur="1" fill="hold">
+                                          <p:stCondLst>
+                                            <p:cond delay="0"/>
+                                          </p:stCondLst>
+                                        </p:cTn>
+                                        <p:tgtEl>
+                                          <p:spTgt spid="11"/>
+                                        </p:tgtEl>
+                                        <p:attrNameLst>
+                                          <p:attrName>style.visibility</p:attrName>
+                                        </p:attrNameLst>
+                                      </p:cBhvr>
+                                      <p:to>
+                                        <p:strVal val="visible"/>
+                                      </p:to>
+                                    </p:set>
+                                    <p:animEffect transition="in" filter="fade">
+                                      <p:cBhvr>
+                                        <p:cTn id="15" dur="500"/>
+                                        <p:tgtEl>
+                                          <p:spTgt spid="11"/>
+                                        </p:tgtEl>
+                                      </p:cBhvr>
+                                    </p:animEffect>
+                                  </p:childTnLst>
+                                </p:cTn>
+                              </p:par>
+                              <p:par>
+                                <p:cTn id="16" presetID="10" presetClass="entr" presetSubtype="0" fill="hold" nodeType="withEffect">
+                                  <p:stCondLst>
+                                    <p:cond delay="0"/>
+                                  </p:stCondLst>
+                                  <p:childTnLst>
+                                    <p:set>
+                                      <p:cBhvr>
+                                        <p:cTn id="17" dur="1" fill="hold">
+                                          <p:stCondLst>
+                                            <p:cond delay="0"/>
+                                          </p:stCondLst>
+                                        </p:cTn>
+                                        <p:tgtEl>
+                                          <p:spTgt spid="19"/>
+                                        </p:tgtEl>
+                                        <p:attrNameLst>
+                                          <p:attrName>style.visibility</p:attrName>
+                                        </p:attrNameLst>
+                                      </p:cBhvr>
+                                      <p:to>
+                                        <p:strVal val="visible"/>
+                                      </p:to>
+                                    </p:set>
+                                    <p:animEffect transition="in" filter="fade">
+                                      <p:cBhvr>
+                                        <p:cTn id="18" dur="500"/>
+                                        <p:tgtEl>
+                                          <p:spTgt spid="19"/>
+                                        </p:tgtEl>
+                                      </p:cBhvr>
+                                    </p:animEffect>
+                                  </p:childTnLst>
+                                </p:cTn>
+                              </p:par>
+                              <p:par>
+                                <p:cTn id="19" presetID="10" presetClass="entr" presetSubtype="0" fill="hold" nodeType="withEffect">
+                                  <p:stCondLst>
+                                    <p:cond delay="0"/>
+                                  </p:stCondLst>
+                                  <p:childTnLst>
+                                    <p:set>
+                                      <p:cBhvr>
+                                        <p:cTn id="20" dur="1" fill="hold">
+                                          <p:stCondLst>
+                                            <p:cond delay="0"/>
+                                          </p:stCondLst>
+                                        </p:cTn>
+                                        <p:tgtEl>
+                                          <p:spTgt spid="21"/>
+                                        </p:tgtEl>
+                                        <p:attrNameLst>
+                                          <p:attrName>style.visibility</p:attrName>
+                                        </p:attrNameLst>
+                                      </p:cBhvr>
+                                      <p:to>
+                                        <p:strVal val="visible"/>
+                                      </p:to>
+                                    </p:set>
+                                    <p:animEffect transition="in" filter="fade">
+                                      <p:cBhvr>
+                                        <p:cTn id="21" dur="500"/>
+                                        <p:tgtEl>
+                                          <p:spTgt spid="21"/>
+                                        </p:tgtEl>
+                                      </p:cBhvr>
+                                    </p:animEffect>
+                                  </p:childTnLst>
+                                </p:cTn>
+                              </p:par>
+                            </p:childTnLst>
+                          </p:cTn>
+                        </p:par>
+                      </p:childTnLst>
+                    </p:cTn>
+                  </p:par>
+                  <p:par>
+                    <p:cTn id="22" fill="hold">
+                      <p:stCondLst>
+                        <p:cond delay="indefinite"/>
+                      </p:stCondLst>
+                      <p:childTnLst>
+                        <p:par>
+                          <p:cTn id="23" fill="hold">
+                            <p:stCondLst>
+                              <p:cond delay="0"/>
+                            </p:stCondLst>
+                            <p:childTnLst>
+                              <p:par>
+                                <p:cTn id="24" presetID="10" presetClass="entr" presetSubtype="0" fill="hold" grpId="0" nodeType="clickEffect">
+                                  <p:stCondLst>
+                                    <p:cond delay="0"/>
+                                  </p:stCondLst>
+                                  <p:childTnLst>
+                                    <p:set>
+                                      <p:cBhvr>
+                                        <p:cTn id="25" dur="1" fill="hold">
+                                          <p:stCondLst>
+                                            <p:cond delay="0"/>
+                                          </p:stCondLst>
+                                        </p:cTn>
+                                        <p:tgtEl>
+                                          <p:spTgt spid="10"/>
+                                        </p:tgtEl>
+                                        <p:attrNameLst>
+                                          <p:attrName>style.visibility</p:attrName>
+                                        </p:attrNameLst>
+                                      </p:cBhvr>
+                                      <p:to>
+                                        <p:strVal val="visible"/>
+                                      </p:to>
+                                    </p:set>
+                                    <p:animEffect transition="in" filter="fade">
+                                      <p:cBhvr>
+                                        <p:cTn id="26" dur="500"/>
+                                        <p:tgtEl>
+                                          <p:spTgt spid="10"/>
+                                        </p:tgtEl>
+                                      </p:cBhvr>
+                                    </p:animEffect>
+                                  </p:childTnLst>
+                                </p:cTn>
+                              </p:par>
+                              <p:par>
+                                <p:cTn id="27" presetID="10" presetClass="entr" presetSubtype="0" fill="hold" nodeType="withEffect">
+                                  <p:stCondLst>
+                                    <p:cond delay="0"/>
+                                  </p:stCondLst>
+                                  <p:childTnLst>
+                                    <p:set>
+                                      <p:cBhvr>
+                                        <p:cTn id="28" dur="1" fill="hold">
+                                          <p:stCondLst>
+                                            <p:cond delay="0"/>
+                                          </p:stCondLst>
+                                        </p:cTn>
+                                        <p:tgtEl>
+                                          <p:spTgt spid="24"/>
+                                        </p:tgtEl>
+                                        <p:attrNameLst>
+                                          <p:attrName>style.visibility</p:attrName>
+                                        </p:attrNameLst>
+                                      </p:cBhvr>
+                                      <p:to>
+                                        <p:strVal val="visible"/>
+                                      </p:to>
+                                    </p:set>
+                                    <p:animEffect transition="in" filter="fade">
+                                      <p:cBhvr>
+                                        <p:cTn id="29" dur="500"/>
+                                        <p:tgtEl>
+                                          <p:spTgt spid="24"/>
+                                        </p:tgtEl>
+                                      </p:cBhvr>
+                                    </p:animEffect>
+                                  </p:childTnLst>
+                                </p:cTn>
+                              </p:par>
+                              <p:par>
+                                <p:cTn id="30" presetID="10" presetClass="entr" presetSubtype="0" fill="hold" nodeType="withEffect">
+                                  <p:stCondLst>
+                                    <p:cond delay="0"/>
+                                  </p:stCondLst>
+                                  <p:childTnLst>
+                                    <p:set>
+                                      <p:cBhvr>
+                                        <p:cTn id="31" dur="1" fill="hold">
+                                          <p:stCondLst>
+                                            <p:cond delay="0"/>
+                                          </p:stCondLst>
+                                        </p:cTn>
+                                        <p:tgtEl>
+                                          <p:spTgt spid="26"/>
+                                        </p:tgtEl>
+                                        <p:attrNameLst>
+                                          <p:attrName>style.visibility</p:attrName>
+                                        </p:attrNameLst>
+                                      </p:cBhvr>
+                                      <p:to>
+                                        <p:strVal val="visible"/>
+                                      </p:to>
+                                    </p:set>
+                                    <p:animEffect transition="in" filter="fade">
+                                      <p:cBhvr>
+                                        <p:cTn id="32" dur="500"/>
+                                        <p:tgtEl>
+                                          <p:spTgt spid="26"/>
+                                        </p:tgtEl>
+                                      </p:cBhvr>
+                                    </p:animEffect>
+                                  </p:childTnLst>
+                                </p:cTn>
+                              </p:par>
+                            </p:childTnLst>
+                          </p:cTn>
+                        </p:par>
+                      </p:childTnLst>
+                    </p:cTn>
+                  </p:par>
+                  <p:par>
+                    <p:cTn id="33" fill="hold">
+                      <p:stCondLst>
+                        <p:cond delay="indefinite"/>
+                      </p:stCondLst>
+                      <p:childTnLst>
+                        <p:par>
+                          <p:cTn id="34" fill="hold">
+                            <p:stCondLst>
+                              <p:cond delay="0"/>
+                            </p:stCondLst>
+                            <p:childTnLst>
+                              <p:par>
+                                <p:cTn id="35" presetID="10" presetClass="entr" presetSubtype="0" fill="hold" grpId="0" nodeType="clickEffect">
+                                  <p:stCondLst>
+                                    <p:cond delay="0"/>
+                                  </p:stCondLst>
+                                  <p:childTnLst>
+                                    <p:set>
+                                      <p:cBhvr>
+                                        <p:cTn id="36" dur="1" fill="hold">
+                                          <p:stCondLst>
+                                            <p:cond delay="0"/>
+                                          </p:stCondLst>
+                                        </p:cTn>
+                                        <p:tgtEl>
+                                          <p:spTgt spid="9"/>
+                                        </p:tgtEl>
+                                        <p:attrNameLst>
+                                          <p:attrName>style.visibility</p:attrName>
+                                        </p:attrNameLst>
+                                      </p:cBhvr>
+                                      <p:to>
+                                        <p:strVal val="visible"/>
+                                      </p:to>
+                                    </p:set>
+                                    <p:animEffect transition="in" filter="fade">
+                                      <p:cBhvr>
+                                        <p:cTn id="37" dur="500"/>
+                                        <p:tgtEl>
+                                          <p:spTgt spid="9"/>
+                                        </p:tgtEl>
+                                      </p:cBhvr>
+                                    </p:animEffect>
+                                  </p:childTnLst>
+                                </p:cTn>
+                              </p:par>
+                              <p:par>
+                                <p:cTn id="38" presetID="10" presetClass="entr" presetSubtype="0" fill="hold" nodeType="withEffect">
+                                  <p:stCondLst>
+                                    <p:cond delay="0"/>
+                                  </p:stCondLst>
+                                  <p:childTnLst>
+                                    <p:set>
+                                      <p:cBhvr>
+                                        <p:cTn id="39" dur="1" fill="hold">
+                                          <p:stCondLst>
+                                            <p:cond delay="0"/>
+                                          </p:stCondLst>
+                                        </p:cTn>
+                                        <p:tgtEl>
+                                          <p:spTgt spid="29"/>
+                                        </p:tgtEl>
+                                        <p:attrNameLst>
+                                          <p:attrName>style.visibility</p:attrName>
+                                        </p:attrNameLst>
+                                      </p:cBhvr>
+                                      <p:to>
+                                        <p:strVal val="visible"/>
+                                      </p:to>
+                                    </p:set>
+                                    <p:animEffect transition="in" filter="fade">
+                                      <p:cBhvr>
+                                        <p:cTn id="40" dur="500"/>
+                                        <p:tgtEl>
+                                          <p:spTgt spid="29"/>
+                                        </p:tgtEl>
+                                      </p:cBhvr>
+                                    </p:animEffect>
+                                  </p:childTnLst>
+                                </p:cTn>
+                              </p:par>
+                              <p:par>
+                                <p:cTn id="41" presetID="10" presetClass="entr" presetSubtype="0" fill="hold" nodeType="withEffect">
+                                  <p:stCondLst>
+                                    <p:cond delay="0"/>
+                                  </p:stCondLst>
+                                  <p:childTnLst>
+                                    <p:set>
+                                      <p:cBhvr>
+                                        <p:cTn id="42" dur="1" fill="hold">
+                                          <p:stCondLst>
+                                            <p:cond delay="0"/>
+                                          </p:stCondLst>
+                                        </p:cTn>
+                                        <p:tgtEl>
+                                          <p:spTgt spid="31"/>
+                                        </p:tgtEl>
+                                        <p:attrNameLst>
+                                          <p:attrName>style.visibility</p:attrName>
+                                        </p:attrNameLst>
+                                      </p:cBhvr>
+                                      <p:to>
+                                        <p:strVal val="visible"/>
+                                      </p:to>
+                                    </p:set>
+                                    <p:animEffect transition="in" filter="fade">
+                                      <p:cBhvr>
+                                        <p:cTn id="43" dur="500"/>
+                                        <p:tgtEl>
+                                          <p:spTgt spid="31"/>
+                                        </p:tgtEl>
+                                      </p:cBhvr>
+                                    </p:animEffect>
+                                  </p:childTnLst>
+                                </p:cTn>
+                              </p:par>
+                              <p:par>
+                                <p:cTn id="44" presetID="10" presetClass="entr" presetSubtype="0" fill="hold" nodeType="withEffect">
+                                  <p:stCondLst>
+                                    <p:cond delay="0"/>
+                                  </p:stCondLst>
+                                  <p:childTnLst>
+                                    <p:set>
+                                      <p:cBhvr>
+                                        <p:cTn id="45" dur="1" fill="hold">
+                                          <p:stCondLst>
+                                            <p:cond delay="0"/>
+                                          </p:stCondLst>
+                                        </p:cTn>
+                                        <p:tgtEl>
+                                          <p:spTgt spid="34"/>
+                                        </p:tgtEl>
+                                        <p:attrNameLst>
+                                          <p:attrName>style.visibility</p:attrName>
+                                        </p:attrNameLst>
+                                      </p:cBhvr>
+                                      <p:to>
+                                        <p:strVal val="visible"/>
+                                      </p:to>
+                                    </p:set>
+                                    <p:animEffect transition="in" filter="fade">
+                                      <p:cBhvr>
+                                        <p:cTn id="46" dur="500"/>
+                                        <p:tgtEl>
+                                          <p:spTgt spid="34"/>
+                                        </p:tgtEl>
+                                      </p:cBhvr>
+                                    </p:animEffect>
+                                  </p:childTnLst>
+                                </p:cTn>
+                              </p:par>
+                            </p:childTnLst>
+                          </p:cTn>
+                        </p:par>
+                      </p:childTnLst>
+                    </p:cTn>
+                  </p:par>
+                </p:childTnLst>
+              </p:cTn>
+              <p:prevCondLst>
+                <p:cond evt="onPrev" delay="0">
+                  <p:tgtEl>
+                    <p:sldTgt/>
+                  </p:tgtEl>
+                </p:cond>
+              </p:prevCondLst>
+              <p:nextCondLst>
+                <p:cond evt="onNext" delay="0">
+                  <p:tgtEl>
+                    <p:sldTgt/>
+                  </p:tgtEl>
+                </p:cond>
+              </p:nextCondLst>
+            </p:seq>
+          </p:childTnLst>
+        </p:cTn>
+      </p:par>
+    </p:tnLst>
+    <p:bldLst>
+      <p:bldP spid="9" grpId="0" animBg="1"/>
+      <p:bldP spid="10" grpId="0" animBg="1"/>
+      <p:bldP spid="11" grpId="0" animBg="1"/>
+      <p:bldP spid="12" grpId="0" animBg="1"/>
+    </p:bldLst>
+  </p:timing>
 </p:sld>
 </file>
 
@@ -10185,6 +11275,55 @@
       </p:grpSpPr>
       <p:sp>
         <p:nvSpPr>
+          <p:cNvPr id="10" name="Rectangle 9">
+            <a:extLst>
+              <a:ext uri="{FF2B5EF4-FFF2-40B4-BE49-F238E27FC236}">
+                <a16:creationId xmlns:a16="http://schemas.microsoft.com/office/drawing/2014/main" id="{DD3FC751-F653-4E1A-9D4A-209FA91798CB}"/>
+              </a:ext>
+            </a:extLst>
+          </p:cNvPr>
+          <p:cNvSpPr/>
+          <p:nvPr/>
+        </p:nvSpPr>
+        <p:spPr>
+          <a:xfrm>
+            <a:off x="1303254" y="3023895"/>
+            <a:ext cx="2450970" cy="2262433"/>
+          </a:xfrm>
+          <a:prstGeom prst="rect">
+            <a:avLst/>
+          </a:prstGeom>
+          <a:solidFill>
+            <a:schemeClr val="accent1"/>
+          </a:solidFill>
+        </p:spPr>
+        <p:style>
+          <a:lnRef idx="2">
+            <a:schemeClr val="accent1">
+              <a:shade val="50000"/>
+            </a:schemeClr>
+          </a:lnRef>
+          <a:fillRef idx="1">
+            <a:schemeClr val="accent1"/>
+          </a:fillRef>
+          <a:effectRef idx="0">
+            <a:schemeClr val="accent1"/>
+          </a:effectRef>
+          <a:fontRef idx="minor">
+            <a:schemeClr val="lt1"/>
+          </a:fontRef>
+        </p:style>
+        <p:txBody>
+          <a:bodyPr rtlCol="0" anchor="ctr"/>
+          <a:lstStyle/>
+          <a:p>
+            <a:pPr algn="ctr"/>
+            <a:endParaRPr lang="en-US"/>
+          </a:p>
+        </p:txBody>
+      </p:sp>
+      <p:sp>
+        <p:nvSpPr>
           <p:cNvPr id="2" name="Title 1">
             <a:extLst>
               <a:ext uri="{FF2B5EF4-FFF2-40B4-BE49-F238E27FC236}">
@@ -10199,76 +11338,2132 @@
             <p:ph type="title"/>
           </p:nvPr>
         </p:nvSpPr>
-        <p:spPr/>
+        <p:spPr>
+          <a:xfrm>
+            <a:off x="838200" y="365125"/>
+            <a:ext cx="5845404" cy="1325563"/>
+          </a:xfrm>
+        </p:spPr>
         <p:txBody>
-          <a:bodyPr/>
+          <a:bodyPr>
+            <a:noAutofit/>
+          </a:bodyPr>
           <a:lstStyle/>
           <a:p>
             <a:r>
-              <a:rPr lang="en-US" b="1" dirty="0">
+              <a:rPr lang="en-US" sz="3600" b="1" dirty="0">
                 <a:solidFill>
                   <a:srgbClr val="292D33"/>
                 </a:solidFill>
                 <a:latin typeface="Euclid Circular B" panose="020B0504000000000000" pitchFamily="34" charset="0"/>
                 <a:ea typeface="Euclid Circular B" panose="020B0504000000000000" pitchFamily="34" charset="0"/>
               </a:rPr>
-              <a:t>Title</a:t>
+              <a:t>Backend-Frontend separation</a:t>
             </a:r>
           </a:p>
         </p:txBody>
       </p:sp>
       <p:sp>
         <p:nvSpPr>
-          <p:cNvPr id="3" name="Content Placeholder 2">
-            <a:extLst>
-              <a:ext uri="{FF2B5EF4-FFF2-40B4-BE49-F238E27FC236}">
-                <a16:creationId xmlns:a16="http://schemas.microsoft.com/office/drawing/2014/main" id="{891C7693-D3DF-4635-96F4-97F3B4136FDF}"/>
-              </a:ext>
-            </a:extLst>
-          </p:cNvPr>
-          <p:cNvSpPr>
-            <a:spLocks noGrp="1"/>
-          </p:cNvSpPr>
-          <p:nvPr>
-            <p:ph idx="1"/>
-          </p:nvPr>
+          <p:cNvPr id="6" name="TextBox 5">
+            <a:extLst>
+              <a:ext uri="{FF2B5EF4-FFF2-40B4-BE49-F238E27FC236}">
+                <a16:creationId xmlns:a16="http://schemas.microsoft.com/office/drawing/2014/main" id="{6C68541D-268A-46C4-8C75-3C8B76406F83}"/>
+              </a:ext>
+            </a:extLst>
+          </p:cNvPr>
+          <p:cNvSpPr txBox="1"/>
+          <p:nvPr/>
         </p:nvSpPr>
-        <p:spPr/>
+        <p:spPr>
+          <a:xfrm>
+            <a:off x="1377883" y="4743319"/>
+            <a:ext cx="2300926" cy="461665"/>
+          </a:xfrm>
+          <a:prstGeom prst="rect">
+            <a:avLst/>
+          </a:prstGeom>
+          <a:solidFill>
+            <a:schemeClr val="accent2">
+              <a:lumMod val="20000"/>
+              <a:lumOff val="80000"/>
+            </a:schemeClr>
+          </a:solidFill>
+          <a:ln>
+            <a:solidFill>
+              <a:schemeClr val="tx1">
+                <a:lumMod val="50000"/>
+                <a:lumOff val="50000"/>
+              </a:schemeClr>
+            </a:solidFill>
+          </a:ln>
+        </p:spPr>
         <p:txBody>
-          <a:bodyPr/>
+          <a:bodyPr wrap="square" rtlCol="0">
+            <a:spAutoFit/>
+          </a:bodyPr>
           <a:lstStyle/>
           <a:p>
-            <a:r>
-              <a:rPr lang="en-US" dirty="0">
-                <a:latin typeface="Euclid Circular B" panose="020B0504000000000000" pitchFamily="34" charset="0"/>
-                <a:ea typeface="Euclid Circular B" panose="020B0504000000000000" pitchFamily="34" charset="0"/>
-              </a:rPr>
-              <a:t>TODO</a:t>
-            </a:r>
-            <a:r>
-              <a:rPr lang="en-US">
-                <a:latin typeface="Euclid Circular B" panose="020B0504000000000000" pitchFamily="34" charset="0"/>
-                <a:ea typeface="Euclid Circular B" panose="020B0504000000000000" pitchFamily="34" charset="0"/>
-              </a:rPr>
-              <a:t>: ...</a:t>
-            </a:r>
-            <a:endParaRPr lang="en-US" dirty="0">
-              <a:latin typeface="Euclid Circular B" panose="020B0504000000000000" pitchFamily="34" charset="0"/>
-              <a:ea typeface="Euclid Circular B" panose="020B0504000000000000" pitchFamily="34" charset="0"/>
-            </a:endParaRPr>
+            <a:pPr algn="ctr"/>
+            <a:r>
+              <a:rPr lang="en-US" sz="2400" dirty="0"/>
+              <a:t>Hosting logic</a:t>
+            </a:r>
+          </a:p>
+        </p:txBody>
+      </p:sp>
+      <p:sp>
+        <p:nvSpPr>
+          <p:cNvPr id="7" name="TextBox 6">
+            <a:extLst>
+              <a:ext uri="{FF2B5EF4-FFF2-40B4-BE49-F238E27FC236}">
+                <a16:creationId xmlns:a16="http://schemas.microsoft.com/office/drawing/2014/main" id="{D6CD3C23-2118-471F-8089-8B2C239DA411}"/>
+              </a:ext>
+            </a:extLst>
+          </p:cNvPr>
+          <p:cNvSpPr txBox="1"/>
+          <p:nvPr/>
+        </p:nvSpPr>
+        <p:spPr>
+          <a:xfrm>
+            <a:off x="1377883" y="4195391"/>
+            <a:ext cx="2300926" cy="461665"/>
+          </a:xfrm>
+          <a:prstGeom prst="rect">
+            <a:avLst/>
+          </a:prstGeom>
+          <a:solidFill>
+            <a:schemeClr val="accent4">
+              <a:lumMod val="20000"/>
+              <a:lumOff val="80000"/>
+            </a:schemeClr>
+          </a:solidFill>
+          <a:ln>
+            <a:solidFill>
+              <a:schemeClr val="tx1">
+                <a:lumMod val="50000"/>
+                <a:lumOff val="50000"/>
+              </a:schemeClr>
+            </a:solidFill>
+          </a:ln>
+        </p:spPr>
+        <p:txBody>
+          <a:bodyPr wrap="square" rtlCol="0">
+            <a:spAutoFit/>
+          </a:bodyPr>
+          <a:lstStyle/>
+          <a:p>
+            <a:pPr algn="ctr"/>
+            <a:r>
+              <a:rPr lang="en-US" sz="2400" dirty="0"/>
+              <a:t>User interface</a:t>
+            </a:r>
+          </a:p>
+        </p:txBody>
+      </p:sp>
+      <p:sp>
+        <p:nvSpPr>
+          <p:cNvPr id="8" name="TextBox 7">
+            <a:extLst>
+              <a:ext uri="{FF2B5EF4-FFF2-40B4-BE49-F238E27FC236}">
+                <a16:creationId xmlns:a16="http://schemas.microsoft.com/office/drawing/2014/main" id="{FE5CC6AA-87CD-452A-92A9-B0728BD62FED}"/>
+              </a:ext>
+            </a:extLst>
+          </p:cNvPr>
+          <p:cNvSpPr txBox="1"/>
+          <p:nvPr/>
+        </p:nvSpPr>
+        <p:spPr>
+          <a:xfrm>
+            <a:off x="1377883" y="3647463"/>
+            <a:ext cx="2300926" cy="461665"/>
+          </a:xfrm>
+          <a:prstGeom prst="rect">
+            <a:avLst/>
+          </a:prstGeom>
+          <a:solidFill>
+            <a:schemeClr val="accent5">
+              <a:lumMod val="20000"/>
+              <a:lumOff val="80000"/>
+            </a:schemeClr>
+          </a:solidFill>
+          <a:ln>
+            <a:solidFill>
+              <a:schemeClr val="tx1">
+                <a:lumMod val="50000"/>
+                <a:lumOff val="50000"/>
+              </a:schemeClr>
+            </a:solidFill>
+          </a:ln>
+        </p:spPr>
+        <p:txBody>
+          <a:bodyPr wrap="square" rtlCol="0">
+            <a:spAutoFit/>
+          </a:bodyPr>
+          <a:lstStyle/>
+          <a:p>
+            <a:pPr algn="ctr"/>
+            <a:r>
+              <a:rPr lang="en-US" sz="2400" dirty="0"/>
+              <a:t>Business logic</a:t>
+            </a:r>
+          </a:p>
+        </p:txBody>
+      </p:sp>
+      <p:sp>
+        <p:nvSpPr>
+          <p:cNvPr id="9" name="TextBox 8">
+            <a:extLst>
+              <a:ext uri="{FF2B5EF4-FFF2-40B4-BE49-F238E27FC236}">
+                <a16:creationId xmlns:a16="http://schemas.microsoft.com/office/drawing/2014/main" id="{C35B533D-5606-41A3-A337-230EC905C1F5}"/>
+              </a:ext>
+            </a:extLst>
+          </p:cNvPr>
+          <p:cNvSpPr txBox="1"/>
+          <p:nvPr/>
+        </p:nvSpPr>
+        <p:spPr>
+          <a:xfrm>
+            <a:off x="1377883" y="3097652"/>
+            <a:ext cx="2300926" cy="461665"/>
+          </a:xfrm>
+          <a:prstGeom prst="rect">
+            <a:avLst/>
+          </a:prstGeom>
+          <a:solidFill>
+            <a:schemeClr val="accent6">
+              <a:lumMod val="20000"/>
+              <a:lumOff val="80000"/>
+            </a:schemeClr>
+          </a:solidFill>
+          <a:ln>
+            <a:solidFill>
+              <a:schemeClr val="tx1">
+                <a:lumMod val="50000"/>
+                <a:lumOff val="50000"/>
+              </a:schemeClr>
+            </a:solidFill>
+          </a:ln>
+        </p:spPr>
+        <p:txBody>
+          <a:bodyPr wrap="square" rtlCol="0">
+            <a:spAutoFit/>
+          </a:bodyPr>
+          <a:lstStyle/>
+          <a:p>
+            <a:pPr algn="ctr"/>
+            <a:r>
+              <a:rPr lang="en-US" sz="2400" dirty="0"/>
+              <a:t>Data access logic</a:t>
+            </a:r>
+          </a:p>
+        </p:txBody>
+      </p:sp>
+      <p:sp>
+        <p:nvSpPr>
+          <p:cNvPr id="11" name="Rectangle 10">
+            <a:extLst>
+              <a:ext uri="{FF2B5EF4-FFF2-40B4-BE49-F238E27FC236}">
+                <a16:creationId xmlns:a16="http://schemas.microsoft.com/office/drawing/2014/main" id="{3CB478BA-A7DC-417D-A064-32A72FA73BE6}"/>
+              </a:ext>
+            </a:extLst>
+          </p:cNvPr>
+          <p:cNvSpPr/>
+          <p:nvPr/>
+        </p:nvSpPr>
+        <p:spPr>
+          <a:xfrm>
+            <a:off x="7144661" y="1149037"/>
+            <a:ext cx="2450970" cy="2279963"/>
+          </a:xfrm>
+          <a:prstGeom prst="rect">
+            <a:avLst/>
+          </a:prstGeom>
+          <a:solidFill>
+            <a:schemeClr val="accent1"/>
+          </a:solidFill>
+        </p:spPr>
+        <p:style>
+          <a:lnRef idx="2">
+            <a:schemeClr val="accent1">
+              <a:shade val="50000"/>
+            </a:schemeClr>
+          </a:lnRef>
+          <a:fillRef idx="1">
+            <a:schemeClr val="accent1"/>
+          </a:fillRef>
+          <a:effectRef idx="0">
+            <a:schemeClr val="accent1"/>
+          </a:effectRef>
+          <a:fontRef idx="minor">
+            <a:schemeClr val="lt1"/>
+          </a:fontRef>
+        </p:style>
+        <p:txBody>
+          <a:bodyPr rtlCol="0" anchor="ctr"/>
+          <a:lstStyle/>
+          <a:p>
+            <a:pPr algn="ctr"/>
+            <a:endParaRPr lang="en-US"/>
+          </a:p>
+        </p:txBody>
+      </p:sp>
+      <p:sp>
+        <p:nvSpPr>
+          <p:cNvPr id="14" name="TextBox 13">
+            <a:extLst>
+              <a:ext uri="{FF2B5EF4-FFF2-40B4-BE49-F238E27FC236}">
+                <a16:creationId xmlns:a16="http://schemas.microsoft.com/office/drawing/2014/main" id="{FDAB0D69-A909-4AFD-8DCF-A428DD946839}"/>
+              </a:ext>
+            </a:extLst>
+          </p:cNvPr>
+          <p:cNvSpPr txBox="1"/>
+          <p:nvPr/>
+        </p:nvSpPr>
+        <p:spPr>
+          <a:xfrm>
+            <a:off x="7219290" y="1772604"/>
+            <a:ext cx="2300926" cy="461665"/>
+          </a:xfrm>
+          <a:prstGeom prst="rect">
+            <a:avLst/>
+          </a:prstGeom>
+          <a:solidFill>
+            <a:schemeClr val="accent5">
+              <a:lumMod val="20000"/>
+              <a:lumOff val="80000"/>
+            </a:schemeClr>
+          </a:solidFill>
+          <a:ln>
+            <a:solidFill>
+              <a:schemeClr val="tx1">
+                <a:lumMod val="50000"/>
+                <a:lumOff val="50000"/>
+              </a:schemeClr>
+            </a:solidFill>
+          </a:ln>
+        </p:spPr>
+        <p:txBody>
+          <a:bodyPr wrap="square" rtlCol="0">
+            <a:spAutoFit/>
+          </a:bodyPr>
+          <a:lstStyle/>
+          <a:p>
+            <a:pPr algn="ctr"/>
+            <a:r>
+              <a:rPr lang="en-US" sz="2400" dirty="0"/>
+              <a:t>Business logic</a:t>
+            </a:r>
+          </a:p>
+        </p:txBody>
+      </p:sp>
+      <p:sp>
+        <p:nvSpPr>
+          <p:cNvPr id="15" name="TextBox 14">
+            <a:extLst>
+              <a:ext uri="{FF2B5EF4-FFF2-40B4-BE49-F238E27FC236}">
+                <a16:creationId xmlns:a16="http://schemas.microsoft.com/office/drawing/2014/main" id="{FC1C9B47-1382-485C-A09E-AE82FA40E404}"/>
+              </a:ext>
+            </a:extLst>
+          </p:cNvPr>
+          <p:cNvSpPr txBox="1"/>
+          <p:nvPr/>
+        </p:nvSpPr>
+        <p:spPr>
+          <a:xfrm>
+            <a:off x="7219290" y="1222793"/>
+            <a:ext cx="2300926" cy="461665"/>
+          </a:xfrm>
+          <a:prstGeom prst="rect">
+            <a:avLst/>
+          </a:prstGeom>
+          <a:solidFill>
+            <a:schemeClr val="accent6">
+              <a:lumMod val="20000"/>
+              <a:lumOff val="80000"/>
+            </a:schemeClr>
+          </a:solidFill>
+          <a:ln>
+            <a:solidFill>
+              <a:schemeClr val="tx1">
+                <a:lumMod val="50000"/>
+                <a:lumOff val="50000"/>
+              </a:schemeClr>
+            </a:solidFill>
+          </a:ln>
+        </p:spPr>
+        <p:txBody>
+          <a:bodyPr wrap="square" rtlCol="0">
+            <a:spAutoFit/>
+          </a:bodyPr>
+          <a:lstStyle/>
+          <a:p>
+            <a:pPr algn="ctr"/>
+            <a:r>
+              <a:rPr lang="en-US" sz="2400" dirty="0"/>
+              <a:t>Data access logic</a:t>
+            </a:r>
+          </a:p>
+        </p:txBody>
+      </p:sp>
+      <p:sp>
+        <p:nvSpPr>
+          <p:cNvPr id="16" name="Rectangle 15">
+            <a:extLst>
+              <a:ext uri="{FF2B5EF4-FFF2-40B4-BE49-F238E27FC236}">
+                <a16:creationId xmlns:a16="http://schemas.microsoft.com/office/drawing/2014/main" id="{C5C3A600-316C-43EE-B436-F2EEF02038D7}"/>
+              </a:ext>
+            </a:extLst>
+          </p:cNvPr>
+          <p:cNvSpPr/>
+          <p:nvPr/>
+        </p:nvSpPr>
+        <p:spPr>
+          <a:xfrm>
+            <a:off x="7144661" y="4538794"/>
+            <a:ext cx="2450970" cy="1171496"/>
+          </a:xfrm>
+          <a:prstGeom prst="rect">
+            <a:avLst/>
+          </a:prstGeom>
+          <a:solidFill>
+            <a:schemeClr val="accent1"/>
+          </a:solidFill>
+        </p:spPr>
+        <p:style>
+          <a:lnRef idx="2">
+            <a:schemeClr val="accent1">
+              <a:shade val="50000"/>
+            </a:schemeClr>
+          </a:lnRef>
+          <a:fillRef idx="1">
+            <a:schemeClr val="accent1"/>
+          </a:fillRef>
+          <a:effectRef idx="0">
+            <a:schemeClr val="accent1"/>
+          </a:effectRef>
+          <a:fontRef idx="minor">
+            <a:schemeClr val="lt1"/>
+          </a:fontRef>
+        </p:style>
+        <p:txBody>
+          <a:bodyPr rtlCol="0" anchor="ctr"/>
+          <a:lstStyle/>
+          <a:p>
+            <a:pPr algn="ctr"/>
+            <a:endParaRPr lang="en-US"/>
+          </a:p>
+        </p:txBody>
+      </p:sp>
+      <p:sp>
+        <p:nvSpPr>
+          <p:cNvPr id="17" name="TextBox 16">
+            <a:extLst>
+              <a:ext uri="{FF2B5EF4-FFF2-40B4-BE49-F238E27FC236}">
+                <a16:creationId xmlns:a16="http://schemas.microsoft.com/office/drawing/2014/main" id="{F5B0E7E6-7FE0-4897-B63B-D1B9D4672A5A}"/>
+              </a:ext>
+            </a:extLst>
+          </p:cNvPr>
+          <p:cNvSpPr txBox="1"/>
+          <p:nvPr/>
+        </p:nvSpPr>
+        <p:spPr>
+          <a:xfrm>
+            <a:off x="7219290" y="5167281"/>
+            <a:ext cx="2300926" cy="461665"/>
+          </a:xfrm>
+          <a:prstGeom prst="rect">
+            <a:avLst/>
+          </a:prstGeom>
+          <a:solidFill>
+            <a:schemeClr val="accent2">
+              <a:lumMod val="20000"/>
+              <a:lumOff val="80000"/>
+            </a:schemeClr>
+          </a:solidFill>
+          <a:ln>
+            <a:solidFill>
+              <a:schemeClr val="tx1">
+                <a:lumMod val="50000"/>
+                <a:lumOff val="50000"/>
+              </a:schemeClr>
+            </a:solidFill>
+          </a:ln>
+        </p:spPr>
+        <p:txBody>
+          <a:bodyPr wrap="square" rtlCol="0">
+            <a:spAutoFit/>
+          </a:bodyPr>
+          <a:lstStyle/>
+          <a:p>
+            <a:pPr algn="ctr"/>
+            <a:r>
+              <a:rPr lang="en-US" sz="2400" dirty="0"/>
+              <a:t>UI Hosting logic</a:t>
+            </a:r>
+          </a:p>
+        </p:txBody>
+      </p:sp>
+      <p:sp>
+        <p:nvSpPr>
+          <p:cNvPr id="18" name="TextBox 17">
+            <a:extLst>
+              <a:ext uri="{FF2B5EF4-FFF2-40B4-BE49-F238E27FC236}">
+                <a16:creationId xmlns:a16="http://schemas.microsoft.com/office/drawing/2014/main" id="{12DCF826-5DE6-4B93-BCBF-54FA5C08B6F2}"/>
+              </a:ext>
+            </a:extLst>
+          </p:cNvPr>
+          <p:cNvSpPr txBox="1"/>
+          <p:nvPr/>
+        </p:nvSpPr>
+        <p:spPr>
+          <a:xfrm>
+            <a:off x="7219290" y="4619353"/>
+            <a:ext cx="2300926" cy="461665"/>
+          </a:xfrm>
+          <a:prstGeom prst="rect">
+            <a:avLst/>
+          </a:prstGeom>
+          <a:solidFill>
+            <a:schemeClr val="accent4">
+              <a:lumMod val="20000"/>
+              <a:lumOff val="80000"/>
+            </a:schemeClr>
+          </a:solidFill>
+          <a:ln>
+            <a:solidFill>
+              <a:schemeClr val="tx1">
+                <a:lumMod val="50000"/>
+                <a:lumOff val="50000"/>
+              </a:schemeClr>
+            </a:solidFill>
+          </a:ln>
+        </p:spPr>
+        <p:txBody>
+          <a:bodyPr wrap="square" rtlCol="0">
+            <a:spAutoFit/>
+          </a:bodyPr>
+          <a:lstStyle/>
+          <a:p>
+            <a:pPr algn="ctr"/>
+            <a:r>
+              <a:rPr lang="en-US" sz="2400" dirty="0"/>
+              <a:t>User interface</a:t>
+            </a:r>
+          </a:p>
+        </p:txBody>
+      </p:sp>
+      <p:pic>
+        <p:nvPicPr>
+          <p:cNvPr id="4098" name="Picture 2" descr="Free photo Computer Network Technology Icon Database - Max Pixel">
+            <a:extLst>
+              <a:ext uri="{FF2B5EF4-FFF2-40B4-BE49-F238E27FC236}">
+                <a16:creationId xmlns:a16="http://schemas.microsoft.com/office/drawing/2014/main" id="{9A83B87B-E81C-4398-B1FF-3974E107E3A8}"/>
+              </a:ext>
+            </a:extLst>
+          </p:cNvPr>
+          <p:cNvPicPr>
+            <a:picLocks noChangeAspect="1" noChangeArrowheads="1"/>
+          </p:cNvPicPr>
+          <p:nvPr/>
+        </p:nvPicPr>
+        <p:blipFill>
+          <a:blip r:embed="rId3">
+            <a:extLst>
+              <a:ext uri="{28A0092B-C50C-407E-A947-70E740481C1C}">
+                <a14:useLocalDpi xmlns:a14="http://schemas.microsoft.com/office/drawing/2010/main" val="0"/>
+              </a:ext>
+            </a:extLst>
+          </a:blip>
+          <a:srcRect/>
+          <a:stretch>
+            <a:fillRect/>
+          </a:stretch>
+        </p:blipFill>
+        <p:spPr bwMode="auto">
+          <a:xfrm>
+            <a:off x="2223176" y="1815987"/>
+            <a:ext cx="610336" cy="625095"/>
+          </a:xfrm>
+          <a:prstGeom prst="rect">
+            <a:avLst/>
+          </a:prstGeom>
+          <a:noFill/>
+          <a:extLst>
+            <a:ext uri="{909E8E84-426E-40DD-AFC4-6F175D3DCCD1}">
+              <a14:hiddenFill xmlns:a14="http://schemas.microsoft.com/office/drawing/2010/main">
+                <a:solidFill>
+                  <a:srgbClr val="FFFFFF"/>
+                </a:solidFill>
+              </a14:hiddenFill>
+            </a:ext>
+          </a:extLst>
+        </p:spPr>
+      </p:pic>
+      <p:pic>
+        <p:nvPicPr>
+          <p:cNvPr id="22" name="Picture 21" descr="Shape, arrow&#10;&#10;Description automatically generated">
+            <a:extLst>
+              <a:ext uri="{FF2B5EF4-FFF2-40B4-BE49-F238E27FC236}">
+                <a16:creationId xmlns:a16="http://schemas.microsoft.com/office/drawing/2014/main" id="{6EFF20ED-2C59-4EEC-BA3C-662CC8B6F654}"/>
+              </a:ext>
+            </a:extLst>
+          </p:cNvPr>
+          <p:cNvPicPr>
+            <a:picLocks noChangeAspect="1"/>
+          </p:cNvPicPr>
+          <p:nvPr/>
+        </p:nvPicPr>
+        <p:blipFill>
+          <a:blip r:embed="rId4">
+            <a:extLst>
+              <a:ext uri="{28A0092B-C50C-407E-A947-70E740481C1C}">
+                <a14:useLocalDpi xmlns:a14="http://schemas.microsoft.com/office/drawing/2010/main" val="0"/>
+              </a:ext>
+            </a:extLst>
+          </a:blip>
+          <a:stretch>
+            <a:fillRect/>
+          </a:stretch>
+        </p:blipFill>
+        <p:spPr>
+          <a:xfrm>
+            <a:off x="2158662" y="5893868"/>
+            <a:ext cx="739365" cy="561386"/>
+          </a:xfrm>
+          <a:prstGeom prst="rect">
+            <a:avLst/>
+          </a:prstGeom>
+        </p:spPr>
+      </p:pic>
+      <p:cxnSp>
+        <p:nvCxnSpPr>
+          <p:cNvPr id="24" name="Straight Arrow Connector 23">
+            <a:extLst>
+              <a:ext uri="{FF2B5EF4-FFF2-40B4-BE49-F238E27FC236}">
+                <a16:creationId xmlns:a16="http://schemas.microsoft.com/office/drawing/2014/main" id="{551D0A00-D87C-4221-B1E3-8933537496CD}"/>
+              </a:ext>
+            </a:extLst>
+          </p:cNvPr>
+          <p:cNvCxnSpPr>
+            <a:stCxn id="10" idx="0"/>
+            <a:endCxn id="4098" idx="2"/>
+          </p:cNvCxnSpPr>
+          <p:nvPr/>
+        </p:nvCxnSpPr>
+        <p:spPr>
+          <a:xfrm flipH="1" flipV="1">
+            <a:off x="2528344" y="2441082"/>
+            <a:ext cx="395" cy="582813"/>
+          </a:xfrm>
+          <a:prstGeom prst="straightConnector1">
+            <a:avLst/>
+          </a:prstGeom>
+          <a:ln w="25400">
+            <a:solidFill>
+              <a:schemeClr val="tx1"/>
+            </a:solidFill>
+            <a:tailEnd type="triangle"/>
+          </a:ln>
+        </p:spPr>
+        <p:style>
+          <a:lnRef idx="1">
+            <a:schemeClr val="accent1"/>
+          </a:lnRef>
+          <a:fillRef idx="0">
+            <a:schemeClr val="accent1"/>
+          </a:fillRef>
+          <a:effectRef idx="0">
+            <a:schemeClr val="accent1"/>
+          </a:effectRef>
+          <a:fontRef idx="minor">
+            <a:schemeClr val="tx1"/>
+          </a:fontRef>
+        </p:style>
+      </p:cxnSp>
+      <p:cxnSp>
+        <p:nvCxnSpPr>
+          <p:cNvPr id="26" name="Straight Arrow Connector 25">
+            <a:extLst>
+              <a:ext uri="{FF2B5EF4-FFF2-40B4-BE49-F238E27FC236}">
+                <a16:creationId xmlns:a16="http://schemas.microsoft.com/office/drawing/2014/main" id="{E346556E-7E3A-41E4-9EBB-CF5E97FBADDA}"/>
+              </a:ext>
+            </a:extLst>
+          </p:cNvPr>
+          <p:cNvCxnSpPr>
+            <a:stCxn id="22" idx="0"/>
+            <a:endCxn id="10" idx="2"/>
+          </p:cNvCxnSpPr>
+          <p:nvPr/>
+        </p:nvCxnSpPr>
+        <p:spPr>
+          <a:xfrm flipV="1">
+            <a:off x="2528345" y="5286328"/>
+            <a:ext cx="394" cy="607540"/>
+          </a:xfrm>
+          <a:prstGeom prst="straightConnector1">
+            <a:avLst/>
+          </a:prstGeom>
+          <a:ln w="25400">
+            <a:solidFill>
+              <a:schemeClr val="tx1"/>
+            </a:solidFill>
+            <a:tailEnd type="triangle"/>
+          </a:ln>
+        </p:spPr>
+        <p:style>
+          <a:lnRef idx="1">
+            <a:schemeClr val="accent1"/>
+          </a:lnRef>
+          <a:fillRef idx="0">
+            <a:schemeClr val="accent1"/>
+          </a:fillRef>
+          <a:effectRef idx="0">
+            <a:schemeClr val="accent1"/>
+          </a:effectRef>
+          <a:fontRef idx="minor">
+            <a:schemeClr val="tx1"/>
+          </a:fontRef>
+        </p:style>
+      </p:cxnSp>
+      <p:sp>
+        <p:nvSpPr>
+          <p:cNvPr id="27" name="TextBox 26">
+            <a:extLst>
+              <a:ext uri="{FF2B5EF4-FFF2-40B4-BE49-F238E27FC236}">
+                <a16:creationId xmlns:a16="http://schemas.microsoft.com/office/drawing/2014/main" id="{850E19B8-CFF8-4169-A120-6B1C4872E29F}"/>
+              </a:ext>
+            </a:extLst>
+          </p:cNvPr>
+          <p:cNvSpPr txBox="1"/>
+          <p:nvPr/>
+        </p:nvSpPr>
+        <p:spPr>
+          <a:xfrm>
+            <a:off x="2898027" y="1941768"/>
+            <a:ext cx="1058175" cy="369332"/>
+          </a:xfrm>
+          <a:prstGeom prst="rect">
+            <a:avLst/>
+          </a:prstGeom>
+          <a:noFill/>
+        </p:spPr>
+        <p:txBody>
+          <a:bodyPr wrap="none" rtlCol="0">
+            <a:spAutoFit/>
+          </a:bodyPr>
+          <a:lstStyle/>
+          <a:p>
+            <a:r>
+              <a:rPr lang="en-US" dirty="0"/>
+              <a:t>Database</a:t>
+            </a:r>
+          </a:p>
+        </p:txBody>
+      </p:sp>
+      <p:sp>
+        <p:nvSpPr>
+          <p:cNvPr id="30" name="TextBox 29">
+            <a:extLst>
+              <a:ext uri="{FF2B5EF4-FFF2-40B4-BE49-F238E27FC236}">
+                <a16:creationId xmlns:a16="http://schemas.microsoft.com/office/drawing/2014/main" id="{5C164BA1-899D-4D5A-95B5-0D68A0E78DB5}"/>
+              </a:ext>
+            </a:extLst>
+          </p:cNvPr>
+          <p:cNvSpPr txBox="1"/>
+          <p:nvPr/>
+        </p:nvSpPr>
+        <p:spPr>
+          <a:xfrm>
+            <a:off x="2931797" y="5989895"/>
+            <a:ext cx="1583832" cy="369332"/>
+          </a:xfrm>
+          <a:prstGeom prst="rect">
+            <a:avLst/>
+          </a:prstGeom>
+          <a:noFill/>
+        </p:spPr>
+        <p:txBody>
+          <a:bodyPr wrap="none" rtlCol="0">
+            <a:spAutoFit/>
+          </a:bodyPr>
+          <a:lstStyle/>
+          <a:p>
+            <a:r>
+              <a:rPr lang="en-US" dirty="0"/>
+              <a:t>Browser / User</a:t>
+            </a:r>
+          </a:p>
+        </p:txBody>
+      </p:sp>
+      <p:pic>
+        <p:nvPicPr>
+          <p:cNvPr id="31" name="Picture 2" descr="Free photo Computer Network Technology Icon Database - Max Pixel">
+            <a:extLst>
+              <a:ext uri="{FF2B5EF4-FFF2-40B4-BE49-F238E27FC236}">
+                <a16:creationId xmlns:a16="http://schemas.microsoft.com/office/drawing/2014/main" id="{664096B4-7712-4C03-BAA9-42F643E9CF33}"/>
+              </a:ext>
+            </a:extLst>
+          </p:cNvPr>
+          <p:cNvPicPr>
+            <a:picLocks noChangeAspect="1" noChangeArrowheads="1"/>
+          </p:cNvPicPr>
+          <p:nvPr/>
+        </p:nvPicPr>
+        <p:blipFill>
+          <a:blip r:embed="rId3">
+            <a:extLst>
+              <a:ext uri="{28A0092B-C50C-407E-A947-70E740481C1C}">
+                <a14:useLocalDpi xmlns:a14="http://schemas.microsoft.com/office/drawing/2010/main" val="0"/>
+              </a:ext>
+            </a:extLst>
+          </a:blip>
+          <a:srcRect/>
+          <a:stretch>
+            <a:fillRect/>
+          </a:stretch>
+        </p:blipFill>
+        <p:spPr bwMode="auto">
+          <a:xfrm>
+            <a:off x="8064610" y="316522"/>
+            <a:ext cx="610336" cy="625095"/>
+          </a:xfrm>
+          <a:prstGeom prst="rect">
+            <a:avLst/>
+          </a:prstGeom>
+          <a:noFill/>
+          <a:extLst>
+            <a:ext uri="{909E8E84-426E-40DD-AFC4-6F175D3DCCD1}">
+              <a14:hiddenFill xmlns:a14="http://schemas.microsoft.com/office/drawing/2010/main">
+                <a:solidFill>
+                  <a:srgbClr val="FFFFFF"/>
+                </a:solidFill>
+              </a14:hiddenFill>
+            </a:ext>
+          </a:extLst>
+        </p:spPr>
+      </p:pic>
+      <p:sp>
+        <p:nvSpPr>
+          <p:cNvPr id="32" name="TextBox 31">
+            <a:extLst>
+              <a:ext uri="{FF2B5EF4-FFF2-40B4-BE49-F238E27FC236}">
+                <a16:creationId xmlns:a16="http://schemas.microsoft.com/office/drawing/2014/main" id="{A33EF955-3298-421D-878E-91922C36948D}"/>
+              </a:ext>
+            </a:extLst>
+          </p:cNvPr>
+          <p:cNvSpPr txBox="1"/>
+          <p:nvPr/>
+        </p:nvSpPr>
+        <p:spPr>
+          <a:xfrm>
+            <a:off x="8739461" y="442303"/>
+            <a:ext cx="1058175" cy="369332"/>
+          </a:xfrm>
+          <a:prstGeom prst="rect">
+            <a:avLst/>
+          </a:prstGeom>
+          <a:noFill/>
+        </p:spPr>
+        <p:txBody>
+          <a:bodyPr wrap="none" rtlCol="0">
+            <a:spAutoFit/>
+          </a:bodyPr>
+          <a:lstStyle/>
+          <a:p>
+            <a:r>
+              <a:rPr lang="en-US" dirty="0"/>
+              <a:t>Database</a:t>
+            </a:r>
+          </a:p>
+        </p:txBody>
+      </p:sp>
+      <p:cxnSp>
+        <p:nvCxnSpPr>
+          <p:cNvPr id="29" name="Straight Arrow Connector 28">
+            <a:extLst>
+              <a:ext uri="{FF2B5EF4-FFF2-40B4-BE49-F238E27FC236}">
+                <a16:creationId xmlns:a16="http://schemas.microsoft.com/office/drawing/2014/main" id="{91A1F916-375D-4E49-8228-14EA1ABE5B9A}"/>
+              </a:ext>
+            </a:extLst>
+          </p:cNvPr>
+          <p:cNvCxnSpPr>
+            <a:cxnSpLocks/>
+            <a:stCxn id="11" idx="0"/>
+            <a:endCxn id="31" idx="2"/>
+          </p:cNvCxnSpPr>
+          <p:nvPr/>
+        </p:nvCxnSpPr>
+        <p:spPr>
+          <a:xfrm flipH="1" flipV="1">
+            <a:off x="8369778" y="941617"/>
+            <a:ext cx="368" cy="207420"/>
+          </a:xfrm>
+          <a:prstGeom prst="straightConnector1">
+            <a:avLst/>
+          </a:prstGeom>
+          <a:ln w="25400">
+            <a:solidFill>
+              <a:schemeClr val="tx1"/>
+            </a:solidFill>
+            <a:tailEnd type="triangle"/>
+          </a:ln>
+        </p:spPr>
+        <p:style>
+          <a:lnRef idx="1">
+            <a:schemeClr val="accent1"/>
+          </a:lnRef>
+          <a:fillRef idx="0">
+            <a:schemeClr val="accent1"/>
+          </a:fillRef>
+          <a:effectRef idx="0">
+            <a:schemeClr val="accent1"/>
+          </a:effectRef>
+          <a:fontRef idx="minor">
+            <a:schemeClr val="tx1"/>
+          </a:fontRef>
+        </p:style>
+      </p:cxnSp>
+      <p:pic>
+        <p:nvPicPr>
+          <p:cNvPr id="35" name="Picture 34" descr="Shape, arrow&#10;&#10;Description automatically generated">
+            <a:extLst>
+              <a:ext uri="{FF2B5EF4-FFF2-40B4-BE49-F238E27FC236}">
+                <a16:creationId xmlns:a16="http://schemas.microsoft.com/office/drawing/2014/main" id="{D7EEA7D6-FC28-4E12-80E2-8968A72C7BB2}"/>
+              </a:ext>
+            </a:extLst>
+          </p:cNvPr>
+          <p:cNvPicPr>
+            <a:picLocks noChangeAspect="1"/>
+          </p:cNvPicPr>
+          <p:nvPr/>
+        </p:nvPicPr>
+        <p:blipFill>
+          <a:blip r:embed="rId4">
+            <a:extLst>
+              <a:ext uri="{28A0092B-C50C-407E-A947-70E740481C1C}">
+                <a14:useLocalDpi xmlns:a14="http://schemas.microsoft.com/office/drawing/2010/main" val="0"/>
+              </a:ext>
+            </a:extLst>
+          </a:blip>
+          <a:stretch>
+            <a:fillRect/>
+          </a:stretch>
+        </p:blipFill>
+        <p:spPr>
+          <a:xfrm>
+            <a:off x="7998621" y="6110436"/>
+            <a:ext cx="739365" cy="561386"/>
+          </a:xfrm>
+          <a:prstGeom prst="rect">
+            <a:avLst/>
+          </a:prstGeom>
+        </p:spPr>
+      </p:pic>
+      <p:cxnSp>
+        <p:nvCxnSpPr>
+          <p:cNvPr id="36" name="Straight Arrow Connector 35">
+            <a:extLst>
+              <a:ext uri="{FF2B5EF4-FFF2-40B4-BE49-F238E27FC236}">
+                <a16:creationId xmlns:a16="http://schemas.microsoft.com/office/drawing/2014/main" id="{4D8241CF-59D4-44B1-B73C-796FEFD4E71B}"/>
+              </a:ext>
+            </a:extLst>
+          </p:cNvPr>
+          <p:cNvCxnSpPr>
+            <a:cxnSpLocks/>
+            <a:stCxn id="35" idx="0"/>
+            <a:endCxn id="16" idx="2"/>
+          </p:cNvCxnSpPr>
+          <p:nvPr/>
+        </p:nvCxnSpPr>
+        <p:spPr>
+          <a:xfrm flipV="1">
+            <a:off x="8368304" y="5710290"/>
+            <a:ext cx="1842" cy="400146"/>
+          </a:xfrm>
+          <a:prstGeom prst="straightConnector1">
+            <a:avLst/>
+          </a:prstGeom>
+          <a:ln w="25400">
+            <a:solidFill>
+              <a:schemeClr val="tx1"/>
+            </a:solidFill>
+            <a:tailEnd type="triangle"/>
+          </a:ln>
+        </p:spPr>
+        <p:style>
+          <a:lnRef idx="1">
+            <a:schemeClr val="accent1"/>
+          </a:lnRef>
+          <a:fillRef idx="0">
+            <a:schemeClr val="accent1"/>
+          </a:fillRef>
+          <a:effectRef idx="0">
+            <a:schemeClr val="accent1"/>
+          </a:effectRef>
+          <a:fontRef idx="minor">
+            <a:schemeClr val="tx1"/>
+          </a:fontRef>
+        </p:style>
+      </p:cxnSp>
+      <p:sp>
+        <p:nvSpPr>
+          <p:cNvPr id="37" name="TextBox 36">
+            <a:extLst>
+              <a:ext uri="{FF2B5EF4-FFF2-40B4-BE49-F238E27FC236}">
+                <a16:creationId xmlns:a16="http://schemas.microsoft.com/office/drawing/2014/main" id="{C153B762-CC14-42BF-916C-1A6D575D7357}"/>
+              </a:ext>
+            </a:extLst>
+          </p:cNvPr>
+          <p:cNvSpPr txBox="1"/>
+          <p:nvPr/>
+        </p:nvSpPr>
+        <p:spPr>
+          <a:xfrm>
+            <a:off x="8771756" y="6206463"/>
+            <a:ext cx="1583832" cy="369332"/>
+          </a:xfrm>
+          <a:prstGeom prst="rect">
+            <a:avLst/>
+          </a:prstGeom>
+          <a:noFill/>
+        </p:spPr>
+        <p:txBody>
+          <a:bodyPr wrap="none" rtlCol="0">
+            <a:spAutoFit/>
+          </a:bodyPr>
+          <a:lstStyle/>
+          <a:p>
+            <a:r>
+              <a:rPr lang="en-US" dirty="0"/>
+              <a:t>Browser / User</a:t>
+            </a:r>
+          </a:p>
+        </p:txBody>
+      </p:sp>
+      <p:sp>
+        <p:nvSpPr>
+          <p:cNvPr id="38" name="TextBox 37">
+            <a:extLst>
+              <a:ext uri="{FF2B5EF4-FFF2-40B4-BE49-F238E27FC236}">
+                <a16:creationId xmlns:a16="http://schemas.microsoft.com/office/drawing/2014/main" id="{4D5624C0-D6EA-4BD2-9340-EAFB4CE43B13}"/>
+              </a:ext>
+            </a:extLst>
+          </p:cNvPr>
+          <p:cNvSpPr txBox="1"/>
+          <p:nvPr/>
+        </p:nvSpPr>
+        <p:spPr>
+          <a:xfrm>
+            <a:off x="6872139" y="3770698"/>
+            <a:ext cx="2997724" cy="400110"/>
+          </a:xfrm>
+          <a:prstGeom prst="rect">
+            <a:avLst/>
+          </a:prstGeom>
+          <a:solidFill>
+            <a:schemeClr val="accent4"/>
+          </a:solidFill>
+          <a:ln>
+            <a:solidFill>
+              <a:schemeClr val="tx1">
+                <a:lumMod val="50000"/>
+                <a:lumOff val="50000"/>
+              </a:schemeClr>
+            </a:solidFill>
+          </a:ln>
+        </p:spPr>
+        <p:txBody>
+          <a:bodyPr wrap="square" rtlCol="0">
+            <a:spAutoFit/>
+          </a:bodyPr>
+          <a:lstStyle/>
+          <a:p>
+            <a:pPr algn="ctr"/>
+            <a:r>
+              <a:rPr lang="en-US" sz="2000" dirty="0"/>
+              <a:t>API Gateway</a:t>
+            </a:r>
+          </a:p>
+        </p:txBody>
+      </p:sp>
+      <p:cxnSp>
+        <p:nvCxnSpPr>
+          <p:cNvPr id="40" name="Straight Arrow Connector 39">
+            <a:extLst>
+              <a:ext uri="{FF2B5EF4-FFF2-40B4-BE49-F238E27FC236}">
+                <a16:creationId xmlns:a16="http://schemas.microsoft.com/office/drawing/2014/main" id="{0C9F2676-35BB-4CE5-8E9B-8E5CF9B87209}"/>
+              </a:ext>
+            </a:extLst>
+          </p:cNvPr>
+          <p:cNvCxnSpPr>
+            <a:cxnSpLocks/>
+            <a:stCxn id="16" idx="0"/>
+            <a:endCxn id="38" idx="2"/>
+          </p:cNvCxnSpPr>
+          <p:nvPr/>
+        </p:nvCxnSpPr>
+        <p:spPr>
+          <a:xfrm flipV="1">
+            <a:off x="8370146" y="4170808"/>
+            <a:ext cx="855" cy="367986"/>
+          </a:xfrm>
+          <a:prstGeom prst="straightConnector1">
+            <a:avLst/>
+          </a:prstGeom>
+          <a:ln w="25400">
+            <a:solidFill>
+              <a:schemeClr val="tx1"/>
+            </a:solidFill>
+            <a:tailEnd type="triangle"/>
+          </a:ln>
+        </p:spPr>
+        <p:style>
+          <a:lnRef idx="1">
+            <a:schemeClr val="accent1"/>
+          </a:lnRef>
+          <a:fillRef idx="0">
+            <a:schemeClr val="accent1"/>
+          </a:fillRef>
+          <a:effectRef idx="0">
+            <a:schemeClr val="accent1"/>
+          </a:effectRef>
+          <a:fontRef idx="minor">
+            <a:schemeClr val="tx1"/>
+          </a:fontRef>
+        </p:style>
+      </p:cxnSp>
+      <p:sp>
+        <p:nvSpPr>
+          <p:cNvPr id="43" name="TextBox 42">
+            <a:extLst>
+              <a:ext uri="{FF2B5EF4-FFF2-40B4-BE49-F238E27FC236}">
+                <a16:creationId xmlns:a16="http://schemas.microsoft.com/office/drawing/2014/main" id="{E6954C62-9B97-4806-8CA0-415D194C78B9}"/>
+              </a:ext>
+            </a:extLst>
+          </p:cNvPr>
+          <p:cNvSpPr txBox="1"/>
+          <p:nvPr/>
+        </p:nvSpPr>
+        <p:spPr>
+          <a:xfrm>
+            <a:off x="9797636" y="1858012"/>
+            <a:ext cx="2087174" cy="369332"/>
+          </a:xfrm>
+          <a:prstGeom prst="rect">
+            <a:avLst/>
+          </a:prstGeom>
+          <a:noFill/>
+        </p:spPr>
+        <p:txBody>
+          <a:bodyPr wrap="none" rtlCol="0">
+            <a:spAutoFit/>
+          </a:bodyPr>
+          <a:lstStyle/>
+          <a:p>
+            <a:r>
+              <a:rPr lang="en-US" dirty="0"/>
+              <a:t>Backend Application</a:t>
+            </a:r>
+          </a:p>
+        </p:txBody>
+      </p:sp>
+      <p:sp>
+        <p:nvSpPr>
+          <p:cNvPr id="46" name="TextBox 45">
+            <a:extLst>
+              <a:ext uri="{FF2B5EF4-FFF2-40B4-BE49-F238E27FC236}">
+                <a16:creationId xmlns:a16="http://schemas.microsoft.com/office/drawing/2014/main" id="{246FE63B-89B8-4C08-8623-8E93D520408D}"/>
+              </a:ext>
+            </a:extLst>
+          </p:cNvPr>
+          <p:cNvSpPr txBox="1"/>
+          <p:nvPr/>
+        </p:nvSpPr>
+        <p:spPr>
+          <a:xfrm>
+            <a:off x="7219290" y="2866819"/>
+            <a:ext cx="2300926" cy="461665"/>
+          </a:xfrm>
+          <a:prstGeom prst="rect">
+            <a:avLst/>
+          </a:prstGeom>
+          <a:solidFill>
+            <a:srgbClr val="FFFF00"/>
+          </a:solidFill>
+          <a:ln>
+            <a:solidFill>
+              <a:schemeClr val="tx1">
+                <a:lumMod val="50000"/>
+                <a:lumOff val="50000"/>
+              </a:schemeClr>
+            </a:solidFill>
+          </a:ln>
+        </p:spPr>
+        <p:txBody>
+          <a:bodyPr wrap="square" rtlCol="0">
+            <a:spAutoFit/>
+          </a:bodyPr>
+          <a:lstStyle/>
+          <a:p>
+            <a:pPr algn="ctr"/>
+            <a:r>
+              <a:rPr lang="en-US" sz="2400" dirty="0"/>
+              <a:t>API Hosting logic</a:t>
+            </a:r>
+          </a:p>
+        </p:txBody>
+      </p:sp>
+      <p:sp>
+        <p:nvSpPr>
+          <p:cNvPr id="47" name="TextBox 46">
+            <a:extLst>
+              <a:ext uri="{FF2B5EF4-FFF2-40B4-BE49-F238E27FC236}">
+                <a16:creationId xmlns:a16="http://schemas.microsoft.com/office/drawing/2014/main" id="{E2D22D7B-69D7-4D5D-8042-FC1EF7300105}"/>
+              </a:ext>
+            </a:extLst>
+          </p:cNvPr>
+          <p:cNvSpPr txBox="1"/>
+          <p:nvPr/>
+        </p:nvSpPr>
+        <p:spPr>
+          <a:xfrm>
+            <a:off x="7219290" y="2320595"/>
+            <a:ext cx="2300926" cy="461665"/>
+          </a:xfrm>
+          <a:prstGeom prst="rect">
+            <a:avLst/>
+          </a:prstGeom>
+          <a:solidFill>
+            <a:srgbClr val="FFFF00"/>
+          </a:solidFill>
+          <a:ln>
+            <a:solidFill>
+              <a:schemeClr val="tx1">
+                <a:lumMod val="50000"/>
+                <a:lumOff val="50000"/>
+              </a:schemeClr>
+            </a:solidFill>
+          </a:ln>
+        </p:spPr>
+        <p:txBody>
+          <a:bodyPr wrap="square" rtlCol="0">
+            <a:spAutoFit/>
+          </a:bodyPr>
+          <a:lstStyle/>
+          <a:p>
+            <a:pPr algn="ctr"/>
+            <a:r>
+              <a:rPr lang="en-US" sz="2400" dirty="0"/>
+              <a:t>HTTP (REST) API</a:t>
+            </a:r>
+          </a:p>
+        </p:txBody>
+      </p:sp>
+      <p:cxnSp>
+        <p:nvCxnSpPr>
+          <p:cNvPr id="53" name="Straight Arrow Connector 52">
+            <a:extLst>
+              <a:ext uri="{FF2B5EF4-FFF2-40B4-BE49-F238E27FC236}">
+                <a16:creationId xmlns:a16="http://schemas.microsoft.com/office/drawing/2014/main" id="{D29F7275-3981-4E58-9B27-A609A9857F5E}"/>
+              </a:ext>
+            </a:extLst>
+          </p:cNvPr>
+          <p:cNvCxnSpPr>
+            <a:cxnSpLocks/>
+            <a:stCxn id="38" idx="0"/>
+            <a:endCxn id="11" idx="2"/>
+          </p:cNvCxnSpPr>
+          <p:nvPr/>
+        </p:nvCxnSpPr>
+        <p:spPr>
+          <a:xfrm flipH="1" flipV="1">
+            <a:off x="8370146" y="3429000"/>
+            <a:ext cx="855" cy="341698"/>
+          </a:xfrm>
+          <a:prstGeom prst="straightConnector1">
+            <a:avLst/>
+          </a:prstGeom>
+          <a:ln w="25400">
+            <a:solidFill>
+              <a:schemeClr val="tx1"/>
+            </a:solidFill>
+            <a:tailEnd type="triangle"/>
+          </a:ln>
+        </p:spPr>
+        <p:style>
+          <a:lnRef idx="1">
+            <a:schemeClr val="accent1"/>
+          </a:lnRef>
+          <a:fillRef idx="0">
+            <a:schemeClr val="accent1"/>
+          </a:fillRef>
+          <a:effectRef idx="0">
+            <a:schemeClr val="accent1"/>
+          </a:effectRef>
+          <a:fontRef idx="minor">
+            <a:schemeClr val="tx1"/>
+          </a:fontRef>
+        </p:style>
+      </p:cxnSp>
+      <p:sp>
+        <p:nvSpPr>
+          <p:cNvPr id="58" name="TextBox 57">
+            <a:extLst>
+              <a:ext uri="{FF2B5EF4-FFF2-40B4-BE49-F238E27FC236}">
+                <a16:creationId xmlns:a16="http://schemas.microsoft.com/office/drawing/2014/main" id="{475440BA-290F-4DE2-BBFF-619C7A5F5D82}"/>
+              </a:ext>
+            </a:extLst>
+          </p:cNvPr>
+          <p:cNvSpPr txBox="1"/>
+          <p:nvPr/>
+        </p:nvSpPr>
+        <p:spPr>
+          <a:xfrm>
+            <a:off x="9761103" y="4954243"/>
+            <a:ext cx="2155205" cy="369332"/>
+          </a:xfrm>
+          <a:prstGeom prst="rect">
+            <a:avLst/>
+          </a:prstGeom>
+          <a:noFill/>
+        </p:spPr>
+        <p:txBody>
+          <a:bodyPr wrap="none" rtlCol="0">
+            <a:spAutoFit/>
+          </a:bodyPr>
+          <a:lstStyle/>
+          <a:p>
+            <a:r>
+              <a:rPr lang="en-US" dirty="0"/>
+              <a:t>Frontend Application</a:t>
+            </a:r>
+          </a:p>
+        </p:txBody>
+      </p:sp>
+      <p:sp>
+        <p:nvSpPr>
+          <p:cNvPr id="56" name="Arrow: Right 55">
+            <a:extLst>
+              <a:ext uri="{FF2B5EF4-FFF2-40B4-BE49-F238E27FC236}">
+                <a16:creationId xmlns:a16="http://schemas.microsoft.com/office/drawing/2014/main" id="{D1E4BF2B-8A75-44E9-B50E-1A6765FB9B48}"/>
+              </a:ext>
+            </a:extLst>
+          </p:cNvPr>
+          <p:cNvSpPr/>
+          <p:nvPr/>
+        </p:nvSpPr>
+        <p:spPr>
+          <a:xfrm>
+            <a:off x="4358320" y="3647463"/>
+            <a:ext cx="2147805" cy="796555"/>
+          </a:xfrm>
+          <a:prstGeom prst="rightArrow">
+            <a:avLst/>
+          </a:prstGeom>
+          <a:solidFill>
+            <a:srgbClr val="FF0000"/>
+          </a:solidFill>
+        </p:spPr>
+        <p:style>
+          <a:lnRef idx="2">
+            <a:schemeClr val="accent1">
+              <a:shade val="50000"/>
+            </a:schemeClr>
+          </a:lnRef>
+          <a:fillRef idx="1">
+            <a:schemeClr val="accent1"/>
+          </a:fillRef>
+          <a:effectRef idx="0">
+            <a:schemeClr val="accent1"/>
+          </a:effectRef>
+          <a:fontRef idx="minor">
+            <a:schemeClr val="lt1"/>
+          </a:fontRef>
+        </p:style>
+        <p:txBody>
+          <a:bodyPr rtlCol="0" anchor="ctr"/>
+          <a:lstStyle/>
+          <a:p>
+            <a:pPr algn="ctr"/>
+            <a:endParaRPr lang="en-US"/>
           </a:p>
         </p:txBody>
       </p:sp>
     </p:spTree>
     <p:extLst>
       <p:ext uri="{BB962C8B-B14F-4D97-AF65-F5344CB8AC3E}">
-        <p14:creationId xmlns:p14="http://schemas.microsoft.com/office/powerpoint/2010/main" val="2873178930"/>
+        <p14:creationId xmlns:p14="http://schemas.microsoft.com/office/powerpoint/2010/main" val="989995036"/>
       </p:ext>
     </p:extLst>
   </p:cSld>
   <p:clrMapOvr>
     <a:masterClrMapping/>
   </p:clrMapOvr>
+  <p:timing>
+    <p:tnLst>
+      <p:par>
+        <p:cTn id="1" dur="indefinite" restart="never" nodeType="tmRoot">
+          <p:childTnLst>
+            <p:seq concurrent="1" nextAc="seek">
+              <p:cTn id="2" dur="indefinite" nodeType="mainSeq">
+                <p:childTnLst>
+                  <p:par>
+                    <p:cTn id="3" fill="hold">
+                      <p:stCondLst>
+                        <p:cond delay="indefinite"/>
+                      </p:stCondLst>
+                      <p:childTnLst>
+                        <p:par>
+                          <p:cTn id="4" fill="hold">
+                            <p:stCondLst>
+                              <p:cond delay="0"/>
+                            </p:stCondLst>
+                            <p:childTnLst>
+                              <p:par>
+                                <p:cTn id="5" presetID="10" presetClass="entr" presetSubtype="0" fill="hold" grpId="0" nodeType="clickEffect">
+                                  <p:stCondLst>
+                                    <p:cond delay="0"/>
+                                  </p:stCondLst>
+                                  <p:childTnLst>
+                                    <p:set>
+                                      <p:cBhvr>
+                                        <p:cTn id="6" dur="1" fill="hold">
+                                          <p:stCondLst>
+                                            <p:cond delay="0"/>
+                                          </p:stCondLst>
+                                        </p:cTn>
+                                        <p:tgtEl>
+                                          <p:spTgt spid="11"/>
+                                        </p:tgtEl>
+                                        <p:attrNameLst>
+                                          <p:attrName>style.visibility</p:attrName>
+                                        </p:attrNameLst>
+                                      </p:cBhvr>
+                                      <p:to>
+                                        <p:strVal val="visible"/>
+                                      </p:to>
+                                    </p:set>
+                                    <p:animEffect transition="in" filter="fade">
+                                      <p:cBhvr>
+                                        <p:cTn id="7" dur="500"/>
+                                        <p:tgtEl>
+                                          <p:spTgt spid="11"/>
+                                        </p:tgtEl>
+                                      </p:cBhvr>
+                                    </p:animEffect>
+                                  </p:childTnLst>
+                                </p:cTn>
+                              </p:par>
+                              <p:par>
+                                <p:cTn id="8" presetID="10" presetClass="entr" presetSubtype="0" fill="hold" grpId="0" nodeType="withEffect">
+                                  <p:stCondLst>
+                                    <p:cond delay="0"/>
+                                  </p:stCondLst>
+                                  <p:childTnLst>
+                                    <p:set>
+                                      <p:cBhvr>
+                                        <p:cTn id="9" dur="1" fill="hold">
+                                          <p:stCondLst>
+                                            <p:cond delay="0"/>
+                                          </p:stCondLst>
+                                        </p:cTn>
+                                        <p:tgtEl>
+                                          <p:spTgt spid="14"/>
+                                        </p:tgtEl>
+                                        <p:attrNameLst>
+                                          <p:attrName>style.visibility</p:attrName>
+                                        </p:attrNameLst>
+                                      </p:cBhvr>
+                                      <p:to>
+                                        <p:strVal val="visible"/>
+                                      </p:to>
+                                    </p:set>
+                                    <p:animEffect transition="in" filter="fade">
+                                      <p:cBhvr>
+                                        <p:cTn id="10" dur="500"/>
+                                        <p:tgtEl>
+                                          <p:spTgt spid="14"/>
+                                        </p:tgtEl>
+                                      </p:cBhvr>
+                                    </p:animEffect>
+                                  </p:childTnLst>
+                                </p:cTn>
+                              </p:par>
+                              <p:par>
+                                <p:cTn id="11" presetID="10" presetClass="entr" presetSubtype="0" fill="hold" grpId="0" nodeType="withEffect">
+                                  <p:stCondLst>
+                                    <p:cond delay="0"/>
+                                  </p:stCondLst>
+                                  <p:childTnLst>
+                                    <p:set>
+                                      <p:cBhvr>
+                                        <p:cTn id="12" dur="1" fill="hold">
+                                          <p:stCondLst>
+                                            <p:cond delay="0"/>
+                                          </p:stCondLst>
+                                        </p:cTn>
+                                        <p:tgtEl>
+                                          <p:spTgt spid="15"/>
+                                        </p:tgtEl>
+                                        <p:attrNameLst>
+                                          <p:attrName>style.visibility</p:attrName>
+                                        </p:attrNameLst>
+                                      </p:cBhvr>
+                                      <p:to>
+                                        <p:strVal val="visible"/>
+                                      </p:to>
+                                    </p:set>
+                                    <p:animEffect transition="in" filter="fade">
+                                      <p:cBhvr>
+                                        <p:cTn id="13" dur="500"/>
+                                        <p:tgtEl>
+                                          <p:spTgt spid="15"/>
+                                        </p:tgtEl>
+                                      </p:cBhvr>
+                                    </p:animEffect>
+                                  </p:childTnLst>
+                                </p:cTn>
+                              </p:par>
+                              <p:par>
+                                <p:cTn id="14" presetID="10" presetClass="entr" presetSubtype="0" fill="hold" grpId="0" nodeType="withEffect">
+                                  <p:stCondLst>
+                                    <p:cond delay="0"/>
+                                  </p:stCondLst>
+                                  <p:childTnLst>
+                                    <p:set>
+                                      <p:cBhvr>
+                                        <p:cTn id="15" dur="1" fill="hold">
+                                          <p:stCondLst>
+                                            <p:cond delay="0"/>
+                                          </p:stCondLst>
+                                        </p:cTn>
+                                        <p:tgtEl>
+                                          <p:spTgt spid="16"/>
+                                        </p:tgtEl>
+                                        <p:attrNameLst>
+                                          <p:attrName>style.visibility</p:attrName>
+                                        </p:attrNameLst>
+                                      </p:cBhvr>
+                                      <p:to>
+                                        <p:strVal val="visible"/>
+                                      </p:to>
+                                    </p:set>
+                                    <p:animEffect transition="in" filter="fade">
+                                      <p:cBhvr>
+                                        <p:cTn id="16" dur="500"/>
+                                        <p:tgtEl>
+                                          <p:spTgt spid="16"/>
+                                        </p:tgtEl>
+                                      </p:cBhvr>
+                                    </p:animEffect>
+                                  </p:childTnLst>
+                                </p:cTn>
+                              </p:par>
+                              <p:par>
+                                <p:cTn id="17" presetID="10" presetClass="entr" presetSubtype="0" fill="hold" grpId="0" nodeType="withEffect">
+                                  <p:stCondLst>
+                                    <p:cond delay="0"/>
+                                  </p:stCondLst>
+                                  <p:childTnLst>
+                                    <p:set>
+                                      <p:cBhvr>
+                                        <p:cTn id="18" dur="1" fill="hold">
+                                          <p:stCondLst>
+                                            <p:cond delay="0"/>
+                                          </p:stCondLst>
+                                        </p:cTn>
+                                        <p:tgtEl>
+                                          <p:spTgt spid="17"/>
+                                        </p:tgtEl>
+                                        <p:attrNameLst>
+                                          <p:attrName>style.visibility</p:attrName>
+                                        </p:attrNameLst>
+                                      </p:cBhvr>
+                                      <p:to>
+                                        <p:strVal val="visible"/>
+                                      </p:to>
+                                    </p:set>
+                                    <p:animEffect transition="in" filter="fade">
+                                      <p:cBhvr>
+                                        <p:cTn id="19" dur="500"/>
+                                        <p:tgtEl>
+                                          <p:spTgt spid="17"/>
+                                        </p:tgtEl>
+                                      </p:cBhvr>
+                                    </p:animEffect>
+                                  </p:childTnLst>
+                                </p:cTn>
+                              </p:par>
+                              <p:par>
+                                <p:cTn id="20" presetID="10" presetClass="entr" presetSubtype="0" fill="hold" grpId="0" nodeType="withEffect">
+                                  <p:stCondLst>
+                                    <p:cond delay="0"/>
+                                  </p:stCondLst>
+                                  <p:childTnLst>
+                                    <p:set>
+                                      <p:cBhvr>
+                                        <p:cTn id="21" dur="1" fill="hold">
+                                          <p:stCondLst>
+                                            <p:cond delay="0"/>
+                                          </p:stCondLst>
+                                        </p:cTn>
+                                        <p:tgtEl>
+                                          <p:spTgt spid="18"/>
+                                        </p:tgtEl>
+                                        <p:attrNameLst>
+                                          <p:attrName>style.visibility</p:attrName>
+                                        </p:attrNameLst>
+                                      </p:cBhvr>
+                                      <p:to>
+                                        <p:strVal val="visible"/>
+                                      </p:to>
+                                    </p:set>
+                                    <p:animEffect transition="in" filter="fade">
+                                      <p:cBhvr>
+                                        <p:cTn id="22" dur="500"/>
+                                        <p:tgtEl>
+                                          <p:spTgt spid="18"/>
+                                        </p:tgtEl>
+                                      </p:cBhvr>
+                                    </p:animEffect>
+                                  </p:childTnLst>
+                                </p:cTn>
+                              </p:par>
+                              <p:par>
+                                <p:cTn id="23" presetID="10" presetClass="entr" presetSubtype="0" fill="hold" nodeType="withEffect">
+                                  <p:stCondLst>
+                                    <p:cond delay="0"/>
+                                  </p:stCondLst>
+                                  <p:childTnLst>
+                                    <p:set>
+                                      <p:cBhvr>
+                                        <p:cTn id="24" dur="1" fill="hold">
+                                          <p:stCondLst>
+                                            <p:cond delay="0"/>
+                                          </p:stCondLst>
+                                        </p:cTn>
+                                        <p:tgtEl>
+                                          <p:spTgt spid="31"/>
+                                        </p:tgtEl>
+                                        <p:attrNameLst>
+                                          <p:attrName>style.visibility</p:attrName>
+                                        </p:attrNameLst>
+                                      </p:cBhvr>
+                                      <p:to>
+                                        <p:strVal val="visible"/>
+                                      </p:to>
+                                    </p:set>
+                                    <p:animEffect transition="in" filter="fade">
+                                      <p:cBhvr>
+                                        <p:cTn id="25" dur="500"/>
+                                        <p:tgtEl>
+                                          <p:spTgt spid="31"/>
+                                        </p:tgtEl>
+                                      </p:cBhvr>
+                                    </p:animEffect>
+                                  </p:childTnLst>
+                                </p:cTn>
+                              </p:par>
+                              <p:par>
+                                <p:cTn id="26" presetID="10" presetClass="entr" presetSubtype="0" fill="hold" grpId="0" nodeType="withEffect">
+                                  <p:stCondLst>
+                                    <p:cond delay="0"/>
+                                  </p:stCondLst>
+                                  <p:childTnLst>
+                                    <p:set>
+                                      <p:cBhvr>
+                                        <p:cTn id="27" dur="1" fill="hold">
+                                          <p:stCondLst>
+                                            <p:cond delay="0"/>
+                                          </p:stCondLst>
+                                        </p:cTn>
+                                        <p:tgtEl>
+                                          <p:spTgt spid="32"/>
+                                        </p:tgtEl>
+                                        <p:attrNameLst>
+                                          <p:attrName>style.visibility</p:attrName>
+                                        </p:attrNameLst>
+                                      </p:cBhvr>
+                                      <p:to>
+                                        <p:strVal val="visible"/>
+                                      </p:to>
+                                    </p:set>
+                                    <p:animEffect transition="in" filter="fade">
+                                      <p:cBhvr>
+                                        <p:cTn id="28" dur="500"/>
+                                        <p:tgtEl>
+                                          <p:spTgt spid="32"/>
+                                        </p:tgtEl>
+                                      </p:cBhvr>
+                                    </p:animEffect>
+                                  </p:childTnLst>
+                                </p:cTn>
+                              </p:par>
+                              <p:par>
+                                <p:cTn id="29" presetID="10" presetClass="entr" presetSubtype="0" fill="hold" nodeType="withEffect">
+                                  <p:stCondLst>
+                                    <p:cond delay="0"/>
+                                  </p:stCondLst>
+                                  <p:childTnLst>
+                                    <p:set>
+                                      <p:cBhvr>
+                                        <p:cTn id="30" dur="1" fill="hold">
+                                          <p:stCondLst>
+                                            <p:cond delay="0"/>
+                                          </p:stCondLst>
+                                        </p:cTn>
+                                        <p:tgtEl>
+                                          <p:spTgt spid="29"/>
+                                        </p:tgtEl>
+                                        <p:attrNameLst>
+                                          <p:attrName>style.visibility</p:attrName>
+                                        </p:attrNameLst>
+                                      </p:cBhvr>
+                                      <p:to>
+                                        <p:strVal val="visible"/>
+                                      </p:to>
+                                    </p:set>
+                                    <p:animEffect transition="in" filter="fade">
+                                      <p:cBhvr>
+                                        <p:cTn id="31" dur="500"/>
+                                        <p:tgtEl>
+                                          <p:spTgt spid="29"/>
+                                        </p:tgtEl>
+                                      </p:cBhvr>
+                                    </p:animEffect>
+                                  </p:childTnLst>
+                                </p:cTn>
+                              </p:par>
+                              <p:par>
+                                <p:cTn id="32" presetID="10" presetClass="entr" presetSubtype="0" fill="hold" nodeType="withEffect">
+                                  <p:stCondLst>
+                                    <p:cond delay="0"/>
+                                  </p:stCondLst>
+                                  <p:childTnLst>
+                                    <p:set>
+                                      <p:cBhvr>
+                                        <p:cTn id="33" dur="1" fill="hold">
+                                          <p:stCondLst>
+                                            <p:cond delay="0"/>
+                                          </p:stCondLst>
+                                        </p:cTn>
+                                        <p:tgtEl>
+                                          <p:spTgt spid="35"/>
+                                        </p:tgtEl>
+                                        <p:attrNameLst>
+                                          <p:attrName>style.visibility</p:attrName>
+                                        </p:attrNameLst>
+                                      </p:cBhvr>
+                                      <p:to>
+                                        <p:strVal val="visible"/>
+                                      </p:to>
+                                    </p:set>
+                                    <p:animEffect transition="in" filter="fade">
+                                      <p:cBhvr>
+                                        <p:cTn id="34" dur="500"/>
+                                        <p:tgtEl>
+                                          <p:spTgt spid="35"/>
+                                        </p:tgtEl>
+                                      </p:cBhvr>
+                                    </p:animEffect>
+                                  </p:childTnLst>
+                                </p:cTn>
+                              </p:par>
+                              <p:par>
+                                <p:cTn id="35" presetID="10" presetClass="entr" presetSubtype="0" fill="hold" nodeType="withEffect">
+                                  <p:stCondLst>
+                                    <p:cond delay="0"/>
+                                  </p:stCondLst>
+                                  <p:childTnLst>
+                                    <p:set>
+                                      <p:cBhvr>
+                                        <p:cTn id="36" dur="1" fill="hold">
+                                          <p:stCondLst>
+                                            <p:cond delay="0"/>
+                                          </p:stCondLst>
+                                        </p:cTn>
+                                        <p:tgtEl>
+                                          <p:spTgt spid="36"/>
+                                        </p:tgtEl>
+                                        <p:attrNameLst>
+                                          <p:attrName>style.visibility</p:attrName>
+                                        </p:attrNameLst>
+                                      </p:cBhvr>
+                                      <p:to>
+                                        <p:strVal val="visible"/>
+                                      </p:to>
+                                    </p:set>
+                                    <p:animEffect transition="in" filter="fade">
+                                      <p:cBhvr>
+                                        <p:cTn id="37" dur="500"/>
+                                        <p:tgtEl>
+                                          <p:spTgt spid="36"/>
+                                        </p:tgtEl>
+                                      </p:cBhvr>
+                                    </p:animEffect>
+                                  </p:childTnLst>
+                                </p:cTn>
+                              </p:par>
+                              <p:par>
+                                <p:cTn id="38" presetID="10" presetClass="entr" presetSubtype="0" fill="hold" grpId="0" nodeType="withEffect">
+                                  <p:stCondLst>
+                                    <p:cond delay="0"/>
+                                  </p:stCondLst>
+                                  <p:childTnLst>
+                                    <p:set>
+                                      <p:cBhvr>
+                                        <p:cTn id="39" dur="1" fill="hold">
+                                          <p:stCondLst>
+                                            <p:cond delay="0"/>
+                                          </p:stCondLst>
+                                        </p:cTn>
+                                        <p:tgtEl>
+                                          <p:spTgt spid="37"/>
+                                        </p:tgtEl>
+                                        <p:attrNameLst>
+                                          <p:attrName>style.visibility</p:attrName>
+                                        </p:attrNameLst>
+                                      </p:cBhvr>
+                                      <p:to>
+                                        <p:strVal val="visible"/>
+                                      </p:to>
+                                    </p:set>
+                                    <p:animEffect transition="in" filter="fade">
+                                      <p:cBhvr>
+                                        <p:cTn id="40" dur="500"/>
+                                        <p:tgtEl>
+                                          <p:spTgt spid="37"/>
+                                        </p:tgtEl>
+                                      </p:cBhvr>
+                                    </p:animEffect>
+                                  </p:childTnLst>
+                                </p:cTn>
+                              </p:par>
+                              <p:par>
+                                <p:cTn id="41" presetID="10" presetClass="entr" presetSubtype="0" fill="hold" grpId="0" nodeType="withEffect">
+                                  <p:stCondLst>
+                                    <p:cond delay="0"/>
+                                  </p:stCondLst>
+                                  <p:childTnLst>
+                                    <p:set>
+                                      <p:cBhvr>
+                                        <p:cTn id="42" dur="1" fill="hold">
+                                          <p:stCondLst>
+                                            <p:cond delay="0"/>
+                                          </p:stCondLst>
+                                        </p:cTn>
+                                        <p:tgtEl>
+                                          <p:spTgt spid="38"/>
+                                        </p:tgtEl>
+                                        <p:attrNameLst>
+                                          <p:attrName>style.visibility</p:attrName>
+                                        </p:attrNameLst>
+                                      </p:cBhvr>
+                                      <p:to>
+                                        <p:strVal val="visible"/>
+                                      </p:to>
+                                    </p:set>
+                                    <p:animEffect transition="in" filter="fade">
+                                      <p:cBhvr>
+                                        <p:cTn id="43" dur="500"/>
+                                        <p:tgtEl>
+                                          <p:spTgt spid="38"/>
+                                        </p:tgtEl>
+                                      </p:cBhvr>
+                                    </p:animEffect>
+                                  </p:childTnLst>
+                                </p:cTn>
+                              </p:par>
+                              <p:par>
+                                <p:cTn id="44" presetID="10" presetClass="entr" presetSubtype="0" fill="hold" nodeType="withEffect">
+                                  <p:stCondLst>
+                                    <p:cond delay="0"/>
+                                  </p:stCondLst>
+                                  <p:childTnLst>
+                                    <p:set>
+                                      <p:cBhvr>
+                                        <p:cTn id="45" dur="1" fill="hold">
+                                          <p:stCondLst>
+                                            <p:cond delay="0"/>
+                                          </p:stCondLst>
+                                        </p:cTn>
+                                        <p:tgtEl>
+                                          <p:spTgt spid="40"/>
+                                        </p:tgtEl>
+                                        <p:attrNameLst>
+                                          <p:attrName>style.visibility</p:attrName>
+                                        </p:attrNameLst>
+                                      </p:cBhvr>
+                                      <p:to>
+                                        <p:strVal val="visible"/>
+                                      </p:to>
+                                    </p:set>
+                                    <p:animEffect transition="in" filter="fade">
+                                      <p:cBhvr>
+                                        <p:cTn id="46" dur="500"/>
+                                        <p:tgtEl>
+                                          <p:spTgt spid="40"/>
+                                        </p:tgtEl>
+                                      </p:cBhvr>
+                                    </p:animEffect>
+                                  </p:childTnLst>
+                                </p:cTn>
+                              </p:par>
+                              <p:par>
+                                <p:cTn id="47" presetID="10" presetClass="entr" presetSubtype="0" fill="hold" grpId="0" nodeType="withEffect">
+                                  <p:stCondLst>
+                                    <p:cond delay="0"/>
+                                  </p:stCondLst>
+                                  <p:childTnLst>
+                                    <p:set>
+                                      <p:cBhvr>
+                                        <p:cTn id="48" dur="1" fill="hold">
+                                          <p:stCondLst>
+                                            <p:cond delay="0"/>
+                                          </p:stCondLst>
+                                        </p:cTn>
+                                        <p:tgtEl>
+                                          <p:spTgt spid="43"/>
+                                        </p:tgtEl>
+                                        <p:attrNameLst>
+                                          <p:attrName>style.visibility</p:attrName>
+                                        </p:attrNameLst>
+                                      </p:cBhvr>
+                                      <p:to>
+                                        <p:strVal val="visible"/>
+                                      </p:to>
+                                    </p:set>
+                                    <p:animEffect transition="in" filter="fade">
+                                      <p:cBhvr>
+                                        <p:cTn id="49" dur="500"/>
+                                        <p:tgtEl>
+                                          <p:spTgt spid="43"/>
+                                        </p:tgtEl>
+                                      </p:cBhvr>
+                                    </p:animEffect>
+                                  </p:childTnLst>
+                                </p:cTn>
+                              </p:par>
+                              <p:par>
+                                <p:cTn id="50" presetID="10" presetClass="entr" presetSubtype="0" fill="hold" grpId="0" nodeType="withEffect">
+                                  <p:stCondLst>
+                                    <p:cond delay="0"/>
+                                  </p:stCondLst>
+                                  <p:childTnLst>
+                                    <p:set>
+                                      <p:cBhvr>
+                                        <p:cTn id="51" dur="1" fill="hold">
+                                          <p:stCondLst>
+                                            <p:cond delay="0"/>
+                                          </p:stCondLst>
+                                        </p:cTn>
+                                        <p:tgtEl>
+                                          <p:spTgt spid="46"/>
+                                        </p:tgtEl>
+                                        <p:attrNameLst>
+                                          <p:attrName>style.visibility</p:attrName>
+                                        </p:attrNameLst>
+                                      </p:cBhvr>
+                                      <p:to>
+                                        <p:strVal val="visible"/>
+                                      </p:to>
+                                    </p:set>
+                                    <p:animEffect transition="in" filter="fade">
+                                      <p:cBhvr>
+                                        <p:cTn id="52" dur="500"/>
+                                        <p:tgtEl>
+                                          <p:spTgt spid="46"/>
+                                        </p:tgtEl>
+                                      </p:cBhvr>
+                                    </p:animEffect>
+                                  </p:childTnLst>
+                                </p:cTn>
+                              </p:par>
+                              <p:par>
+                                <p:cTn id="53" presetID="10" presetClass="entr" presetSubtype="0" fill="hold" grpId="0" nodeType="withEffect">
+                                  <p:stCondLst>
+                                    <p:cond delay="0"/>
+                                  </p:stCondLst>
+                                  <p:childTnLst>
+                                    <p:set>
+                                      <p:cBhvr>
+                                        <p:cTn id="54" dur="1" fill="hold">
+                                          <p:stCondLst>
+                                            <p:cond delay="0"/>
+                                          </p:stCondLst>
+                                        </p:cTn>
+                                        <p:tgtEl>
+                                          <p:spTgt spid="47"/>
+                                        </p:tgtEl>
+                                        <p:attrNameLst>
+                                          <p:attrName>style.visibility</p:attrName>
+                                        </p:attrNameLst>
+                                      </p:cBhvr>
+                                      <p:to>
+                                        <p:strVal val="visible"/>
+                                      </p:to>
+                                    </p:set>
+                                    <p:animEffect transition="in" filter="fade">
+                                      <p:cBhvr>
+                                        <p:cTn id="55" dur="500"/>
+                                        <p:tgtEl>
+                                          <p:spTgt spid="47"/>
+                                        </p:tgtEl>
+                                      </p:cBhvr>
+                                    </p:animEffect>
+                                  </p:childTnLst>
+                                </p:cTn>
+                              </p:par>
+                              <p:par>
+                                <p:cTn id="56" presetID="10" presetClass="entr" presetSubtype="0" fill="hold" nodeType="withEffect">
+                                  <p:stCondLst>
+                                    <p:cond delay="0"/>
+                                  </p:stCondLst>
+                                  <p:childTnLst>
+                                    <p:set>
+                                      <p:cBhvr>
+                                        <p:cTn id="57" dur="1" fill="hold">
+                                          <p:stCondLst>
+                                            <p:cond delay="0"/>
+                                          </p:stCondLst>
+                                        </p:cTn>
+                                        <p:tgtEl>
+                                          <p:spTgt spid="53"/>
+                                        </p:tgtEl>
+                                        <p:attrNameLst>
+                                          <p:attrName>style.visibility</p:attrName>
+                                        </p:attrNameLst>
+                                      </p:cBhvr>
+                                      <p:to>
+                                        <p:strVal val="visible"/>
+                                      </p:to>
+                                    </p:set>
+                                    <p:animEffect transition="in" filter="fade">
+                                      <p:cBhvr>
+                                        <p:cTn id="58" dur="500"/>
+                                        <p:tgtEl>
+                                          <p:spTgt spid="53"/>
+                                        </p:tgtEl>
+                                      </p:cBhvr>
+                                    </p:animEffect>
+                                  </p:childTnLst>
+                                </p:cTn>
+                              </p:par>
+                              <p:par>
+                                <p:cTn id="59" presetID="10" presetClass="entr" presetSubtype="0" fill="hold" grpId="0" nodeType="withEffect">
+                                  <p:stCondLst>
+                                    <p:cond delay="0"/>
+                                  </p:stCondLst>
+                                  <p:childTnLst>
+                                    <p:set>
+                                      <p:cBhvr>
+                                        <p:cTn id="60" dur="1" fill="hold">
+                                          <p:stCondLst>
+                                            <p:cond delay="0"/>
+                                          </p:stCondLst>
+                                        </p:cTn>
+                                        <p:tgtEl>
+                                          <p:spTgt spid="58"/>
+                                        </p:tgtEl>
+                                        <p:attrNameLst>
+                                          <p:attrName>style.visibility</p:attrName>
+                                        </p:attrNameLst>
+                                      </p:cBhvr>
+                                      <p:to>
+                                        <p:strVal val="visible"/>
+                                      </p:to>
+                                    </p:set>
+                                    <p:animEffect transition="in" filter="fade">
+                                      <p:cBhvr>
+                                        <p:cTn id="61" dur="500"/>
+                                        <p:tgtEl>
+                                          <p:spTgt spid="58"/>
+                                        </p:tgtEl>
+                                      </p:cBhvr>
+                                    </p:animEffect>
+                                  </p:childTnLst>
+                                </p:cTn>
+                              </p:par>
+                              <p:par>
+                                <p:cTn id="62" presetID="10" presetClass="entr" presetSubtype="0" fill="hold" grpId="0" nodeType="withEffect">
+                                  <p:stCondLst>
+                                    <p:cond delay="0"/>
+                                  </p:stCondLst>
+                                  <p:childTnLst>
+                                    <p:set>
+                                      <p:cBhvr>
+                                        <p:cTn id="63" dur="1" fill="hold">
+                                          <p:stCondLst>
+                                            <p:cond delay="0"/>
+                                          </p:stCondLst>
+                                        </p:cTn>
+                                        <p:tgtEl>
+                                          <p:spTgt spid="56"/>
+                                        </p:tgtEl>
+                                        <p:attrNameLst>
+                                          <p:attrName>style.visibility</p:attrName>
+                                        </p:attrNameLst>
+                                      </p:cBhvr>
+                                      <p:to>
+                                        <p:strVal val="visible"/>
+                                      </p:to>
+                                    </p:set>
+                                    <p:animEffect transition="in" filter="fade">
+                                      <p:cBhvr>
+                                        <p:cTn id="64" dur="500"/>
+                                        <p:tgtEl>
+                                          <p:spTgt spid="56"/>
+                                        </p:tgtEl>
+                                      </p:cBhvr>
+                                    </p:animEffect>
+                                  </p:childTnLst>
+                                </p:cTn>
+                              </p:par>
+                            </p:childTnLst>
+                          </p:cTn>
+                        </p:par>
+                      </p:childTnLst>
+                    </p:cTn>
+                  </p:par>
+                </p:childTnLst>
+              </p:cTn>
+              <p:prevCondLst>
+                <p:cond evt="onPrev" delay="0">
+                  <p:tgtEl>
+                    <p:sldTgt/>
+                  </p:tgtEl>
+                </p:cond>
+              </p:prevCondLst>
+              <p:nextCondLst>
+                <p:cond evt="onNext" delay="0">
+                  <p:tgtEl>
+                    <p:sldTgt/>
+                  </p:tgtEl>
+                </p:cond>
+              </p:nextCondLst>
+            </p:seq>
+          </p:childTnLst>
+        </p:cTn>
+      </p:par>
+    </p:tnLst>
+    <p:bldLst>
+      <p:bldP spid="11" grpId="0" animBg="1"/>
+      <p:bldP spid="14" grpId="0" animBg="1"/>
+      <p:bldP spid="15" grpId="0" animBg="1"/>
+      <p:bldP spid="16" grpId="0" animBg="1"/>
+      <p:bldP spid="17" grpId="0" animBg="1"/>
+      <p:bldP spid="18" grpId="0" animBg="1"/>
+      <p:bldP spid="32" grpId="0"/>
+      <p:bldP spid="37" grpId="0"/>
+      <p:bldP spid="38" grpId="0" animBg="1"/>
+      <p:bldP spid="43" grpId="0"/>
+      <p:bldP spid="46" grpId="0" animBg="1"/>
+      <p:bldP spid="47" grpId="0" animBg="1"/>
+      <p:bldP spid="58" grpId="0"/>
+      <p:bldP spid="56" grpId="0" animBg="1"/>
+    </p:bldLst>
+  </p:timing>
 </p:sld>
 </file>
 
@@ -10382,7 +13577,7 @@
     </p:spTree>
     <p:extLst>
       <p:ext uri="{BB962C8B-B14F-4D97-AF65-F5344CB8AC3E}">
-        <p14:creationId xmlns:p14="http://schemas.microsoft.com/office/powerpoint/2010/main" val="884752629"/>
+        <p14:creationId xmlns:p14="http://schemas.microsoft.com/office/powerpoint/2010/main" val="2873178930"/>
       </p:ext>
     </p:extLst>
   </p:cSld>
@@ -10502,7 +13697,7 @@
     </p:spTree>
     <p:extLst>
       <p:ext uri="{BB962C8B-B14F-4D97-AF65-F5344CB8AC3E}">
-        <p14:creationId xmlns:p14="http://schemas.microsoft.com/office/powerpoint/2010/main" val="3017959482"/>
+        <p14:creationId xmlns:p14="http://schemas.microsoft.com/office/powerpoint/2010/main" val="884752629"/>
       </p:ext>
     </p:extLst>
   </p:cSld>
@@ -10622,7 +13817,7 @@
     </p:spTree>
     <p:extLst>
       <p:ext uri="{BB962C8B-B14F-4D97-AF65-F5344CB8AC3E}">
-        <p14:creationId xmlns:p14="http://schemas.microsoft.com/office/powerpoint/2010/main" val="4005011830"/>
+        <p14:creationId xmlns:p14="http://schemas.microsoft.com/office/powerpoint/2010/main" val="3017959482"/>
       </p:ext>
     </p:extLst>
   </p:cSld>
@@ -10742,7 +13937,7 @@
     </p:spTree>
     <p:extLst>
       <p:ext uri="{BB962C8B-B14F-4D97-AF65-F5344CB8AC3E}">
-        <p14:creationId xmlns:p14="http://schemas.microsoft.com/office/powerpoint/2010/main" val="356166219"/>
+        <p14:creationId xmlns:p14="http://schemas.microsoft.com/office/powerpoint/2010/main" val="4005011830"/>
       </p:ext>
     </p:extLst>
   </p:cSld>
@@ -10982,7 +14177,7 @@
     </p:spTree>
     <p:extLst>
       <p:ext uri="{BB962C8B-B14F-4D97-AF65-F5344CB8AC3E}">
-        <p14:creationId xmlns:p14="http://schemas.microsoft.com/office/powerpoint/2010/main" val="2371312058"/>
+        <p14:creationId xmlns:p14="http://schemas.microsoft.com/office/powerpoint/2010/main" val="356166219"/>
       </p:ext>
     </p:extLst>
   </p:cSld>
@@ -11102,7 +14297,7 @@
     </p:spTree>
     <p:extLst>
       <p:ext uri="{BB962C8B-B14F-4D97-AF65-F5344CB8AC3E}">
-        <p14:creationId xmlns:p14="http://schemas.microsoft.com/office/powerpoint/2010/main" val="3174985021"/>
+        <p14:creationId xmlns:p14="http://schemas.microsoft.com/office/powerpoint/2010/main" val="2371312058"/>
       </p:ext>
     </p:extLst>
   </p:cSld>
@@ -11222,7 +14417,7 @@
     </p:spTree>
     <p:extLst>
       <p:ext uri="{BB962C8B-B14F-4D97-AF65-F5344CB8AC3E}">
-        <p14:creationId xmlns:p14="http://schemas.microsoft.com/office/powerpoint/2010/main" val="1837533805"/>
+        <p14:creationId xmlns:p14="http://schemas.microsoft.com/office/powerpoint/2010/main" val="3174985021"/>
       </p:ext>
     </p:extLst>
   </p:cSld>
@@ -11268,7 +14463,7 @@
           <p:cNvPr id="2" name="Title 1">
             <a:extLst>
               <a:ext uri="{FF2B5EF4-FFF2-40B4-BE49-F238E27FC236}">
-                <a16:creationId xmlns:a16="http://schemas.microsoft.com/office/drawing/2014/main" id="{9255DFBE-19DA-408D-84E6-F4043FC30BD3}"/>
+                <a16:creationId xmlns:a16="http://schemas.microsoft.com/office/drawing/2014/main" id="{55E11F08-6CA0-48F1-AD67-97430DDA07F0}"/>
               </a:ext>
             </a:extLst>
           </p:cNvPr>
@@ -11276,35 +14471,33 @@
             <a:spLocks noGrp="1"/>
           </p:cNvSpPr>
           <p:nvPr>
-            <p:ph type="ctrTitle"/>
+            <p:ph type="title"/>
           </p:nvPr>
         </p:nvSpPr>
         <p:spPr/>
         <p:txBody>
-          <a:bodyPr>
-            <a:normAutofit/>
-          </a:bodyPr>
+          <a:bodyPr/>
           <a:lstStyle/>
           <a:p>
             <a:r>
-              <a:rPr lang="en-US" sz="4800" b="1" dirty="0">
+              <a:rPr lang="en-US" b="1" dirty="0">
                 <a:solidFill>
                   <a:srgbClr val="292D33"/>
                 </a:solidFill>
                 <a:latin typeface="Euclid Circular B" panose="020B0504000000000000" pitchFamily="34" charset="0"/>
                 <a:ea typeface="Euclid Circular B" panose="020B0504000000000000" pitchFamily="34" charset="0"/>
               </a:rPr>
-              <a:t>MIGRATING TO MICROSERVICES</a:t>
+              <a:t>Title</a:t>
             </a:r>
           </a:p>
         </p:txBody>
       </p:sp>
       <p:sp>
         <p:nvSpPr>
-          <p:cNvPr id="3" name="Subtitle 2">
-            <a:extLst>
-              <a:ext uri="{FF2B5EF4-FFF2-40B4-BE49-F238E27FC236}">
-                <a16:creationId xmlns:a16="http://schemas.microsoft.com/office/drawing/2014/main" id="{265612B9-B745-46CB-8A20-997CA82E05E7}"/>
+          <p:cNvPr id="3" name="Content Placeholder 2">
+            <a:extLst>
+              <a:ext uri="{FF2B5EF4-FFF2-40B4-BE49-F238E27FC236}">
+                <a16:creationId xmlns:a16="http://schemas.microsoft.com/office/drawing/2014/main" id="{891C7693-D3DF-4635-96F4-97F3B4136FDF}"/>
               </a:ext>
             </a:extLst>
           </p:cNvPr>
@@ -11312,27 +14505,29 @@
             <a:spLocks noGrp="1"/>
           </p:cNvSpPr>
           <p:nvPr>
-            <p:ph type="subTitle" idx="1"/>
+            <p:ph idx="1"/>
           </p:nvPr>
         </p:nvSpPr>
         <p:spPr/>
         <p:txBody>
-          <a:bodyPr>
-            <a:normAutofit/>
-          </a:bodyPr>
+          <a:bodyPr/>
           <a:lstStyle/>
           <a:p>
             <a:r>
-              <a:rPr lang="en-US" sz="2000" b="1" dirty="0">
-                <a:solidFill>
-                  <a:srgbClr val="292D33"/>
-                </a:solidFill>
-                <a:latin typeface="Euclid Circular B" panose="020B0504000000000000" pitchFamily="34" charset="0"/>
-                <a:ea typeface="Euclid Circular B" panose="020B0504000000000000" pitchFamily="34" charset="0"/>
-              </a:rPr>
-              <a:t>DESIGNING MONOLITH FIRST FOR MICROSERVICE ARCHITECTURE</a:t>
-            </a:r>
-            <a:endParaRPr lang="en-US" sz="2000" dirty="0">
+              <a:rPr lang="en-US" dirty="0">
+                <a:latin typeface="Euclid Circular B" panose="020B0504000000000000" pitchFamily="34" charset="0"/>
+                <a:ea typeface="Euclid Circular B" panose="020B0504000000000000" pitchFamily="34" charset="0"/>
+              </a:rPr>
+              <a:t>TODO</a:t>
+            </a:r>
+            <a:r>
+              <a:rPr lang="en-US">
+                <a:latin typeface="Euclid Circular B" panose="020B0504000000000000" pitchFamily="34" charset="0"/>
+                <a:ea typeface="Euclid Circular B" panose="020B0504000000000000" pitchFamily="34" charset="0"/>
+              </a:rPr>
+              <a:t>: ...</a:t>
+            </a:r>
+            <a:endParaRPr lang="en-US" dirty="0">
               <a:latin typeface="Euclid Circular B" panose="020B0504000000000000" pitchFamily="34" charset="0"/>
               <a:ea typeface="Euclid Circular B" panose="020B0504000000000000" pitchFamily="34" charset="0"/>
             </a:endParaRPr>
@@ -11342,7 +14537,7 @@
     </p:spTree>
     <p:extLst>
       <p:ext uri="{BB962C8B-B14F-4D97-AF65-F5344CB8AC3E}">
-        <p14:creationId xmlns:p14="http://schemas.microsoft.com/office/powerpoint/2010/main" val="3507474482"/>
+        <p14:creationId xmlns:p14="http://schemas.microsoft.com/office/powerpoint/2010/main" val="1837533805"/>
       </p:ext>
     </p:extLst>
   </p:cSld>
@@ -11388,7 +14583,7 @@
           <p:cNvPr id="2" name="Title 1">
             <a:extLst>
               <a:ext uri="{FF2B5EF4-FFF2-40B4-BE49-F238E27FC236}">
-                <a16:creationId xmlns:a16="http://schemas.microsoft.com/office/drawing/2014/main" id="{55E11F08-6CA0-48F1-AD67-97430DDA07F0}"/>
+                <a16:creationId xmlns:a16="http://schemas.microsoft.com/office/drawing/2014/main" id="{9255DFBE-19DA-408D-84E6-F4043FC30BD3}"/>
               </a:ext>
             </a:extLst>
           </p:cNvPr>
@@ -11396,33 +14591,35 @@
             <a:spLocks noGrp="1"/>
           </p:cNvSpPr>
           <p:nvPr>
-            <p:ph type="title"/>
+            <p:ph type="ctrTitle"/>
           </p:nvPr>
         </p:nvSpPr>
         <p:spPr/>
         <p:txBody>
-          <a:bodyPr/>
+          <a:bodyPr>
+            <a:normAutofit/>
+          </a:bodyPr>
           <a:lstStyle/>
           <a:p>
             <a:r>
-              <a:rPr lang="en-US" b="1" dirty="0">
+              <a:rPr lang="en-US" sz="4800" b="1" dirty="0">
                 <a:solidFill>
                   <a:srgbClr val="292D33"/>
                 </a:solidFill>
                 <a:latin typeface="Euclid Circular B" panose="020B0504000000000000" pitchFamily="34" charset="0"/>
                 <a:ea typeface="Euclid Circular B" panose="020B0504000000000000" pitchFamily="34" charset="0"/>
               </a:rPr>
-              <a:t>Title</a:t>
+              <a:t>MIGRATING TO MICROSERVICES</a:t>
             </a:r>
           </a:p>
         </p:txBody>
       </p:sp>
       <p:sp>
         <p:nvSpPr>
-          <p:cNvPr id="3" name="Content Placeholder 2">
-            <a:extLst>
-              <a:ext uri="{FF2B5EF4-FFF2-40B4-BE49-F238E27FC236}">
-                <a16:creationId xmlns:a16="http://schemas.microsoft.com/office/drawing/2014/main" id="{891C7693-D3DF-4635-96F4-97F3B4136FDF}"/>
+          <p:cNvPr id="3" name="Subtitle 2">
+            <a:extLst>
+              <a:ext uri="{FF2B5EF4-FFF2-40B4-BE49-F238E27FC236}">
+                <a16:creationId xmlns:a16="http://schemas.microsoft.com/office/drawing/2014/main" id="{265612B9-B745-46CB-8A20-997CA82E05E7}"/>
               </a:ext>
             </a:extLst>
           </p:cNvPr>
@@ -11430,29 +14627,27 @@
             <a:spLocks noGrp="1"/>
           </p:cNvSpPr>
           <p:nvPr>
-            <p:ph idx="1"/>
+            <p:ph type="subTitle" idx="1"/>
           </p:nvPr>
         </p:nvSpPr>
         <p:spPr/>
         <p:txBody>
-          <a:bodyPr/>
+          <a:bodyPr>
+            <a:normAutofit/>
+          </a:bodyPr>
           <a:lstStyle/>
           <a:p>
             <a:r>
-              <a:rPr lang="en-US" dirty="0">
-                <a:latin typeface="Euclid Circular B" panose="020B0504000000000000" pitchFamily="34" charset="0"/>
-                <a:ea typeface="Euclid Circular B" panose="020B0504000000000000" pitchFamily="34" charset="0"/>
-              </a:rPr>
-              <a:t>TODO</a:t>
-            </a:r>
-            <a:r>
-              <a:rPr lang="en-US">
-                <a:latin typeface="Euclid Circular B" panose="020B0504000000000000" pitchFamily="34" charset="0"/>
-                <a:ea typeface="Euclid Circular B" panose="020B0504000000000000" pitchFamily="34" charset="0"/>
-              </a:rPr>
-              <a:t>: ...</a:t>
-            </a:r>
-            <a:endParaRPr lang="en-US" dirty="0">
+              <a:rPr lang="en-US" sz="2000" b="1" dirty="0">
+                <a:solidFill>
+                  <a:srgbClr val="292D33"/>
+                </a:solidFill>
+                <a:latin typeface="Euclid Circular B" panose="020B0504000000000000" pitchFamily="34" charset="0"/>
+                <a:ea typeface="Euclid Circular B" panose="020B0504000000000000" pitchFamily="34" charset="0"/>
+              </a:rPr>
+              <a:t>DESIGNING MONOLITH FIRST FOR MICROSERVICE ARCHITECTURE</a:t>
+            </a:r>
+            <a:endParaRPr lang="en-US" sz="2000" dirty="0">
               <a:latin typeface="Euclid Circular B" panose="020B0504000000000000" pitchFamily="34" charset="0"/>
               <a:ea typeface="Euclid Circular B" panose="020B0504000000000000" pitchFamily="34" charset="0"/>
             </a:endParaRPr>
@@ -11462,7 +14657,7 @@
     </p:spTree>
     <p:extLst>
       <p:ext uri="{BB962C8B-B14F-4D97-AF65-F5344CB8AC3E}">
-        <p14:creationId xmlns:p14="http://schemas.microsoft.com/office/powerpoint/2010/main" val="1277783299"/>
+        <p14:creationId xmlns:p14="http://schemas.microsoft.com/office/powerpoint/2010/main" val="3507474482"/>
       </p:ext>
     </p:extLst>
   </p:cSld>
@@ -11582,7 +14777,7 @@
     </p:spTree>
     <p:extLst>
       <p:ext uri="{BB962C8B-B14F-4D97-AF65-F5344CB8AC3E}">
-        <p14:creationId xmlns:p14="http://schemas.microsoft.com/office/powerpoint/2010/main" val="326598016"/>
+        <p14:creationId xmlns:p14="http://schemas.microsoft.com/office/powerpoint/2010/main" val="1277783299"/>
       </p:ext>
     </p:extLst>
   </p:cSld>
@@ -11702,7 +14897,7 @@
     </p:spTree>
     <p:extLst>
       <p:ext uri="{BB962C8B-B14F-4D97-AF65-F5344CB8AC3E}">
-        <p14:creationId xmlns:p14="http://schemas.microsoft.com/office/powerpoint/2010/main" val="3073250955"/>
+        <p14:creationId xmlns:p14="http://schemas.microsoft.com/office/powerpoint/2010/main" val="326598016"/>
       </p:ext>
     </p:extLst>
   </p:cSld>
@@ -11822,7 +15017,7 @@
     </p:spTree>
     <p:extLst>
       <p:ext uri="{BB962C8B-B14F-4D97-AF65-F5344CB8AC3E}">
-        <p14:creationId xmlns:p14="http://schemas.microsoft.com/office/powerpoint/2010/main" val="214136112"/>
+        <p14:creationId xmlns:p14="http://schemas.microsoft.com/office/powerpoint/2010/main" val="3073250955"/>
       </p:ext>
     </p:extLst>
   </p:cSld>
@@ -11942,7 +15137,7 @@
     </p:spTree>
     <p:extLst>
       <p:ext uri="{BB962C8B-B14F-4D97-AF65-F5344CB8AC3E}">
-        <p14:creationId xmlns:p14="http://schemas.microsoft.com/office/powerpoint/2010/main" val="3539053896"/>
+        <p14:creationId xmlns:p14="http://schemas.microsoft.com/office/powerpoint/2010/main" val="214136112"/>
       </p:ext>
     </p:extLst>
   </p:cSld>
@@ -12062,7 +15257,7 @@
     </p:spTree>
     <p:extLst>
       <p:ext uri="{BB962C8B-B14F-4D97-AF65-F5344CB8AC3E}">
-        <p14:creationId xmlns:p14="http://schemas.microsoft.com/office/powerpoint/2010/main" val="2818505958"/>
+        <p14:creationId xmlns:p14="http://schemas.microsoft.com/office/powerpoint/2010/main" val="3539053896"/>
       </p:ext>
     </p:extLst>
   </p:cSld>
@@ -12396,7 +15591,7 @@
     </p:spTree>
     <p:extLst>
       <p:ext uri="{BB962C8B-B14F-4D97-AF65-F5344CB8AC3E}">
-        <p14:creationId xmlns:p14="http://schemas.microsoft.com/office/powerpoint/2010/main" val="4272791268"/>
+        <p14:creationId xmlns:p14="http://schemas.microsoft.com/office/powerpoint/2010/main" val="2818505958"/>
       </p:ext>
     </p:extLst>
   </p:cSld>
@@ -12516,6 +15711,126 @@
     </p:spTree>
     <p:extLst>
       <p:ext uri="{BB962C8B-B14F-4D97-AF65-F5344CB8AC3E}">
+        <p14:creationId xmlns:p14="http://schemas.microsoft.com/office/powerpoint/2010/main" val="4272791268"/>
+      </p:ext>
+    </p:extLst>
+  </p:cSld>
+  <p:clrMapOvr>
+    <a:masterClrMapping/>
+  </p:clrMapOvr>
+</p:sld>
+</file>
+
+<file path=ppt/slides/slide42.xml><?xml version="1.0" encoding="utf-8"?>
+<p:sld xmlns:a="http://schemas.openxmlformats.org/drawingml/2006/main" xmlns:r="http://schemas.openxmlformats.org/officeDocument/2006/relationships" xmlns:p="http://schemas.openxmlformats.org/presentationml/2006/main">
+  <p:cSld>
+    <p:bg>
+      <p:bgPr>
+        <a:blipFill dpi="0" rotWithShape="1">
+          <a:blip r:embed="rId2">
+            <a:lum/>
+          </a:blip>
+          <a:srcRect/>
+          <a:stretch>
+            <a:fillRect/>
+          </a:stretch>
+        </a:blipFill>
+        <a:effectLst/>
+      </p:bgPr>
+    </p:bg>
+    <p:spTree>
+      <p:nvGrpSpPr>
+        <p:cNvPr id="1" name=""/>
+        <p:cNvGrpSpPr/>
+        <p:nvPr/>
+      </p:nvGrpSpPr>
+      <p:grpSpPr>
+        <a:xfrm>
+          <a:off x="0" y="0"/>
+          <a:ext cx="0" cy="0"/>
+          <a:chOff x="0" y="0"/>
+          <a:chExt cx="0" cy="0"/>
+        </a:xfrm>
+      </p:grpSpPr>
+      <p:sp>
+        <p:nvSpPr>
+          <p:cNvPr id="2" name="Title 1">
+            <a:extLst>
+              <a:ext uri="{FF2B5EF4-FFF2-40B4-BE49-F238E27FC236}">
+                <a16:creationId xmlns:a16="http://schemas.microsoft.com/office/drawing/2014/main" id="{55E11F08-6CA0-48F1-AD67-97430DDA07F0}"/>
+              </a:ext>
+            </a:extLst>
+          </p:cNvPr>
+          <p:cNvSpPr>
+            <a:spLocks noGrp="1"/>
+          </p:cNvSpPr>
+          <p:nvPr>
+            <p:ph type="title"/>
+          </p:nvPr>
+        </p:nvSpPr>
+        <p:spPr/>
+        <p:txBody>
+          <a:bodyPr/>
+          <a:lstStyle/>
+          <a:p>
+            <a:r>
+              <a:rPr lang="en-US" b="1" dirty="0">
+                <a:solidFill>
+                  <a:srgbClr val="292D33"/>
+                </a:solidFill>
+                <a:latin typeface="Euclid Circular B" panose="020B0504000000000000" pitchFamily="34" charset="0"/>
+                <a:ea typeface="Euclid Circular B" panose="020B0504000000000000" pitchFamily="34" charset="0"/>
+              </a:rPr>
+              <a:t>Title</a:t>
+            </a:r>
+          </a:p>
+        </p:txBody>
+      </p:sp>
+      <p:sp>
+        <p:nvSpPr>
+          <p:cNvPr id="3" name="Content Placeholder 2">
+            <a:extLst>
+              <a:ext uri="{FF2B5EF4-FFF2-40B4-BE49-F238E27FC236}">
+                <a16:creationId xmlns:a16="http://schemas.microsoft.com/office/drawing/2014/main" id="{891C7693-D3DF-4635-96F4-97F3B4136FDF}"/>
+              </a:ext>
+            </a:extLst>
+          </p:cNvPr>
+          <p:cNvSpPr>
+            <a:spLocks noGrp="1"/>
+          </p:cNvSpPr>
+          <p:nvPr>
+            <p:ph idx="1"/>
+          </p:nvPr>
+        </p:nvSpPr>
+        <p:spPr/>
+        <p:txBody>
+          <a:bodyPr/>
+          <a:lstStyle/>
+          <a:p>
+            <a:r>
+              <a:rPr lang="en-US" dirty="0">
+                <a:latin typeface="Euclid Circular B" panose="020B0504000000000000" pitchFamily="34" charset="0"/>
+                <a:ea typeface="Euclid Circular B" panose="020B0504000000000000" pitchFamily="34" charset="0"/>
+              </a:rPr>
+              <a:t>TODO</a:t>
+            </a:r>
+            <a:r>
+              <a:rPr lang="en-US">
+                <a:latin typeface="Euclid Circular B" panose="020B0504000000000000" pitchFamily="34" charset="0"/>
+                <a:ea typeface="Euclid Circular B" panose="020B0504000000000000" pitchFamily="34" charset="0"/>
+              </a:rPr>
+              <a:t>: ...</a:t>
+            </a:r>
+            <a:endParaRPr lang="en-US" dirty="0">
+              <a:latin typeface="Euclid Circular B" panose="020B0504000000000000" pitchFamily="34" charset="0"/>
+              <a:ea typeface="Euclid Circular B" panose="020B0504000000000000" pitchFamily="34" charset="0"/>
+            </a:endParaRPr>
+          </a:p>
+        </p:txBody>
+      </p:sp>
+    </p:spTree>
+    <p:extLst>
+      <p:ext uri="{BB962C8B-B14F-4D97-AF65-F5344CB8AC3E}">
         <p14:creationId xmlns:p14="http://schemas.microsoft.com/office/powerpoint/2010/main" val="3822449102"/>
       </p:ext>
     </p:extLst>
@@ -12526,7 +15841,7 @@
 </p:sld>
 </file>
 
-<file path=ppt/slides/slide42.xml><?xml version="1.0" encoding="utf-8"?>
+<file path=ppt/slides/slide43.xml><?xml version="1.0" encoding="utf-8"?>
 <p:sld xmlns:a="http://schemas.openxmlformats.org/drawingml/2006/main" xmlns:r="http://schemas.openxmlformats.org/officeDocument/2006/relationships" xmlns:p="http://schemas.openxmlformats.org/presentationml/2006/main">
   <p:cSld>
     <p:bg>
@@ -12705,7 +16020,7 @@
           <a:graphicData uri="http://schemas.openxmlformats.org/presentationml/2006/ole">
             <mc:AlternateContent xmlns:mc="http://schemas.openxmlformats.org/markup-compatibility/2006">
               <mc:Choice xmlns:v="urn:schemas-microsoft-com:vml" Requires="v">
-                <p:oleObj spid="_x0000_s2079" name="Bitmap Image" r:id="rId4" imgW="12553920" imgH="8362800" progId="Paint.Picture">
+                <p:oleObj spid="_x0000_s2084" name="Bitmap Image" r:id="rId4" imgW="12553920" imgH="8362800" progId="Paint.Picture">
                   <p:embed/>
                 </p:oleObj>
               </mc:Choice>
@@ -14326,7 +17641,7 @@
           <a:graphicData uri="http://schemas.openxmlformats.org/presentationml/2006/ole">
             <mc:AlternateContent xmlns:mc="http://schemas.openxmlformats.org/markup-compatibility/2006">
               <mc:Choice xmlns:v="urn:schemas-microsoft-com:vml" Requires="v">
-                <p:oleObj spid="_x0000_s3101" name="Bitmap Image" r:id="rId4" imgW="17059320" imgH="5762520" progId="Paint.Picture">
+                <p:oleObj spid="_x0000_s3106" name="Bitmap Image" r:id="rId4" imgW="17059320" imgH="5762520" progId="Paint.Picture">
                   <p:embed/>
                 </p:oleObj>
               </mc:Choice>

--- a/2022-05-12 Designing Monolith First (TR)/Monolith First Presentation.pptx
+++ b/2022-05-12 Designing Monolith First (TR)/Monolith First Presentation.pptx
@@ -13498,6 +13498,36 @@
           <a:chExt cx="0" cy="0"/>
         </a:xfrm>
       </p:grpSpPr>
+      <p:pic>
+        <p:nvPicPr>
+          <p:cNvPr id="35" name="Picture 34">
+            <a:extLst>
+              <a:ext uri="{FF2B5EF4-FFF2-40B4-BE49-F238E27FC236}">
+                <a16:creationId xmlns:a16="http://schemas.microsoft.com/office/drawing/2014/main" id="{244F5FA9-CE4E-4F40-8323-D520A18BE884}"/>
+              </a:ext>
+            </a:extLst>
+          </p:cNvPr>
+          <p:cNvPicPr>
+            <a:picLocks noChangeAspect="1"/>
+          </p:cNvPicPr>
+          <p:nvPr/>
+        </p:nvPicPr>
+        <p:blipFill>
+          <a:blip r:embed="rId3"/>
+          <a:stretch>
+            <a:fillRect/>
+          </a:stretch>
+        </p:blipFill>
+        <p:spPr>
+          <a:xfrm>
+            <a:off x="976116" y="1627699"/>
+            <a:ext cx="2665813" cy="4825859"/>
+          </a:xfrm>
+          <a:prstGeom prst="rect">
+            <a:avLst/>
+          </a:prstGeom>
+        </p:spPr>
+      </p:pic>
       <p:sp>
         <p:nvSpPr>
           <p:cNvPr id="2" name="Title 1">
@@ -13527,53 +13557,41 @@
                 <a:latin typeface="Euclid Circular B" panose="020B0504000000000000" pitchFamily="34" charset="0"/>
                 <a:ea typeface="Euclid Circular B" panose="020B0504000000000000" pitchFamily="34" charset="0"/>
               </a:rPr>
-              <a:t>Title</a:t>
+              <a:t>Two-layered solution</a:t>
             </a:r>
           </a:p>
         </p:txBody>
       </p:sp>
-      <p:sp>
-        <p:nvSpPr>
-          <p:cNvPr id="3" name="Content Placeholder 2">
-            <a:extLst>
-              <a:ext uri="{FF2B5EF4-FFF2-40B4-BE49-F238E27FC236}">
-                <a16:creationId xmlns:a16="http://schemas.microsoft.com/office/drawing/2014/main" id="{891C7693-D3DF-4635-96F4-97F3B4136FDF}"/>
-              </a:ext>
-            </a:extLst>
-          </p:cNvPr>
-          <p:cNvSpPr>
-            <a:spLocks noGrp="1"/>
-          </p:cNvSpPr>
-          <p:nvPr>
-            <p:ph idx="1"/>
-          </p:nvPr>
-        </p:nvSpPr>
-        <p:spPr/>
-        <p:txBody>
-          <a:bodyPr/>
-          <a:lstStyle/>
-          <a:p>
-            <a:r>
-              <a:rPr lang="en-US" dirty="0">
-                <a:latin typeface="Euclid Circular B" panose="020B0504000000000000" pitchFamily="34" charset="0"/>
-                <a:ea typeface="Euclid Circular B" panose="020B0504000000000000" pitchFamily="34" charset="0"/>
-              </a:rPr>
-              <a:t>TODO</a:t>
-            </a:r>
-            <a:r>
-              <a:rPr lang="en-US">
-                <a:latin typeface="Euclid Circular B" panose="020B0504000000000000" pitchFamily="34" charset="0"/>
-                <a:ea typeface="Euclid Circular B" panose="020B0504000000000000" pitchFamily="34" charset="0"/>
-              </a:rPr>
-              <a:t>: ...</a:t>
-            </a:r>
-            <a:endParaRPr lang="en-US" dirty="0">
-              <a:latin typeface="Euclid Circular B" panose="020B0504000000000000" pitchFamily="34" charset="0"/>
-              <a:ea typeface="Euclid Circular B" panose="020B0504000000000000" pitchFamily="34" charset="0"/>
-            </a:endParaRPr>
-          </a:p>
-        </p:txBody>
-      </p:sp>
+      <p:pic>
+        <p:nvPicPr>
+          <p:cNvPr id="51" name="Picture 50">
+            <a:extLst>
+              <a:ext uri="{FF2B5EF4-FFF2-40B4-BE49-F238E27FC236}">
+                <a16:creationId xmlns:a16="http://schemas.microsoft.com/office/drawing/2014/main" id="{0A172558-9075-4235-BADE-37D0B1E90A4B}"/>
+              </a:ext>
+            </a:extLst>
+          </p:cNvPr>
+          <p:cNvPicPr>
+            <a:picLocks noChangeAspect="1"/>
+          </p:cNvPicPr>
+          <p:nvPr/>
+        </p:nvPicPr>
+        <p:blipFill>
+          <a:blip r:embed="rId4"/>
+          <a:stretch>
+            <a:fillRect/>
+          </a:stretch>
+        </p:blipFill>
+        <p:spPr>
+          <a:xfrm>
+            <a:off x="3915561" y="2173728"/>
+            <a:ext cx="7867650" cy="3733800"/>
+          </a:xfrm>
+          <a:prstGeom prst="rect">
+            <a:avLst/>
+          </a:prstGeom>
+        </p:spPr>
+      </p:pic>
     </p:spTree>
     <p:extLst>
       <p:ext uri="{BB962C8B-B14F-4D97-AF65-F5344CB8AC3E}">
@@ -13584,6 +13602,89 @@
   <p:clrMapOvr>
     <a:masterClrMapping/>
   </p:clrMapOvr>
+  <p:timing>
+    <p:tnLst>
+      <p:par>
+        <p:cTn id="1" dur="indefinite" restart="never" nodeType="tmRoot">
+          <p:childTnLst>
+            <p:seq concurrent="1" nextAc="seek">
+              <p:cTn id="2" dur="indefinite" nodeType="mainSeq">
+                <p:childTnLst>
+                  <p:par>
+                    <p:cTn id="3" fill="hold">
+                      <p:stCondLst>
+                        <p:cond delay="indefinite"/>
+                      </p:stCondLst>
+                      <p:childTnLst>
+                        <p:par>
+                          <p:cTn id="4" fill="hold">
+                            <p:stCondLst>
+                              <p:cond delay="0"/>
+                            </p:stCondLst>
+                            <p:childTnLst>
+                              <p:par>
+                                <p:cTn id="5" presetID="10" presetClass="entr" presetSubtype="0" fill="hold" nodeType="clickEffect">
+                                  <p:stCondLst>
+                                    <p:cond delay="0"/>
+                                  </p:stCondLst>
+                                  <p:childTnLst>
+                                    <p:set>
+                                      <p:cBhvr>
+                                        <p:cTn id="6" dur="1" fill="hold">
+                                          <p:stCondLst>
+                                            <p:cond delay="0"/>
+                                          </p:stCondLst>
+                                        </p:cTn>
+                                        <p:tgtEl>
+                                          <p:spTgt spid="51"/>
+                                        </p:tgtEl>
+                                        <p:attrNameLst>
+                                          <p:attrName>style.visibility</p:attrName>
+                                        </p:attrNameLst>
+                                      </p:cBhvr>
+                                      <p:to>
+                                        <p:strVal val="visible"/>
+                                      </p:to>
+                                    </p:set>
+                                    <p:animEffect transition="in" filter="fade">
+                                      <p:cBhvr>
+                                        <p:cTn id="7" dur="500"/>
+                                        <p:tgtEl>
+                                          <p:spTgt spid="51"/>
+                                        </p:tgtEl>
+                                      </p:cBhvr>
+                                    </p:animEffect>
+                                  </p:childTnLst>
+                                </p:cTn>
+                              </p:par>
+                            </p:childTnLst>
+                          </p:cTn>
+                        </p:par>
+                      </p:childTnLst>
+                    </p:cTn>
+                  </p:par>
+                </p:childTnLst>
+              </p:cTn>
+              <p:prevCondLst>
+                <p:cond evt="onPrev" delay="0">
+                  <p:tgtEl>
+                    <p:sldTgt/>
+                  </p:tgtEl>
+                </p:cond>
+              </p:prevCondLst>
+              <p:nextCondLst>
+                <p:cond evt="onNext" delay="0">
+                  <p:tgtEl>
+                    <p:sldTgt/>
+                  </p:tgtEl>
+                </p:cond>
+              </p:nextCondLst>
+            </p:seq>
+          </p:childTnLst>
+        </p:cTn>
+      </p:par>
+    </p:tnLst>
+  </p:timing>
 </p:sld>
 </file>
 
@@ -16020,7 +16121,7 @@
           <a:graphicData uri="http://schemas.openxmlformats.org/presentationml/2006/ole">
             <mc:AlternateContent xmlns:mc="http://schemas.openxmlformats.org/markup-compatibility/2006">
               <mc:Choice xmlns:v="urn:schemas-microsoft-com:vml" Requires="v">
-                <p:oleObj spid="_x0000_s2084" name="Bitmap Image" r:id="rId4" imgW="12553920" imgH="8362800" progId="Paint.Picture">
+                <p:oleObj spid="_x0000_s2086" name="Bitmap Image" r:id="rId4" imgW="12553920" imgH="8362800" progId="Paint.Picture">
                   <p:embed/>
                 </p:oleObj>
               </mc:Choice>
@@ -17641,7 +17742,7 @@
           <a:graphicData uri="http://schemas.openxmlformats.org/presentationml/2006/ole">
             <mc:AlternateContent xmlns:mc="http://schemas.openxmlformats.org/markup-compatibility/2006">
               <mc:Choice xmlns:v="urn:schemas-microsoft-com:vml" Requires="v">
-                <p:oleObj spid="_x0000_s3106" name="Bitmap Image" r:id="rId4" imgW="17059320" imgH="5762520" progId="Paint.Picture">
+                <p:oleObj spid="_x0000_s3108" name="Bitmap Image" r:id="rId4" imgW="17059320" imgH="5762520" progId="Paint.Picture">
                   <p:embed/>
                 </p:oleObj>
               </mc:Choice>

--- a/2022-05-12 Designing Monolith First (TR)/Monolith First Presentation.pptx
+++ b/2022-05-12 Designing Monolith First (TR)/Monolith First Presentation.pptx
@@ -10093,7 +10093,26 @@
                 <a:latin typeface="Euclid Circular B" panose="020B0504000000000000" pitchFamily="34" charset="0"/>
                 <a:ea typeface="Euclid Circular B" panose="020B0504000000000000" pitchFamily="34" charset="0"/>
               </a:rPr>
-              <a:t>Non-layered solution</a:t>
+              <a:t>The need for layering</a:t>
+            </a:r>
+            <a:br>
+              <a:rPr lang="en-US" b="1" dirty="0">
+                <a:solidFill>
+                  <a:srgbClr val="292D33"/>
+                </a:solidFill>
+                <a:latin typeface="Euclid Circular B" panose="020B0504000000000000" pitchFamily="34" charset="0"/>
+                <a:ea typeface="Euclid Circular B" panose="020B0504000000000000" pitchFamily="34" charset="0"/>
+              </a:rPr>
+            </a:br>
+            <a:r>
+              <a:rPr lang="en-US" sz="3200" b="1" i="1" dirty="0">
+                <a:solidFill>
+                  <a:srgbClr val="292D33"/>
+                </a:solidFill>
+                <a:latin typeface="Euclid Circular B" panose="020B0504000000000000" pitchFamily="34" charset="0"/>
+                <a:ea typeface="Euclid Circular B" panose="020B0504000000000000" pitchFamily="34" charset="0"/>
+              </a:rPr>
+              <a:t>Single-project solution</a:t>
             </a:r>
           </a:p>
         </p:txBody>
@@ -11341,7 +11360,7 @@
         <p:spPr>
           <a:xfrm>
             <a:off x="838200" y="365125"/>
-            <a:ext cx="5845404" cy="1325563"/>
+            <a:ext cx="6231046" cy="1325563"/>
           </a:xfrm>
         </p:spPr>
         <p:txBody>
@@ -11351,15 +11370,41 @@
           <a:lstStyle/>
           <a:p>
             <a:r>
-              <a:rPr lang="en-US" sz="3600" b="1" dirty="0">
+              <a:rPr lang="en-US" b="1" dirty="0">
                 <a:solidFill>
                   <a:srgbClr val="292D33"/>
                 </a:solidFill>
                 <a:latin typeface="Euclid Circular B" panose="020B0504000000000000" pitchFamily="34" charset="0"/>
                 <a:ea typeface="Euclid Circular B" panose="020B0504000000000000" pitchFamily="34" charset="0"/>
               </a:rPr>
-              <a:t>Backend-Frontend separation</a:t>
-            </a:r>
+              <a:t>The need for layering</a:t>
+            </a:r>
+            <a:br>
+              <a:rPr lang="en-US" b="1" dirty="0">
+                <a:solidFill>
+                  <a:srgbClr val="292D33"/>
+                </a:solidFill>
+                <a:latin typeface="Euclid Circular B" panose="020B0504000000000000" pitchFamily="34" charset="0"/>
+                <a:ea typeface="Euclid Circular B" panose="020B0504000000000000" pitchFamily="34" charset="0"/>
+              </a:rPr>
+            </a:br>
+            <a:r>
+              <a:rPr lang="en-US" sz="3200" b="1" i="1" dirty="0">
+                <a:solidFill>
+                  <a:srgbClr val="292D33"/>
+                </a:solidFill>
+                <a:latin typeface="Euclid Circular B" panose="020B0504000000000000" pitchFamily="34" charset="0"/>
+                <a:ea typeface="Euclid Circular B" panose="020B0504000000000000" pitchFamily="34" charset="0"/>
+              </a:rPr>
+              <a:t>Backend-frontend separation</a:t>
+            </a:r>
+            <a:endParaRPr lang="en-US" sz="3600" b="1" dirty="0">
+              <a:solidFill>
+                <a:srgbClr val="292D33"/>
+              </a:solidFill>
+              <a:latin typeface="Euclid Circular B" panose="020B0504000000000000" pitchFamily="34" charset="0"/>
+              <a:ea typeface="Euclid Circular B" panose="020B0504000000000000" pitchFamily="34" charset="0"/>
+            </a:endParaRPr>
           </a:p>
         </p:txBody>
       </p:sp>
@@ -13520,7 +13565,7 @@
         </p:blipFill>
         <p:spPr>
           <a:xfrm>
-            <a:off x="976116" y="1627699"/>
+            <a:off x="976116" y="1759675"/>
             <a:ext cx="2665813" cy="4825859"/>
           </a:xfrm>
           <a:prstGeom prst="rect">
@@ -13557,8 +13602,34 @@
                 <a:latin typeface="Euclid Circular B" panose="020B0504000000000000" pitchFamily="34" charset="0"/>
                 <a:ea typeface="Euclid Circular B" panose="020B0504000000000000" pitchFamily="34" charset="0"/>
               </a:rPr>
-              <a:t>Two-layered solution</a:t>
-            </a:r>
+              <a:t>The need for layering</a:t>
+            </a:r>
+            <a:br>
+              <a:rPr lang="en-US" b="1" dirty="0">
+                <a:solidFill>
+                  <a:srgbClr val="292D33"/>
+                </a:solidFill>
+                <a:latin typeface="Euclid Circular B" panose="020B0504000000000000" pitchFamily="34" charset="0"/>
+                <a:ea typeface="Euclid Circular B" panose="020B0504000000000000" pitchFamily="34" charset="0"/>
+              </a:rPr>
+            </a:br>
+            <a:r>
+              <a:rPr lang="en-US" sz="3200" b="1" i="1" dirty="0">
+                <a:solidFill>
+                  <a:srgbClr val="292D33"/>
+                </a:solidFill>
+                <a:latin typeface="Euclid Circular B" panose="020B0504000000000000" pitchFamily="34" charset="0"/>
+                <a:ea typeface="Euclid Circular B" panose="020B0504000000000000" pitchFamily="34" charset="0"/>
+              </a:rPr>
+              <a:t>2-projects solution</a:t>
+            </a:r>
+            <a:endParaRPr lang="en-US" b="1" i="1" dirty="0">
+              <a:solidFill>
+                <a:srgbClr val="292D33"/>
+              </a:solidFill>
+              <a:latin typeface="Euclid Circular B" panose="020B0504000000000000" pitchFamily="34" charset="0"/>
+              <a:ea typeface="Euclid Circular B" panose="020B0504000000000000" pitchFamily="34" charset="0"/>
+            </a:endParaRPr>
           </a:p>
         </p:txBody>
       </p:sp>
@@ -13584,14 +13655,72 @@
         </p:blipFill>
         <p:spPr>
           <a:xfrm>
-            <a:off x="3915561" y="2173728"/>
-            <a:ext cx="7867650" cy="3733800"/>
+            <a:off x="3953268" y="2482346"/>
+            <a:ext cx="7402605" cy="3513101"/>
           </a:xfrm>
           <a:prstGeom prst="rect">
             <a:avLst/>
           </a:prstGeom>
         </p:spPr>
       </p:pic>
+      <p:sp>
+        <p:nvSpPr>
+          <p:cNvPr id="52" name="TextBox 51">
+            <a:extLst>
+              <a:ext uri="{FF2B5EF4-FFF2-40B4-BE49-F238E27FC236}">
+                <a16:creationId xmlns:a16="http://schemas.microsoft.com/office/drawing/2014/main" id="{DD48724D-88F1-4889-B715-9EE836D83568}"/>
+              </a:ext>
+            </a:extLst>
+          </p:cNvPr>
+          <p:cNvSpPr txBox="1"/>
+          <p:nvPr/>
+        </p:nvSpPr>
+        <p:spPr>
+          <a:xfrm>
+            <a:off x="3953268" y="1759675"/>
+            <a:ext cx="7207551" cy="461665"/>
+          </a:xfrm>
+          <a:prstGeom prst="rect">
+            <a:avLst/>
+          </a:prstGeom>
+          <a:noFill/>
+        </p:spPr>
+        <p:txBody>
+          <a:bodyPr wrap="none" rtlCol="0">
+            <a:spAutoFit/>
+          </a:bodyPr>
+          <a:lstStyle/>
+          <a:p>
+            <a:r>
+              <a:rPr lang="en-US" sz="2400" b="1" dirty="0" err="1"/>
+              <a:t>ECommerce.UI</a:t>
+            </a:r>
+            <a:r>
+              <a:rPr lang="en-US" sz="2400" b="1" dirty="0"/>
+              <a:t> </a:t>
+            </a:r>
+            <a:r>
+              <a:rPr lang="en-US" sz="2400" b="1" dirty="0">
+                <a:solidFill>
+                  <a:schemeClr val="bg1">
+                    <a:lumMod val="65000"/>
+                  </a:schemeClr>
+                </a:solidFill>
+              </a:rPr>
+              <a:t>--- (depends) ---&gt;</a:t>
+            </a:r>
+            <a:r>
+              <a:rPr lang="en-US" sz="2400" b="1" dirty="0"/>
+              <a:t> </a:t>
+            </a:r>
+            <a:r>
+              <a:rPr lang="en-US" sz="2400" b="1" dirty="0" err="1"/>
+              <a:t>Ecommerce.Business</a:t>
+            </a:r>
+            <a:endParaRPr lang="en-US" sz="2400" b="1" dirty="0"/>
+          </a:p>
+        </p:txBody>
+      </p:sp>
     </p:spTree>
     <p:extLst>
       <p:ext uri="{BB962C8B-B14F-4D97-AF65-F5344CB8AC3E}">
@@ -13623,7 +13752,7 @@
                             </p:stCondLst>
                             <p:childTnLst>
                               <p:par>
-                                <p:cTn id="5" presetID="10" presetClass="entr" presetSubtype="0" fill="hold" nodeType="clickEffect">
+                                <p:cTn id="5" presetID="10" presetClass="entr" presetSubtype="0" fill="hold" grpId="0" nodeType="clickEffect">
                                   <p:stCondLst>
                                     <p:cond delay="0"/>
                                   </p:stCondLst>
@@ -13636,7 +13765,7 @@
                                           </p:stCondLst>
                                         </p:cTn>
                                         <p:tgtEl>
-                                          <p:spTgt spid="51"/>
+                                          <p:spTgt spid="52"/>
                                         </p:tgtEl>
                                         <p:attrNameLst>
                                           <p:attrName>style.visibility</p:attrName>
@@ -13649,6 +13778,59 @@
                                     <p:animEffect transition="in" filter="fade">
                                       <p:cBhvr>
                                         <p:cTn id="7" dur="500"/>
+                                        <p:tgtEl>
+                                          <p:spTgt spid="52"/>
+                                        </p:tgtEl>
+                                      </p:cBhvr>
+                                    </p:animEffect>
+                                  </p:childTnLst>
+                                </p:cTn>
+                              </p:par>
+                            </p:childTnLst>
+                          </p:cTn>
+                        </p:par>
+                      </p:childTnLst>
+                    </p:cTn>
+                  </p:par>
+                  <p:par>
+                    <p:cTn id="8" fill="hold">
+                      <p:stCondLst>
+                        <p:cond delay="indefinite"/>
+                      </p:stCondLst>
+                      <p:childTnLst>
+                        <p:par>
+                          <p:cTn id="9" fill="hold">
+                            <p:stCondLst>
+                              <p:cond delay="0"/>
+                            </p:stCondLst>
+                            <p:childTnLst>
+                              <p:par>
+                                <p:cTn id="10" presetID="10" presetClass="entr" presetSubtype="0" fill="hold" nodeType="clickEffect">
+                                  <p:stCondLst>
+                                    <p:cond delay="0"/>
+                                  </p:stCondLst>
+                                  <p:childTnLst>
+                                    <p:set>
+                                      <p:cBhvr>
+                                        <p:cTn id="11" dur="1" fill="hold">
+                                          <p:stCondLst>
+                                            <p:cond delay="0"/>
+                                          </p:stCondLst>
+                                        </p:cTn>
+                                        <p:tgtEl>
+                                          <p:spTgt spid="51"/>
+                                        </p:tgtEl>
+                                        <p:attrNameLst>
+                                          <p:attrName>style.visibility</p:attrName>
+                                        </p:attrNameLst>
+                                      </p:cBhvr>
+                                      <p:to>
+                                        <p:strVal val="visible"/>
+                                      </p:to>
+                                    </p:set>
+                                    <p:animEffect transition="in" filter="fade">
+                                      <p:cBhvr>
+                                        <p:cTn id="12" dur="500"/>
                                         <p:tgtEl>
                                           <p:spTgt spid="51"/>
                                         </p:tgtEl>
@@ -13684,6 +13866,9 @@
         </p:cTn>
       </p:par>
     </p:tnLst>
+    <p:bldLst>
+      <p:bldP spid="52" grpId="0"/>
+    </p:bldLst>
   </p:timing>
 </p:sld>
 </file>
@@ -13748,50 +13933,181 @@
                 <a:latin typeface="Euclid Circular B" panose="020B0504000000000000" pitchFamily="34" charset="0"/>
                 <a:ea typeface="Euclid Circular B" panose="020B0504000000000000" pitchFamily="34" charset="0"/>
               </a:rPr>
-              <a:t>Title</a:t>
-            </a:r>
-          </a:p>
-        </p:txBody>
-      </p:sp>
-      <p:sp>
-        <p:nvSpPr>
-          <p:cNvPr id="3" name="Content Placeholder 2">
-            <a:extLst>
-              <a:ext uri="{FF2B5EF4-FFF2-40B4-BE49-F238E27FC236}">
-                <a16:creationId xmlns:a16="http://schemas.microsoft.com/office/drawing/2014/main" id="{891C7693-D3DF-4635-96F4-97F3B4136FDF}"/>
-              </a:ext>
-            </a:extLst>
-          </p:cNvPr>
-          <p:cNvSpPr>
-            <a:spLocks noGrp="1"/>
-          </p:cNvSpPr>
-          <p:nvPr>
-            <p:ph idx="1"/>
-          </p:nvPr>
-        </p:nvSpPr>
-        <p:spPr/>
-        <p:txBody>
-          <a:bodyPr/>
-          <a:lstStyle/>
-          <a:p>
-            <a:r>
-              <a:rPr lang="en-US" dirty="0">
-                <a:latin typeface="Euclid Circular B" panose="020B0504000000000000" pitchFamily="34" charset="0"/>
-                <a:ea typeface="Euclid Circular B" panose="020B0504000000000000" pitchFamily="34" charset="0"/>
-              </a:rPr>
-              <a:t>TODO</a:t>
-            </a:r>
-            <a:r>
-              <a:rPr lang="en-US">
-                <a:latin typeface="Euclid Circular B" panose="020B0504000000000000" pitchFamily="34" charset="0"/>
-                <a:ea typeface="Euclid Circular B" panose="020B0504000000000000" pitchFamily="34" charset="0"/>
-              </a:rPr>
-              <a:t>: ...</a:t>
-            </a:r>
-            <a:endParaRPr lang="en-US" dirty="0">
+              <a:t>The need for layering</a:t>
+            </a:r>
+            <a:br>
+              <a:rPr lang="en-US" b="1" dirty="0">
+                <a:solidFill>
+                  <a:srgbClr val="292D33"/>
+                </a:solidFill>
+                <a:latin typeface="Euclid Circular B" panose="020B0504000000000000" pitchFamily="34" charset="0"/>
+                <a:ea typeface="Euclid Circular B" panose="020B0504000000000000" pitchFamily="34" charset="0"/>
+              </a:rPr>
+            </a:br>
+            <a:r>
+              <a:rPr lang="en-US" sz="3200" b="1" i="1" dirty="0">
+                <a:solidFill>
+                  <a:srgbClr val="292D33"/>
+                </a:solidFill>
+                <a:latin typeface="Euclid Circular B" panose="020B0504000000000000" pitchFamily="34" charset="0"/>
+                <a:ea typeface="Euclid Circular B" panose="020B0504000000000000" pitchFamily="34" charset="0"/>
+              </a:rPr>
+              <a:t>3-projects solution</a:t>
+            </a:r>
+            <a:endParaRPr lang="en-US" b="1" dirty="0">
+              <a:solidFill>
+                <a:srgbClr val="292D33"/>
+              </a:solidFill>
               <a:latin typeface="Euclid Circular B" panose="020B0504000000000000" pitchFamily="34" charset="0"/>
               <a:ea typeface="Euclid Circular B" panose="020B0504000000000000" pitchFamily="34" charset="0"/>
             </a:endParaRPr>
+          </a:p>
+        </p:txBody>
+      </p:sp>
+      <p:pic>
+        <p:nvPicPr>
+          <p:cNvPr id="9" name="Picture 8">
+            <a:extLst>
+              <a:ext uri="{FF2B5EF4-FFF2-40B4-BE49-F238E27FC236}">
+                <a16:creationId xmlns:a16="http://schemas.microsoft.com/office/drawing/2014/main" id="{E66C697F-A6BC-4CDB-99E7-4C4310EB2B98}"/>
+              </a:ext>
+            </a:extLst>
+          </p:cNvPr>
+          <p:cNvPicPr>
+            <a:picLocks noChangeAspect="1"/>
+          </p:cNvPicPr>
+          <p:nvPr/>
+        </p:nvPicPr>
+        <p:blipFill>
+          <a:blip r:embed="rId3"/>
+          <a:stretch>
+            <a:fillRect/>
+          </a:stretch>
+        </p:blipFill>
+        <p:spPr>
+          <a:xfrm>
+            <a:off x="838200" y="1690688"/>
+            <a:ext cx="2640291" cy="4849299"/>
+          </a:xfrm>
+          <a:prstGeom prst="rect">
+            <a:avLst/>
+          </a:prstGeom>
+        </p:spPr>
+      </p:pic>
+      <p:pic>
+        <p:nvPicPr>
+          <p:cNvPr id="11" name="Picture 10">
+            <a:extLst>
+              <a:ext uri="{FF2B5EF4-FFF2-40B4-BE49-F238E27FC236}">
+                <a16:creationId xmlns:a16="http://schemas.microsoft.com/office/drawing/2014/main" id="{EEE574F7-529F-4A7C-9BFD-142DBD113C22}"/>
+              </a:ext>
+            </a:extLst>
+          </p:cNvPr>
+          <p:cNvPicPr>
+            <a:picLocks noChangeAspect="1"/>
+          </p:cNvPicPr>
+          <p:nvPr/>
+        </p:nvPicPr>
+        <p:blipFill>
+          <a:blip r:embed="rId4"/>
+          <a:stretch>
+            <a:fillRect/>
+          </a:stretch>
+        </p:blipFill>
+        <p:spPr>
+          <a:xfrm>
+            <a:off x="3792325" y="2659659"/>
+            <a:ext cx="7368494" cy="3438631"/>
+          </a:xfrm>
+          <a:prstGeom prst="rect">
+            <a:avLst/>
+          </a:prstGeom>
+        </p:spPr>
+      </p:pic>
+      <p:sp>
+        <p:nvSpPr>
+          <p:cNvPr id="12" name="TextBox 11">
+            <a:extLst>
+              <a:ext uri="{FF2B5EF4-FFF2-40B4-BE49-F238E27FC236}">
+                <a16:creationId xmlns:a16="http://schemas.microsoft.com/office/drawing/2014/main" id="{94B4B88D-C17A-4930-8E49-31DD25D41029}"/>
+              </a:ext>
+            </a:extLst>
+          </p:cNvPr>
+          <p:cNvSpPr txBox="1"/>
+          <p:nvPr/>
+        </p:nvSpPr>
+        <p:spPr>
+          <a:xfrm>
+            <a:off x="3792325" y="1690688"/>
+            <a:ext cx="8050089" cy="830997"/>
+          </a:xfrm>
+          <a:prstGeom prst="rect">
+            <a:avLst/>
+          </a:prstGeom>
+          <a:noFill/>
+        </p:spPr>
+        <p:txBody>
+          <a:bodyPr wrap="none" rtlCol="0">
+            <a:spAutoFit/>
+          </a:bodyPr>
+          <a:lstStyle/>
+          <a:p>
+            <a:r>
+              <a:rPr lang="en-US" sz="2400" b="1" dirty="0" err="1"/>
+              <a:t>ECommerce.UI</a:t>
+            </a:r>
+            <a:r>
+              <a:rPr lang="en-US" sz="2400" b="1" dirty="0"/>
+              <a:t> </a:t>
+            </a:r>
+            <a:r>
+              <a:rPr lang="en-US" sz="2400" b="1" dirty="0">
+                <a:solidFill>
+                  <a:schemeClr val="bg1">
+                    <a:lumMod val="65000"/>
+                  </a:schemeClr>
+                </a:solidFill>
+              </a:rPr>
+              <a:t>--- (depends) ---&gt;</a:t>
+            </a:r>
+            <a:r>
+              <a:rPr lang="en-US" sz="2400" b="1" dirty="0"/>
+              <a:t> </a:t>
+            </a:r>
+            <a:r>
+              <a:rPr lang="en-US" sz="2400" b="1" dirty="0" err="1"/>
+              <a:t>ECommerce.Contracts</a:t>
+            </a:r>
+            <a:endParaRPr lang="en-US" sz="2400" b="1" dirty="0"/>
+          </a:p>
+          <a:p>
+            <a:r>
+              <a:rPr lang="en-US" sz="2400" b="1" dirty="0" err="1"/>
+              <a:t>ECommerce.Business</a:t>
+            </a:r>
+            <a:r>
+              <a:rPr lang="en-US" sz="2400" b="1" dirty="0"/>
+              <a:t>  </a:t>
+            </a:r>
+            <a:r>
+              <a:rPr lang="en-US" sz="2400" b="1" dirty="0">
+                <a:solidFill>
+                  <a:schemeClr val="bg1">
+                    <a:lumMod val="65000"/>
+                  </a:schemeClr>
+                </a:solidFill>
+              </a:rPr>
+              <a:t>--- (depends) ---&gt;</a:t>
+            </a:r>
+            <a:r>
+              <a:rPr lang="en-US" sz="2400" b="1" dirty="0"/>
+              <a:t> </a:t>
+            </a:r>
+            <a:r>
+              <a:rPr lang="en-US" sz="2400" b="1" dirty="0" err="1"/>
+              <a:t>ECommerce.Contracts</a:t>
+            </a:r>
+            <a:endParaRPr lang="en-US" sz="2400" b="1" dirty="0"/>
           </a:p>
         </p:txBody>
       </p:sp>
@@ -13805,6 +14121,211 @@
   <p:clrMapOvr>
     <a:masterClrMapping/>
   </p:clrMapOvr>
+  <p:timing>
+    <p:tnLst>
+      <p:par>
+        <p:cTn id="1" dur="indefinite" restart="never" nodeType="tmRoot">
+          <p:childTnLst>
+            <p:seq concurrent="1" nextAc="seek">
+              <p:cTn id="2" dur="indefinite" nodeType="mainSeq">
+                <p:childTnLst>
+                  <p:par>
+                    <p:cTn id="3" fill="hold">
+                      <p:stCondLst>
+                        <p:cond delay="indefinite"/>
+                      </p:stCondLst>
+                      <p:childTnLst>
+                        <p:par>
+                          <p:cTn id="4" fill="hold">
+                            <p:stCondLst>
+                              <p:cond delay="0"/>
+                            </p:stCondLst>
+                            <p:childTnLst>
+                              <p:par>
+                                <p:cTn id="5" presetID="10" presetClass="entr" presetSubtype="0" fill="hold" nodeType="clickEffect">
+                                  <p:stCondLst>
+                                    <p:cond delay="0"/>
+                                  </p:stCondLst>
+                                  <p:childTnLst>
+                                    <p:set>
+                                      <p:cBhvr>
+                                        <p:cTn id="6" dur="1" fill="hold">
+                                          <p:stCondLst>
+                                            <p:cond delay="0"/>
+                                          </p:stCondLst>
+                                        </p:cTn>
+                                        <p:tgtEl>
+                                          <p:spTgt spid="12">
+                                            <p:txEl>
+                                              <p:pRg st="0" end="0"/>
+                                            </p:txEl>
+                                          </p:spTgt>
+                                        </p:tgtEl>
+                                        <p:attrNameLst>
+                                          <p:attrName>style.visibility</p:attrName>
+                                        </p:attrNameLst>
+                                      </p:cBhvr>
+                                      <p:to>
+                                        <p:strVal val="visible"/>
+                                      </p:to>
+                                    </p:set>
+                                    <p:animEffect transition="in" filter="fade">
+                                      <p:cBhvr>
+                                        <p:cTn id="7" dur="500"/>
+                                        <p:tgtEl>
+                                          <p:spTgt spid="12">
+                                            <p:txEl>
+                                              <p:pRg st="0" end="0"/>
+                                            </p:txEl>
+                                          </p:spTgt>
+                                        </p:tgtEl>
+                                      </p:cBhvr>
+                                    </p:animEffect>
+                                  </p:childTnLst>
+                                </p:cTn>
+                              </p:par>
+                            </p:childTnLst>
+                          </p:cTn>
+                        </p:par>
+                      </p:childTnLst>
+                    </p:cTn>
+                  </p:par>
+                  <p:par>
+                    <p:cTn id="8" fill="hold">
+                      <p:stCondLst>
+                        <p:cond delay="indefinite"/>
+                      </p:stCondLst>
+                      <p:childTnLst>
+                        <p:par>
+                          <p:cTn id="9" fill="hold">
+                            <p:stCondLst>
+                              <p:cond delay="0"/>
+                            </p:stCondLst>
+                            <p:childTnLst>
+                              <p:par>
+                                <p:cTn id="10" presetID="10" presetClass="entr" presetSubtype="0" fill="hold" nodeType="clickEffect">
+                                  <p:stCondLst>
+                                    <p:cond delay="0"/>
+                                  </p:stCondLst>
+                                  <p:childTnLst>
+                                    <p:set>
+                                      <p:cBhvr>
+                                        <p:cTn id="11" dur="1" fill="hold">
+                                          <p:stCondLst>
+                                            <p:cond delay="0"/>
+                                          </p:stCondLst>
+                                        </p:cTn>
+                                        <p:tgtEl>
+                                          <p:spTgt spid="12">
+                                            <p:txEl>
+                                              <p:pRg st="1" end="1"/>
+                                            </p:txEl>
+                                          </p:spTgt>
+                                        </p:tgtEl>
+                                        <p:attrNameLst>
+                                          <p:attrName>style.visibility</p:attrName>
+                                        </p:attrNameLst>
+                                      </p:cBhvr>
+                                      <p:to>
+                                        <p:strVal val="visible"/>
+                                      </p:to>
+                                    </p:set>
+                                    <p:animEffect transition="in" filter="fade">
+                                      <p:cBhvr>
+                                        <p:cTn id="12" dur="500"/>
+                                        <p:tgtEl>
+                                          <p:spTgt spid="12">
+                                            <p:txEl>
+                                              <p:pRg st="1" end="1"/>
+                                            </p:txEl>
+                                          </p:spTgt>
+                                        </p:tgtEl>
+                                      </p:cBhvr>
+                                    </p:animEffect>
+                                  </p:childTnLst>
+                                </p:cTn>
+                              </p:par>
+                            </p:childTnLst>
+                          </p:cTn>
+                        </p:par>
+                      </p:childTnLst>
+                    </p:cTn>
+                  </p:par>
+                  <p:par>
+                    <p:cTn id="13" fill="hold">
+                      <p:stCondLst>
+                        <p:cond delay="indefinite"/>
+                      </p:stCondLst>
+                      <p:childTnLst>
+                        <p:par>
+                          <p:cTn id="14" fill="hold">
+                            <p:stCondLst>
+                              <p:cond delay="0"/>
+                            </p:stCondLst>
+                            <p:childTnLst>
+                              <p:par>
+                                <p:cTn id="15" presetID="10" presetClass="entr" presetSubtype="0" fill="hold" nodeType="clickEffect">
+                                  <p:stCondLst>
+                                    <p:cond delay="0"/>
+                                  </p:stCondLst>
+                                  <p:childTnLst>
+                                    <p:set>
+                                      <p:cBhvr>
+                                        <p:cTn id="16" dur="1" fill="hold">
+                                          <p:stCondLst>
+                                            <p:cond delay="0"/>
+                                          </p:stCondLst>
+                                        </p:cTn>
+                                        <p:tgtEl>
+                                          <p:spTgt spid="11"/>
+                                        </p:tgtEl>
+                                        <p:attrNameLst>
+                                          <p:attrName>style.visibility</p:attrName>
+                                        </p:attrNameLst>
+                                      </p:cBhvr>
+                                      <p:to>
+                                        <p:strVal val="visible"/>
+                                      </p:to>
+                                    </p:set>
+                                    <p:animEffect transition="in" filter="fade">
+                                      <p:cBhvr>
+                                        <p:cTn id="17" dur="500"/>
+                                        <p:tgtEl>
+                                          <p:spTgt spid="11"/>
+                                        </p:tgtEl>
+                                      </p:cBhvr>
+                                    </p:animEffect>
+                                  </p:childTnLst>
+                                </p:cTn>
+                              </p:par>
+                            </p:childTnLst>
+                          </p:cTn>
+                        </p:par>
+                      </p:childTnLst>
+                    </p:cTn>
+                  </p:par>
+                </p:childTnLst>
+              </p:cTn>
+              <p:prevCondLst>
+                <p:cond evt="onPrev" delay="0">
+                  <p:tgtEl>
+                    <p:sldTgt/>
+                  </p:tgtEl>
+                </p:cond>
+              </p:prevCondLst>
+              <p:nextCondLst>
+                <p:cond evt="onNext" delay="0">
+                  <p:tgtEl>
+                    <p:sldTgt/>
+                  </p:tgtEl>
+                </p:cond>
+              </p:nextCondLst>
+            </p:seq>
+          </p:childTnLst>
+        </p:cTn>
+      </p:par>
+    </p:tnLst>
+  </p:timing>
 </p:sld>
 </file>
 
@@ -13839,12 +14360,42 @@
           <a:chExt cx="0" cy="0"/>
         </a:xfrm>
       </p:grpSpPr>
+      <p:pic>
+        <p:nvPicPr>
+          <p:cNvPr id="7" name="Picture 6">
+            <a:extLst>
+              <a:ext uri="{FF2B5EF4-FFF2-40B4-BE49-F238E27FC236}">
+                <a16:creationId xmlns:a16="http://schemas.microsoft.com/office/drawing/2014/main" id="{A9259F34-74D6-4659-BC39-6C783F535CA9}"/>
+              </a:ext>
+            </a:extLst>
+          </p:cNvPr>
+          <p:cNvPicPr>
+            <a:picLocks noChangeAspect="1"/>
+          </p:cNvPicPr>
+          <p:nvPr/>
+        </p:nvPicPr>
+        <p:blipFill>
+          <a:blip r:embed="rId3"/>
+          <a:stretch>
+            <a:fillRect/>
+          </a:stretch>
+        </p:blipFill>
+        <p:spPr>
+          <a:xfrm>
+            <a:off x="983432" y="1749425"/>
+            <a:ext cx="2457450" cy="4743450"/>
+          </a:xfrm>
+          <a:prstGeom prst="rect">
+            <a:avLst/>
+          </a:prstGeom>
+        </p:spPr>
+      </p:pic>
       <p:sp>
         <p:nvSpPr>
-          <p:cNvPr id="2" name="Title 1">
-            <a:extLst>
-              <a:ext uri="{FF2B5EF4-FFF2-40B4-BE49-F238E27FC236}">
-                <a16:creationId xmlns:a16="http://schemas.microsoft.com/office/drawing/2014/main" id="{55E11F08-6CA0-48F1-AD67-97430DDA07F0}"/>
+          <p:cNvPr id="10" name="Title 1">
+            <a:extLst>
+              <a:ext uri="{FF2B5EF4-FFF2-40B4-BE49-F238E27FC236}">
+                <a16:creationId xmlns:a16="http://schemas.microsoft.com/office/drawing/2014/main" id="{14A5EA06-CB2A-434B-93F9-673624568B82}"/>
               </a:ext>
             </a:extLst>
           </p:cNvPr>
@@ -13855,7 +14406,12 @@
             <p:ph type="title"/>
           </p:nvPr>
         </p:nvSpPr>
-        <p:spPr/>
+        <p:spPr>
+          <a:xfrm>
+            <a:off x="838200" y="365125"/>
+            <a:ext cx="10515600" cy="1325563"/>
+          </a:xfrm>
+        </p:spPr>
         <p:txBody>
           <a:bodyPr/>
           <a:lstStyle/>
@@ -13868,50 +14424,170 @@
                 <a:latin typeface="Euclid Circular B" panose="020B0504000000000000" pitchFamily="34" charset="0"/>
                 <a:ea typeface="Euclid Circular B" panose="020B0504000000000000" pitchFamily="34" charset="0"/>
               </a:rPr>
-              <a:t>Title</a:t>
-            </a:r>
+              <a:t>The need for layering</a:t>
+            </a:r>
+            <a:br>
+              <a:rPr lang="en-US" b="1" dirty="0">
+                <a:solidFill>
+                  <a:srgbClr val="292D33"/>
+                </a:solidFill>
+                <a:latin typeface="Euclid Circular B" panose="020B0504000000000000" pitchFamily="34" charset="0"/>
+                <a:ea typeface="Euclid Circular B" panose="020B0504000000000000" pitchFamily="34" charset="0"/>
+              </a:rPr>
+            </a:br>
+            <a:r>
+              <a:rPr lang="en-US" sz="3200" b="1" i="1" dirty="0">
+                <a:solidFill>
+                  <a:srgbClr val="292D33"/>
+                </a:solidFill>
+                <a:latin typeface="Euclid Circular B" panose="020B0504000000000000" pitchFamily="34" charset="0"/>
+                <a:ea typeface="Euclid Circular B" panose="020B0504000000000000" pitchFamily="34" charset="0"/>
+              </a:rPr>
+              <a:t>4-projects solution</a:t>
+            </a:r>
+            <a:endParaRPr lang="en-US" b="1" dirty="0">
+              <a:solidFill>
+                <a:srgbClr val="292D33"/>
+              </a:solidFill>
+              <a:latin typeface="Euclid Circular B" panose="020B0504000000000000" pitchFamily="34" charset="0"/>
+              <a:ea typeface="Euclid Circular B" panose="020B0504000000000000" pitchFamily="34" charset="0"/>
+            </a:endParaRPr>
           </a:p>
         </p:txBody>
       </p:sp>
       <p:sp>
         <p:nvSpPr>
-          <p:cNvPr id="3" name="Content Placeholder 2">
-            <a:extLst>
-              <a:ext uri="{FF2B5EF4-FFF2-40B4-BE49-F238E27FC236}">
-                <a16:creationId xmlns:a16="http://schemas.microsoft.com/office/drawing/2014/main" id="{891C7693-D3DF-4635-96F4-97F3B4136FDF}"/>
-              </a:ext>
-            </a:extLst>
-          </p:cNvPr>
-          <p:cNvSpPr>
-            <a:spLocks noGrp="1"/>
-          </p:cNvSpPr>
-          <p:nvPr>
-            <p:ph idx="1"/>
-          </p:nvPr>
+          <p:cNvPr id="11" name="TextBox 10">
+            <a:extLst>
+              <a:ext uri="{FF2B5EF4-FFF2-40B4-BE49-F238E27FC236}">
+                <a16:creationId xmlns:a16="http://schemas.microsoft.com/office/drawing/2014/main" id="{7D7D9F67-5DDE-4501-B1BB-D73B76D7E0EA}"/>
+              </a:ext>
+            </a:extLst>
+          </p:cNvPr>
+          <p:cNvSpPr txBox="1"/>
+          <p:nvPr/>
         </p:nvSpPr>
-        <p:spPr/>
+        <p:spPr>
+          <a:xfrm>
+            <a:off x="3792325" y="1752715"/>
+            <a:ext cx="8050089" cy="2677656"/>
+          </a:xfrm>
+          <a:prstGeom prst="rect">
+            <a:avLst/>
+          </a:prstGeom>
+          <a:noFill/>
+        </p:spPr>
         <p:txBody>
-          <a:bodyPr/>
+          <a:bodyPr wrap="none" rtlCol="0">
+            <a:spAutoFit/>
+          </a:bodyPr>
           <a:lstStyle/>
           <a:p>
             <a:r>
-              <a:rPr lang="en-US" dirty="0">
-                <a:latin typeface="Euclid Circular B" panose="020B0504000000000000" pitchFamily="34" charset="0"/>
-                <a:ea typeface="Euclid Circular B" panose="020B0504000000000000" pitchFamily="34" charset="0"/>
-              </a:rPr>
-              <a:t>TODO</a:t>
-            </a:r>
-            <a:r>
-              <a:rPr lang="en-US">
-                <a:latin typeface="Euclid Circular B" panose="020B0504000000000000" pitchFamily="34" charset="0"/>
-                <a:ea typeface="Euclid Circular B" panose="020B0504000000000000" pitchFamily="34" charset="0"/>
-              </a:rPr>
-              <a:t>: ...</a:t>
-            </a:r>
-            <a:endParaRPr lang="en-US" dirty="0">
-              <a:latin typeface="Euclid Circular B" panose="020B0504000000000000" pitchFamily="34" charset="0"/>
-              <a:ea typeface="Euclid Circular B" panose="020B0504000000000000" pitchFamily="34" charset="0"/>
-            </a:endParaRPr>
+              <a:rPr lang="en-US" sz="2400" b="1" dirty="0" err="1"/>
+              <a:t>ECommerce.UI</a:t>
+            </a:r>
+            <a:r>
+              <a:rPr lang="en-US" sz="2400" b="1" dirty="0"/>
+              <a:t> </a:t>
+            </a:r>
+            <a:r>
+              <a:rPr lang="en-US" sz="2400" b="1" dirty="0">
+                <a:solidFill>
+                  <a:schemeClr val="bg1">
+                    <a:lumMod val="65000"/>
+                  </a:schemeClr>
+                </a:solidFill>
+              </a:rPr>
+              <a:t>--- (depends) ---&gt;</a:t>
+            </a:r>
+            <a:r>
+              <a:rPr lang="en-US" sz="2400" b="1" dirty="0"/>
+              <a:t> </a:t>
+            </a:r>
+            <a:r>
+              <a:rPr lang="en-US" sz="2400" b="1" dirty="0" err="1"/>
+              <a:t>ECommerce.Contracts</a:t>
+            </a:r>
+            <a:endParaRPr lang="en-US" sz="2400" b="1" dirty="0"/>
+          </a:p>
+          <a:p>
+            <a:r>
+              <a:rPr lang="en-US" sz="2400" b="1" dirty="0" err="1"/>
+              <a:t>ECommerce.Business</a:t>
+            </a:r>
+            <a:r>
+              <a:rPr lang="en-US" sz="2400" b="1" dirty="0"/>
+              <a:t>  </a:t>
+            </a:r>
+            <a:r>
+              <a:rPr lang="en-US" sz="2400" b="1" dirty="0">
+                <a:solidFill>
+                  <a:schemeClr val="bg1">
+                    <a:lumMod val="65000"/>
+                  </a:schemeClr>
+                </a:solidFill>
+              </a:rPr>
+              <a:t>--- (depends) ---&gt;</a:t>
+            </a:r>
+            <a:r>
+              <a:rPr lang="en-US" sz="2400" b="1" dirty="0"/>
+              <a:t> </a:t>
+            </a:r>
+            <a:r>
+              <a:rPr lang="en-US" sz="2400" b="1" dirty="0" err="1"/>
+              <a:t>ECommerce.Contracts</a:t>
+            </a:r>
+            <a:endParaRPr lang="en-US" sz="2400" b="1" dirty="0"/>
+          </a:p>
+          <a:p>
+            <a:endParaRPr lang="en-US" sz="2400" b="1" dirty="0"/>
+          </a:p>
+          <a:p>
+            <a:r>
+              <a:rPr lang="en-US" sz="2400" b="1" dirty="0" err="1"/>
+              <a:t>ECommerce.UI.Host</a:t>
+            </a:r>
+            <a:br>
+              <a:rPr lang="en-US" sz="2400" b="1" dirty="0"/>
+            </a:br>
+            <a:r>
+              <a:rPr lang="en-US" sz="2400" b="1" dirty="0"/>
+              <a:t>    </a:t>
+            </a:r>
+            <a:r>
+              <a:rPr lang="en-US" sz="2400" b="1" dirty="0">
+                <a:solidFill>
+                  <a:schemeClr val="bg1">
+                    <a:lumMod val="65000"/>
+                  </a:schemeClr>
+                </a:solidFill>
+              </a:rPr>
+              <a:t>--- (depends) ---&gt;</a:t>
+            </a:r>
+            <a:br>
+              <a:rPr lang="en-US" sz="2400" b="1" dirty="0"/>
+            </a:br>
+            <a:r>
+              <a:rPr lang="en-US" sz="2400" b="1" dirty="0"/>
+              <a:t>        </a:t>
+            </a:r>
+            <a:r>
+              <a:rPr lang="en-US" sz="2400" b="1" dirty="0" err="1"/>
+              <a:t>ECommerce.UI</a:t>
+            </a:r>
+            <a:endParaRPr lang="en-US" sz="2400" b="1" dirty="0"/>
+          </a:p>
+          <a:p>
+            <a:r>
+              <a:rPr lang="en-US" sz="2400" b="1" dirty="0"/>
+              <a:t>        </a:t>
+            </a:r>
+            <a:r>
+              <a:rPr lang="en-US" sz="2400" b="1" dirty="0" err="1"/>
+              <a:t>ECommerce.Business</a:t>
+            </a:r>
+            <a:endParaRPr lang="en-US" sz="2400" b="1" dirty="0"/>
           </a:p>
         </p:txBody>
       </p:sp>
@@ -13925,6 +14601,262 @@
   <p:clrMapOvr>
     <a:masterClrMapping/>
   </p:clrMapOvr>
+  <p:timing>
+    <p:tnLst>
+      <p:par>
+        <p:cTn id="1" dur="indefinite" restart="never" nodeType="tmRoot">
+          <p:childTnLst>
+            <p:seq concurrent="1" nextAc="seek">
+              <p:cTn id="2" dur="indefinite" nodeType="mainSeq">
+                <p:childTnLst>
+                  <p:par>
+                    <p:cTn id="3" fill="hold">
+                      <p:stCondLst>
+                        <p:cond delay="indefinite"/>
+                      </p:stCondLst>
+                      <p:childTnLst>
+                        <p:par>
+                          <p:cTn id="4" fill="hold">
+                            <p:stCondLst>
+                              <p:cond delay="0"/>
+                            </p:stCondLst>
+                            <p:childTnLst>
+                              <p:par>
+                                <p:cTn id="5" presetID="10" presetClass="entr" presetSubtype="0" fill="hold" nodeType="clickEffect">
+                                  <p:stCondLst>
+                                    <p:cond delay="0"/>
+                                  </p:stCondLst>
+                                  <p:childTnLst>
+                                    <p:set>
+                                      <p:cBhvr>
+                                        <p:cTn id="6" dur="1" fill="hold">
+                                          <p:stCondLst>
+                                            <p:cond delay="0"/>
+                                          </p:stCondLst>
+                                        </p:cTn>
+                                        <p:tgtEl>
+                                          <p:spTgt spid="11">
+                                            <p:txEl>
+                                              <p:pRg st="0" end="0"/>
+                                            </p:txEl>
+                                          </p:spTgt>
+                                        </p:tgtEl>
+                                        <p:attrNameLst>
+                                          <p:attrName>style.visibility</p:attrName>
+                                        </p:attrNameLst>
+                                      </p:cBhvr>
+                                      <p:to>
+                                        <p:strVal val="visible"/>
+                                      </p:to>
+                                    </p:set>
+                                    <p:animEffect transition="in" filter="fade">
+                                      <p:cBhvr>
+                                        <p:cTn id="7" dur="500"/>
+                                        <p:tgtEl>
+                                          <p:spTgt spid="11">
+                                            <p:txEl>
+                                              <p:pRg st="0" end="0"/>
+                                            </p:txEl>
+                                          </p:spTgt>
+                                        </p:tgtEl>
+                                      </p:cBhvr>
+                                    </p:animEffect>
+                                  </p:childTnLst>
+                                </p:cTn>
+                              </p:par>
+                            </p:childTnLst>
+                          </p:cTn>
+                        </p:par>
+                      </p:childTnLst>
+                    </p:cTn>
+                  </p:par>
+                  <p:par>
+                    <p:cTn id="8" fill="hold">
+                      <p:stCondLst>
+                        <p:cond delay="indefinite"/>
+                      </p:stCondLst>
+                      <p:childTnLst>
+                        <p:par>
+                          <p:cTn id="9" fill="hold">
+                            <p:stCondLst>
+                              <p:cond delay="0"/>
+                            </p:stCondLst>
+                            <p:childTnLst>
+                              <p:par>
+                                <p:cTn id="10" presetID="10" presetClass="entr" presetSubtype="0" fill="hold" nodeType="clickEffect">
+                                  <p:stCondLst>
+                                    <p:cond delay="0"/>
+                                  </p:stCondLst>
+                                  <p:childTnLst>
+                                    <p:set>
+                                      <p:cBhvr>
+                                        <p:cTn id="11" dur="1" fill="hold">
+                                          <p:stCondLst>
+                                            <p:cond delay="0"/>
+                                          </p:stCondLst>
+                                        </p:cTn>
+                                        <p:tgtEl>
+                                          <p:spTgt spid="11">
+                                            <p:txEl>
+                                              <p:pRg st="1" end="1"/>
+                                            </p:txEl>
+                                          </p:spTgt>
+                                        </p:tgtEl>
+                                        <p:attrNameLst>
+                                          <p:attrName>style.visibility</p:attrName>
+                                        </p:attrNameLst>
+                                      </p:cBhvr>
+                                      <p:to>
+                                        <p:strVal val="visible"/>
+                                      </p:to>
+                                    </p:set>
+                                    <p:animEffect transition="in" filter="fade">
+                                      <p:cBhvr>
+                                        <p:cTn id="12" dur="500"/>
+                                        <p:tgtEl>
+                                          <p:spTgt spid="11">
+                                            <p:txEl>
+                                              <p:pRg st="1" end="1"/>
+                                            </p:txEl>
+                                          </p:spTgt>
+                                        </p:tgtEl>
+                                      </p:cBhvr>
+                                    </p:animEffect>
+                                  </p:childTnLst>
+                                </p:cTn>
+                              </p:par>
+                            </p:childTnLst>
+                          </p:cTn>
+                        </p:par>
+                      </p:childTnLst>
+                    </p:cTn>
+                  </p:par>
+                  <p:par>
+                    <p:cTn id="13" fill="hold">
+                      <p:stCondLst>
+                        <p:cond delay="indefinite"/>
+                      </p:stCondLst>
+                      <p:childTnLst>
+                        <p:par>
+                          <p:cTn id="14" fill="hold">
+                            <p:stCondLst>
+                              <p:cond delay="0"/>
+                            </p:stCondLst>
+                            <p:childTnLst>
+                              <p:par>
+                                <p:cTn id="15" presetID="10" presetClass="entr" presetSubtype="0" fill="hold" nodeType="clickEffect">
+                                  <p:stCondLst>
+                                    <p:cond delay="0"/>
+                                  </p:stCondLst>
+                                  <p:childTnLst>
+                                    <p:set>
+                                      <p:cBhvr>
+                                        <p:cTn id="16" dur="1" fill="hold">
+                                          <p:stCondLst>
+                                            <p:cond delay="0"/>
+                                          </p:stCondLst>
+                                        </p:cTn>
+                                        <p:tgtEl>
+                                          <p:spTgt spid="11">
+                                            <p:txEl>
+                                              <p:pRg st="3" end="3"/>
+                                            </p:txEl>
+                                          </p:spTgt>
+                                        </p:tgtEl>
+                                        <p:attrNameLst>
+                                          <p:attrName>style.visibility</p:attrName>
+                                        </p:attrNameLst>
+                                      </p:cBhvr>
+                                      <p:to>
+                                        <p:strVal val="visible"/>
+                                      </p:to>
+                                    </p:set>
+                                    <p:animEffect transition="in" filter="fade">
+                                      <p:cBhvr>
+                                        <p:cTn id="17" dur="500"/>
+                                        <p:tgtEl>
+                                          <p:spTgt spid="11">
+                                            <p:txEl>
+                                              <p:pRg st="3" end="3"/>
+                                            </p:txEl>
+                                          </p:spTgt>
+                                        </p:tgtEl>
+                                      </p:cBhvr>
+                                    </p:animEffect>
+                                  </p:childTnLst>
+                                </p:cTn>
+                              </p:par>
+                              <p:par>
+                                <p:cTn id="18" presetID="10" presetClass="entr" presetSubtype="0" fill="hold" nodeType="withEffect">
+                                  <p:stCondLst>
+                                    <p:cond delay="0"/>
+                                  </p:stCondLst>
+                                  <p:childTnLst>
+                                    <p:set>
+                                      <p:cBhvr>
+                                        <p:cTn id="19" dur="1" fill="hold">
+                                          <p:stCondLst>
+                                            <p:cond delay="0"/>
+                                          </p:stCondLst>
+                                        </p:cTn>
+                                        <p:tgtEl>
+                                          <p:spTgt spid="11">
+                                            <p:txEl>
+                                              <p:pRg st="4" end="4"/>
+                                            </p:txEl>
+                                          </p:spTgt>
+                                        </p:tgtEl>
+                                        <p:attrNameLst>
+                                          <p:attrName>style.visibility</p:attrName>
+                                        </p:attrNameLst>
+                                      </p:cBhvr>
+                                      <p:to>
+                                        <p:strVal val="visible"/>
+                                      </p:to>
+                                    </p:set>
+                                    <p:animEffect transition="in" filter="fade">
+                                      <p:cBhvr>
+                                        <p:cTn id="20" dur="500"/>
+                                        <p:tgtEl>
+                                          <p:spTgt spid="11">
+                                            <p:txEl>
+                                              <p:pRg st="4" end="4"/>
+                                            </p:txEl>
+                                          </p:spTgt>
+                                        </p:tgtEl>
+                                      </p:cBhvr>
+                                    </p:animEffect>
+                                  </p:childTnLst>
+                                </p:cTn>
+                              </p:par>
+                            </p:childTnLst>
+                          </p:cTn>
+                        </p:par>
+                      </p:childTnLst>
+                    </p:cTn>
+                  </p:par>
+                </p:childTnLst>
+              </p:cTn>
+              <p:prevCondLst>
+                <p:cond evt="onPrev" delay="0">
+                  <p:tgtEl>
+                    <p:sldTgt/>
+                  </p:tgtEl>
+                </p:cond>
+              </p:prevCondLst>
+              <p:nextCondLst>
+                <p:cond evt="onNext" delay="0">
+                  <p:tgtEl>
+                    <p:sldTgt/>
+                  </p:tgtEl>
+                </p:cond>
+              </p:nextCondLst>
+            </p:seq>
+          </p:childTnLst>
+        </p:cTn>
+      </p:par>
+    </p:tnLst>
+  </p:timing>
 </p:sld>
 </file>
 
@@ -16121,7 +17053,7 @@
           <a:graphicData uri="http://schemas.openxmlformats.org/presentationml/2006/ole">
             <mc:AlternateContent xmlns:mc="http://schemas.openxmlformats.org/markup-compatibility/2006">
               <mc:Choice xmlns:v="urn:schemas-microsoft-com:vml" Requires="v">
-                <p:oleObj spid="_x0000_s2086" name="Bitmap Image" r:id="rId4" imgW="12553920" imgH="8362800" progId="Paint.Picture">
+                <p:oleObj spid="_x0000_s2089" name="Bitmap Image" r:id="rId4" imgW="12553920" imgH="8362800" progId="Paint.Picture">
                   <p:embed/>
                 </p:oleObj>
               </mc:Choice>
@@ -17742,7 +18674,7 @@
           <a:graphicData uri="http://schemas.openxmlformats.org/presentationml/2006/ole">
             <mc:AlternateContent xmlns:mc="http://schemas.openxmlformats.org/markup-compatibility/2006">
               <mc:Choice xmlns:v="urn:schemas-microsoft-com:vml" Requires="v">
-                <p:oleObj spid="_x0000_s3108" name="Bitmap Image" r:id="rId4" imgW="17059320" imgH="5762520" progId="Paint.Picture">
+                <p:oleObj spid="_x0000_s3111" name="Bitmap Image" r:id="rId4" imgW="17059320" imgH="5762520" progId="Paint.Picture">
                   <p:embed/>
                 </p:oleObj>
               </mc:Choice>

--- a/2022-05-12 Designing Monolith First (TR)/Monolith First Presentation.pptx
+++ b/2022-05-12 Designing Monolith First (TR)/Monolith First Presentation.pptx
@@ -17053,7 +17053,7 @@
           <a:graphicData uri="http://schemas.openxmlformats.org/presentationml/2006/ole">
             <mc:AlternateContent xmlns:mc="http://schemas.openxmlformats.org/markup-compatibility/2006">
               <mc:Choice xmlns:v="urn:schemas-microsoft-com:vml" Requires="v">
-                <p:oleObj spid="_x0000_s2089" name="Bitmap Image" r:id="rId4" imgW="12553920" imgH="8362800" progId="Paint.Picture">
+                <p:oleObj spid="_x0000_s2091" name="Bitmap Image" r:id="rId4" imgW="12553920" imgH="8362800" progId="Paint.Picture">
                   <p:embed/>
                 </p:oleObj>
               </mc:Choice>
@@ -18674,7 +18674,7 @@
           <a:graphicData uri="http://schemas.openxmlformats.org/presentationml/2006/ole">
             <mc:AlternateContent xmlns:mc="http://schemas.openxmlformats.org/markup-compatibility/2006">
               <mc:Choice xmlns:v="urn:schemas-microsoft-com:vml" Requires="v">
-                <p:oleObj spid="_x0000_s3111" name="Bitmap Image" r:id="rId4" imgW="17059320" imgH="5762520" progId="Paint.Picture">
+                <p:oleObj spid="_x0000_s3113" name="Bitmap Image" r:id="rId4" imgW="17059320" imgH="5762520" progId="Paint.Picture">
                   <p:embed/>
                 </p:oleObj>
               </mc:Choice>

--- a/2022-05-12 Designing Monolith First (TR)/Monolith First Presentation.pptx
+++ b/2022-05-12 Designing Monolith First (TR)/Monolith First Presentation.pptx
@@ -33,21 +33,23 @@
     <p:sldId id="289" r:id="rId27"/>
     <p:sldId id="290" r:id="rId28"/>
     <p:sldId id="291" r:id="rId29"/>
-    <p:sldId id="292" r:id="rId30"/>
-    <p:sldId id="293" r:id="rId31"/>
-    <p:sldId id="294" r:id="rId32"/>
-    <p:sldId id="295" r:id="rId33"/>
-    <p:sldId id="296" r:id="rId34"/>
-    <p:sldId id="271" r:id="rId35"/>
-    <p:sldId id="262" r:id="rId36"/>
-    <p:sldId id="263" r:id="rId37"/>
-    <p:sldId id="264" r:id="rId38"/>
-    <p:sldId id="265" r:id="rId39"/>
-    <p:sldId id="266" r:id="rId40"/>
-    <p:sldId id="267" r:id="rId41"/>
-    <p:sldId id="268" r:id="rId42"/>
-    <p:sldId id="297" r:id="rId43"/>
-    <p:sldId id="298" r:id="rId44"/>
+    <p:sldId id="293" r:id="rId30"/>
+    <p:sldId id="300" r:id="rId31"/>
+    <p:sldId id="301" r:id="rId32"/>
+    <p:sldId id="292" r:id="rId33"/>
+    <p:sldId id="294" r:id="rId34"/>
+    <p:sldId id="295" r:id="rId35"/>
+    <p:sldId id="296" r:id="rId36"/>
+    <p:sldId id="271" r:id="rId37"/>
+    <p:sldId id="262" r:id="rId38"/>
+    <p:sldId id="263" r:id="rId39"/>
+    <p:sldId id="264" r:id="rId40"/>
+    <p:sldId id="265" r:id="rId41"/>
+    <p:sldId id="266" r:id="rId42"/>
+    <p:sldId id="267" r:id="rId43"/>
+    <p:sldId id="268" r:id="rId44"/>
+    <p:sldId id="297" r:id="rId45"/>
+    <p:sldId id="298" r:id="rId46"/>
   </p:sldIdLst>
   <p:sldSz cx="12192000" cy="6858000"/>
   <p:notesSz cx="6858000" cy="9144000"/>
@@ -14920,63 +14922,277 @@
                 <a:latin typeface="Euclid Circular B" panose="020B0504000000000000" pitchFamily="34" charset="0"/>
                 <a:ea typeface="Euclid Circular B" panose="020B0504000000000000" pitchFamily="34" charset="0"/>
               </a:rPr>
-              <a:t>Title</a:t>
-            </a:r>
-          </a:p>
-        </p:txBody>
-      </p:sp>
-      <p:sp>
-        <p:nvSpPr>
-          <p:cNvPr id="3" name="Content Placeholder 2">
-            <a:extLst>
-              <a:ext uri="{FF2B5EF4-FFF2-40B4-BE49-F238E27FC236}">
-                <a16:creationId xmlns:a16="http://schemas.microsoft.com/office/drawing/2014/main" id="{891C7693-D3DF-4635-96F4-97F3B4136FDF}"/>
-              </a:ext>
-            </a:extLst>
-          </p:cNvPr>
-          <p:cNvSpPr>
-            <a:spLocks noGrp="1"/>
-          </p:cNvSpPr>
-          <p:nvPr>
-            <p:ph idx="1"/>
-          </p:nvPr>
-        </p:nvSpPr>
-        <p:spPr/>
-        <p:txBody>
-          <a:bodyPr/>
-          <a:lstStyle/>
-          <a:p>
-            <a:r>
-              <a:rPr lang="en-US" dirty="0">
-                <a:latin typeface="Euclid Circular B" panose="020B0504000000000000" pitchFamily="34" charset="0"/>
-                <a:ea typeface="Euclid Circular B" panose="020B0504000000000000" pitchFamily="34" charset="0"/>
-              </a:rPr>
-              <a:t>TODO</a:t>
-            </a:r>
-            <a:r>
-              <a:rPr lang="en-US">
-                <a:latin typeface="Euclid Circular B" panose="020B0504000000000000" pitchFamily="34" charset="0"/>
-                <a:ea typeface="Euclid Circular B" panose="020B0504000000000000" pitchFamily="34" charset="0"/>
-              </a:rPr>
-              <a:t>: ...</a:t>
-            </a:r>
-            <a:endParaRPr lang="en-US" dirty="0">
+              <a:t>The need for layering</a:t>
+            </a:r>
+            <a:br>
+              <a:rPr lang="en-US" b="1" dirty="0">
+                <a:solidFill>
+                  <a:srgbClr val="292D33"/>
+                </a:solidFill>
+                <a:latin typeface="Euclid Circular B" panose="020B0504000000000000" pitchFamily="34" charset="0"/>
+                <a:ea typeface="Euclid Circular B" panose="020B0504000000000000" pitchFamily="34" charset="0"/>
+              </a:rPr>
+            </a:br>
+            <a:r>
+              <a:rPr lang="en-US" sz="3200" b="1" i="1" dirty="0">
+                <a:solidFill>
+                  <a:srgbClr val="292D33"/>
+                </a:solidFill>
+                <a:latin typeface="Euclid Circular B" panose="020B0504000000000000" pitchFamily="34" charset="0"/>
+                <a:ea typeface="Euclid Circular B" panose="020B0504000000000000" pitchFamily="34" charset="0"/>
+              </a:rPr>
+              <a:t>Separating the data access project</a:t>
+            </a:r>
+            <a:endParaRPr lang="en-US" b="1" dirty="0">
+              <a:solidFill>
+                <a:srgbClr val="292D33"/>
+              </a:solidFill>
               <a:latin typeface="Euclid Circular B" panose="020B0504000000000000" pitchFamily="34" charset="0"/>
               <a:ea typeface="Euclid Circular B" panose="020B0504000000000000" pitchFamily="34" charset="0"/>
             </a:endParaRPr>
+          </a:p>
+        </p:txBody>
+      </p:sp>
+      <p:pic>
+        <p:nvPicPr>
+          <p:cNvPr id="7" name="Picture 6">
+            <a:extLst>
+              <a:ext uri="{FF2B5EF4-FFF2-40B4-BE49-F238E27FC236}">
+                <a16:creationId xmlns:a16="http://schemas.microsoft.com/office/drawing/2014/main" id="{5345FB43-CE87-4D57-91ED-93579D1D3000}"/>
+              </a:ext>
+            </a:extLst>
+          </p:cNvPr>
+          <p:cNvPicPr>
+            <a:picLocks noChangeAspect="1"/>
+          </p:cNvPicPr>
+          <p:nvPr/>
+        </p:nvPicPr>
+        <p:blipFill>
+          <a:blip r:embed="rId3"/>
+          <a:stretch>
+            <a:fillRect/>
+          </a:stretch>
+        </p:blipFill>
+        <p:spPr>
+          <a:xfrm>
+            <a:off x="910542" y="2765508"/>
+            <a:ext cx="4279573" cy="1636809"/>
+          </a:xfrm>
+          <a:prstGeom prst="rect">
+            <a:avLst/>
+          </a:prstGeom>
+        </p:spPr>
+      </p:pic>
+      <p:pic>
+        <p:nvPicPr>
+          <p:cNvPr id="9" name="Picture 8">
+            <a:extLst>
+              <a:ext uri="{FF2B5EF4-FFF2-40B4-BE49-F238E27FC236}">
+                <a16:creationId xmlns:a16="http://schemas.microsoft.com/office/drawing/2014/main" id="{53DC89EF-28B1-4DB2-8C62-CE0E71832A9C}"/>
+              </a:ext>
+            </a:extLst>
+          </p:cNvPr>
+          <p:cNvPicPr>
+            <a:picLocks noChangeAspect="1"/>
+          </p:cNvPicPr>
+          <p:nvPr/>
+        </p:nvPicPr>
+        <p:blipFill>
+          <a:blip r:embed="rId4"/>
+          <a:stretch>
+            <a:fillRect/>
+          </a:stretch>
+        </p:blipFill>
+        <p:spPr>
+          <a:xfrm>
+            <a:off x="7455374" y="2676340"/>
+            <a:ext cx="3981432" cy="1886783"/>
+          </a:xfrm>
+          <a:prstGeom prst="rect">
+            <a:avLst/>
+          </a:prstGeom>
+        </p:spPr>
+      </p:pic>
+      <p:sp>
+        <p:nvSpPr>
+          <p:cNvPr id="10" name="Arrow: Right 9">
+            <a:extLst>
+              <a:ext uri="{FF2B5EF4-FFF2-40B4-BE49-F238E27FC236}">
+                <a16:creationId xmlns:a16="http://schemas.microsoft.com/office/drawing/2014/main" id="{4132DA5B-6E2E-44B0-9B38-A35AA09C9331}"/>
+              </a:ext>
+            </a:extLst>
+          </p:cNvPr>
+          <p:cNvSpPr/>
+          <p:nvPr/>
+        </p:nvSpPr>
+        <p:spPr>
+          <a:xfrm>
+            <a:off x="5757136" y="3395376"/>
+            <a:ext cx="1131216" cy="377072"/>
+          </a:xfrm>
+          <a:prstGeom prst="rightArrow">
+            <a:avLst/>
+          </a:prstGeom>
+          <a:solidFill>
+            <a:srgbClr val="FF0000"/>
+          </a:solidFill>
+        </p:spPr>
+        <p:style>
+          <a:lnRef idx="2">
+            <a:schemeClr val="accent1">
+              <a:shade val="50000"/>
+            </a:schemeClr>
+          </a:lnRef>
+          <a:fillRef idx="1">
+            <a:schemeClr val="accent1"/>
+          </a:fillRef>
+          <a:effectRef idx="0">
+            <a:schemeClr val="accent1"/>
+          </a:effectRef>
+          <a:fontRef idx="minor">
+            <a:schemeClr val="lt1"/>
+          </a:fontRef>
+        </p:style>
+        <p:txBody>
+          <a:bodyPr rtlCol="0" anchor="ctr"/>
+          <a:lstStyle/>
+          <a:p>
+            <a:pPr algn="ctr"/>
+            <a:endParaRPr lang="en-US"/>
           </a:p>
         </p:txBody>
       </p:sp>
     </p:spTree>
     <p:extLst>
       <p:ext uri="{BB962C8B-B14F-4D97-AF65-F5344CB8AC3E}">
-        <p14:creationId xmlns:p14="http://schemas.microsoft.com/office/powerpoint/2010/main" val="4005011830"/>
+        <p14:creationId xmlns:p14="http://schemas.microsoft.com/office/powerpoint/2010/main" val="356166219"/>
       </p:ext>
     </p:extLst>
   </p:cSld>
   <p:clrMapOvr>
     <a:masterClrMapping/>
   </p:clrMapOvr>
+  <p:timing>
+    <p:tnLst>
+      <p:par>
+        <p:cTn id="1" dur="indefinite" restart="never" nodeType="tmRoot">
+          <p:childTnLst>
+            <p:seq concurrent="1" nextAc="seek">
+              <p:cTn id="2" dur="indefinite" nodeType="mainSeq">
+                <p:childTnLst>
+                  <p:par>
+                    <p:cTn id="3" fill="hold">
+                      <p:stCondLst>
+                        <p:cond delay="indefinite"/>
+                      </p:stCondLst>
+                      <p:childTnLst>
+                        <p:par>
+                          <p:cTn id="4" fill="hold">
+                            <p:stCondLst>
+                              <p:cond delay="0"/>
+                            </p:stCondLst>
+                            <p:childTnLst>
+                              <p:par>
+                                <p:cTn id="5" presetID="10" presetClass="entr" presetSubtype="0" fill="hold" nodeType="clickEffect">
+                                  <p:stCondLst>
+                                    <p:cond delay="0"/>
+                                  </p:stCondLst>
+                                  <p:childTnLst>
+                                    <p:set>
+                                      <p:cBhvr>
+                                        <p:cTn id="6" dur="1" fill="hold">
+                                          <p:stCondLst>
+                                            <p:cond delay="0"/>
+                                          </p:stCondLst>
+                                        </p:cTn>
+                                        <p:tgtEl>
+                                          <p:spTgt spid="9"/>
+                                        </p:tgtEl>
+                                        <p:attrNameLst>
+                                          <p:attrName>style.visibility</p:attrName>
+                                        </p:attrNameLst>
+                                      </p:cBhvr>
+                                      <p:to>
+                                        <p:strVal val="visible"/>
+                                      </p:to>
+                                    </p:set>
+                                    <p:animEffect transition="in" filter="fade">
+                                      <p:cBhvr>
+                                        <p:cTn id="7" dur="500"/>
+                                        <p:tgtEl>
+                                          <p:spTgt spid="9"/>
+                                        </p:tgtEl>
+                                      </p:cBhvr>
+                                    </p:animEffect>
+                                  </p:childTnLst>
+                                </p:cTn>
+                              </p:par>
+                              <p:par>
+                                <p:cTn id="8" presetID="10" presetClass="entr" presetSubtype="0" fill="hold" grpId="0" nodeType="withEffect">
+                                  <p:stCondLst>
+                                    <p:cond delay="0"/>
+                                  </p:stCondLst>
+                                  <p:childTnLst>
+                                    <p:set>
+                                      <p:cBhvr>
+                                        <p:cTn id="9" dur="1" fill="hold">
+                                          <p:stCondLst>
+                                            <p:cond delay="0"/>
+                                          </p:stCondLst>
+                                        </p:cTn>
+                                        <p:tgtEl>
+                                          <p:spTgt spid="10"/>
+                                        </p:tgtEl>
+                                        <p:attrNameLst>
+                                          <p:attrName>style.visibility</p:attrName>
+                                        </p:attrNameLst>
+                                      </p:cBhvr>
+                                      <p:to>
+                                        <p:strVal val="visible"/>
+                                      </p:to>
+                                    </p:set>
+                                    <p:animEffect transition="in" filter="fade">
+                                      <p:cBhvr>
+                                        <p:cTn id="10" dur="500"/>
+                                        <p:tgtEl>
+                                          <p:spTgt spid="10"/>
+                                        </p:tgtEl>
+                                      </p:cBhvr>
+                                    </p:animEffect>
+                                  </p:childTnLst>
+                                </p:cTn>
+                              </p:par>
+                            </p:childTnLst>
+                          </p:cTn>
+                        </p:par>
+                      </p:childTnLst>
+                    </p:cTn>
+                  </p:par>
+                </p:childTnLst>
+              </p:cTn>
+              <p:prevCondLst>
+                <p:cond evt="onPrev" delay="0">
+                  <p:tgtEl>
+                    <p:sldTgt/>
+                  </p:tgtEl>
+                </p:cond>
+              </p:prevCondLst>
+              <p:nextCondLst>
+                <p:cond evt="onNext" delay="0">
+                  <p:tgtEl>
+                    <p:sldTgt/>
+                  </p:tgtEl>
+                </p:cond>
+              </p:nextCondLst>
+            </p:seq>
+          </p:childTnLst>
+        </p:cTn>
+      </p:par>
+    </p:tnLst>
+    <p:bldLst>
+      <p:bldP spid="10" grpId="0" animBg="1"/>
+    </p:bldLst>
+  </p:timing>
 </p:sld>
 </file>
 
@@ -15160,63 +15376,277 @@
                 <a:latin typeface="Euclid Circular B" panose="020B0504000000000000" pitchFamily="34" charset="0"/>
                 <a:ea typeface="Euclid Circular B" panose="020B0504000000000000" pitchFamily="34" charset="0"/>
               </a:rPr>
-              <a:t>Title</a:t>
-            </a:r>
+              <a:t>The need for layering</a:t>
+            </a:r>
+            <a:br>
+              <a:rPr lang="en-US" b="1" dirty="0">
+                <a:solidFill>
+                  <a:srgbClr val="292D33"/>
+                </a:solidFill>
+                <a:latin typeface="Euclid Circular B" panose="020B0504000000000000" pitchFamily="34" charset="0"/>
+                <a:ea typeface="Euclid Circular B" panose="020B0504000000000000" pitchFamily="34" charset="0"/>
+              </a:rPr>
+            </a:br>
+            <a:r>
+              <a:rPr lang="en-US" sz="3200" b="1" i="1" dirty="0">
+                <a:solidFill>
+                  <a:srgbClr val="292D33"/>
+                </a:solidFill>
+                <a:latin typeface="Euclid Circular B" panose="020B0504000000000000" pitchFamily="34" charset="0"/>
+                <a:ea typeface="Euclid Circular B" panose="020B0504000000000000" pitchFamily="34" charset="0"/>
+              </a:rPr>
+              <a:t>Adding HTTP (REST) APIs</a:t>
+            </a:r>
+            <a:endParaRPr lang="en-US" b="1" dirty="0">
+              <a:solidFill>
+                <a:srgbClr val="292D33"/>
+              </a:solidFill>
+              <a:latin typeface="Euclid Circular B" panose="020B0504000000000000" pitchFamily="34" charset="0"/>
+              <a:ea typeface="Euclid Circular B" panose="020B0504000000000000" pitchFamily="34" charset="0"/>
+            </a:endParaRPr>
           </a:p>
         </p:txBody>
       </p:sp>
       <p:sp>
         <p:nvSpPr>
-          <p:cNvPr id="3" name="Content Placeholder 2">
-            <a:extLst>
-              <a:ext uri="{FF2B5EF4-FFF2-40B4-BE49-F238E27FC236}">
-                <a16:creationId xmlns:a16="http://schemas.microsoft.com/office/drawing/2014/main" id="{891C7693-D3DF-4635-96F4-97F3B4136FDF}"/>
-              </a:ext>
-            </a:extLst>
-          </p:cNvPr>
-          <p:cNvSpPr>
-            <a:spLocks noGrp="1"/>
-          </p:cNvSpPr>
-          <p:nvPr>
-            <p:ph idx="1"/>
-          </p:nvPr>
+          <p:cNvPr id="10" name="Arrow: Right 9">
+            <a:extLst>
+              <a:ext uri="{FF2B5EF4-FFF2-40B4-BE49-F238E27FC236}">
+                <a16:creationId xmlns:a16="http://schemas.microsoft.com/office/drawing/2014/main" id="{4132DA5B-6E2E-44B0-9B38-A35AA09C9331}"/>
+              </a:ext>
+            </a:extLst>
+          </p:cNvPr>
+          <p:cNvSpPr/>
+          <p:nvPr/>
         </p:nvSpPr>
-        <p:spPr/>
+        <p:spPr>
+          <a:xfrm>
+            <a:off x="5530392" y="3240464"/>
+            <a:ext cx="1131216" cy="377072"/>
+          </a:xfrm>
+          <a:prstGeom prst="rightArrow">
+            <a:avLst/>
+          </a:prstGeom>
+          <a:solidFill>
+            <a:srgbClr val="FF0000"/>
+          </a:solidFill>
+        </p:spPr>
+        <p:style>
+          <a:lnRef idx="2">
+            <a:schemeClr val="accent1">
+              <a:shade val="50000"/>
+            </a:schemeClr>
+          </a:lnRef>
+          <a:fillRef idx="1">
+            <a:schemeClr val="accent1"/>
+          </a:fillRef>
+          <a:effectRef idx="0">
+            <a:schemeClr val="accent1"/>
+          </a:effectRef>
+          <a:fontRef idx="minor">
+            <a:schemeClr val="lt1"/>
+          </a:fontRef>
+        </p:style>
         <p:txBody>
-          <a:bodyPr/>
+          <a:bodyPr rtlCol="0" anchor="ctr"/>
           <a:lstStyle/>
           <a:p>
-            <a:r>
-              <a:rPr lang="en-US" dirty="0">
-                <a:latin typeface="Euclid Circular B" panose="020B0504000000000000" pitchFamily="34" charset="0"/>
-                <a:ea typeface="Euclid Circular B" panose="020B0504000000000000" pitchFamily="34" charset="0"/>
-              </a:rPr>
-              <a:t>TODO</a:t>
-            </a:r>
-            <a:r>
-              <a:rPr lang="en-US">
-                <a:latin typeface="Euclid Circular B" panose="020B0504000000000000" pitchFamily="34" charset="0"/>
-                <a:ea typeface="Euclid Circular B" panose="020B0504000000000000" pitchFamily="34" charset="0"/>
-              </a:rPr>
-              <a:t>: ...</a:t>
-            </a:r>
-            <a:endParaRPr lang="en-US" dirty="0">
-              <a:latin typeface="Euclid Circular B" panose="020B0504000000000000" pitchFamily="34" charset="0"/>
-              <a:ea typeface="Euclid Circular B" panose="020B0504000000000000" pitchFamily="34" charset="0"/>
-            </a:endParaRPr>
+            <a:pPr algn="ctr"/>
+            <a:endParaRPr lang="en-US"/>
           </a:p>
         </p:txBody>
       </p:sp>
+      <p:pic>
+        <p:nvPicPr>
+          <p:cNvPr id="4" name="Picture 3">
+            <a:extLst>
+              <a:ext uri="{FF2B5EF4-FFF2-40B4-BE49-F238E27FC236}">
+                <a16:creationId xmlns:a16="http://schemas.microsoft.com/office/drawing/2014/main" id="{FD98F0D5-F545-4FE3-A32A-3C26C6BC14D0}"/>
+              </a:ext>
+            </a:extLst>
+          </p:cNvPr>
+          <p:cNvPicPr>
+            <a:picLocks noChangeAspect="1"/>
+          </p:cNvPicPr>
+          <p:nvPr/>
+        </p:nvPicPr>
+        <p:blipFill>
+          <a:blip r:embed="rId3"/>
+          <a:stretch>
+            <a:fillRect/>
+          </a:stretch>
+        </p:blipFill>
+        <p:spPr>
+          <a:xfrm>
+            <a:off x="7564401" y="2477046"/>
+            <a:ext cx="3947607" cy="2182417"/>
+          </a:xfrm>
+          <a:prstGeom prst="rect">
+            <a:avLst/>
+          </a:prstGeom>
+        </p:spPr>
+      </p:pic>
+      <p:pic>
+        <p:nvPicPr>
+          <p:cNvPr id="6" name="Picture 5">
+            <a:extLst>
+              <a:ext uri="{FF2B5EF4-FFF2-40B4-BE49-F238E27FC236}">
+                <a16:creationId xmlns:a16="http://schemas.microsoft.com/office/drawing/2014/main" id="{0F3C5CE4-0394-4EBF-B639-5EFCD72B295D}"/>
+              </a:ext>
+            </a:extLst>
+          </p:cNvPr>
+          <p:cNvPicPr>
+            <a:picLocks noChangeAspect="1"/>
+          </p:cNvPicPr>
+          <p:nvPr/>
+        </p:nvPicPr>
+        <p:blipFill>
+          <a:blip r:embed="rId4"/>
+          <a:stretch>
+            <a:fillRect/>
+          </a:stretch>
+        </p:blipFill>
+        <p:spPr>
+          <a:xfrm>
+            <a:off x="838199" y="2477047"/>
+            <a:ext cx="3965725" cy="1864365"/>
+          </a:xfrm>
+          <a:prstGeom prst="rect">
+            <a:avLst/>
+          </a:prstGeom>
+        </p:spPr>
+      </p:pic>
     </p:spTree>
     <p:extLst>
       <p:ext uri="{BB962C8B-B14F-4D97-AF65-F5344CB8AC3E}">
-        <p14:creationId xmlns:p14="http://schemas.microsoft.com/office/powerpoint/2010/main" val="356166219"/>
+        <p14:creationId xmlns:p14="http://schemas.microsoft.com/office/powerpoint/2010/main" val="1826970744"/>
       </p:ext>
     </p:extLst>
   </p:cSld>
   <p:clrMapOvr>
     <a:masterClrMapping/>
   </p:clrMapOvr>
+  <p:timing>
+    <p:tnLst>
+      <p:par>
+        <p:cTn id="1" dur="indefinite" restart="never" nodeType="tmRoot">
+          <p:childTnLst>
+            <p:seq concurrent="1" nextAc="seek">
+              <p:cTn id="2" dur="indefinite" nodeType="mainSeq">
+                <p:childTnLst>
+                  <p:par>
+                    <p:cTn id="3" fill="hold">
+                      <p:stCondLst>
+                        <p:cond delay="indefinite"/>
+                      </p:stCondLst>
+                      <p:childTnLst>
+                        <p:par>
+                          <p:cTn id="4" fill="hold">
+                            <p:stCondLst>
+                              <p:cond delay="0"/>
+                            </p:stCondLst>
+                            <p:childTnLst>
+                              <p:par>
+                                <p:cTn id="5" presetID="10" presetClass="entr" presetSubtype="0" fill="hold" grpId="0" nodeType="clickEffect">
+                                  <p:stCondLst>
+                                    <p:cond delay="0"/>
+                                  </p:stCondLst>
+                                  <p:childTnLst>
+                                    <p:set>
+                                      <p:cBhvr>
+                                        <p:cTn id="6" dur="1" fill="hold">
+                                          <p:stCondLst>
+                                            <p:cond delay="0"/>
+                                          </p:stCondLst>
+                                        </p:cTn>
+                                        <p:tgtEl>
+                                          <p:spTgt spid="10"/>
+                                        </p:tgtEl>
+                                        <p:attrNameLst>
+                                          <p:attrName>style.visibility</p:attrName>
+                                        </p:attrNameLst>
+                                      </p:cBhvr>
+                                      <p:to>
+                                        <p:strVal val="visible"/>
+                                      </p:to>
+                                    </p:set>
+                                    <p:animEffect transition="in" filter="fade">
+                                      <p:cBhvr>
+                                        <p:cTn id="7" dur="500"/>
+                                        <p:tgtEl>
+                                          <p:spTgt spid="10"/>
+                                        </p:tgtEl>
+                                      </p:cBhvr>
+                                    </p:animEffect>
+                                  </p:childTnLst>
+                                </p:cTn>
+                              </p:par>
+                              <p:par>
+                                <p:cTn id="8" presetID="10" presetClass="entr" presetSubtype="0" fill="hold" nodeType="withEffect">
+                                  <p:stCondLst>
+                                    <p:cond delay="0"/>
+                                  </p:stCondLst>
+                                  <p:childTnLst>
+                                    <p:set>
+                                      <p:cBhvr>
+                                        <p:cTn id="9" dur="1" fill="hold">
+                                          <p:stCondLst>
+                                            <p:cond delay="0"/>
+                                          </p:stCondLst>
+                                        </p:cTn>
+                                        <p:tgtEl>
+                                          <p:spTgt spid="4"/>
+                                        </p:tgtEl>
+                                        <p:attrNameLst>
+                                          <p:attrName>style.visibility</p:attrName>
+                                        </p:attrNameLst>
+                                      </p:cBhvr>
+                                      <p:to>
+                                        <p:strVal val="visible"/>
+                                      </p:to>
+                                    </p:set>
+                                    <p:animEffect transition="in" filter="fade">
+                                      <p:cBhvr>
+                                        <p:cTn id="10" dur="500"/>
+                                        <p:tgtEl>
+                                          <p:spTgt spid="4"/>
+                                        </p:tgtEl>
+                                      </p:cBhvr>
+                                    </p:animEffect>
+                                  </p:childTnLst>
+                                </p:cTn>
+                              </p:par>
+                            </p:childTnLst>
+                          </p:cTn>
+                        </p:par>
+                      </p:childTnLst>
+                    </p:cTn>
+                  </p:par>
+                </p:childTnLst>
+              </p:cTn>
+              <p:prevCondLst>
+                <p:cond evt="onPrev" delay="0">
+                  <p:tgtEl>
+                    <p:sldTgt/>
+                  </p:tgtEl>
+                </p:cond>
+              </p:prevCondLst>
+              <p:nextCondLst>
+                <p:cond evt="onNext" delay="0">
+                  <p:tgtEl>
+                    <p:sldTgt/>
+                  </p:tgtEl>
+                </p:cond>
+              </p:nextCondLst>
+            </p:seq>
+          </p:childTnLst>
+        </p:cTn>
+      </p:par>
+    </p:tnLst>
+    <p:bldLst>
+      <p:bldP spid="10" grpId="0" animBg="1"/>
+    </p:bldLst>
+  </p:timing>
 </p:sld>
 </file>
 
@@ -15280,63 +15710,277 @@
                 <a:latin typeface="Euclid Circular B" panose="020B0504000000000000" pitchFamily="34" charset="0"/>
                 <a:ea typeface="Euclid Circular B" panose="020B0504000000000000" pitchFamily="34" charset="0"/>
               </a:rPr>
-              <a:t>Title</a:t>
-            </a:r>
+              <a:t>The need for layering</a:t>
+            </a:r>
+            <a:br>
+              <a:rPr lang="en-US" b="1" dirty="0">
+                <a:solidFill>
+                  <a:srgbClr val="292D33"/>
+                </a:solidFill>
+                <a:latin typeface="Euclid Circular B" panose="020B0504000000000000" pitchFamily="34" charset="0"/>
+                <a:ea typeface="Euclid Circular B" panose="020B0504000000000000" pitchFamily="34" charset="0"/>
+              </a:rPr>
+            </a:br>
+            <a:r>
+              <a:rPr lang="en-US" sz="3200" b="1" i="1" dirty="0">
+                <a:solidFill>
+                  <a:srgbClr val="292D33"/>
+                </a:solidFill>
+                <a:latin typeface="Euclid Circular B" panose="020B0504000000000000" pitchFamily="34" charset="0"/>
+                <a:ea typeface="Euclid Circular B" panose="020B0504000000000000" pitchFamily="34" charset="0"/>
+              </a:rPr>
+              <a:t>Implementing layering for Domain-Driven Design</a:t>
+            </a:r>
+            <a:endParaRPr lang="en-US" b="1" dirty="0">
+              <a:solidFill>
+                <a:srgbClr val="292D33"/>
+              </a:solidFill>
+              <a:latin typeface="Euclid Circular B" panose="020B0504000000000000" pitchFamily="34" charset="0"/>
+              <a:ea typeface="Euclid Circular B" panose="020B0504000000000000" pitchFamily="34" charset="0"/>
+            </a:endParaRPr>
           </a:p>
         </p:txBody>
       </p:sp>
       <p:sp>
         <p:nvSpPr>
-          <p:cNvPr id="3" name="Content Placeholder 2">
-            <a:extLst>
-              <a:ext uri="{FF2B5EF4-FFF2-40B4-BE49-F238E27FC236}">
-                <a16:creationId xmlns:a16="http://schemas.microsoft.com/office/drawing/2014/main" id="{891C7693-D3DF-4635-96F4-97F3B4136FDF}"/>
-              </a:ext>
-            </a:extLst>
-          </p:cNvPr>
-          <p:cNvSpPr>
-            <a:spLocks noGrp="1"/>
-          </p:cNvSpPr>
-          <p:nvPr>
-            <p:ph idx="1"/>
-          </p:nvPr>
+          <p:cNvPr id="10" name="Arrow: Right 9">
+            <a:extLst>
+              <a:ext uri="{FF2B5EF4-FFF2-40B4-BE49-F238E27FC236}">
+                <a16:creationId xmlns:a16="http://schemas.microsoft.com/office/drawing/2014/main" id="{4132DA5B-6E2E-44B0-9B38-A35AA09C9331}"/>
+              </a:ext>
+            </a:extLst>
+          </p:cNvPr>
+          <p:cNvSpPr/>
+          <p:nvPr/>
         </p:nvSpPr>
-        <p:spPr/>
+        <p:spPr>
+          <a:xfrm>
+            <a:off x="5530392" y="3240464"/>
+            <a:ext cx="1131216" cy="377072"/>
+          </a:xfrm>
+          <a:prstGeom prst="rightArrow">
+            <a:avLst/>
+          </a:prstGeom>
+          <a:solidFill>
+            <a:srgbClr val="FF0000"/>
+          </a:solidFill>
+        </p:spPr>
+        <p:style>
+          <a:lnRef idx="2">
+            <a:schemeClr val="accent1">
+              <a:shade val="50000"/>
+            </a:schemeClr>
+          </a:lnRef>
+          <a:fillRef idx="1">
+            <a:schemeClr val="accent1"/>
+          </a:fillRef>
+          <a:effectRef idx="0">
+            <a:schemeClr val="accent1"/>
+          </a:effectRef>
+          <a:fontRef idx="minor">
+            <a:schemeClr val="lt1"/>
+          </a:fontRef>
+        </p:style>
         <p:txBody>
-          <a:bodyPr/>
+          <a:bodyPr rtlCol="0" anchor="ctr"/>
           <a:lstStyle/>
           <a:p>
-            <a:r>
-              <a:rPr lang="en-US" dirty="0">
-                <a:latin typeface="Euclid Circular B" panose="020B0504000000000000" pitchFamily="34" charset="0"/>
-                <a:ea typeface="Euclid Circular B" panose="020B0504000000000000" pitchFamily="34" charset="0"/>
-              </a:rPr>
-              <a:t>TODO</a:t>
-            </a:r>
-            <a:r>
-              <a:rPr lang="en-US">
-                <a:latin typeface="Euclid Circular B" panose="020B0504000000000000" pitchFamily="34" charset="0"/>
-                <a:ea typeface="Euclid Circular B" panose="020B0504000000000000" pitchFamily="34" charset="0"/>
-              </a:rPr>
-              <a:t>: ...</a:t>
-            </a:r>
-            <a:endParaRPr lang="en-US" dirty="0">
-              <a:latin typeface="Euclid Circular B" panose="020B0504000000000000" pitchFamily="34" charset="0"/>
-              <a:ea typeface="Euclid Circular B" panose="020B0504000000000000" pitchFamily="34" charset="0"/>
-            </a:endParaRPr>
+            <a:pPr algn="ctr"/>
+            <a:endParaRPr lang="en-US"/>
           </a:p>
         </p:txBody>
       </p:sp>
+      <p:pic>
+        <p:nvPicPr>
+          <p:cNvPr id="5" name="Picture 4">
+            <a:extLst>
+              <a:ext uri="{FF2B5EF4-FFF2-40B4-BE49-F238E27FC236}">
+                <a16:creationId xmlns:a16="http://schemas.microsoft.com/office/drawing/2014/main" id="{23C412A5-CB0F-4C05-A6AD-2326D314DF7B}"/>
+              </a:ext>
+            </a:extLst>
+          </p:cNvPr>
+          <p:cNvPicPr>
+            <a:picLocks noChangeAspect="1"/>
+          </p:cNvPicPr>
+          <p:nvPr/>
+        </p:nvPicPr>
+        <p:blipFill>
+          <a:blip r:embed="rId3"/>
+          <a:stretch>
+            <a:fillRect/>
+          </a:stretch>
+        </p:blipFill>
+        <p:spPr>
+          <a:xfrm>
+            <a:off x="838200" y="2385498"/>
+            <a:ext cx="3590229" cy="2087003"/>
+          </a:xfrm>
+          <a:prstGeom prst="rect">
+            <a:avLst/>
+          </a:prstGeom>
+        </p:spPr>
+      </p:pic>
+      <p:pic>
+        <p:nvPicPr>
+          <p:cNvPr id="8" name="Picture 7">
+            <a:extLst>
+              <a:ext uri="{FF2B5EF4-FFF2-40B4-BE49-F238E27FC236}">
+                <a16:creationId xmlns:a16="http://schemas.microsoft.com/office/drawing/2014/main" id="{59C2C0A9-0D31-4DF9-8319-36B876F10FFC}"/>
+              </a:ext>
+            </a:extLst>
+          </p:cNvPr>
+          <p:cNvPicPr>
+            <a:picLocks noChangeAspect="1"/>
+          </p:cNvPicPr>
+          <p:nvPr/>
+        </p:nvPicPr>
+        <p:blipFill>
+          <a:blip r:embed="rId4"/>
+          <a:stretch>
+            <a:fillRect/>
+          </a:stretch>
+        </p:blipFill>
+        <p:spPr>
+          <a:xfrm>
+            <a:off x="7478368" y="2267364"/>
+            <a:ext cx="3633836" cy="2323272"/>
+          </a:xfrm>
+          <a:prstGeom prst="rect">
+            <a:avLst/>
+          </a:prstGeom>
+        </p:spPr>
+      </p:pic>
     </p:spTree>
     <p:extLst>
       <p:ext uri="{BB962C8B-B14F-4D97-AF65-F5344CB8AC3E}">
-        <p14:creationId xmlns:p14="http://schemas.microsoft.com/office/powerpoint/2010/main" val="2371312058"/>
+        <p14:creationId xmlns:p14="http://schemas.microsoft.com/office/powerpoint/2010/main" val="3876375059"/>
       </p:ext>
     </p:extLst>
   </p:cSld>
   <p:clrMapOvr>
     <a:masterClrMapping/>
   </p:clrMapOvr>
+  <p:timing>
+    <p:tnLst>
+      <p:par>
+        <p:cTn id="1" dur="indefinite" restart="never" nodeType="tmRoot">
+          <p:childTnLst>
+            <p:seq concurrent="1" nextAc="seek">
+              <p:cTn id="2" dur="indefinite" nodeType="mainSeq">
+                <p:childTnLst>
+                  <p:par>
+                    <p:cTn id="3" fill="hold">
+                      <p:stCondLst>
+                        <p:cond delay="indefinite"/>
+                      </p:stCondLst>
+                      <p:childTnLst>
+                        <p:par>
+                          <p:cTn id="4" fill="hold">
+                            <p:stCondLst>
+                              <p:cond delay="0"/>
+                            </p:stCondLst>
+                            <p:childTnLst>
+                              <p:par>
+                                <p:cTn id="5" presetID="10" presetClass="entr" presetSubtype="0" fill="hold" grpId="0" nodeType="clickEffect">
+                                  <p:stCondLst>
+                                    <p:cond delay="0"/>
+                                  </p:stCondLst>
+                                  <p:childTnLst>
+                                    <p:set>
+                                      <p:cBhvr>
+                                        <p:cTn id="6" dur="1" fill="hold">
+                                          <p:stCondLst>
+                                            <p:cond delay="0"/>
+                                          </p:stCondLst>
+                                        </p:cTn>
+                                        <p:tgtEl>
+                                          <p:spTgt spid="10"/>
+                                        </p:tgtEl>
+                                        <p:attrNameLst>
+                                          <p:attrName>style.visibility</p:attrName>
+                                        </p:attrNameLst>
+                                      </p:cBhvr>
+                                      <p:to>
+                                        <p:strVal val="visible"/>
+                                      </p:to>
+                                    </p:set>
+                                    <p:animEffect transition="in" filter="fade">
+                                      <p:cBhvr>
+                                        <p:cTn id="7" dur="500"/>
+                                        <p:tgtEl>
+                                          <p:spTgt spid="10"/>
+                                        </p:tgtEl>
+                                      </p:cBhvr>
+                                    </p:animEffect>
+                                  </p:childTnLst>
+                                </p:cTn>
+                              </p:par>
+                              <p:par>
+                                <p:cTn id="8" presetID="10" presetClass="entr" presetSubtype="0" fill="hold" nodeType="withEffect">
+                                  <p:stCondLst>
+                                    <p:cond delay="0"/>
+                                  </p:stCondLst>
+                                  <p:childTnLst>
+                                    <p:set>
+                                      <p:cBhvr>
+                                        <p:cTn id="9" dur="1" fill="hold">
+                                          <p:stCondLst>
+                                            <p:cond delay="0"/>
+                                          </p:stCondLst>
+                                        </p:cTn>
+                                        <p:tgtEl>
+                                          <p:spTgt spid="8"/>
+                                        </p:tgtEl>
+                                        <p:attrNameLst>
+                                          <p:attrName>style.visibility</p:attrName>
+                                        </p:attrNameLst>
+                                      </p:cBhvr>
+                                      <p:to>
+                                        <p:strVal val="visible"/>
+                                      </p:to>
+                                    </p:set>
+                                    <p:animEffect transition="in" filter="fade">
+                                      <p:cBhvr>
+                                        <p:cTn id="10" dur="500"/>
+                                        <p:tgtEl>
+                                          <p:spTgt spid="8"/>
+                                        </p:tgtEl>
+                                      </p:cBhvr>
+                                    </p:animEffect>
+                                  </p:childTnLst>
+                                </p:cTn>
+                              </p:par>
+                            </p:childTnLst>
+                          </p:cTn>
+                        </p:par>
+                      </p:childTnLst>
+                    </p:cTn>
+                  </p:par>
+                </p:childTnLst>
+              </p:cTn>
+              <p:prevCondLst>
+                <p:cond evt="onPrev" delay="0">
+                  <p:tgtEl>
+                    <p:sldTgt/>
+                  </p:tgtEl>
+                </p:cond>
+              </p:prevCondLst>
+              <p:nextCondLst>
+                <p:cond evt="onNext" delay="0">
+                  <p:tgtEl>
+                    <p:sldTgt/>
+                  </p:tgtEl>
+                </p:cond>
+              </p:nextCondLst>
+            </p:seq>
+          </p:childTnLst>
+        </p:cTn>
+      </p:par>
+    </p:tnLst>
+    <p:bldLst>
+      <p:bldP spid="10" grpId="0" animBg="1"/>
+    </p:bldLst>
+  </p:timing>
 </p:sld>
 </file>
 
@@ -15389,7 +16033,9 @@
         </p:nvSpPr>
         <p:spPr/>
         <p:txBody>
-          <a:bodyPr/>
+          <a:bodyPr>
+            <a:normAutofit/>
+          </a:bodyPr>
           <a:lstStyle/>
           <a:p>
             <a:r>
@@ -15400,63 +16046,1807 @@
                 <a:latin typeface="Euclid Circular B" panose="020B0504000000000000" pitchFamily="34" charset="0"/>
                 <a:ea typeface="Euclid Circular B" panose="020B0504000000000000" pitchFamily="34" charset="0"/>
               </a:rPr>
-              <a:t>Title</a:t>
-            </a:r>
+              <a:t>The need for layering</a:t>
+            </a:r>
+            <a:br>
+              <a:rPr lang="en-US" b="1" dirty="0">
+                <a:solidFill>
+                  <a:srgbClr val="292D33"/>
+                </a:solidFill>
+                <a:latin typeface="Euclid Circular B" panose="020B0504000000000000" pitchFamily="34" charset="0"/>
+                <a:ea typeface="Euclid Circular B" panose="020B0504000000000000" pitchFamily="34" charset="0"/>
+              </a:rPr>
+            </a:br>
+            <a:r>
+              <a:rPr lang="en-US" sz="3200" b="1" i="1" dirty="0">
+                <a:solidFill>
+                  <a:srgbClr val="292D33"/>
+                </a:solidFill>
+                <a:latin typeface="Euclid Circular B" panose="020B0504000000000000" pitchFamily="34" charset="0"/>
+                <a:ea typeface="Euclid Circular B" panose="020B0504000000000000" pitchFamily="34" charset="0"/>
+              </a:rPr>
+              <a:t>ABP’s layered solution structure</a:t>
+            </a:r>
+            <a:endParaRPr lang="en-US" b="1" dirty="0">
+              <a:solidFill>
+                <a:srgbClr val="292D33"/>
+              </a:solidFill>
+              <a:latin typeface="Euclid Circular B" panose="020B0504000000000000" pitchFamily="34" charset="0"/>
+              <a:ea typeface="Euclid Circular B" panose="020B0504000000000000" pitchFamily="34" charset="0"/>
+            </a:endParaRPr>
+          </a:p>
+        </p:txBody>
+      </p:sp>
+      <p:pic>
+        <p:nvPicPr>
+          <p:cNvPr id="7" name="Picture 6">
+            <a:extLst>
+              <a:ext uri="{FF2B5EF4-FFF2-40B4-BE49-F238E27FC236}">
+                <a16:creationId xmlns:a16="http://schemas.microsoft.com/office/drawing/2014/main" id="{3950613D-1A48-4B34-8D16-62AD893D4650}"/>
+              </a:ext>
+            </a:extLst>
+          </p:cNvPr>
+          <p:cNvPicPr>
+            <a:picLocks noChangeAspect="1"/>
+          </p:cNvPicPr>
+          <p:nvPr/>
+        </p:nvPicPr>
+        <p:blipFill>
+          <a:blip r:embed="rId3"/>
+          <a:stretch>
+            <a:fillRect/>
+          </a:stretch>
+        </p:blipFill>
+        <p:spPr>
+          <a:xfrm>
+            <a:off x="813507" y="2163745"/>
+            <a:ext cx="4305145" cy="3163629"/>
+          </a:xfrm>
+          <a:prstGeom prst="rect">
+            <a:avLst/>
+          </a:prstGeom>
+        </p:spPr>
+      </p:pic>
+      <p:sp>
+        <p:nvSpPr>
+          <p:cNvPr id="44" name="Rectangle 43">
+            <a:extLst>
+              <a:ext uri="{FF2B5EF4-FFF2-40B4-BE49-F238E27FC236}">
+                <a16:creationId xmlns:a16="http://schemas.microsoft.com/office/drawing/2014/main" id="{01484B11-DAD8-4B2E-9F5D-33F30B671C7B}"/>
+              </a:ext>
+            </a:extLst>
+          </p:cNvPr>
+          <p:cNvSpPr/>
+          <p:nvPr/>
+        </p:nvSpPr>
+        <p:spPr>
+          <a:xfrm>
+            <a:off x="6396990" y="2165015"/>
+            <a:ext cx="1257300" cy="299720"/>
+          </a:xfrm>
+          <a:prstGeom prst="rect">
+            <a:avLst/>
+          </a:prstGeom>
+        </p:spPr>
+        <p:style>
+          <a:lnRef idx="2">
+            <a:schemeClr val="accent6">
+              <a:shade val="50000"/>
+            </a:schemeClr>
+          </a:lnRef>
+          <a:fillRef idx="1">
+            <a:schemeClr val="accent6"/>
+          </a:fillRef>
+          <a:effectRef idx="0">
+            <a:schemeClr val="accent6"/>
+          </a:effectRef>
+          <a:fontRef idx="minor">
+            <a:schemeClr val="lt1"/>
+          </a:fontRef>
+        </p:style>
+        <p:txBody>
+          <a:bodyPr rot="0" spcFirstLastPara="0" vert="horz" wrap="square" lIns="91440" tIns="45720" rIns="91440" bIns="45720" numCol="1" spcCol="0" rtlCol="0" fromWordArt="0" anchor="ctr" anchorCtr="0" forceAA="0" compatLnSpc="1">
+            <a:prstTxWarp prst="textNoShape">
+              <a:avLst/>
+            </a:prstTxWarp>
+            <a:noAutofit/>
+          </a:bodyPr>
+          <a:lstStyle/>
+          <a:p>
+            <a:pPr marL="0" marR="0" algn="ctr">
+              <a:lnSpc>
+                <a:spcPct val="107000"/>
+              </a:lnSpc>
+              <a:spcBef>
+                <a:spcPts val="0"/>
+              </a:spcBef>
+              <a:spcAft>
+                <a:spcPts val="800"/>
+              </a:spcAft>
+            </a:pPr>
+            <a:r>
+              <a:rPr lang="en-US" sz="1100" b="1">
+                <a:effectLst/>
+                <a:ea typeface="Calibri" panose="020F0502020204030204" pitchFamily="34" charset="0"/>
+                <a:cs typeface="Arial" panose="020B0604020202020204" pitchFamily="34" charset="0"/>
+              </a:rPr>
+              <a:t>Domain.Shared</a:t>
+            </a:r>
+            <a:endParaRPr lang="en-US" sz="1100">
+              <a:effectLst/>
+              <a:ea typeface="Calibri" panose="020F0502020204030204" pitchFamily="34" charset="0"/>
+              <a:cs typeface="Arial" panose="020B0604020202020204" pitchFamily="34" charset="0"/>
+            </a:endParaRPr>
           </a:p>
         </p:txBody>
       </p:sp>
       <p:sp>
         <p:nvSpPr>
-          <p:cNvPr id="3" name="Content Placeholder 2">
-            <a:extLst>
-              <a:ext uri="{FF2B5EF4-FFF2-40B4-BE49-F238E27FC236}">
-                <a16:creationId xmlns:a16="http://schemas.microsoft.com/office/drawing/2014/main" id="{891C7693-D3DF-4635-96F4-97F3B4136FDF}"/>
-              </a:ext>
-            </a:extLst>
-          </p:cNvPr>
-          <p:cNvSpPr>
-            <a:spLocks noGrp="1"/>
-          </p:cNvSpPr>
-          <p:nvPr>
-            <p:ph idx="1"/>
-          </p:nvPr>
+          <p:cNvPr id="45" name="Rectangle 44">
+            <a:extLst>
+              <a:ext uri="{FF2B5EF4-FFF2-40B4-BE49-F238E27FC236}">
+                <a16:creationId xmlns:a16="http://schemas.microsoft.com/office/drawing/2014/main" id="{E514D529-536C-4037-A4AC-DC1B84D180B4}"/>
+              </a:ext>
+            </a:extLst>
+          </p:cNvPr>
+          <p:cNvSpPr/>
+          <p:nvPr/>
         </p:nvSpPr>
-        <p:spPr/>
+        <p:spPr>
+          <a:xfrm>
+            <a:off x="8272145" y="2163745"/>
+            <a:ext cx="1257300" cy="299720"/>
+          </a:xfrm>
+          <a:prstGeom prst="rect">
+            <a:avLst/>
+          </a:prstGeom>
+        </p:spPr>
+        <p:style>
+          <a:lnRef idx="2">
+            <a:schemeClr val="accent6">
+              <a:shade val="50000"/>
+            </a:schemeClr>
+          </a:lnRef>
+          <a:fillRef idx="1">
+            <a:schemeClr val="accent6"/>
+          </a:fillRef>
+          <a:effectRef idx="0">
+            <a:schemeClr val="accent6"/>
+          </a:effectRef>
+          <a:fontRef idx="minor">
+            <a:schemeClr val="lt1"/>
+          </a:fontRef>
+        </p:style>
         <p:txBody>
-          <a:bodyPr/>
+          <a:bodyPr rot="0" spcFirstLastPara="0" vert="horz" wrap="square" lIns="91440" tIns="45720" rIns="91440" bIns="45720" numCol="1" spcCol="0" rtlCol="0" fromWordArt="0" anchor="ctr" anchorCtr="0" forceAA="0" compatLnSpc="1">
+            <a:prstTxWarp prst="textNoShape">
+              <a:avLst/>
+            </a:prstTxWarp>
+            <a:noAutofit/>
+          </a:bodyPr>
           <a:lstStyle/>
           <a:p>
-            <a:r>
-              <a:rPr lang="en-US" dirty="0">
-                <a:latin typeface="Euclid Circular B" panose="020B0504000000000000" pitchFamily="34" charset="0"/>
-                <a:ea typeface="Euclid Circular B" panose="020B0504000000000000" pitchFamily="34" charset="0"/>
-              </a:rPr>
-              <a:t>TODO</a:t>
-            </a:r>
-            <a:r>
-              <a:rPr lang="en-US">
-                <a:latin typeface="Euclid Circular B" panose="020B0504000000000000" pitchFamily="34" charset="0"/>
-                <a:ea typeface="Euclid Circular B" panose="020B0504000000000000" pitchFamily="34" charset="0"/>
-              </a:rPr>
-              <a:t>: ...</a:t>
-            </a:r>
-            <a:endParaRPr lang="en-US" dirty="0">
-              <a:latin typeface="Euclid Circular B" panose="020B0504000000000000" pitchFamily="34" charset="0"/>
-              <a:ea typeface="Euclid Circular B" panose="020B0504000000000000" pitchFamily="34" charset="0"/>
+            <a:pPr marL="0" marR="0" algn="ctr">
+              <a:lnSpc>
+                <a:spcPct val="106000"/>
+              </a:lnSpc>
+              <a:spcBef>
+                <a:spcPts val="0"/>
+              </a:spcBef>
+              <a:spcAft>
+                <a:spcPts val="800"/>
+              </a:spcAft>
+            </a:pPr>
+            <a:r>
+              <a:rPr lang="en-US" sz="1100" b="1">
+                <a:effectLst/>
+                <a:ea typeface="Calibri" panose="020F0502020204030204" pitchFamily="34" charset="0"/>
+                <a:cs typeface="Arial" panose="020B0604020202020204" pitchFamily="34" charset="0"/>
+              </a:rPr>
+              <a:t>Domain</a:t>
+            </a:r>
+            <a:endParaRPr lang="en-US" sz="1100">
+              <a:effectLst/>
+              <a:ea typeface="Calibri" panose="020F0502020204030204" pitchFamily="34" charset="0"/>
+              <a:cs typeface="Arial" panose="020B0604020202020204" pitchFamily="34" charset="0"/>
             </a:endParaRPr>
           </a:p>
         </p:txBody>
       </p:sp>
+      <p:sp>
+        <p:nvSpPr>
+          <p:cNvPr id="46" name="Rectangle 45">
+            <a:extLst>
+              <a:ext uri="{FF2B5EF4-FFF2-40B4-BE49-F238E27FC236}">
+                <a16:creationId xmlns:a16="http://schemas.microsoft.com/office/drawing/2014/main" id="{3C887B18-DB54-4FBA-A14A-88C12829D1AA}"/>
+              </a:ext>
+            </a:extLst>
+          </p:cNvPr>
+          <p:cNvSpPr/>
+          <p:nvPr/>
+        </p:nvSpPr>
+        <p:spPr>
+          <a:xfrm>
+            <a:off x="10096500" y="2163745"/>
+            <a:ext cx="1257300" cy="299720"/>
+          </a:xfrm>
+          <a:prstGeom prst="rect">
+            <a:avLst/>
+          </a:prstGeom>
+        </p:spPr>
+        <p:style>
+          <a:lnRef idx="2">
+            <a:schemeClr val="accent3">
+              <a:shade val="50000"/>
+            </a:schemeClr>
+          </a:lnRef>
+          <a:fillRef idx="1">
+            <a:schemeClr val="accent3"/>
+          </a:fillRef>
+          <a:effectRef idx="0">
+            <a:schemeClr val="accent3"/>
+          </a:effectRef>
+          <a:fontRef idx="minor">
+            <a:schemeClr val="lt1"/>
+          </a:fontRef>
+        </p:style>
+        <p:txBody>
+          <a:bodyPr rot="0" spcFirstLastPara="0" vert="horz" wrap="square" lIns="91440" tIns="45720" rIns="91440" bIns="45720" numCol="1" spcCol="0" rtlCol="0" fromWordArt="0" anchor="ctr" anchorCtr="0" forceAA="0" compatLnSpc="1">
+            <a:prstTxWarp prst="textNoShape">
+              <a:avLst/>
+            </a:prstTxWarp>
+            <a:noAutofit/>
+          </a:bodyPr>
+          <a:lstStyle/>
+          <a:p>
+            <a:pPr marL="0" marR="0" algn="ctr">
+              <a:lnSpc>
+                <a:spcPct val="105000"/>
+              </a:lnSpc>
+              <a:spcBef>
+                <a:spcPts val="0"/>
+              </a:spcBef>
+              <a:spcAft>
+                <a:spcPts val="800"/>
+              </a:spcAft>
+            </a:pPr>
+            <a:r>
+              <a:rPr lang="en-US" sz="1100" b="1">
+                <a:solidFill>
+                  <a:srgbClr val="000000"/>
+                </a:solidFill>
+                <a:effectLst/>
+                <a:ea typeface="Calibri" panose="020F0502020204030204" pitchFamily="34" charset="0"/>
+                <a:cs typeface="Arial" panose="020B0604020202020204" pitchFamily="34" charset="0"/>
+              </a:rPr>
+              <a:t>EF Core</a:t>
+            </a:r>
+            <a:endParaRPr lang="en-US" sz="1100">
+              <a:effectLst/>
+              <a:ea typeface="Calibri" panose="020F0502020204030204" pitchFamily="34" charset="0"/>
+              <a:cs typeface="Arial" panose="020B0604020202020204" pitchFamily="34" charset="0"/>
+            </a:endParaRPr>
+          </a:p>
+        </p:txBody>
+      </p:sp>
+      <p:sp>
+        <p:nvSpPr>
+          <p:cNvPr id="47" name="Rectangle 46">
+            <a:extLst>
+              <a:ext uri="{FF2B5EF4-FFF2-40B4-BE49-F238E27FC236}">
+                <a16:creationId xmlns:a16="http://schemas.microsoft.com/office/drawing/2014/main" id="{AE3C81BD-F734-48F1-8909-DBD612409E58}"/>
+              </a:ext>
+            </a:extLst>
+          </p:cNvPr>
+          <p:cNvSpPr/>
+          <p:nvPr/>
+        </p:nvSpPr>
+        <p:spPr>
+          <a:xfrm>
+            <a:off x="6268720" y="2978450"/>
+            <a:ext cx="1509395" cy="299720"/>
+          </a:xfrm>
+          <a:prstGeom prst="rect">
+            <a:avLst/>
+          </a:prstGeom>
+        </p:spPr>
+        <p:style>
+          <a:lnRef idx="2">
+            <a:schemeClr val="accent1">
+              <a:shade val="50000"/>
+            </a:schemeClr>
+          </a:lnRef>
+          <a:fillRef idx="1">
+            <a:schemeClr val="accent1"/>
+          </a:fillRef>
+          <a:effectRef idx="0">
+            <a:schemeClr val="accent1"/>
+          </a:effectRef>
+          <a:fontRef idx="minor">
+            <a:schemeClr val="lt1"/>
+          </a:fontRef>
+        </p:style>
+        <p:txBody>
+          <a:bodyPr rot="0" spcFirstLastPara="0" vert="horz" wrap="square" lIns="91440" tIns="45720" rIns="91440" bIns="45720" numCol="1" spcCol="0" rtlCol="0" fromWordArt="0" anchor="ctr" anchorCtr="0" forceAA="0" compatLnSpc="1">
+            <a:prstTxWarp prst="textNoShape">
+              <a:avLst/>
+            </a:prstTxWarp>
+            <a:noAutofit/>
+          </a:bodyPr>
+          <a:lstStyle/>
+          <a:p>
+            <a:pPr marL="0" marR="0" algn="ctr">
+              <a:lnSpc>
+                <a:spcPct val="106000"/>
+              </a:lnSpc>
+              <a:spcBef>
+                <a:spcPts val="0"/>
+              </a:spcBef>
+              <a:spcAft>
+                <a:spcPts val="800"/>
+              </a:spcAft>
+            </a:pPr>
+            <a:r>
+              <a:rPr lang="en-US" sz="1100" b="1">
+                <a:effectLst/>
+                <a:ea typeface="Calibri" panose="020F0502020204030204" pitchFamily="34" charset="0"/>
+                <a:cs typeface="Arial" panose="020B0604020202020204" pitchFamily="34" charset="0"/>
+              </a:rPr>
+              <a:t>Application.Contracts</a:t>
+            </a:r>
+            <a:endParaRPr lang="en-US" sz="1100">
+              <a:effectLst/>
+              <a:ea typeface="Calibri" panose="020F0502020204030204" pitchFamily="34" charset="0"/>
+              <a:cs typeface="Arial" panose="020B0604020202020204" pitchFamily="34" charset="0"/>
+            </a:endParaRPr>
+          </a:p>
+        </p:txBody>
+      </p:sp>
+      <p:sp>
+        <p:nvSpPr>
+          <p:cNvPr id="48" name="Rectangle 47">
+            <a:extLst>
+              <a:ext uri="{FF2B5EF4-FFF2-40B4-BE49-F238E27FC236}">
+                <a16:creationId xmlns:a16="http://schemas.microsoft.com/office/drawing/2014/main" id="{B28CFE4E-0F8A-4015-8829-0A9B200D19D9}"/>
+              </a:ext>
+            </a:extLst>
+          </p:cNvPr>
+          <p:cNvSpPr/>
+          <p:nvPr/>
+        </p:nvSpPr>
+        <p:spPr>
+          <a:xfrm>
+            <a:off x="8270875" y="2978450"/>
+            <a:ext cx="1257300" cy="299720"/>
+          </a:xfrm>
+          <a:prstGeom prst="rect">
+            <a:avLst/>
+          </a:prstGeom>
+        </p:spPr>
+        <p:style>
+          <a:lnRef idx="2">
+            <a:schemeClr val="accent1">
+              <a:shade val="50000"/>
+            </a:schemeClr>
+          </a:lnRef>
+          <a:fillRef idx="1">
+            <a:schemeClr val="accent1"/>
+          </a:fillRef>
+          <a:effectRef idx="0">
+            <a:schemeClr val="accent1"/>
+          </a:effectRef>
+          <a:fontRef idx="minor">
+            <a:schemeClr val="lt1"/>
+          </a:fontRef>
+        </p:style>
+        <p:txBody>
+          <a:bodyPr rot="0" spcFirstLastPara="0" vert="horz" wrap="square" lIns="91440" tIns="45720" rIns="91440" bIns="45720" numCol="1" spcCol="0" rtlCol="0" fromWordArt="0" anchor="ctr" anchorCtr="0" forceAA="0" compatLnSpc="1">
+            <a:prstTxWarp prst="textNoShape">
+              <a:avLst/>
+            </a:prstTxWarp>
+            <a:noAutofit/>
+          </a:bodyPr>
+          <a:lstStyle/>
+          <a:p>
+            <a:pPr marL="0" marR="0" algn="ctr">
+              <a:lnSpc>
+                <a:spcPct val="105000"/>
+              </a:lnSpc>
+              <a:spcBef>
+                <a:spcPts val="0"/>
+              </a:spcBef>
+              <a:spcAft>
+                <a:spcPts val="800"/>
+              </a:spcAft>
+            </a:pPr>
+            <a:r>
+              <a:rPr lang="en-US" sz="1100" b="1">
+                <a:effectLst/>
+                <a:ea typeface="Calibri" panose="020F0502020204030204" pitchFamily="34" charset="0"/>
+                <a:cs typeface="Arial" panose="020B0604020202020204" pitchFamily="34" charset="0"/>
+              </a:rPr>
+              <a:t>Application</a:t>
+            </a:r>
+            <a:endParaRPr lang="en-US" sz="1100">
+              <a:effectLst/>
+              <a:ea typeface="Calibri" panose="020F0502020204030204" pitchFamily="34" charset="0"/>
+              <a:cs typeface="Arial" panose="020B0604020202020204" pitchFamily="34" charset="0"/>
+            </a:endParaRPr>
+          </a:p>
+        </p:txBody>
+      </p:sp>
+      <p:sp>
+        <p:nvSpPr>
+          <p:cNvPr id="49" name="Rectangle 48">
+            <a:extLst>
+              <a:ext uri="{FF2B5EF4-FFF2-40B4-BE49-F238E27FC236}">
+                <a16:creationId xmlns:a16="http://schemas.microsoft.com/office/drawing/2014/main" id="{CFADE30A-F70E-409D-9F5F-A2F650931AAF}"/>
+              </a:ext>
+            </a:extLst>
+          </p:cNvPr>
+          <p:cNvSpPr/>
+          <p:nvPr/>
+        </p:nvSpPr>
+        <p:spPr>
+          <a:xfrm>
+            <a:off x="7247255" y="3830620"/>
+            <a:ext cx="1257300" cy="299720"/>
+          </a:xfrm>
+          <a:prstGeom prst="rect">
+            <a:avLst/>
+          </a:prstGeom>
+        </p:spPr>
+        <p:style>
+          <a:lnRef idx="2">
+            <a:schemeClr val="accent4">
+              <a:shade val="50000"/>
+            </a:schemeClr>
+          </a:lnRef>
+          <a:fillRef idx="1">
+            <a:schemeClr val="accent4"/>
+          </a:fillRef>
+          <a:effectRef idx="0">
+            <a:schemeClr val="accent4"/>
+          </a:effectRef>
+          <a:fontRef idx="minor">
+            <a:schemeClr val="lt1"/>
+          </a:fontRef>
+        </p:style>
+        <p:txBody>
+          <a:bodyPr rot="0" spcFirstLastPara="0" vert="horz" wrap="square" lIns="91440" tIns="45720" rIns="91440" bIns="45720" numCol="1" spcCol="0" rtlCol="0" fromWordArt="0" anchor="ctr" anchorCtr="0" forceAA="0" compatLnSpc="1">
+            <a:prstTxWarp prst="textNoShape">
+              <a:avLst/>
+            </a:prstTxWarp>
+            <a:noAutofit/>
+          </a:bodyPr>
+          <a:lstStyle/>
+          <a:p>
+            <a:pPr marL="0" marR="0" algn="ctr">
+              <a:lnSpc>
+                <a:spcPct val="105000"/>
+              </a:lnSpc>
+              <a:spcBef>
+                <a:spcPts val="0"/>
+              </a:spcBef>
+              <a:spcAft>
+                <a:spcPts val="800"/>
+              </a:spcAft>
+            </a:pPr>
+            <a:r>
+              <a:rPr lang="en-US" sz="1100" b="1">
+                <a:solidFill>
+                  <a:srgbClr val="000000"/>
+                </a:solidFill>
+                <a:effectLst/>
+                <a:ea typeface="Calibri" panose="020F0502020204030204" pitchFamily="34" charset="0"/>
+                <a:cs typeface="Arial" panose="020B0604020202020204" pitchFamily="34" charset="0"/>
+              </a:rPr>
+              <a:t>HttpApi</a:t>
+            </a:r>
+            <a:endParaRPr lang="en-US" sz="1100">
+              <a:effectLst/>
+              <a:ea typeface="Calibri" panose="020F0502020204030204" pitchFamily="34" charset="0"/>
+              <a:cs typeface="Arial" panose="020B0604020202020204" pitchFamily="34" charset="0"/>
+            </a:endParaRPr>
+          </a:p>
+        </p:txBody>
+      </p:sp>
+      <p:sp>
+        <p:nvSpPr>
+          <p:cNvPr id="50" name="Rectangle 49">
+            <a:extLst>
+              <a:ext uri="{FF2B5EF4-FFF2-40B4-BE49-F238E27FC236}">
+                <a16:creationId xmlns:a16="http://schemas.microsoft.com/office/drawing/2014/main" id="{47E31B97-F3F2-4492-84FD-719FBBBDC33D}"/>
+              </a:ext>
+            </a:extLst>
+          </p:cNvPr>
+          <p:cNvSpPr/>
+          <p:nvPr/>
+        </p:nvSpPr>
+        <p:spPr>
+          <a:xfrm>
+            <a:off x="5605145" y="3835700"/>
+            <a:ext cx="1257300" cy="299720"/>
+          </a:xfrm>
+          <a:prstGeom prst="rect">
+            <a:avLst/>
+          </a:prstGeom>
+        </p:spPr>
+        <p:style>
+          <a:lnRef idx="2">
+            <a:schemeClr val="accent4">
+              <a:shade val="50000"/>
+            </a:schemeClr>
+          </a:lnRef>
+          <a:fillRef idx="1">
+            <a:schemeClr val="accent4"/>
+          </a:fillRef>
+          <a:effectRef idx="0">
+            <a:schemeClr val="accent4"/>
+          </a:effectRef>
+          <a:fontRef idx="minor">
+            <a:schemeClr val="lt1"/>
+          </a:fontRef>
+        </p:style>
+        <p:txBody>
+          <a:bodyPr rot="0" spcFirstLastPara="0" vert="horz" wrap="square" lIns="91440" tIns="45720" rIns="91440" bIns="45720" numCol="1" spcCol="0" rtlCol="0" fromWordArt="0" anchor="ctr" anchorCtr="0" forceAA="0" compatLnSpc="1">
+            <a:prstTxWarp prst="textNoShape">
+              <a:avLst/>
+            </a:prstTxWarp>
+            <a:noAutofit/>
+          </a:bodyPr>
+          <a:lstStyle/>
+          <a:p>
+            <a:pPr marL="0" marR="0" algn="ctr">
+              <a:lnSpc>
+                <a:spcPct val="105000"/>
+              </a:lnSpc>
+              <a:spcBef>
+                <a:spcPts val="0"/>
+              </a:spcBef>
+              <a:spcAft>
+                <a:spcPts val="800"/>
+              </a:spcAft>
+            </a:pPr>
+            <a:r>
+              <a:rPr lang="en-US" sz="1100" b="1">
+                <a:solidFill>
+                  <a:srgbClr val="000000"/>
+                </a:solidFill>
+                <a:effectLst/>
+                <a:ea typeface="Calibri" panose="020F0502020204030204" pitchFamily="34" charset="0"/>
+                <a:cs typeface="Arial" panose="020B0604020202020204" pitchFamily="34" charset="0"/>
+              </a:rPr>
+              <a:t>HttpApi.Client</a:t>
+            </a:r>
+            <a:endParaRPr lang="en-US" sz="1100">
+              <a:effectLst/>
+              <a:ea typeface="Calibri" panose="020F0502020204030204" pitchFamily="34" charset="0"/>
+              <a:cs typeface="Arial" panose="020B0604020202020204" pitchFamily="34" charset="0"/>
+            </a:endParaRPr>
+          </a:p>
+        </p:txBody>
+      </p:sp>
+      <p:sp>
+        <p:nvSpPr>
+          <p:cNvPr id="51" name="Rectangle 50">
+            <a:extLst>
+              <a:ext uri="{FF2B5EF4-FFF2-40B4-BE49-F238E27FC236}">
+                <a16:creationId xmlns:a16="http://schemas.microsoft.com/office/drawing/2014/main" id="{D36FDBDC-EB45-4E7C-8808-25E7A9F96958}"/>
+              </a:ext>
+            </a:extLst>
+          </p:cNvPr>
+          <p:cNvSpPr/>
+          <p:nvPr/>
+        </p:nvSpPr>
+        <p:spPr>
+          <a:xfrm>
+            <a:off x="7248525" y="4573570"/>
+            <a:ext cx="1257300" cy="299720"/>
+          </a:xfrm>
+          <a:prstGeom prst="rect">
+            <a:avLst/>
+          </a:prstGeom>
+        </p:spPr>
+        <p:style>
+          <a:lnRef idx="2">
+            <a:schemeClr val="accent2">
+              <a:shade val="50000"/>
+            </a:schemeClr>
+          </a:lnRef>
+          <a:fillRef idx="1">
+            <a:schemeClr val="accent2"/>
+          </a:fillRef>
+          <a:effectRef idx="0">
+            <a:schemeClr val="accent2"/>
+          </a:effectRef>
+          <a:fontRef idx="minor">
+            <a:schemeClr val="lt1"/>
+          </a:fontRef>
+        </p:style>
+        <p:txBody>
+          <a:bodyPr rot="0" spcFirstLastPara="0" vert="horz" wrap="square" lIns="91440" tIns="45720" rIns="91440" bIns="45720" numCol="1" spcCol="0" rtlCol="0" fromWordArt="0" anchor="ctr" anchorCtr="0" forceAA="0" compatLnSpc="1">
+            <a:prstTxWarp prst="textNoShape">
+              <a:avLst/>
+            </a:prstTxWarp>
+            <a:noAutofit/>
+          </a:bodyPr>
+          <a:lstStyle/>
+          <a:p>
+            <a:pPr marL="0" marR="0" algn="ctr">
+              <a:lnSpc>
+                <a:spcPct val="105000"/>
+              </a:lnSpc>
+              <a:spcBef>
+                <a:spcPts val="0"/>
+              </a:spcBef>
+              <a:spcAft>
+                <a:spcPts val="800"/>
+              </a:spcAft>
+            </a:pPr>
+            <a:r>
+              <a:rPr lang="en-US" sz="1100" b="1">
+                <a:solidFill>
+                  <a:srgbClr val="000000"/>
+                </a:solidFill>
+                <a:effectLst/>
+                <a:ea typeface="Calibri" panose="020F0502020204030204" pitchFamily="34" charset="0"/>
+                <a:cs typeface="Arial" panose="020B0604020202020204" pitchFamily="34" charset="0"/>
+              </a:rPr>
+              <a:t>Web</a:t>
+            </a:r>
+            <a:endParaRPr lang="en-US" sz="1100">
+              <a:effectLst/>
+              <a:ea typeface="Calibri" panose="020F0502020204030204" pitchFamily="34" charset="0"/>
+              <a:cs typeface="Arial" panose="020B0604020202020204" pitchFamily="34" charset="0"/>
+            </a:endParaRPr>
+          </a:p>
+        </p:txBody>
+      </p:sp>
+      <p:cxnSp>
+        <p:nvCxnSpPr>
+          <p:cNvPr id="52" name="Straight Arrow Connector 51">
+            <a:extLst>
+              <a:ext uri="{FF2B5EF4-FFF2-40B4-BE49-F238E27FC236}">
+                <a16:creationId xmlns:a16="http://schemas.microsoft.com/office/drawing/2014/main" id="{AF8A7D01-E723-4470-9AF2-E9F8B2DB37F9}"/>
+              </a:ext>
+            </a:extLst>
+          </p:cNvPr>
+          <p:cNvCxnSpPr/>
+          <p:nvPr/>
+        </p:nvCxnSpPr>
+        <p:spPr>
+          <a:xfrm flipH="1" flipV="1">
+            <a:off x="9529445" y="2313605"/>
+            <a:ext cx="566420" cy="0"/>
+          </a:xfrm>
+          <a:prstGeom prst="straightConnector1">
+            <a:avLst/>
+          </a:prstGeom>
+          <a:ln w="25400">
+            <a:solidFill>
+              <a:schemeClr val="bg1">
+                <a:lumMod val="50000"/>
+              </a:schemeClr>
+            </a:solidFill>
+            <a:tailEnd type="triangle"/>
+          </a:ln>
+        </p:spPr>
+        <p:style>
+          <a:lnRef idx="1">
+            <a:schemeClr val="accent1"/>
+          </a:lnRef>
+          <a:fillRef idx="0">
+            <a:schemeClr val="accent1"/>
+          </a:fillRef>
+          <a:effectRef idx="0">
+            <a:schemeClr val="accent1"/>
+          </a:effectRef>
+          <a:fontRef idx="minor">
+            <a:schemeClr val="tx1"/>
+          </a:fontRef>
+        </p:style>
+      </p:cxnSp>
+      <p:cxnSp>
+        <p:nvCxnSpPr>
+          <p:cNvPr id="53" name="Straight Arrow Connector 52">
+            <a:extLst>
+              <a:ext uri="{FF2B5EF4-FFF2-40B4-BE49-F238E27FC236}">
+                <a16:creationId xmlns:a16="http://schemas.microsoft.com/office/drawing/2014/main" id="{CEF4E9BB-A1C0-42A3-919C-5401BA873064}"/>
+              </a:ext>
+            </a:extLst>
+          </p:cNvPr>
+          <p:cNvCxnSpPr/>
+          <p:nvPr/>
+        </p:nvCxnSpPr>
+        <p:spPr>
+          <a:xfrm flipH="1">
+            <a:off x="7654290" y="2313605"/>
+            <a:ext cx="617855" cy="635"/>
+          </a:xfrm>
+          <a:prstGeom prst="straightConnector1">
+            <a:avLst/>
+          </a:prstGeom>
+          <a:ln w="25400">
+            <a:solidFill>
+              <a:schemeClr val="bg1">
+                <a:lumMod val="50000"/>
+              </a:schemeClr>
+            </a:solidFill>
+            <a:tailEnd type="triangle"/>
+          </a:ln>
+        </p:spPr>
+        <p:style>
+          <a:lnRef idx="1">
+            <a:schemeClr val="accent1"/>
+          </a:lnRef>
+          <a:fillRef idx="0">
+            <a:schemeClr val="accent1"/>
+          </a:fillRef>
+          <a:effectRef idx="0">
+            <a:schemeClr val="accent1"/>
+          </a:effectRef>
+          <a:fontRef idx="minor">
+            <a:schemeClr val="tx1"/>
+          </a:fontRef>
+        </p:style>
+      </p:cxnSp>
+      <p:cxnSp>
+        <p:nvCxnSpPr>
+          <p:cNvPr id="54" name="Straight Arrow Connector 53">
+            <a:extLst>
+              <a:ext uri="{FF2B5EF4-FFF2-40B4-BE49-F238E27FC236}">
+                <a16:creationId xmlns:a16="http://schemas.microsoft.com/office/drawing/2014/main" id="{3D717943-C209-482D-B325-EED19C631BC8}"/>
+              </a:ext>
+            </a:extLst>
+          </p:cNvPr>
+          <p:cNvCxnSpPr/>
+          <p:nvPr/>
+        </p:nvCxnSpPr>
+        <p:spPr>
+          <a:xfrm flipV="1">
+            <a:off x="7023100" y="2464735"/>
+            <a:ext cx="1905" cy="513080"/>
+          </a:xfrm>
+          <a:prstGeom prst="straightConnector1">
+            <a:avLst/>
+          </a:prstGeom>
+          <a:ln w="25400">
+            <a:solidFill>
+              <a:schemeClr val="bg1">
+                <a:lumMod val="50000"/>
+              </a:schemeClr>
+            </a:solidFill>
+            <a:tailEnd type="triangle"/>
+          </a:ln>
+        </p:spPr>
+        <p:style>
+          <a:lnRef idx="1">
+            <a:schemeClr val="accent1"/>
+          </a:lnRef>
+          <a:fillRef idx="0">
+            <a:schemeClr val="accent1"/>
+          </a:fillRef>
+          <a:effectRef idx="0">
+            <a:schemeClr val="accent1"/>
+          </a:effectRef>
+          <a:fontRef idx="minor">
+            <a:schemeClr val="tx1"/>
+          </a:fontRef>
+        </p:style>
+      </p:cxnSp>
+      <p:cxnSp>
+        <p:nvCxnSpPr>
+          <p:cNvPr id="55" name="Straight Arrow Connector 54">
+            <a:extLst>
+              <a:ext uri="{FF2B5EF4-FFF2-40B4-BE49-F238E27FC236}">
+                <a16:creationId xmlns:a16="http://schemas.microsoft.com/office/drawing/2014/main" id="{92E0ADC6-83AE-4DCF-B10A-5B9DEDCC7F91}"/>
+              </a:ext>
+            </a:extLst>
+          </p:cNvPr>
+          <p:cNvCxnSpPr/>
+          <p:nvPr/>
+        </p:nvCxnSpPr>
+        <p:spPr>
+          <a:xfrm flipH="1" flipV="1">
+            <a:off x="7778115" y="3128310"/>
+            <a:ext cx="492760" cy="0"/>
+          </a:xfrm>
+          <a:prstGeom prst="straightConnector1">
+            <a:avLst/>
+          </a:prstGeom>
+          <a:ln w="25400">
+            <a:solidFill>
+              <a:schemeClr val="bg1">
+                <a:lumMod val="50000"/>
+              </a:schemeClr>
+            </a:solidFill>
+            <a:tailEnd type="triangle"/>
+          </a:ln>
+        </p:spPr>
+        <p:style>
+          <a:lnRef idx="1">
+            <a:schemeClr val="accent1"/>
+          </a:lnRef>
+          <a:fillRef idx="0">
+            <a:schemeClr val="accent1"/>
+          </a:fillRef>
+          <a:effectRef idx="0">
+            <a:schemeClr val="accent1"/>
+          </a:effectRef>
+          <a:fontRef idx="minor">
+            <a:schemeClr val="tx1"/>
+          </a:fontRef>
+        </p:style>
+      </p:cxnSp>
+      <p:cxnSp>
+        <p:nvCxnSpPr>
+          <p:cNvPr id="56" name="Straight Arrow Connector 55">
+            <a:extLst>
+              <a:ext uri="{FF2B5EF4-FFF2-40B4-BE49-F238E27FC236}">
+                <a16:creationId xmlns:a16="http://schemas.microsoft.com/office/drawing/2014/main" id="{EDC43BE4-5A4F-4B4E-9692-FE4ABE666853}"/>
+              </a:ext>
+            </a:extLst>
+          </p:cNvPr>
+          <p:cNvCxnSpPr/>
+          <p:nvPr/>
+        </p:nvCxnSpPr>
+        <p:spPr>
+          <a:xfrm flipV="1">
+            <a:off x="8899525" y="2463465"/>
+            <a:ext cx="1270" cy="514350"/>
+          </a:xfrm>
+          <a:prstGeom prst="straightConnector1">
+            <a:avLst/>
+          </a:prstGeom>
+          <a:ln w="25400">
+            <a:solidFill>
+              <a:schemeClr val="bg1">
+                <a:lumMod val="50000"/>
+              </a:schemeClr>
+            </a:solidFill>
+            <a:tailEnd type="triangle"/>
+          </a:ln>
+        </p:spPr>
+        <p:style>
+          <a:lnRef idx="1">
+            <a:schemeClr val="accent1"/>
+          </a:lnRef>
+          <a:fillRef idx="0">
+            <a:schemeClr val="accent1"/>
+          </a:fillRef>
+          <a:effectRef idx="0">
+            <a:schemeClr val="accent1"/>
+          </a:effectRef>
+          <a:fontRef idx="minor">
+            <a:schemeClr val="tx1"/>
+          </a:fontRef>
+        </p:style>
+      </p:cxnSp>
+      <p:cxnSp>
+        <p:nvCxnSpPr>
+          <p:cNvPr id="57" name="Straight Arrow Connector 56">
+            <a:extLst>
+              <a:ext uri="{FF2B5EF4-FFF2-40B4-BE49-F238E27FC236}">
+                <a16:creationId xmlns:a16="http://schemas.microsoft.com/office/drawing/2014/main" id="{F80248EB-3277-41F9-965A-B3499C995EB4}"/>
+              </a:ext>
+            </a:extLst>
+          </p:cNvPr>
+          <p:cNvCxnSpPr/>
+          <p:nvPr/>
+        </p:nvCxnSpPr>
+        <p:spPr>
+          <a:xfrm flipH="1" flipV="1">
+            <a:off x="7463790" y="3269915"/>
+            <a:ext cx="412115" cy="560705"/>
+          </a:xfrm>
+          <a:prstGeom prst="straightConnector1">
+            <a:avLst/>
+          </a:prstGeom>
+          <a:ln w="25400">
+            <a:solidFill>
+              <a:schemeClr val="bg1">
+                <a:lumMod val="50000"/>
+              </a:schemeClr>
+            </a:solidFill>
+            <a:tailEnd type="triangle"/>
+          </a:ln>
+        </p:spPr>
+        <p:style>
+          <a:lnRef idx="1">
+            <a:schemeClr val="accent1"/>
+          </a:lnRef>
+          <a:fillRef idx="0">
+            <a:schemeClr val="accent1"/>
+          </a:fillRef>
+          <a:effectRef idx="0">
+            <a:schemeClr val="accent1"/>
+          </a:effectRef>
+          <a:fontRef idx="minor">
+            <a:schemeClr val="tx1"/>
+          </a:fontRef>
+        </p:style>
+      </p:cxnSp>
+      <p:cxnSp>
+        <p:nvCxnSpPr>
+          <p:cNvPr id="58" name="Straight Arrow Connector 57">
+            <a:extLst>
+              <a:ext uri="{FF2B5EF4-FFF2-40B4-BE49-F238E27FC236}">
+                <a16:creationId xmlns:a16="http://schemas.microsoft.com/office/drawing/2014/main" id="{3F2F39CF-7626-40C3-AA01-BBA96CB39028}"/>
+              </a:ext>
+            </a:extLst>
+          </p:cNvPr>
+          <p:cNvCxnSpPr/>
+          <p:nvPr/>
+        </p:nvCxnSpPr>
+        <p:spPr>
+          <a:xfrm flipV="1">
+            <a:off x="6233795" y="3278170"/>
+            <a:ext cx="362585" cy="557530"/>
+          </a:xfrm>
+          <a:prstGeom prst="straightConnector1">
+            <a:avLst/>
+          </a:prstGeom>
+          <a:ln w="25400">
+            <a:solidFill>
+              <a:schemeClr val="bg1">
+                <a:lumMod val="50000"/>
+              </a:schemeClr>
+            </a:solidFill>
+            <a:tailEnd type="triangle"/>
+          </a:ln>
+        </p:spPr>
+        <p:style>
+          <a:lnRef idx="1">
+            <a:schemeClr val="accent1"/>
+          </a:lnRef>
+          <a:fillRef idx="0">
+            <a:schemeClr val="accent1"/>
+          </a:fillRef>
+          <a:effectRef idx="0">
+            <a:schemeClr val="accent1"/>
+          </a:effectRef>
+          <a:fontRef idx="minor">
+            <a:schemeClr val="tx1"/>
+          </a:fontRef>
+        </p:style>
+      </p:cxnSp>
+      <p:cxnSp>
+        <p:nvCxnSpPr>
+          <p:cNvPr id="59" name="Straight Arrow Connector 58">
+            <a:extLst>
+              <a:ext uri="{FF2B5EF4-FFF2-40B4-BE49-F238E27FC236}">
+                <a16:creationId xmlns:a16="http://schemas.microsoft.com/office/drawing/2014/main" id="{2F7053E3-D059-4A9B-A5A0-28319811A359}"/>
+              </a:ext>
+            </a:extLst>
+          </p:cNvPr>
+          <p:cNvCxnSpPr/>
+          <p:nvPr/>
+        </p:nvCxnSpPr>
+        <p:spPr>
+          <a:xfrm flipH="1" flipV="1">
+            <a:off x="7875905" y="4130340"/>
+            <a:ext cx="635" cy="442595"/>
+          </a:xfrm>
+          <a:prstGeom prst="straightConnector1">
+            <a:avLst/>
+          </a:prstGeom>
+          <a:ln w="25400">
+            <a:solidFill>
+              <a:schemeClr val="bg1">
+                <a:lumMod val="50000"/>
+              </a:schemeClr>
+            </a:solidFill>
+            <a:tailEnd type="triangle"/>
+          </a:ln>
+        </p:spPr>
+        <p:style>
+          <a:lnRef idx="1">
+            <a:schemeClr val="accent1"/>
+          </a:lnRef>
+          <a:fillRef idx="0">
+            <a:schemeClr val="accent1"/>
+          </a:fillRef>
+          <a:effectRef idx="0">
+            <a:schemeClr val="accent1"/>
+          </a:effectRef>
+          <a:fontRef idx="minor">
+            <a:schemeClr val="tx1"/>
+          </a:fontRef>
+        </p:style>
+      </p:cxnSp>
+      <p:cxnSp>
+        <p:nvCxnSpPr>
+          <p:cNvPr id="60" name="Connector: Elbow 59">
+            <a:extLst>
+              <a:ext uri="{FF2B5EF4-FFF2-40B4-BE49-F238E27FC236}">
+                <a16:creationId xmlns:a16="http://schemas.microsoft.com/office/drawing/2014/main" id="{2CB77C46-EFC0-4A4C-8C07-D7536F625182}"/>
+              </a:ext>
+            </a:extLst>
+          </p:cNvPr>
+          <p:cNvCxnSpPr/>
+          <p:nvPr/>
+        </p:nvCxnSpPr>
+        <p:spPr>
+          <a:xfrm rot="5400000" flipH="1" flipV="1">
+            <a:off x="8466455" y="2502835"/>
+            <a:ext cx="2298065" cy="2219325"/>
+          </a:xfrm>
+          <a:prstGeom prst="bentConnector3">
+            <a:avLst>
+              <a:gd name="adj1" fmla="val -1396"/>
+            </a:avLst>
+          </a:prstGeom>
+          <a:ln w="12700">
+            <a:solidFill>
+              <a:schemeClr val="bg1">
+                <a:lumMod val="75000"/>
+              </a:schemeClr>
+            </a:solidFill>
+            <a:prstDash val="lgDash"/>
+            <a:tailEnd type="triangle"/>
+          </a:ln>
+        </p:spPr>
+        <p:style>
+          <a:lnRef idx="1">
+            <a:schemeClr val="accent1"/>
+          </a:lnRef>
+          <a:fillRef idx="0">
+            <a:schemeClr val="accent1"/>
+          </a:fillRef>
+          <a:effectRef idx="0">
+            <a:schemeClr val="accent1"/>
+          </a:effectRef>
+          <a:fontRef idx="minor">
+            <a:schemeClr val="tx1"/>
+          </a:fontRef>
+        </p:style>
+      </p:cxnSp>
+      <p:cxnSp>
+        <p:nvCxnSpPr>
+          <p:cNvPr id="61" name="Connector: Elbow 60">
+            <a:extLst>
+              <a:ext uri="{FF2B5EF4-FFF2-40B4-BE49-F238E27FC236}">
+                <a16:creationId xmlns:a16="http://schemas.microsoft.com/office/drawing/2014/main" id="{EC516350-6FD4-4636-B495-64E0DCBB7F0B}"/>
+              </a:ext>
+            </a:extLst>
+          </p:cNvPr>
+          <p:cNvCxnSpPr/>
+          <p:nvPr/>
+        </p:nvCxnSpPr>
+        <p:spPr>
+          <a:xfrm rot="5400000" flipH="1" flipV="1">
+            <a:off x="8003857" y="3780138"/>
+            <a:ext cx="1397635" cy="393700"/>
+          </a:xfrm>
+          <a:prstGeom prst="bentConnector3">
+            <a:avLst>
+              <a:gd name="adj1" fmla="val 261"/>
+            </a:avLst>
+          </a:prstGeom>
+          <a:ln w="12700">
+            <a:solidFill>
+              <a:schemeClr val="bg1">
+                <a:lumMod val="75000"/>
+              </a:schemeClr>
+            </a:solidFill>
+            <a:prstDash val="lgDash"/>
+            <a:tailEnd type="triangle"/>
+          </a:ln>
+        </p:spPr>
+        <p:style>
+          <a:lnRef idx="1">
+            <a:schemeClr val="accent1"/>
+          </a:lnRef>
+          <a:fillRef idx="0">
+            <a:schemeClr val="accent1"/>
+          </a:fillRef>
+          <a:effectRef idx="0">
+            <a:schemeClr val="accent1"/>
+          </a:effectRef>
+          <a:fontRef idx="minor">
+            <a:schemeClr val="tx1"/>
+          </a:fontRef>
+        </p:style>
+      </p:cxnSp>
     </p:spTree>
     <p:extLst>
       <p:ext uri="{BB962C8B-B14F-4D97-AF65-F5344CB8AC3E}">
-        <p14:creationId xmlns:p14="http://schemas.microsoft.com/office/powerpoint/2010/main" val="3174985021"/>
+        <p14:creationId xmlns:p14="http://schemas.microsoft.com/office/powerpoint/2010/main" val="4005011830"/>
       </p:ext>
     </p:extLst>
   </p:cSld>
   <p:clrMapOvr>
     <a:masterClrMapping/>
   </p:clrMapOvr>
+  <p:timing>
+    <p:tnLst>
+      <p:par>
+        <p:cTn id="1" dur="indefinite" restart="never" nodeType="tmRoot">
+          <p:childTnLst>
+            <p:seq concurrent="1" nextAc="seek">
+              <p:cTn id="2" dur="indefinite" nodeType="mainSeq">
+                <p:childTnLst>
+                  <p:par>
+                    <p:cTn id="3" fill="hold">
+                      <p:stCondLst>
+                        <p:cond delay="indefinite"/>
+                      </p:stCondLst>
+                      <p:childTnLst>
+                        <p:par>
+                          <p:cTn id="4" fill="hold">
+                            <p:stCondLst>
+                              <p:cond delay="0"/>
+                            </p:stCondLst>
+                            <p:childTnLst>
+                              <p:par>
+                                <p:cTn id="5" presetID="10" presetClass="entr" presetSubtype="0" fill="hold" grpId="0" nodeType="clickEffect">
+                                  <p:stCondLst>
+                                    <p:cond delay="0"/>
+                                  </p:stCondLst>
+                                  <p:childTnLst>
+                                    <p:set>
+                                      <p:cBhvr>
+                                        <p:cTn id="6" dur="1" fill="hold">
+                                          <p:stCondLst>
+                                            <p:cond delay="0"/>
+                                          </p:stCondLst>
+                                        </p:cTn>
+                                        <p:tgtEl>
+                                          <p:spTgt spid="44"/>
+                                        </p:tgtEl>
+                                        <p:attrNameLst>
+                                          <p:attrName>style.visibility</p:attrName>
+                                        </p:attrNameLst>
+                                      </p:cBhvr>
+                                      <p:to>
+                                        <p:strVal val="visible"/>
+                                      </p:to>
+                                    </p:set>
+                                    <p:animEffect transition="in" filter="fade">
+                                      <p:cBhvr>
+                                        <p:cTn id="7" dur="500"/>
+                                        <p:tgtEl>
+                                          <p:spTgt spid="44"/>
+                                        </p:tgtEl>
+                                      </p:cBhvr>
+                                    </p:animEffect>
+                                  </p:childTnLst>
+                                </p:cTn>
+                              </p:par>
+                              <p:par>
+                                <p:cTn id="8" presetID="10" presetClass="entr" presetSubtype="0" fill="hold" grpId="0" nodeType="withEffect">
+                                  <p:stCondLst>
+                                    <p:cond delay="0"/>
+                                  </p:stCondLst>
+                                  <p:childTnLst>
+                                    <p:set>
+                                      <p:cBhvr>
+                                        <p:cTn id="9" dur="1" fill="hold">
+                                          <p:stCondLst>
+                                            <p:cond delay="0"/>
+                                          </p:stCondLst>
+                                        </p:cTn>
+                                        <p:tgtEl>
+                                          <p:spTgt spid="45"/>
+                                        </p:tgtEl>
+                                        <p:attrNameLst>
+                                          <p:attrName>style.visibility</p:attrName>
+                                        </p:attrNameLst>
+                                      </p:cBhvr>
+                                      <p:to>
+                                        <p:strVal val="visible"/>
+                                      </p:to>
+                                    </p:set>
+                                    <p:animEffect transition="in" filter="fade">
+                                      <p:cBhvr>
+                                        <p:cTn id="10" dur="500"/>
+                                        <p:tgtEl>
+                                          <p:spTgt spid="45"/>
+                                        </p:tgtEl>
+                                      </p:cBhvr>
+                                    </p:animEffect>
+                                  </p:childTnLst>
+                                </p:cTn>
+                              </p:par>
+                              <p:par>
+                                <p:cTn id="11" presetID="10" presetClass="entr" presetSubtype="0" fill="hold" grpId="0" nodeType="withEffect">
+                                  <p:stCondLst>
+                                    <p:cond delay="0"/>
+                                  </p:stCondLst>
+                                  <p:childTnLst>
+                                    <p:set>
+                                      <p:cBhvr>
+                                        <p:cTn id="12" dur="1" fill="hold">
+                                          <p:stCondLst>
+                                            <p:cond delay="0"/>
+                                          </p:stCondLst>
+                                        </p:cTn>
+                                        <p:tgtEl>
+                                          <p:spTgt spid="46"/>
+                                        </p:tgtEl>
+                                        <p:attrNameLst>
+                                          <p:attrName>style.visibility</p:attrName>
+                                        </p:attrNameLst>
+                                      </p:cBhvr>
+                                      <p:to>
+                                        <p:strVal val="visible"/>
+                                      </p:to>
+                                    </p:set>
+                                    <p:animEffect transition="in" filter="fade">
+                                      <p:cBhvr>
+                                        <p:cTn id="13" dur="500"/>
+                                        <p:tgtEl>
+                                          <p:spTgt spid="46"/>
+                                        </p:tgtEl>
+                                      </p:cBhvr>
+                                    </p:animEffect>
+                                  </p:childTnLst>
+                                </p:cTn>
+                              </p:par>
+                              <p:par>
+                                <p:cTn id="14" presetID="10" presetClass="entr" presetSubtype="0" fill="hold" grpId="0" nodeType="withEffect">
+                                  <p:stCondLst>
+                                    <p:cond delay="0"/>
+                                  </p:stCondLst>
+                                  <p:childTnLst>
+                                    <p:set>
+                                      <p:cBhvr>
+                                        <p:cTn id="15" dur="1" fill="hold">
+                                          <p:stCondLst>
+                                            <p:cond delay="0"/>
+                                          </p:stCondLst>
+                                        </p:cTn>
+                                        <p:tgtEl>
+                                          <p:spTgt spid="47"/>
+                                        </p:tgtEl>
+                                        <p:attrNameLst>
+                                          <p:attrName>style.visibility</p:attrName>
+                                        </p:attrNameLst>
+                                      </p:cBhvr>
+                                      <p:to>
+                                        <p:strVal val="visible"/>
+                                      </p:to>
+                                    </p:set>
+                                    <p:animEffect transition="in" filter="fade">
+                                      <p:cBhvr>
+                                        <p:cTn id="16" dur="500"/>
+                                        <p:tgtEl>
+                                          <p:spTgt spid="47"/>
+                                        </p:tgtEl>
+                                      </p:cBhvr>
+                                    </p:animEffect>
+                                  </p:childTnLst>
+                                </p:cTn>
+                              </p:par>
+                              <p:par>
+                                <p:cTn id="17" presetID="10" presetClass="entr" presetSubtype="0" fill="hold" grpId="0" nodeType="withEffect">
+                                  <p:stCondLst>
+                                    <p:cond delay="0"/>
+                                  </p:stCondLst>
+                                  <p:childTnLst>
+                                    <p:set>
+                                      <p:cBhvr>
+                                        <p:cTn id="18" dur="1" fill="hold">
+                                          <p:stCondLst>
+                                            <p:cond delay="0"/>
+                                          </p:stCondLst>
+                                        </p:cTn>
+                                        <p:tgtEl>
+                                          <p:spTgt spid="48"/>
+                                        </p:tgtEl>
+                                        <p:attrNameLst>
+                                          <p:attrName>style.visibility</p:attrName>
+                                        </p:attrNameLst>
+                                      </p:cBhvr>
+                                      <p:to>
+                                        <p:strVal val="visible"/>
+                                      </p:to>
+                                    </p:set>
+                                    <p:animEffect transition="in" filter="fade">
+                                      <p:cBhvr>
+                                        <p:cTn id="19" dur="500"/>
+                                        <p:tgtEl>
+                                          <p:spTgt spid="48"/>
+                                        </p:tgtEl>
+                                      </p:cBhvr>
+                                    </p:animEffect>
+                                  </p:childTnLst>
+                                </p:cTn>
+                              </p:par>
+                              <p:par>
+                                <p:cTn id="20" presetID="10" presetClass="entr" presetSubtype="0" fill="hold" grpId="0" nodeType="withEffect">
+                                  <p:stCondLst>
+                                    <p:cond delay="0"/>
+                                  </p:stCondLst>
+                                  <p:childTnLst>
+                                    <p:set>
+                                      <p:cBhvr>
+                                        <p:cTn id="21" dur="1" fill="hold">
+                                          <p:stCondLst>
+                                            <p:cond delay="0"/>
+                                          </p:stCondLst>
+                                        </p:cTn>
+                                        <p:tgtEl>
+                                          <p:spTgt spid="49"/>
+                                        </p:tgtEl>
+                                        <p:attrNameLst>
+                                          <p:attrName>style.visibility</p:attrName>
+                                        </p:attrNameLst>
+                                      </p:cBhvr>
+                                      <p:to>
+                                        <p:strVal val="visible"/>
+                                      </p:to>
+                                    </p:set>
+                                    <p:animEffect transition="in" filter="fade">
+                                      <p:cBhvr>
+                                        <p:cTn id="22" dur="500"/>
+                                        <p:tgtEl>
+                                          <p:spTgt spid="49"/>
+                                        </p:tgtEl>
+                                      </p:cBhvr>
+                                    </p:animEffect>
+                                  </p:childTnLst>
+                                </p:cTn>
+                              </p:par>
+                              <p:par>
+                                <p:cTn id="23" presetID="10" presetClass="entr" presetSubtype="0" fill="hold" grpId="0" nodeType="withEffect">
+                                  <p:stCondLst>
+                                    <p:cond delay="0"/>
+                                  </p:stCondLst>
+                                  <p:childTnLst>
+                                    <p:set>
+                                      <p:cBhvr>
+                                        <p:cTn id="24" dur="1" fill="hold">
+                                          <p:stCondLst>
+                                            <p:cond delay="0"/>
+                                          </p:stCondLst>
+                                        </p:cTn>
+                                        <p:tgtEl>
+                                          <p:spTgt spid="50"/>
+                                        </p:tgtEl>
+                                        <p:attrNameLst>
+                                          <p:attrName>style.visibility</p:attrName>
+                                        </p:attrNameLst>
+                                      </p:cBhvr>
+                                      <p:to>
+                                        <p:strVal val="visible"/>
+                                      </p:to>
+                                    </p:set>
+                                    <p:animEffect transition="in" filter="fade">
+                                      <p:cBhvr>
+                                        <p:cTn id="25" dur="500"/>
+                                        <p:tgtEl>
+                                          <p:spTgt spid="50"/>
+                                        </p:tgtEl>
+                                      </p:cBhvr>
+                                    </p:animEffect>
+                                  </p:childTnLst>
+                                </p:cTn>
+                              </p:par>
+                              <p:par>
+                                <p:cTn id="26" presetID="10" presetClass="entr" presetSubtype="0" fill="hold" grpId="0" nodeType="withEffect">
+                                  <p:stCondLst>
+                                    <p:cond delay="0"/>
+                                  </p:stCondLst>
+                                  <p:childTnLst>
+                                    <p:set>
+                                      <p:cBhvr>
+                                        <p:cTn id="27" dur="1" fill="hold">
+                                          <p:stCondLst>
+                                            <p:cond delay="0"/>
+                                          </p:stCondLst>
+                                        </p:cTn>
+                                        <p:tgtEl>
+                                          <p:spTgt spid="51"/>
+                                        </p:tgtEl>
+                                        <p:attrNameLst>
+                                          <p:attrName>style.visibility</p:attrName>
+                                        </p:attrNameLst>
+                                      </p:cBhvr>
+                                      <p:to>
+                                        <p:strVal val="visible"/>
+                                      </p:to>
+                                    </p:set>
+                                    <p:animEffect transition="in" filter="fade">
+                                      <p:cBhvr>
+                                        <p:cTn id="28" dur="500"/>
+                                        <p:tgtEl>
+                                          <p:spTgt spid="51"/>
+                                        </p:tgtEl>
+                                      </p:cBhvr>
+                                    </p:animEffect>
+                                  </p:childTnLst>
+                                </p:cTn>
+                              </p:par>
+                              <p:par>
+                                <p:cTn id="29" presetID="10" presetClass="entr" presetSubtype="0" fill="hold" nodeType="withEffect">
+                                  <p:stCondLst>
+                                    <p:cond delay="0"/>
+                                  </p:stCondLst>
+                                  <p:childTnLst>
+                                    <p:set>
+                                      <p:cBhvr>
+                                        <p:cTn id="30" dur="1" fill="hold">
+                                          <p:stCondLst>
+                                            <p:cond delay="0"/>
+                                          </p:stCondLst>
+                                        </p:cTn>
+                                        <p:tgtEl>
+                                          <p:spTgt spid="52"/>
+                                        </p:tgtEl>
+                                        <p:attrNameLst>
+                                          <p:attrName>style.visibility</p:attrName>
+                                        </p:attrNameLst>
+                                      </p:cBhvr>
+                                      <p:to>
+                                        <p:strVal val="visible"/>
+                                      </p:to>
+                                    </p:set>
+                                    <p:animEffect transition="in" filter="fade">
+                                      <p:cBhvr>
+                                        <p:cTn id="31" dur="500"/>
+                                        <p:tgtEl>
+                                          <p:spTgt spid="52"/>
+                                        </p:tgtEl>
+                                      </p:cBhvr>
+                                    </p:animEffect>
+                                  </p:childTnLst>
+                                </p:cTn>
+                              </p:par>
+                              <p:par>
+                                <p:cTn id="32" presetID="10" presetClass="entr" presetSubtype="0" fill="hold" nodeType="withEffect">
+                                  <p:stCondLst>
+                                    <p:cond delay="0"/>
+                                  </p:stCondLst>
+                                  <p:childTnLst>
+                                    <p:set>
+                                      <p:cBhvr>
+                                        <p:cTn id="33" dur="1" fill="hold">
+                                          <p:stCondLst>
+                                            <p:cond delay="0"/>
+                                          </p:stCondLst>
+                                        </p:cTn>
+                                        <p:tgtEl>
+                                          <p:spTgt spid="53"/>
+                                        </p:tgtEl>
+                                        <p:attrNameLst>
+                                          <p:attrName>style.visibility</p:attrName>
+                                        </p:attrNameLst>
+                                      </p:cBhvr>
+                                      <p:to>
+                                        <p:strVal val="visible"/>
+                                      </p:to>
+                                    </p:set>
+                                    <p:animEffect transition="in" filter="fade">
+                                      <p:cBhvr>
+                                        <p:cTn id="34" dur="500"/>
+                                        <p:tgtEl>
+                                          <p:spTgt spid="53"/>
+                                        </p:tgtEl>
+                                      </p:cBhvr>
+                                    </p:animEffect>
+                                  </p:childTnLst>
+                                </p:cTn>
+                              </p:par>
+                              <p:par>
+                                <p:cTn id="35" presetID="10" presetClass="entr" presetSubtype="0" fill="hold" nodeType="withEffect">
+                                  <p:stCondLst>
+                                    <p:cond delay="0"/>
+                                  </p:stCondLst>
+                                  <p:childTnLst>
+                                    <p:set>
+                                      <p:cBhvr>
+                                        <p:cTn id="36" dur="1" fill="hold">
+                                          <p:stCondLst>
+                                            <p:cond delay="0"/>
+                                          </p:stCondLst>
+                                        </p:cTn>
+                                        <p:tgtEl>
+                                          <p:spTgt spid="54"/>
+                                        </p:tgtEl>
+                                        <p:attrNameLst>
+                                          <p:attrName>style.visibility</p:attrName>
+                                        </p:attrNameLst>
+                                      </p:cBhvr>
+                                      <p:to>
+                                        <p:strVal val="visible"/>
+                                      </p:to>
+                                    </p:set>
+                                    <p:animEffect transition="in" filter="fade">
+                                      <p:cBhvr>
+                                        <p:cTn id="37" dur="500"/>
+                                        <p:tgtEl>
+                                          <p:spTgt spid="54"/>
+                                        </p:tgtEl>
+                                      </p:cBhvr>
+                                    </p:animEffect>
+                                  </p:childTnLst>
+                                </p:cTn>
+                              </p:par>
+                              <p:par>
+                                <p:cTn id="38" presetID="10" presetClass="entr" presetSubtype="0" fill="hold" nodeType="withEffect">
+                                  <p:stCondLst>
+                                    <p:cond delay="0"/>
+                                  </p:stCondLst>
+                                  <p:childTnLst>
+                                    <p:set>
+                                      <p:cBhvr>
+                                        <p:cTn id="39" dur="1" fill="hold">
+                                          <p:stCondLst>
+                                            <p:cond delay="0"/>
+                                          </p:stCondLst>
+                                        </p:cTn>
+                                        <p:tgtEl>
+                                          <p:spTgt spid="55"/>
+                                        </p:tgtEl>
+                                        <p:attrNameLst>
+                                          <p:attrName>style.visibility</p:attrName>
+                                        </p:attrNameLst>
+                                      </p:cBhvr>
+                                      <p:to>
+                                        <p:strVal val="visible"/>
+                                      </p:to>
+                                    </p:set>
+                                    <p:animEffect transition="in" filter="fade">
+                                      <p:cBhvr>
+                                        <p:cTn id="40" dur="500"/>
+                                        <p:tgtEl>
+                                          <p:spTgt spid="55"/>
+                                        </p:tgtEl>
+                                      </p:cBhvr>
+                                    </p:animEffect>
+                                  </p:childTnLst>
+                                </p:cTn>
+                              </p:par>
+                              <p:par>
+                                <p:cTn id="41" presetID="10" presetClass="entr" presetSubtype="0" fill="hold" nodeType="withEffect">
+                                  <p:stCondLst>
+                                    <p:cond delay="0"/>
+                                  </p:stCondLst>
+                                  <p:childTnLst>
+                                    <p:set>
+                                      <p:cBhvr>
+                                        <p:cTn id="42" dur="1" fill="hold">
+                                          <p:stCondLst>
+                                            <p:cond delay="0"/>
+                                          </p:stCondLst>
+                                        </p:cTn>
+                                        <p:tgtEl>
+                                          <p:spTgt spid="56"/>
+                                        </p:tgtEl>
+                                        <p:attrNameLst>
+                                          <p:attrName>style.visibility</p:attrName>
+                                        </p:attrNameLst>
+                                      </p:cBhvr>
+                                      <p:to>
+                                        <p:strVal val="visible"/>
+                                      </p:to>
+                                    </p:set>
+                                    <p:animEffect transition="in" filter="fade">
+                                      <p:cBhvr>
+                                        <p:cTn id="43" dur="500"/>
+                                        <p:tgtEl>
+                                          <p:spTgt spid="56"/>
+                                        </p:tgtEl>
+                                      </p:cBhvr>
+                                    </p:animEffect>
+                                  </p:childTnLst>
+                                </p:cTn>
+                              </p:par>
+                              <p:par>
+                                <p:cTn id="44" presetID="10" presetClass="entr" presetSubtype="0" fill="hold" nodeType="withEffect">
+                                  <p:stCondLst>
+                                    <p:cond delay="0"/>
+                                  </p:stCondLst>
+                                  <p:childTnLst>
+                                    <p:set>
+                                      <p:cBhvr>
+                                        <p:cTn id="45" dur="1" fill="hold">
+                                          <p:stCondLst>
+                                            <p:cond delay="0"/>
+                                          </p:stCondLst>
+                                        </p:cTn>
+                                        <p:tgtEl>
+                                          <p:spTgt spid="57"/>
+                                        </p:tgtEl>
+                                        <p:attrNameLst>
+                                          <p:attrName>style.visibility</p:attrName>
+                                        </p:attrNameLst>
+                                      </p:cBhvr>
+                                      <p:to>
+                                        <p:strVal val="visible"/>
+                                      </p:to>
+                                    </p:set>
+                                    <p:animEffect transition="in" filter="fade">
+                                      <p:cBhvr>
+                                        <p:cTn id="46" dur="500"/>
+                                        <p:tgtEl>
+                                          <p:spTgt spid="57"/>
+                                        </p:tgtEl>
+                                      </p:cBhvr>
+                                    </p:animEffect>
+                                  </p:childTnLst>
+                                </p:cTn>
+                              </p:par>
+                              <p:par>
+                                <p:cTn id="47" presetID="10" presetClass="entr" presetSubtype="0" fill="hold" nodeType="withEffect">
+                                  <p:stCondLst>
+                                    <p:cond delay="0"/>
+                                  </p:stCondLst>
+                                  <p:childTnLst>
+                                    <p:set>
+                                      <p:cBhvr>
+                                        <p:cTn id="48" dur="1" fill="hold">
+                                          <p:stCondLst>
+                                            <p:cond delay="0"/>
+                                          </p:stCondLst>
+                                        </p:cTn>
+                                        <p:tgtEl>
+                                          <p:spTgt spid="58"/>
+                                        </p:tgtEl>
+                                        <p:attrNameLst>
+                                          <p:attrName>style.visibility</p:attrName>
+                                        </p:attrNameLst>
+                                      </p:cBhvr>
+                                      <p:to>
+                                        <p:strVal val="visible"/>
+                                      </p:to>
+                                    </p:set>
+                                    <p:animEffect transition="in" filter="fade">
+                                      <p:cBhvr>
+                                        <p:cTn id="49" dur="500"/>
+                                        <p:tgtEl>
+                                          <p:spTgt spid="58"/>
+                                        </p:tgtEl>
+                                      </p:cBhvr>
+                                    </p:animEffect>
+                                  </p:childTnLst>
+                                </p:cTn>
+                              </p:par>
+                              <p:par>
+                                <p:cTn id="50" presetID="10" presetClass="entr" presetSubtype="0" fill="hold" nodeType="withEffect">
+                                  <p:stCondLst>
+                                    <p:cond delay="0"/>
+                                  </p:stCondLst>
+                                  <p:childTnLst>
+                                    <p:set>
+                                      <p:cBhvr>
+                                        <p:cTn id="51" dur="1" fill="hold">
+                                          <p:stCondLst>
+                                            <p:cond delay="0"/>
+                                          </p:stCondLst>
+                                        </p:cTn>
+                                        <p:tgtEl>
+                                          <p:spTgt spid="59"/>
+                                        </p:tgtEl>
+                                        <p:attrNameLst>
+                                          <p:attrName>style.visibility</p:attrName>
+                                        </p:attrNameLst>
+                                      </p:cBhvr>
+                                      <p:to>
+                                        <p:strVal val="visible"/>
+                                      </p:to>
+                                    </p:set>
+                                    <p:animEffect transition="in" filter="fade">
+                                      <p:cBhvr>
+                                        <p:cTn id="52" dur="500"/>
+                                        <p:tgtEl>
+                                          <p:spTgt spid="59"/>
+                                        </p:tgtEl>
+                                      </p:cBhvr>
+                                    </p:animEffect>
+                                  </p:childTnLst>
+                                </p:cTn>
+                              </p:par>
+                              <p:par>
+                                <p:cTn id="53" presetID="10" presetClass="entr" presetSubtype="0" fill="hold" nodeType="withEffect">
+                                  <p:stCondLst>
+                                    <p:cond delay="0"/>
+                                  </p:stCondLst>
+                                  <p:childTnLst>
+                                    <p:set>
+                                      <p:cBhvr>
+                                        <p:cTn id="54" dur="1" fill="hold">
+                                          <p:stCondLst>
+                                            <p:cond delay="0"/>
+                                          </p:stCondLst>
+                                        </p:cTn>
+                                        <p:tgtEl>
+                                          <p:spTgt spid="60"/>
+                                        </p:tgtEl>
+                                        <p:attrNameLst>
+                                          <p:attrName>style.visibility</p:attrName>
+                                        </p:attrNameLst>
+                                      </p:cBhvr>
+                                      <p:to>
+                                        <p:strVal val="visible"/>
+                                      </p:to>
+                                    </p:set>
+                                    <p:animEffect transition="in" filter="fade">
+                                      <p:cBhvr>
+                                        <p:cTn id="55" dur="500"/>
+                                        <p:tgtEl>
+                                          <p:spTgt spid="60"/>
+                                        </p:tgtEl>
+                                      </p:cBhvr>
+                                    </p:animEffect>
+                                  </p:childTnLst>
+                                </p:cTn>
+                              </p:par>
+                              <p:par>
+                                <p:cTn id="56" presetID="10" presetClass="entr" presetSubtype="0" fill="hold" nodeType="withEffect">
+                                  <p:stCondLst>
+                                    <p:cond delay="0"/>
+                                  </p:stCondLst>
+                                  <p:childTnLst>
+                                    <p:set>
+                                      <p:cBhvr>
+                                        <p:cTn id="57" dur="1" fill="hold">
+                                          <p:stCondLst>
+                                            <p:cond delay="0"/>
+                                          </p:stCondLst>
+                                        </p:cTn>
+                                        <p:tgtEl>
+                                          <p:spTgt spid="61"/>
+                                        </p:tgtEl>
+                                        <p:attrNameLst>
+                                          <p:attrName>style.visibility</p:attrName>
+                                        </p:attrNameLst>
+                                      </p:cBhvr>
+                                      <p:to>
+                                        <p:strVal val="visible"/>
+                                      </p:to>
+                                    </p:set>
+                                    <p:animEffect transition="in" filter="fade">
+                                      <p:cBhvr>
+                                        <p:cTn id="58" dur="500"/>
+                                        <p:tgtEl>
+                                          <p:spTgt spid="61"/>
+                                        </p:tgtEl>
+                                      </p:cBhvr>
+                                    </p:animEffect>
+                                  </p:childTnLst>
+                                </p:cTn>
+                              </p:par>
+                            </p:childTnLst>
+                          </p:cTn>
+                        </p:par>
+                      </p:childTnLst>
+                    </p:cTn>
+                  </p:par>
+                </p:childTnLst>
+              </p:cTn>
+              <p:prevCondLst>
+                <p:cond evt="onPrev" delay="0">
+                  <p:tgtEl>
+                    <p:sldTgt/>
+                  </p:tgtEl>
+                </p:cond>
+              </p:prevCondLst>
+              <p:nextCondLst>
+                <p:cond evt="onNext" delay="0">
+                  <p:tgtEl>
+                    <p:sldTgt/>
+                  </p:tgtEl>
+                </p:cond>
+              </p:nextCondLst>
+            </p:seq>
+          </p:childTnLst>
+        </p:cTn>
+      </p:par>
+    </p:tnLst>
+    <p:bldLst>
+      <p:bldP spid="44" grpId="0" animBg="1"/>
+      <p:bldP spid="45" grpId="0" animBg="1"/>
+      <p:bldP spid="46" grpId="0" animBg="1"/>
+      <p:bldP spid="47" grpId="0" animBg="1"/>
+      <p:bldP spid="48" grpId="0" animBg="1"/>
+      <p:bldP spid="49" grpId="0" animBg="1"/>
+      <p:bldP spid="50" grpId="0" animBg="1"/>
+      <p:bldP spid="51" grpId="0" animBg="1"/>
+    </p:bldLst>
+  </p:timing>
 </p:sld>
 </file>
 
@@ -15570,7 +17960,7 @@
     </p:spTree>
     <p:extLst>
       <p:ext uri="{BB962C8B-B14F-4D97-AF65-F5344CB8AC3E}">
-        <p14:creationId xmlns:p14="http://schemas.microsoft.com/office/powerpoint/2010/main" val="1837533805"/>
+        <p14:creationId xmlns:p14="http://schemas.microsoft.com/office/powerpoint/2010/main" val="2371312058"/>
       </p:ext>
     </p:extLst>
   </p:cSld>
@@ -15616,7 +18006,7 @@
           <p:cNvPr id="2" name="Title 1">
             <a:extLst>
               <a:ext uri="{FF2B5EF4-FFF2-40B4-BE49-F238E27FC236}">
-                <a16:creationId xmlns:a16="http://schemas.microsoft.com/office/drawing/2014/main" id="{9255DFBE-19DA-408D-84E6-F4043FC30BD3}"/>
+                <a16:creationId xmlns:a16="http://schemas.microsoft.com/office/drawing/2014/main" id="{55E11F08-6CA0-48F1-AD67-97430DDA07F0}"/>
               </a:ext>
             </a:extLst>
           </p:cNvPr>
@@ -15624,35 +18014,33 @@
             <a:spLocks noGrp="1"/>
           </p:cNvSpPr>
           <p:nvPr>
-            <p:ph type="ctrTitle"/>
+            <p:ph type="title"/>
           </p:nvPr>
         </p:nvSpPr>
         <p:spPr/>
         <p:txBody>
-          <a:bodyPr>
-            <a:normAutofit/>
-          </a:bodyPr>
+          <a:bodyPr/>
           <a:lstStyle/>
           <a:p>
             <a:r>
-              <a:rPr lang="en-US" sz="4800" b="1" dirty="0">
+              <a:rPr lang="en-US" b="1" dirty="0">
                 <a:solidFill>
                   <a:srgbClr val="292D33"/>
                 </a:solidFill>
                 <a:latin typeface="Euclid Circular B" panose="020B0504000000000000" pitchFamily="34" charset="0"/>
                 <a:ea typeface="Euclid Circular B" panose="020B0504000000000000" pitchFamily="34" charset="0"/>
               </a:rPr>
-              <a:t>MIGRATING TO MICROSERVICES</a:t>
+              <a:t>Title</a:t>
             </a:r>
           </a:p>
         </p:txBody>
       </p:sp>
       <p:sp>
         <p:nvSpPr>
-          <p:cNvPr id="3" name="Subtitle 2">
-            <a:extLst>
-              <a:ext uri="{FF2B5EF4-FFF2-40B4-BE49-F238E27FC236}">
-                <a16:creationId xmlns:a16="http://schemas.microsoft.com/office/drawing/2014/main" id="{265612B9-B745-46CB-8A20-997CA82E05E7}"/>
+          <p:cNvPr id="3" name="Content Placeholder 2">
+            <a:extLst>
+              <a:ext uri="{FF2B5EF4-FFF2-40B4-BE49-F238E27FC236}">
+                <a16:creationId xmlns:a16="http://schemas.microsoft.com/office/drawing/2014/main" id="{891C7693-D3DF-4635-96F4-97F3B4136FDF}"/>
               </a:ext>
             </a:extLst>
           </p:cNvPr>
@@ -15660,27 +18048,29 @@
             <a:spLocks noGrp="1"/>
           </p:cNvSpPr>
           <p:nvPr>
-            <p:ph type="subTitle" idx="1"/>
+            <p:ph idx="1"/>
           </p:nvPr>
         </p:nvSpPr>
         <p:spPr/>
         <p:txBody>
-          <a:bodyPr>
-            <a:normAutofit/>
-          </a:bodyPr>
+          <a:bodyPr/>
           <a:lstStyle/>
           <a:p>
             <a:r>
-              <a:rPr lang="en-US" sz="2000" b="1" dirty="0">
-                <a:solidFill>
-                  <a:srgbClr val="292D33"/>
-                </a:solidFill>
-                <a:latin typeface="Euclid Circular B" panose="020B0504000000000000" pitchFamily="34" charset="0"/>
-                <a:ea typeface="Euclid Circular B" panose="020B0504000000000000" pitchFamily="34" charset="0"/>
-              </a:rPr>
-              <a:t>DESIGNING MONOLITH FIRST FOR MICROSERVICE ARCHITECTURE</a:t>
-            </a:r>
-            <a:endParaRPr lang="en-US" sz="2000" dirty="0">
+              <a:rPr lang="en-US" dirty="0">
+                <a:latin typeface="Euclid Circular B" panose="020B0504000000000000" pitchFamily="34" charset="0"/>
+                <a:ea typeface="Euclid Circular B" panose="020B0504000000000000" pitchFamily="34" charset="0"/>
+              </a:rPr>
+              <a:t>TODO</a:t>
+            </a:r>
+            <a:r>
+              <a:rPr lang="en-US">
+                <a:latin typeface="Euclid Circular B" panose="020B0504000000000000" pitchFamily="34" charset="0"/>
+                <a:ea typeface="Euclid Circular B" panose="020B0504000000000000" pitchFamily="34" charset="0"/>
+              </a:rPr>
+              <a:t>: ...</a:t>
+            </a:r>
+            <a:endParaRPr lang="en-US" dirty="0">
               <a:latin typeface="Euclid Circular B" panose="020B0504000000000000" pitchFamily="34" charset="0"/>
               <a:ea typeface="Euclid Circular B" panose="020B0504000000000000" pitchFamily="34" charset="0"/>
             </a:endParaRPr>
@@ -15690,7 +18080,7 @@
     </p:spTree>
     <p:extLst>
       <p:ext uri="{BB962C8B-B14F-4D97-AF65-F5344CB8AC3E}">
-        <p14:creationId xmlns:p14="http://schemas.microsoft.com/office/powerpoint/2010/main" val="3507474482"/>
+        <p14:creationId xmlns:p14="http://schemas.microsoft.com/office/powerpoint/2010/main" val="3174985021"/>
       </p:ext>
     </p:extLst>
   </p:cSld>
@@ -15810,7 +18200,7 @@
     </p:spTree>
     <p:extLst>
       <p:ext uri="{BB962C8B-B14F-4D97-AF65-F5344CB8AC3E}">
-        <p14:creationId xmlns:p14="http://schemas.microsoft.com/office/powerpoint/2010/main" val="1277783299"/>
+        <p14:creationId xmlns:p14="http://schemas.microsoft.com/office/powerpoint/2010/main" val="1837533805"/>
       </p:ext>
     </p:extLst>
   </p:cSld>
@@ -15856,7 +18246,7 @@
           <p:cNvPr id="2" name="Title 1">
             <a:extLst>
               <a:ext uri="{FF2B5EF4-FFF2-40B4-BE49-F238E27FC236}">
-                <a16:creationId xmlns:a16="http://schemas.microsoft.com/office/drawing/2014/main" id="{55E11F08-6CA0-48F1-AD67-97430DDA07F0}"/>
+                <a16:creationId xmlns:a16="http://schemas.microsoft.com/office/drawing/2014/main" id="{9255DFBE-19DA-408D-84E6-F4043FC30BD3}"/>
               </a:ext>
             </a:extLst>
           </p:cNvPr>
@@ -15864,33 +18254,35 @@
             <a:spLocks noGrp="1"/>
           </p:cNvSpPr>
           <p:nvPr>
-            <p:ph type="title"/>
+            <p:ph type="ctrTitle"/>
           </p:nvPr>
         </p:nvSpPr>
         <p:spPr/>
         <p:txBody>
-          <a:bodyPr/>
+          <a:bodyPr>
+            <a:normAutofit/>
+          </a:bodyPr>
           <a:lstStyle/>
           <a:p>
             <a:r>
-              <a:rPr lang="en-US" b="1" dirty="0">
+              <a:rPr lang="en-US" sz="4800" b="1" dirty="0">
                 <a:solidFill>
                   <a:srgbClr val="292D33"/>
                 </a:solidFill>
                 <a:latin typeface="Euclid Circular B" panose="020B0504000000000000" pitchFamily="34" charset="0"/>
                 <a:ea typeface="Euclid Circular B" panose="020B0504000000000000" pitchFamily="34" charset="0"/>
               </a:rPr>
-              <a:t>Title</a:t>
+              <a:t>MIGRATING TO MICROSERVICES</a:t>
             </a:r>
           </a:p>
         </p:txBody>
       </p:sp>
       <p:sp>
         <p:nvSpPr>
-          <p:cNvPr id="3" name="Content Placeholder 2">
-            <a:extLst>
-              <a:ext uri="{FF2B5EF4-FFF2-40B4-BE49-F238E27FC236}">
-                <a16:creationId xmlns:a16="http://schemas.microsoft.com/office/drawing/2014/main" id="{891C7693-D3DF-4635-96F4-97F3B4136FDF}"/>
+          <p:cNvPr id="3" name="Subtitle 2">
+            <a:extLst>
+              <a:ext uri="{FF2B5EF4-FFF2-40B4-BE49-F238E27FC236}">
+                <a16:creationId xmlns:a16="http://schemas.microsoft.com/office/drawing/2014/main" id="{265612B9-B745-46CB-8A20-997CA82E05E7}"/>
               </a:ext>
             </a:extLst>
           </p:cNvPr>
@@ -15898,29 +18290,27 @@
             <a:spLocks noGrp="1"/>
           </p:cNvSpPr>
           <p:nvPr>
-            <p:ph idx="1"/>
+            <p:ph type="subTitle" idx="1"/>
           </p:nvPr>
         </p:nvSpPr>
         <p:spPr/>
         <p:txBody>
-          <a:bodyPr/>
+          <a:bodyPr>
+            <a:normAutofit/>
+          </a:bodyPr>
           <a:lstStyle/>
           <a:p>
             <a:r>
-              <a:rPr lang="en-US" dirty="0">
-                <a:latin typeface="Euclid Circular B" panose="020B0504000000000000" pitchFamily="34" charset="0"/>
-                <a:ea typeface="Euclid Circular B" panose="020B0504000000000000" pitchFamily="34" charset="0"/>
-              </a:rPr>
-              <a:t>TODO</a:t>
-            </a:r>
-            <a:r>
-              <a:rPr lang="en-US">
-                <a:latin typeface="Euclid Circular B" panose="020B0504000000000000" pitchFamily="34" charset="0"/>
-                <a:ea typeface="Euclid Circular B" panose="020B0504000000000000" pitchFamily="34" charset="0"/>
-              </a:rPr>
-              <a:t>: ...</a:t>
-            </a:r>
-            <a:endParaRPr lang="en-US" dirty="0">
+              <a:rPr lang="en-US" sz="2000" b="1" dirty="0">
+                <a:solidFill>
+                  <a:srgbClr val="292D33"/>
+                </a:solidFill>
+                <a:latin typeface="Euclid Circular B" panose="020B0504000000000000" pitchFamily="34" charset="0"/>
+                <a:ea typeface="Euclid Circular B" panose="020B0504000000000000" pitchFamily="34" charset="0"/>
+              </a:rPr>
+              <a:t>DESIGNING MONOLITH FIRST FOR MICROSERVICE ARCHITECTURE</a:t>
+            </a:r>
+            <a:endParaRPr lang="en-US" sz="2000" dirty="0">
               <a:latin typeface="Euclid Circular B" panose="020B0504000000000000" pitchFamily="34" charset="0"/>
               <a:ea typeface="Euclid Circular B" panose="020B0504000000000000" pitchFamily="34" charset="0"/>
             </a:endParaRPr>
@@ -15930,7 +18320,7 @@
     </p:spTree>
     <p:extLst>
       <p:ext uri="{BB962C8B-B14F-4D97-AF65-F5344CB8AC3E}">
-        <p14:creationId xmlns:p14="http://schemas.microsoft.com/office/powerpoint/2010/main" val="326598016"/>
+        <p14:creationId xmlns:p14="http://schemas.microsoft.com/office/powerpoint/2010/main" val="3507474482"/>
       </p:ext>
     </p:extLst>
   </p:cSld>
@@ -16050,7 +18440,7 @@
     </p:spTree>
     <p:extLst>
       <p:ext uri="{BB962C8B-B14F-4D97-AF65-F5344CB8AC3E}">
-        <p14:creationId xmlns:p14="http://schemas.microsoft.com/office/powerpoint/2010/main" val="3073250955"/>
+        <p14:creationId xmlns:p14="http://schemas.microsoft.com/office/powerpoint/2010/main" val="1277783299"/>
       </p:ext>
     </p:extLst>
   </p:cSld>
@@ -16170,7 +18560,7 @@
     </p:spTree>
     <p:extLst>
       <p:ext uri="{BB962C8B-B14F-4D97-AF65-F5344CB8AC3E}">
-        <p14:creationId xmlns:p14="http://schemas.microsoft.com/office/powerpoint/2010/main" val="214136112"/>
+        <p14:creationId xmlns:p14="http://schemas.microsoft.com/office/powerpoint/2010/main" val="326598016"/>
       </p:ext>
     </p:extLst>
   </p:cSld>
@@ -16290,7 +18680,7 @@
     </p:spTree>
     <p:extLst>
       <p:ext uri="{BB962C8B-B14F-4D97-AF65-F5344CB8AC3E}">
-        <p14:creationId xmlns:p14="http://schemas.microsoft.com/office/powerpoint/2010/main" val="3539053896"/>
+        <p14:creationId xmlns:p14="http://schemas.microsoft.com/office/powerpoint/2010/main" val="3073250955"/>
       </p:ext>
     </p:extLst>
   </p:cSld>
@@ -16624,7 +19014,7 @@
     </p:spTree>
     <p:extLst>
       <p:ext uri="{BB962C8B-B14F-4D97-AF65-F5344CB8AC3E}">
-        <p14:creationId xmlns:p14="http://schemas.microsoft.com/office/powerpoint/2010/main" val="2818505958"/>
+        <p14:creationId xmlns:p14="http://schemas.microsoft.com/office/powerpoint/2010/main" val="214136112"/>
       </p:ext>
     </p:extLst>
   </p:cSld>
@@ -16744,7 +19134,7 @@
     </p:spTree>
     <p:extLst>
       <p:ext uri="{BB962C8B-B14F-4D97-AF65-F5344CB8AC3E}">
-        <p14:creationId xmlns:p14="http://schemas.microsoft.com/office/powerpoint/2010/main" val="4272791268"/>
+        <p14:creationId xmlns:p14="http://schemas.microsoft.com/office/powerpoint/2010/main" val="3539053896"/>
       </p:ext>
     </p:extLst>
   </p:cSld>
@@ -16864,6 +19254,246 @@
     </p:spTree>
     <p:extLst>
       <p:ext uri="{BB962C8B-B14F-4D97-AF65-F5344CB8AC3E}">
+        <p14:creationId xmlns:p14="http://schemas.microsoft.com/office/powerpoint/2010/main" val="2818505958"/>
+      </p:ext>
+    </p:extLst>
+  </p:cSld>
+  <p:clrMapOvr>
+    <a:masterClrMapping/>
+  </p:clrMapOvr>
+</p:sld>
+</file>
+
+<file path=ppt/slides/slide43.xml><?xml version="1.0" encoding="utf-8"?>
+<p:sld xmlns:a="http://schemas.openxmlformats.org/drawingml/2006/main" xmlns:r="http://schemas.openxmlformats.org/officeDocument/2006/relationships" xmlns:p="http://schemas.openxmlformats.org/presentationml/2006/main">
+  <p:cSld>
+    <p:bg>
+      <p:bgPr>
+        <a:blipFill dpi="0" rotWithShape="1">
+          <a:blip r:embed="rId2">
+            <a:lum/>
+          </a:blip>
+          <a:srcRect/>
+          <a:stretch>
+            <a:fillRect/>
+          </a:stretch>
+        </a:blipFill>
+        <a:effectLst/>
+      </p:bgPr>
+    </p:bg>
+    <p:spTree>
+      <p:nvGrpSpPr>
+        <p:cNvPr id="1" name=""/>
+        <p:cNvGrpSpPr/>
+        <p:nvPr/>
+      </p:nvGrpSpPr>
+      <p:grpSpPr>
+        <a:xfrm>
+          <a:off x="0" y="0"/>
+          <a:ext cx="0" cy="0"/>
+          <a:chOff x="0" y="0"/>
+          <a:chExt cx="0" cy="0"/>
+        </a:xfrm>
+      </p:grpSpPr>
+      <p:sp>
+        <p:nvSpPr>
+          <p:cNvPr id="2" name="Title 1">
+            <a:extLst>
+              <a:ext uri="{FF2B5EF4-FFF2-40B4-BE49-F238E27FC236}">
+                <a16:creationId xmlns:a16="http://schemas.microsoft.com/office/drawing/2014/main" id="{55E11F08-6CA0-48F1-AD67-97430DDA07F0}"/>
+              </a:ext>
+            </a:extLst>
+          </p:cNvPr>
+          <p:cNvSpPr>
+            <a:spLocks noGrp="1"/>
+          </p:cNvSpPr>
+          <p:nvPr>
+            <p:ph type="title"/>
+          </p:nvPr>
+        </p:nvSpPr>
+        <p:spPr/>
+        <p:txBody>
+          <a:bodyPr/>
+          <a:lstStyle/>
+          <a:p>
+            <a:r>
+              <a:rPr lang="en-US" b="1" dirty="0">
+                <a:solidFill>
+                  <a:srgbClr val="292D33"/>
+                </a:solidFill>
+                <a:latin typeface="Euclid Circular B" panose="020B0504000000000000" pitchFamily="34" charset="0"/>
+                <a:ea typeface="Euclid Circular B" panose="020B0504000000000000" pitchFamily="34" charset="0"/>
+              </a:rPr>
+              <a:t>Title</a:t>
+            </a:r>
+          </a:p>
+        </p:txBody>
+      </p:sp>
+      <p:sp>
+        <p:nvSpPr>
+          <p:cNvPr id="3" name="Content Placeholder 2">
+            <a:extLst>
+              <a:ext uri="{FF2B5EF4-FFF2-40B4-BE49-F238E27FC236}">
+                <a16:creationId xmlns:a16="http://schemas.microsoft.com/office/drawing/2014/main" id="{891C7693-D3DF-4635-96F4-97F3B4136FDF}"/>
+              </a:ext>
+            </a:extLst>
+          </p:cNvPr>
+          <p:cNvSpPr>
+            <a:spLocks noGrp="1"/>
+          </p:cNvSpPr>
+          <p:nvPr>
+            <p:ph idx="1"/>
+          </p:nvPr>
+        </p:nvSpPr>
+        <p:spPr/>
+        <p:txBody>
+          <a:bodyPr/>
+          <a:lstStyle/>
+          <a:p>
+            <a:r>
+              <a:rPr lang="en-US" dirty="0">
+                <a:latin typeface="Euclid Circular B" panose="020B0504000000000000" pitchFamily="34" charset="0"/>
+                <a:ea typeface="Euclid Circular B" panose="020B0504000000000000" pitchFamily="34" charset="0"/>
+              </a:rPr>
+              <a:t>TODO</a:t>
+            </a:r>
+            <a:r>
+              <a:rPr lang="en-US">
+                <a:latin typeface="Euclid Circular B" panose="020B0504000000000000" pitchFamily="34" charset="0"/>
+                <a:ea typeface="Euclid Circular B" panose="020B0504000000000000" pitchFamily="34" charset="0"/>
+              </a:rPr>
+              <a:t>: ...</a:t>
+            </a:r>
+            <a:endParaRPr lang="en-US" dirty="0">
+              <a:latin typeface="Euclid Circular B" panose="020B0504000000000000" pitchFamily="34" charset="0"/>
+              <a:ea typeface="Euclid Circular B" panose="020B0504000000000000" pitchFamily="34" charset="0"/>
+            </a:endParaRPr>
+          </a:p>
+        </p:txBody>
+      </p:sp>
+    </p:spTree>
+    <p:extLst>
+      <p:ext uri="{BB962C8B-B14F-4D97-AF65-F5344CB8AC3E}">
+        <p14:creationId xmlns:p14="http://schemas.microsoft.com/office/powerpoint/2010/main" val="4272791268"/>
+      </p:ext>
+    </p:extLst>
+  </p:cSld>
+  <p:clrMapOvr>
+    <a:masterClrMapping/>
+  </p:clrMapOvr>
+</p:sld>
+</file>
+
+<file path=ppt/slides/slide44.xml><?xml version="1.0" encoding="utf-8"?>
+<p:sld xmlns:a="http://schemas.openxmlformats.org/drawingml/2006/main" xmlns:r="http://schemas.openxmlformats.org/officeDocument/2006/relationships" xmlns:p="http://schemas.openxmlformats.org/presentationml/2006/main">
+  <p:cSld>
+    <p:bg>
+      <p:bgPr>
+        <a:blipFill dpi="0" rotWithShape="1">
+          <a:blip r:embed="rId2">
+            <a:lum/>
+          </a:blip>
+          <a:srcRect/>
+          <a:stretch>
+            <a:fillRect/>
+          </a:stretch>
+        </a:blipFill>
+        <a:effectLst/>
+      </p:bgPr>
+    </p:bg>
+    <p:spTree>
+      <p:nvGrpSpPr>
+        <p:cNvPr id="1" name=""/>
+        <p:cNvGrpSpPr/>
+        <p:nvPr/>
+      </p:nvGrpSpPr>
+      <p:grpSpPr>
+        <a:xfrm>
+          <a:off x="0" y="0"/>
+          <a:ext cx="0" cy="0"/>
+          <a:chOff x="0" y="0"/>
+          <a:chExt cx="0" cy="0"/>
+        </a:xfrm>
+      </p:grpSpPr>
+      <p:sp>
+        <p:nvSpPr>
+          <p:cNvPr id="2" name="Title 1">
+            <a:extLst>
+              <a:ext uri="{FF2B5EF4-FFF2-40B4-BE49-F238E27FC236}">
+                <a16:creationId xmlns:a16="http://schemas.microsoft.com/office/drawing/2014/main" id="{55E11F08-6CA0-48F1-AD67-97430DDA07F0}"/>
+              </a:ext>
+            </a:extLst>
+          </p:cNvPr>
+          <p:cNvSpPr>
+            <a:spLocks noGrp="1"/>
+          </p:cNvSpPr>
+          <p:nvPr>
+            <p:ph type="title"/>
+          </p:nvPr>
+        </p:nvSpPr>
+        <p:spPr/>
+        <p:txBody>
+          <a:bodyPr/>
+          <a:lstStyle/>
+          <a:p>
+            <a:r>
+              <a:rPr lang="en-US" b="1" dirty="0">
+                <a:solidFill>
+                  <a:srgbClr val="292D33"/>
+                </a:solidFill>
+                <a:latin typeface="Euclid Circular B" panose="020B0504000000000000" pitchFamily="34" charset="0"/>
+                <a:ea typeface="Euclid Circular B" panose="020B0504000000000000" pitchFamily="34" charset="0"/>
+              </a:rPr>
+              <a:t>Title</a:t>
+            </a:r>
+          </a:p>
+        </p:txBody>
+      </p:sp>
+      <p:sp>
+        <p:nvSpPr>
+          <p:cNvPr id="3" name="Content Placeholder 2">
+            <a:extLst>
+              <a:ext uri="{FF2B5EF4-FFF2-40B4-BE49-F238E27FC236}">
+                <a16:creationId xmlns:a16="http://schemas.microsoft.com/office/drawing/2014/main" id="{891C7693-D3DF-4635-96F4-97F3B4136FDF}"/>
+              </a:ext>
+            </a:extLst>
+          </p:cNvPr>
+          <p:cNvSpPr>
+            <a:spLocks noGrp="1"/>
+          </p:cNvSpPr>
+          <p:nvPr>
+            <p:ph idx="1"/>
+          </p:nvPr>
+        </p:nvSpPr>
+        <p:spPr/>
+        <p:txBody>
+          <a:bodyPr/>
+          <a:lstStyle/>
+          <a:p>
+            <a:r>
+              <a:rPr lang="en-US" dirty="0">
+                <a:latin typeface="Euclid Circular B" panose="020B0504000000000000" pitchFamily="34" charset="0"/>
+                <a:ea typeface="Euclid Circular B" panose="020B0504000000000000" pitchFamily="34" charset="0"/>
+              </a:rPr>
+              <a:t>TODO</a:t>
+            </a:r>
+            <a:r>
+              <a:rPr lang="en-US">
+                <a:latin typeface="Euclid Circular B" panose="020B0504000000000000" pitchFamily="34" charset="0"/>
+                <a:ea typeface="Euclid Circular B" panose="020B0504000000000000" pitchFamily="34" charset="0"/>
+              </a:rPr>
+              <a:t>: ...</a:t>
+            </a:r>
+            <a:endParaRPr lang="en-US" dirty="0">
+              <a:latin typeface="Euclid Circular B" panose="020B0504000000000000" pitchFamily="34" charset="0"/>
+              <a:ea typeface="Euclid Circular B" panose="020B0504000000000000" pitchFamily="34" charset="0"/>
+            </a:endParaRPr>
+          </a:p>
+        </p:txBody>
+      </p:sp>
+    </p:spTree>
+    <p:extLst>
+      <p:ext uri="{BB962C8B-B14F-4D97-AF65-F5344CB8AC3E}">
         <p14:creationId xmlns:p14="http://schemas.microsoft.com/office/powerpoint/2010/main" val="3822449102"/>
       </p:ext>
     </p:extLst>
@@ -16874,7 +19504,7 @@
 </p:sld>
 </file>
 
-<file path=ppt/slides/slide43.xml><?xml version="1.0" encoding="utf-8"?>
+<file path=ppt/slides/slide45.xml><?xml version="1.0" encoding="utf-8"?>
 <p:sld xmlns:a="http://schemas.openxmlformats.org/drawingml/2006/main" xmlns:r="http://schemas.openxmlformats.org/officeDocument/2006/relationships" xmlns:p="http://schemas.openxmlformats.org/presentationml/2006/main">
   <p:cSld>
     <p:bg>
@@ -17053,7 +19683,7 @@
           <a:graphicData uri="http://schemas.openxmlformats.org/presentationml/2006/ole">
             <mc:AlternateContent xmlns:mc="http://schemas.openxmlformats.org/markup-compatibility/2006">
               <mc:Choice xmlns:v="urn:schemas-microsoft-com:vml" Requires="v">
-                <p:oleObj spid="_x0000_s2091" name="Bitmap Image" r:id="rId4" imgW="12553920" imgH="8362800" progId="Paint.Picture">
+                <p:oleObj spid="_x0000_s2093" name="Bitmap Image" r:id="rId4" imgW="12553920" imgH="8362800" progId="Paint.Picture">
                   <p:embed/>
                 </p:oleObj>
               </mc:Choice>
@@ -18674,7 +21304,7 @@
           <a:graphicData uri="http://schemas.openxmlformats.org/presentationml/2006/ole">
             <mc:AlternateContent xmlns:mc="http://schemas.openxmlformats.org/markup-compatibility/2006">
               <mc:Choice xmlns:v="urn:schemas-microsoft-com:vml" Requires="v">
-                <p:oleObj spid="_x0000_s3113" name="Bitmap Image" r:id="rId4" imgW="17059320" imgH="5762520" progId="Paint.Picture">
+                <p:oleObj spid="_x0000_s3115" name="Bitmap Image" r:id="rId4" imgW="17059320" imgH="5762520" progId="Paint.Picture">
                   <p:embed/>
                 </p:oleObj>
               </mc:Choice>

--- a/2022-05-12 Designing Monolith First (TR)/Monolith First Presentation.pptx
+++ b/2022-05-12 Designing Monolith First (TR)/Monolith First Presentation.pptx
@@ -42,23 +42,27 @@
     <p:sldId id="311" r:id="rId36"/>
     <p:sldId id="310" r:id="rId37"/>
     <p:sldId id="295" r:id="rId38"/>
-    <p:sldId id="302" r:id="rId39"/>
-    <p:sldId id="303" r:id="rId40"/>
-    <p:sldId id="304" r:id="rId41"/>
-    <p:sldId id="305" r:id="rId42"/>
-    <p:sldId id="306" r:id="rId43"/>
-    <p:sldId id="307" r:id="rId44"/>
-    <p:sldId id="308" r:id="rId45"/>
-    <p:sldId id="271" r:id="rId46"/>
-    <p:sldId id="262" r:id="rId47"/>
-    <p:sldId id="263" r:id="rId48"/>
-    <p:sldId id="264" r:id="rId49"/>
-    <p:sldId id="265" r:id="rId50"/>
-    <p:sldId id="266" r:id="rId51"/>
-    <p:sldId id="267" r:id="rId52"/>
-    <p:sldId id="268" r:id="rId53"/>
-    <p:sldId id="297" r:id="rId54"/>
-    <p:sldId id="298" r:id="rId55"/>
+    <p:sldId id="312" r:id="rId39"/>
+    <p:sldId id="313" r:id="rId40"/>
+    <p:sldId id="303" r:id="rId41"/>
+    <p:sldId id="302" r:id="rId42"/>
+    <p:sldId id="314" r:id="rId43"/>
+    <p:sldId id="304" r:id="rId44"/>
+    <p:sldId id="315" r:id="rId45"/>
+    <p:sldId id="305" r:id="rId46"/>
+    <p:sldId id="306" r:id="rId47"/>
+    <p:sldId id="307" r:id="rId48"/>
+    <p:sldId id="308" r:id="rId49"/>
+    <p:sldId id="271" r:id="rId50"/>
+    <p:sldId id="262" r:id="rId51"/>
+    <p:sldId id="263" r:id="rId52"/>
+    <p:sldId id="264" r:id="rId53"/>
+    <p:sldId id="265" r:id="rId54"/>
+    <p:sldId id="266" r:id="rId55"/>
+    <p:sldId id="267" r:id="rId56"/>
+    <p:sldId id="268" r:id="rId57"/>
+    <p:sldId id="297" r:id="rId58"/>
+    <p:sldId id="298" r:id="rId59"/>
   </p:sldIdLst>
   <p:sldSz cx="12192000" cy="6858000"/>
   <p:notesSz cx="6858000" cy="9144000"/>
@@ -23806,7 +23810,9 @@
           </a:xfrm>
         </p:spPr>
         <p:txBody>
-          <a:bodyPr/>
+          <a:bodyPr>
+            <a:normAutofit/>
+          </a:bodyPr>
           <a:lstStyle/>
           <a:p>
             <a:r>
@@ -23814,104 +23820,46 @@
                 <a:latin typeface="Euclid Circular B" panose="020B0504000000000000" pitchFamily="34" charset="0"/>
                 <a:ea typeface="Euclid Circular B" panose="020B0504000000000000" pitchFamily="34" charset="0"/>
               </a:rPr>
-              <a:t>Easy </a:t>
+              <a:t>+ </a:t>
             </a:r>
             <a:r>
               <a:rPr lang="en-US" sz="2400" dirty="0">
                 <a:latin typeface="Euclid Circular B" panose="020B0504000000000000" pitchFamily="34" charset="0"/>
                 <a:ea typeface="Euclid Circular B" panose="020B0504000000000000" pitchFamily="34" charset="0"/>
               </a:rPr>
-              <a:t>to develop, deploy, test and maintain</a:t>
-            </a:r>
-          </a:p>
-          <a:p>
+              <a:t>Easy to develop, test, deploy and maintain</a:t>
+            </a:r>
+          </a:p>
+          <a:p>
+            <a:r>
+              <a:rPr lang="en-US" sz="2400" b="1" dirty="0">
+                <a:latin typeface="Euclid Circular B" panose="020B0504000000000000" pitchFamily="34" charset="0"/>
+                <a:ea typeface="Euclid Circular B" panose="020B0504000000000000" pitchFamily="34" charset="0"/>
+              </a:rPr>
+              <a:t>- </a:t>
+            </a:r>
             <a:r>
               <a:rPr lang="en-US" sz="2400" dirty="0">
                 <a:latin typeface="Euclid Circular B" panose="020B0504000000000000" pitchFamily="34" charset="0"/>
                 <a:ea typeface="Euclid Circular B" panose="020B0504000000000000" pitchFamily="34" charset="0"/>
               </a:rPr>
-              <a:t>Can </a:t>
-            </a:r>
+              <a:t>All modules should use the same database technology</a:t>
+            </a:r>
+          </a:p>
+          <a:p>
             <a:r>
               <a:rPr lang="en-US" sz="2400" b="1" dirty="0">
                 <a:latin typeface="Euclid Circular B" panose="020B0504000000000000" pitchFamily="34" charset="0"/>
                 <a:ea typeface="Euclid Circular B" panose="020B0504000000000000" pitchFamily="34" charset="0"/>
               </a:rPr>
-              <a:t>restrict access </a:t>
+              <a:t>- </a:t>
             </a:r>
             <a:r>
               <a:rPr lang="en-US" sz="2400" dirty="0">
                 <a:latin typeface="Euclid Circular B" panose="020B0504000000000000" pitchFamily="34" charset="0"/>
                 <a:ea typeface="Euclid Circular B" panose="020B0504000000000000" pitchFamily="34" charset="0"/>
               </a:rPr>
-              <a:t>for each module with different DB user </a:t>
-            </a:r>
-            <a:r>
-              <a:rPr lang="en-US" sz="2400" b="1" dirty="0">
-                <a:latin typeface="Euclid Circular B" panose="020B0504000000000000" pitchFamily="34" charset="0"/>
-                <a:ea typeface="Euclid Circular B" panose="020B0504000000000000" pitchFamily="34" charset="0"/>
-              </a:rPr>
-              <a:t>(different connection strings)</a:t>
-            </a:r>
-            <a:r>
-              <a:rPr lang="en-US" sz="2400" dirty="0">
-                <a:latin typeface="Euclid Circular B" panose="020B0504000000000000" pitchFamily="34" charset="0"/>
-                <a:ea typeface="Euclid Circular B" panose="020B0504000000000000" pitchFamily="34" charset="0"/>
-              </a:rPr>
-              <a:t>, so modules can’t use other modules’ tables (</a:t>
-            </a:r>
-            <a:r>
-              <a:rPr lang="en-US" sz="2400" b="1" dirty="0">
-                <a:latin typeface="Euclid Circular B" panose="020B0504000000000000" pitchFamily="34" charset="0"/>
-                <a:ea typeface="Euclid Circular B" panose="020B0504000000000000" pitchFamily="34" charset="0"/>
-              </a:rPr>
-              <a:t>separate schemas</a:t>
-            </a:r>
-            <a:r>
-              <a:rPr lang="en-US" sz="2400" dirty="0">
-                <a:latin typeface="Euclid Circular B" panose="020B0504000000000000" pitchFamily="34" charset="0"/>
-                <a:ea typeface="Euclid Circular B" panose="020B0504000000000000" pitchFamily="34" charset="0"/>
-              </a:rPr>
-              <a:t>)</a:t>
-            </a:r>
-          </a:p>
-          <a:p>
-            <a:r>
-              <a:rPr lang="en-US" sz="2400" b="1" dirty="0">
-                <a:latin typeface="Euclid Circular B" panose="020B0504000000000000" pitchFamily="34" charset="0"/>
-                <a:ea typeface="Euclid Circular B" panose="020B0504000000000000" pitchFamily="34" charset="0"/>
-              </a:rPr>
-              <a:t>Separate </a:t>
-            </a:r>
-            <a:r>
-              <a:rPr lang="en-US" sz="2400" b="1" dirty="0" err="1">
-                <a:latin typeface="Euclid Circular B" panose="020B0504000000000000" pitchFamily="34" charset="0"/>
-                <a:ea typeface="Euclid Circular B" panose="020B0504000000000000" pitchFamily="34" charset="0"/>
-              </a:rPr>
-              <a:t>DbContext</a:t>
-            </a:r>
-            <a:r>
-              <a:rPr lang="en-US" sz="2400" dirty="0">
-                <a:latin typeface="Euclid Circular B" panose="020B0504000000000000" pitchFamily="34" charset="0"/>
-                <a:ea typeface="Euclid Circular B" panose="020B0504000000000000" pitchFamily="34" charset="0"/>
-              </a:rPr>
-              <a:t> classes for Entity Framework Core</a:t>
-            </a:r>
-          </a:p>
-          <a:p>
-            <a:r>
-              <a:rPr lang="en-US" sz="2400" dirty="0">
-                <a:latin typeface="Euclid Circular B" panose="020B0504000000000000" pitchFamily="34" charset="0"/>
-                <a:ea typeface="Euclid Circular B" panose="020B0504000000000000" pitchFamily="34" charset="0"/>
-              </a:rPr>
-              <a:t>Unify EF Core </a:t>
-            </a:r>
-            <a:r>
-              <a:rPr lang="en-US" sz="2400" b="1" dirty="0">
-                <a:latin typeface="Euclid Circular B" panose="020B0504000000000000" pitchFamily="34" charset="0"/>
-                <a:ea typeface="Euclid Circular B" panose="020B0504000000000000" pitchFamily="34" charset="0"/>
-              </a:rPr>
-              <a:t>database migrations</a:t>
+              <a:t>Should care about the data isolation between modules</a:t>
             </a:r>
           </a:p>
         </p:txBody>
@@ -25807,6 +25755,219 @@
   <p:clrMapOvr>
     <a:masterClrMapping/>
   </p:clrMapOvr>
+  <p:timing>
+    <p:tnLst>
+      <p:par>
+        <p:cTn id="1" dur="indefinite" restart="never" nodeType="tmRoot">
+          <p:childTnLst>
+            <p:seq concurrent="1" nextAc="seek">
+              <p:cTn id="2" dur="indefinite" nodeType="mainSeq">
+                <p:childTnLst>
+                  <p:par>
+                    <p:cTn id="3" fill="hold">
+                      <p:stCondLst>
+                        <p:cond delay="indefinite"/>
+                      </p:stCondLst>
+                      <p:childTnLst>
+                        <p:par>
+                          <p:cTn id="4" fill="hold">
+                            <p:stCondLst>
+                              <p:cond delay="0"/>
+                            </p:stCondLst>
+                            <p:childTnLst>
+                              <p:par>
+                                <p:cTn id="5" presetID="10" presetClass="entr" presetSubtype="0" fill="hold" nodeType="clickEffect">
+                                  <p:stCondLst>
+                                    <p:cond delay="0"/>
+                                  </p:stCondLst>
+                                  <p:childTnLst>
+                                    <p:set>
+                                      <p:cBhvr>
+                                        <p:cTn id="6" dur="1" fill="hold">
+                                          <p:stCondLst>
+                                            <p:cond delay="0"/>
+                                          </p:stCondLst>
+                                        </p:cTn>
+                                        <p:tgtEl>
+                                          <p:spTgt spid="3">
+                                            <p:txEl>
+                                              <p:pRg st="0" end="0"/>
+                                            </p:txEl>
+                                          </p:spTgt>
+                                        </p:tgtEl>
+                                        <p:attrNameLst>
+                                          <p:attrName>style.visibility</p:attrName>
+                                        </p:attrNameLst>
+                                      </p:cBhvr>
+                                      <p:to>
+                                        <p:strVal val="visible"/>
+                                      </p:to>
+                                    </p:set>
+                                    <p:animEffect transition="in" filter="fade">
+                                      <p:cBhvr>
+                                        <p:cTn id="7" dur="500"/>
+                                        <p:tgtEl>
+                                          <p:spTgt spid="3">
+                                            <p:txEl>
+                                              <p:pRg st="0" end="0"/>
+                                            </p:txEl>
+                                          </p:spTgt>
+                                        </p:tgtEl>
+                                      </p:cBhvr>
+                                    </p:animEffect>
+                                  </p:childTnLst>
+                                </p:cTn>
+                              </p:par>
+                            </p:childTnLst>
+                          </p:cTn>
+                        </p:par>
+                      </p:childTnLst>
+                    </p:cTn>
+                  </p:par>
+                  <p:par>
+                    <p:cTn id="8" fill="hold">
+                      <p:stCondLst>
+                        <p:cond delay="indefinite"/>
+                      </p:stCondLst>
+                      <p:childTnLst>
+                        <p:par>
+                          <p:cTn id="9" fill="hold">
+                            <p:stCondLst>
+                              <p:cond delay="0"/>
+                            </p:stCondLst>
+                            <p:childTnLst>
+                              <p:par>
+                                <p:cTn id="10" presetID="10" presetClass="entr" presetSubtype="0" fill="hold" nodeType="clickEffect">
+                                  <p:stCondLst>
+                                    <p:cond delay="0"/>
+                                  </p:stCondLst>
+                                  <p:childTnLst>
+                                    <p:set>
+                                      <p:cBhvr>
+                                        <p:cTn id="11" dur="1" fill="hold">
+                                          <p:stCondLst>
+                                            <p:cond delay="0"/>
+                                          </p:stCondLst>
+                                        </p:cTn>
+                                        <p:tgtEl>
+                                          <p:spTgt spid="3">
+                                            <p:txEl>
+                                              <p:pRg st="1" end="1"/>
+                                            </p:txEl>
+                                          </p:spTgt>
+                                        </p:tgtEl>
+                                        <p:attrNameLst>
+                                          <p:attrName>style.visibility</p:attrName>
+                                        </p:attrNameLst>
+                                      </p:cBhvr>
+                                      <p:to>
+                                        <p:strVal val="visible"/>
+                                      </p:to>
+                                    </p:set>
+                                    <p:animEffect transition="in" filter="fade">
+                                      <p:cBhvr>
+                                        <p:cTn id="12" dur="500"/>
+                                        <p:tgtEl>
+                                          <p:spTgt spid="3">
+                                            <p:txEl>
+                                              <p:pRg st="1" end="1"/>
+                                            </p:txEl>
+                                          </p:spTgt>
+                                        </p:tgtEl>
+                                      </p:cBhvr>
+                                    </p:animEffect>
+                                  </p:childTnLst>
+                                </p:cTn>
+                              </p:par>
+                            </p:childTnLst>
+                          </p:cTn>
+                        </p:par>
+                      </p:childTnLst>
+                    </p:cTn>
+                  </p:par>
+                  <p:par>
+                    <p:cTn id="13" fill="hold">
+                      <p:stCondLst>
+                        <p:cond delay="indefinite"/>
+                      </p:stCondLst>
+                      <p:childTnLst>
+                        <p:par>
+                          <p:cTn id="14" fill="hold">
+                            <p:stCondLst>
+                              <p:cond delay="0"/>
+                            </p:stCondLst>
+                            <p:childTnLst>
+                              <p:par>
+                                <p:cTn id="15" presetID="10" presetClass="entr" presetSubtype="0" fill="hold" nodeType="clickEffect">
+                                  <p:stCondLst>
+                                    <p:cond delay="0"/>
+                                  </p:stCondLst>
+                                  <p:childTnLst>
+                                    <p:set>
+                                      <p:cBhvr>
+                                        <p:cTn id="16" dur="1" fill="hold">
+                                          <p:stCondLst>
+                                            <p:cond delay="0"/>
+                                          </p:stCondLst>
+                                        </p:cTn>
+                                        <p:tgtEl>
+                                          <p:spTgt spid="3">
+                                            <p:txEl>
+                                              <p:pRg st="2" end="2"/>
+                                            </p:txEl>
+                                          </p:spTgt>
+                                        </p:tgtEl>
+                                        <p:attrNameLst>
+                                          <p:attrName>style.visibility</p:attrName>
+                                        </p:attrNameLst>
+                                      </p:cBhvr>
+                                      <p:to>
+                                        <p:strVal val="visible"/>
+                                      </p:to>
+                                    </p:set>
+                                    <p:animEffect transition="in" filter="fade">
+                                      <p:cBhvr>
+                                        <p:cTn id="17" dur="500"/>
+                                        <p:tgtEl>
+                                          <p:spTgt spid="3">
+                                            <p:txEl>
+                                              <p:pRg st="2" end="2"/>
+                                            </p:txEl>
+                                          </p:spTgt>
+                                        </p:tgtEl>
+                                      </p:cBhvr>
+                                    </p:animEffect>
+                                  </p:childTnLst>
+                                </p:cTn>
+                              </p:par>
+                            </p:childTnLst>
+                          </p:cTn>
+                        </p:par>
+                      </p:childTnLst>
+                    </p:cTn>
+                  </p:par>
+                </p:childTnLst>
+              </p:cTn>
+              <p:prevCondLst>
+                <p:cond evt="onPrev" delay="0">
+                  <p:tgtEl>
+                    <p:sldTgt/>
+                  </p:tgtEl>
+                </p:cond>
+              </p:prevCondLst>
+              <p:nextCondLst>
+                <p:cond evt="onNext" delay="0">
+                  <p:tgtEl>
+                    <p:sldTgt/>
+                  </p:tgtEl>
+                </p:cond>
+              </p:nextCondLst>
+            </p:seq>
+          </p:childTnLst>
+        </p:cTn>
+      </p:par>
+    </p:tnLst>
+  </p:timing>
 </p:sld>
 </file>
 
@@ -25857,29 +26018,99 @@
             <p:ph idx="1"/>
           </p:nvPr>
         </p:nvSpPr>
-        <p:spPr/>
+        <p:spPr>
+          <a:xfrm>
+            <a:off x="838200" y="1825625"/>
+            <a:ext cx="6556513" cy="4351338"/>
+          </a:xfrm>
+        </p:spPr>
         <p:txBody>
-          <a:bodyPr/>
+          <a:bodyPr>
+            <a:normAutofit/>
+          </a:bodyPr>
           <a:lstStyle/>
           <a:p>
             <a:r>
-              <a:rPr lang="en-US" dirty="0">
+              <a:rPr lang="en-US" sz="2400" b="1" dirty="0">
                 <a:latin typeface="Euclid Circular B" panose="020B0504000000000000" pitchFamily="34" charset="0"/>
                 <a:ea typeface="Euclid Circular B" panose="020B0504000000000000" pitchFamily="34" charset="0"/>
               </a:rPr>
-              <a:t>TODO</a:t>
-            </a:r>
-            <a:r>
-              <a:rPr lang="en-US">
+              <a:t>Restrict access </a:t>
+            </a:r>
+            <a:r>
+              <a:rPr lang="en-US" sz="2400" dirty="0">
                 <a:latin typeface="Euclid Circular B" panose="020B0504000000000000" pitchFamily="34" charset="0"/>
                 <a:ea typeface="Euclid Circular B" panose="020B0504000000000000" pitchFamily="34" charset="0"/>
               </a:rPr>
-              <a:t>: ...</a:t>
-            </a:r>
-            <a:endParaRPr lang="en-US" dirty="0">
-              <a:latin typeface="Euclid Circular B" panose="020B0504000000000000" pitchFamily="34" charset="0"/>
-              <a:ea typeface="Euclid Circular B" panose="020B0504000000000000" pitchFamily="34" charset="0"/>
-            </a:endParaRPr>
+              <a:t>for each module with </a:t>
+            </a:r>
+            <a:r>
+              <a:rPr lang="en-US" sz="2400" b="1" dirty="0">
+                <a:latin typeface="Euclid Circular B" panose="020B0504000000000000" pitchFamily="34" charset="0"/>
+                <a:ea typeface="Euclid Circular B" panose="020B0504000000000000" pitchFamily="34" charset="0"/>
+              </a:rPr>
+              <a:t>different connection strings</a:t>
+            </a:r>
+            <a:r>
+              <a:rPr lang="en-US" sz="2400" dirty="0">
+                <a:latin typeface="Euclid Circular B" panose="020B0504000000000000" pitchFamily="34" charset="0"/>
+                <a:ea typeface="Euclid Circular B" panose="020B0504000000000000" pitchFamily="34" charset="0"/>
+              </a:rPr>
+              <a:t>, so modules can’t use other modules’ data (</a:t>
+            </a:r>
+            <a:r>
+              <a:rPr lang="en-US" sz="2400" b="1" dirty="0">
+                <a:latin typeface="Euclid Circular B" panose="020B0504000000000000" pitchFamily="34" charset="0"/>
+                <a:ea typeface="Euclid Circular B" panose="020B0504000000000000" pitchFamily="34" charset="0"/>
+              </a:rPr>
+              <a:t>separate schemas</a:t>
+            </a:r>
+            <a:r>
+              <a:rPr lang="en-US" sz="2400" dirty="0">
+                <a:latin typeface="Euclid Circular B" panose="020B0504000000000000" pitchFamily="34" charset="0"/>
+                <a:ea typeface="Euclid Circular B" panose="020B0504000000000000" pitchFamily="34" charset="0"/>
+              </a:rPr>
+              <a:t>)</a:t>
+            </a:r>
+          </a:p>
+          <a:p>
+            <a:r>
+              <a:rPr lang="en-US" sz="2400" b="1" dirty="0">
+                <a:latin typeface="Euclid Circular B" panose="020B0504000000000000" pitchFamily="34" charset="0"/>
+                <a:ea typeface="Euclid Circular B" panose="020B0504000000000000" pitchFamily="34" charset="0"/>
+              </a:rPr>
+              <a:t>Separate </a:t>
+            </a:r>
+            <a:r>
+              <a:rPr lang="en-US" sz="2400" b="1" dirty="0" err="1">
+                <a:latin typeface="Euclid Circular B" panose="020B0504000000000000" pitchFamily="34" charset="0"/>
+                <a:ea typeface="Euclid Circular B" panose="020B0504000000000000" pitchFamily="34" charset="0"/>
+              </a:rPr>
+              <a:t>DbContext</a:t>
+            </a:r>
+            <a:r>
+              <a:rPr lang="en-US" sz="2400" dirty="0">
+                <a:latin typeface="Euclid Circular B" panose="020B0504000000000000" pitchFamily="34" charset="0"/>
+                <a:ea typeface="Euclid Circular B" panose="020B0504000000000000" pitchFamily="34" charset="0"/>
+              </a:rPr>
+              <a:t> classes for Entity Framework Core</a:t>
+            </a:r>
+          </a:p>
+          <a:p>
+            <a:r>
+              <a:rPr lang="en-US" sz="2400" dirty="0">
+                <a:latin typeface="Euclid Circular B" panose="020B0504000000000000" pitchFamily="34" charset="0"/>
+                <a:ea typeface="Euclid Circular B" panose="020B0504000000000000" pitchFamily="34" charset="0"/>
+              </a:rPr>
+              <a:t>Unify EF Core </a:t>
+            </a:r>
+            <a:r>
+              <a:rPr lang="en-US" sz="2400" b="1" dirty="0">
+                <a:latin typeface="Euclid Circular B" panose="020B0504000000000000" pitchFamily="34" charset="0"/>
+                <a:ea typeface="Euclid Circular B" panose="020B0504000000000000" pitchFamily="34" charset="0"/>
+              </a:rPr>
+              <a:t>database migrations</a:t>
+            </a:r>
           </a:p>
         </p:txBody>
       </p:sp>
@@ -25919,7 +26150,7 @@
                 <a:latin typeface="Euclid Circular B" panose="020B0504000000000000" pitchFamily="34" charset="0"/>
                 <a:ea typeface="Euclid Circular B" panose="020B0504000000000000" pitchFamily="34" charset="0"/>
               </a:rPr>
-              <a:t>The need for layering</a:t>
+              <a:t>Designing the database</a:t>
             </a:r>
             <a:br>
               <a:rPr lang="en-US" b="1" dirty="0">
@@ -25938,7 +26169,7 @@
                 <a:latin typeface="Euclid Circular B" panose="020B0504000000000000" pitchFamily="34" charset="0"/>
                 <a:ea typeface="Euclid Circular B" panose="020B0504000000000000" pitchFamily="34" charset="0"/>
               </a:rPr>
-              <a:t>ABP’s layered module solution structure</a:t>
+              <a:t>Single (shared) database approach</a:t>
             </a:r>
             <a:endParaRPr lang="en-US" b="1" dirty="0">
               <a:solidFill>
@@ -25950,16 +26181,2043 @@
           </a:p>
         </p:txBody>
       </p:sp>
+      <p:sp>
+        <p:nvSpPr>
+          <p:cNvPr id="23" name="Rectangle 22">
+            <a:extLst>
+              <a:ext uri="{FF2B5EF4-FFF2-40B4-BE49-F238E27FC236}">
+                <a16:creationId xmlns:a16="http://schemas.microsoft.com/office/drawing/2014/main" id="{6525B246-F654-4BE7-A1F3-C0FC61193104}"/>
+              </a:ext>
+            </a:extLst>
+          </p:cNvPr>
+          <p:cNvSpPr/>
+          <p:nvPr/>
+        </p:nvSpPr>
+        <p:spPr>
+          <a:xfrm>
+            <a:off x="10773355" y="3119657"/>
+            <a:ext cx="914400" cy="1285041"/>
+          </a:xfrm>
+          <a:prstGeom prst="rect">
+            <a:avLst/>
+          </a:prstGeom>
+        </p:spPr>
+        <p:style>
+          <a:lnRef idx="2">
+            <a:schemeClr val="accent1">
+              <a:shade val="50000"/>
+            </a:schemeClr>
+          </a:lnRef>
+          <a:fillRef idx="1">
+            <a:schemeClr val="accent1"/>
+          </a:fillRef>
+          <a:effectRef idx="0">
+            <a:schemeClr val="accent1"/>
+          </a:effectRef>
+          <a:fontRef idx="minor">
+            <a:schemeClr val="lt1"/>
+          </a:fontRef>
+        </p:style>
+        <p:txBody>
+          <a:bodyPr rtlCol="0" anchor="ctr"/>
+          <a:lstStyle/>
+          <a:p>
+            <a:pPr algn="ctr"/>
+            <a:endParaRPr lang="en-US" dirty="0"/>
+          </a:p>
+        </p:txBody>
+      </p:sp>
+      <p:sp>
+        <p:nvSpPr>
+          <p:cNvPr id="24" name="Rectangle 23">
+            <a:extLst>
+              <a:ext uri="{FF2B5EF4-FFF2-40B4-BE49-F238E27FC236}">
+                <a16:creationId xmlns:a16="http://schemas.microsoft.com/office/drawing/2014/main" id="{464CAF25-5864-4CBC-B56A-0BC75A7052F5}"/>
+              </a:ext>
+            </a:extLst>
+          </p:cNvPr>
+          <p:cNvSpPr/>
+          <p:nvPr/>
+        </p:nvSpPr>
+        <p:spPr>
+          <a:xfrm>
+            <a:off x="10848770" y="3669407"/>
+            <a:ext cx="786623" cy="131976"/>
+          </a:xfrm>
+          <a:prstGeom prst="rect">
+            <a:avLst/>
+          </a:prstGeom>
+          <a:solidFill>
+            <a:schemeClr val="accent5">
+              <a:lumMod val="60000"/>
+              <a:lumOff val="40000"/>
+            </a:schemeClr>
+          </a:solidFill>
+          <a:ln>
+            <a:solidFill>
+              <a:schemeClr val="accent5">
+                <a:lumMod val="40000"/>
+                <a:lumOff val="60000"/>
+              </a:schemeClr>
+            </a:solidFill>
+          </a:ln>
+        </p:spPr>
+        <p:style>
+          <a:lnRef idx="2">
+            <a:schemeClr val="accent4">
+              <a:shade val="50000"/>
+            </a:schemeClr>
+          </a:lnRef>
+          <a:fillRef idx="1">
+            <a:schemeClr val="accent4"/>
+          </a:fillRef>
+          <a:effectRef idx="0">
+            <a:schemeClr val="accent4"/>
+          </a:effectRef>
+          <a:fontRef idx="minor">
+            <a:schemeClr val="lt1"/>
+          </a:fontRef>
+        </p:style>
+        <p:txBody>
+          <a:bodyPr rtlCol="0" anchor="ctr"/>
+          <a:lstStyle/>
+          <a:p>
+            <a:pPr algn="ctr"/>
+            <a:endParaRPr lang="en-US" dirty="0"/>
+          </a:p>
+        </p:txBody>
+      </p:sp>
+      <p:sp>
+        <p:nvSpPr>
+          <p:cNvPr id="25" name="Rectangle 24">
+            <a:extLst>
+              <a:ext uri="{FF2B5EF4-FFF2-40B4-BE49-F238E27FC236}">
+                <a16:creationId xmlns:a16="http://schemas.microsoft.com/office/drawing/2014/main" id="{320B7924-0DDB-4956-B690-DD1FE14446A6}"/>
+              </a:ext>
+            </a:extLst>
+          </p:cNvPr>
+          <p:cNvSpPr/>
+          <p:nvPr/>
+        </p:nvSpPr>
+        <p:spPr>
+          <a:xfrm>
+            <a:off x="10848770" y="3842233"/>
+            <a:ext cx="786623" cy="131976"/>
+          </a:xfrm>
+          <a:prstGeom prst="rect">
+            <a:avLst/>
+          </a:prstGeom>
+          <a:solidFill>
+            <a:schemeClr val="accent5">
+              <a:lumMod val="60000"/>
+              <a:lumOff val="40000"/>
+            </a:schemeClr>
+          </a:solidFill>
+          <a:ln>
+            <a:solidFill>
+              <a:schemeClr val="accent5">
+                <a:lumMod val="40000"/>
+                <a:lumOff val="60000"/>
+              </a:schemeClr>
+            </a:solidFill>
+          </a:ln>
+        </p:spPr>
+        <p:style>
+          <a:lnRef idx="2">
+            <a:schemeClr val="accent4">
+              <a:shade val="50000"/>
+            </a:schemeClr>
+          </a:lnRef>
+          <a:fillRef idx="1">
+            <a:schemeClr val="accent4"/>
+          </a:fillRef>
+          <a:effectRef idx="0">
+            <a:schemeClr val="accent4"/>
+          </a:effectRef>
+          <a:fontRef idx="minor">
+            <a:schemeClr val="lt1"/>
+          </a:fontRef>
+        </p:style>
+        <p:txBody>
+          <a:bodyPr rtlCol="0" anchor="ctr"/>
+          <a:lstStyle/>
+          <a:p>
+            <a:pPr algn="ctr"/>
+            <a:endParaRPr lang="en-US" dirty="0"/>
+          </a:p>
+        </p:txBody>
+      </p:sp>
+      <p:sp>
+        <p:nvSpPr>
+          <p:cNvPr id="26" name="Rectangle 25">
+            <a:extLst>
+              <a:ext uri="{FF2B5EF4-FFF2-40B4-BE49-F238E27FC236}">
+                <a16:creationId xmlns:a16="http://schemas.microsoft.com/office/drawing/2014/main" id="{721AFA38-88AA-4CE8-A6AF-64B4A3E8F0D2}"/>
+              </a:ext>
+            </a:extLst>
+          </p:cNvPr>
+          <p:cNvSpPr/>
+          <p:nvPr/>
+        </p:nvSpPr>
+        <p:spPr>
+          <a:xfrm>
+            <a:off x="10848770" y="4015059"/>
+            <a:ext cx="786623" cy="131976"/>
+          </a:xfrm>
+          <a:prstGeom prst="rect">
+            <a:avLst/>
+          </a:prstGeom>
+          <a:solidFill>
+            <a:schemeClr val="accent5">
+              <a:lumMod val="60000"/>
+              <a:lumOff val="40000"/>
+            </a:schemeClr>
+          </a:solidFill>
+          <a:ln>
+            <a:solidFill>
+              <a:schemeClr val="accent5">
+                <a:lumMod val="40000"/>
+                <a:lumOff val="60000"/>
+              </a:schemeClr>
+            </a:solidFill>
+          </a:ln>
+        </p:spPr>
+        <p:style>
+          <a:lnRef idx="2">
+            <a:schemeClr val="accent4">
+              <a:shade val="50000"/>
+            </a:schemeClr>
+          </a:lnRef>
+          <a:fillRef idx="1">
+            <a:schemeClr val="accent4"/>
+          </a:fillRef>
+          <a:effectRef idx="0">
+            <a:schemeClr val="accent4"/>
+          </a:effectRef>
+          <a:fontRef idx="minor">
+            <a:schemeClr val="lt1"/>
+          </a:fontRef>
+        </p:style>
+        <p:txBody>
+          <a:bodyPr rtlCol="0" anchor="ctr"/>
+          <a:lstStyle/>
+          <a:p>
+            <a:pPr algn="ctr"/>
+            <a:endParaRPr lang="en-US" dirty="0"/>
+          </a:p>
+        </p:txBody>
+      </p:sp>
+      <p:sp>
+        <p:nvSpPr>
+          <p:cNvPr id="27" name="Rectangle 26">
+            <a:extLst>
+              <a:ext uri="{FF2B5EF4-FFF2-40B4-BE49-F238E27FC236}">
+                <a16:creationId xmlns:a16="http://schemas.microsoft.com/office/drawing/2014/main" id="{964BF890-06C7-4595-B9CF-7D0050B26E90}"/>
+              </a:ext>
+            </a:extLst>
+          </p:cNvPr>
+          <p:cNvSpPr/>
+          <p:nvPr/>
+        </p:nvSpPr>
+        <p:spPr>
+          <a:xfrm>
+            <a:off x="10848770" y="4187885"/>
+            <a:ext cx="786623" cy="131976"/>
+          </a:xfrm>
+          <a:prstGeom prst="rect">
+            <a:avLst/>
+          </a:prstGeom>
+          <a:solidFill>
+            <a:schemeClr val="accent5">
+              <a:lumMod val="60000"/>
+              <a:lumOff val="40000"/>
+            </a:schemeClr>
+          </a:solidFill>
+          <a:ln>
+            <a:solidFill>
+              <a:schemeClr val="accent5">
+                <a:lumMod val="40000"/>
+                <a:lumOff val="60000"/>
+              </a:schemeClr>
+            </a:solidFill>
+          </a:ln>
+        </p:spPr>
+        <p:style>
+          <a:lnRef idx="2">
+            <a:schemeClr val="accent4">
+              <a:shade val="50000"/>
+            </a:schemeClr>
+          </a:lnRef>
+          <a:fillRef idx="1">
+            <a:schemeClr val="accent4"/>
+          </a:fillRef>
+          <a:effectRef idx="0">
+            <a:schemeClr val="accent4"/>
+          </a:effectRef>
+          <a:fontRef idx="minor">
+            <a:schemeClr val="lt1"/>
+          </a:fontRef>
+        </p:style>
+        <p:txBody>
+          <a:bodyPr rtlCol="0" anchor="ctr"/>
+          <a:lstStyle/>
+          <a:p>
+            <a:pPr algn="ctr"/>
+            <a:endParaRPr lang="en-US" dirty="0"/>
+          </a:p>
+        </p:txBody>
+      </p:sp>
+      <p:sp>
+        <p:nvSpPr>
+          <p:cNvPr id="28" name="TextBox 27">
+            <a:extLst>
+              <a:ext uri="{FF2B5EF4-FFF2-40B4-BE49-F238E27FC236}">
+                <a16:creationId xmlns:a16="http://schemas.microsoft.com/office/drawing/2014/main" id="{B9B65FEE-494C-4058-A17C-CB077EF0B889}"/>
+              </a:ext>
+            </a:extLst>
+          </p:cNvPr>
+          <p:cNvSpPr txBox="1"/>
+          <p:nvPr/>
+        </p:nvSpPr>
+        <p:spPr>
+          <a:xfrm>
+            <a:off x="10796408" y="3097833"/>
+            <a:ext cx="838985" cy="523220"/>
+          </a:xfrm>
+          <a:prstGeom prst="rect">
+            <a:avLst/>
+          </a:prstGeom>
+          <a:noFill/>
+        </p:spPr>
+        <p:txBody>
+          <a:bodyPr wrap="square" rtlCol="0">
+            <a:spAutoFit/>
+          </a:bodyPr>
+          <a:lstStyle/>
+          <a:p>
+            <a:pPr algn="ctr"/>
+            <a:r>
+              <a:rPr lang="en-US" sz="1400" dirty="0">
+                <a:solidFill>
+                  <a:schemeClr val="bg1"/>
+                </a:solidFill>
+              </a:rPr>
+              <a:t>Basket module</a:t>
+            </a:r>
+          </a:p>
+        </p:txBody>
+      </p:sp>
+      <p:sp>
+        <p:nvSpPr>
+          <p:cNvPr id="29" name="Rectangle 28">
+            <a:extLst>
+              <a:ext uri="{FF2B5EF4-FFF2-40B4-BE49-F238E27FC236}">
+                <a16:creationId xmlns:a16="http://schemas.microsoft.com/office/drawing/2014/main" id="{9217533C-B0CE-4177-9F42-7175C06C3B10}"/>
+              </a:ext>
+            </a:extLst>
+          </p:cNvPr>
+          <p:cNvSpPr/>
+          <p:nvPr/>
+        </p:nvSpPr>
+        <p:spPr>
+          <a:xfrm>
+            <a:off x="7585762" y="4663465"/>
+            <a:ext cx="4101993" cy="356254"/>
+          </a:xfrm>
+          <a:prstGeom prst="rect">
+            <a:avLst/>
+          </a:prstGeom>
+        </p:spPr>
+        <p:style>
+          <a:lnRef idx="2">
+            <a:schemeClr val="accent6">
+              <a:shade val="50000"/>
+            </a:schemeClr>
+          </a:lnRef>
+          <a:fillRef idx="1">
+            <a:schemeClr val="accent6"/>
+          </a:fillRef>
+          <a:effectRef idx="0">
+            <a:schemeClr val="accent6"/>
+          </a:effectRef>
+          <a:fontRef idx="minor">
+            <a:schemeClr val="lt1"/>
+          </a:fontRef>
+        </p:style>
+        <p:txBody>
+          <a:bodyPr rtlCol="0" anchor="ctr"/>
+          <a:lstStyle/>
+          <a:p>
+            <a:pPr algn="ctr"/>
+            <a:r>
+              <a:rPr lang="en-US" dirty="0"/>
+              <a:t>Monolith Host Application</a:t>
+            </a:r>
+          </a:p>
+        </p:txBody>
+      </p:sp>
+      <p:cxnSp>
+        <p:nvCxnSpPr>
+          <p:cNvPr id="30" name="Straight Arrow Connector 29">
+            <a:extLst>
+              <a:ext uri="{FF2B5EF4-FFF2-40B4-BE49-F238E27FC236}">
+                <a16:creationId xmlns:a16="http://schemas.microsoft.com/office/drawing/2014/main" id="{5370E0DE-0B1B-4393-8526-BF0A4E67D521}"/>
+              </a:ext>
+            </a:extLst>
+          </p:cNvPr>
+          <p:cNvCxnSpPr>
+            <a:cxnSpLocks/>
+            <a:endCxn id="49" idx="2"/>
+          </p:cNvCxnSpPr>
+          <p:nvPr/>
+        </p:nvCxnSpPr>
+        <p:spPr>
+          <a:xfrm flipV="1">
+            <a:off x="8042962" y="4404698"/>
+            <a:ext cx="0" cy="258767"/>
+          </a:xfrm>
+          <a:prstGeom prst="straightConnector1">
+            <a:avLst/>
+          </a:prstGeom>
+          <a:ln w="25400">
+            <a:solidFill>
+              <a:schemeClr val="tx1">
+                <a:lumMod val="95000"/>
+                <a:lumOff val="5000"/>
+              </a:schemeClr>
+            </a:solidFill>
+            <a:tailEnd type="triangle"/>
+          </a:ln>
+        </p:spPr>
+        <p:style>
+          <a:lnRef idx="1">
+            <a:schemeClr val="accent1"/>
+          </a:lnRef>
+          <a:fillRef idx="0">
+            <a:schemeClr val="accent1"/>
+          </a:fillRef>
+          <a:effectRef idx="0">
+            <a:schemeClr val="accent1"/>
+          </a:effectRef>
+          <a:fontRef idx="minor">
+            <a:schemeClr val="tx1"/>
+          </a:fontRef>
+        </p:style>
+      </p:cxnSp>
+      <p:cxnSp>
+        <p:nvCxnSpPr>
+          <p:cNvPr id="31" name="Straight Arrow Connector 30">
+            <a:extLst>
+              <a:ext uri="{FF2B5EF4-FFF2-40B4-BE49-F238E27FC236}">
+                <a16:creationId xmlns:a16="http://schemas.microsoft.com/office/drawing/2014/main" id="{8F0692B6-6D7C-4B09-AA35-937E18B7257A}"/>
+              </a:ext>
+            </a:extLst>
+          </p:cNvPr>
+          <p:cNvCxnSpPr>
+            <a:cxnSpLocks/>
+            <a:endCxn id="43" idx="2"/>
+          </p:cNvCxnSpPr>
+          <p:nvPr/>
+        </p:nvCxnSpPr>
+        <p:spPr>
+          <a:xfrm flipV="1">
+            <a:off x="9110547" y="4404698"/>
+            <a:ext cx="0" cy="258767"/>
+          </a:xfrm>
+          <a:prstGeom prst="straightConnector1">
+            <a:avLst/>
+          </a:prstGeom>
+          <a:ln w="25400">
+            <a:solidFill>
+              <a:schemeClr val="tx1">
+                <a:lumMod val="95000"/>
+                <a:lumOff val="5000"/>
+              </a:schemeClr>
+            </a:solidFill>
+            <a:tailEnd type="triangle"/>
+          </a:ln>
+        </p:spPr>
+        <p:style>
+          <a:lnRef idx="1">
+            <a:schemeClr val="accent1"/>
+          </a:lnRef>
+          <a:fillRef idx="0">
+            <a:schemeClr val="accent1"/>
+          </a:fillRef>
+          <a:effectRef idx="0">
+            <a:schemeClr val="accent1"/>
+          </a:effectRef>
+          <a:fontRef idx="minor">
+            <a:schemeClr val="tx1"/>
+          </a:fontRef>
+        </p:style>
+      </p:cxnSp>
+      <p:cxnSp>
+        <p:nvCxnSpPr>
+          <p:cNvPr id="32" name="Straight Arrow Connector 31">
+            <a:extLst>
+              <a:ext uri="{FF2B5EF4-FFF2-40B4-BE49-F238E27FC236}">
+                <a16:creationId xmlns:a16="http://schemas.microsoft.com/office/drawing/2014/main" id="{2B07D842-29B3-4E9D-9943-44558E4B252B}"/>
+              </a:ext>
+            </a:extLst>
+          </p:cNvPr>
+          <p:cNvCxnSpPr>
+            <a:cxnSpLocks/>
+            <a:endCxn id="37" idx="2"/>
+          </p:cNvCxnSpPr>
+          <p:nvPr/>
+        </p:nvCxnSpPr>
+        <p:spPr>
+          <a:xfrm flipV="1">
+            <a:off x="10162970" y="4404698"/>
+            <a:ext cx="0" cy="258767"/>
+          </a:xfrm>
+          <a:prstGeom prst="straightConnector1">
+            <a:avLst/>
+          </a:prstGeom>
+          <a:ln w="25400">
+            <a:solidFill>
+              <a:schemeClr val="tx1">
+                <a:lumMod val="95000"/>
+                <a:lumOff val="5000"/>
+              </a:schemeClr>
+            </a:solidFill>
+            <a:tailEnd type="triangle"/>
+          </a:ln>
+        </p:spPr>
+        <p:style>
+          <a:lnRef idx="1">
+            <a:schemeClr val="accent1"/>
+          </a:lnRef>
+          <a:fillRef idx="0">
+            <a:schemeClr val="accent1"/>
+          </a:fillRef>
+          <a:effectRef idx="0">
+            <a:schemeClr val="accent1"/>
+          </a:effectRef>
+          <a:fontRef idx="minor">
+            <a:schemeClr val="tx1"/>
+          </a:fontRef>
+        </p:style>
+      </p:cxnSp>
+      <p:cxnSp>
+        <p:nvCxnSpPr>
+          <p:cNvPr id="33" name="Straight Arrow Connector 32">
+            <a:extLst>
+              <a:ext uri="{FF2B5EF4-FFF2-40B4-BE49-F238E27FC236}">
+                <a16:creationId xmlns:a16="http://schemas.microsoft.com/office/drawing/2014/main" id="{D4DA68C7-D001-4BF7-A55F-5EB646BC8764}"/>
+              </a:ext>
+            </a:extLst>
+          </p:cNvPr>
+          <p:cNvCxnSpPr>
+            <a:cxnSpLocks/>
+            <a:endCxn id="23" idx="2"/>
+          </p:cNvCxnSpPr>
+          <p:nvPr/>
+        </p:nvCxnSpPr>
+        <p:spPr>
+          <a:xfrm flipV="1">
+            <a:off x="11230555" y="4404698"/>
+            <a:ext cx="0" cy="258767"/>
+          </a:xfrm>
+          <a:prstGeom prst="straightConnector1">
+            <a:avLst/>
+          </a:prstGeom>
+          <a:ln w="25400">
+            <a:solidFill>
+              <a:schemeClr val="tx1">
+                <a:lumMod val="95000"/>
+                <a:lumOff val="5000"/>
+              </a:schemeClr>
+            </a:solidFill>
+            <a:tailEnd type="triangle"/>
+          </a:ln>
+        </p:spPr>
+        <p:style>
+          <a:lnRef idx="1">
+            <a:schemeClr val="accent1"/>
+          </a:lnRef>
+          <a:fillRef idx="0">
+            <a:schemeClr val="accent1"/>
+          </a:fillRef>
+          <a:effectRef idx="0">
+            <a:schemeClr val="accent1"/>
+          </a:effectRef>
+          <a:fontRef idx="minor">
+            <a:schemeClr val="tx1"/>
+          </a:fontRef>
+        </p:style>
+      </p:cxnSp>
+      <p:sp>
+        <p:nvSpPr>
+          <p:cNvPr id="37" name="Rectangle 36">
+            <a:extLst>
+              <a:ext uri="{FF2B5EF4-FFF2-40B4-BE49-F238E27FC236}">
+                <a16:creationId xmlns:a16="http://schemas.microsoft.com/office/drawing/2014/main" id="{206C1140-1360-46CA-9E84-3AC9EC3D66CB}"/>
+              </a:ext>
+            </a:extLst>
+          </p:cNvPr>
+          <p:cNvSpPr/>
+          <p:nvPr/>
+        </p:nvSpPr>
+        <p:spPr>
+          <a:xfrm>
+            <a:off x="9705770" y="3119657"/>
+            <a:ext cx="914400" cy="1285041"/>
+          </a:xfrm>
+          <a:prstGeom prst="rect">
+            <a:avLst/>
+          </a:prstGeom>
+        </p:spPr>
+        <p:style>
+          <a:lnRef idx="2">
+            <a:schemeClr val="accent1">
+              <a:shade val="50000"/>
+            </a:schemeClr>
+          </a:lnRef>
+          <a:fillRef idx="1">
+            <a:schemeClr val="accent1"/>
+          </a:fillRef>
+          <a:effectRef idx="0">
+            <a:schemeClr val="accent1"/>
+          </a:effectRef>
+          <a:fontRef idx="minor">
+            <a:schemeClr val="lt1"/>
+          </a:fontRef>
+        </p:style>
+        <p:txBody>
+          <a:bodyPr rtlCol="0" anchor="ctr"/>
+          <a:lstStyle/>
+          <a:p>
+            <a:pPr algn="ctr"/>
+            <a:endParaRPr lang="en-US" dirty="0"/>
+          </a:p>
+        </p:txBody>
+      </p:sp>
+      <p:sp>
+        <p:nvSpPr>
+          <p:cNvPr id="38" name="Rectangle 37">
+            <a:extLst>
+              <a:ext uri="{FF2B5EF4-FFF2-40B4-BE49-F238E27FC236}">
+                <a16:creationId xmlns:a16="http://schemas.microsoft.com/office/drawing/2014/main" id="{531CD00B-819B-441F-93C2-C05A6B10A902}"/>
+              </a:ext>
+            </a:extLst>
+          </p:cNvPr>
+          <p:cNvSpPr/>
+          <p:nvPr/>
+        </p:nvSpPr>
+        <p:spPr>
+          <a:xfrm>
+            <a:off x="9781185" y="3669407"/>
+            <a:ext cx="786623" cy="131976"/>
+          </a:xfrm>
+          <a:prstGeom prst="rect">
+            <a:avLst/>
+          </a:prstGeom>
+          <a:solidFill>
+            <a:schemeClr val="accent5">
+              <a:lumMod val="60000"/>
+              <a:lumOff val="40000"/>
+            </a:schemeClr>
+          </a:solidFill>
+          <a:ln>
+            <a:solidFill>
+              <a:schemeClr val="accent5">
+                <a:lumMod val="40000"/>
+                <a:lumOff val="60000"/>
+              </a:schemeClr>
+            </a:solidFill>
+          </a:ln>
+        </p:spPr>
+        <p:style>
+          <a:lnRef idx="2">
+            <a:schemeClr val="accent4">
+              <a:shade val="50000"/>
+            </a:schemeClr>
+          </a:lnRef>
+          <a:fillRef idx="1">
+            <a:schemeClr val="accent4"/>
+          </a:fillRef>
+          <a:effectRef idx="0">
+            <a:schemeClr val="accent4"/>
+          </a:effectRef>
+          <a:fontRef idx="minor">
+            <a:schemeClr val="lt1"/>
+          </a:fontRef>
+        </p:style>
+        <p:txBody>
+          <a:bodyPr rtlCol="0" anchor="ctr"/>
+          <a:lstStyle/>
+          <a:p>
+            <a:pPr algn="ctr"/>
+            <a:endParaRPr lang="en-US" dirty="0"/>
+          </a:p>
+        </p:txBody>
+      </p:sp>
+      <p:sp>
+        <p:nvSpPr>
+          <p:cNvPr id="39" name="Rectangle 38">
+            <a:extLst>
+              <a:ext uri="{FF2B5EF4-FFF2-40B4-BE49-F238E27FC236}">
+                <a16:creationId xmlns:a16="http://schemas.microsoft.com/office/drawing/2014/main" id="{6FFF2DD6-6FB9-495A-AD61-F4BD7E1C0799}"/>
+              </a:ext>
+            </a:extLst>
+          </p:cNvPr>
+          <p:cNvSpPr/>
+          <p:nvPr/>
+        </p:nvSpPr>
+        <p:spPr>
+          <a:xfrm>
+            <a:off x="9781185" y="3842233"/>
+            <a:ext cx="786623" cy="131976"/>
+          </a:xfrm>
+          <a:prstGeom prst="rect">
+            <a:avLst/>
+          </a:prstGeom>
+          <a:solidFill>
+            <a:schemeClr val="accent5">
+              <a:lumMod val="60000"/>
+              <a:lumOff val="40000"/>
+            </a:schemeClr>
+          </a:solidFill>
+          <a:ln>
+            <a:solidFill>
+              <a:schemeClr val="accent5">
+                <a:lumMod val="40000"/>
+                <a:lumOff val="60000"/>
+              </a:schemeClr>
+            </a:solidFill>
+          </a:ln>
+        </p:spPr>
+        <p:style>
+          <a:lnRef idx="2">
+            <a:schemeClr val="accent4">
+              <a:shade val="50000"/>
+            </a:schemeClr>
+          </a:lnRef>
+          <a:fillRef idx="1">
+            <a:schemeClr val="accent4"/>
+          </a:fillRef>
+          <a:effectRef idx="0">
+            <a:schemeClr val="accent4"/>
+          </a:effectRef>
+          <a:fontRef idx="minor">
+            <a:schemeClr val="lt1"/>
+          </a:fontRef>
+        </p:style>
+        <p:txBody>
+          <a:bodyPr rtlCol="0" anchor="ctr"/>
+          <a:lstStyle/>
+          <a:p>
+            <a:pPr algn="ctr"/>
+            <a:endParaRPr lang="en-US" dirty="0"/>
+          </a:p>
+        </p:txBody>
+      </p:sp>
+      <p:sp>
+        <p:nvSpPr>
+          <p:cNvPr id="40" name="Rectangle 39">
+            <a:extLst>
+              <a:ext uri="{FF2B5EF4-FFF2-40B4-BE49-F238E27FC236}">
+                <a16:creationId xmlns:a16="http://schemas.microsoft.com/office/drawing/2014/main" id="{1F7FE8C7-5F7D-4602-9E78-76524F30C702}"/>
+              </a:ext>
+            </a:extLst>
+          </p:cNvPr>
+          <p:cNvSpPr/>
+          <p:nvPr/>
+        </p:nvSpPr>
+        <p:spPr>
+          <a:xfrm>
+            <a:off x="9781185" y="4015059"/>
+            <a:ext cx="786623" cy="131976"/>
+          </a:xfrm>
+          <a:prstGeom prst="rect">
+            <a:avLst/>
+          </a:prstGeom>
+          <a:solidFill>
+            <a:schemeClr val="accent5">
+              <a:lumMod val="60000"/>
+              <a:lumOff val="40000"/>
+            </a:schemeClr>
+          </a:solidFill>
+          <a:ln>
+            <a:solidFill>
+              <a:schemeClr val="accent5">
+                <a:lumMod val="40000"/>
+                <a:lumOff val="60000"/>
+              </a:schemeClr>
+            </a:solidFill>
+          </a:ln>
+        </p:spPr>
+        <p:style>
+          <a:lnRef idx="2">
+            <a:schemeClr val="accent4">
+              <a:shade val="50000"/>
+            </a:schemeClr>
+          </a:lnRef>
+          <a:fillRef idx="1">
+            <a:schemeClr val="accent4"/>
+          </a:fillRef>
+          <a:effectRef idx="0">
+            <a:schemeClr val="accent4"/>
+          </a:effectRef>
+          <a:fontRef idx="minor">
+            <a:schemeClr val="lt1"/>
+          </a:fontRef>
+        </p:style>
+        <p:txBody>
+          <a:bodyPr rtlCol="0" anchor="ctr"/>
+          <a:lstStyle/>
+          <a:p>
+            <a:pPr algn="ctr"/>
+            <a:endParaRPr lang="en-US" dirty="0"/>
+          </a:p>
+        </p:txBody>
+      </p:sp>
+      <p:sp>
+        <p:nvSpPr>
+          <p:cNvPr id="41" name="Rectangle 40">
+            <a:extLst>
+              <a:ext uri="{FF2B5EF4-FFF2-40B4-BE49-F238E27FC236}">
+                <a16:creationId xmlns:a16="http://schemas.microsoft.com/office/drawing/2014/main" id="{40F443B6-09EB-4156-B0C2-EB4986D695C3}"/>
+              </a:ext>
+            </a:extLst>
+          </p:cNvPr>
+          <p:cNvSpPr/>
+          <p:nvPr/>
+        </p:nvSpPr>
+        <p:spPr>
+          <a:xfrm>
+            <a:off x="9781185" y="4187885"/>
+            <a:ext cx="786623" cy="131976"/>
+          </a:xfrm>
+          <a:prstGeom prst="rect">
+            <a:avLst/>
+          </a:prstGeom>
+          <a:solidFill>
+            <a:schemeClr val="accent5">
+              <a:lumMod val="60000"/>
+              <a:lumOff val="40000"/>
+            </a:schemeClr>
+          </a:solidFill>
+          <a:ln>
+            <a:solidFill>
+              <a:schemeClr val="accent5">
+                <a:lumMod val="40000"/>
+                <a:lumOff val="60000"/>
+              </a:schemeClr>
+            </a:solidFill>
+          </a:ln>
+        </p:spPr>
+        <p:style>
+          <a:lnRef idx="2">
+            <a:schemeClr val="accent4">
+              <a:shade val="50000"/>
+            </a:schemeClr>
+          </a:lnRef>
+          <a:fillRef idx="1">
+            <a:schemeClr val="accent4"/>
+          </a:fillRef>
+          <a:effectRef idx="0">
+            <a:schemeClr val="accent4"/>
+          </a:effectRef>
+          <a:fontRef idx="minor">
+            <a:schemeClr val="lt1"/>
+          </a:fontRef>
+        </p:style>
+        <p:txBody>
+          <a:bodyPr rtlCol="0" anchor="ctr"/>
+          <a:lstStyle/>
+          <a:p>
+            <a:pPr algn="ctr"/>
+            <a:endParaRPr lang="en-US" dirty="0"/>
+          </a:p>
+        </p:txBody>
+      </p:sp>
+      <p:sp>
+        <p:nvSpPr>
+          <p:cNvPr id="42" name="TextBox 41">
+            <a:extLst>
+              <a:ext uri="{FF2B5EF4-FFF2-40B4-BE49-F238E27FC236}">
+                <a16:creationId xmlns:a16="http://schemas.microsoft.com/office/drawing/2014/main" id="{B4DEF0F4-0B5B-4D48-ABB9-C9602D6CD7BD}"/>
+              </a:ext>
+            </a:extLst>
+          </p:cNvPr>
+          <p:cNvSpPr txBox="1"/>
+          <p:nvPr/>
+        </p:nvSpPr>
+        <p:spPr>
+          <a:xfrm>
+            <a:off x="9728823" y="3097833"/>
+            <a:ext cx="838985" cy="523220"/>
+          </a:xfrm>
+          <a:prstGeom prst="rect">
+            <a:avLst/>
+          </a:prstGeom>
+          <a:noFill/>
+        </p:spPr>
+        <p:txBody>
+          <a:bodyPr wrap="square" rtlCol="0">
+            <a:spAutoFit/>
+          </a:bodyPr>
+          <a:lstStyle/>
+          <a:p>
+            <a:pPr algn="ctr"/>
+            <a:r>
+              <a:rPr lang="en-US" sz="1400" dirty="0">
+                <a:solidFill>
+                  <a:schemeClr val="bg1"/>
+                </a:solidFill>
+              </a:rPr>
+              <a:t>Payment module</a:t>
+            </a:r>
+          </a:p>
+        </p:txBody>
+      </p:sp>
+      <p:sp>
+        <p:nvSpPr>
+          <p:cNvPr id="43" name="Rectangle 42">
+            <a:extLst>
+              <a:ext uri="{FF2B5EF4-FFF2-40B4-BE49-F238E27FC236}">
+                <a16:creationId xmlns:a16="http://schemas.microsoft.com/office/drawing/2014/main" id="{B88B90E8-AD2D-476B-AEFD-E786455D3CDA}"/>
+              </a:ext>
+            </a:extLst>
+          </p:cNvPr>
+          <p:cNvSpPr/>
+          <p:nvPr/>
+        </p:nvSpPr>
+        <p:spPr>
+          <a:xfrm>
+            <a:off x="8653347" y="3119657"/>
+            <a:ext cx="914400" cy="1285041"/>
+          </a:xfrm>
+          <a:prstGeom prst="rect">
+            <a:avLst/>
+          </a:prstGeom>
+        </p:spPr>
+        <p:style>
+          <a:lnRef idx="2">
+            <a:schemeClr val="accent1">
+              <a:shade val="50000"/>
+            </a:schemeClr>
+          </a:lnRef>
+          <a:fillRef idx="1">
+            <a:schemeClr val="accent1"/>
+          </a:fillRef>
+          <a:effectRef idx="0">
+            <a:schemeClr val="accent1"/>
+          </a:effectRef>
+          <a:fontRef idx="minor">
+            <a:schemeClr val="lt1"/>
+          </a:fontRef>
+        </p:style>
+        <p:txBody>
+          <a:bodyPr rtlCol="0" anchor="ctr"/>
+          <a:lstStyle/>
+          <a:p>
+            <a:pPr algn="ctr"/>
+            <a:endParaRPr lang="en-US" dirty="0"/>
+          </a:p>
+        </p:txBody>
+      </p:sp>
+      <p:sp>
+        <p:nvSpPr>
+          <p:cNvPr id="44" name="Rectangle 43">
+            <a:extLst>
+              <a:ext uri="{FF2B5EF4-FFF2-40B4-BE49-F238E27FC236}">
+                <a16:creationId xmlns:a16="http://schemas.microsoft.com/office/drawing/2014/main" id="{55C6D8B7-F080-4394-8A15-6143B7E10C39}"/>
+              </a:ext>
+            </a:extLst>
+          </p:cNvPr>
+          <p:cNvSpPr/>
+          <p:nvPr/>
+        </p:nvSpPr>
+        <p:spPr>
+          <a:xfrm>
+            <a:off x="8728762" y="3669407"/>
+            <a:ext cx="786623" cy="131976"/>
+          </a:xfrm>
+          <a:prstGeom prst="rect">
+            <a:avLst/>
+          </a:prstGeom>
+          <a:solidFill>
+            <a:schemeClr val="accent5">
+              <a:lumMod val="60000"/>
+              <a:lumOff val="40000"/>
+            </a:schemeClr>
+          </a:solidFill>
+          <a:ln>
+            <a:solidFill>
+              <a:schemeClr val="accent5">
+                <a:lumMod val="40000"/>
+                <a:lumOff val="60000"/>
+              </a:schemeClr>
+            </a:solidFill>
+          </a:ln>
+        </p:spPr>
+        <p:style>
+          <a:lnRef idx="2">
+            <a:schemeClr val="accent4">
+              <a:shade val="50000"/>
+            </a:schemeClr>
+          </a:lnRef>
+          <a:fillRef idx="1">
+            <a:schemeClr val="accent4"/>
+          </a:fillRef>
+          <a:effectRef idx="0">
+            <a:schemeClr val="accent4"/>
+          </a:effectRef>
+          <a:fontRef idx="minor">
+            <a:schemeClr val="lt1"/>
+          </a:fontRef>
+        </p:style>
+        <p:txBody>
+          <a:bodyPr rtlCol="0" anchor="ctr"/>
+          <a:lstStyle/>
+          <a:p>
+            <a:pPr algn="ctr"/>
+            <a:endParaRPr lang="en-US" dirty="0"/>
+          </a:p>
+        </p:txBody>
+      </p:sp>
+      <p:sp>
+        <p:nvSpPr>
+          <p:cNvPr id="45" name="Rectangle 44">
+            <a:extLst>
+              <a:ext uri="{FF2B5EF4-FFF2-40B4-BE49-F238E27FC236}">
+                <a16:creationId xmlns:a16="http://schemas.microsoft.com/office/drawing/2014/main" id="{B46DD7E8-8BAE-463D-A665-72B68B20744C}"/>
+              </a:ext>
+            </a:extLst>
+          </p:cNvPr>
+          <p:cNvSpPr/>
+          <p:nvPr/>
+        </p:nvSpPr>
+        <p:spPr>
+          <a:xfrm>
+            <a:off x="8728762" y="3842233"/>
+            <a:ext cx="786623" cy="131976"/>
+          </a:xfrm>
+          <a:prstGeom prst="rect">
+            <a:avLst/>
+          </a:prstGeom>
+          <a:solidFill>
+            <a:schemeClr val="accent5">
+              <a:lumMod val="60000"/>
+              <a:lumOff val="40000"/>
+            </a:schemeClr>
+          </a:solidFill>
+          <a:ln>
+            <a:solidFill>
+              <a:schemeClr val="accent5">
+                <a:lumMod val="40000"/>
+                <a:lumOff val="60000"/>
+              </a:schemeClr>
+            </a:solidFill>
+          </a:ln>
+        </p:spPr>
+        <p:style>
+          <a:lnRef idx="2">
+            <a:schemeClr val="accent4">
+              <a:shade val="50000"/>
+            </a:schemeClr>
+          </a:lnRef>
+          <a:fillRef idx="1">
+            <a:schemeClr val="accent4"/>
+          </a:fillRef>
+          <a:effectRef idx="0">
+            <a:schemeClr val="accent4"/>
+          </a:effectRef>
+          <a:fontRef idx="minor">
+            <a:schemeClr val="lt1"/>
+          </a:fontRef>
+        </p:style>
+        <p:txBody>
+          <a:bodyPr rtlCol="0" anchor="ctr"/>
+          <a:lstStyle/>
+          <a:p>
+            <a:pPr algn="ctr"/>
+            <a:endParaRPr lang="en-US" dirty="0"/>
+          </a:p>
+        </p:txBody>
+      </p:sp>
+      <p:sp>
+        <p:nvSpPr>
+          <p:cNvPr id="46" name="Rectangle 45">
+            <a:extLst>
+              <a:ext uri="{FF2B5EF4-FFF2-40B4-BE49-F238E27FC236}">
+                <a16:creationId xmlns:a16="http://schemas.microsoft.com/office/drawing/2014/main" id="{504AD056-F255-4196-A79B-6F128B2159FE}"/>
+              </a:ext>
+            </a:extLst>
+          </p:cNvPr>
+          <p:cNvSpPr/>
+          <p:nvPr/>
+        </p:nvSpPr>
+        <p:spPr>
+          <a:xfrm>
+            <a:off x="8728762" y="4015059"/>
+            <a:ext cx="786623" cy="131976"/>
+          </a:xfrm>
+          <a:prstGeom prst="rect">
+            <a:avLst/>
+          </a:prstGeom>
+          <a:solidFill>
+            <a:schemeClr val="accent5">
+              <a:lumMod val="60000"/>
+              <a:lumOff val="40000"/>
+            </a:schemeClr>
+          </a:solidFill>
+          <a:ln>
+            <a:solidFill>
+              <a:schemeClr val="accent5">
+                <a:lumMod val="40000"/>
+                <a:lumOff val="60000"/>
+              </a:schemeClr>
+            </a:solidFill>
+          </a:ln>
+        </p:spPr>
+        <p:style>
+          <a:lnRef idx="2">
+            <a:schemeClr val="accent4">
+              <a:shade val="50000"/>
+            </a:schemeClr>
+          </a:lnRef>
+          <a:fillRef idx="1">
+            <a:schemeClr val="accent4"/>
+          </a:fillRef>
+          <a:effectRef idx="0">
+            <a:schemeClr val="accent4"/>
+          </a:effectRef>
+          <a:fontRef idx="minor">
+            <a:schemeClr val="lt1"/>
+          </a:fontRef>
+        </p:style>
+        <p:txBody>
+          <a:bodyPr rtlCol="0" anchor="ctr"/>
+          <a:lstStyle/>
+          <a:p>
+            <a:pPr algn="ctr"/>
+            <a:endParaRPr lang="en-US" dirty="0"/>
+          </a:p>
+        </p:txBody>
+      </p:sp>
+      <p:sp>
+        <p:nvSpPr>
+          <p:cNvPr id="47" name="Rectangle 46">
+            <a:extLst>
+              <a:ext uri="{FF2B5EF4-FFF2-40B4-BE49-F238E27FC236}">
+                <a16:creationId xmlns:a16="http://schemas.microsoft.com/office/drawing/2014/main" id="{E3F40E08-3341-4F26-B0F7-ADBCDE39BEEE}"/>
+              </a:ext>
+            </a:extLst>
+          </p:cNvPr>
+          <p:cNvSpPr/>
+          <p:nvPr/>
+        </p:nvSpPr>
+        <p:spPr>
+          <a:xfrm>
+            <a:off x="8728762" y="4187885"/>
+            <a:ext cx="786623" cy="131976"/>
+          </a:xfrm>
+          <a:prstGeom prst="rect">
+            <a:avLst/>
+          </a:prstGeom>
+          <a:solidFill>
+            <a:schemeClr val="accent5">
+              <a:lumMod val="60000"/>
+              <a:lumOff val="40000"/>
+            </a:schemeClr>
+          </a:solidFill>
+          <a:ln>
+            <a:solidFill>
+              <a:schemeClr val="accent5">
+                <a:lumMod val="40000"/>
+                <a:lumOff val="60000"/>
+              </a:schemeClr>
+            </a:solidFill>
+          </a:ln>
+        </p:spPr>
+        <p:style>
+          <a:lnRef idx="2">
+            <a:schemeClr val="accent4">
+              <a:shade val="50000"/>
+            </a:schemeClr>
+          </a:lnRef>
+          <a:fillRef idx="1">
+            <a:schemeClr val="accent4"/>
+          </a:fillRef>
+          <a:effectRef idx="0">
+            <a:schemeClr val="accent4"/>
+          </a:effectRef>
+          <a:fontRef idx="minor">
+            <a:schemeClr val="lt1"/>
+          </a:fontRef>
+        </p:style>
+        <p:txBody>
+          <a:bodyPr rtlCol="0" anchor="ctr"/>
+          <a:lstStyle/>
+          <a:p>
+            <a:pPr algn="ctr"/>
+            <a:endParaRPr lang="en-US" dirty="0"/>
+          </a:p>
+        </p:txBody>
+      </p:sp>
+      <p:sp>
+        <p:nvSpPr>
+          <p:cNvPr id="48" name="TextBox 47">
+            <a:extLst>
+              <a:ext uri="{FF2B5EF4-FFF2-40B4-BE49-F238E27FC236}">
+                <a16:creationId xmlns:a16="http://schemas.microsoft.com/office/drawing/2014/main" id="{3889F89F-4516-4BBF-9F49-AD637DA5D849}"/>
+              </a:ext>
+            </a:extLst>
+          </p:cNvPr>
+          <p:cNvSpPr txBox="1"/>
+          <p:nvPr/>
+        </p:nvSpPr>
+        <p:spPr>
+          <a:xfrm>
+            <a:off x="8676400" y="3097833"/>
+            <a:ext cx="838985" cy="523220"/>
+          </a:xfrm>
+          <a:prstGeom prst="rect">
+            <a:avLst/>
+          </a:prstGeom>
+          <a:noFill/>
+        </p:spPr>
+        <p:txBody>
+          <a:bodyPr wrap="square" rtlCol="0">
+            <a:spAutoFit/>
+          </a:bodyPr>
+          <a:lstStyle/>
+          <a:p>
+            <a:pPr algn="ctr"/>
+            <a:r>
+              <a:rPr lang="en-US" sz="1400" dirty="0">
+                <a:solidFill>
+                  <a:schemeClr val="bg1"/>
+                </a:solidFill>
+              </a:rPr>
+              <a:t>Order module</a:t>
+            </a:r>
+          </a:p>
+        </p:txBody>
+      </p:sp>
+      <p:sp>
+        <p:nvSpPr>
+          <p:cNvPr id="49" name="Rectangle 48">
+            <a:extLst>
+              <a:ext uri="{FF2B5EF4-FFF2-40B4-BE49-F238E27FC236}">
+                <a16:creationId xmlns:a16="http://schemas.microsoft.com/office/drawing/2014/main" id="{51AF6E2F-4AAD-440D-AC62-B0D971270018}"/>
+              </a:ext>
+            </a:extLst>
+          </p:cNvPr>
+          <p:cNvSpPr/>
+          <p:nvPr/>
+        </p:nvSpPr>
+        <p:spPr>
+          <a:xfrm>
+            <a:off x="7585762" y="3119657"/>
+            <a:ext cx="914400" cy="1285041"/>
+          </a:xfrm>
+          <a:prstGeom prst="rect">
+            <a:avLst/>
+          </a:prstGeom>
+        </p:spPr>
+        <p:style>
+          <a:lnRef idx="2">
+            <a:schemeClr val="accent1">
+              <a:shade val="50000"/>
+            </a:schemeClr>
+          </a:lnRef>
+          <a:fillRef idx="1">
+            <a:schemeClr val="accent1"/>
+          </a:fillRef>
+          <a:effectRef idx="0">
+            <a:schemeClr val="accent1"/>
+          </a:effectRef>
+          <a:fontRef idx="minor">
+            <a:schemeClr val="lt1"/>
+          </a:fontRef>
+        </p:style>
+        <p:txBody>
+          <a:bodyPr rtlCol="0" anchor="ctr"/>
+          <a:lstStyle/>
+          <a:p>
+            <a:pPr algn="ctr"/>
+            <a:endParaRPr lang="en-US" dirty="0"/>
+          </a:p>
+        </p:txBody>
+      </p:sp>
+      <p:sp>
+        <p:nvSpPr>
+          <p:cNvPr id="50" name="Rectangle 49">
+            <a:extLst>
+              <a:ext uri="{FF2B5EF4-FFF2-40B4-BE49-F238E27FC236}">
+                <a16:creationId xmlns:a16="http://schemas.microsoft.com/office/drawing/2014/main" id="{7D6D7689-BD19-42BB-B7D6-CFA1FA4C7734}"/>
+              </a:ext>
+            </a:extLst>
+          </p:cNvPr>
+          <p:cNvSpPr/>
+          <p:nvPr/>
+        </p:nvSpPr>
+        <p:spPr>
+          <a:xfrm>
+            <a:off x="7661177" y="3669407"/>
+            <a:ext cx="786623" cy="131976"/>
+          </a:xfrm>
+          <a:prstGeom prst="rect">
+            <a:avLst/>
+          </a:prstGeom>
+          <a:solidFill>
+            <a:schemeClr val="accent5">
+              <a:lumMod val="60000"/>
+              <a:lumOff val="40000"/>
+            </a:schemeClr>
+          </a:solidFill>
+          <a:ln>
+            <a:solidFill>
+              <a:schemeClr val="accent5">
+                <a:lumMod val="40000"/>
+                <a:lumOff val="60000"/>
+              </a:schemeClr>
+            </a:solidFill>
+          </a:ln>
+        </p:spPr>
+        <p:style>
+          <a:lnRef idx="2">
+            <a:schemeClr val="accent4">
+              <a:shade val="50000"/>
+            </a:schemeClr>
+          </a:lnRef>
+          <a:fillRef idx="1">
+            <a:schemeClr val="accent4"/>
+          </a:fillRef>
+          <a:effectRef idx="0">
+            <a:schemeClr val="accent4"/>
+          </a:effectRef>
+          <a:fontRef idx="minor">
+            <a:schemeClr val="lt1"/>
+          </a:fontRef>
+        </p:style>
+        <p:txBody>
+          <a:bodyPr rtlCol="0" anchor="ctr"/>
+          <a:lstStyle/>
+          <a:p>
+            <a:pPr algn="ctr"/>
+            <a:endParaRPr lang="en-US" dirty="0"/>
+          </a:p>
+        </p:txBody>
+      </p:sp>
+      <p:sp>
+        <p:nvSpPr>
+          <p:cNvPr id="51" name="Rectangle 50">
+            <a:extLst>
+              <a:ext uri="{FF2B5EF4-FFF2-40B4-BE49-F238E27FC236}">
+                <a16:creationId xmlns:a16="http://schemas.microsoft.com/office/drawing/2014/main" id="{48AC947E-9192-47CC-BC7B-11B5E5FDCE80}"/>
+              </a:ext>
+            </a:extLst>
+          </p:cNvPr>
+          <p:cNvSpPr/>
+          <p:nvPr/>
+        </p:nvSpPr>
+        <p:spPr>
+          <a:xfrm>
+            <a:off x="7661177" y="3842233"/>
+            <a:ext cx="786623" cy="131976"/>
+          </a:xfrm>
+          <a:prstGeom prst="rect">
+            <a:avLst/>
+          </a:prstGeom>
+          <a:solidFill>
+            <a:schemeClr val="accent5">
+              <a:lumMod val="60000"/>
+              <a:lumOff val="40000"/>
+            </a:schemeClr>
+          </a:solidFill>
+          <a:ln>
+            <a:solidFill>
+              <a:schemeClr val="accent5">
+                <a:lumMod val="40000"/>
+                <a:lumOff val="60000"/>
+              </a:schemeClr>
+            </a:solidFill>
+          </a:ln>
+        </p:spPr>
+        <p:style>
+          <a:lnRef idx="2">
+            <a:schemeClr val="accent4">
+              <a:shade val="50000"/>
+            </a:schemeClr>
+          </a:lnRef>
+          <a:fillRef idx="1">
+            <a:schemeClr val="accent4"/>
+          </a:fillRef>
+          <a:effectRef idx="0">
+            <a:schemeClr val="accent4"/>
+          </a:effectRef>
+          <a:fontRef idx="minor">
+            <a:schemeClr val="lt1"/>
+          </a:fontRef>
+        </p:style>
+        <p:txBody>
+          <a:bodyPr rtlCol="0" anchor="ctr"/>
+          <a:lstStyle/>
+          <a:p>
+            <a:pPr algn="ctr"/>
+            <a:endParaRPr lang="en-US" dirty="0"/>
+          </a:p>
+        </p:txBody>
+      </p:sp>
+      <p:sp>
+        <p:nvSpPr>
+          <p:cNvPr id="52" name="Rectangle 51">
+            <a:extLst>
+              <a:ext uri="{FF2B5EF4-FFF2-40B4-BE49-F238E27FC236}">
+                <a16:creationId xmlns:a16="http://schemas.microsoft.com/office/drawing/2014/main" id="{A65E3F03-4F4C-4877-8542-4286A2238E87}"/>
+              </a:ext>
+            </a:extLst>
+          </p:cNvPr>
+          <p:cNvSpPr/>
+          <p:nvPr/>
+        </p:nvSpPr>
+        <p:spPr>
+          <a:xfrm>
+            <a:off x="7661177" y="4015059"/>
+            <a:ext cx="786623" cy="131976"/>
+          </a:xfrm>
+          <a:prstGeom prst="rect">
+            <a:avLst/>
+          </a:prstGeom>
+          <a:solidFill>
+            <a:schemeClr val="accent5">
+              <a:lumMod val="60000"/>
+              <a:lumOff val="40000"/>
+            </a:schemeClr>
+          </a:solidFill>
+          <a:ln>
+            <a:solidFill>
+              <a:schemeClr val="accent5">
+                <a:lumMod val="40000"/>
+                <a:lumOff val="60000"/>
+              </a:schemeClr>
+            </a:solidFill>
+          </a:ln>
+        </p:spPr>
+        <p:style>
+          <a:lnRef idx="2">
+            <a:schemeClr val="accent4">
+              <a:shade val="50000"/>
+            </a:schemeClr>
+          </a:lnRef>
+          <a:fillRef idx="1">
+            <a:schemeClr val="accent4"/>
+          </a:fillRef>
+          <a:effectRef idx="0">
+            <a:schemeClr val="accent4"/>
+          </a:effectRef>
+          <a:fontRef idx="minor">
+            <a:schemeClr val="lt1"/>
+          </a:fontRef>
+        </p:style>
+        <p:txBody>
+          <a:bodyPr rtlCol="0" anchor="ctr"/>
+          <a:lstStyle/>
+          <a:p>
+            <a:pPr algn="ctr"/>
+            <a:endParaRPr lang="en-US" dirty="0"/>
+          </a:p>
+        </p:txBody>
+      </p:sp>
+      <p:sp>
+        <p:nvSpPr>
+          <p:cNvPr id="53" name="Rectangle 52">
+            <a:extLst>
+              <a:ext uri="{FF2B5EF4-FFF2-40B4-BE49-F238E27FC236}">
+                <a16:creationId xmlns:a16="http://schemas.microsoft.com/office/drawing/2014/main" id="{644EDF99-9488-4ED1-899B-01BFC22D1980}"/>
+              </a:ext>
+            </a:extLst>
+          </p:cNvPr>
+          <p:cNvSpPr/>
+          <p:nvPr/>
+        </p:nvSpPr>
+        <p:spPr>
+          <a:xfrm>
+            <a:off x="7661177" y="4187885"/>
+            <a:ext cx="786623" cy="131976"/>
+          </a:xfrm>
+          <a:prstGeom prst="rect">
+            <a:avLst/>
+          </a:prstGeom>
+          <a:solidFill>
+            <a:schemeClr val="accent5">
+              <a:lumMod val="60000"/>
+              <a:lumOff val="40000"/>
+            </a:schemeClr>
+          </a:solidFill>
+          <a:ln>
+            <a:solidFill>
+              <a:schemeClr val="accent5">
+                <a:lumMod val="40000"/>
+                <a:lumOff val="60000"/>
+              </a:schemeClr>
+            </a:solidFill>
+          </a:ln>
+        </p:spPr>
+        <p:style>
+          <a:lnRef idx="2">
+            <a:schemeClr val="accent4">
+              <a:shade val="50000"/>
+            </a:schemeClr>
+          </a:lnRef>
+          <a:fillRef idx="1">
+            <a:schemeClr val="accent4"/>
+          </a:fillRef>
+          <a:effectRef idx="0">
+            <a:schemeClr val="accent4"/>
+          </a:effectRef>
+          <a:fontRef idx="minor">
+            <a:schemeClr val="lt1"/>
+          </a:fontRef>
+        </p:style>
+        <p:txBody>
+          <a:bodyPr rtlCol="0" anchor="ctr"/>
+          <a:lstStyle/>
+          <a:p>
+            <a:pPr algn="ctr"/>
+            <a:endParaRPr lang="en-US" dirty="0"/>
+          </a:p>
+        </p:txBody>
+      </p:sp>
+      <p:sp>
+        <p:nvSpPr>
+          <p:cNvPr id="54" name="TextBox 53">
+            <a:extLst>
+              <a:ext uri="{FF2B5EF4-FFF2-40B4-BE49-F238E27FC236}">
+                <a16:creationId xmlns:a16="http://schemas.microsoft.com/office/drawing/2014/main" id="{56B10FD5-134A-455A-9B12-2BF95E10768E}"/>
+              </a:ext>
+            </a:extLst>
+          </p:cNvPr>
+          <p:cNvSpPr txBox="1"/>
+          <p:nvPr/>
+        </p:nvSpPr>
+        <p:spPr>
+          <a:xfrm>
+            <a:off x="7608815" y="3097833"/>
+            <a:ext cx="838985" cy="523220"/>
+          </a:xfrm>
+          <a:prstGeom prst="rect">
+            <a:avLst/>
+          </a:prstGeom>
+          <a:noFill/>
+        </p:spPr>
+        <p:txBody>
+          <a:bodyPr wrap="square" rtlCol="0">
+            <a:spAutoFit/>
+          </a:bodyPr>
+          <a:lstStyle/>
+          <a:p>
+            <a:pPr algn="ctr"/>
+            <a:r>
+              <a:rPr lang="en-US" sz="1200" dirty="0">
+                <a:solidFill>
+                  <a:schemeClr val="bg1"/>
+                </a:solidFill>
+              </a:rPr>
+              <a:t>Customer</a:t>
+            </a:r>
+            <a:r>
+              <a:rPr lang="en-US" sz="1400" dirty="0">
+                <a:solidFill>
+                  <a:schemeClr val="bg1"/>
+                </a:solidFill>
+              </a:rPr>
+              <a:t> module</a:t>
+            </a:r>
+          </a:p>
+        </p:txBody>
+      </p:sp>
+      <p:pic>
+        <p:nvPicPr>
+          <p:cNvPr id="92" name="Picture 2" descr="Free photo Computer Network Technology Icon Database - Max Pixel">
+            <a:extLst>
+              <a:ext uri="{FF2B5EF4-FFF2-40B4-BE49-F238E27FC236}">
+                <a16:creationId xmlns:a16="http://schemas.microsoft.com/office/drawing/2014/main" id="{31794433-BD55-47B0-8B75-93CF67997C42}"/>
+              </a:ext>
+            </a:extLst>
+          </p:cNvPr>
+          <p:cNvPicPr>
+            <a:picLocks noChangeAspect="1" noChangeArrowheads="1"/>
+          </p:cNvPicPr>
+          <p:nvPr/>
+        </p:nvPicPr>
+        <p:blipFill>
+          <a:blip r:embed="rId3">
+            <a:extLst>
+              <a:ext uri="{28A0092B-C50C-407E-A947-70E740481C1C}">
+                <a14:useLocalDpi xmlns:a14="http://schemas.microsoft.com/office/drawing/2010/main" val="0"/>
+              </a:ext>
+            </a:extLst>
+          </a:blip>
+          <a:srcRect/>
+          <a:stretch>
+            <a:fillRect/>
+          </a:stretch>
+        </p:blipFill>
+        <p:spPr bwMode="auto">
+          <a:xfrm>
+            <a:off x="8821403" y="1743839"/>
+            <a:ext cx="1630710" cy="523221"/>
+          </a:xfrm>
+          <a:prstGeom prst="rect">
+            <a:avLst/>
+          </a:prstGeom>
+          <a:noFill/>
+          <a:extLst>
+            <a:ext uri="{909E8E84-426E-40DD-AFC4-6F175D3DCCD1}">
+              <a14:hiddenFill xmlns:a14="http://schemas.microsoft.com/office/drawing/2010/main">
+                <a:solidFill>
+                  <a:srgbClr val="FFFFFF"/>
+                </a:solidFill>
+              </a14:hiddenFill>
+            </a:ext>
+          </a:extLst>
+        </p:spPr>
+      </p:pic>
+      <p:cxnSp>
+        <p:nvCxnSpPr>
+          <p:cNvPr id="94" name="Straight Arrow Connector 93">
+            <a:extLst>
+              <a:ext uri="{FF2B5EF4-FFF2-40B4-BE49-F238E27FC236}">
+                <a16:creationId xmlns:a16="http://schemas.microsoft.com/office/drawing/2014/main" id="{BFE61C31-F79E-41F0-B3F7-1A9D2C270E14}"/>
+              </a:ext>
+            </a:extLst>
+          </p:cNvPr>
+          <p:cNvCxnSpPr>
+            <a:cxnSpLocks/>
+            <a:stCxn id="54" idx="0"/>
+          </p:cNvCxnSpPr>
+          <p:nvPr/>
+        </p:nvCxnSpPr>
+        <p:spPr>
+          <a:xfrm flipV="1">
+            <a:off x="8028308" y="2210463"/>
+            <a:ext cx="924861" cy="887370"/>
+          </a:xfrm>
+          <a:prstGeom prst="straightConnector1">
+            <a:avLst/>
+          </a:prstGeom>
+          <a:ln w="25400">
+            <a:solidFill>
+              <a:schemeClr val="tx1"/>
+            </a:solidFill>
+            <a:tailEnd type="triangle"/>
+          </a:ln>
+        </p:spPr>
+        <p:style>
+          <a:lnRef idx="1">
+            <a:schemeClr val="accent1"/>
+          </a:lnRef>
+          <a:fillRef idx="0">
+            <a:schemeClr val="accent1"/>
+          </a:fillRef>
+          <a:effectRef idx="0">
+            <a:schemeClr val="accent1"/>
+          </a:effectRef>
+          <a:fontRef idx="minor">
+            <a:schemeClr val="tx1"/>
+          </a:fontRef>
+        </p:style>
+      </p:cxnSp>
+      <p:cxnSp>
+        <p:nvCxnSpPr>
+          <p:cNvPr id="96" name="Straight Arrow Connector 95">
+            <a:extLst>
+              <a:ext uri="{FF2B5EF4-FFF2-40B4-BE49-F238E27FC236}">
+                <a16:creationId xmlns:a16="http://schemas.microsoft.com/office/drawing/2014/main" id="{AFFDEDE8-610E-4DE2-A6CB-8FE8AB7ACC57}"/>
+              </a:ext>
+            </a:extLst>
+          </p:cNvPr>
+          <p:cNvCxnSpPr>
+            <a:stCxn id="48" idx="0"/>
+          </p:cNvCxnSpPr>
+          <p:nvPr/>
+        </p:nvCxnSpPr>
+        <p:spPr>
+          <a:xfrm flipV="1">
+            <a:off x="9095893" y="2267060"/>
+            <a:ext cx="243255" cy="830773"/>
+          </a:xfrm>
+          <a:prstGeom prst="straightConnector1">
+            <a:avLst/>
+          </a:prstGeom>
+          <a:ln w="25400">
+            <a:solidFill>
+              <a:schemeClr val="tx1"/>
+            </a:solidFill>
+            <a:tailEnd type="triangle"/>
+          </a:ln>
+        </p:spPr>
+        <p:style>
+          <a:lnRef idx="1">
+            <a:schemeClr val="accent1"/>
+          </a:lnRef>
+          <a:fillRef idx="0">
+            <a:schemeClr val="accent1"/>
+          </a:fillRef>
+          <a:effectRef idx="0">
+            <a:schemeClr val="accent1"/>
+          </a:effectRef>
+          <a:fontRef idx="minor">
+            <a:schemeClr val="tx1"/>
+          </a:fontRef>
+        </p:style>
+      </p:cxnSp>
+      <p:cxnSp>
+        <p:nvCxnSpPr>
+          <p:cNvPr id="98" name="Straight Arrow Connector 97">
+            <a:extLst>
+              <a:ext uri="{FF2B5EF4-FFF2-40B4-BE49-F238E27FC236}">
+                <a16:creationId xmlns:a16="http://schemas.microsoft.com/office/drawing/2014/main" id="{0CEEA285-26F3-42E7-86A9-A3A00C98B708}"/>
+              </a:ext>
+            </a:extLst>
+          </p:cNvPr>
+          <p:cNvCxnSpPr>
+            <a:cxnSpLocks/>
+            <a:stCxn id="42" idx="0"/>
+          </p:cNvCxnSpPr>
+          <p:nvPr/>
+        </p:nvCxnSpPr>
+        <p:spPr>
+          <a:xfrm flipH="1" flipV="1">
+            <a:off x="9814747" y="2238169"/>
+            <a:ext cx="333569" cy="859664"/>
+          </a:xfrm>
+          <a:prstGeom prst="straightConnector1">
+            <a:avLst/>
+          </a:prstGeom>
+          <a:ln w="25400">
+            <a:solidFill>
+              <a:schemeClr val="tx1"/>
+            </a:solidFill>
+            <a:tailEnd type="triangle"/>
+          </a:ln>
+        </p:spPr>
+        <p:style>
+          <a:lnRef idx="1">
+            <a:schemeClr val="accent1"/>
+          </a:lnRef>
+          <a:fillRef idx="0">
+            <a:schemeClr val="accent1"/>
+          </a:fillRef>
+          <a:effectRef idx="0">
+            <a:schemeClr val="accent1"/>
+          </a:effectRef>
+          <a:fontRef idx="minor">
+            <a:schemeClr val="tx1"/>
+          </a:fontRef>
+        </p:style>
+      </p:cxnSp>
+      <p:cxnSp>
+        <p:nvCxnSpPr>
+          <p:cNvPr id="100" name="Straight Arrow Connector 99">
+            <a:extLst>
+              <a:ext uri="{FF2B5EF4-FFF2-40B4-BE49-F238E27FC236}">
+                <a16:creationId xmlns:a16="http://schemas.microsoft.com/office/drawing/2014/main" id="{8CFE780F-321B-4202-9C0C-DDCE895069B5}"/>
+              </a:ext>
+            </a:extLst>
+          </p:cNvPr>
+          <p:cNvCxnSpPr>
+            <a:cxnSpLocks/>
+            <a:stCxn id="28" idx="0"/>
+          </p:cNvCxnSpPr>
+          <p:nvPr/>
+        </p:nvCxnSpPr>
+        <p:spPr>
+          <a:xfrm flipH="1" flipV="1">
+            <a:off x="10199004" y="2238169"/>
+            <a:ext cx="1016897" cy="859664"/>
+          </a:xfrm>
+          <a:prstGeom prst="straightConnector1">
+            <a:avLst/>
+          </a:prstGeom>
+          <a:ln w="25400">
+            <a:solidFill>
+              <a:schemeClr val="tx1"/>
+            </a:solidFill>
+            <a:tailEnd type="triangle"/>
+          </a:ln>
+        </p:spPr>
+        <p:style>
+          <a:lnRef idx="1">
+            <a:schemeClr val="accent1"/>
+          </a:lnRef>
+          <a:fillRef idx="0">
+            <a:schemeClr val="accent1"/>
+          </a:fillRef>
+          <a:effectRef idx="0">
+            <a:schemeClr val="accent1"/>
+          </a:effectRef>
+          <a:fontRef idx="minor">
+            <a:schemeClr val="tx1"/>
+          </a:fontRef>
+        </p:style>
+      </p:cxnSp>
+      <p:sp>
+        <p:nvSpPr>
+          <p:cNvPr id="104" name="TextBox 103">
+            <a:extLst>
+              <a:ext uri="{FF2B5EF4-FFF2-40B4-BE49-F238E27FC236}">
+                <a16:creationId xmlns:a16="http://schemas.microsoft.com/office/drawing/2014/main" id="{FCA06286-18B2-4545-8869-0CCBE58EDE58}"/>
+              </a:ext>
+            </a:extLst>
+          </p:cNvPr>
+          <p:cNvSpPr txBox="1"/>
+          <p:nvPr/>
+        </p:nvSpPr>
+        <p:spPr>
+          <a:xfrm>
+            <a:off x="10452113" y="1815686"/>
+            <a:ext cx="1058175" cy="369332"/>
+          </a:xfrm>
+          <a:prstGeom prst="rect">
+            <a:avLst/>
+          </a:prstGeom>
+          <a:noFill/>
+        </p:spPr>
+        <p:txBody>
+          <a:bodyPr wrap="none" rtlCol="0">
+            <a:spAutoFit/>
+          </a:bodyPr>
+          <a:lstStyle/>
+          <a:p>
+            <a:r>
+              <a:rPr lang="en-US" dirty="0"/>
+              <a:t>Database</a:t>
+            </a:r>
+          </a:p>
+        </p:txBody>
+      </p:sp>
     </p:spTree>
     <p:extLst>
       <p:ext uri="{BB962C8B-B14F-4D97-AF65-F5344CB8AC3E}">
-        <p14:creationId xmlns:p14="http://schemas.microsoft.com/office/powerpoint/2010/main" val="557972133"/>
+        <p14:creationId xmlns:p14="http://schemas.microsoft.com/office/powerpoint/2010/main" val="4252333607"/>
       </p:ext>
     </p:extLst>
   </p:cSld>
   <p:clrMapOvr>
     <a:masterClrMapping/>
   </p:clrMapOvr>
+  <p:timing>
+    <p:tnLst>
+      <p:par>
+        <p:cTn id="1" dur="indefinite" restart="never" nodeType="tmRoot">
+          <p:childTnLst>
+            <p:seq concurrent="1" nextAc="seek">
+              <p:cTn id="2" dur="indefinite" nodeType="mainSeq">
+                <p:childTnLst>
+                  <p:par>
+                    <p:cTn id="3" fill="hold">
+                      <p:stCondLst>
+                        <p:cond delay="indefinite"/>
+                      </p:stCondLst>
+                      <p:childTnLst>
+                        <p:par>
+                          <p:cTn id="4" fill="hold">
+                            <p:stCondLst>
+                              <p:cond delay="0"/>
+                            </p:stCondLst>
+                            <p:childTnLst>
+                              <p:par>
+                                <p:cTn id="5" presetID="10" presetClass="entr" presetSubtype="0" fill="hold" nodeType="clickEffect">
+                                  <p:stCondLst>
+                                    <p:cond delay="0"/>
+                                  </p:stCondLst>
+                                  <p:childTnLst>
+                                    <p:set>
+                                      <p:cBhvr>
+                                        <p:cTn id="6" dur="1" fill="hold">
+                                          <p:stCondLst>
+                                            <p:cond delay="0"/>
+                                          </p:stCondLst>
+                                        </p:cTn>
+                                        <p:tgtEl>
+                                          <p:spTgt spid="3">
+                                            <p:txEl>
+                                              <p:pRg st="0" end="0"/>
+                                            </p:txEl>
+                                          </p:spTgt>
+                                        </p:tgtEl>
+                                        <p:attrNameLst>
+                                          <p:attrName>style.visibility</p:attrName>
+                                        </p:attrNameLst>
+                                      </p:cBhvr>
+                                      <p:to>
+                                        <p:strVal val="visible"/>
+                                      </p:to>
+                                    </p:set>
+                                    <p:animEffect transition="in" filter="fade">
+                                      <p:cBhvr>
+                                        <p:cTn id="7" dur="500"/>
+                                        <p:tgtEl>
+                                          <p:spTgt spid="3">
+                                            <p:txEl>
+                                              <p:pRg st="0" end="0"/>
+                                            </p:txEl>
+                                          </p:spTgt>
+                                        </p:tgtEl>
+                                      </p:cBhvr>
+                                    </p:animEffect>
+                                  </p:childTnLst>
+                                </p:cTn>
+                              </p:par>
+                            </p:childTnLst>
+                          </p:cTn>
+                        </p:par>
+                      </p:childTnLst>
+                    </p:cTn>
+                  </p:par>
+                  <p:par>
+                    <p:cTn id="8" fill="hold">
+                      <p:stCondLst>
+                        <p:cond delay="indefinite"/>
+                      </p:stCondLst>
+                      <p:childTnLst>
+                        <p:par>
+                          <p:cTn id="9" fill="hold">
+                            <p:stCondLst>
+                              <p:cond delay="0"/>
+                            </p:stCondLst>
+                            <p:childTnLst>
+                              <p:par>
+                                <p:cTn id="10" presetID="10" presetClass="entr" presetSubtype="0" fill="hold" nodeType="clickEffect">
+                                  <p:stCondLst>
+                                    <p:cond delay="0"/>
+                                  </p:stCondLst>
+                                  <p:childTnLst>
+                                    <p:set>
+                                      <p:cBhvr>
+                                        <p:cTn id="11" dur="1" fill="hold">
+                                          <p:stCondLst>
+                                            <p:cond delay="0"/>
+                                          </p:stCondLst>
+                                        </p:cTn>
+                                        <p:tgtEl>
+                                          <p:spTgt spid="3">
+                                            <p:txEl>
+                                              <p:pRg st="1" end="1"/>
+                                            </p:txEl>
+                                          </p:spTgt>
+                                        </p:tgtEl>
+                                        <p:attrNameLst>
+                                          <p:attrName>style.visibility</p:attrName>
+                                        </p:attrNameLst>
+                                      </p:cBhvr>
+                                      <p:to>
+                                        <p:strVal val="visible"/>
+                                      </p:to>
+                                    </p:set>
+                                    <p:animEffect transition="in" filter="fade">
+                                      <p:cBhvr>
+                                        <p:cTn id="12" dur="500"/>
+                                        <p:tgtEl>
+                                          <p:spTgt spid="3">
+                                            <p:txEl>
+                                              <p:pRg st="1" end="1"/>
+                                            </p:txEl>
+                                          </p:spTgt>
+                                        </p:tgtEl>
+                                      </p:cBhvr>
+                                    </p:animEffect>
+                                  </p:childTnLst>
+                                </p:cTn>
+                              </p:par>
+                            </p:childTnLst>
+                          </p:cTn>
+                        </p:par>
+                      </p:childTnLst>
+                    </p:cTn>
+                  </p:par>
+                  <p:par>
+                    <p:cTn id="13" fill="hold">
+                      <p:stCondLst>
+                        <p:cond delay="indefinite"/>
+                      </p:stCondLst>
+                      <p:childTnLst>
+                        <p:par>
+                          <p:cTn id="14" fill="hold">
+                            <p:stCondLst>
+                              <p:cond delay="0"/>
+                            </p:stCondLst>
+                            <p:childTnLst>
+                              <p:par>
+                                <p:cTn id="15" presetID="10" presetClass="entr" presetSubtype="0" fill="hold" nodeType="clickEffect">
+                                  <p:stCondLst>
+                                    <p:cond delay="0"/>
+                                  </p:stCondLst>
+                                  <p:childTnLst>
+                                    <p:set>
+                                      <p:cBhvr>
+                                        <p:cTn id="16" dur="1" fill="hold">
+                                          <p:stCondLst>
+                                            <p:cond delay="0"/>
+                                          </p:stCondLst>
+                                        </p:cTn>
+                                        <p:tgtEl>
+                                          <p:spTgt spid="3">
+                                            <p:txEl>
+                                              <p:pRg st="2" end="2"/>
+                                            </p:txEl>
+                                          </p:spTgt>
+                                        </p:tgtEl>
+                                        <p:attrNameLst>
+                                          <p:attrName>style.visibility</p:attrName>
+                                        </p:attrNameLst>
+                                      </p:cBhvr>
+                                      <p:to>
+                                        <p:strVal val="visible"/>
+                                      </p:to>
+                                    </p:set>
+                                    <p:animEffect transition="in" filter="fade">
+                                      <p:cBhvr>
+                                        <p:cTn id="17" dur="500"/>
+                                        <p:tgtEl>
+                                          <p:spTgt spid="3">
+                                            <p:txEl>
+                                              <p:pRg st="2" end="2"/>
+                                            </p:txEl>
+                                          </p:spTgt>
+                                        </p:tgtEl>
+                                      </p:cBhvr>
+                                    </p:animEffect>
+                                  </p:childTnLst>
+                                </p:cTn>
+                              </p:par>
+                            </p:childTnLst>
+                          </p:cTn>
+                        </p:par>
+                      </p:childTnLst>
+                    </p:cTn>
+                  </p:par>
+                </p:childTnLst>
+              </p:cTn>
+              <p:prevCondLst>
+                <p:cond evt="onPrev" delay="0">
+                  <p:tgtEl>
+                    <p:sldTgt/>
+                  </p:tgtEl>
+                </p:cond>
+              </p:prevCondLst>
+              <p:nextCondLst>
+                <p:cond evt="onNext" delay="0">
+                  <p:tgtEl>
+                    <p:sldTgt/>
+                  </p:tgtEl>
+                </p:cond>
+              </p:nextCondLst>
+            </p:seq>
+          </p:childTnLst>
+        </p:cTn>
+      </p:par>
+    </p:tnLst>
+  </p:timing>
 </p:sld>
 </file>
 
@@ -26010,29 +28268,80 @@
             <p:ph idx="1"/>
           </p:nvPr>
         </p:nvSpPr>
-        <p:spPr/>
+        <p:spPr>
+          <a:xfrm>
+            <a:off x="838200" y="1825625"/>
+            <a:ext cx="6556513" cy="4351338"/>
+          </a:xfrm>
+        </p:spPr>
         <p:txBody>
-          <a:bodyPr/>
+          <a:bodyPr>
+            <a:normAutofit/>
+          </a:bodyPr>
           <a:lstStyle/>
           <a:p>
             <a:r>
-              <a:rPr lang="en-US" dirty="0">
+              <a:rPr lang="en-US" sz="2400" b="1" dirty="0">
                 <a:latin typeface="Euclid Circular B" panose="020B0504000000000000" pitchFamily="34" charset="0"/>
                 <a:ea typeface="Euclid Circular B" panose="020B0504000000000000" pitchFamily="34" charset="0"/>
               </a:rPr>
-              <a:t>TODO</a:t>
-            </a:r>
-            <a:r>
-              <a:rPr lang="en-US">
+              <a:t>- </a:t>
+            </a:r>
+            <a:r>
+              <a:rPr lang="en-US" sz="2400" dirty="0">
                 <a:latin typeface="Euclid Circular B" panose="020B0504000000000000" pitchFamily="34" charset="0"/>
                 <a:ea typeface="Euclid Circular B" panose="020B0504000000000000" pitchFamily="34" charset="0"/>
               </a:rPr>
-              <a:t>: ...</a:t>
-            </a:r>
-            <a:endParaRPr lang="en-US" dirty="0">
-              <a:latin typeface="Euclid Circular B" panose="020B0504000000000000" pitchFamily="34" charset="0"/>
-              <a:ea typeface="Euclid Circular B" panose="020B0504000000000000" pitchFamily="34" charset="0"/>
-            </a:endParaRPr>
+              <a:t>Harder to develop, test, deploy and maintain</a:t>
+            </a:r>
+          </a:p>
+          <a:p>
+            <a:r>
+              <a:rPr lang="en-US" sz="2400" b="1" dirty="0">
+                <a:latin typeface="Euclid Circular B" panose="020B0504000000000000" pitchFamily="34" charset="0"/>
+                <a:ea typeface="Euclid Circular B" panose="020B0504000000000000" pitchFamily="34" charset="0"/>
+              </a:rPr>
+              <a:t>+ </a:t>
+            </a:r>
+            <a:r>
+              <a:rPr lang="en-US" sz="2400" dirty="0">
+                <a:latin typeface="Euclid Circular B" panose="020B0504000000000000" pitchFamily="34" charset="0"/>
+                <a:ea typeface="Euclid Circular B" panose="020B0504000000000000" pitchFamily="34" charset="0"/>
+              </a:rPr>
+              <a:t>Every module may use the best database technology for its purpose</a:t>
+            </a:r>
+          </a:p>
+          <a:p>
+            <a:r>
+              <a:rPr lang="en-US" sz="2400" b="1" dirty="0">
+                <a:latin typeface="Euclid Circular B" panose="020B0504000000000000" pitchFamily="34" charset="0"/>
+                <a:ea typeface="Euclid Circular B" panose="020B0504000000000000" pitchFamily="34" charset="0"/>
+              </a:rPr>
+              <a:t>+ </a:t>
+            </a:r>
+            <a:r>
+              <a:rPr lang="en-US" sz="2400" dirty="0">
+                <a:latin typeface="Euclid Circular B" panose="020B0504000000000000" pitchFamily="34" charset="0"/>
+                <a:ea typeface="Euclid Circular B" panose="020B0504000000000000" pitchFamily="34" charset="0"/>
+              </a:rPr>
+              <a:t>You don’t care about the data isolation between modules</a:t>
+            </a:r>
+          </a:p>
+          <a:p>
+            <a:r>
+              <a:rPr lang="en-US" sz="2400" b="1" dirty="0">
+                <a:latin typeface="Euclid Circular B" panose="020B0504000000000000" pitchFamily="34" charset="0"/>
+                <a:ea typeface="Euclid Circular B" panose="020B0504000000000000" pitchFamily="34" charset="0"/>
+              </a:rPr>
+              <a:t>HYBRID</a:t>
+            </a:r>
+            <a:r>
+              <a:rPr lang="en-US" sz="2400" dirty="0">
+                <a:latin typeface="Euclid Circular B" panose="020B0504000000000000" pitchFamily="34" charset="0"/>
+                <a:ea typeface="Euclid Circular B" panose="020B0504000000000000" pitchFamily="34" charset="0"/>
+              </a:rPr>
+              <a:t>: Separate database whenever you need a different database technology for a module</a:t>
+            </a:r>
           </a:p>
         </p:txBody>
       </p:sp>
@@ -26072,7 +28381,7 @@
                 <a:latin typeface="Euclid Circular B" panose="020B0504000000000000" pitchFamily="34" charset="0"/>
                 <a:ea typeface="Euclid Circular B" panose="020B0504000000000000" pitchFamily="34" charset="0"/>
               </a:rPr>
-              <a:t>The need for layering</a:t>
+              <a:t>Designing the database</a:t>
             </a:r>
             <a:br>
               <a:rPr lang="en-US" b="1" dirty="0">
@@ -26091,7 +28400,7 @@
                 <a:latin typeface="Euclid Circular B" panose="020B0504000000000000" pitchFamily="34" charset="0"/>
                 <a:ea typeface="Euclid Circular B" panose="020B0504000000000000" pitchFamily="34" charset="0"/>
               </a:rPr>
-              <a:t>ABP’s layered module solution structure</a:t>
+              <a:t>Separate (multiple) database approach</a:t>
             </a:r>
             <a:endParaRPr lang="en-US" b="1" dirty="0">
               <a:solidFill>
@@ -26103,16 +28412,2213 @@
           </a:p>
         </p:txBody>
       </p:sp>
+      <p:sp>
+        <p:nvSpPr>
+          <p:cNvPr id="23" name="Rectangle 22">
+            <a:extLst>
+              <a:ext uri="{FF2B5EF4-FFF2-40B4-BE49-F238E27FC236}">
+                <a16:creationId xmlns:a16="http://schemas.microsoft.com/office/drawing/2014/main" id="{6525B246-F654-4BE7-A1F3-C0FC61193104}"/>
+              </a:ext>
+            </a:extLst>
+          </p:cNvPr>
+          <p:cNvSpPr/>
+          <p:nvPr/>
+        </p:nvSpPr>
+        <p:spPr>
+          <a:xfrm>
+            <a:off x="10773355" y="3119657"/>
+            <a:ext cx="914400" cy="1285041"/>
+          </a:xfrm>
+          <a:prstGeom prst="rect">
+            <a:avLst/>
+          </a:prstGeom>
+        </p:spPr>
+        <p:style>
+          <a:lnRef idx="2">
+            <a:schemeClr val="accent1">
+              <a:shade val="50000"/>
+            </a:schemeClr>
+          </a:lnRef>
+          <a:fillRef idx="1">
+            <a:schemeClr val="accent1"/>
+          </a:fillRef>
+          <a:effectRef idx="0">
+            <a:schemeClr val="accent1"/>
+          </a:effectRef>
+          <a:fontRef idx="minor">
+            <a:schemeClr val="lt1"/>
+          </a:fontRef>
+        </p:style>
+        <p:txBody>
+          <a:bodyPr rtlCol="0" anchor="ctr"/>
+          <a:lstStyle/>
+          <a:p>
+            <a:pPr algn="ctr"/>
+            <a:endParaRPr lang="en-US" dirty="0"/>
+          </a:p>
+        </p:txBody>
+      </p:sp>
+      <p:sp>
+        <p:nvSpPr>
+          <p:cNvPr id="24" name="Rectangle 23">
+            <a:extLst>
+              <a:ext uri="{FF2B5EF4-FFF2-40B4-BE49-F238E27FC236}">
+                <a16:creationId xmlns:a16="http://schemas.microsoft.com/office/drawing/2014/main" id="{464CAF25-5864-4CBC-B56A-0BC75A7052F5}"/>
+              </a:ext>
+            </a:extLst>
+          </p:cNvPr>
+          <p:cNvSpPr/>
+          <p:nvPr/>
+        </p:nvSpPr>
+        <p:spPr>
+          <a:xfrm>
+            <a:off x="10848770" y="3669407"/>
+            <a:ext cx="786623" cy="131976"/>
+          </a:xfrm>
+          <a:prstGeom prst="rect">
+            <a:avLst/>
+          </a:prstGeom>
+          <a:solidFill>
+            <a:schemeClr val="accent5">
+              <a:lumMod val="60000"/>
+              <a:lumOff val="40000"/>
+            </a:schemeClr>
+          </a:solidFill>
+          <a:ln>
+            <a:solidFill>
+              <a:schemeClr val="accent5">
+                <a:lumMod val="40000"/>
+                <a:lumOff val="60000"/>
+              </a:schemeClr>
+            </a:solidFill>
+          </a:ln>
+        </p:spPr>
+        <p:style>
+          <a:lnRef idx="2">
+            <a:schemeClr val="accent4">
+              <a:shade val="50000"/>
+            </a:schemeClr>
+          </a:lnRef>
+          <a:fillRef idx="1">
+            <a:schemeClr val="accent4"/>
+          </a:fillRef>
+          <a:effectRef idx="0">
+            <a:schemeClr val="accent4"/>
+          </a:effectRef>
+          <a:fontRef idx="minor">
+            <a:schemeClr val="lt1"/>
+          </a:fontRef>
+        </p:style>
+        <p:txBody>
+          <a:bodyPr rtlCol="0" anchor="ctr"/>
+          <a:lstStyle/>
+          <a:p>
+            <a:pPr algn="ctr"/>
+            <a:endParaRPr lang="en-US" dirty="0"/>
+          </a:p>
+        </p:txBody>
+      </p:sp>
+      <p:sp>
+        <p:nvSpPr>
+          <p:cNvPr id="25" name="Rectangle 24">
+            <a:extLst>
+              <a:ext uri="{FF2B5EF4-FFF2-40B4-BE49-F238E27FC236}">
+                <a16:creationId xmlns:a16="http://schemas.microsoft.com/office/drawing/2014/main" id="{320B7924-0DDB-4956-B690-DD1FE14446A6}"/>
+              </a:ext>
+            </a:extLst>
+          </p:cNvPr>
+          <p:cNvSpPr/>
+          <p:nvPr/>
+        </p:nvSpPr>
+        <p:spPr>
+          <a:xfrm>
+            <a:off x="10848770" y="3842233"/>
+            <a:ext cx="786623" cy="131976"/>
+          </a:xfrm>
+          <a:prstGeom prst="rect">
+            <a:avLst/>
+          </a:prstGeom>
+          <a:solidFill>
+            <a:schemeClr val="accent5">
+              <a:lumMod val="60000"/>
+              <a:lumOff val="40000"/>
+            </a:schemeClr>
+          </a:solidFill>
+          <a:ln>
+            <a:solidFill>
+              <a:schemeClr val="accent5">
+                <a:lumMod val="40000"/>
+                <a:lumOff val="60000"/>
+              </a:schemeClr>
+            </a:solidFill>
+          </a:ln>
+        </p:spPr>
+        <p:style>
+          <a:lnRef idx="2">
+            <a:schemeClr val="accent4">
+              <a:shade val="50000"/>
+            </a:schemeClr>
+          </a:lnRef>
+          <a:fillRef idx="1">
+            <a:schemeClr val="accent4"/>
+          </a:fillRef>
+          <a:effectRef idx="0">
+            <a:schemeClr val="accent4"/>
+          </a:effectRef>
+          <a:fontRef idx="minor">
+            <a:schemeClr val="lt1"/>
+          </a:fontRef>
+        </p:style>
+        <p:txBody>
+          <a:bodyPr rtlCol="0" anchor="ctr"/>
+          <a:lstStyle/>
+          <a:p>
+            <a:pPr algn="ctr"/>
+            <a:endParaRPr lang="en-US" dirty="0"/>
+          </a:p>
+        </p:txBody>
+      </p:sp>
+      <p:sp>
+        <p:nvSpPr>
+          <p:cNvPr id="26" name="Rectangle 25">
+            <a:extLst>
+              <a:ext uri="{FF2B5EF4-FFF2-40B4-BE49-F238E27FC236}">
+                <a16:creationId xmlns:a16="http://schemas.microsoft.com/office/drawing/2014/main" id="{721AFA38-88AA-4CE8-A6AF-64B4A3E8F0D2}"/>
+              </a:ext>
+            </a:extLst>
+          </p:cNvPr>
+          <p:cNvSpPr/>
+          <p:nvPr/>
+        </p:nvSpPr>
+        <p:spPr>
+          <a:xfrm>
+            <a:off x="10848770" y="4015059"/>
+            <a:ext cx="786623" cy="131976"/>
+          </a:xfrm>
+          <a:prstGeom prst="rect">
+            <a:avLst/>
+          </a:prstGeom>
+          <a:solidFill>
+            <a:schemeClr val="accent5">
+              <a:lumMod val="60000"/>
+              <a:lumOff val="40000"/>
+            </a:schemeClr>
+          </a:solidFill>
+          <a:ln>
+            <a:solidFill>
+              <a:schemeClr val="accent5">
+                <a:lumMod val="40000"/>
+                <a:lumOff val="60000"/>
+              </a:schemeClr>
+            </a:solidFill>
+          </a:ln>
+        </p:spPr>
+        <p:style>
+          <a:lnRef idx="2">
+            <a:schemeClr val="accent4">
+              <a:shade val="50000"/>
+            </a:schemeClr>
+          </a:lnRef>
+          <a:fillRef idx="1">
+            <a:schemeClr val="accent4"/>
+          </a:fillRef>
+          <a:effectRef idx="0">
+            <a:schemeClr val="accent4"/>
+          </a:effectRef>
+          <a:fontRef idx="minor">
+            <a:schemeClr val="lt1"/>
+          </a:fontRef>
+        </p:style>
+        <p:txBody>
+          <a:bodyPr rtlCol="0" anchor="ctr"/>
+          <a:lstStyle/>
+          <a:p>
+            <a:pPr algn="ctr"/>
+            <a:endParaRPr lang="en-US" dirty="0"/>
+          </a:p>
+        </p:txBody>
+      </p:sp>
+      <p:sp>
+        <p:nvSpPr>
+          <p:cNvPr id="27" name="Rectangle 26">
+            <a:extLst>
+              <a:ext uri="{FF2B5EF4-FFF2-40B4-BE49-F238E27FC236}">
+                <a16:creationId xmlns:a16="http://schemas.microsoft.com/office/drawing/2014/main" id="{964BF890-06C7-4595-B9CF-7D0050B26E90}"/>
+              </a:ext>
+            </a:extLst>
+          </p:cNvPr>
+          <p:cNvSpPr/>
+          <p:nvPr/>
+        </p:nvSpPr>
+        <p:spPr>
+          <a:xfrm>
+            <a:off x="10848770" y="4187885"/>
+            <a:ext cx="786623" cy="131976"/>
+          </a:xfrm>
+          <a:prstGeom prst="rect">
+            <a:avLst/>
+          </a:prstGeom>
+          <a:solidFill>
+            <a:schemeClr val="accent5">
+              <a:lumMod val="60000"/>
+              <a:lumOff val="40000"/>
+            </a:schemeClr>
+          </a:solidFill>
+          <a:ln>
+            <a:solidFill>
+              <a:schemeClr val="accent5">
+                <a:lumMod val="40000"/>
+                <a:lumOff val="60000"/>
+              </a:schemeClr>
+            </a:solidFill>
+          </a:ln>
+        </p:spPr>
+        <p:style>
+          <a:lnRef idx="2">
+            <a:schemeClr val="accent4">
+              <a:shade val="50000"/>
+            </a:schemeClr>
+          </a:lnRef>
+          <a:fillRef idx="1">
+            <a:schemeClr val="accent4"/>
+          </a:fillRef>
+          <a:effectRef idx="0">
+            <a:schemeClr val="accent4"/>
+          </a:effectRef>
+          <a:fontRef idx="minor">
+            <a:schemeClr val="lt1"/>
+          </a:fontRef>
+        </p:style>
+        <p:txBody>
+          <a:bodyPr rtlCol="0" anchor="ctr"/>
+          <a:lstStyle/>
+          <a:p>
+            <a:pPr algn="ctr"/>
+            <a:endParaRPr lang="en-US" dirty="0"/>
+          </a:p>
+        </p:txBody>
+      </p:sp>
+      <p:sp>
+        <p:nvSpPr>
+          <p:cNvPr id="28" name="TextBox 27">
+            <a:extLst>
+              <a:ext uri="{FF2B5EF4-FFF2-40B4-BE49-F238E27FC236}">
+                <a16:creationId xmlns:a16="http://schemas.microsoft.com/office/drawing/2014/main" id="{B9B65FEE-494C-4058-A17C-CB077EF0B889}"/>
+              </a:ext>
+            </a:extLst>
+          </p:cNvPr>
+          <p:cNvSpPr txBox="1"/>
+          <p:nvPr/>
+        </p:nvSpPr>
+        <p:spPr>
+          <a:xfrm>
+            <a:off x="10796408" y="3097833"/>
+            <a:ext cx="838985" cy="523220"/>
+          </a:xfrm>
+          <a:prstGeom prst="rect">
+            <a:avLst/>
+          </a:prstGeom>
+          <a:noFill/>
+        </p:spPr>
+        <p:txBody>
+          <a:bodyPr wrap="square" rtlCol="0">
+            <a:spAutoFit/>
+          </a:bodyPr>
+          <a:lstStyle/>
+          <a:p>
+            <a:pPr algn="ctr"/>
+            <a:r>
+              <a:rPr lang="en-US" sz="1400" dirty="0">
+                <a:solidFill>
+                  <a:schemeClr val="bg1"/>
+                </a:solidFill>
+              </a:rPr>
+              <a:t>Basket module</a:t>
+            </a:r>
+          </a:p>
+        </p:txBody>
+      </p:sp>
+      <p:sp>
+        <p:nvSpPr>
+          <p:cNvPr id="29" name="Rectangle 28">
+            <a:extLst>
+              <a:ext uri="{FF2B5EF4-FFF2-40B4-BE49-F238E27FC236}">
+                <a16:creationId xmlns:a16="http://schemas.microsoft.com/office/drawing/2014/main" id="{9217533C-B0CE-4177-9F42-7175C06C3B10}"/>
+              </a:ext>
+            </a:extLst>
+          </p:cNvPr>
+          <p:cNvSpPr/>
+          <p:nvPr/>
+        </p:nvSpPr>
+        <p:spPr>
+          <a:xfrm>
+            <a:off x="7585762" y="4663465"/>
+            <a:ext cx="4101993" cy="356254"/>
+          </a:xfrm>
+          <a:prstGeom prst="rect">
+            <a:avLst/>
+          </a:prstGeom>
+        </p:spPr>
+        <p:style>
+          <a:lnRef idx="2">
+            <a:schemeClr val="accent6">
+              <a:shade val="50000"/>
+            </a:schemeClr>
+          </a:lnRef>
+          <a:fillRef idx="1">
+            <a:schemeClr val="accent6"/>
+          </a:fillRef>
+          <a:effectRef idx="0">
+            <a:schemeClr val="accent6"/>
+          </a:effectRef>
+          <a:fontRef idx="minor">
+            <a:schemeClr val="lt1"/>
+          </a:fontRef>
+        </p:style>
+        <p:txBody>
+          <a:bodyPr rtlCol="0" anchor="ctr"/>
+          <a:lstStyle/>
+          <a:p>
+            <a:pPr algn="ctr"/>
+            <a:r>
+              <a:rPr lang="en-US" dirty="0"/>
+              <a:t>Monolith Host Application</a:t>
+            </a:r>
+          </a:p>
+        </p:txBody>
+      </p:sp>
+      <p:cxnSp>
+        <p:nvCxnSpPr>
+          <p:cNvPr id="30" name="Straight Arrow Connector 29">
+            <a:extLst>
+              <a:ext uri="{FF2B5EF4-FFF2-40B4-BE49-F238E27FC236}">
+                <a16:creationId xmlns:a16="http://schemas.microsoft.com/office/drawing/2014/main" id="{5370E0DE-0B1B-4393-8526-BF0A4E67D521}"/>
+              </a:ext>
+            </a:extLst>
+          </p:cNvPr>
+          <p:cNvCxnSpPr>
+            <a:cxnSpLocks/>
+            <a:endCxn id="49" idx="2"/>
+          </p:cNvCxnSpPr>
+          <p:nvPr/>
+        </p:nvCxnSpPr>
+        <p:spPr>
+          <a:xfrm flipV="1">
+            <a:off x="8042962" y="4404698"/>
+            <a:ext cx="0" cy="258767"/>
+          </a:xfrm>
+          <a:prstGeom prst="straightConnector1">
+            <a:avLst/>
+          </a:prstGeom>
+          <a:ln w="25400">
+            <a:solidFill>
+              <a:schemeClr val="tx1">
+                <a:lumMod val="95000"/>
+                <a:lumOff val="5000"/>
+              </a:schemeClr>
+            </a:solidFill>
+            <a:tailEnd type="triangle"/>
+          </a:ln>
+        </p:spPr>
+        <p:style>
+          <a:lnRef idx="1">
+            <a:schemeClr val="accent1"/>
+          </a:lnRef>
+          <a:fillRef idx="0">
+            <a:schemeClr val="accent1"/>
+          </a:fillRef>
+          <a:effectRef idx="0">
+            <a:schemeClr val="accent1"/>
+          </a:effectRef>
+          <a:fontRef idx="minor">
+            <a:schemeClr val="tx1"/>
+          </a:fontRef>
+        </p:style>
+      </p:cxnSp>
+      <p:cxnSp>
+        <p:nvCxnSpPr>
+          <p:cNvPr id="31" name="Straight Arrow Connector 30">
+            <a:extLst>
+              <a:ext uri="{FF2B5EF4-FFF2-40B4-BE49-F238E27FC236}">
+                <a16:creationId xmlns:a16="http://schemas.microsoft.com/office/drawing/2014/main" id="{8F0692B6-6D7C-4B09-AA35-937E18B7257A}"/>
+              </a:ext>
+            </a:extLst>
+          </p:cNvPr>
+          <p:cNvCxnSpPr>
+            <a:cxnSpLocks/>
+            <a:endCxn id="43" idx="2"/>
+          </p:cNvCxnSpPr>
+          <p:nvPr/>
+        </p:nvCxnSpPr>
+        <p:spPr>
+          <a:xfrm flipV="1">
+            <a:off x="9110547" y="4404698"/>
+            <a:ext cx="0" cy="258767"/>
+          </a:xfrm>
+          <a:prstGeom prst="straightConnector1">
+            <a:avLst/>
+          </a:prstGeom>
+          <a:ln w="25400">
+            <a:solidFill>
+              <a:schemeClr val="tx1">
+                <a:lumMod val="95000"/>
+                <a:lumOff val="5000"/>
+              </a:schemeClr>
+            </a:solidFill>
+            <a:tailEnd type="triangle"/>
+          </a:ln>
+        </p:spPr>
+        <p:style>
+          <a:lnRef idx="1">
+            <a:schemeClr val="accent1"/>
+          </a:lnRef>
+          <a:fillRef idx="0">
+            <a:schemeClr val="accent1"/>
+          </a:fillRef>
+          <a:effectRef idx="0">
+            <a:schemeClr val="accent1"/>
+          </a:effectRef>
+          <a:fontRef idx="minor">
+            <a:schemeClr val="tx1"/>
+          </a:fontRef>
+        </p:style>
+      </p:cxnSp>
+      <p:cxnSp>
+        <p:nvCxnSpPr>
+          <p:cNvPr id="32" name="Straight Arrow Connector 31">
+            <a:extLst>
+              <a:ext uri="{FF2B5EF4-FFF2-40B4-BE49-F238E27FC236}">
+                <a16:creationId xmlns:a16="http://schemas.microsoft.com/office/drawing/2014/main" id="{2B07D842-29B3-4E9D-9943-44558E4B252B}"/>
+              </a:ext>
+            </a:extLst>
+          </p:cNvPr>
+          <p:cNvCxnSpPr>
+            <a:cxnSpLocks/>
+            <a:endCxn id="37" idx="2"/>
+          </p:cNvCxnSpPr>
+          <p:nvPr/>
+        </p:nvCxnSpPr>
+        <p:spPr>
+          <a:xfrm flipV="1">
+            <a:off x="10162970" y="4404698"/>
+            <a:ext cx="0" cy="258767"/>
+          </a:xfrm>
+          <a:prstGeom prst="straightConnector1">
+            <a:avLst/>
+          </a:prstGeom>
+          <a:ln w="25400">
+            <a:solidFill>
+              <a:schemeClr val="tx1">
+                <a:lumMod val="95000"/>
+                <a:lumOff val="5000"/>
+              </a:schemeClr>
+            </a:solidFill>
+            <a:tailEnd type="triangle"/>
+          </a:ln>
+        </p:spPr>
+        <p:style>
+          <a:lnRef idx="1">
+            <a:schemeClr val="accent1"/>
+          </a:lnRef>
+          <a:fillRef idx="0">
+            <a:schemeClr val="accent1"/>
+          </a:fillRef>
+          <a:effectRef idx="0">
+            <a:schemeClr val="accent1"/>
+          </a:effectRef>
+          <a:fontRef idx="minor">
+            <a:schemeClr val="tx1"/>
+          </a:fontRef>
+        </p:style>
+      </p:cxnSp>
+      <p:cxnSp>
+        <p:nvCxnSpPr>
+          <p:cNvPr id="33" name="Straight Arrow Connector 32">
+            <a:extLst>
+              <a:ext uri="{FF2B5EF4-FFF2-40B4-BE49-F238E27FC236}">
+                <a16:creationId xmlns:a16="http://schemas.microsoft.com/office/drawing/2014/main" id="{D4DA68C7-D001-4BF7-A55F-5EB646BC8764}"/>
+              </a:ext>
+            </a:extLst>
+          </p:cNvPr>
+          <p:cNvCxnSpPr>
+            <a:cxnSpLocks/>
+            <a:endCxn id="23" idx="2"/>
+          </p:cNvCxnSpPr>
+          <p:nvPr/>
+        </p:nvCxnSpPr>
+        <p:spPr>
+          <a:xfrm flipV="1">
+            <a:off x="11230555" y="4404698"/>
+            <a:ext cx="0" cy="258767"/>
+          </a:xfrm>
+          <a:prstGeom prst="straightConnector1">
+            <a:avLst/>
+          </a:prstGeom>
+          <a:ln w="25400">
+            <a:solidFill>
+              <a:schemeClr val="tx1">
+                <a:lumMod val="95000"/>
+                <a:lumOff val="5000"/>
+              </a:schemeClr>
+            </a:solidFill>
+            <a:tailEnd type="triangle"/>
+          </a:ln>
+        </p:spPr>
+        <p:style>
+          <a:lnRef idx="1">
+            <a:schemeClr val="accent1"/>
+          </a:lnRef>
+          <a:fillRef idx="0">
+            <a:schemeClr val="accent1"/>
+          </a:fillRef>
+          <a:effectRef idx="0">
+            <a:schemeClr val="accent1"/>
+          </a:effectRef>
+          <a:fontRef idx="minor">
+            <a:schemeClr val="tx1"/>
+          </a:fontRef>
+        </p:style>
+      </p:cxnSp>
+      <p:sp>
+        <p:nvSpPr>
+          <p:cNvPr id="37" name="Rectangle 36">
+            <a:extLst>
+              <a:ext uri="{FF2B5EF4-FFF2-40B4-BE49-F238E27FC236}">
+                <a16:creationId xmlns:a16="http://schemas.microsoft.com/office/drawing/2014/main" id="{206C1140-1360-46CA-9E84-3AC9EC3D66CB}"/>
+              </a:ext>
+            </a:extLst>
+          </p:cNvPr>
+          <p:cNvSpPr/>
+          <p:nvPr/>
+        </p:nvSpPr>
+        <p:spPr>
+          <a:xfrm>
+            <a:off x="9705770" y="3119657"/>
+            <a:ext cx="914400" cy="1285041"/>
+          </a:xfrm>
+          <a:prstGeom prst="rect">
+            <a:avLst/>
+          </a:prstGeom>
+        </p:spPr>
+        <p:style>
+          <a:lnRef idx="2">
+            <a:schemeClr val="accent1">
+              <a:shade val="50000"/>
+            </a:schemeClr>
+          </a:lnRef>
+          <a:fillRef idx="1">
+            <a:schemeClr val="accent1"/>
+          </a:fillRef>
+          <a:effectRef idx="0">
+            <a:schemeClr val="accent1"/>
+          </a:effectRef>
+          <a:fontRef idx="minor">
+            <a:schemeClr val="lt1"/>
+          </a:fontRef>
+        </p:style>
+        <p:txBody>
+          <a:bodyPr rtlCol="0" anchor="ctr"/>
+          <a:lstStyle/>
+          <a:p>
+            <a:pPr algn="ctr"/>
+            <a:endParaRPr lang="en-US" dirty="0"/>
+          </a:p>
+        </p:txBody>
+      </p:sp>
+      <p:sp>
+        <p:nvSpPr>
+          <p:cNvPr id="38" name="Rectangle 37">
+            <a:extLst>
+              <a:ext uri="{FF2B5EF4-FFF2-40B4-BE49-F238E27FC236}">
+                <a16:creationId xmlns:a16="http://schemas.microsoft.com/office/drawing/2014/main" id="{531CD00B-819B-441F-93C2-C05A6B10A902}"/>
+              </a:ext>
+            </a:extLst>
+          </p:cNvPr>
+          <p:cNvSpPr/>
+          <p:nvPr/>
+        </p:nvSpPr>
+        <p:spPr>
+          <a:xfrm>
+            <a:off x="9781185" y="3669407"/>
+            <a:ext cx="786623" cy="131976"/>
+          </a:xfrm>
+          <a:prstGeom prst="rect">
+            <a:avLst/>
+          </a:prstGeom>
+          <a:solidFill>
+            <a:schemeClr val="accent5">
+              <a:lumMod val="60000"/>
+              <a:lumOff val="40000"/>
+            </a:schemeClr>
+          </a:solidFill>
+          <a:ln>
+            <a:solidFill>
+              <a:schemeClr val="accent5">
+                <a:lumMod val="40000"/>
+                <a:lumOff val="60000"/>
+              </a:schemeClr>
+            </a:solidFill>
+          </a:ln>
+        </p:spPr>
+        <p:style>
+          <a:lnRef idx="2">
+            <a:schemeClr val="accent4">
+              <a:shade val="50000"/>
+            </a:schemeClr>
+          </a:lnRef>
+          <a:fillRef idx="1">
+            <a:schemeClr val="accent4"/>
+          </a:fillRef>
+          <a:effectRef idx="0">
+            <a:schemeClr val="accent4"/>
+          </a:effectRef>
+          <a:fontRef idx="minor">
+            <a:schemeClr val="lt1"/>
+          </a:fontRef>
+        </p:style>
+        <p:txBody>
+          <a:bodyPr rtlCol="0" anchor="ctr"/>
+          <a:lstStyle/>
+          <a:p>
+            <a:pPr algn="ctr"/>
+            <a:endParaRPr lang="en-US" dirty="0"/>
+          </a:p>
+        </p:txBody>
+      </p:sp>
+      <p:sp>
+        <p:nvSpPr>
+          <p:cNvPr id="39" name="Rectangle 38">
+            <a:extLst>
+              <a:ext uri="{FF2B5EF4-FFF2-40B4-BE49-F238E27FC236}">
+                <a16:creationId xmlns:a16="http://schemas.microsoft.com/office/drawing/2014/main" id="{6FFF2DD6-6FB9-495A-AD61-F4BD7E1C0799}"/>
+              </a:ext>
+            </a:extLst>
+          </p:cNvPr>
+          <p:cNvSpPr/>
+          <p:nvPr/>
+        </p:nvSpPr>
+        <p:spPr>
+          <a:xfrm>
+            <a:off x="9781185" y="3842233"/>
+            <a:ext cx="786623" cy="131976"/>
+          </a:xfrm>
+          <a:prstGeom prst="rect">
+            <a:avLst/>
+          </a:prstGeom>
+          <a:solidFill>
+            <a:schemeClr val="accent5">
+              <a:lumMod val="60000"/>
+              <a:lumOff val="40000"/>
+            </a:schemeClr>
+          </a:solidFill>
+          <a:ln>
+            <a:solidFill>
+              <a:schemeClr val="accent5">
+                <a:lumMod val="40000"/>
+                <a:lumOff val="60000"/>
+              </a:schemeClr>
+            </a:solidFill>
+          </a:ln>
+        </p:spPr>
+        <p:style>
+          <a:lnRef idx="2">
+            <a:schemeClr val="accent4">
+              <a:shade val="50000"/>
+            </a:schemeClr>
+          </a:lnRef>
+          <a:fillRef idx="1">
+            <a:schemeClr val="accent4"/>
+          </a:fillRef>
+          <a:effectRef idx="0">
+            <a:schemeClr val="accent4"/>
+          </a:effectRef>
+          <a:fontRef idx="minor">
+            <a:schemeClr val="lt1"/>
+          </a:fontRef>
+        </p:style>
+        <p:txBody>
+          <a:bodyPr rtlCol="0" anchor="ctr"/>
+          <a:lstStyle/>
+          <a:p>
+            <a:pPr algn="ctr"/>
+            <a:endParaRPr lang="en-US" dirty="0"/>
+          </a:p>
+        </p:txBody>
+      </p:sp>
+      <p:sp>
+        <p:nvSpPr>
+          <p:cNvPr id="40" name="Rectangle 39">
+            <a:extLst>
+              <a:ext uri="{FF2B5EF4-FFF2-40B4-BE49-F238E27FC236}">
+                <a16:creationId xmlns:a16="http://schemas.microsoft.com/office/drawing/2014/main" id="{1F7FE8C7-5F7D-4602-9E78-76524F30C702}"/>
+              </a:ext>
+            </a:extLst>
+          </p:cNvPr>
+          <p:cNvSpPr/>
+          <p:nvPr/>
+        </p:nvSpPr>
+        <p:spPr>
+          <a:xfrm>
+            <a:off x="9781185" y="4015059"/>
+            <a:ext cx="786623" cy="131976"/>
+          </a:xfrm>
+          <a:prstGeom prst="rect">
+            <a:avLst/>
+          </a:prstGeom>
+          <a:solidFill>
+            <a:schemeClr val="accent5">
+              <a:lumMod val="60000"/>
+              <a:lumOff val="40000"/>
+            </a:schemeClr>
+          </a:solidFill>
+          <a:ln>
+            <a:solidFill>
+              <a:schemeClr val="accent5">
+                <a:lumMod val="40000"/>
+                <a:lumOff val="60000"/>
+              </a:schemeClr>
+            </a:solidFill>
+          </a:ln>
+        </p:spPr>
+        <p:style>
+          <a:lnRef idx="2">
+            <a:schemeClr val="accent4">
+              <a:shade val="50000"/>
+            </a:schemeClr>
+          </a:lnRef>
+          <a:fillRef idx="1">
+            <a:schemeClr val="accent4"/>
+          </a:fillRef>
+          <a:effectRef idx="0">
+            <a:schemeClr val="accent4"/>
+          </a:effectRef>
+          <a:fontRef idx="minor">
+            <a:schemeClr val="lt1"/>
+          </a:fontRef>
+        </p:style>
+        <p:txBody>
+          <a:bodyPr rtlCol="0" anchor="ctr"/>
+          <a:lstStyle/>
+          <a:p>
+            <a:pPr algn="ctr"/>
+            <a:endParaRPr lang="en-US" dirty="0"/>
+          </a:p>
+        </p:txBody>
+      </p:sp>
+      <p:sp>
+        <p:nvSpPr>
+          <p:cNvPr id="41" name="Rectangle 40">
+            <a:extLst>
+              <a:ext uri="{FF2B5EF4-FFF2-40B4-BE49-F238E27FC236}">
+                <a16:creationId xmlns:a16="http://schemas.microsoft.com/office/drawing/2014/main" id="{40F443B6-09EB-4156-B0C2-EB4986D695C3}"/>
+              </a:ext>
+            </a:extLst>
+          </p:cNvPr>
+          <p:cNvSpPr/>
+          <p:nvPr/>
+        </p:nvSpPr>
+        <p:spPr>
+          <a:xfrm>
+            <a:off x="9781185" y="4187885"/>
+            <a:ext cx="786623" cy="131976"/>
+          </a:xfrm>
+          <a:prstGeom prst="rect">
+            <a:avLst/>
+          </a:prstGeom>
+          <a:solidFill>
+            <a:schemeClr val="accent5">
+              <a:lumMod val="60000"/>
+              <a:lumOff val="40000"/>
+            </a:schemeClr>
+          </a:solidFill>
+          <a:ln>
+            <a:solidFill>
+              <a:schemeClr val="accent5">
+                <a:lumMod val="40000"/>
+                <a:lumOff val="60000"/>
+              </a:schemeClr>
+            </a:solidFill>
+          </a:ln>
+        </p:spPr>
+        <p:style>
+          <a:lnRef idx="2">
+            <a:schemeClr val="accent4">
+              <a:shade val="50000"/>
+            </a:schemeClr>
+          </a:lnRef>
+          <a:fillRef idx="1">
+            <a:schemeClr val="accent4"/>
+          </a:fillRef>
+          <a:effectRef idx="0">
+            <a:schemeClr val="accent4"/>
+          </a:effectRef>
+          <a:fontRef idx="minor">
+            <a:schemeClr val="lt1"/>
+          </a:fontRef>
+        </p:style>
+        <p:txBody>
+          <a:bodyPr rtlCol="0" anchor="ctr"/>
+          <a:lstStyle/>
+          <a:p>
+            <a:pPr algn="ctr"/>
+            <a:endParaRPr lang="en-US" dirty="0"/>
+          </a:p>
+        </p:txBody>
+      </p:sp>
+      <p:sp>
+        <p:nvSpPr>
+          <p:cNvPr id="42" name="TextBox 41">
+            <a:extLst>
+              <a:ext uri="{FF2B5EF4-FFF2-40B4-BE49-F238E27FC236}">
+                <a16:creationId xmlns:a16="http://schemas.microsoft.com/office/drawing/2014/main" id="{B4DEF0F4-0B5B-4D48-ABB9-C9602D6CD7BD}"/>
+              </a:ext>
+            </a:extLst>
+          </p:cNvPr>
+          <p:cNvSpPr txBox="1"/>
+          <p:nvPr/>
+        </p:nvSpPr>
+        <p:spPr>
+          <a:xfrm>
+            <a:off x="9728823" y="3097833"/>
+            <a:ext cx="838985" cy="523220"/>
+          </a:xfrm>
+          <a:prstGeom prst="rect">
+            <a:avLst/>
+          </a:prstGeom>
+          <a:noFill/>
+        </p:spPr>
+        <p:txBody>
+          <a:bodyPr wrap="square" rtlCol="0">
+            <a:spAutoFit/>
+          </a:bodyPr>
+          <a:lstStyle/>
+          <a:p>
+            <a:pPr algn="ctr"/>
+            <a:r>
+              <a:rPr lang="en-US" sz="1400" dirty="0">
+                <a:solidFill>
+                  <a:schemeClr val="bg1"/>
+                </a:solidFill>
+              </a:rPr>
+              <a:t>Payment module</a:t>
+            </a:r>
+          </a:p>
+        </p:txBody>
+      </p:sp>
+      <p:sp>
+        <p:nvSpPr>
+          <p:cNvPr id="43" name="Rectangle 42">
+            <a:extLst>
+              <a:ext uri="{FF2B5EF4-FFF2-40B4-BE49-F238E27FC236}">
+                <a16:creationId xmlns:a16="http://schemas.microsoft.com/office/drawing/2014/main" id="{B88B90E8-AD2D-476B-AEFD-E786455D3CDA}"/>
+              </a:ext>
+            </a:extLst>
+          </p:cNvPr>
+          <p:cNvSpPr/>
+          <p:nvPr/>
+        </p:nvSpPr>
+        <p:spPr>
+          <a:xfrm>
+            <a:off x="8653347" y="3119657"/>
+            <a:ext cx="914400" cy="1285041"/>
+          </a:xfrm>
+          <a:prstGeom prst="rect">
+            <a:avLst/>
+          </a:prstGeom>
+        </p:spPr>
+        <p:style>
+          <a:lnRef idx="2">
+            <a:schemeClr val="accent1">
+              <a:shade val="50000"/>
+            </a:schemeClr>
+          </a:lnRef>
+          <a:fillRef idx="1">
+            <a:schemeClr val="accent1"/>
+          </a:fillRef>
+          <a:effectRef idx="0">
+            <a:schemeClr val="accent1"/>
+          </a:effectRef>
+          <a:fontRef idx="minor">
+            <a:schemeClr val="lt1"/>
+          </a:fontRef>
+        </p:style>
+        <p:txBody>
+          <a:bodyPr rtlCol="0" anchor="ctr"/>
+          <a:lstStyle/>
+          <a:p>
+            <a:pPr algn="ctr"/>
+            <a:endParaRPr lang="en-US" dirty="0"/>
+          </a:p>
+        </p:txBody>
+      </p:sp>
+      <p:sp>
+        <p:nvSpPr>
+          <p:cNvPr id="44" name="Rectangle 43">
+            <a:extLst>
+              <a:ext uri="{FF2B5EF4-FFF2-40B4-BE49-F238E27FC236}">
+                <a16:creationId xmlns:a16="http://schemas.microsoft.com/office/drawing/2014/main" id="{55C6D8B7-F080-4394-8A15-6143B7E10C39}"/>
+              </a:ext>
+            </a:extLst>
+          </p:cNvPr>
+          <p:cNvSpPr/>
+          <p:nvPr/>
+        </p:nvSpPr>
+        <p:spPr>
+          <a:xfrm>
+            <a:off x="8728762" y="3669407"/>
+            <a:ext cx="786623" cy="131976"/>
+          </a:xfrm>
+          <a:prstGeom prst="rect">
+            <a:avLst/>
+          </a:prstGeom>
+          <a:solidFill>
+            <a:schemeClr val="accent5">
+              <a:lumMod val="60000"/>
+              <a:lumOff val="40000"/>
+            </a:schemeClr>
+          </a:solidFill>
+          <a:ln>
+            <a:solidFill>
+              <a:schemeClr val="accent5">
+                <a:lumMod val="40000"/>
+                <a:lumOff val="60000"/>
+              </a:schemeClr>
+            </a:solidFill>
+          </a:ln>
+        </p:spPr>
+        <p:style>
+          <a:lnRef idx="2">
+            <a:schemeClr val="accent4">
+              <a:shade val="50000"/>
+            </a:schemeClr>
+          </a:lnRef>
+          <a:fillRef idx="1">
+            <a:schemeClr val="accent4"/>
+          </a:fillRef>
+          <a:effectRef idx="0">
+            <a:schemeClr val="accent4"/>
+          </a:effectRef>
+          <a:fontRef idx="minor">
+            <a:schemeClr val="lt1"/>
+          </a:fontRef>
+        </p:style>
+        <p:txBody>
+          <a:bodyPr rtlCol="0" anchor="ctr"/>
+          <a:lstStyle/>
+          <a:p>
+            <a:pPr algn="ctr"/>
+            <a:endParaRPr lang="en-US" dirty="0"/>
+          </a:p>
+        </p:txBody>
+      </p:sp>
+      <p:sp>
+        <p:nvSpPr>
+          <p:cNvPr id="45" name="Rectangle 44">
+            <a:extLst>
+              <a:ext uri="{FF2B5EF4-FFF2-40B4-BE49-F238E27FC236}">
+                <a16:creationId xmlns:a16="http://schemas.microsoft.com/office/drawing/2014/main" id="{B46DD7E8-8BAE-463D-A665-72B68B20744C}"/>
+              </a:ext>
+            </a:extLst>
+          </p:cNvPr>
+          <p:cNvSpPr/>
+          <p:nvPr/>
+        </p:nvSpPr>
+        <p:spPr>
+          <a:xfrm>
+            <a:off x="8728762" y="3842233"/>
+            <a:ext cx="786623" cy="131976"/>
+          </a:xfrm>
+          <a:prstGeom prst="rect">
+            <a:avLst/>
+          </a:prstGeom>
+          <a:solidFill>
+            <a:schemeClr val="accent5">
+              <a:lumMod val="60000"/>
+              <a:lumOff val="40000"/>
+            </a:schemeClr>
+          </a:solidFill>
+          <a:ln>
+            <a:solidFill>
+              <a:schemeClr val="accent5">
+                <a:lumMod val="40000"/>
+                <a:lumOff val="60000"/>
+              </a:schemeClr>
+            </a:solidFill>
+          </a:ln>
+        </p:spPr>
+        <p:style>
+          <a:lnRef idx="2">
+            <a:schemeClr val="accent4">
+              <a:shade val="50000"/>
+            </a:schemeClr>
+          </a:lnRef>
+          <a:fillRef idx="1">
+            <a:schemeClr val="accent4"/>
+          </a:fillRef>
+          <a:effectRef idx="0">
+            <a:schemeClr val="accent4"/>
+          </a:effectRef>
+          <a:fontRef idx="minor">
+            <a:schemeClr val="lt1"/>
+          </a:fontRef>
+        </p:style>
+        <p:txBody>
+          <a:bodyPr rtlCol="0" anchor="ctr"/>
+          <a:lstStyle/>
+          <a:p>
+            <a:pPr algn="ctr"/>
+            <a:endParaRPr lang="en-US" dirty="0"/>
+          </a:p>
+        </p:txBody>
+      </p:sp>
+      <p:sp>
+        <p:nvSpPr>
+          <p:cNvPr id="46" name="Rectangle 45">
+            <a:extLst>
+              <a:ext uri="{FF2B5EF4-FFF2-40B4-BE49-F238E27FC236}">
+                <a16:creationId xmlns:a16="http://schemas.microsoft.com/office/drawing/2014/main" id="{504AD056-F255-4196-A79B-6F128B2159FE}"/>
+              </a:ext>
+            </a:extLst>
+          </p:cNvPr>
+          <p:cNvSpPr/>
+          <p:nvPr/>
+        </p:nvSpPr>
+        <p:spPr>
+          <a:xfrm>
+            <a:off x="8728762" y="4015059"/>
+            <a:ext cx="786623" cy="131976"/>
+          </a:xfrm>
+          <a:prstGeom prst="rect">
+            <a:avLst/>
+          </a:prstGeom>
+          <a:solidFill>
+            <a:schemeClr val="accent5">
+              <a:lumMod val="60000"/>
+              <a:lumOff val="40000"/>
+            </a:schemeClr>
+          </a:solidFill>
+          <a:ln>
+            <a:solidFill>
+              <a:schemeClr val="accent5">
+                <a:lumMod val="40000"/>
+                <a:lumOff val="60000"/>
+              </a:schemeClr>
+            </a:solidFill>
+          </a:ln>
+        </p:spPr>
+        <p:style>
+          <a:lnRef idx="2">
+            <a:schemeClr val="accent4">
+              <a:shade val="50000"/>
+            </a:schemeClr>
+          </a:lnRef>
+          <a:fillRef idx="1">
+            <a:schemeClr val="accent4"/>
+          </a:fillRef>
+          <a:effectRef idx="0">
+            <a:schemeClr val="accent4"/>
+          </a:effectRef>
+          <a:fontRef idx="minor">
+            <a:schemeClr val="lt1"/>
+          </a:fontRef>
+        </p:style>
+        <p:txBody>
+          <a:bodyPr rtlCol="0" anchor="ctr"/>
+          <a:lstStyle/>
+          <a:p>
+            <a:pPr algn="ctr"/>
+            <a:endParaRPr lang="en-US" dirty="0"/>
+          </a:p>
+        </p:txBody>
+      </p:sp>
+      <p:sp>
+        <p:nvSpPr>
+          <p:cNvPr id="47" name="Rectangle 46">
+            <a:extLst>
+              <a:ext uri="{FF2B5EF4-FFF2-40B4-BE49-F238E27FC236}">
+                <a16:creationId xmlns:a16="http://schemas.microsoft.com/office/drawing/2014/main" id="{E3F40E08-3341-4F26-B0F7-ADBCDE39BEEE}"/>
+              </a:ext>
+            </a:extLst>
+          </p:cNvPr>
+          <p:cNvSpPr/>
+          <p:nvPr/>
+        </p:nvSpPr>
+        <p:spPr>
+          <a:xfrm>
+            <a:off x="8728762" y="4187885"/>
+            <a:ext cx="786623" cy="131976"/>
+          </a:xfrm>
+          <a:prstGeom prst="rect">
+            <a:avLst/>
+          </a:prstGeom>
+          <a:solidFill>
+            <a:schemeClr val="accent5">
+              <a:lumMod val="60000"/>
+              <a:lumOff val="40000"/>
+            </a:schemeClr>
+          </a:solidFill>
+          <a:ln>
+            <a:solidFill>
+              <a:schemeClr val="accent5">
+                <a:lumMod val="40000"/>
+                <a:lumOff val="60000"/>
+              </a:schemeClr>
+            </a:solidFill>
+          </a:ln>
+        </p:spPr>
+        <p:style>
+          <a:lnRef idx="2">
+            <a:schemeClr val="accent4">
+              <a:shade val="50000"/>
+            </a:schemeClr>
+          </a:lnRef>
+          <a:fillRef idx="1">
+            <a:schemeClr val="accent4"/>
+          </a:fillRef>
+          <a:effectRef idx="0">
+            <a:schemeClr val="accent4"/>
+          </a:effectRef>
+          <a:fontRef idx="minor">
+            <a:schemeClr val="lt1"/>
+          </a:fontRef>
+        </p:style>
+        <p:txBody>
+          <a:bodyPr rtlCol="0" anchor="ctr"/>
+          <a:lstStyle/>
+          <a:p>
+            <a:pPr algn="ctr"/>
+            <a:endParaRPr lang="en-US" dirty="0"/>
+          </a:p>
+        </p:txBody>
+      </p:sp>
+      <p:sp>
+        <p:nvSpPr>
+          <p:cNvPr id="48" name="TextBox 47">
+            <a:extLst>
+              <a:ext uri="{FF2B5EF4-FFF2-40B4-BE49-F238E27FC236}">
+                <a16:creationId xmlns:a16="http://schemas.microsoft.com/office/drawing/2014/main" id="{3889F89F-4516-4BBF-9F49-AD637DA5D849}"/>
+              </a:ext>
+            </a:extLst>
+          </p:cNvPr>
+          <p:cNvSpPr txBox="1"/>
+          <p:nvPr/>
+        </p:nvSpPr>
+        <p:spPr>
+          <a:xfrm>
+            <a:off x="8676400" y="3097833"/>
+            <a:ext cx="838985" cy="523220"/>
+          </a:xfrm>
+          <a:prstGeom prst="rect">
+            <a:avLst/>
+          </a:prstGeom>
+          <a:noFill/>
+        </p:spPr>
+        <p:txBody>
+          <a:bodyPr wrap="square" rtlCol="0">
+            <a:spAutoFit/>
+          </a:bodyPr>
+          <a:lstStyle/>
+          <a:p>
+            <a:pPr algn="ctr"/>
+            <a:r>
+              <a:rPr lang="en-US" sz="1400" dirty="0">
+                <a:solidFill>
+                  <a:schemeClr val="bg1"/>
+                </a:solidFill>
+              </a:rPr>
+              <a:t>Order module</a:t>
+            </a:r>
+          </a:p>
+        </p:txBody>
+      </p:sp>
+      <p:sp>
+        <p:nvSpPr>
+          <p:cNvPr id="49" name="Rectangle 48">
+            <a:extLst>
+              <a:ext uri="{FF2B5EF4-FFF2-40B4-BE49-F238E27FC236}">
+                <a16:creationId xmlns:a16="http://schemas.microsoft.com/office/drawing/2014/main" id="{51AF6E2F-4AAD-440D-AC62-B0D971270018}"/>
+              </a:ext>
+            </a:extLst>
+          </p:cNvPr>
+          <p:cNvSpPr/>
+          <p:nvPr/>
+        </p:nvSpPr>
+        <p:spPr>
+          <a:xfrm>
+            <a:off x="7585762" y="3119657"/>
+            <a:ext cx="914400" cy="1285041"/>
+          </a:xfrm>
+          <a:prstGeom prst="rect">
+            <a:avLst/>
+          </a:prstGeom>
+        </p:spPr>
+        <p:style>
+          <a:lnRef idx="2">
+            <a:schemeClr val="accent1">
+              <a:shade val="50000"/>
+            </a:schemeClr>
+          </a:lnRef>
+          <a:fillRef idx="1">
+            <a:schemeClr val="accent1"/>
+          </a:fillRef>
+          <a:effectRef idx="0">
+            <a:schemeClr val="accent1"/>
+          </a:effectRef>
+          <a:fontRef idx="minor">
+            <a:schemeClr val="lt1"/>
+          </a:fontRef>
+        </p:style>
+        <p:txBody>
+          <a:bodyPr rtlCol="0" anchor="ctr"/>
+          <a:lstStyle/>
+          <a:p>
+            <a:pPr algn="ctr"/>
+            <a:endParaRPr lang="en-US" dirty="0"/>
+          </a:p>
+        </p:txBody>
+      </p:sp>
+      <p:sp>
+        <p:nvSpPr>
+          <p:cNvPr id="50" name="Rectangle 49">
+            <a:extLst>
+              <a:ext uri="{FF2B5EF4-FFF2-40B4-BE49-F238E27FC236}">
+                <a16:creationId xmlns:a16="http://schemas.microsoft.com/office/drawing/2014/main" id="{7D6D7689-BD19-42BB-B7D6-CFA1FA4C7734}"/>
+              </a:ext>
+            </a:extLst>
+          </p:cNvPr>
+          <p:cNvSpPr/>
+          <p:nvPr/>
+        </p:nvSpPr>
+        <p:spPr>
+          <a:xfrm>
+            <a:off x="7661177" y="3669407"/>
+            <a:ext cx="786623" cy="131976"/>
+          </a:xfrm>
+          <a:prstGeom prst="rect">
+            <a:avLst/>
+          </a:prstGeom>
+          <a:solidFill>
+            <a:schemeClr val="accent5">
+              <a:lumMod val="60000"/>
+              <a:lumOff val="40000"/>
+            </a:schemeClr>
+          </a:solidFill>
+          <a:ln>
+            <a:solidFill>
+              <a:schemeClr val="accent5">
+                <a:lumMod val="40000"/>
+                <a:lumOff val="60000"/>
+              </a:schemeClr>
+            </a:solidFill>
+          </a:ln>
+        </p:spPr>
+        <p:style>
+          <a:lnRef idx="2">
+            <a:schemeClr val="accent4">
+              <a:shade val="50000"/>
+            </a:schemeClr>
+          </a:lnRef>
+          <a:fillRef idx="1">
+            <a:schemeClr val="accent4"/>
+          </a:fillRef>
+          <a:effectRef idx="0">
+            <a:schemeClr val="accent4"/>
+          </a:effectRef>
+          <a:fontRef idx="minor">
+            <a:schemeClr val="lt1"/>
+          </a:fontRef>
+        </p:style>
+        <p:txBody>
+          <a:bodyPr rtlCol="0" anchor="ctr"/>
+          <a:lstStyle/>
+          <a:p>
+            <a:pPr algn="ctr"/>
+            <a:endParaRPr lang="en-US" dirty="0"/>
+          </a:p>
+        </p:txBody>
+      </p:sp>
+      <p:sp>
+        <p:nvSpPr>
+          <p:cNvPr id="51" name="Rectangle 50">
+            <a:extLst>
+              <a:ext uri="{FF2B5EF4-FFF2-40B4-BE49-F238E27FC236}">
+                <a16:creationId xmlns:a16="http://schemas.microsoft.com/office/drawing/2014/main" id="{48AC947E-9192-47CC-BC7B-11B5E5FDCE80}"/>
+              </a:ext>
+            </a:extLst>
+          </p:cNvPr>
+          <p:cNvSpPr/>
+          <p:nvPr/>
+        </p:nvSpPr>
+        <p:spPr>
+          <a:xfrm>
+            <a:off x="7661177" y="3842233"/>
+            <a:ext cx="786623" cy="131976"/>
+          </a:xfrm>
+          <a:prstGeom prst="rect">
+            <a:avLst/>
+          </a:prstGeom>
+          <a:solidFill>
+            <a:schemeClr val="accent5">
+              <a:lumMod val="60000"/>
+              <a:lumOff val="40000"/>
+            </a:schemeClr>
+          </a:solidFill>
+          <a:ln>
+            <a:solidFill>
+              <a:schemeClr val="accent5">
+                <a:lumMod val="40000"/>
+                <a:lumOff val="60000"/>
+              </a:schemeClr>
+            </a:solidFill>
+          </a:ln>
+        </p:spPr>
+        <p:style>
+          <a:lnRef idx="2">
+            <a:schemeClr val="accent4">
+              <a:shade val="50000"/>
+            </a:schemeClr>
+          </a:lnRef>
+          <a:fillRef idx="1">
+            <a:schemeClr val="accent4"/>
+          </a:fillRef>
+          <a:effectRef idx="0">
+            <a:schemeClr val="accent4"/>
+          </a:effectRef>
+          <a:fontRef idx="minor">
+            <a:schemeClr val="lt1"/>
+          </a:fontRef>
+        </p:style>
+        <p:txBody>
+          <a:bodyPr rtlCol="0" anchor="ctr"/>
+          <a:lstStyle/>
+          <a:p>
+            <a:pPr algn="ctr"/>
+            <a:endParaRPr lang="en-US" dirty="0"/>
+          </a:p>
+        </p:txBody>
+      </p:sp>
+      <p:sp>
+        <p:nvSpPr>
+          <p:cNvPr id="52" name="Rectangle 51">
+            <a:extLst>
+              <a:ext uri="{FF2B5EF4-FFF2-40B4-BE49-F238E27FC236}">
+                <a16:creationId xmlns:a16="http://schemas.microsoft.com/office/drawing/2014/main" id="{A65E3F03-4F4C-4877-8542-4286A2238E87}"/>
+              </a:ext>
+            </a:extLst>
+          </p:cNvPr>
+          <p:cNvSpPr/>
+          <p:nvPr/>
+        </p:nvSpPr>
+        <p:spPr>
+          <a:xfrm>
+            <a:off x="7661177" y="4015059"/>
+            <a:ext cx="786623" cy="131976"/>
+          </a:xfrm>
+          <a:prstGeom prst="rect">
+            <a:avLst/>
+          </a:prstGeom>
+          <a:solidFill>
+            <a:schemeClr val="accent5">
+              <a:lumMod val="60000"/>
+              <a:lumOff val="40000"/>
+            </a:schemeClr>
+          </a:solidFill>
+          <a:ln>
+            <a:solidFill>
+              <a:schemeClr val="accent5">
+                <a:lumMod val="40000"/>
+                <a:lumOff val="60000"/>
+              </a:schemeClr>
+            </a:solidFill>
+          </a:ln>
+        </p:spPr>
+        <p:style>
+          <a:lnRef idx="2">
+            <a:schemeClr val="accent4">
+              <a:shade val="50000"/>
+            </a:schemeClr>
+          </a:lnRef>
+          <a:fillRef idx="1">
+            <a:schemeClr val="accent4"/>
+          </a:fillRef>
+          <a:effectRef idx="0">
+            <a:schemeClr val="accent4"/>
+          </a:effectRef>
+          <a:fontRef idx="minor">
+            <a:schemeClr val="lt1"/>
+          </a:fontRef>
+        </p:style>
+        <p:txBody>
+          <a:bodyPr rtlCol="0" anchor="ctr"/>
+          <a:lstStyle/>
+          <a:p>
+            <a:pPr algn="ctr"/>
+            <a:endParaRPr lang="en-US" dirty="0"/>
+          </a:p>
+        </p:txBody>
+      </p:sp>
+      <p:sp>
+        <p:nvSpPr>
+          <p:cNvPr id="53" name="Rectangle 52">
+            <a:extLst>
+              <a:ext uri="{FF2B5EF4-FFF2-40B4-BE49-F238E27FC236}">
+                <a16:creationId xmlns:a16="http://schemas.microsoft.com/office/drawing/2014/main" id="{644EDF99-9488-4ED1-899B-01BFC22D1980}"/>
+              </a:ext>
+            </a:extLst>
+          </p:cNvPr>
+          <p:cNvSpPr/>
+          <p:nvPr/>
+        </p:nvSpPr>
+        <p:spPr>
+          <a:xfrm>
+            <a:off x="7661177" y="4187885"/>
+            <a:ext cx="786623" cy="131976"/>
+          </a:xfrm>
+          <a:prstGeom prst="rect">
+            <a:avLst/>
+          </a:prstGeom>
+          <a:solidFill>
+            <a:schemeClr val="accent5">
+              <a:lumMod val="60000"/>
+              <a:lumOff val="40000"/>
+            </a:schemeClr>
+          </a:solidFill>
+          <a:ln>
+            <a:solidFill>
+              <a:schemeClr val="accent5">
+                <a:lumMod val="40000"/>
+                <a:lumOff val="60000"/>
+              </a:schemeClr>
+            </a:solidFill>
+          </a:ln>
+        </p:spPr>
+        <p:style>
+          <a:lnRef idx="2">
+            <a:schemeClr val="accent4">
+              <a:shade val="50000"/>
+            </a:schemeClr>
+          </a:lnRef>
+          <a:fillRef idx="1">
+            <a:schemeClr val="accent4"/>
+          </a:fillRef>
+          <a:effectRef idx="0">
+            <a:schemeClr val="accent4"/>
+          </a:effectRef>
+          <a:fontRef idx="minor">
+            <a:schemeClr val="lt1"/>
+          </a:fontRef>
+        </p:style>
+        <p:txBody>
+          <a:bodyPr rtlCol="0" anchor="ctr"/>
+          <a:lstStyle/>
+          <a:p>
+            <a:pPr algn="ctr"/>
+            <a:endParaRPr lang="en-US" dirty="0"/>
+          </a:p>
+        </p:txBody>
+      </p:sp>
+      <p:sp>
+        <p:nvSpPr>
+          <p:cNvPr id="54" name="TextBox 53">
+            <a:extLst>
+              <a:ext uri="{FF2B5EF4-FFF2-40B4-BE49-F238E27FC236}">
+                <a16:creationId xmlns:a16="http://schemas.microsoft.com/office/drawing/2014/main" id="{56B10FD5-134A-455A-9B12-2BF95E10768E}"/>
+              </a:ext>
+            </a:extLst>
+          </p:cNvPr>
+          <p:cNvSpPr txBox="1"/>
+          <p:nvPr/>
+        </p:nvSpPr>
+        <p:spPr>
+          <a:xfrm>
+            <a:off x="7608815" y="3097833"/>
+            <a:ext cx="838985" cy="523220"/>
+          </a:xfrm>
+          <a:prstGeom prst="rect">
+            <a:avLst/>
+          </a:prstGeom>
+          <a:noFill/>
+        </p:spPr>
+        <p:txBody>
+          <a:bodyPr wrap="square" rtlCol="0">
+            <a:spAutoFit/>
+          </a:bodyPr>
+          <a:lstStyle/>
+          <a:p>
+            <a:pPr algn="ctr"/>
+            <a:r>
+              <a:rPr lang="en-US" sz="1200" dirty="0">
+                <a:solidFill>
+                  <a:schemeClr val="bg1"/>
+                </a:solidFill>
+              </a:rPr>
+              <a:t>Customer</a:t>
+            </a:r>
+            <a:r>
+              <a:rPr lang="en-US" sz="1400" dirty="0">
+                <a:solidFill>
+                  <a:schemeClr val="bg1"/>
+                </a:solidFill>
+              </a:rPr>
+              <a:t> module</a:t>
+            </a:r>
+          </a:p>
+        </p:txBody>
+      </p:sp>
+      <p:pic>
+        <p:nvPicPr>
+          <p:cNvPr id="92" name="Picture 2" descr="Free photo Computer Network Technology Icon Database - Max Pixel">
+            <a:extLst>
+              <a:ext uri="{FF2B5EF4-FFF2-40B4-BE49-F238E27FC236}">
+                <a16:creationId xmlns:a16="http://schemas.microsoft.com/office/drawing/2014/main" id="{31794433-BD55-47B0-8B75-93CF67997C42}"/>
+              </a:ext>
+            </a:extLst>
+          </p:cNvPr>
+          <p:cNvPicPr>
+            <a:picLocks noChangeAspect="1" noChangeArrowheads="1"/>
+          </p:cNvPicPr>
+          <p:nvPr/>
+        </p:nvPicPr>
+        <p:blipFill>
+          <a:blip r:embed="rId3">
+            <a:extLst>
+              <a:ext uri="{28A0092B-C50C-407E-A947-70E740481C1C}">
+                <a14:useLocalDpi xmlns:a14="http://schemas.microsoft.com/office/drawing/2010/main" val="0"/>
+              </a:ext>
+            </a:extLst>
+          </a:blip>
+          <a:srcRect/>
+          <a:stretch>
+            <a:fillRect/>
+          </a:stretch>
+        </p:blipFill>
+        <p:spPr bwMode="auto">
+          <a:xfrm>
+            <a:off x="7806071" y="2135127"/>
+            <a:ext cx="431128" cy="441435"/>
+          </a:xfrm>
+          <a:prstGeom prst="rect">
+            <a:avLst/>
+          </a:prstGeom>
+          <a:noFill/>
+          <a:extLst>
+            <a:ext uri="{909E8E84-426E-40DD-AFC4-6F175D3DCCD1}">
+              <a14:hiddenFill xmlns:a14="http://schemas.microsoft.com/office/drawing/2010/main">
+                <a:solidFill>
+                  <a:srgbClr val="FFFFFF"/>
+                </a:solidFill>
+              </a14:hiddenFill>
+            </a:ext>
+          </a:extLst>
+        </p:spPr>
+      </p:pic>
+      <p:cxnSp>
+        <p:nvCxnSpPr>
+          <p:cNvPr id="94" name="Straight Arrow Connector 93">
+            <a:extLst>
+              <a:ext uri="{FF2B5EF4-FFF2-40B4-BE49-F238E27FC236}">
+                <a16:creationId xmlns:a16="http://schemas.microsoft.com/office/drawing/2014/main" id="{BFE61C31-F79E-41F0-B3F7-1A9D2C270E14}"/>
+              </a:ext>
+            </a:extLst>
+          </p:cNvPr>
+          <p:cNvCxnSpPr>
+            <a:cxnSpLocks/>
+            <a:stCxn id="54" idx="0"/>
+            <a:endCxn id="92" idx="2"/>
+          </p:cNvCxnSpPr>
+          <p:nvPr/>
+        </p:nvCxnSpPr>
+        <p:spPr>
+          <a:xfrm flipH="1" flipV="1">
+            <a:off x="8021635" y="2576562"/>
+            <a:ext cx="6673" cy="521271"/>
+          </a:xfrm>
+          <a:prstGeom prst="straightConnector1">
+            <a:avLst/>
+          </a:prstGeom>
+          <a:ln w="25400">
+            <a:solidFill>
+              <a:schemeClr val="tx1"/>
+            </a:solidFill>
+            <a:tailEnd type="triangle"/>
+          </a:ln>
+        </p:spPr>
+        <p:style>
+          <a:lnRef idx="1">
+            <a:schemeClr val="accent1"/>
+          </a:lnRef>
+          <a:fillRef idx="0">
+            <a:schemeClr val="accent1"/>
+          </a:fillRef>
+          <a:effectRef idx="0">
+            <a:schemeClr val="accent1"/>
+          </a:effectRef>
+          <a:fontRef idx="minor">
+            <a:schemeClr val="tx1"/>
+          </a:fontRef>
+        </p:style>
+      </p:cxnSp>
+      <p:pic>
+        <p:nvPicPr>
+          <p:cNvPr id="55" name="Picture 2" descr="Free photo Computer Network Technology Icon Database - Max Pixel">
+            <a:extLst>
+              <a:ext uri="{FF2B5EF4-FFF2-40B4-BE49-F238E27FC236}">
+                <a16:creationId xmlns:a16="http://schemas.microsoft.com/office/drawing/2014/main" id="{D962583B-3B04-41CB-9EE3-3F6AC7CFC877}"/>
+              </a:ext>
+            </a:extLst>
+          </p:cNvPr>
+          <p:cNvPicPr>
+            <a:picLocks noChangeAspect="1" noChangeArrowheads="1"/>
+          </p:cNvPicPr>
+          <p:nvPr/>
+        </p:nvPicPr>
+        <p:blipFill>
+          <a:blip r:embed="rId3">
+            <a:extLst>
+              <a:ext uri="{28A0092B-C50C-407E-A947-70E740481C1C}">
+                <a14:useLocalDpi xmlns:a14="http://schemas.microsoft.com/office/drawing/2010/main" val="0"/>
+              </a:ext>
+            </a:extLst>
+          </a:blip>
+          <a:srcRect/>
+          <a:stretch>
+            <a:fillRect/>
+          </a:stretch>
+        </p:blipFill>
+        <p:spPr bwMode="auto">
+          <a:xfrm>
+            <a:off x="8871892" y="2133293"/>
+            <a:ext cx="431128" cy="441435"/>
+          </a:xfrm>
+          <a:prstGeom prst="rect">
+            <a:avLst/>
+          </a:prstGeom>
+          <a:noFill/>
+          <a:extLst>
+            <a:ext uri="{909E8E84-426E-40DD-AFC4-6F175D3DCCD1}">
+              <a14:hiddenFill xmlns:a14="http://schemas.microsoft.com/office/drawing/2010/main">
+                <a:solidFill>
+                  <a:srgbClr val="FFFFFF"/>
+                </a:solidFill>
+              </a14:hiddenFill>
+            </a:ext>
+          </a:extLst>
+        </p:spPr>
+      </p:pic>
+      <p:cxnSp>
+        <p:nvCxnSpPr>
+          <p:cNvPr id="56" name="Straight Arrow Connector 55">
+            <a:extLst>
+              <a:ext uri="{FF2B5EF4-FFF2-40B4-BE49-F238E27FC236}">
+                <a16:creationId xmlns:a16="http://schemas.microsoft.com/office/drawing/2014/main" id="{9E75F361-B9D3-4A60-B3E0-C78EF777C9B1}"/>
+              </a:ext>
+            </a:extLst>
+          </p:cNvPr>
+          <p:cNvCxnSpPr>
+            <a:cxnSpLocks/>
+            <a:stCxn id="48" idx="0"/>
+            <a:endCxn id="55" idx="2"/>
+          </p:cNvCxnSpPr>
+          <p:nvPr/>
+        </p:nvCxnSpPr>
+        <p:spPr>
+          <a:xfrm flipH="1" flipV="1">
+            <a:off x="9087456" y="2574728"/>
+            <a:ext cx="8437" cy="523105"/>
+          </a:xfrm>
+          <a:prstGeom prst="straightConnector1">
+            <a:avLst/>
+          </a:prstGeom>
+          <a:ln w="25400">
+            <a:solidFill>
+              <a:schemeClr val="tx1"/>
+            </a:solidFill>
+            <a:tailEnd type="triangle"/>
+          </a:ln>
+        </p:spPr>
+        <p:style>
+          <a:lnRef idx="1">
+            <a:schemeClr val="accent1"/>
+          </a:lnRef>
+          <a:fillRef idx="0">
+            <a:schemeClr val="accent1"/>
+          </a:fillRef>
+          <a:effectRef idx="0">
+            <a:schemeClr val="accent1"/>
+          </a:effectRef>
+          <a:fontRef idx="minor">
+            <a:schemeClr val="tx1"/>
+          </a:fontRef>
+        </p:style>
+      </p:cxnSp>
+      <p:pic>
+        <p:nvPicPr>
+          <p:cNvPr id="57" name="Picture 2" descr="Free photo Computer Network Technology Icon Database - Max Pixel">
+            <a:extLst>
+              <a:ext uri="{FF2B5EF4-FFF2-40B4-BE49-F238E27FC236}">
+                <a16:creationId xmlns:a16="http://schemas.microsoft.com/office/drawing/2014/main" id="{11C3359B-7F0A-433A-949D-E5CCA59B1976}"/>
+              </a:ext>
+            </a:extLst>
+          </p:cNvPr>
+          <p:cNvPicPr>
+            <a:picLocks noChangeAspect="1" noChangeArrowheads="1"/>
+          </p:cNvPicPr>
+          <p:nvPr/>
+        </p:nvPicPr>
+        <p:blipFill>
+          <a:blip r:embed="rId3">
+            <a:extLst>
+              <a:ext uri="{28A0092B-C50C-407E-A947-70E740481C1C}">
+                <a14:useLocalDpi xmlns:a14="http://schemas.microsoft.com/office/drawing/2010/main" val="0"/>
+              </a:ext>
+            </a:extLst>
+          </a:blip>
+          <a:srcRect/>
+          <a:stretch>
+            <a:fillRect/>
+          </a:stretch>
+        </p:blipFill>
+        <p:spPr bwMode="auto">
+          <a:xfrm>
+            <a:off x="9924979" y="2144587"/>
+            <a:ext cx="431128" cy="441435"/>
+          </a:xfrm>
+          <a:prstGeom prst="rect">
+            <a:avLst/>
+          </a:prstGeom>
+          <a:noFill/>
+          <a:extLst>
+            <a:ext uri="{909E8E84-426E-40DD-AFC4-6F175D3DCCD1}">
+              <a14:hiddenFill xmlns:a14="http://schemas.microsoft.com/office/drawing/2010/main">
+                <a:solidFill>
+                  <a:srgbClr val="FFFFFF"/>
+                </a:solidFill>
+              </a14:hiddenFill>
+            </a:ext>
+          </a:extLst>
+        </p:spPr>
+      </p:pic>
+      <p:cxnSp>
+        <p:nvCxnSpPr>
+          <p:cNvPr id="58" name="Straight Arrow Connector 57">
+            <a:extLst>
+              <a:ext uri="{FF2B5EF4-FFF2-40B4-BE49-F238E27FC236}">
+                <a16:creationId xmlns:a16="http://schemas.microsoft.com/office/drawing/2014/main" id="{D6372B19-0DA1-4033-8296-7AAF484222C5}"/>
+              </a:ext>
+            </a:extLst>
+          </p:cNvPr>
+          <p:cNvCxnSpPr>
+            <a:cxnSpLocks/>
+            <a:endCxn id="57" idx="2"/>
+          </p:cNvCxnSpPr>
+          <p:nvPr/>
+        </p:nvCxnSpPr>
+        <p:spPr>
+          <a:xfrm flipH="1" flipV="1">
+            <a:off x="10140543" y="2586022"/>
+            <a:ext cx="8437" cy="523105"/>
+          </a:xfrm>
+          <a:prstGeom prst="straightConnector1">
+            <a:avLst/>
+          </a:prstGeom>
+          <a:ln w="25400">
+            <a:solidFill>
+              <a:schemeClr val="tx1"/>
+            </a:solidFill>
+            <a:tailEnd type="triangle"/>
+          </a:ln>
+        </p:spPr>
+        <p:style>
+          <a:lnRef idx="1">
+            <a:schemeClr val="accent1"/>
+          </a:lnRef>
+          <a:fillRef idx="0">
+            <a:schemeClr val="accent1"/>
+          </a:fillRef>
+          <a:effectRef idx="0">
+            <a:schemeClr val="accent1"/>
+          </a:effectRef>
+          <a:fontRef idx="minor">
+            <a:schemeClr val="tx1"/>
+          </a:fontRef>
+        </p:style>
+      </p:cxnSp>
+      <p:pic>
+        <p:nvPicPr>
+          <p:cNvPr id="59" name="Picture 2" descr="Free photo Computer Network Technology Icon Database - Max Pixel">
+            <a:extLst>
+              <a:ext uri="{FF2B5EF4-FFF2-40B4-BE49-F238E27FC236}">
+                <a16:creationId xmlns:a16="http://schemas.microsoft.com/office/drawing/2014/main" id="{C030C45A-3083-471C-BBF3-64838B7581A6}"/>
+              </a:ext>
+            </a:extLst>
+          </p:cNvPr>
+          <p:cNvPicPr>
+            <a:picLocks noChangeAspect="1" noChangeArrowheads="1"/>
+          </p:cNvPicPr>
+          <p:nvPr/>
+        </p:nvPicPr>
+        <p:blipFill>
+          <a:blip r:embed="rId3">
+            <a:extLst>
+              <a:ext uri="{28A0092B-C50C-407E-A947-70E740481C1C}">
+                <a14:useLocalDpi xmlns:a14="http://schemas.microsoft.com/office/drawing/2010/main" val="0"/>
+              </a:ext>
+            </a:extLst>
+          </a:blip>
+          <a:srcRect/>
+          <a:stretch>
+            <a:fillRect/>
+          </a:stretch>
+        </p:blipFill>
+        <p:spPr bwMode="auto">
+          <a:xfrm>
+            <a:off x="10992564" y="2153534"/>
+            <a:ext cx="431128" cy="441435"/>
+          </a:xfrm>
+          <a:prstGeom prst="rect">
+            <a:avLst/>
+          </a:prstGeom>
+          <a:noFill/>
+          <a:extLst>
+            <a:ext uri="{909E8E84-426E-40DD-AFC4-6F175D3DCCD1}">
+              <a14:hiddenFill xmlns:a14="http://schemas.microsoft.com/office/drawing/2010/main">
+                <a:solidFill>
+                  <a:srgbClr val="FFFFFF"/>
+                </a:solidFill>
+              </a14:hiddenFill>
+            </a:ext>
+          </a:extLst>
+        </p:spPr>
+      </p:pic>
+      <p:cxnSp>
+        <p:nvCxnSpPr>
+          <p:cNvPr id="60" name="Straight Arrow Connector 59">
+            <a:extLst>
+              <a:ext uri="{FF2B5EF4-FFF2-40B4-BE49-F238E27FC236}">
+                <a16:creationId xmlns:a16="http://schemas.microsoft.com/office/drawing/2014/main" id="{89F84EC3-3B8D-4B21-B3E1-2CDE3DD028D3}"/>
+              </a:ext>
+            </a:extLst>
+          </p:cNvPr>
+          <p:cNvCxnSpPr>
+            <a:cxnSpLocks/>
+            <a:endCxn id="59" idx="2"/>
+          </p:cNvCxnSpPr>
+          <p:nvPr/>
+        </p:nvCxnSpPr>
+        <p:spPr>
+          <a:xfrm flipH="1" flipV="1">
+            <a:off x="11208128" y="2594969"/>
+            <a:ext cx="8437" cy="523105"/>
+          </a:xfrm>
+          <a:prstGeom prst="straightConnector1">
+            <a:avLst/>
+          </a:prstGeom>
+          <a:ln w="25400">
+            <a:solidFill>
+              <a:schemeClr val="tx1"/>
+            </a:solidFill>
+            <a:tailEnd type="triangle"/>
+          </a:ln>
+        </p:spPr>
+        <p:style>
+          <a:lnRef idx="1">
+            <a:schemeClr val="accent1"/>
+          </a:lnRef>
+          <a:fillRef idx="0">
+            <a:schemeClr val="accent1"/>
+          </a:fillRef>
+          <a:effectRef idx="0">
+            <a:schemeClr val="accent1"/>
+          </a:effectRef>
+          <a:fontRef idx="minor">
+            <a:schemeClr val="tx1"/>
+          </a:fontRef>
+        </p:style>
+      </p:cxnSp>
     </p:spTree>
     <p:extLst>
       <p:ext uri="{BB962C8B-B14F-4D97-AF65-F5344CB8AC3E}">
-        <p14:creationId xmlns:p14="http://schemas.microsoft.com/office/powerpoint/2010/main" val="2226437326"/>
+        <p14:creationId xmlns:p14="http://schemas.microsoft.com/office/powerpoint/2010/main" val="859383647"/>
       </p:ext>
     </p:extLst>
   </p:cSld>
   <p:clrMapOvr>
     <a:masterClrMapping/>
   </p:clrMapOvr>
+  <p:timing>
+    <p:tnLst>
+      <p:par>
+        <p:cTn id="1" dur="indefinite" restart="never" nodeType="tmRoot">
+          <p:childTnLst>
+            <p:seq concurrent="1" nextAc="seek">
+              <p:cTn id="2" dur="indefinite" nodeType="mainSeq">
+                <p:childTnLst>
+                  <p:par>
+                    <p:cTn id="3" fill="hold">
+                      <p:stCondLst>
+                        <p:cond delay="indefinite"/>
+                      </p:stCondLst>
+                      <p:childTnLst>
+                        <p:par>
+                          <p:cTn id="4" fill="hold">
+                            <p:stCondLst>
+                              <p:cond delay="0"/>
+                            </p:stCondLst>
+                            <p:childTnLst>
+                              <p:par>
+                                <p:cTn id="5" presetID="10" presetClass="entr" presetSubtype="0" fill="hold" nodeType="clickEffect">
+                                  <p:stCondLst>
+                                    <p:cond delay="0"/>
+                                  </p:stCondLst>
+                                  <p:childTnLst>
+                                    <p:set>
+                                      <p:cBhvr>
+                                        <p:cTn id="6" dur="1" fill="hold">
+                                          <p:stCondLst>
+                                            <p:cond delay="0"/>
+                                          </p:stCondLst>
+                                        </p:cTn>
+                                        <p:tgtEl>
+                                          <p:spTgt spid="3">
+                                            <p:txEl>
+                                              <p:pRg st="0" end="0"/>
+                                            </p:txEl>
+                                          </p:spTgt>
+                                        </p:tgtEl>
+                                        <p:attrNameLst>
+                                          <p:attrName>style.visibility</p:attrName>
+                                        </p:attrNameLst>
+                                      </p:cBhvr>
+                                      <p:to>
+                                        <p:strVal val="visible"/>
+                                      </p:to>
+                                    </p:set>
+                                    <p:animEffect transition="in" filter="fade">
+                                      <p:cBhvr>
+                                        <p:cTn id="7" dur="500"/>
+                                        <p:tgtEl>
+                                          <p:spTgt spid="3">
+                                            <p:txEl>
+                                              <p:pRg st="0" end="0"/>
+                                            </p:txEl>
+                                          </p:spTgt>
+                                        </p:tgtEl>
+                                      </p:cBhvr>
+                                    </p:animEffect>
+                                  </p:childTnLst>
+                                </p:cTn>
+                              </p:par>
+                            </p:childTnLst>
+                          </p:cTn>
+                        </p:par>
+                      </p:childTnLst>
+                    </p:cTn>
+                  </p:par>
+                  <p:par>
+                    <p:cTn id="8" fill="hold">
+                      <p:stCondLst>
+                        <p:cond delay="indefinite"/>
+                      </p:stCondLst>
+                      <p:childTnLst>
+                        <p:par>
+                          <p:cTn id="9" fill="hold">
+                            <p:stCondLst>
+                              <p:cond delay="0"/>
+                            </p:stCondLst>
+                            <p:childTnLst>
+                              <p:par>
+                                <p:cTn id="10" presetID="10" presetClass="entr" presetSubtype="0" fill="hold" nodeType="clickEffect">
+                                  <p:stCondLst>
+                                    <p:cond delay="0"/>
+                                  </p:stCondLst>
+                                  <p:childTnLst>
+                                    <p:set>
+                                      <p:cBhvr>
+                                        <p:cTn id="11" dur="1" fill="hold">
+                                          <p:stCondLst>
+                                            <p:cond delay="0"/>
+                                          </p:stCondLst>
+                                        </p:cTn>
+                                        <p:tgtEl>
+                                          <p:spTgt spid="3">
+                                            <p:txEl>
+                                              <p:pRg st="1" end="1"/>
+                                            </p:txEl>
+                                          </p:spTgt>
+                                        </p:tgtEl>
+                                        <p:attrNameLst>
+                                          <p:attrName>style.visibility</p:attrName>
+                                        </p:attrNameLst>
+                                      </p:cBhvr>
+                                      <p:to>
+                                        <p:strVal val="visible"/>
+                                      </p:to>
+                                    </p:set>
+                                    <p:animEffect transition="in" filter="fade">
+                                      <p:cBhvr>
+                                        <p:cTn id="12" dur="500"/>
+                                        <p:tgtEl>
+                                          <p:spTgt spid="3">
+                                            <p:txEl>
+                                              <p:pRg st="1" end="1"/>
+                                            </p:txEl>
+                                          </p:spTgt>
+                                        </p:tgtEl>
+                                      </p:cBhvr>
+                                    </p:animEffect>
+                                  </p:childTnLst>
+                                </p:cTn>
+                              </p:par>
+                            </p:childTnLst>
+                          </p:cTn>
+                        </p:par>
+                      </p:childTnLst>
+                    </p:cTn>
+                  </p:par>
+                  <p:par>
+                    <p:cTn id="13" fill="hold">
+                      <p:stCondLst>
+                        <p:cond delay="indefinite"/>
+                      </p:stCondLst>
+                      <p:childTnLst>
+                        <p:par>
+                          <p:cTn id="14" fill="hold">
+                            <p:stCondLst>
+                              <p:cond delay="0"/>
+                            </p:stCondLst>
+                            <p:childTnLst>
+                              <p:par>
+                                <p:cTn id="15" presetID="10" presetClass="entr" presetSubtype="0" fill="hold" nodeType="clickEffect">
+                                  <p:stCondLst>
+                                    <p:cond delay="0"/>
+                                  </p:stCondLst>
+                                  <p:childTnLst>
+                                    <p:set>
+                                      <p:cBhvr>
+                                        <p:cTn id="16" dur="1" fill="hold">
+                                          <p:stCondLst>
+                                            <p:cond delay="0"/>
+                                          </p:stCondLst>
+                                        </p:cTn>
+                                        <p:tgtEl>
+                                          <p:spTgt spid="3">
+                                            <p:txEl>
+                                              <p:pRg st="2" end="2"/>
+                                            </p:txEl>
+                                          </p:spTgt>
+                                        </p:tgtEl>
+                                        <p:attrNameLst>
+                                          <p:attrName>style.visibility</p:attrName>
+                                        </p:attrNameLst>
+                                      </p:cBhvr>
+                                      <p:to>
+                                        <p:strVal val="visible"/>
+                                      </p:to>
+                                    </p:set>
+                                    <p:animEffect transition="in" filter="fade">
+                                      <p:cBhvr>
+                                        <p:cTn id="17" dur="500"/>
+                                        <p:tgtEl>
+                                          <p:spTgt spid="3">
+                                            <p:txEl>
+                                              <p:pRg st="2" end="2"/>
+                                            </p:txEl>
+                                          </p:spTgt>
+                                        </p:tgtEl>
+                                      </p:cBhvr>
+                                    </p:animEffect>
+                                  </p:childTnLst>
+                                </p:cTn>
+                              </p:par>
+                            </p:childTnLst>
+                          </p:cTn>
+                        </p:par>
+                      </p:childTnLst>
+                    </p:cTn>
+                  </p:par>
+                  <p:par>
+                    <p:cTn id="18" fill="hold">
+                      <p:stCondLst>
+                        <p:cond delay="indefinite"/>
+                      </p:stCondLst>
+                      <p:childTnLst>
+                        <p:par>
+                          <p:cTn id="19" fill="hold">
+                            <p:stCondLst>
+                              <p:cond delay="0"/>
+                            </p:stCondLst>
+                            <p:childTnLst>
+                              <p:par>
+                                <p:cTn id="20" presetID="10" presetClass="entr" presetSubtype="0" fill="hold" nodeType="clickEffect">
+                                  <p:stCondLst>
+                                    <p:cond delay="0"/>
+                                  </p:stCondLst>
+                                  <p:childTnLst>
+                                    <p:set>
+                                      <p:cBhvr>
+                                        <p:cTn id="21" dur="1" fill="hold">
+                                          <p:stCondLst>
+                                            <p:cond delay="0"/>
+                                          </p:stCondLst>
+                                        </p:cTn>
+                                        <p:tgtEl>
+                                          <p:spTgt spid="3">
+                                            <p:txEl>
+                                              <p:pRg st="3" end="3"/>
+                                            </p:txEl>
+                                          </p:spTgt>
+                                        </p:tgtEl>
+                                        <p:attrNameLst>
+                                          <p:attrName>style.visibility</p:attrName>
+                                        </p:attrNameLst>
+                                      </p:cBhvr>
+                                      <p:to>
+                                        <p:strVal val="visible"/>
+                                      </p:to>
+                                    </p:set>
+                                    <p:animEffect transition="in" filter="fade">
+                                      <p:cBhvr>
+                                        <p:cTn id="22" dur="500"/>
+                                        <p:tgtEl>
+                                          <p:spTgt spid="3">
+                                            <p:txEl>
+                                              <p:pRg st="3" end="3"/>
+                                            </p:txEl>
+                                          </p:spTgt>
+                                        </p:tgtEl>
+                                      </p:cBhvr>
+                                    </p:animEffect>
+                                  </p:childTnLst>
+                                </p:cTn>
+                              </p:par>
+                            </p:childTnLst>
+                          </p:cTn>
+                        </p:par>
+                      </p:childTnLst>
+                    </p:cTn>
+                  </p:par>
+                </p:childTnLst>
+              </p:cTn>
+              <p:prevCondLst>
+                <p:cond evt="onPrev" delay="0">
+                  <p:tgtEl>
+                    <p:sldTgt/>
+                  </p:tgtEl>
+                </p:cond>
+              </p:prevCondLst>
+              <p:nextCondLst>
+                <p:cond evt="onNext" delay="0">
+                  <p:tgtEl>
+                    <p:sldTgt/>
+                  </p:tgtEl>
+                </p:cond>
+              </p:nextCondLst>
+            </p:seq>
+          </p:childTnLst>
+        </p:cTn>
+      </p:par>
+    </p:tnLst>
+  </p:timing>
 </p:sld>
 </file>
 
@@ -26336,7 +30842,7 @@
     <p:bg>
       <p:bgPr>
         <a:blipFill dpi="0" rotWithShape="1">
-          <a:blip r:embed="rId2">
+          <a:blip r:embed="rId3">
             <a:lum/>
           </a:blip>
           <a:srcRect/>
@@ -26363,52 +30869,10 @@
       </p:grpSpPr>
       <p:sp>
         <p:nvSpPr>
-          <p:cNvPr id="3" name="Content Placeholder 2">
-            <a:extLst>
-              <a:ext uri="{FF2B5EF4-FFF2-40B4-BE49-F238E27FC236}">
-                <a16:creationId xmlns:a16="http://schemas.microsoft.com/office/drawing/2014/main" id="{891C7693-D3DF-4635-96F4-97F3B4136FDF}"/>
-              </a:ext>
-            </a:extLst>
-          </p:cNvPr>
-          <p:cNvSpPr>
-            <a:spLocks noGrp="1"/>
-          </p:cNvSpPr>
-          <p:nvPr>
-            <p:ph idx="1"/>
-          </p:nvPr>
-        </p:nvSpPr>
-        <p:spPr/>
-        <p:txBody>
-          <a:bodyPr/>
-          <a:lstStyle/>
-          <a:p>
-            <a:r>
-              <a:rPr lang="en-US" dirty="0">
-                <a:latin typeface="Euclid Circular B" panose="020B0504000000000000" pitchFamily="34" charset="0"/>
-                <a:ea typeface="Euclid Circular B" panose="020B0504000000000000" pitchFamily="34" charset="0"/>
-              </a:rPr>
-              <a:t>TODO</a:t>
-            </a:r>
-            <a:r>
-              <a:rPr lang="en-US">
-                <a:latin typeface="Euclid Circular B" panose="020B0504000000000000" pitchFamily="34" charset="0"/>
-                <a:ea typeface="Euclid Circular B" panose="020B0504000000000000" pitchFamily="34" charset="0"/>
-              </a:rPr>
-              <a:t>: ...</a:t>
-            </a:r>
-            <a:endParaRPr lang="en-US" dirty="0">
-              <a:latin typeface="Euclid Circular B" panose="020B0504000000000000" pitchFamily="34" charset="0"/>
-              <a:ea typeface="Euclid Circular B" panose="020B0504000000000000" pitchFamily="34" charset="0"/>
-            </a:endParaRPr>
-          </a:p>
-        </p:txBody>
-      </p:sp>
-      <p:sp>
-        <p:nvSpPr>
-          <p:cNvPr id="6" name="Title 1">
-            <a:extLst>
-              <a:ext uri="{FF2B5EF4-FFF2-40B4-BE49-F238E27FC236}">
-                <a16:creationId xmlns:a16="http://schemas.microsoft.com/office/drawing/2014/main" id="{331D04E0-6416-4CBE-AD16-B2D9C4FE44C3}"/>
+          <p:cNvPr id="10" name="Title 1">
+            <a:extLst>
+              <a:ext uri="{FF2B5EF4-FFF2-40B4-BE49-F238E27FC236}">
+                <a16:creationId xmlns:a16="http://schemas.microsoft.com/office/drawing/2014/main" id="{C7016DD3-18BE-4C58-B00E-2170321E2F73}"/>
               </a:ext>
             </a:extLst>
           </p:cNvPr>
@@ -26439,7 +30903,7 @@
                 <a:latin typeface="Euclid Circular B" panose="020B0504000000000000" pitchFamily="34" charset="0"/>
                 <a:ea typeface="Euclid Circular B" panose="020B0504000000000000" pitchFamily="34" charset="0"/>
               </a:rPr>
-              <a:t>The need for layering</a:t>
+              <a:t>Designing the database</a:t>
             </a:r>
             <a:br>
               <a:rPr lang="en-US" b="1" dirty="0">
@@ -26458,7 +30922,27 @@
                 <a:latin typeface="Euclid Circular B" panose="020B0504000000000000" pitchFamily="34" charset="0"/>
                 <a:ea typeface="Euclid Circular B" panose="020B0504000000000000" pitchFamily="34" charset="0"/>
               </a:rPr>
-              <a:t>ABP’s layered module solution structure</a:t>
+              <a:t>Module specific </a:t>
+            </a:r>
+            <a:r>
+              <a:rPr lang="en-US" sz="3200" b="1" i="1" dirty="0" err="1">
+                <a:solidFill>
+                  <a:srgbClr val="292D33"/>
+                </a:solidFill>
+                <a:latin typeface="Euclid Circular B" panose="020B0504000000000000" pitchFamily="34" charset="0"/>
+                <a:ea typeface="Euclid Circular B" panose="020B0504000000000000" pitchFamily="34" charset="0"/>
+              </a:rPr>
+              <a:t>DbContext</a:t>
+            </a:r>
+            <a:r>
+              <a:rPr lang="en-US" sz="3200" b="1" i="1" dirty="0">
+                <a:solidFill>
+                  <a:srgbClr val="292D33"/>
+                </a:solidFill>
+                <a:latin typeface="Euclid Circular B" panose="020B0504000000000000" pitchFamily="34" charset="0"/>
+                <a:ea typeface="Euclid Circular B" panose="020B0504000000000000" pitchFamily="34" charset="0"/>
+              </a:rPr>
+              <a:t> classes</a:t>
             </a:r>
             <a:endParaRPr lang="en-US" b="1" dirty="0">
               <a:solidFill>
@@ -26470,10 +30954,73 @@
           </a:p>
         </p:txBody>
       </p:sp>
+      <p:graphicFrame>
+        <p:nvGraphicFramePr>
+          <p:cNvPr id="13" name="Object 12">
+            <a:extLst>
+              <a:ext uri="{FF2B5EF4-FFF2-40B4-BE49-F238E27FC236}">
+                <a16:creationId xmlns:a16="http://schemas.microsoft.com/office/drawing/2014/main" id="{CCCB8943-75A6-4EC0-A721-2BEA9F4068EE}"/>
+              </a:ext>
+            </a:extLst>
+          </p:cNvPr>
+          <p:cNvGraphicFramePr>
+            <a:graphicFrameLocks noChangeAspect="1"/>
+          </p:cNvGraphicFramePr>
+          <p:nvPr>
+            <p:extLst>
+              <p:ext uri="{D42A27DB-BD31-4B8C-83A1-F6EECF244321}">
+                <p14:modId xmlns:p14="http://schemas.microsoft.com/office/powerpoint/2010/main" val="2196063435"/>
+              </p:ext>
+            </p:extLst>
+          </p:nvPr>
+        </p:nvGraphicFramePr>
+        <p:xfrm>
+          <a:off x="838200" y="1690688"/>
+          <a:ext cx="8801100" cy="2933700"/>
+        </p:xfrm>
+        <a:graphic>
+          <a:graphicData uri="http://schemas.openxmlformats.org/presentationml/2006/ole">
+            <mc:AlternateContent xmlns:mc="http://schemas.openxmlformats.org/markup-compatibility/2006">
+              <mc:Choice xmlns:v="urn:schemas-microsoft-com:vml" Requires="v">
+                <p:oleObj spid="_x0000_s4108" name="Bitmap Image" r:id="rId4" imgW="8801280" imgH="2933640" progId="Paint.Picture">
+                  <p:embed/>
+                </p:oleObj>
+              </mc:Choice>
+              <mc:Fallback>
+                <p:oleObj name="Bitmap Image" r:id="rId4" imgW="8801280" imgH="2933640" progId="Paint.Picture">
+                  <p:embed/>
+                  <p:pic>
+                    <p:nvPicPr>
+                      <p:cNvPr id="0" name=""/>
+                      <p:cNvPicPr/>
+                      <p:nvPr/>
+                    </p:nvPicPr>
+                    <p:blipFill>
+                      <a:blip r:embed="rId5"/>
+                      <a:stretch>
+                        <a:fillRect/>
+                      </a:stretch>
+                    </p:blipFill>
+                    <p:spPr>
+                      <a:xfrm>
+                        <a:off x="838200" y="1690688"/>
+                        <a:ext cx="8801100" cy="2933700"/>
+                      </a:xfrm>
+                      <a:prstGeom prst="rect">
+                        <a:avLst/>
+                      </a:prstGeom>
+                    </p:spPr>
+                  </p:pic>
+                </p:oleObj>
+              </mc:Fallback>
+            </mc:AlternateContent>
+          </a:graphicData>
+        </a:graphic>
+      </p:graphicFrame>
     </p:spTree>
     <p:extLst>
       <p:ext uri="{BB962C8B-B14F-4D97-AF65-F5344CB8AC3E}">
-        <p14:creationId xmlns:p14="http://schemas.microsoft.com/office/powerpoint/2010/main" val="612289848"/>
+        <p14:creationId xmlns:p14="http://schemas.microsoft.com/office/powerpoint/2010/main" val="2226437326"/>
       </p:ext>
     </p:extLst>
   </p:cSld>
@@ -26489,7 +31036,7 @@
     <p:bg>
       <p:bgPr>
         <a:blipFill dpi="0" rotWithShape="1">
-          <a:blip r:embed="rId2">
+          <a:blip r:embed="rId3">
             <a:lum/>
           </a:blip>
           <a:srcRect/>
@@ -26516,48 +31063,6 @@
       </p:grpSpPr>
       <p:sp>
         <p:nvSpPr>
-          <p:cNvPr id="3" name="Content Placeholder 2">
-            <a:extLst>
-              <a:ext uri="{FF2B5EF4-FFF2-40B4-BE49-F238E27FC236}">
-                <a16:creationId xmlns:a16="http://schemas.microsoft.com/office/drawing/2014/main" id="{891C7693-D3DF-4635-96F4-97F3B4136FDF}"/>
-              </a:ext>
-            </a:extLst>
-          </p:cNvPr>
-          <p:cNvSpPr>
-            <a:spLocks noGrp="1"/>
-          </p:cNvSpPr>
-          <p:nvPr>
-            <p:ph idx="1"/>
-          </p:nvPr>
-        </p:nvSpPr>
-        <p:spPr/>
-        <p:txBody>
-          <a:bodyPr/>
-          <a:lstStyle/>
-          <a:p>
-            <a:r>
-              <a:rPr lang="en-US" dirty="0">
-                <a:latin typeface="Euclid Circular B" panose="020B0504000000000000" pitchFamily="34" charset="0"/>
-                <a:ea typeface="Euclid Circular B" panose="020B0504000000000000" pitchFamily="34" charset="0"/>
-              </a:rPr>
-              <a:t>TODO</a:t>
-            </a:r>
-            <a:r>
-              <a:rPr lang="en-US">
-                <a:latin typeface="Euclid Circular B" panose="020B0504000000000000" pitchFamily="34" charset="0"/>
-                <a:ea typeface="Euclid Circular B" panose="020B0504000000000000" pitchFamily="34" charset="0"/>
-              </a:rPr>
-              <a:t>: ...</a:t>
-            </a:r>
-            <a:endParaRPr lang="en-US" dirty="0">
-              <a:latin typeface="Euclid Circular B" panose="020B0504000000000000" pitchFamily="34" charset="0"/>
-              <a:ea typeface="Euclid Circular B" panose="020B0504000000000000" pitchFamily="34" charset="0"/>
-            </a:endParaRPr>
-          </a:p>
-        </p:txBody>
-      </p:sp>
-      <p:sp>
-        <p:nvSpPr>
           <p:cNvPr id="6" name="Title 1">
             <a:extLst>
               <a:ext uri="{FF2B5EF4-FFF2-40B4-BE49-F238E27FC236}">
@@ -26592,7 +31097,7 @@
                 <a:latin typeface="Euclid Circular B" panose="020B0504000000000000" pitchFamily="34" charset="0"/>
                 <a:ea typeface="Euclid Circular B" panose="020B0504000000000000" pitchFamily="34" charset="0"/>
               </a:rPr>
-              <a:t>The need for layering</a:t>
+              <a:t>Designing the database</a:t>
             </a:r>
             <a:br>
               <a:rPr lang="en-US" b="1" dirty="0">
@@ -26611,7 +31116,27 @@
                 <a:latin typeface="Euclid Circular B" panose="020B0504000000000000" pitchFamily="34" charset="0"/>
                 <a:ea typeface="Euclid Circular B" panose="020B0504000000000000" pitchFamily="34" charset="0"/>
               </a:rPr>
-              <a:t>ABP’s layered module solution structure</a:t>
+              <a:t>Unified </a:t>
+            </a:r>
+            <a:r>
+              <a:rPr lang="en-US" sz="3200" b="1" i="1" dirty="0" err="1">
+                <a:solidFill>
+                  <a:srgbClr val="292D33"/>
+                </a:solidFill>
+                <a:latin typeface="Euclid Circular B" panose="020B0504000000000000" pitchFamily="34" charset="0"/>
+                <a:ea typeface="Euclid Circular B" panose="020B0504000000000000" pitchFamily="34" charset="0"/>
+              </a:rPr>
+              <a:t>DbContext</a:t>
+            </a:r>
+            <a:r>
+              <a:rPr lang="en-US" sz="3200" b="1" i="1" dirty="0">
+                <a:solidFill>
+                  <a:srgbClr val="292D33"/>
+                </a:solidFill>
+                <a:latin typeface="Euclid Circular B" panose="020B0504000000000000" pitchFamily="34" charset="0"/>
+                <a:ea typeface="Euclid Circular B" panose="020B0504000000000000" pitchFamily="34" charset="0"/>
+              </a:rPr>
+              <a:t> for database migrations</a:t>
             </a:r>
             <a:endParaRPr lang="en-US" b="1" dirty="0">
               <a:solidFill>
@@ -26623,10 +31148,73 @@
           </a:p>
         </p:txBody>
       </p:sp>
+      <p:graphicFrame>
+        <p:nvGraphicFramePr>
+          <p:cNvPr id="14" name="Object 13">
+            <a:extLst>
+              <a:ext uri="{FF2B5EF4-FFF2-40B4-BE49-F238E27FC236}">
+                <a16:creationId xmlns:a16="http://schemas.microsoft.com/office/drawing/2014/main" id="{5282F496-B9C9-42A7-B49C-CA768B55173D}"/>
+              </a:ext>
+            </a:extLst>
+          </p:cNvPr>
+          <p:cNvGraphicFramePr>
+            <a:graphicFrameLocks noChangeAspect="1"/>
+          </p:cNvGraphicFramePr>
+          <p:nvPr>
+            <p:extLst>
+              <p:ext uri="{D42A27DB-BD31-4B8C-83A1-F6EECF244321}">
+                <p14:modId xmlns:p14="http://schemas.microsoft.com/office/powerpoint/2010/main" val="492787159"/>
+              </p:ext>
+            </p:extLst>
+          </p:nvPr>
+        </p:nvGraphicFramePr>
+        <p:xfrm>
+          <a:off x="838200" y="1690688"/>
+          <a:ext cx="8743950" cy="3752850"/>
+        </p:xfrm>
+        <a:graphic>
+          <a:graphicData uri="http://schemas.openxmlformats.org/presentationml/2006/ole">
+            <mc:AlternateContent xmlns:mc="http://schemas.openxmlformats.org/markup-compatibility/2006">
+              <mc:Choice xmlns:v="urn:schemas-microsoft-com:vml" Requires="v">
+                <p:oleObj spid="_x0000_s5132" name="Bitmap Image" r:id="rId4" imgW="8744040" imgH="3753000" progId="Paint.Picture">
+                  <p:embed/>
+                </p:oleObj>
+              </mc:Choice>
+              <mc:Fallback>
+                <p:oleObj name="Bitmap Image" r:id="rId4" imgW="8744040" imgH="3753000" progId="Paint.Picture">
+                  <p:embed/>
+                  <p:pic>
+                    <p:nvPicPr>
+                      <p:cNvPr id="0" name=""/>
+                      <p:cNvPicPr/>
+                      <p:nvPr/>
+                    </p:nvPicPr>
+                    <p:blipFill>
+                      <a:blip r:embed="rId5"/>
+                      <a:stretch>
+                        <a:fillRect/>
+                      </a:stretch>
+                    </p:blipFill>
+                    <p:spPr>
+                      <a:xfrm>
+                        <a:off x="838200" y="1690688"/>
+                        <a:ext cx="8743950" cy="3752850"/>
+                      </a:xfrm>
+                      <a:prstGeom prst="rect">
+                        <a:avLst/>
+                      </a:prstGeom>
+                    </p:spPr>
+                  </p:pic>
+                </p:oleObj>
+              </mc:Fallback>
+            </mc:AlternateContent>
+          </a:graphicData>
+        </a:graphic>
+      </p:graphicFrame>
     </p:spTree>
     <p:extLst>
       <p:ext uri="{BB962C8B-B14F-4D97-AF65-F5344CB8AC3E}">
-        <p14:creationId xmlns:p14="http://schemas.microsoft.com/office/powerpoint/2010/main" val="283018696"/>
+        <p14:creationId xmlns:p14="http://schemas.microsoft.com/office/powerpoint/2010/main" val="557972133"/>
       </p:ext>
     </p:extLst>
   </p:cSld>
@@ -26669,48 +31257,6 @@
       </p:grpSpPr>
       <p:sp>
         <p:nvSpPr>
-          <p:cNvPr id="3" name="Content Placeholder 2">
-            <a:extLst>
-              <a:ext uri="{FF2B5EF4-FFF2-40B4-BE49-F238E27FC236}">
-                <a16:creationId xmlns:a16="http://schemas.microsoft.com/office/drawing/2014/main" id="{891C7693-D3DF-4635-96F4-97F3B4136FDF}"/>
-              </a:ext>
-            </a:extLst>
-          </p:cNvPr>
-          <p:cNvSpPr>
-            <a:spLocks noGrp="1"/>
-          </p:cNvSpPr>
-          <p:nvPr>
-            <p:ph idx="1"/>
-          </p:nvPr>
-        </p:nvSpPr>
-        <p:spPr/>
-        <p:txBody>
-          <a:bodyPr/>
-          <a:lstStyle/>
-          <a:p>
-            <a:r>
-              <a:rPr lang="en-US" dirty="0">
-                <a:latin typeface="Euclid Circular B" panose="020B0504000000000000" pitchFamily="34" charset="0"/>
-                <a:ea typeface="Euclid Circular B" panose="020B0504000000000000" pitchFamily="34" charset="0"/>
-              </a:rPr>
-              <a:t>TODO</a:t>
-            </a:r>
-            <a:r>
-              <a:rPr lang="en-US">
-                <a:latin typeface="Euclid Circular B" panose="020B0504000000000000" pitchFamily="34" charset="0"/>
-                <a:ea typeface="Euclid Circular B" panose="020B0504000000000000" pitchFamily="34" charset="0"/>
-              </a:rPr>
-              <a:t>: ...</a:t>
-            </a:r>
-            <a:endParaRPr lang="en-US" dirty="0">
-              <a:latin typeface="Euclid Circular B" panose="020B0504000000000000" pitchFamily="34" charset="0"/>
-              <a:ea typeface="Euclid Circular B" panose="020B0504000000000000" pitchFamily="34" charset="0"/>
-            </a:endParaRPr>
-          </a:p>
-        </p:txBody>
-      </p:sp>
-      <p:sp>
-        <p:nvSpPr>
           <p:cNvPr id="6" name="Title 1">
             <a:extLst>
               <a:ext uri="{FF2B5EF4-FFF2-40B4-BE49-F238E27FC236}">
@@ -26745,7 +31291,7 @@
                 <a:latin typeface="Euclid Circular B" panose="020B0504000000000000" pitchFamily="34" charset="0"/>
                 <a:ea typeface="Euclid Circular B" panose="020B0504000000000000" pitchFamily="34" charset="0"/>
               </a:rPr>
-              <a:t>The need for layering</a:t>
+              <a:t>Designing the database</a:t>
             </a:r>
             <a:br>
               <a:rPr lang="en-US" b="1" dirty="0">
@@ -26757,6 +31303,16 @@
               </a:rPr>
             </a:br>
             <a:r>
+              <a:rPr lang="en-US" sz="3200" b="1" i="1" dirty="0" err="1">
+                <a:solidFill>
+                  <a:srgbClr val="292D33"/>
+                </a:solidFill>
+                <a:latin typeface="Euclid Circular B" panose="020B0504000000000000" pitchFamily="34" charset="0"/>
+                <a:ea typeface="Euclid Circular B" panose="020B0504000000000000" pitchFamily="34" charset="0"/>
+              </a:rPr>
+              <a:t>Database</a:t>
+            </a:r>
+            <a:r>
               <a:rPr lang="en-US" sz="3200" b="1" i="1" dirty="0">
                 <a:solidFill>
                   <a:srgbClr val="292D33"/>
@@ -26764,7 +31320,7 @@
                 <a:latin typeface="Euclid Circular B" panose="020B0504000000000000" pitchFamily="34" charset="0"/>
                 <a:ea typeface="Euclid Circular B" panose="020B0504000000000000" pitchFamily="34" charset="0"/>
               </a:rPr>
-              <a:t>ABP’s layered module solution structure</a:t>
+              <a:t> connection string management</a:t>
             </a:r>
             <a:endParaRPr lang="en-US" b="1" dirty="0">
               <a:solidFill>
@@ -26776,16 +31332,341 @@
           </a:p>
         </p:txBody>
       </p:sp>
+      <p:pic>
+        <p:nvPicPr>
+          <p:cNvPr id="3" name="Picture 2">
+            <a:extLst>
+              <a:ext uri="{FF2B5EF4-FFF2-40B4-BE49-F238E27FC236}">
+                <a16:creationId xmlns:a16="http://schemas.microsoft.com/office/drawing/2014/main" id="{EA491E7B-9FE1-4D2D-A95B-145180A9A091}"/>
+              </a:ext>
+            </a:extLst>
+          </p:cNvPr>
+          <p:cNvPicPr>
+            <a:picLocks noChangeAspect="1"/>
+          </p:cNvPicPr>
+          <p:nvPr/>
+        </p:nvPicPr>
+        <p:blipFill>
+          <a:blip r:embed="rId3"/>
+          <a:stretch>
+            <a:fillRect/>
+          </a:stretch>
+        </p:blipFill>
+        <p:spPr>
+          <a:xfrm>
+            <a:off x="838200" y="1690688"/>
+            <a:ext cx="10956897" cy="852932"/>
+          </a:xfrm>
+          <a:prstGeom prst="rect">
+            <a:avLst/>
+          </a:prstGeom>
+        </p:spPr>
+      </p:pic>
+      <p:pic>
+        <p:nvPicPr>
+          <p:cNvPr id="5" name="Picture 4">
+            <a:extLst>
+              <a:ext uri="{FF2B5EF4-FFF2-40B4-BE49-F238E27FC236}">
+                <a16:creationId xmlns:a16="http://schemas.microsoft.com/office/drawing/2014/main" id="{087F2816-9819-42AE-88BE-098809178BD0}"/>
+              </a:ext>
+            </a:extLst>
+          </p:cNvPr>
+          <p:cNvPicPr>
+            <a:picLocks noChangeAspect="1"/>
+          </p:cNvPicPr>
+          <p:nvPr/>
+        </p:nvPicPr>
+        <p:blipFill>
+          <a:blip r:embed="rId4"/>
+          <a:stretch>
+            <a:fillRect/>
+          </a:stretch>
+        </p:blipFill>
+        <p:spPr>
+          <a:xfrm>
+            <a:off x="838199" y="2921166"/>
+            <a:ext cx="10956898" cy="1015667"/>
+          </a:xfrm>
+          <a:prstGeom prst="rect">
+            <a:avLst/>
+          </a:prstGeom>
+        </p:spPr>
+      </p:pic>
+      <p:sp>
+        <p:nvSpPr>
+          <p:cNvPr id="7" name="TextBox 6">
+            <a:extLst>
+              <a:ext uri="{FF2B5EF4-FFF2-40B4-BE49-F238E27FC236}">
+                <a16:creationId xmlns:a16="http://schemas.microsoft.com/office/drawing/2014/main" id="{EC46CFB5-074E-46FC-BB75-11B7949350E7}"/>
+              </a:ext>
+            </a:extLst>
+          </p:cNvPr>
+          <p:cNvSpPr txBox="1"/>
+          <p:nvPr/>
+        </p:nvSpPr>
+        <p:spPr>
+          <a:xfrm>
+            <a:off x="838199" y="4314379"/>
+            <a:ext cx="10956898" cy="1569660"/>
+          </a:xfrm>
+          <a:prstGeom prst="rect">
+            <a:avLst/>
+          </a:prstGeom>
+          <a:noFill/>
+        </p:spPr>
+        <p:txBody>
+          <a:bodyPr wrap="square" rtlCol="0">
+            <a:spAutoFit/>
+          </a:bodyPr>
+          <a:lstStyle/>
+          <a:p>
+            <a:r>
+              <a:rPr lang="en-US" sz="2400" b="1" u="sng" dirty="0"/>
+              <a:t>TODO</a:t>
+            </a:r>
+            <a:r>
+              <a:rPr lang="en-US" sz="2400" dirty="0"/>
+              <a:t>:</a:t>
+            </a:r>
+          </a:p>
+          <a:p>
+            <a:pPr marL="285750" indent="-285750">
+              <a:buFont typeface="Arial" panose="020B0604020202020204" pitchFamily="34" charset="0"/>
+              <a:buChar char="•"/>
+            </a:pPr>
+            <a:r>
+              <a:rPr lang="en-US" sz="2400" dirty="0" err="1"/>
+              <a:t>DbContext</a:t>
+            </a:r>
+            <a:r>
+              <a:rPr lang="en-US" sz="2400" dirty="0"/>
+              <a:t> selection</a:t>
+            </a:r>
+          </a:p>
+          <a:p>
+            <a:pPr marL="285750" indent="-285750">
+              <a:buFont typeface="Arial" panose="020B0604020202020204" pitchFamily="34" charset="0"/>
+              <a:buChar char="•"/>
+            </a:pPr>
+            <a:r>
+              <a:rPr lang="en-US" sz="2400" dirty="0"/>
+              <a:t>Connection string selection</a:t>
+            </a:r>
+          </a:p>
+          <a:p>
+            <a:pPr marL="285750" indent="-285750">
+              <a:buFont typeface="Arial" panose="020B0604020202020204" pitchFamily="34" charset="0"/>
+              <a:buChar char="•"/>
+            </a:pPr>
+            <a:r>
+              <a:rPr lang="en-US" sz="2400" dirty="0"/>
+              <a:t>Managing database connections and transactions</a:t>
+            </a:r>
+          </a:p>
+        </p:txBody>
+      </p:sp>
     </p:spTree>
     <p:extLst>
       <p:ext uri="{BB962C8B-B14F-4D97-AF65-F5344CB8AC3E}">
-        <p14:creationId xmlns:p14="http://schemas.microsoft.com/office/powerpoint/2010/main" val="827243710"/>
+        <p14:creationId xmlns:p14="http://schemas.microsoft.com/office/powerpoint/2010/main" val="4083156769"/>
       </p:ext>
     </p:extLst>
   </p:cSld>
   <p:clrMapOvr>
     <a:masterClrMapping/>
   </p:clrMapOvr>
+  <p:timing>
+    <p:tnLst>
+      <p:par>
+        <p:cTn id="1" dur="indefinite" restart="never" nodeType="tmRoot">
+          <p:childTnLst>
+            <p:seq concurrent="1" nextAc="seek">
+              <p:cTn id="2" dur="indefinite" nodeType="mainSeq">
+                <p:childTnLst>
+                  <p:par>
+                    <p:cTn id="3" fill="hold">
+                      <p:stCondLst>
+                        <p:cond delay="indefinite"/>
+                      </p:stCondLst>
+                      <p:childTnLst>
+                        <p:par>
+                          <p:cTn id="4" fill="hold">
+                            <p:stCondLst>
+                              <p:cond delay="0"/>
+                            </p:stCondLst>
+                            <p:childTnLst>
+                              <p:par>
+                                <p:cTn id="5" presetID="10" presetClass="entr" presetSubtype="0" fill="hold" nodeType="clickEffect">
+                                  <p:stCondLst>
+                                    <p:cond delay="0"/>
+                                  </p:stCondLst>
+                                  <p:childTnLst>
+                                    <p:set>
+                                      <p:cBhvr>
+                                        <p:cTn id="6" dur="1" fill="hold">
+                                          <p:stCondLst>
+                                            <p:cond delay="0"/>
+                                          </p:stCondLst>
+                                        </p:cTn>
+                                        <p:tgtEl>
+                                          <p:spTgt spid="3"/>
+                                        </p:tgtEl>
+                                        <p:attrNameLst>
+                                          <p:attrName>style.visibility</p:attrName>
+                                        </p:attrNameLst>
+                                      </p:cBhvr>
+                                      <p:to>
+                                        <p:strVal val="visible"/>
+                                      </p:to>
+                                    </p:set>
+                                    <p:animEffect transition="in" filter="fade">
+                                      <p:cBhvr>
+                                        <p:cTn id="7" dur="500"/>
+                                        <p:tgtEl>
+                                          <p:spTgt spid="3"/>
+                                        </p:tgtEl>
+                                      </p:cBhvr>
+                                    </p:animEffect>
+                                  </p:childTnLst>
+                                </p:cTn>
+                              </p:par>
+                            </p:childTnLst>
+                          </p:cTn>
+                        </p:par>
+                      </p:childTnLst>
+                    </p:cTn>
+                  </p:par>
+                  <p:par>
+                    <p:cTn id="8" fill="hold">
+                      <p:stCondLst>
+                        <p:cond delay="indefinite"/>
+                      </p:stCondLst>
+                      <p:childTnLst>
+                        <p:par>
+                          <p:cTn id="9" fill="hold">
+                            <p:stCondLst>
+                              <p:cond delay="0"/>
+                            </p:stCondLst>
+                            <p:childTnLst>
+                              <p:par>
+                                <p:cTn id="10" presetID="10" presetClass="entr" presetSubtype="0" fill="hold" nodeType="clickEffect">
+                                  <p:stCondLst>
+                                    <p:cond delay="0"/>
+                                  </p:stCondLst>
+                                  <p:childTnLst>
+                                    <p:set>
+                                      <p:cBhvr>
+                                        <p:cTn id="11" dur="1" fill="hold">
+                                          <p:stCondLst>
+                                            <p:cond delay="0"/>
+                                          </p:stCondLst>
+                                        </p:cTn>
+                                        <p:tgtEl>
+                                          <p:spTgt spid="5"/>
+                                        </p:tgtEl>
+                                        <p:attrNameLst>
+                                          <p:attrName>style.visibility</p:attrName>
+                                        </p:attrNameLst>
+                                      </p:cBhvr>
+                                      <p:to>
+                                        <p:strVal val="visible"/>
+                                      </p:to>
+                                    </p:set>
+                                    <p:animEffect transition="in" filter="fade">
+                                      <p:cBhvr>
+                                        <p:cTn id="12" dur="500"/>
+                                        <p:tgtEl>
+                                          <p:spTgt spid="5"/>
+                                        </p:tgtEl>
+                                      </p:cBhvr>
+                                    </p:animEffect>
+                                  </p:childTnLst>
+                                </p:cTn>
+                              </p:par>
+                            </p:childTnLst>
+                          </p:cTn>
+                        </p:par>
+                      </p:childTnLst>
+                    </p:cTn>
+                  </p:par>
+                  <p:par>
+                    <p:cTn id="13" fill="hold">
+                      <p:stCondLst>
+                        <p:cond delay="indefinite"/>
+                      </p:stCondLst>
+                      <p:childTnLst>
+                        <p:par>
+                          <p:cTn id="14" fill="hold">
+                            <p:stCondLst>
+                              <p:cond delay="0"/>
+                            </p:stCondLst>
+                            <p:childTnLst>
+                              <p:par>
+                                <p:cTn id="15" presetID="10" presetClass="entr" presetSubtype="0" fill="hold" grpId="0" nodeType="clickEffect">
+                                  <p:stCondLst>
+                                    <p:cond delay="0"/>
+                                  </p:stCondLst>
+                                  <p:childTnLst>
+                                    <p:set>
+                                      <p:cBhvr>
+                                        <p:cTn id="16" dur="1" fill="hold">
+                                          <p:stCondLst>
+                                            <p:cond delay="0"/>
+                                          </p:stCondLst>
+                                        </p:cTn>
+                                        <p:tgtEl>
+                                          <p:spTgt spid="7"/>
+                                        </p:tgtEl>
+                                        <p:attrNameLst>
+                                          <p:attrName>style.visibility</p:attrName>
+                                        </p:attrNameLst>
+                                      </p:cBhvr>
+                                      <p:to>
+                                        <p:strVal val="visible"/>
+                                      </p:to>
+                                    </p:set>
+                                    <p:animEffect transition="in" filter="fade">
+                                      <p:cBhvr>
+                                        <p:cTn id="17" dur="500"/>
+                                        <p:tgtEl>
+                                          <p:spTgt spid="7"/>
+                                        </p:tgtEl>
+                                      </p:cBhvr>
+                                    </p:animEffect>
+                                  </p:childTnLst>
+                                </p:cTn>
+                              </p:par>
+                            </p:childTnLst>
+                          </p:cTn>
+                        </p:par>
+                      </p:childTnLst>
+                    </p:cTn>
+                  </p:par>
+                </p:childTnLst>
+              </p:cTn>
+              <p:prevCondLst>
+                <p:cond evt="onPrev" delay="0">
+                  <p:tgtEl>
+                    <p:sldTgt/>
+                  </p:tgtEl>
+                </p:cond>
+              </p:prevCondLst>
+              <p:nextCondLst>
+                <p:cond evt="onNext" delay="0">
+                  <p:tgtEl>
+                    <p:sldTgt/>
+                  </p:tgtEl>
+                </p:cond>
+              </p:nextCondLst>
+            </p:seq>
+          </p:childTnLst>
+        </p:cTn>
+      </p:par>
+    </p:tnLst>
+    <p:bldLst>
+      <p:bldP spid="7" grpId="0"/>
+    </p:bldLst>
+  </p:timing>
 </p:sld>
 </file>
 
@@ -26846,28 +31727,155 @@
                 <a:latin typeface="Euclid Circular B" panose="020B0504000000000000" pitchFamily="34" charset="0"/>
                 <a:ea typeface="Euclid Circular B" panose="020B0504000000000000" pitchFamily="34" charset="0"/>
               </a:rPr>
-              <a:t>TODO</a:t>
-            </a:r>
-            <a:r>
-              <a:rPr lang="en-US">
+              <a:t>Do not </a:t>
+            </a:r>
+            <a:r>
+              <a:rPr lang="en-US" b="1" dirty="0">
                 <a:latin typeface="Euclid Circular B" panose="020B0504000000000000" pitchFamily="34" charset="0"/>
                 <a:ea typeface="Euclid Circular B" panose="020B0504000000000000" pitchFamily="34" charset="0"/>
               </a:rPr>
-              <a:t>: ...</a:t>
-            </a:r>
-            <a:endParaRPr lang="en-US" dirty="0">
-              <a:latin typeface="Euclid Circular B" panose="020B0504000000000000" pitchFamily="34" charset="0"/>
-              <a:ea typeface="Euclid Circular B" panose="020B0504000000000000" pitchFamily="34" charset="0"/>
-            </a:endParaRPr>
+              <a:t>access </a:t>
+            </a:r>
+            <a:r>
+              <a:rPr lang="en-US" dirty="0">
+                <a:latin typeface="Euclid Circular B" panose="020B0504000000000000" pitchFamily="34" charset="0"/>
+                <a:ea typeface="Euclid Circular B" panose="020B0504000000000000" pitchFamily="34" charset="0"/>
+              </a:rPr>
+              <a:t>to other modules’ database</a:t>
+            </a:r>
+          </a:p>
+          <a:p>
+            <a:r>
+              <a:rPr lang="en-US" dirty="0">
+                <a:latin typeface="Euclid Circular B" panose="020B0504000000000000" pitchFamily="34" charset="0"/>
+                <a:ea typeface="Euclid Circular B" panose="020B0504000000000000" pitchFamily="34" charset="0"/>
+              </a:rPr>
+              <a:t>Do not perform </a:t>
+            </a:r>
+            <a:r>
+              <a:rPr lang="en-US" b="1" dirty="0">
+                <a:latin typeface="Euclid Circular B" panose="020B0504000000000000" pitchFamily="34" charset="0"/>
+                <a:ea typeface="Euclid Circular B" panose="020B0504000000000000" pitchFamily="34" charset="0"/>
+              </a:rPr>
+              <a:t>JOIN </a:t>
+            </a:r>
+            <a:r>
+              <a:rPr lang="en-US" dirty="0">
+                <a:latin typeface="Euclid Circular B" panose="020B0504000000000000" pitchFamily="34" charset="0"/>
+                <a:ea typeface="Euclid Circular B" panose="020B0504000000000000" pitchFamily="34" charset="0"/>
+              </a:rPr>
+              <a:t>queries across different modules</a:t>
+            </a:r>
+          </a:p>
+          <a:p>
+            <a:r>
+              <a:rPr lang="en-US" dirty="0" err="1">
+                <a:latin typeface="Euclid Circular B" panose="020B0504000000000000" pitchFamily="34" charset="0"/>
+                <a:ea typeface="Euclid Circular B" panose="020B0504000000000000" pitchFamily="34" charset="0"/>
+              </a:rPr>
+              <a:t>Denormalize</a:t>
+            </a:r>
+            <a:r>
+              <a:rPr lang="en-US" dirty="0">
+                <a:latin typeface="Euclid Circular B" panose="020B0504000000000000" pitchFamily="34" charset="0"/>
+                <a:ea typeface="Euclid Circular B" panose="020B0504000000000000" pitchFamily="34" charset="0"/>
+              </a:rPr>
+              <a:t>/</a:t>
+            </a:r>
+            <a:r>
+              <a:rPr lang="en-US" b="1" dirty="0">
+                <a:latin typeface="Euclid Circular B" panose="020B0504000000000000" pitchFamily="34" charset="0"/>
+                <a:ea typeface="Euclid Circular B" panose="020B0504000000000000" pitchFamily="34" charset="0"/>
+              </a:rPr>
+              <a:t>duplicate </a:t>
+            </a:r>
+            <a:r>
+              <a:rPr lang="en-US" dirty="0">
+                <a:latin typeface="Euclid Circular B" panose="020B0504000000000000" pitchFamily="34" charset="0"/>
+                <a:ea typeface="Euclid Circular B" panose="020B0504000000000000" pitchFamily="34" charset="0"/>
+              </a:rPr>
+              <a:t>data when needed</a:t>
+            </a:r>
+          </a:p>
+          <a:p>
+            <a:pPr lvl="1"/>
+            <a:r>
+              <a:rPr lang="en-US" b="1" dirty="0">
+                <a:latin typeface="Euclid Circular B" panose="020B0504000000000000" pitchFamily="34" charset="0"/>
+                <a:ea typeface="Euclid Circular B" panose="020B0504000000000000" pitchFamily="34" charset="0"/>
+              </a:rPr>
+              <a:t>Asynchronously update</a:t>
+            </a:r>
+            <a:r>
+              <a:rPr lang="en-US" dirty="0">
+                <a:latin typeface="Euclid Circular B" panose="020B0504000000000000" pitchFamily="34" charset="0"/>
+                <a:ea typeface="Euclid Circular B" panose="020B0504000000000000" pitchFamily="34" charset="0"/>
+              </a:rPr>
+              <a:t> the duplicated data if necessary</a:t>
+            </a:r>
+          </a:p>
+          <a:p>
+            <a:r>
+              <a:rPr lang="en-US" dirty="0">
+                <a:latin typeface="Euclid Circular B" panose="020B0504000000000000" pitchFamily="34" charset="0"/>
+                <a:ea typeface="Euclid Circular B" panose="020B0504000000000000" pitchFamily="34" charset="0"/>
+              </a:rPr>
+              <a:t>Create </a:t>
+            </a:r>
+            <a:r>
+              <a:rPr lang="en-US" b="1" dirty="0">
+                <a:latin typeface="Euclid Circular B" panose="020B0504000000000000" pitchFamily="34" charset="0"/>
+                <a:ea typeface="Euclid Circular B" panose="020B0504000000000000" pitchFamily="34" charset="0"/>
+              </a:rPr>
+              <a:t>reporting </a:t>
+            </a:r>
+            <a:r>
+              <a:rPr lang="en-US" dirty="0">
+                <a:latin typeface="Euclid Circular B" panose="020B0504000000000000" pitchFamily="34" charset="0"/>
+                <a:ea typeface="Euclid Circular B" panose="020B0504000000000000" pitchFamily="34" charset="0"/>
+              </a:rPr>
+              <a:t>module(s) with its own tables/databases – feed them using </a:t>
+            </a:r>
+            <a:r>
+              <a:rPr lang="en-US" b="1" dirty="0">
+                <a:latin typeface="Euclid Circular B" panose="020B0504000000000000" pitchFamily="34" charset="0"/>
+                <a:ea typeface="Euclid Circular B" panose="020B0504000000000000" pitchFamily="34" charset="0"/>
+              </a:rPr>
+              <a:t>distributed events</a:t>
+            </a:r>
+          </a:p>
+          <a:p>
+            <a:pPr lvl="1"/>
+            <a:r>
+              <a:rPr lang="en-US" dirty="0">
+                <a:latin typeface="Euclid Circular B" panose="020B0504000000000000" pitchFamily="34" charset="0"/>
+                <a:ea typeface="Euclid Circular B" panose="020B0504000000000000" pitchFamily="34" charset="0"/>
+              </a:rPr>
+              <a:t>ABP provides </a:t>
+            </a:r>
+            <a:r>
+              <a:rPr lang="en-US" b="1" dirty="0">
+                <a:latin typeface="Euclid Circular B" panose="020B0504000000000000" pitchFamily="34" charset="0"/>
+                <a:ea typeface="Euclid Circular B" panose="020B0504000000000000" pitchFamily="34" charset="0"/>
+              </a:rPr>
+              <a:t>auto </a:t>
+            </a:r>
+            <a:r>
+              <a:rPr lang="en-US" dirty="0">
+                <a:latin typeface="Euclid Circular B" panose="020B0504000000000000" pitchFamily="34" charset="0"/>
+                <a:ea typeface="Euclid Circular B" panose="020B0504000000000000" pitchFamily="34" charset="0"/>
+              </a:rPr>
+              <a:t>distributed events for all entities</a:t>
+            </a:r>
           </a:p>
         </p:txBody>
       </p:sp>
       <p:sp>
         <p:nvSpPr>
-          <p:cNvPr id="6" name="Title 1">
-            <a:extLst>
-              <a:ext uri="{FF2B5EF4-FFF2-40B4-BE49-F238E27FC236}">
-                <a16:creationId xmlns:a16="http://schemas.microsoft.com/office/drawing/2014/main" id="{331D04E0-6416-4CBE-AD16-B2D9C4FE44C3}"/>
+          <p:cNvPr id="4" name="Title 1">
+            <a:extLst>
+              <a:ext uri="{FF2B5EF4-FFF2-40B4-BE49-F238E27FC236}">
+                <a16:creationId xmlns:a16="http://schemas.microsoft.com/office/drawing/2014/main" id="{24A9C90D-623F-4101-834C-03CB7F205587}"/>
               </a:ext>
             </a:extLst>
           </p:cNvPr>
@@ -26898,7 +31906,7 @@
                 <a:latin typeface="Euclid Circular B" panose="020B0504000000000000" pitchFamily="34" charset="0"/>
                 <a:ea typeface="Euclid Circular B" panose="020B0504000000000000" pitchFamily="34" charset="0"/>
               </a:rPr>
-              <a:t>The need for layering</a:t>
+              <a:t>Designing the database</a:t>
             </a:r>
             <a:br>
               <a:rPr lang="en-US" b="1" dirty="0">
@@ -26917,7 +31925,7 @@
                 <a:latin typeface="Euclid Circular B" panose="020B0504000000000000" pitchFamily="34" charset="0"/>
                 <a:ea typeface="Euclid Circular B" panose="020B0504000000000000" pitchFamily="34" charset="0"/>
               </a:rPr>
-              <a:t>ABP’s layered module solution structure</a:t>
+              <a:t>Common principles</a:t>
             </a:r>
             <a:endParaRPr lang="en-US" b="1" dirty="0">
               <a:solidFill>
@@ -26932,13 +31940,373 @@
     </p:spTree>
     <p:extLst>
       <p:ext uri="{BB962C8B-B14F-4D97-AF65-F5344CB8AC3E}">
-        <p14:creationId xmlns:p14="http://schemas.microsoft.com/office/powerpoint/2010/main" val="2964898984"/>
+        <p14:creationId xmlns:p14="http://schemas.microsoft.com/office/powerpoint/2010/main" val="612289848"/>
       </p:ext>
     </p:extLst>
   </p:cSld>
   <p:clrMapOvr>
     <a:masterClrMapping/>
   </p:clrMapOvr>
+  <p:timing>
+    <p:tnLst>
+      <p:par>
+        <p:cTn id="1" dur="indefinite" restart="never" nodeType="tmRoot">
+          <p:childTnLst>
+            <p:seq concurrent="1" nextAc="seek">
+              <p:cTn id="2" dur="indefinite" nodeType="mainSeq">
+                <p:childTnLst>
+                  <p:par>
+                    <p:cTn id="3" fill="hold">
+                      <p:stCondLst>
+                        <p:cond delay="indefinite"/>
+                      </p:stCondLst>
+                      <p:childTnLst>
+                        <p:par>
+                          <p:cTn id="4" fill="hold">
+                            <p:stCondLst>
+                              <p:cond delay="0"/>
+                            </p:stCondLst>
+                            <p:childTnLst>
+                              <p:par>
+                                <p:cTn id="5" presetID="10" presetClass="entr" presetSubtype="0" fill="hold" nodeType="clickEffect">
+                                  <p:stCondLst>
+                                    <p:cond delay="0"/>
+                                  </p:stCondLst>
+                                  <p:childTnLst>
+                                    <p:set>
+                                      <p:cBhvr>
+                                        <p:cTn id="6" dur="1" fill="hold">
+                                          <p:stCondLst>
+                                            <p:cond delay="0"/>
+                                          </p:stCondLst>
+                                        </p:cTn>
+                                        <p:tgtEl>
+                                          <p:spTgt spid="3">
+                                            <p:txEl>
+                                              <p:pRg st="0" end="0"/>
+                                            </p:txEl>
+                                          </p:spTgt>
+                                        </p:tgtEl>
+                                        <p:attrNameLst>
+                                          <p:attrName>style.visibility</p:attrName>
+                                        </p:attrNameLst>
+                                      </p:cBhvr>
+                                      <p:to>
+                                        <p:strVal val="visible"/>
+                                      </p:to>
+                                    </p:set>
+                                    <p:animEffect transition="in" filter="fade">
+                                      <p:cBhvr>
+                                        <p:cTn id="7" dur="500"/>
+                                        <p:tgtEl>
+                                          <p:spTgt spid="3">
+                                            <p:txEl>
+                                              <p:pRg st="0" end="0"/>
+                                            </p:txEl>
+                                          </p:spTgt>
+                                        </p:tgtEl>
+                                      </p:cBhvr>
+                                    </p:animEffect>
+                                  </p:childTnLst>
+                                </p:cTn>
+                              </p:par>
+                            </p:childTnLst>
+                          </p:cTn>
+                        </p:par>
+                      </p:childTnLst>
+                    </p:cTn>
+                  </p:par>
+                  <p:par>
+                    <p:cTn id="8" fill="hold">
+                      <p:stCondLst>
+                        <p:cond delay="indefinite"/>
+                      </p:stCondLst>
+                      <p:childTnLst>
+                        <p:par>
+                          <p:cTn id="9" fill="hold">
+                            <p:stCondLst>
+                              <p:cond delay="0"/>
+                            </p:stCondLst>
+                            <p:childTnLst>
+                              <p:par>
+                                <p:cTn id="10" presetID="10" presetClass="entr" presetSubtype="0" fill="hold" nodeType="clickEffect">
+                                  <p:stCondLst>
+                                    <p:cond delay="0"/>
+                                  </p:stCondLst>
+                                  <p:childTnLst>
+                                    <p:set>
+                                      <p:cBhvr>
+                                        <p:cTn id="11" dur="1" fill="hold">
+                                          <p:stCondLst>
+                                            <p:cond delay="0"/>
+                                          </p:stCondLst>
+                                        </p:cTn>
+                                        <p:tgtEl>
+                                          <p:spTgt spid="3">
+                                            <p:txEl>
+                                              <p:pRg st="1" end="1"/>
+                                            </p:txEl>
+                                          </p:spTgt>
+                                        </p:tgtEl>
+                                        <p:attrNameLst>
+                                          <p:attrName>style.visibility</p:attrName>
+                                        </p:attrNameLst>
+                                      </p:cBhvr>
+                                      <p:to>
+                                        <p:strVal val="visible"/>
+                                      </p:to>
+                                    </p:set>
+                                    <p:animEffect transition="in" filter="fade">
+                                      <p:cBhvr>
+                                        <p:cTn id="12" dur="500"/>
+                                        <p:tgtEl>
+                                          <p:spTgt spid="3">
+                                            <p:txEl>
+                                              <p:pRg st="1" end="1"/>
+                                            </p:txEl>
+                                          </p:spTgt>
+                                        </p:tgtEl>
+                                      </p:cBhvr>
+                                    </p:animEffect>
+                                  </p:childTnLst>
+                                </p:cTn>
+                              </p:par>
+                            </p:childTnLst>
+                          </p:cTn>
+                        </p:par>
+                      </p:childTnLst>
+                    </p:cTn>
+                  </p:par>
+                  <p:par>
+                    <p:cTn id="13" fill="hold">
+                      <p:stCondLst>
+                        <p:cond delay="indefinite"/>
+                      </p:stCondLst>
+                      <p:childTnLst>
+                        <p:par>
+                          <p:cTn id="14" fill="hold">
+                            <p:stCondLst>
+                              <p:cond delay="0"/>
+                            </p:stCondLst>
+                            <p:childTnLst>
+                              <p:par>
+                                <p:cTn id="15" presetID="10" presetClass="entr" presetSubtype="0" fill="hold" nodeType="clickEffect">
+                                  <p:stCondLst>
+                                    <p:cond delay="0"/>
+                                  </p:stCondLst>
+                                  <p:childTnLst>
+                                    <p:set>
+                                      <p:cBhvr>
+                                        <p:cTn id="16" dur="1" fill="hold">
+                                          <p:stCondLst>
+                                            <p:cond delay="0"/>
+                                          </p:stCondLst>
+                                        </p:cTn>
+                                        <p:tgtEl>
+                                          <p:spTgt spid="3">
+                                            <p:txEl>
+                                              <p:pRg st="2" end="2"/>
+                                            </p:txEl>
+                                          </p:spTgt>
+                                        </p:tgtEl>
+                                        <p:attrNameLst>
+                                          <p:attrName>style.visibility</p:attrName>
+                                        </p:attrNameLst>
+                                      </p:cBhvr>
+                                      <p:to>
+                                        <p:strVal val="visible"/>
+                                      </p:to>
+                                    </p:set>
+                                    <p:animEffect transition="in" filter="fade">
+                                      <p:cBhvr>
+                                        <p:cTn id="17" dur="500"/>
+                                        <p:tgtEl>
+                                          <p:spTgt spid="3">
+                                            <p:txEl>
+                                              <p:pRg st="2" end="2"/>
+                                            </p:txEl>
+                                          </p:spTgt>
+                                        </p:tgtEl>
+                                      </p:cBhvr>
+                                    </p:animEffect>
+                                  </p:childTnLst>
+                                </p:cTn>
+                              </p:par>
+                              <p:par>
+                                <p:cTn id="18" presetID="10" presetClass="entr" presetSubtype="0" fill="hold" nodeType="withEffect">
+                                  <p:stCondLst>
+                                    <p:cond delay="0"/>
+                                  </p:stCondLst>
+                                  <p:childTnLst>
+                                    <p:set>
+                                      <p:cBhvr>
+                                        <p:cTn id="19" dur="1" fill="hold">
+                                          <p:stCondLst>
+                                            <p:cond delay="0"/>
+                                          </p:stCondLst>
+                                        </p:cTn>
+                                        <p:tgtEl>
+                                          <p:spTgt spid="3">
+                                            <p:txEl>
+                                              <p:pRg st="3" end="3"/>
+                                            </p:txEl>
+                                          </p:spTgt>
+                                        </p:tgtEl>
+                                        <p:attrNameLst>
+                                          <p:attrName>style.visibility</p:attrName>
+                                        </p:attrNameLst>
+                                      </p:cBhvr>
+                                      <p:to>
+                                        <p:strVal val="visible"/>
+                                      </p:to>
+                                    </p:set>
+                                    <p:animEffect transition="in" filter="fade">
+                                      <p:cBhvr>
+                                        <p:cTn id="20" dur="500"/>
+                                        <p:tgtEl>
+                                          <p:spTgt spid="3">
+                                            <p:txEl>
+                                              <p:pRg st="3" end="3"/>
+                                            </p:txEl>
+                                          </p:spTgt>
+                                        </p:tgtEl>
+                                      </p:cBhvr>
+                                    </p:animEffect>
+                                  </p:childTnLst>
+                                </p:cTn>
+                              </p:par>
+                            </p:childTnLst>
+                          </p:cTn>
+                        </p:par>
+                      </p:childTnLst>
+                    </p:cTn>
+                  </p:par>
+                  <p:par>
+                    <p:cTn id="21" fill="hold">
+                      <p:stCondLst>
+                        <p:cond delay="indefinite"/>
+                      </p:stCondLst>
+                      <p:childTnLst>
+                        <p:par>
+                          <p:cTn id="22" fill="hold">
+                            <p:stCondLst>
+                              <p:cond delay="0"/>
+                            </p:stCondLst>
+                            <p:childTnLst>
+                              <p:par>
+                                <p:cTn id="23" presetID="10" presetClass="entr" presetSubtype="0" fill="hold" nodeType="clickEffect">
+                                  <p:stCondLst>
+                                    <p:cond delay="0"/>
+                                  </p:stCondLst>
+                                  <p:childTnLst>
+                                    <p:set>
+                                      <p:cBhvr>
+                                        <p:cTn id="24" dur="1" fill="hold">
+                                          <p:stCondLst>
+                                            <p:cond delay="0"/>
+                                          </p:stCondLst>
+                                        </p:cTn>
+                                        <p:tgtEl>
+                                          <p:spTgt spid="3">
+                                            <p:txEl>
+                                              <p:pRg st="4" end="4"/>
+                                            </p:txEl>
+                                          </p:spTgt>
+                                        </p:tgtEl>
+                                        <p:attrNameLst>
+                                          <p:attrName>style.visibility</p:attrName>
+                                        </p:attrNameLst>
+                                      </p:cBhvr>
+                                      <p:to>
+                                        <p:strVal val="visible"/>
+                                      </p:to>
+                                    </p:set>
+                                    <p:animEffect transition="in" filter="fade">
+                                      <p:cBhvr>
+                                        <p:cTn id="25" dur="500"/>
+                                        <p:tgtEl>
+                                          <p:spTgt spid="3">
+                                            <p:txEl>
+                                              <p:pRg st="4" end="4"/>
+                                            </p:txEl>
+                                          </p:spTgt>
+                                        </p:tgtEl>
+                                      </p:cBhvr>
+                                    </p:animEffect>
+                                  </p:childTnLst>
+                                </p:cTn>
+                              </p:par>
+                              <p:par>
+                                <p:cTn id="26" presetID="10" presetClass="entr" presetSubtype="0" fill="hold" nodeType="withEffect">
+                                  <p:stCondLst>
+                                    <p:cond delay="0"/>
+                                  </p:stCondLst>
+                                  <p:childTnLst>
+                                    <p:set>
+                                      <p:cBhvr>
+                                        <p:cTn id="27" dur="1" fill="hold">
+                                          <p:stCondLst>
+                                            <p:cond delay="0"/>
+                                          </p:stCondLst>
+                                        </p:cTn>
+                                        <p:tgtEl>
+                                          <p:spTgt spid="3">
+                                            <p:txEl>
+                                              <p:pRg st="5" end="5"/>
+                                            </p:txEl>
+                                          </p:spTgt>
+                                        </p:tgtEl>
+                                        <p:attrNameLst>
+                                          <p:attrName>style.visibility</p:attrName>
+                                        </p:attrNameLst>
+                                      </p:cBhvr>
+                                      <p:to>
+                                        <p:strVal val="visible"/>
+                                      </p:to>
+                                    </p:set>
+                                    <p:animEffect transition="in" filter="fade">
+                                      <p:cBhvr>
+                                        <p:cTn id="28" dur="500"/>
+                                        <p:tgtEl>
+                                          <p:spTgt spid="3">
+                                            <p:txEl>
+                                              <p:pRg st="5" end="5"/>
+                                            </p:txEl>
+                                          </p:spTgt>
+                                        </p:tgtEl>
+                                      </p:cBhvr>
+                                    </p:animEffect>
+                                  </p:childTnLst>
+                                </p:cTn>
+                              </p:par>
+                            </p:childTnLst>
+                          </p:cTn>
+                        </p:par>
+                      </p:childTnLst>
+                    </p:cTn>
+                  </p:par>
+                </p:childTnLst>
+              </p:cTn>
+              <p:prevCondLst>
+                <p:cond evt="onPrev" delay="0">
+                  <p:tgtEl>
+                    <p:sldTgt/>
+                  </p:tgtEl>
+                </p:cond>
+              </p:prevCondLst>
+              <p:nextCondLst>
+                <p:cond evt="onNext" delay="0">
+                  <p:tgtEl>
+                    <p:sldTgt/>
+                  </p:tgtEl>
+                </p:cond>
+              </p:nextCondLst>
+            </p:seq>
+          </p:childTnLst>
+        </p:cTn>
+      </p:par>
+    </p:tnLst>
+  </p:timing>
 </p:sld>
 </file>
 
@@ -26975,10 +32343,10 @@
       </p:grpSpPr>
       <p:sp>
         <p:nvSpPr>
-          <p:cNvPr id="3" name="Content Placeholder 2">
-            <a:extLst>
-              <a:ext uri="{FF2B5EF4-FFF2-40B4-BE49-F238E27FC236}">
-                <a16:creationId xmlns:a16="http://schemas.microsoft.com/office/drawing/2014/main" id="{891C7693-D3DF-4635-96F4-97F3B4136FDF}"/>
+          <p:cNvPr id="2" name="Title 1">
+            <a:extLst>
+              <a:ext uri="{FF2B5EF4-FFF2-40B4-BE49-F238E27FC236}">
+                <a16:creationId xmlns:a16="http://schemas.microsoft.com/office/drawing/2014/main" id="{9255DFBE-19DA-408D-84E6-F4043FC30BD3}"/>
               </a:ext>
             </a:extLst>
           </p:cNvPr>
@@ -26986,57 +32354,10 @@
             <a:spLocks noGrp="1"/>
           </p:cNvSpPr>
           <p:nvPr>
-            <p:ph idx="1"/>
+            <p:ph type="ctrTitle"/>
           </p:nvPr>
         </p:nvSpPr>
         <p:spPr/>
-        <p:txBody>
-          <a:bodyPr/>
-          <a:lstStyle/>
-          <a:p>
-            <a:r>
-              <a:rPr lang="en-US" dirty="0">
-                <a:latin typeface="Euclid Circular B" panose="020B0504000000000000" pitchFamily="34" charset="0"/>
-                <a:ea typeface="Euclid Circular B" panose="020B0504000000000000" pitchFamily="34" charset="0"/>
-              </a:rPr>
-              <a:t>TODO</a:t>
-            </a:r>
-            <a:r>
-              <a:rPr lang="en-US">
-                <a:latin typeface="Euclid Circular B" panose="020B0504000000000000" pitchFamily="34" charset="0"/>
-                <a:ea typeface="Euclid Circular B" panose="020B0504000000000000" pitchFamily="34" charset="0"/>
-              </a:rPr>
-              <a:t>: ...</a:t>
-            </a:r>
-            <a:endParaRPr lang="en-US" dirty="0">
-              <a:latin typeface="Euclid Circular B" panose="020B0504000000000000" pitchFamily="34" charset="0"/>
-              <a:ea typeface="Euclid Circular B" panose="020B0504000000000000" pitchFamily="34" charset="0"/>
-            </a:endParaRPr>
-          </a:p>
-        </p:txBody>
-      </p:sp>
-      <p:sp>
-        <p:nvSpPr>
-          <p:cNvPr id="6" name="Title 1">
-            <a:extLst>
-              <a:ext uri="{FF2B5EF4-FFF2-40B4-BE49-F238E27FC236}">
-                <a16:creationId xmlns:a16="http://schemas.microsoft.com/office/drawing/2014/main" id="{331D04E0-6416-4CBE-AD16-B2D9C4FE44C3}"/>
-              </a:ext>
-            </a:extLst>
-          </p:cNvPr>
-          <p:cNvSpPr>
-            <a:spLocks noGrp="1"/>
-          </p:cNvSpPr>
-          <p:nvPr>
-            <p:ph type="title"/>
-          </p:nvPr>
-        </p:nvSpPr>
-        <p:spPr>
-          <a:xfrm>
-            <a:off x="838200" y="365125"/>
-            <a:ext cx="10515600" cy="1325563"/>
-          </a:xfrm>
-        </p:spPr>
         <p:txBody>
           <a:bodyPr>
             <a:normAutofit/>
@@ -27044,38 +32365,52 @@
           <a:lstStyle/>
           <a:p>
             <a:r>
-              <a:rPr lang="en-US" b="1" dirty="0">
+              <a:rPr lang="en-US" sz="4800" b="1" dirty="0">
                 <a:solidFill>
                   <a:srgbClr val="292D33"/>
                 </a:solidFill>
                 <a:latin typeface="Euclid Circular B" panose="020B0504000000000000" pitchFamily="34" charset="0"/>
                 <a:ea typeface="Euclid Circular B" panose="020B0504000000000000" pitchFamily="34" charset="0"/>
               </a:rPr>
-              <a:t>The need for layering</a:t>
-            </a:r>
-            <a:br>
-              <a:rPr lang="en-US" b="1" dirty="0">
+              <a:t>Integrating the modules</a:t>
+            </a:r>
+          </a:p>
+        </p:txBody>
+      </p:sp>
+      <p:sp>
+        <p:nvSpPr>
+          <p:cNvPr id="3" name="Subtitle 2">
+            <a:extLst>
+              <a:ext uri="{FF2B5EF4-FFF2-40B4-BE49-F238E27FC236}">
+                <a16:creationId xmlns:a16="http://schemas.microsoft.com/office/drawing/2014/main" id="{265612B9-B745-46CB-8A20-997CA82E05E7}"/>
+              </a:ext>
+            </a:extLst>
+          </p:cNvPr>
+          <p:cNvSpPr>
+            <a:spLocks noGrp="1"/>
+          </p:cNvSpPr>
+          <p:nvPr>
+            <p:ph type="subTitle" idx="1"/>
+          </p:nvPr>
+        </p:nvSpPr>
+        <p:spPr/>
+        <p:txBody>
+          <a:bodyPr>
+            <a:normAutofit/>
+          </a:bodyPr>
+          <a:lstStyle/>
+          <a:p>
+            <a:r>
+              <a:rPr lang="en-US" sz="2000" b="1" dirty="0">
                 <a:solidFill>
                   <a:srgbClr val="292D33"/>
                 </a:solidFill>
                 <a:latin typeface="Euclid Circular B" panose="020B0504000000000000" pitchFamily="34" charset="0"/>
                 <a:ea typeface="Euclid Circular B" panose="020B0504000000000000" pitchFamily="34" charset="0"/>
               </a:rPr>
-            </a:br>
-            <a:r>
-              <a:rPr lang="en-US" sz="3200" b="1" i="1" dirty="0">
-                <a:solidFill>
-                  <a:srgbClr val="292D33"/>
-                </a:solidFill>
-                <a:latin typeface="Euclid Circular B" panose="020B0504000000000000" pitchFamily="34" charset="0"/>
-                <a:ea typeface="Euclid Circular B" panose="020B0504000000000000" pitchFamily="34" charset="0"/>
-              </a:rPr>
-              <a:t>ABP’s layered module solution structure</a:t>
-            </a:r>
-            <a:endParaRPr lang="en-US" b="1" dirty="0">
-              <a:solidFill>
-                <a:srgbClr val="292D33"/>
-              </a:solidFill>
+              <a:t>DESIGNING A MODULAR MONOLITH</a:t>
+            </a:r>
+            <a:endParaRPr lang="en-US" sz="2000" dirty="0">
               <a:latin typeface="Euclid Circular B" panose="020B0504000000000000" pitchFamily="34" charset="0"/>
               <a:ea typeface="Euclid Circular B" panose="020B0504000000000000" pitchFamily="34" charset="0"/>
             </a:endParaRPr>
@@ -27085,7 +32420,7 @@
     </p:spTree>
     <p:extLst>
       <p:ext uri="{BB962C8B-B14F-4D97-AF65-F5344CB8AC3E}">
-        <p14:creationId xmlns:p14="http://schemas.microsoft.com/office/powerpoint/2010/main" val="357793711"/>
+        <p14:creationId xmlns:p14="http://schemas.microsoft.com/office/powerpoint/2010/main" val="3328204731"/>
       </p:ext>
     </p:extLst>
   </p:cSld>
@@ -27128,10 +32463,10 @@
       </p:grpSpPr>
       <p:sp>
         <p:nvSpPr>
-          <p:cNvPr id="2" name="Title 1">
-            <a:extLst>
-              <a:ext uri="{FF2B5EF4-FFF2-40B4-BE49-F238E27FC236}">
-                <a16:creationId xmlns:a16="http://schemas.microsoft.com/office/drawing/2014/main" id="{9255DFBE-19DA-408D-84E6-F4043FC30BD3}"/>
+          <p:cNvPr id="3" name="Content Placeholder 2">
+            <a:extLst>
+              <a:ext uri="{FF2B5EF4-FFF2-40B4-BE49-F238E27FC236}">
+                <a16:creationId xmlns:a16="http://schemas.microsoft.com/office/drawing/2014/main" id="{891C7693-D3DF-4635-96F4-97F3B4136FDF}"/>
               </a:ext>
             </a:extLst>
           </p:cNvPr>
@@ -27139,10 +32474,57 @@
             <a:spLocks noGrp="1"/>
           </p:cNvSpPr>
           <p:nvPr>
-            <p:ph type="ctrTitle"/>
+            <p:ph idx="1"/>
           </p:nvPr>
         </p:nvSpPr>
         <p:spPr/>
+        <p:txBody>
+          <a:bodyPr/>
+          <a:lstStyle/>
+          <a:p>
+            <a:r>
+              <a:rPr lang="en-US" dirty="0">
+                <a:latin typeface="Euclid Circular B" panose="020B0504000000000000" pitchFamily="34" charset="0"/>
+                <a:ea typeface="Euclid Circular B" panose="020B0504000000000000" pitchFamily="34" charset="0"/>
+              </a:rPr>
+              <a:t>TODO</a:t>
+            </a:r>
+            <a:r>
+              <a:rPr lang="en-US">
+                <a:latin typeface="Euclid Circular B" panose="020B0504000000000000" pitchFamily="34" charset="0"/>
+                <a:ea typeface="Euclid Circular B" panose="020B0504000000000000" pitchFamily="34" charset="0"/>
+              </a:rPr>
+              <a:t>: ...</a:t>
+            </a:r>
+            <a:endParaRPr lang="en-US" dirty="0">
+              <a:latin typeface="Euclid Circular B" panose="020B0504000000000000" pitchFamily="34" charset="0"/>
+              <a:ea typeface="Euclid Circular B" panose="020B0504000000000000" pitchFamily="34" charset="0"/>
+            </a:endParaRPr>
+          </a:p>
+        </p:txBody>
+      </p:sp>
+      <p:sp>
+        <p:nvSpPr>
+          <p:cNvPr id="6" name="Title 1">
+            <a:extLst>
+              <a:ext uri="{FF2B5EF4-FFF2-40B4-BE49-F238E27FC236}">
+                <a16:creationId xmlns:a16="http://schemas.microsoft.com/office/drawing/2014/main" id="{331D04E0-6416-4CBE-AD16-B2D9C4FE44C3}"/>
+              </a:ext>
+            </a:extLst>
+          </p:cNvPr>
+          <p:cNvSpPr>
+            <a:spLocks noGrp="1"/>
+          </p:cNvSpPr>
+          <p:nvPr>
+            <p:ph type="title"/>
+          </p:nvPr>
+        </p:nvSpPr>
+        <p:spPr>
+          <a:xfrm>
+            <a:off x="838200" y="365125"/>
+            <a:ext cx="10515600" cy="1325563"/>
+          </a:xfrm>
+        </p:spPr>
         <p:txBody>
           <a:bodyPr>
             <a:normAutofit/>
@@ -27150,52 +32532,38 @@
           <a:lstStyle/>
           <a:p>
             <a:r>
-              <a:rPr lang="en-US" sz="4800" b="1" dirty="0">
+              <a:rPr lang="en-US" b="1" dirty="0">
                 <a:solidFill>
                   <a:srgbClr val="292D33"/>
                 </a:solidFill>
                 <a:latin typeface="Euclid Circular B" panose="020B0504000000000000" pitchFamily="34" charset="0"/>
                 <a:ea typeface="Euclid Circular B" panose="020B0504000000000000" pitchFamily="34" charset="0"/>
               </a:rPr>
-              <a:t>MIGRATING TO MICROSERVICES</a:t>
-            </a:r>
-          </a:p>
-        </p:txBody>
-      </p:sp>
-      <p:sp>
-        <p:nvSpPr>
-          <p:cNvPr id="3" name="Subtitle 2">
-            <a:extLst>
-              <a:ext uri="{FF2B5EF4-FFF2-40B4-BE49-F238E27FC236}">
-                <a16:creationId xmlns:a16="http://schemas.microsoft.com/office/drawing/2014/main" id="{265612B9-B745-46CB-8A20-997CA82E05E7}"/>
-              </a:ext>
-            </a:extLst>
-          </p:cNvPr>
-          <p:cNvSpPr>
-            <a:spLocks noGrp="1"/>
-          </p:cNvSpPr>
-          <p:nvPr>
-            <p:ph type="subTitle" idx="1"/>
-          </p:nvPr>
-        </p:nvSpPr>
-        <p:spPr/>
-        <p:txBody>
-          <a:bodyPr>
-            <a:normAutofit/>
-          </a:bodyPr>
-          <a:lstStyle/>
-          <a:p>
-            <a:r>
-              <a:rPr lang="en-US" sz="2000" b="1" dirty="0">
+              <a:t>The need for layering</a:t>
+            </a:r>
+            <a:br>
+              <a:rPr lang="en-US" b="1" dirty="0">
                 <a:solidFill>
                   <a:srgbClr val="292D33"/>
                 </a:solidFill>
                 <a:latin typeface="Euclid Circular B" panose="020B0504000000000000" pitchFamily="34" charset="0"/>
                 <a:ea typeface="Euclid Circular B" panose="020B0504000000000000" pitchFamily="34" charset="0"/>
               </a:rPr>
-              <a:t>DESIGNING MONOLITH FIRST FOR MICROSERVICE ARCHITECTURE</a:t>
-            </a:r>
-            <a:endParaRPr lang="en-US" sz="2000" dirty="0">
+            </a:br>
+            <a:r>
+              <a:rPr lang="en-US" sz="3200" b="1" i="1" dirty="0">
+                <a:solidFill>
+                  <a:srgbClr val="292D33"/>
+                </a:solidFill>
+                <a:latin typeface="Euclid Circular B" panose="020B0504000000000000" pitchFamily="34" charset="0"/>
+                <a:ea typeface="Euclid Circular B" panose="020B0504000000000000" pitchFamily="34" charset="0"/>
+              </a:rPr>
+              <a:t>ABP’s layered module solution structure</a:t>
+            </a:r>
+            <a:endParaRPr lang="en-US" b="1" dirty="0">
+              <a:solidFill>
+                <a:srgbClr val="292D33"/>
+              </a:solidFill>
               <a:latin typeface="Euclid Circular B" panose="020B0504000000000000" pitchFamily="34" charset="0"/>
               <a:ea typeface="Euclid Circular B" panose="020B0504000000000000" pitchFamily="34" charset="0"/>
             </a:endParaRPr>
@@ -27205,7 +32573,7 @@
     </p:spTree>
     <p:extLst>
       <p:ext uri="{BB962C8B-B14F-4D97-AF65-F5344CB8AC3E}">
-        <p14:creationId xmlns:p14="http://schemas.microsoft.com/office/powerpoint/2010/main" val="3507474482"/>
+        <p14:creationId xmlns:p14="http://schemas.microsoft.com/office/powerpoint/2010/main" val="283018696"/>
       </p:ext>
     </p:extLst>
   </p:cSld>
@@ -27248,40 +32616,6 @@
       </p:grpSpPr>
       <p:sp>
         <p:nvSpPr>
-          <p:cNvPr id="2" name="Title 1">
-            <a:extLst>
-              <a:ext uri="{FF2B5EF4-FFF2-40B4-BE49-F238E27FC236}">
-                <a16:creationId xmlns:a16="http://schemas.microsoft.com/office/drawing/2014/main" id="{55E11F08-6CA0-48F1-AD67-97430DDA07F0}"/>
-              </a:ext>
-            </a:extLst>
-          </p:cNvPr>
-          <p:cNvSpPr>
-            <a:spLocks noGrp="1"/>
-          </p:cNvSpPr>
-          <p:nvPr>
-            <p:ph type="title"/>
-          </p:nvPr>
-        </p:nvSpPr>
-        <p:spPr/>
-        <p:txBody>
-          <a:bodyPr/>
-          <a:lstStyle/>
-          <a:p>
-            <a:r>
-              <a:rPr lang="en-US" b="1" dirty="0">
-                <a:solidFill>
-                  <a:srgbClr val="292D33"/>
-                </a:solidFill>
-                <a:latin typeface="Euclid Circular B" panose="020B0504000000000000" pitchFamily="34" charset="0"/>
-                <a:ea typeface="Euclid Circular B" panose="020B0504000000000000" pitchFamily="34" charset="0"/>
-              </a:rPr>
-              <a:t>Title</a:t>
-            </a:r>
-          </a:p>
-        </p:txBody>
-      </p:sp>
-      <p:sp>
-        <p:nvSpPr>
           <p:cNvPr id="3" name="Content Placeholder 2">
             <a:extLst>
               <a:ext uri="{FF2B5EF4-FFF2-40B4-BE49-F238E27FC236}">
@@ -27322,10 +32656,77 @@
           </a:p>
         </p:txBody>
       </p:sp>
+      <p:sp>
+        <p:nvSpPr>
+          <p:cNvPr id="6" name="Title 1">
+            <a:extLst>
+              <a:ext uri="{FF2B5EF4-FFF2-40B4-BE49-F238E27FC236}">
+                <a16:creationId xmlns:a16="http://schemas.microsoft.com/office/drawing/2014/main" id="{331D04E0-6416-4CBE-AD16-B2D9C4FE44C3}"/>
+              </a:ext>
+            </a:extLst>
+          </p:cNvPr>
+          <p:cNvSpPr>
+            <a:spLocks noGrp="1"/>
+          </p:cNvSpPr>
+          <p:nvPr>
+            <p:ph type="title"/>
+          </p:nvPr>
+        </p:nvSpPr>
+        <p:spPr>
+          <a:xfrm>
+            <a:off x="838200" y="365125"/>
+            <a:ext cx="10515600" cy="1325563"/>
+          </a:xfrm>
+        </p:spPr>
+        <p:txBody>
+          <a:bodyPr>
+            <a:normAutofit/>
+          </a:bodyPr>
+          <a:lstStyle/>
+          <a:p>
+            <a:r>
+              <a:rPr lang="en-US" b="1" dirty="0">
+                <a:solidFill>
+                  <a:srgbClr val="292D33"/>
+                </a:solidFill>
+                <a:latin typeface="Euclid Circular B" panose="020B0504000000000000" pitchFamily="34" charset="0"/>
+                <a:ea typeface="Euclid Circular B" panose="020B0504000000000000" pitchFamily="34" charset="0"/>
+              </a:rPr>
+              <a:t>The need for layering</a:t>
+            </a:r>
+            <a:br>
+              <a:rPr lang="en-US" b="1" dirty="0">
+                <a:solidFill>
+                  <a:srgbClr val="292D33"/>
+                </a:solidFill>
+                <a:latin typeface="Euclid Circular B" panose="020B0504000000000000" pitchFamily="34" charset="0"/>
+                <a:ea typeface="Euclid Circular B" panose="020B0504000000000000" pitchFamily="34" charset="0"/>
+              </a:rPr>
+            </a:br>
+            <a:r>
+              <a:rPr lang="en-US" sz="3200" b="1" i="1" dirty="0">
+                <a:solidFill>
+                  <a:srgbClr val="292D33"/>
+                </a:solidFill>
+                <a:latin typeface="Euclid Circular B" panose="020B0504000000000000" pitchFamily="34" charset="0"/>
+                <a:ea typeface="Euclid Circular B" panose="020B0504000000000000" pitchFamily="34" charset="0"/>
+              </a:rPr>
+              <a:t>ABP’s layered module solution structure</a:t>
+            </a:r>
+            <a:endParaRPr lang="en-US" b="1" dirty="0">
+              <a:solidFill>
+                <a:srgbClr val="292D33"/>
+              </a:solidFill>
+              <a:latin typeface="Euclid Circular B" panose="020B0504000000000000" pitchFamily="34" charset="0"/>
+              <a:ea typeface="Euclid Circular B" panose="020B0504000000000000" pitchFamily="34" charset="0"/>
+            </a:endParaRPr>
+          </a:p>
+        </p:txBody>
+      </p:sp>
     </p:spTree>
     <p:extLst>
       <p:ext uri="{BB962C8B-B14F-4D97-AF65-F5344CB8AC3E}">
-        <p14:creationId xmlns:p14="http://schemas.microsoft.com/office/powerpoint/2010/main" val="1277783299"/>
+        <p14:creationId xmlns:p14="http://schemas.microsoft.com/office/powerpoint/2010/main" val="827243710"/>
       </p:ext>
     </p:extLst>
   </p:cSld>
@@ -27368,40 +32769,6 @@
       </p:grpSpPr>
       <p:sp>
         <p:nvSpPr>
-          <p:cNvPr id="2" name="Title 1">
-            <a:extLst>
-              <a:ext uri="{FF2B5EF4-FFF2-40B4-BE49-F238E27FC236}">
-                <a16:creationId xmlns:a16="http://schemas.microsoft.com/office/drawing/2014/main" id="{55E11F08-6CA0-48F1-AD67-97430DDA07F0}"/>
-              </a:ext>
-            </a:extLst>
-          </p:cNvPr>
-          <p:cNvSpPr>
-            <a:spLocks noGrp="1"/>
-          </p:cNvSpPr>
-          <p:nvPr>
-            <p:ph type="title"/>
-          </p:nvPr>
-        </p:nvSpPr>
-        <p:spPr/>
-        <p:txBody>
-          <a:bodyPr/>
-          <a:lstStyle/>
-          <a:p>
-            <a:r>
-              <a:rPr lang="en-US" b="1" dirty="0">
-                <a:solidFill>
-                  <a:srgbClr val="292D33"/>
-                </a:solidFill>
-                <a:latin typeface="Euclid Circular B" panose="020B0504000000000000" pitchFamily="34" charset="0"/>
-                <a:ea typeface="Euclid Circular B" panose="020B0504000000000000" pitchFamily="34" charset="0"/>
-              </a:rPr>
-              <a:t>Title</a:t>
-            </a:r>
-          </a:p>
-        </p:txBody>
-      </p:sp>
-      <p:sp>
-        <p:nvSpPr>
           <p:cNvPr id="3" name="Content Placeholder 2">
             <a:extLst>
               <a:ext uri="{FF2B5EF4-FFF2-40B4-BE49-F238E27FC236}">
@@ -27442,10 +32809,77 @@
           </a:p>
         </p:txBody>
       </p:sp>
+      <p:sp>
+        <p:nvSpPr>
+          <p:cNvPr id="6" name="Title 1">
+            <a:extLst>
+              <a:ext uri="{FF2B5EF4-FFF2-40B4-BE49-F238E27FC236}">
+                <a16:creationId xmlns:a16="http://schemas.microsoft.com/office/drawing/2014/main" id="{331D04E0-6416-4CBE-AD16-B2D9C4FE44C3}"/>
+              </a:ext>
+            </a:extLst>
+          </p:cNvPr>
+          <p:cNvSpPr>
+            <a:spLocks noGrp="1"/>
+          </p:cNvSpPr>
+          <p:nvPr>
+            <p:ph type="title"/>
+          </p:nvPr>
+        </p:nvSpPr>
+        <p:spPr>
+          <a:xfrm>
+            <a:off x="838200" y="365125"/>
+            <a:ext cx="10515600" cy="1325563"/>
+          </a:xfrm>
+        </p:spPr>
+        <p:txBody>
+          <a:bodyPr>
+            <a:normAutofit/>
+          </a:bodyPr>
+          <a:lstStyle/>
+          <a:p>
+            <a:r>
+              <a:rPr lang="en-US" b="1" dirty="0">
+                <a:solidFill>
+                  <a:srgbClr val="292D33"/>
+                </a:solidFill>
+                <a:latin typeface="Euclid Circular B" panose="020B0504000000000000" pitchFamily="34" charset="0"/>
+                <a:ea typeface="Euclid Circular B" panose="020B0504000000000000" pitchFamily="34" charset="0"/>
+              </a:rPr>
+              <a:t>The need for layering</a:t>
+            </a:r>
+            <a:br>
+              <a:rPr lang="en-US" b="1" dirty="0">
+                <a:solidFill>
+                  <a:srgbClr val="292D33"/>
+                </a:solidFill>
+                <a:latin typeface="Euclid Circular B" panose="020B0504000000000000" pitchFamily="34" charset="0"/>
+                <a:ea typeface="Euclid Circular B" panose="020B0504000000000000" pitchFamily="34" charset="0"/>
+              </a:rPr>
+            </a:br>
+            <a:r>
+              <a:rPr lang="en-US" sz="3200" b="1" i="1" dirty="0">
+                <a:solidFill>
+                  <a:srgbClr val="292D33"/>
+                </a:solidFill>
+                <a:latin typeface="Euclid Circular B" panose="020B0504000000000000" pitchFamily="34" charset="0"/>
+                <a:ea typeface="Euclid Circular B" panose="020B0504000000000000" pitchFamily="34" charset="0"/>
+              </a:rPr>
+              <a:t>ABP’s layered module solution structure</a:t>
+            </a:r>
+            <a:endParaRPr lang="en-US" b="1" dirty="0">
+              <a:solidFill>
+                <a:srgbClr val="292D33"/>
+              </a:solidFill>
+              <a:latin typeface="Euclid Circular B" panose="020B0504000000000000" pitchFamily="34" charset="0"/>
+              <a:ea typeface="Euclid Circular B" panose="020B0504000000000000" pitchFamily="34" charset="0"/>
+            </a:endParaRPr>
+          </a:p>
+        </p:txBody>
+      </p:sp>
     </p:spTree>
     <p:extLst>
       <p:ext uri="{BB962C8B-B14F-4D97-AF65-F5344CB8AC3E}">
-        <p14:creationId xmlns:p14="http://schemas.microsoft.com/office/powerpoint/2010/main" val="326598016"/>
+        <p14:creationId xmlns:p14="http://schemas.microsoft.com/office/powerpoint/2010/main" val="2964898984"/>
       </p:ext>
     </p:extLst>
   </p:cSld>
@@ -27488,40 +32922,6 @@
       </p:grpSpPr>
       <p:sp>
         <p:nvSpPr>
-          <p:cNvPr id="2" name="Title 1">
-            <a:extLst>
-              <a:ext uri="{FF2B5EF4-FFF2-40B4-BE49-F238E27FC236}">
-                <a16:creationId xmlns:a16="http://schemas.microsoft.com/office/drawing/2014/main" id="{55E11F08-6CA0-48F1-AD67-97430DDA07F0}"/>
-              </a:ext>
-            </a:extLst>
-          </p:cNvPr>
-          <p:cNvSpPr>
-            <a:spLocks noGrp="1"/>
-          </p:cNvSpPr>
-          <p:nvPr>
-            <p:ph type="title"/>
-          </p:nvPr>
-        </p:nvSpPr>
-        <p:spPr/>
-        <p:txBody>
-          <a:bodyPr/>
-          <a:lstStyle/>
-          <a:p>
-            <a:r>
-              <a:rPr lang="en-US" b="1" dirty="0">
-                <a:solidFill>
-                  <a:srgbClr val="292D33"/>
-                </a:solidFill>
-                <a:latin typeface="Euclid Circular B" panose="020B0504000000000000" pitchFamily="34" charset="0"/>
-                <a:ea typeface="Euclid Circular B" panose="020B0504000000000000" pitchFamily="34" charset="0"/>
-              </a:rPr>
-              <a:t>Title</a:t>
-            </a:r>
-          </a:p>
-        </p:txBody>
-      </p:sp>
-      <p:sp>
-        <p:nvSpPr>
           <p:cNvPr id="3" name="Content Placeholder 2">
             <a:extLst>
               <a:ext uri="{FF2B5EF4-FFF2-40B4-BE49-F238E27FC236}">
@@ -27562,10 +32962,77 @@
           </a:p>
         </p:txBody>
       </p:sp>
+      <p:sp>
+        <p:nvSpPr>
+          <p:cNvPr id="6" name="Title 1">
+            <a:extLst>
+              <a:ext uri="{FF2B5EF4-FFF2-40B4-BE49-F238E27FC236}">
+                <a16:creationId xmlns:a16="http://schemas.microsoft.com/office/drawing/2014/main" id="{331D04E0-6416-4CBE-AD16-B2D9C4FE44C3}"/>
+              </a:ext>
+            </a:extLst>
+          </p:cNvPr>
+          <p:cNvSpPr>
+            <a:spLocks noGrp="1"/>
+          </p:cNvSpPr>
+          <p:nvPr>
+            <p:ph type="title"/>
+          </p:nvPr>
+        </p:nvSpPr>
+        <p:spPr>
+          <a:xfrm>
+            <a:off x="838200" y="365125"/>
+            <a:ext cx="10515600" cy="1325563"/>
+          </a:xfrm>
+        </p:spPr>
+        <p:txBody>
+          <a:bodyPr>
+            <a:normAutofit/>
+          </a:bodyPr>
+          <a:lstStyle/>
+          <a:p>
+            <a:r>
+              <a:rPr lang="en-US" b="1" dirty="0">
+                <a:solidFill>
+                  <a:srgbClr val="292D33"/>
+                </a:solidFill>
+                <a:latin typeface="Euclid Circular B" panose="020B0504000000000000" pitchFamily="34" charset="0"/>
+                <a:ea typeface="Euclid Circular B" panose="020B0504000000000000" pitchFamily="34" charset="0"/>
+              </a:rPr>
+              <a:t>The need for layering</a:t>
+            </a:r>
+            <a:br>
+              <a:rPr lang="en-US" b="1" dirty="0">
+                <a:solidFill>
+                  <a:srgbClr val="292D33"/>
+                </a:solidFill>
+                <a:latin typeface="Euclid Circular B" panose="020B0504000000000000" pitchFamily="34" charset="0"/>
+                <a:ea typeface="Euclid Circular B" panose="020B0504000000000000" pitchFamily="34" charset="0"/>
+              </a:rPr>
+            </a:br>
+            <a:r>
+              <a:rPr lang="en-US" sz="3200" b="1" i="1" dirty="0">
+                <a:solidFill>
+                  <a:srgbClr val="292D33"/>
+                </a:solidFill>
+                <a:latin typeface="Euclid Circular B" panose="020B0504000000000000" pitchFamily="34" charset="0"/>
+                <a:ea typeface="Euclid Circular B" panose="020B0504000000000000" pitchFamily="34" charset="0"/>
+              </a:rPr>
+              <a:t>ABP’s layered module solution structure</a:t>
+            </a:r>
+            <a:endParaRPr lang="en-US" b="1" dirty="0">
+              <a:solidFill>
+                <a:srgbClr val="292D33"/>
+              </a:solidFill>
+              <a:latin typeface="Euclid Circular B" panose="020B0504000000000000" pitchFamily="34" charset="0"/>
+              <a:ea typeface="Euclid Circular B" panose="020B0504000000000000" pitchFamily="34" charset="0"/>
+            </a:endParaRPr>
+          </a:p>
+        </p:txBody>
+      </p:sp>
     </p:spTree>
     <p:extLst>
       <p:ext uri="{BB962C8B-B14F-4D97-AF65-F5344CB8AC3E}">
-        <p14:creationId xmlns:p14="http://schemas.microsoft.com/office/powerpoint/2010/main" val="3073250955"/>
+        <p14:creationId xmlns:p14="http://schemas.microsoft.com/office/powerpoint/2010/main" val="357793711"/>
       </p:ext>
     </p:extLst>
   </p:cSld>
@@ -27611,7 +33078,7 @@
           <p:cNvPr id="2" name="Title 1">
             <a:extLst>
               <a:ext uri="{FF2B5EF4-FFF2-40B4-BE49-F238E27FC236}">
-                <a16:creationId xmlns:a16="http://schemas.microsoft.com/office/drawing/2014/main" id="{55E11F08-6CA0-48F1-AD67-97430DDA07F0}"/>
+                <a16:creationId xmlns:a16="http://schemas.microsoft.com/office/drawing/2014/main" id="{9255DFBE-19DA-408D-84E6-F4043FC30BD3}"/>
               </a:ext>
             </a:extLst>
           </p:cNvPr>
@@ -27619,33 +33086,35 @@
             <a:spLocks noGrp="1"/>
           </p:cNvSpPr>
           <p:nvPr>
-            <p:ph type="title"/>
+            <p:ph type="ctrTitle"/>
           </p:nvPr>
         </p:nvSpPr>
         <p:spPr/>
         <p:txBody>
-          <a:bodyPr/>
+          <a:bodyPr>
+            <a:normAutofit/>
+          </a:bodyPr>
           <a:lstStyle/>
           <a:p>
             <a:r>
-              <a:rPr lang="en-US" b="1" dirty="0">
+              <a:rPr lang="en-US" sz="4800" b="1" dirty="0">
                 <a:solidFill>
                   <a:srgbClr val="292D33"/>
                 </a:solidFill>
                 <a:latin typeface="Euclid Circular B" panose="020B0504000000000000" pitchFamily="34" charset="0"/>
                 <a:ea typeface="Euclid Circular B" panose="020B0504000000000000" pitchFamily="34" charset="0"/>
               </a:rPr>
-              <a:t>Title</a:t>
+              <a:t>MIGRATING TO MICROSERVICES</a:t>
             </a:r>
           </a:p>
         </p:txBody>
       </p:sp>
       <p:sp>
         <p:nvSpPr>
-          <p:cNvPr id="3" name="Content Placeholder 2">
-            <a:extLst>
-              <a:ext uri="{FF2B5EF4-FFF2-40B4-BE49-F238E27FC236}">
-                <a16:creationId xmlns:a16="http://schemas.microsoft.com/office/drawing/2014/main" id="{891C7693-D3DF-4635-96F4-97F3B4136FDF}"/>
+          <p:cNvPr id="3" name="Subtitle 2">
+            <a:extLst>
+              <a:ext uri="{FF2B5EF4-FFF2-40B4-BE49-F238E27FC236}">
+                <a16:creationId xmlns:a16="http://schemas.microsoft.com/office/drawing/2014/main" id="{265612B9-B745-46CB-8A20-997CA82E05E7}"/>
               </a:ext>
             </a:extLst>
           </p:cNvPr>
@@ -27653,29 +33122,27 @@
             <a:spLocks noGrp="1"/>
           </p:cNvSpPr>
           <p:nvPr>
-            <p:ph idx="1"/>
+            <p:ph type="subTitle" idx="1"/>
           </p:nvPr>
         </p:nvSpPr>
         <p:spPr/>
         <p:txBody>
-          <a:bodyPr/>
+          <a:bodyPr>
+            <a:normAutofit/>
+          </a:bodyPr>
           <a:lstStyle/>
           <a:p>
             <a:r>
-              <a:rPr lang="en-US" dirty="0">
+              <a:rPr lang="en-US" sz="2000" b="1" dirty="0">
+                <a:solidFill>
+                  <a:srgbClr val="292D33"/>
+                </a:solidFill>
                 <a:latin typeface="Euclid Circular B" panose="020B0504000000000000" pitchFamily="34" charset="0"/>
                 <a:ea typeface="Euclid Circular B" panose="020B0504000000000000" pitchFamily="34" charset="0"/>
               </a:rPr>
-              <a:t>TODO</a:t>
-            </a:r>
-            <a:r>
-              <a:rPr lang="en-US">
-                <a:latin typeface="Euclid Circular B" panose="020B0504000000000000" pitchFamily="34" charset="0"/>
-                <a:ea typeface="Euclid Circular B" panose="020B0504000000000000" pitchFamily="34" charset="0"/>
-              </a:rPr>
-              <a:t>: ...</a:t>
-            </a:r>
-            <a:endParaRPr lang="en-US" dirty="0">
+              <a:t>DESIGNING MONOLITH FIRST FOR MICROSERVICE ARCHITECTURE</a:t>
+            </a:r>
+            <a:endParaRPr lang="en-US" sz="2000" dirty="0">
               <a:latin typeface="Euclid Circular B" panose="020B0504000000000000" pitchFamily="34" charset="0"/>
               <a:ea typeface="Euclid Circular B" panose="020B0504000000000000" pitchFamily="34" charset="0"/>
             </a:endParaRPr>
@@ -27685,7 +33152,7 @@
     </p:spTree>
     <p:extLst>
       <p:ext uri="{BB962C8B-B14F-4D97-AF65-F5344CB8AC3E}">
-        <p14:creationId xmlns:p14="http://schemas.microsoft.com/office/powerpoint/2010/main" val="214136112"/>
+        <p14:creationId xmlns:p14="http://schemas.microsoft.com/office/powerpoint/2010/main" val="3507474482"/>
       </p:ext>
     </p:extLst>
   </p:cSld>
@@ -27754,7 +33221,7 @@
           <a:graphicData uri="http://schemas.openxmlformats.org/presentationml/2006/ole">
             <mc:AlternateContent xmlns:mc="http://schemas.openxmlformats.org/markup-compatibility/2006">
               <mc:Choice xmlns:v="urn:schemas-microsoft-com:vml" Requires="v">
-                <p:oleObj spid="_x0000_s2107" name="Bitmap Image" r:id="rId4" imgW="12553920" imgH="8362800" progId="Paint.Picture">
+                <p:oleObj spid="_x0000_s2122" name="Bitmap Image" r:id="rId4" imgW="12553920" imgH="8362800" progId="Paint.Picture">
                   <p:embed/>
                 </p:oleObj>
               </mc:Choice>
@@ -27912,7 +33379,7 @@
     </p:spTree>
     <p:extLst>
       <p:ext uri="{BB962C8B-B14F-4D97-AF65-F5344CB8AC3E}">
-        <p14:creationId xmlns:p14="http://schemas.microsoft.com/office/powerpoint/2010/main" val="3539053896"/>
+        <p14:creationId xmlns:p14="http://schemas.microsoft.com/office/powerpoint/2010/main" val="1277783299"/>
       </p:ext>
     </p:extLst>
   </p:cSld>
@@ -28032,7 +33499,7 @@
     </p:spTree>
     <p:extLst>
       <p:ext uri="{BB962C8B-B14F-4D97-AF65-F5344CB8AC3E}">
-        <p14:creationId xmlns:p14="http://schemas.microsoft.com/office/powerpoint/2010/main" val="2818505958"/>
+        <p14:creationId xmlns:p14="http://schemas.microsoft.com/office/powerpoint/2010/main" val="326598016"/>
       </p:ext>
     </p:extLst>
   </p:cSld>
@@ -28152,7 +33619,7 @@
     </p:spTree>
     <p:extLst>
       <p:ext uri="{BB962C8B-B14F-4D97-AF65-F5344CB8AC3E}">
-        <p14:creationId xmlns:p14="http://schemas.microsoft.com/office/powerpoint/2010/main" val="4272791268"/>
+        <p14:creationId xmlns:p14="http://schemas.microsoft.com/office/powerpoint/2010/main" val="3073250955"/>
       </p:ext>
     </p:extLst>
   </p:cSld>
@@ -28272,6 +33739,486 @@
     </p:spTree>
     <p:extLst>
       <p:ext uri="{BB962C8B-B14F-4D97-AF65-F5344CB8AC3E}">
+        <p14:creationId xmlns:p14="http://schemas.microsoft.com/office/powerpoint/2010/main" val="214136112"/>
+      </p:ext>
+    </p:extLst>
+  </p:cSld>
+  <p:clrMapOvr>
+    <a:masterClrMapping/>
+  </p:clrMapOvr>
+</p:sld>
+</file>
+
+<file path=ppt/slides/slide54.xml><?xml version="1.0" encoding="utf-8"?>
+<p:sld xmlns:a="http://schemas.openxmlformats.org/drawingml/2006/main" xmlns:r="http://schemas.openxmlformats.org/officeDocument/2006/relationships" xmlns:p="http://schemas.openxmlformats.org/presentationml/2006/main">
+  <p:cSld>
+    <p:bg>
+      <p:bgPr>
+        <a:blipFill dpi="0" rotWithShape="1">
+          <a:blip r:embed="rId2">
+            <a:lum/>
+          </a:blip>
+          <a:srcRect/>
+          <a:stretch>
+            <a:fillRect/>
+          </a:stretch>
+        </a:blipFill>
+        <a:effectLst/>
+      </p:bgPr>
+    </p:bg>
+    <p:spTree>
+      <p:nvGrpSpPr>
+        <p:cNvPr id="1" name=""/>
+        <p:cNvGrpSpPr/>
+        <p:nvPr/>
+      </p:nvGrpSpPr>
+      <p:grpSpPr>
+        <a:xfrm>
+          <a:off x="0" y="0"/>
+          <a:ext cx="0" cy="0"/>
+          <a:chOff x="0" y="0"/>
+          <a:chExt cx="0" cy="0"/>
+        </a:xfrm>
+      </p:grpSpPr>
+      <p:sp>
+        <p:nvSpPr>
+          <p:cNvPr id="2" name="Title 1">
+            <a:extLst>
+              <a:ext uri="{FF2B5EF4-FFF2-40B4-BE49-F238E27FC236}">
+                <a16:creationId xmlns:a16="http://schemas.microsoft.com/office/drawing/2014/main" id="{55E11F08-6CA0-48F1-AD67-97430DDA07F0}"/>
+              </a:ext>
+            </a:extLst>
+          </p:cNvPr>
+          <p:cNvSpPr>
+            <a:spLocks noGrp="1"/>
+          </p:cNvSpPr>
+          <p:nvPr>
+            <p:ph type="title"/>
+          </p:nvPr>
+        </p:nvSpPr>
+        <p:spPr/>
+        <p:txBody>
+          <a:bodyPr/>
+          <a:lstStyle/>
+          <a:p>
+            <a:r>
+              <a:rPr lang="en-US" b="1" dirty="0">
+                <a:solidFill>
+                  <a:srgbClr val="292D33"/>
+                </a:solidFill>
+                <a:latin typeface="Euclid Circular B" panose="020B0504000000000000" pitchFamily="34" charset="0"/>
+                <a:ea typeface="Euclid Circular B" panose="020B0504000000000000" pitchFamily="34" charset="0"/>
+              </a:rPr>
+              <a:t>Title</a:t>
+            </a:r>
+          </a:p>
+        </p:txBody>
+      </p:sp>
+      <p:sp>
+        <p:nvSpPr>
+          <p:cNvPr id="3" name="Content Placeholder 2">
+            <a:extLst>
+              <a:ext uri="{FF2B5EF4-FFF2-40B4-BE49-F238E27FC236}">
+                <a16:creationId xmlns:a16="http://schemas.microsoft.com/office/drawing/2014/main" id="{891C7693-D3DF-4635-96F4-97F3B4136FDF}"/>
+              </a:ext>
+            </a:extLst>
+          </p:cNvPr>
+          <p:cNvSpPr>
+            <a:spLocks noGrp="1"/>
+          </p:cNvSpPr>
+          <p:nvPr>
+            <p:ph idx="1"/>
+          </p:nvPr>
+        </p:nvSpPr>
+        <p:spPr/>
+        <p:txBody>
+          <a:bodyPr/>
+          <a:lstStyle/>
+          <a:p>
+            <a:r>
+              <a:rPr lang="en-US" dirty="0">
+                <a:latin typeface="Euclid Circular B" panose="020B0504000000000000" pitchFamily="34" charset="0"/>
+                <a:ea typeface="Euclid Circular B" panose="020B0504000000000000" pitchFamily="34" charset="0"/>
+              </a:rPr>
+              <a:t>TODO</a:t>
+            </a:r>
+            <a:r>
+              <a:rPr lang="en-US">
+                <a:latin typeface="Euclid Circular B" panose="020B0504000000000000" pitchFamily="34" charset="0"/>
+                <a:ea typeface="Euclid Circular B" panose="020B0504000000000000" pitchFamily="34" charset="0"/>
+              </a:rPr>
+              <a:t>: ...</a:t>
+            </a:r>
+            <a:endParaRPr lang="en-US" dirty="0">
+              <a:latin typeface="Euclid Circular B" panose="020B0504000000000000" pitchFamily="34" charset="0"/>
+              <a:ea typeface="Euclid Circular B" panose="020B0504000000000000" pitchFamily="34" charset="0"/>
+            </a:endParaRPr>
+          </a:p>
+        </p:txBody>
+      </p:sp>
+    </p:spTree>
+    <p:extLst>
+      <p:ext uri="{BB962C8B-B14F-4D97-AF65-F5344CB8AC3E}">
+        <p14:creationId xmlns:p14="http://schemas.microsoft.com/office/powerpoint/2010/main" val="3539053896"/>
+      </p:ext>
+    </p:extLst>
+  </p:cSld>
+  <p:clrMapOvr>
+    <a:masterClrMapping/>
+  </p:clrMapOvr>
+</p:sld>
+</file>
+
+<file path=ppt/slides/slide55.xml><?xml version="1.0" encoding="utf-8"?>
+<p:sld xmlns:a="http://schemas.openxmlformats.org/drawingml/2006/main" xmlns:r="http://schemas.openxmlformats.org/officeDocument/2006/relationships" xmlns:p="http://schemas.openxmlformats.org/presentationml/2006/main">
+  <p:cSld>
+    <p:bg>
+      <p:bgPr>
+        <a:blipFill dpi="0" rotWithShape="1">
+          <a:blip r:embed="rId2">
+            <a:lum/>
+          </a:blip>
+          <a:srcRect/>
+          <a:stretch>
+            <a:fillRect/>
+          </a:stretch>
+        </a:blipFill>
+        <a:effectLst/>
+      </p:bgPr>
+    </p:bg>
+    <p:spTree>
+      <p:nvGrpSpPr>
+        <p:cNvPr id="1" name=""/>
+        <p:cNvGrpSpPr/>
+        <p:nvPr/>
+      </p:nvGrpSpPr>
+      <p:grpSpPr>
+        <a:xfrm>
+          <a:off x="0" y="0"/>
+          <a:ext cx="0" cy="0"/>
+          <a:chOff x="0" y="0"/>
+          <a:chExt cx="0" cy="0"/>
+        </a:xfrm>
+      </p:grpSpPr>
+      <p:sp>
+        <p:nvSpPr>
+          <p:cNvPr id="2" name="Title 1">
+            <a:extLst>
+              <a:ext uri="{FF2B5EF4-FFF2-40B4-BE49-F238E27FC236}">
+                <a16:creationId xmlns:a16="http://schemas.microsoft.com/office/drawing/2014/main" id="{55E11F08-6CA0-48F1-AD67-97430DDA07F0}"/>
+              </a:ext>
+            </a:extLst>
+          </p:cNvPr>
+          <p:cNvSpPr>
+            <a:spLocks noGrp="1"/>
+          </p:cNvSpPr>
+          <p:nvPr>
+            <p:ph type="title"/>
+          </p:nvPr>
+        </p:nvSpPr>
+        <p:spPr/>
+        <p:txBody>
+          <a:bodyPr/>
+          <a:lstStyle/>
+          <a:p>
+            <a:r>
+              <a:rPr lang="en-US" b="1" dirty="0">
+                <a:solidFill>
+                  <a:srgbClr val="292D33"/>
+                </a:solidFill>
+                <a:latin typeface="Euclid Circular B" panose="020B0504000000000000" pitchFamily="34" charset="0"/>
+                <a:ea typeface="Euclid Circular B" panose="020B0504000000000000" pitchFamily="34" charset="0"/>
+              </a:rPr>
+              <a:t>Title</a:t>
+            </a:r>
+          </a:p>
+        </p:txBody>
+      </p:sp>
+      <p:sp>
+        <p:nvSpPr>
+          <p:cNvPr id="3" name="Content Placeholder 2">
+            <a:extLst>
+              <a:ext uri="{FF2B5EF4-FFF2-40B4-BE49-F238E27FC236}">
+                <a16:creationId xmlns:a16="http://schemas.microsoft.com/office/drawing/2014/main" id="{891C7693-D3DF-4635-96F4-97F3B4136FDF}"/>
+              </a:ext>
+            </a:extLst>
+          </p:cNvPr>
+          <p:cNvSpPr>
+            <a:spLocks noGrp="1"/>
+          </p:cNvSpPr>
+          <p:nvPr>
+            <p:ph idx="1"/>
+          </p:nvPr>
+        </p:nvSpPr>
+        <p:spPr/>
+        <p:txBody>
+          <a:bodyPr/>
+          <a:lstStyle/>
+          <a:p>
+            <a:r>
+              <a:rPr lang="en-US" dirty="0">
+                <a:latin typeface="Euclid Circular B" panose="020B0504000000000000" pitchFamily="34" charset="0"/>
+                <a:ea typeface="Euclid Circular B" panose="020B0504000000000000" pitchFamily="34" charset="0"/>
+              </a:rPr>
+              <a:t>TODO</a:t>
+            </a:r>
+            <a:r>
+              <a:rPr lang="en-US">
+                <a:latin typeface="Euclid Circular B" panose="020B0504000000000000" pitchFamily="34" charset="0"/>
+                <a:ea typeface="Euclid Circular B" panose="020B0504000000000000" pitchFamily="34" charset="0"/>
+              </a:rPr>
+              <a:t>: ...</a:t>
+            </a:r>
+            <a:endParaRPr lang="en-US" dirty="0">
+              <a:latin typeface="Euclid Circular B" panose="020B0504000000000000" pitchFamily="34" charset="0"/>
+              <a:ea typeface="Euclid Circular B" panose="020B0504000000000000" pitchFamily="34" charset="0"/>
+            </a:endParaRPr>
+          </a:p>
+        </p:txBody>
+      </p:sp>
+    </p:spTree>
+    <p:extLst>
+      <p:ext uri="{BB962C8B-B14F-4D97-AF65-F5344CB8AC3E}">
+        <p14:creationId xmlns:p14="http://schemas.microsoft.com/office/powerpoint/2010/main" val="2818505958"/>
+      </p:ext>
+    </p:extLst>
+  </p:cSld>
+  <p:clrMapOvr>
+    <a:masterClrMapping/>
+  </p:clrMapOvr>
+</p:sld>
+</file>
+
+<file path=ppt/slides/slide56.xml><?xml version="1.0" encoding="utf-8"?>
+<p:sld xmlns:a="http://schemas.openxmlformats.org/drawingml/2006/main" xmlns:r="http://schemas.openxmlformats.org/officeDocument/2006/relationships" xmlns:p="http://schemas.openxmlformats.org/presentationml/2006/main">
+  <p:cSld>
+    <p:bg>
+      <p:bgPr>
+        <a:blipFill dpi="0" rotWithShape="1">
+          <a:blip r:embed="rId2">
+            <a:lum/>
+          </a:blip>
+          <a:srcRect/>
+          <a:stretch>
+            <a:fillRect/>
+          </a:stretch>
+        </a:blipFill>
+        <a:effectLst/>
+      </p:bgPr>
+    </p:bg>
+    <p:spTree>
+      <p:nvGrpSpPr>
+        <p:cNvPr id="1" name=""/>
+        <p:cNvGrpSpPr/>
+        <p:nvPr/>
+      </p:nvGrpSpPr>
+      <p:grpSpPr>
+        <a:xfrm>
+          <a:off x="0" y="0"/>
+          <a:ext cx="0" cy="0"/>
+          <a:chOff x="0" y="0"/>
+          <a:chExt cx="0" cy="0"/>
+        </a:xfrm>
+      </p:grpSpPr>
+      <p:sp>
+        <p:nvSpPr>
+          <p:cNvPr id="2" name="Title 1">
+            <a:extLst>
+              <a:ext uri="{FF2B5EF4-FFF2-40B4-BE49-F238E27FC236}">
+                <a16:creationId xmlns:a16="http://schemas.microsoft.com/office/drawing/2014/main" id="{55E11F08-6CA0-48F1-AD67-97430DDA07F0}"/>
+              </a:ext>
+            </a:extLst>
+          </p:cNvPr>
+          <p:cNvSpPr>
+            <a:spLocks noGrp="1"/>
+          </p:cNvSpPr>
+          <p:nvPr>
+            <p:ph type="title"/>
+          </p:nvPr>
+        </p:nvSpPr>
+        <p:spPr/>
+        <p:txBody>
+          <a:bodyPr/>
+          <a:lstStyle/>
+          <a:p>
+            <a:r>
+              <a:rPr lang="en-US" b="1" dirty="0">
+                <a:solidFill>
+                  <a:srgbClr val="292D33"/>
+                </a:solidFill>
+                <a:latin typeface="Euclid Circular B" panose="020B0504000000000000" pitchFamily="34" charset="0"/>
+                <a:ea typeface="Euclid Circular B" panose="020B0504000000000000" pitchFamily="34" charset="0"/>
+              </a:rPr>
+              <a:t>Title</a:t>
+            </a:r>
+          </a:p>
+        </p:txBody>
+      </p:sp>
+      <p:sp>
+        <p:nvSpPr>
+          <p:cNvPr id="3" name="Content Placeholder 2">
+            <a:extLst>
+              <a:ext uri="{FF2B5EF4-FFF2-40B4-BE49-F238E27FC236}">
+                <a16:creationId xmlns:a16="http://schemas.microsoft.com/office/drawing/2014/main" id="{891C7693-D3DF-4635-96F4-97F3B4136FDF}"/>
+              </a:ext>
+            </a:extLst>
+          </p:cNvPr>
+          <p:cNvSpPr>
+            <a:spLocks noGrp="1"/>
+          </p:cNvSpPr>
+          <p:nvPr>
+            <p:ph idx="1"/>
+          </p:nvPr>
+        </p:nvSpPr>
+        <p:spPr/>
+        <p:txBody>
+          <a:bodyPr/>
+          <a:lstStyle/>
+          <a:p>
+            <a:r>
+              <a:rPr lang="en-US" dirty="0">
+                <a:latin typeface="Euclid Circular B" panose="020B0504000000000000" pitchFamily="34" charset="0"/>
+                <a:ea typeface="Euclid Circular B" panose="020B0504000000000000" pitchFamily="34" charset="0"/>
+              </a:rPr>
+              <a:t>TODO</a:t>
+            </a:r>
+            <a:r>
+              <a:rPr lang="en-US">
+                <a:latin typeface="Euclid Circular B" panose="020B0504000000000000" pitchFamily="34" charset="0"/>
+                <a:ea typeface="Euclid Circular B" panose="020B0504000000000000" pitchFamily="34" charset="0"/>
+              </a:rPr>
+              <a:t>: ...</a:t>
+            </a:r>
+            <a:endParaRPr lang="en-US" dirty="0">
+              <a:latin typeface="Euclid Circular B" panose="020B0504000000000000" pitchFamily="34" charset="0"/>
+              <a:ea typeface="Euclid Circular B" panose="020B0504000000000000" pitchFamily="34" charset="0"/>
+            </a:endParaRPr>
+          </a:p>
+        </p:txBody>
+      </p:sp>
+    </p:spTree>
+    <p:extLst>
+      <p:ext uri="{BB962C8B-B14F-4D97-AF65-F5344CB8AC3E}">
+        <p14:creationId xmlns:p14="http://schemas.microsoft.com/office/powerpoint/2010/main" val="4272791268"/>
+      </p:ext>
+    </p:extLst>
+  </p:cSld>
+  <p:clrMapOvr>
+    <a:masterClrMapping/>
+  </p:clrMapOvr>
+</p:sld>
+</file>
+
+<file path=ppt/slides/slide57.xml><?xml version="1.0" encoding="utf-8"?>
+<p:sld xmlns:a="http://schemas.openxmlformats.org/drawingml/2006/main" xmlns:r="http://schemas.openxmlformats.org/officeDocument/2006/relationships" xmlns:p="http://schemas.openxmlformats.org/presentationml/2006/main">
+  <p:cSld>
+    <p:bg>
+      <p:bgPr>
+        <a:blipFill dpi="0" rotWithShape="1">
+          <a:blip r:embed="rId2">
+            <a:lum/>
+          </a:blip>
+          <a:srcRect/>
+          <a:stretch>
+            <a:fillRect/>
+          </a:stretch>
+        </a:blipFill>
+        <a:effectLst/>
+      </p:bgPr>
+    </p:bg>
+    <p:spTree>
+      <p:nvGrpSpPr>
+        <p:cNvPr id="1" name=""/>
+        <p:cNvGrpSpPr/>
+        <p:nvPr/>
+      </p:nvGrpSpPr>
+      <p:grpSpPr>
+        <a:xfrm>
+          <a:off x="0" y="0"/>
+          <a:ext cx="0" cy="0"/>
+          <a:chOff x="0" y="0"/>
+          <a:chExt cx="0" cy="0"/>
+        </a:xfrm>
+      </p:grpSpPr>
+      <p:sp>
+        <p:nvSpPr>
+          <p:cNvPr id="2" name="Title 1">
+            <a:extLst>
+              <a:ext uri="{FF2B5EF4-FFF2-40B4-BE49-F238E27FC236}">
+                <a16:creationId xmlns:a16="http://schemas.microsoft.com/office/drawing/2014/main" id="{55E11F08-6CA0-48F1-AD67-97430DDA07F0}"/>
+              </a:ext>
+            </a:extLst>
+          </p:cNvPr>
+          <p:cNvSpPr>
+            <a:spLocks noGrp="1"/>
+          </p:cNvSpPr>
+          <p:nvPr>
+            <p:ph type="title"/>
+          </p:nvPr>
+        </p:nvSpPr>
+        <p:spPr/>
+        <p:txBody>
+          <a:bodyPr/>
+          <a:lstStyle/>
+          <a:p>
+            <a:r>
+              <a:rPr lang="en-US" b="1" dirty="0">
+                <a:solidFill>
+                  <a:srgbClr val="292D33"/>
+                </a:solidFill>
+                <a:latin typeface="Euclid Circular B" panose="020B0504000000000000" pitchFamily="34" charset="0"/>
+                <a:ea typeface="Euclid Circular B" panose="020B0504000000000000" pitchFamily="34" charset="0"/>
+              </a:rPr>
+              <a:t>Title</a:t>
+            </a:r>
+          </a:p>
+        </p:txBody>
+      </p:sp>
+      <p:sp>
+        <p:nvSpPr>
+          <p:cNvPr id="3" name="Content Placeholder 2">
+            <a:extLst>
+              <a:ext uri="{FF2B5EF4-FFF2-40B4-BE49-F238E27FC236}">
+                <a16:creationId xmlns:a16="http://schemas.microsoft.com/office/drawing/2014/main" id="{891C7693-D3DF-4635-96F4-97F3B4136FDF}"/>
+              </a:ext>
+            </a:extLst>
+          </p:cNvPr>
+          <p:cNvSpPr>
+            <a:spLocks noGrp="1"/>
+          </p:cNvSpPr>
+          <p:nvPr>
+            <p:ph idx="1"/>
+          </p:nvPr>
+        </p:nvSpPr>
+        <p:spPr/>
+        <p:txBody>
+          <a:bodyPr/>
+          <a:lstStyle/>
+          <a:p>
+            <a:r>
+              <a:rPr lang="en-US" dirty="0">
+                <a:latin typeface="Euclid Circular B" panose="020B0504000000000000" pitchFamily="34" charset="0"/>
+                <a:ea typeface="Euclid Circular B" panose="020B0504000000000000" pitchFamily="34" charset="0"/>
+              </a:rPr>
+              <a:t>TODO</a:t>
+            </a:r>
+            <a:r>
+              <a:rPr lang="en-US">
+                <a:latin typeface="Euclid Circular B" panose="020B0504000000000000" pitchFamily="34" charset="0"/>
+                <a:ea typeface="Euclid Circular B" panose="020B0504000000000000" pitchFamily="34" charset="0"/>
+              </a:rPr>
+              <a:t>: ...</a:t>
+            </a:r>
+            <a:endParaRPr lang="en-US" dirty="0">
+              <a:latin typeface="Euclid Circular B" panose="020B0504000000000000" pitchFamily="34" charset="0"/>
+              <a:ea typeface="Euclid Circular B" panose="020B0504000000000000" pitchFamily="34" charset="0"/>
+            </a:endParaRPr>
+          </a:p>
+        </p:txBody>
+      </p:sp>
+    </p:spTree>
+    <p:extLst>
+      <p:ext uri="{BB962C8B-B14F-4D97-AF65-F5344CB8AC3E}">
         <p14:creationId xmlns:p14="http://schemas.microsoft.com/office/powerpoint/2010/main" val="3822449102"/>
       </p:ext>
     </p:extLst>
@@ -28282,7 +34229,7 @@
 </p:sld>
 </file>
 
-<file path=ppt/slides/slide54.xml><?xml version="1.0" encoding="utf-8"?>
+<file path=ppt/slides/slide58.xml><?xml version="1.0" encoding="utf-8"?>
 <p:sld xmlns:a="http://schemas.openxmlformats.org/drawingml/2006/main" xmlns:r="http://schemas.openxmlformats.org/officeDocument/2006/relationships" xmlns:p="http://schemas.openxmlformats.org/presentationml/2006/main">
   <p:cSld>
     <p:bg>
@@ -29975,7 +35922,7 @@
           <a:graphicData uri="http://schemas.openxmlformats.org/presentationml/2006/ole">
             <mc:AlternateContent xmlns:mc="http://schemas.openxmlformats.org/markup-compatibility/2006">
               <mc:Choice xmlns:v="urn:schemas-microsoft-com:vml" Requires="v">
-                <p:oleObj spid="_x0000_s3129" name="Bitmap Image" r:id="rId4" imgW="17059320" imgH="5762520" progId="Paint.Picture">
+                <p:oleObj spid="_x0000_s3144" name="Bitmap Image" r:id="rId4" imgW="17059320" imgH="5762520" progId="Paint.Picture">
                   <p:embed/>
                 </p:oleObj>
               </mc:Choice>

--- a/2022-05-12 Designing Monolith First (TR)/Monolith First Presentation.pptx
+++ b/2022-05-12 Designing Monolith First (TR)/Monolith First Presentation.pptx
@@ -50,19 +50,23 @@
     <p:sldId id="304" r:id="rId44"/>
     <p:sldId id="315" r:id="rId45"/>
     <p:sldId id="305" r:id="rId46"/>
-    <p:sldId id="306" r:id="rId47"/>
-    <p:sldId id="307" r:id="rId48"/>
-    <p:sldId id="308" r:id="rId49"/>
-    <p:sldId id="271" r:id="rId50"/>
-    <p:sldId id="262" r:id="rId51"/>
-    <p:sldId id="263" r:id="rId52"/>
-    <p:sldId id="264" r:id="rId53"/>
-    <p:sldId id="265" r:id="rId54"/>
-    <p:sldId id="266" r:id="rId55"/>
-    <p:sldId id="267" r:id="rId56"/>
-    <p:sldId id="268" r:id="rId57"/>
-    <p:sldId id="297" r:id="rId58"/>
-    <p:sldId id="298" r:id="rId59"/>
+    <p:sldId id="316" r:id="rId47"/>
+    <p:sldId id="317" r:id="rId48"/>
+    <p:sldId id="318" r:id="rId49"/>
+    <p:sldId id="319" r:id="rId50"/>
+    <p:sldId id="320" r:id="rId51"/>
+    <p:sldId id="321" r:id="rId52"/>
+    <p:sldId id="322" r:id="rId53"/>
+    <p:sldId id="271" r:id="rId54"/>
+    <p:sldId id="262" r:id="rId55"/>
+    <p:sldId id="263" r:id="rId56"/>
+    <p:sldId id="264" r:id="rId57"/>
+    <p:sldId id="265" r:id="rId58"/>
+    <p:sldId id="266" r:id="rId59"/>
+    <p:sldId id="267" r:id="rId60"/>
+    <p:sldId id="268" r:id="rId61"/>
+    <p:sldId id="297" r:id="rId62"/>
+    <p:sldId id="298" r:id="rId63"/>
   </p:sldIdLst>
   <p:sldSz cx="12192000" cy="6858000"/>
   <p:notesSz cx="6858000" cy="9144000"/>
@@ -30982,7 +30986,7 @@
           <a:graphicData uri="http://schemas.openxmlformats.org/presentationml/2006/ole">
             <mc:AlternateContent xmlns:mc="http://schemas.openxmlformats.org/markup-compatibility/2006">
               <mc:Choice xmlns:v="urn:schemas-microsoft-com:vml" Requires="v">
-                <p:oleObj spid="_x0000_s4108" name="Bitmap Image" r:id="rId4" imgW="8801280" imgH="2933640" progId="Paint.Picture">
+                <p:oleObj spid="_x0000_s4122" name="Bitmap Image" r:id="rId4" imgW="8801280" imgH="2933640" progId="Paint.Picture">
                   <p:embed/>
                 </p:oleObj>
               </mc:Choice>
@@ -31176,7 +31180,7 @@
           <a:graphicData uri="http://schemas.openxmlformats.org/presentationml/2006/ole">
             <mc:AlternateContent xmlns:mc="http://schemas.openxmlformats.org/markup-compatibility/2006">
               <mc:Choice xmlns:v="urn:schemas-microsoft-com:vml" Requires="v">
-                <p:oleObj spid="_x0000_s5132" name="Bitmap Image" r:id="rId4" imgW="8744040" imgH="3753000" progId="Paint.Picture">
+                <p:oleObj spid="_x0000_s5146" name="Bitmap Image" r:id="rId4" imgW="8744040" imgH="3753000" progId="Paint.Picture">
                   <p:embed/>
                 </p:oleObj>
               </mc:Choice>
@@ -32487,19 +32491,94 @@
                 <a:latin typeface="Euclid Circular B" panose="020B0504000000000000" pitchFamily="34" charset="0"/>
                 <a:ea typeface="Euclid Circular B" panose="020B0504000000000000" pitchFamily="34" charset="0"/>
               </a:rPr>
-              <a:t>TODO</a:t>
-            </a:r>
-            <a:r>
-              <a:rPr lang="en-US">
+              <a:t>A module should not touch other module’s </a:t>
+            </a:r>
+            <a:r>
+              <a:rPr lang="en-US" b="1" dirty="0">
                 <a:latin typeface="Euclid Circular B" panose="020B0504000000000000" pitchFamily="34" charset="0"/>
                 <a:ea typeface="Euclid Circular B" panose="020B0504000000000000" pitchFamily="34" charset="0"/>
               </a:rPr>
-              <a:t>: ...</a:t>
-            </a:r>
-            <a:endParaRPr lang="en-US" dirty="0">
-              <a:latin typeface="Euclid Circular B" panose="020B0504000000000000" pitchFamily="34" charset="0"/>
-              <a:ea typeface="Euclid Circular B" panose="020B0504000000000000" pitchFamily="34" charset="0"/>
-            </a:endParaRPr>
+              <a:t>internal APIs </a:t>
+            </a:r>
+            <a:r>
+              <a:rPr lang="en-US" dirty="0">
+                <a:latin typeface="Euclid Circular B" panose="020B0504000000000000" pitchFamily="34" charset="0"/>
+                <a:ea typeface="Euclid Circular B" panose="020B0504000000000000" pitchFamily="34" charset="0"/>
+              </a:rPr>
+              <a:t>and </a:t>
+            </a:r>
+            <a:r>
+              <a:rPr lang="en-US" b="1" dirty="0">
+                <a:latin typeface="Euclid Circular B" panose="020B0504000000000000" pitchFamily="34" charset="0"/>
+                <a:ea typeface="Euclid Circular B" panose="020B0504000000000000" pitchFamily="34" charset="0"/>
+              </a:rPr>
+              <a:t>database</a:t>
+            </a:r>
+          </a:p>
+          <a:p>
+            <a:r>
+              <a:rPr lang="en-US" dirty="0">
+                <a:latin typeface="Euclid Circular B" panose="020B0504000000000000" pitchFamily="34" charset="0"/>
+                <a:ea typeface="Euclid Circular B" panose="020B0504000000000000" pitchFamily="34" charset="0"/>
+              </a:rPr>
+              <a:t>Should talk with public </a:t>
+            </a:r>
+            <a:r>
+              <a:rPr lang="en-US" b="1" dirty="0">
+                <a:latin typeface="Euclid Circular B" panose="020B0504000000000000" pitchFamily="34" charset="0"/>
+                <a:ea typeface="Euclid Circular B" panose="020B0504000000000000" pitchFamily="34" charset="0"/>
+              </a:rPr>
+              <a:t>integration APIs</a:t>
+            </a:r>
+            <a:r>
+              <a:rPr lang="en-US" dirty="0">
+                <a:latin typeface="Euclid Circular B" panose="020B0504000000000000" pitchFamily="34" charset="0"/>
+                <a:ea typeface="Euclid Circular B" panose="020B0504000000000000" pitchFamily="34" charset="0"/>
+              </a:rPr>
+              <a:t> (</a:t>
+            </a:r>
+            <a:r>
+              <a:rPr lang="en-US" i="1" dirty="0">
+                <a:latin typeface="Euclid Circular B" panose="020B0504000000000000" pitchFamily="34" charset="0"/>
+                <a:ea typeface="Euclid Circular B" panose="020B0504000000000000" pitchFamily="34" charset="0"/>
+              </a:rPr>
+              <a:t>synchronous communication</a:t>
+            </a:r>
+            <a:r>
+              <a:rPr lang="en-US" dirty="0">
+                <a:latin typeface="Euclid Circular B" panose="020B0504000000000000" pitchFamily="34" charset="0"/>
+                <a:ea typeface="Euclid Circular B" panose="020B0504000000000000" pitchFamily="34" charset="0"/>
+              </a:rPr>
+              <a:t>) and </a:t>
+            </a:r>
+            <a:r>
+              <a:rPr lang="en-US" b="1" dirty="0">
+                <a:latin typeface="Euclid Circular B" panose="020B0504000000000000" pitchFamily="34" charset="0"/>
+                <a:ea typeface="Euclid Circular B" panose="020B0504000000000000" pitchFamily="34" charset="0"/>
+              </a:rPr>
+              <a:t>distributed events</a:t>
+            </a:r>
+            <a:r>
+              <a:rPr lang="en-US" dirty="0">
+                <a:latin typeface="Euclid Circular B" panose="020B0504000000000000" pitchFamily="34" charset="0"/>
+                <a:ea typeface="Euclid Circular B" panose="020B0504000000000000" pitchFamily="34" charset="0"/>
+              </a:rPr>
+              <a:t> (a</a:t>
+            </a:r>
+            <a:r>
+              <a:rPr lang="en-US" i="1" dirty="0">
+                <a:latin typeface="Euclid Circular B" panose="020B0504000000000000" pitchFamily="34" charset="0"/>
+                <a:ea typeface="Euclid Circular B" panose="020B0504000000000000" pitchFamily="34" charset="0"/>
+              </a:rPr>
+              <a:t>synchronous communication</a:t>
+            </a:r>
+            <a:r>
+              <a:rPr lang="en-US" dirty="0">
+                <a:latin typeface="Euclid Circular B" panose="020B0504000000000000" pitchFamily="34" charset="0"/>
+                <a:ea typeface="Euclid Circular B" panose="020B0504000000000000" pitchFamily="34" charset="0"/>
+              </a:rPr>
+              <a:t>)</a:t>
+            </a:r>
           </a:p>
         </p:txBody>
       </p:sp>
@@ -32539,7 +32618,7 @@
                 <a:latin typeface="Euclid Circular B" panose="020B0504000000000000" pitchFamily="34" charset="0"/>
                 <a:ea typeface="Euclid Circular B" panose="020B0504000000000000" pitchFamily="34" charset="0"/>
               </a:rPr>
-              <a:t>The need for layering</a:t>
+              <a:t>Integrating the modules</a:t>
             </a:r>
             <a:br>
               <a:rPr lang="en-US" b="1" dirty="0">
@@ -32558,7 +32637,7 @@
                 <a:latin typeface="Euclid Circular B" panose="020B0504000000000000" pitchFamily="34" charset="0"/>
                 <a:ea typeface="Euclid Circular B" panose="020B0504000000000000" pitchFamily="34" charset="0"/>
               </a:rPr>
-              <a:t>ABP’s layered module solution structure</a:t>
+              <a:t>Common principles</a:t>
             </a:r>
             <a:endParaRPr lang="en-US" b="1" dirty="0">
               <a:solidFill>
@@ -32580,6 +32659,158 @@
   <p:clrMapOvr>
     <a:masterClrMapping/>
   </p:clrMapOvr>
+  <p:timing>
+    <p:tnLst>
+      <p:par>
+        <p:cTn id="1" dur="indefinite" restart="never" nodeType="tmRoot">
+          <p:childTnLst>
+            <p:seq concurrent="1" nextAc="seek">
+              <p:cTn id="2" dur="indefinite" nodeType="mainSeq">
+                <p:childTnLst>
+                  <p:par>
+                    <p:cTn id="3" fill="hold">
+                      <p:stCondLst>
+                        <p:cond delay="indefinite"/>
+                      </p:stCondLst>
+                      <p:childTnLst>
+                        <p:par>
+                          <p:cTn id="4" fill="hold">
+                            <p:stCondLst>
+                              <p:cond delay="0"/>
+                            </p:stCondLst>
+                            <p:childTnLst>
+                              <p:par>
+                                <p:cTn id="5" presetID="10" presetClass="entr" presetSubtype="0" fill="hold" nodeType="clickEffect">
+                                  <p:stCondLst>
+                                    <p:cond delay="0"/>
+                                  </p:stCondLst>
+                                  <p:childTnLst>
+                                    <p:set>
+                                      <p:cBhvr>
+                                        <p:cTn id="6" dur="1" fill="hold">
+                                          <p:stCondLst>
+                                            <p:cond delay="0"/>
+                                          </p:stCondLst>
+                                        </p:cTn>
+                                        <p:tgtEl>
+                                          <p:spTgt spid="3">
+                                            <p:txEl>
+                                              <p:pRg st="0" end="0"/>
+                                            </p:txEl>
+                                          </p:spTgt>
+                                        </p:tgtEl>
+                                        <p:attrNameLst>
+                                          <p:attrName>style.visibility</p:attrName>
+                                        </p:attrNameLst>
+                                      </p:cBhvr>
+                                      <p:to>
+                                        <p:strVal val="visible"/>
+                                      </p:to>
+                                    </p:set>
+                                    <p:animEffect transition="in" filter="fade">
+                                      <p:cBhvr>
+                                        <p:cTn id="7" dur="500"/>
+                                        <p:tgtEl>
+                                          <p:spTgt spid="3">
+                                            <p:txEl>
+                                              <p:pRg st="0" end="0"/>
+                                            </p:txEl>
+                                          </p:spTgt>
+                                        </p:tgtEl>
+                                      </p:cBhvr>
+                                    </p:animEffect>
+                                  </p:childTnLst>
+                                </p:cTn>
+                              </p:par>
+                            </p:childTnLst>
+                          </p:cTn>
+                        </p:par>
+                      </p:childTnLst>
+                    </p:cTn>
+                  </p:par>
+                  <p:par>
+                    <p:cTn id="8" fill="hold">
+                      <p:stCondLst>
+                        <p:cond delay="indefinite"/>
+                      </p:stCondLst>
+                      <p:childTnLst>
+                        <p:par>
+                          <p:cTn id="9" fill="hold">
+                            <p:stCondLst>
+                              <p:cond delay="0"/>
+                            </p:stCondLst>
+                            <p:childTnLst>
+                              <p:par>
+                                <p:cTn id="10" presetID="10" presetClass="entr" presetSubtype="0" fill="hold" nodeType="clickEffect">
+                                  <p:stCondLst>
+                                    <p:cond delay="0"/>
+                                  </p:stCondLst>
+                                  <p:childTnLst>
+                                    <p:set>
+                                      <p:cBhvr>
+                                        <p:cTn id="11" dur="1" fill="hold">
+                                          <p:stCondLst>
+                                            <p:cond delay="0"/>
+                                          </p:stCondLst>
+                                        </p:cTn>
+                                        <p:tgtEl>
+                                          <p:spTgt spid="3">
+                                            <p:txEl>
+                                              <p:pRg st="1" end="1"/>
+                                            </p:txEl>
+                                          </p:spTgt>
+                                        </p:tgtEl>
+                                        <p:attrNameLst>
+                                          <p:attrName>style.visibility</p:attrName>
+                                        </p:attrNameLst>
+                                      </p:cBhvr>
+                                      <p:to>
+                                        <p:strVal val="visible"/>
+                                      </p:to>
+                                    </p:set>
+                                    <p:animEffect transition="in" filter="fade">
+                                      <p:cBhvr>
+                                        <p:cTn id="12" dur="500"/>
+                                        <p:tgtEl>
+                                          <p:spTgt spid="3">
+                                            <p:txEl>
+                                              <p:pRg st="1" end="1"/>
+                                            </p:txEl>
+                                          </p:spTgt>
+                                        </p:tgtEl>
+                                      </p:cBhvr>
+                                    </p:animEffect>
+                                  </p:childTnLst>
+                                </p:cTn>
+                              </p:par>
+                            </p:childTnLst>
+                          </p:cTn>
+                        </p:par>
+                      </p:childTnLst>
+                    </p:cTn>
+                  </p:par>
+                </p:childTnLst>
+              </p:cTn>
+              <p:prevCondLst>
+                <p:cond evt="onPrev" delay="0">
+                  <p:tgtEl>
+                    <p:sldTgt/>
+                  </p:tgtEl>
+                </p:cond>
+              </p:prevCondLst>
+              <p:nextCondLst>
+                <p:cond evt="onNext" delay="0">
+                  <p:tgtEl>
+                    <p:sldTgt/>
+                  </p:tgtEl>
+                </p:cond>
+              </p:nextCondLst>
+            </p:seq>
+          </p:childTnLst>
+        </p:cTn>
+      </p:par>
+    </p:tnLst>
+  </p:timing>
 </p:sld>
 </file>
 
@@ -32616,6 +32847,55 @@
       </p:grpSpPr>
       <p:sp>
         <p:nvSpPr>
+          <p:cNvPr id="22" name="Rectangle 21">
+            <a:extLst>
+              <a:ext uri="{FF2B5EF4-FFF2-40B4-BE49-F238E27FC236}">
+                <a16:creationId xmlns:a16="http://schemas.microsoft.com/office/drawing/2014/main" id="{B23CEE5C-B88D-4DD6-B958-766C563DC560}"/>
+              </a:ext>
+            </a:extLst>
+          </p:cNvPr>
+          <p:cNvSpPr/>
+          <p:nvPr/>
+        </p:nvSpPr>
+        <p:spPr>
+          <a:xfrm>
+            <a:off x="8031222" y="3016163"/>
+            <a:ext cx="3801396" cy="1800934"/>
+          </a:xfrm>
+          <a:prstGeom prst="rect">
+            <a:avLst/>
+          </a:prstGeom>
+        </p:spPr>
+        <p:style>
+          <a:lnRef idx="2">
+            <a:schemeClr val="accent6">
+              <a:shade val="50000"/>
+            </a:schemeClr>
+          </a:lnRef>
+          <a:fillRef idx="1">
+            <a:schemeClr val="accent6"/>
+          </a:fillRef>
+          <a:effectRef idx="0">
+            <a:schemeClr val="accent6"/>
+          </a:effectRef>
+          <a:fontRef idx="minor">
+            <a:schemeClr val="lt1"/>
+          </a:fontRef>
+        </p:style>
+        <p:txBody>
+          <a:bodyPr rtlCol="0" anchor="b"/>
+          <a:lstStyle/>
+          <a:p>
+            <a:pPr algn="ctr"/>
+            <a:r>
+              <a:rPr lang="en-US" dirty="0"/>
+              <a:t>Monolith Host (single process)</a:t>
+            </a:r>
+          </a:p>
+        </p:txBody>
+      </p:sp>
+      <p:sp>
+        <p:nvSpPr>
           <p:cNvPr id="3" name="Content Placeholder 2">
             <a:extLst>
               <a:ext uri="{FF2B5EF4-FFF2-40B4-BE49-F238E27FC236}">
@@ -32630,9 +32910,16 @@
             <p:ph idx="1"/>
           </p:nvPr>
         </p:nvSpPr>
-        <p:spPr/>
+        <p:spPr>
+          <a:xfrm>
+            <a:off x="838200" y="1825625"/>
+            <a:ext cx="7020506" cy="4351338"/>
+          </a:xfrm>
+        </p:spPr>
         <p:txBody>
-          <a:bodyPr/>
+          <a:bodyPr>
+            <a:normAutofit fontScale="92500" lnSpcReduction="20000"/>
+          </a:bodyPr>
           <a:lstStyle/>
           <a:p>
             <a:r>
@@ -32640,19 +32927,147 @@
                 <a:latin typeface="Euclid Circular B" panose="020B0504000000000000" pitchFamily="34" charset="0"/>
                 <a:ea typeface="Euclid Circular B" panose="020B0504000000000000" pitchFamily="34" charset="0"/>
               </a:rPr>
-              <a:t>TODO</a:t>
-            </a:r>
-            <a:r>
-              <a:rPr lang="en-US">
+              <a:t>Create </a:t>
+            </a:r>
+            <a:r>
+              <a:rPr lang="en-US" b="1" dirty="0">
                 <a:latin typeface="Euclid Circular B" panose="020B0504000000000000" pitchFamily="34" charset="0"/>
                 <a:ea typeface="Euclid Circular B" panose="020B0504000000000000" pitchFamily="34" charset="0"/>
               </a:rPr>
-              <a:t>: ...</a:t>
-            </a:r>
-            <a:endParaRPr lang="en-US" dirty="0">
-              <a:latin typeface="Euclid Circular B" panose="020B0504000000000000" pitchFamily="34" charset="0"/>
-              <a:ea typeface="Euclid Circular B" panose="020B0504000000000000" pitchFamily="34" charset="0"/>
-            </a:endParaRPr>
+              <a:t>integration services </a:t>
+            </a:r>
+            <a:r>
+              <a:rPr lang="en-US" dirty="0">
+                <a:latin typeface="Euclid Circular B" panose="020B0504000000000000" pitchFamily="34" charset="0"/>
+                <a:ea typeface="Euclid Circular B" panose="020B0504000000000000" pitchFamily="34" charset="0"/>
+              </a:rPr>
+              <a:t>(internal application services)</a:t>
+            </a:r>
+          </a:p>
+          <a:p>
+            <a:r>
+              <a:rPr lang="en-US" dirty="0">
+                <a:latin typeface="Euclid Circular B" panose="020B0504000000000000" pitchFamily="34" charset="0"/>
+                <a:ea typeface="Euclid Circular B" panose="020B0504000000000000" pitchFamily="34" charset="0"/>
+              </a:rPr>
+              <a:t>Best for;</a:t>
+            </a:r>
+          </a:p>
+          <a:p>
+            <a:pPr lvl="1"/>
+            <a:r>
+              <a:rPr lang="en-US" b="1" dirty="0">
+                <a:latin typeface="Euclid Circular B" panose="020B0504000000000000" pitchFamily="34" charset="0"/>
+                <a:ea typeface="Euclid Circular B" panose="020B0504000000000000" pitchFamily="34" charset="0"/>
+              </a:rPr>
+              <a:t>Read </a:t>
+            </a:r>
+            <a:r>
+              <a:rPr lang="en-US" dirty="0">
+                <a:latin typeface="Euclid Circular B" panose="020B0504000000000000" pitchFamily="34" charset="0"/>
+                <a:ea typeface="Euclid Circular B" panose="020B0504000000000000" pitchFamily="34" charset="0"/>
+              </a:rPr>
+              <a:t>(query) operations</a:t>
+            </a:r>
+          </a:p>
+          <a:p>
+            <a:pPr lvl="1"/>
+            <a:r>
+              <a:rPr lang="en-US" b="1" dirty="0">
+                <a:latin typeface="Euclid Circular B" panose="020B0504000000000000" pitchFamily="34" charset="0"/>
+                <a:ea typeface="Euclid Circular B" panose="020B0504000000000000" pitchFamily="34" charset="0"/>
+              </a:rPr>
+              <a:t>Repeatable </a:t>
+            </a:r>
+            <a:r>
+              <a:rPr lang="en-US" dirty="0">
+                <a:latin typeface="Euclid Circular B" panose="020B0504000000000000" pitchFamily="34" charset="0"/>
+                <a:ea typeface="Euclid Circular B" panose="020B0504000000000000" pitchFamily="34" charset="0"/>
+              </a:rPr>
+              <a:t>(idempotent) write (update/delete) operations</a:t>
+            </a:r>
+          </a:p>
+          <a:p>
+            <a:r>
+              <a:rPr lang="en-US" dirty="0">
+                <a:latin typeface="Euclid Circular B" panose="020B0504000000000000" pitchFamily="34" charset="0"/>
+                <a:ea typeface="Euclid Circular B" panose="020B0504000000000000" pitchFamily="34" charset="0"/>
+              </a:rPr>
+              <a:t>Don’t assume </a:t>
+            </a:r>
+            <a:r>
+              <a:rPr lang="en-US" b="1" dirty="0">
+                <a:latin typeface="Euclid Circular B" panose="020B0504000000000000" pitchFamily="34" charset="0"/>
+                <a:ea typeface="Euclid Circular B" panose="020B0504000000000000" pitchFamily="34" charset="0"/>
+              </a:rPr>
+              <a:t>database transaction </a:t>
+            </a:r>
+            <a:r>
+              <a:rPr lang="en-US" dirty="0">
+                <a:latin typeface="Euclid Circular B" panose="020B0504000000000000" pitchFamily="34" charset="0"/>
+                <a:ea typeface="Euclid Circular B" panose="020B0504000000000000" pitchFamily="34" charset="0"/>
+              </a:rPr>
+              <a:t>for inter-module operations</a:t>
+            </a:r>
+          </a:p>
+          <a:p>
+            <a:r>
+              <a:rPr lang="en-US" dirty="0">
+                <a:latin typeface="Euclid Circular B" panose="020B0504000000000000" pitchFamily="34" charset="0"/>
+                <a:ea typeface="Euclid Circular B" panose="020B0504000000000000" pitchFamily="34" charset="0"/>
+              </a:rPr>
+              <a:t>Use </a:t>
+            </a:r>
+            <a:r>
+              <a:rPr lang="en-US" b="1" dirty="0">
+                <a:latin typeface="Euclid Circular B" panose="020B0504000000000000" pitchFamily="34" charset="0"/>
+                <a:ea typeface="Euclid Circular B" panose="020B0504000000000000" pitchFamily="34" charset="0"/>
+              </a:rPr>
+              <a:t>caching </a:t>
+            </a:r>
+            <a:r>
+              <a:rPr lang="en-US" dirty="0">
+                <a:latin typeface="Euclid Circular B" panose="020B0504000000000000" pitchFamily="34" charset="0"/>
+                <a:ea typeface="Euclid Circular B" panose="020B0504000000000000" pitchFamily="34" charset="0"/>
+              </a:rPr>
+              <a:t>for read operations</a:t>
+            </a:r>
+            <a:br>
+              <a:rPr lang="en-US" dirty="0">
+                <a:latin typeface="Euclid Circular B" panose="020B0504000000000000" pitchFamily="34" charset="0"/>
+                <a:ea typeface="Euclid Circular B" panose="020B0504000000000000" pitchFamily="34" charset="0"/>
+              </a:rPr>
+            </a:br>
+            <a:r>
+              <a:rPr lang="en-US" sz="2400" dirty="0">
+                <a:latin typeface="Euclid Circular B" panose="020B0504000000000000" pitchFamily="34" charset="0"/>
+                <a:ea typeface="Euclid Circular B" panose="020B0504000000000000" pitchFamily="34" charset="0"/>
+              </a:rPr>
+              <a:t>(especially for critical performance paths)</a:t>
+            </a:r>
+          </a:p>
+          <a:p>
+            <a:r>
+              <a:rPr lang="en-US" dirty="0">
+                <a:latin typeface="Euclid Circular B" panose="020B0504000000000000" pitchFamily="34" charset="0"/>
+                <a:ea typeface="Euclid Circular B" panose="020B0504000000000000" pitchFamily="34" charset="0"/>
+              </a:rPr>
+              <a:t>Use </a:t>
+            </a:r>
+            <a:r>
+              <a:rPr lang="en-US" b="1" dirty="0">
+                <a:latin typeface="Euclid Circular B" panose="020B0504000000000000" pitchFamily="34" charset="0"/>
+                <a:ea typeface="Euclid Circular B" panose="020B0504000000000000" pitchFamily="34" charset="0"/>
+              </a:rPr>
+              <a:t>data duplication</a:t>
+            </a:r>
+            <a:r>
+              <a:rPr lang="en-US" dirty="0">
+                <a:latin typeface="Euclid Circular B" panose="020B0504000000000000" pitchFamily="34" charset="0"/>
+                <a:ea typeface="Euclid Circular B" panose="020B0504000000000000" pitchFamily="34" charset="0"/>
+              </a:rPr>
+              <a:t> (and synchronization) to perform local database table JOINs</a:t>
+            </a:r>
           </a:p>
         </p:txBody>
       </p:sp>
@@ -32692,7 +33107,7 @@
                 <a:latin typeface="Euclid Circular B" panose="020B0504000000000000" pitchFamily="34" charset="0"/>
                 <a:ea typeface="Euclid Circular B" panose="020B0504000000000000" pitchFamily="34" charset="0"/>
               </a:rPr>
-              <a:t>The need for layering</a:t>
+              <a:t>Integrating the modules</a:t>
             </a:r>
             <a:br>
               <a:rPr lang="en-US" b="1" dirty="0">
@@ -32711,7 +33126,7 @@
                 <a:latin typeface="Euclid Circular B" panose="020B0504000000000000" pitchFamily="34" charset="0"/>
                 <a:ea typeface="Euclid Circular B" panose="020B0504000000000000" pitchFamily="34" charset="0"/>
               </a:rPr>
-              <a:t>ABP’s layered module solution structure</a:t>
+              <a:t>Synchronous communication</a:t>
             </a:r>
             <a:endParaRPr lang="en-US" b="1" dirty="0">
               <a:solidFill>
@@ -32723,16 +33138,1454 @@
           </a:p>
         </p:txBody>
       </p:sp>
+      <p:sp>
+        <p:nvSpPr>
+          <p:cNvPr id="4" name="Rectangle 3">
+            <a:extLst>
+              <a:ext uri="{FF2B5EF4-FFF2-40B4-BE49-F238E27FC236}">
+                <a16:creationId xmlns:a16="http://schemas.microsoft.com/office/drawing/2014/main" id="{1DC6FC6F-6E15-46C4-BFC4-293EF5854F3A}"/>
+              </a:ext>
+            </a:extLst>
+          </p:cNvPr>
+          <p:cNvSpPr/>
+          <p:nvPr/>
+        </p:nvSpPr>
+        <p:spPr>
+          <a:xfrm>
+            <a:off x="8155529" y="3119657"/>
+            <a:ext cx="914400" cy="1285041"/>
+          </a:xfrm>
+          <a:prstGeom prst="rect">
+            <a:avLst/>
+          </a:prstGeom>
+        </p:spPr>
+        <p:style>
+          <a:lnRef idx="2">
+            <a:schemeClr val="accent1">
+              <a:shade val="50000"/>
+            </a:schemeClr>
+          </a:lnRef>
+          <a:fillRef idx="1">
+            <a:schemeClr val="accent1"/>
+          </a:fillRef>
+          <a:effectRef idx="0">
+            <a:schemeClr val="accent1"/>
+          </a:effectRef>
+          <a:fontRef idx="minor">
+            <a:schemeClr val="lt1"/>
+          </a:fontRef>
+        </p:style>
+        <p:txBody>
+          <a:bodyPr rtlCol="0" anchor="ctr"/>
+          <a:lstStyle/>
+          <a:p>
+            <a:pPr algn="ctr"/>
+            <a:endParaRPr lang="en-US" dirty="0"/>
+          </a:p>
+        </p:txBody>
+      </p:sp>
+      <p:sp>
+        <p:nvSpPr>
+          <p:cNvPr id="5" name="Rectangle 4">
+            <a:extLst>
+              <a:ext uri="{FF2B5EF4-FFF2-40B4-BE49-F238E27FC236}">
+                <a16:creationId xmlns:a16="http://schemas.microsoft.com/office/drawing/2014/main" id="{B84B3838-C4E8-4E29-BA82-7869BE6BC63F}"/>
+              </a:ext>
+            </a:extLst>
+          </p:cNvPr>
+          <p:cNvSpPr/>
+          <p:nvPr/>
+        </p:nvSpPr>
+        <p:spPr>
+          <a:xfrm>
+            <a:off x="8230944" y="3669407"/>
+            <a:ext cx="786623" cy="131976"/>
+          </a:xfrm>
+          <a:prstGeom prst="rect">
+            <a:avLst/>
+          </a:prstGeom>
+          <a:solidFill>
+            <a:schemeClr val="accent5">
+              <a:lumMod val="60000"/>
+              <a:lumOff val="40000"/>
+            </a:schemeClr>
+          </a:solidFill>
+          <a:ln>
+            <a:solidFill>
+              <a:schemeClr val="accent5">
+                <a:lumMod val="40000"/>
+                <a:lumOff val="60000"/>
+              </a:schemeClr>
+            </a:solidFill>
+          </a:ln>
+        </p:spPr>
+        <p:style>
+          <a:lnRef idx="2">
+            <a:schemeClr val="accent4">
+              <a:shade val="50000"/>
+            </a:schemeClr>
+          </a:lnRef>
+          <a:fillRef idx="1">
+            <a:schemeClr val="accent4"/>
+          </a:fillRef>
+          <a:effectRef idx="0">
+            <a:schemeClr val="accent4"/>
+          </a:effectRef>
+          <a:fontRef idx="minor">
+            <a:schemeClr val="lt1"/>
+          </a:fontRef>
+        </p:style>
+        <p:txBody>
+          <a:bodyPr rtlCol="0" anchor="ctr"/>
+          <a:lstStyle/>
+          <a:p>
+            <a:pPr algn="ctr"/>
+            <a:endParaRPr lang="en-US" dirty="0"/>
+          </a:p>
+        </p:txBody>
+      </p:sp>
+      <p:sp>
+        <p:nvSpPr>
+          <p:cNvPr id="7" name="Rectangle 6">
+            <a:extLst>
+              <a:ext uri="{FF2B5EF4-FFF2-40B4-BE49-F238E27FC236}">
+                <a16:creationId xmlns:a16="http://schemas.microsoft.com/office/drawing/2014/main" id="{FEBF4DAE-592B-47C7-8540-3050E0287E46}"/>
+              </a:ext>
+            </a:extLst>
+          </p:cNvPr>
+          <p:cNvSpPr/>
+          <p:nvPr/>
+        </p:nvSpPr>
+        <p:spPr>
+          <a:xfrm>
+            <a:off x="8230944" y="3842233"/>
+            <a:ext cx="786623" cy="131976"/>
+          </a:xfrm>
+          <a:prstGeom prst="rect">
+            <a:avLst/>
+          </a:prstGeom>
+          <a:solidFill>
+            <a:schemeClr val="accent5">
+              <a:lumMod val="60000"/>
+              <a:lumOff val="40000"/>
+            </a:schemeClr>
+          </a:solidFill>
+          <a:ln>
+            <a:solidFill>
+              <a:schemeClr val="accent5">
+                <a:lumMod val="40000"/>
+                <a:lumOff val="60000"/>
+              </a:schemeClr>
+            </a:solidFill>
+          </a:ln>
+        </p:spPr>
+        <p:style>
+          <a:lnRef idx="2">
+            <a:schemeClr val="accent4">
+              <a:shade val="50000"/>
+            </a:schemeClr>
+          </a:lnRef>
+          <a:fillRef idx="1">
+            <a:schemeClr val="accent4"/>
+          </a:fillRef>
+          <a:effectRef idx="0">
+            <a:schemeClr val="accent4"/>
+          </a:effectRef>
+          <a:fontRef idx="minor">
+            <a:schemeClr val="lt1"/>
+          </a:fontRef>
+        </p:style>
+        <p:txBody>
+          <a:bodyPr rtlCol="0" anchor="ctr"/>
+          <a:lstStyle/>
+          <a:p>
+            <a:pPr algn="ctr"/>
+            <a:endParaRPr lang="en-US" dirty="0"/>
+          </a:p>
+        </p:txBody>
+      </p:sp>
+      <p:sp>
+        <p:nvSpPr>
+          <p:cNvPr id="8" name="Rectangle 7">
+            <a:extLst>
+              <a:ext uri="{FF2B5EF4-FFF2-40B4-BE49-F238E27FC236}">
+                <a16:creationId xmlns:a16="http://schemas.microsoft.com/office/drawing/2014/main" id="{C883E803-270A-45B6-A504-2D48785466EC}"/>
+              </a:ext>
+            </a:extLst>
+          </p:cNvPr>
+          <p:cNvSpPr/>
+          <p:nvPr/>
+        </p:nvSpPr>
+        <p:spPr>
+          <a:xfrm>
+            <a:off x="8230944" y="4015059"/>
+            <a:ext cx="786623" cy="131976"/>
+          </a:xfrm>
+          <a:prstGeom prst="rect">
+            <a:avLst/>
+          </a:prstGeom>
+          <a:solidFill>
+            <a:schemeClr val="accent5">
+              <a:lumMod val="60000"/>
+              <a:lumOff val="40000"/>
+            </a:schemeClr>
+          </a:solidFill>
+          <a:ln>
+            <a:solidFill>
+              <a:schemeClr val="accent5">
+                <a:lumMod val="40000"/>
+                <a:lumOff val="60000"/>
+              </a:schemeClr>
+            </a:solidFill>
+          </a:ln>
+        </p:spPr>
+        <p:style>
+          <a:lnRef idx="2">
+            <a:schemeClr val="accent4">
+              <a:shade val="50000"/>
+            </a:schemeClr>
+          </a:lnRef>
+          <a:fillRef idx="1">
+            <a:schemeClr val="accent4"/>
+          </a:fillRef>
+          <a:effectRef idx="0">
+            <a:schemeClr val="accent4"/>
+          </a:effectRef>
+          <a:fontRef idx="minor">
+            <a:schemeClr val="lt1"/>
+          </a:fontRef>
+        </p:style>
+        <p:txBody>
+          <a:bodyPr rtlCol="0" anchor="ctr"/>
+          <a:lstStyle/>
+          <a:p>
+            <a:pPr algn="ctr"/>
+            <a:endParaRPr lang="en-US" dirty="0"/>
+          </a:p>
+        </p:txBody>
+      </p:sp>
+      <p:sp>
+        <p:nvSpPr>
+          <p:cNvPr id="9" name="Rectangle 8">
+            <a:extLst>
+              <a:ext uri="{FF2B5EF4-FFF2-40B4-BE49-F238E27FC236}">
+                <a16:creationId xmlns:a16="http://schemas.microsoft.com/office/drawing/2014/main" id="{7E719C63-F26F-414C-B32E-29C73EF98FC3}"/>
+              </a:ext>
+            </a:extLst>
+          </p:cNvPr>
+          <p:cNvSpPr/>
+          <p:nvPr/>
+        </p:nvSpPr>
+        <p:spPr>
+          <a:xfrm>
+            <a:off x="8230944" y="4187885"/>
+            <a:ext cx="786623" cy="131976"/>
+          </a:xfrm>
+          <a:prstGeom prst="rect">
+            <a:avLst/>
+          </a:prstGeom>
+          <a:solidFill>
+            <a:schemeClr val="accent5">
+              <a:lumMod val="60000"/>
+              <a:lumOff val="40000"/>
+            </a:schemeClr>
+          </a:solidFill>
+          <a:ln>
+            <a:solidFill>
+              <a:schemeClr val="accent5">
+                <a:lumMod val="40000"/>
+                <a:lumOff val="60000"/>
+              </a:schemeClr>
+            </a:solidFill>
+          </a:ln>
+        </p:spPr>
+        <p:style>
+          <a:lnRef idx="2">
+            <a:schemeClr val="accent4">
+              <a:shade val="50000"/>
+            </a:schemeClr>
+          </a:lnRef>
+          <a:fillRef idx="1">
+            <a:schemeClr val="accent4"/>
+          </a:fillRef>
+          <a:effectRef idx="0">
+            <a:schemeClr val="accent4"/>
+          </a:effectRef>
+          <a:fontRef idx="minor">
+            <a:schemeClr val="lt1"/>
+          </a:fontRef>
+        </p:style>
+        <p:txBody>
+          <a:bodyPr rtlCol="0" anchor="ctr"/>
+          <a:lstStyle/>
+          <a:p>
+            <a:pPr algn="ctr"/>
+            <a:endParaRPr lang="en-US" dirty="0"/>
+          </a:p>
+        </p:txBody>
+      </p:sp>
+      <p:sp>
+        <p:nvSpPr>
+          <p:cNvPr id="10" name="TextBox 9">
+            <a:extLst>
+              <a:ext uri="{FF2B5EF4-FFF2-40B4-BE49-F238E27FC236}">
+                <a16:creationId xmlns:a16="http://schemas.microsoft.com/office/drawing/2014/main" id="{8D07D379-3FE9-44F1-8E50-FAFF0EF6BDD9}"/>
+              </a:ext>
+            </a:extLst>
+          </p:cNvPr>
+          <p:cNvSpPr txBox="1"/>
+          <p:nvPr/>
+        </p:nvSpPr>
+        <p:spPr>
+          <a:xfrm>
+            <a:off x="8178582" y="3097833"/>
+            <a:ext cx="838985" cy="523220"/>
+          </a:xfrm>
+          <a:prstGeom prst="rect">
+            <a:avLst/>
+          </a:prstGeom>
+          <a:noFill/>
+        </p:spPr>
+        <p:txBody>
+          <a:bodyPr wrap="square" rtlCol="0">
+            <a:spAutoFit/>
+          </a:bodyPr>
+          <a:lstStyle/>
+          <a:p>
+            <a:pPr algn="ctr"/>
+            <a:r>
+              <a:rPr lang="en-US" sz="1400" dirty="0">
+                <a:solidFill>
+                  <a:schemeClr val="bg1"/>
+                </a:solidFill>
+              </a:rPr>
+              <a:t>Order module</a:t>
+            </a:r>
+          </a:p>
+        </p:txBody>
+      </p:sp>
+      <p:sp>
+        <p:nvSpPr>
+          <p:cNvPr id="11" name="Rectangle 10">
+            <a:extLst>
+              <a:ext uri="{FF2B5EF4-FFF2-40B4-BE49-F238E27FC236}">
+                <a16:creationId xmlns:a16="http://schemas.microsoft.com/office/drawing/2014/main" id="{5E2752EB-8C5D-408F-9152-9385DE7E56C6}"/>
+              </a:ext>
+            </a:extLst>
+          </p:cNvPr>
+          <p:cNvSpPr/>
+          <p:nvPr/>
+        </p:nvSpPr>
+        <p:spPr>
+          <a:xfrm>
+            <a:off x="10806501" y="3119657"/>
+            <a:ext cx="914400" cy="1285041"/>
+          </a:xfrm>
+          <a:prstGeom prst="rect">
+            <a:avLst/>
+          </a:prstGeom>
+        </p:spPr>
+        <p:style>
+          <a:lnRef idx="2">
+            <a:schemeClr val="accent1">
+              <a:shade val="50000"/>
+            </a:schemeClr>
+          </a:lnRef>
+          <a:fillRef idx="1">
+            <a:schemeClr val="accent1"/>
+          </a:fillRef>
+          <a:effectRef idx="0">
+            <a:schemeClr val="accent1"/>
+          </a:effectRef>
+          <a:fontRef idx="minor">
+            <a:schemeClr val="lt1"/>
+          </a:fontRef>
+        </p:style>
+        <p:txBody>
+          <a:bodyPr rtlCol="0" anchor="ctr"/>
+          <a:lstStyle/>
+          <a:p>
+            <a:pPr algn="ctr"/>
+            <a:endParaRPr lang="en-US" dirty="0"/>
+          </a:p>
+        </p:txBody>
+      </p:sp>
+      <p:sp>
+        <p:nvSpPr>
+          <p:cNvPr id="12" name="Rectangle 11">
+            <a:extLst>
+              <a:ext uri="{FF2B5EF4-FFF2-40B4-BE49-F238E27FC236}">
+                <a16:creationId xmlns:a16="http://schemas.microsoft.com/office/drawing/2014/main" id="{F0887F67-DBDB-41F4-A23D-54E2FBFC429C}"/>
+              </a:ext>
+            </a:extLst>
+          </p:cNvPr>
+          <p:cNvSpPr/>
+          <p:nvPr/>
+        </p:nvSpPr>
+        <p:spPr>
+          <a:xfrm>
+            <a:off x="10881916" y="3669407"/>
+            <a:ext cx="786623" cy="131976"/>
+          </a:xfrm>
+          <a:prstGeom prst="rect">
+            <a:avLst/>
+          </a:prstGeom>
+          <a:solidFill>
+            <a:schemeClr val="accent5">
+              <a:lumMod val="60000"/>
+              <a:lumOff val="40000"/>
+            </a:schemeClr>
+          </a:solidFill>
+          <a:ln>
+            <a:solidFill>
+              <a:schemeClr val="accent5">
+                <a:lumMod val="40000"/>
+                <a:lumOff val="60000"/>
+              </a:schemeClr>
+            </a:solidFill>
+          </a:ln>
+        </p:spPr>
+        <p:style>
+          <a:lnRef idx="2">
+            <a:schemeClr val="accent4">
+              <a:shade val="50000"/>
+            </a:schemeClr>
+          </a:lnRef>
+          <a:fillRef idx="1">
+            <a:schemeClr val="accent4"/>
+          </a:fillRef>
+          <a:effectRef idx="0">
+            <a:schemeClr val="accent4"/>
+          </a:effectRef>
+          <a:fontRef idx="minor">
+            <a:schemeClr val="lt1"/>
+          </a:fontRef>
+        </p:style>
+        <p:txBody>
+          <a:bodyPr rtlCol="0" anchor="ctr"/>
+          <a:lstStyle/>
+          <a:p>
+            <a:pPr algn="ctr"/>
+            <a:endParaRPr lang="en-US" dirty="0"/>
+          </a:p>
+        </p:txBody>
+      </p:sp>
+      <p:sp>
+        <p:nvSpPr>
+          <p:cNvPr id="13" name="Rectangle 12">
+            <a:extLst>
+              <a:ext uri="{FF2B5EF4-FFF2-40B4-BE49-F238E27FC236}">
+                <a16:creationId xmlns:a16="http://schemas.microsoft.com/office/drawing/2014/main" id="{84A90DE6-E8F4-451D-BCD9-296CC55D035A}"/>
+              </a:ext>
+            </a:extLst>
+          </p:cNvPr>
+          <p:cNvSpPr/>
+          <p:nvPr/>
+        </p:nvSpPr>
+        <p:spPr>
+          <a:xfrm>
+            <a:off x="10881916" y="3842233"/>
+            <a:ext cx="786623" cy="131976"/>
+          </a:xfrm>
+          <a:prstGeom prst="rect">
+            <a:avLst/>
+          </a:prstGeom>
+          <a:solidFill>
+            <a:schemeClr val="accent5">
+              <a:lumMod val="60000"/>
+              <a:lumOff val="40000"/>
+            </a:schemeClr>
+          </a:solidFill>
+          <a:ln>
+            <a:solidFill>
+              <a:schemeClr val="accent5">
+                <a:lumMod val="40000"/>
+                <a:lumOff val="60000"/>
+              </a:schemeClr>
+            </a:solidFill>
+          </a:ln>
+        </p:spPr>
+        <p:style>
+          <a:lnRef idx="2">
+            <a:schemeClr val="accent4">
+              <a:shade val="50000"/>
+            </a:schemeClr>
+          </a:lnRef>
+          <a:fillRef idx="1">
+            <a:schemeClr val="accent4"/>
+          </a:fillRef>
+          <a:effectRef idx="0">
+            <a:schemeClr val="accent4"/>
+          </a:effectRef>
+          <a:fontRef idx="minor">
+            <a:schemeClr val="lt1"/>
+          </a:fontRef>
+        </p:style>
+        <p:txBody>
+          <a:bodyPr rtlCol="0" anchor="ctr"/>
+          <a:lstStyle/>
+          <a:p>
+            <a:pPr algn="ctr"/>
+            <a:endParaRPr lang="en-US" dirty="0"/>
+          </a:p>
+        </p:txBody>
+      </p:sp>
+      <p:sp>
+        <p:nvSpPr>
+          <p:cNvPr id="14" name="Rectangle 13">
+            <a:extLst>
+              <a:ext uri="{FF2B5EF4-FFF2-40B4-BE49-F238E27FC236}">
+                <a16:creationId xmlns:a16="http://schemas.microsoft.com/office/drawing/2014/main" id="{B111CB25-7FB0-48AB-9AF4-2E47080F378E}"/>
+              </a:ext>
+            </a:extLst>
+          </p:cNvPr>
+          <p:cNvSpPr/>
+          <p:nvPr/>
+        </p:nvSpPr>
+        <p:spPr>
+          <a:xfrm>
+            <a:off x="10881916" y="4015059"/>
+            <a:ext cx="786623" cy="131976"/>
+          </a:xfrm>
+          <a:prstGeom prst="rect">
+            <a:avLst/>
+          </a:prstGeom>
+          <a:solidFill>
+            <a:schemeClr val="accent5">
+              <a:lumMod val="60000"/>
+              <a:lumOff val="40000"/>
+            </a:schemeClr>
+          </a:solidFill>
+          <a:ln>
+            <a:solidFill>
+              <a:schemeClr val="accent5">
+                <a:lumMod val="40000"/>
+                <a:lumOff val="60000"/>
+              </a:schemeClr>
+            </a:solidFill>
+          </a:ln>
+        </p:spPr>
+        <p:style>
+          <a:lnRef idx="2">
+            <a:schemeClr val="accent4">
+              <a:shade val="50000"/>
+            </a:schemeClr>
+          </a:lnRef>
+          <a:fillRef idx="1">
+            <a:schemeClr val="accent4"/>
+          </a:fillRef>
+          <a:effectRef idx="0">
+            <a:schemeClr val="accent4"/>
+          </a:effectRef>
+          <a:fontRef idx="minor">
+            <a:schemeClr val="lt1"/>
+          </a:fontRef>
+        </p:style>
+        <p:txBody>
+          <a:bodyPr rtlCol="0" anchor="ctr"/>
+          <a:lstStyle/>
+          <a:p>
+            <a:pPr algn="ctr"/>
+            <a:endParaRPr lang="en-US" dirty="0"/>
+          </a:p>
+        </p:txBody>
+      </p:sp>
+      <p:sp>
+        <p:nvSpPr>
+          <p:cNvPr id="15" name="Rectangle 14">
+            <a:extLst>
+              <a:ext uri="{FF2B5EF4-FFF2-40B4-BE49-F238E27FC236}">
+                <a16:creationId xmlns:a16="http://schemas.microsoft.com/office/drawing/2014/main" id="{B1E8C99B-3707-40DC-8EC9-C11EF98FF668}"/>
+              </a:ext>
+            </a:extLst>
+          </p:cNvPr>
+          <p:cNvSpPr/>
+          <p:nvPr/>
+        </p:nvSpPr>
+        <p:spPr>
+          <a:xfrm>
+            <a:off x="10881916" y="4187885"/>
+            <a:ext cx="786623" cy="131976"/>
+          </a:xfrm>
+          <a:prstGeom prst="rect">
+            <a:avLst/>
+          </a:prstGeom>
+          <a:solidFill>
+            <a:schemeClr val="accent5">
+              <a:lumMod val="60000"/>
+              <a:lumOff val="40000"/>
+            </a:schemeClr>
+          </a:solidFill>
+          <a:ln>
+            <a:solidFill>
+              <a:schemeClr val="accent5">
+                <a:lumMod val="40000"/>
+                <a:lumOff val="60000"/>
+              </a:schemeClr>
+            </a:solidFill>
+          </a:ln>
+        </p:spPr>
+        <p:style>
+          <a:lnRef idx="2">
+            <a:schemeClr val="accent4">
+              <a:shade val="50000"/>
+            </a:schemeClr>
+          </a:lnRef>
+          <a:fillRef idx="1">
+            <a:schemeClr val="accent4"/>
+          </a:fillRef>
+          <a:effectRef idx="0">
+            <a:schemeClr val="accent4"/>
+          </a:effectRef>
+          <a:fontRef idx="minor">
+            <a:schemeClr val="lt1"/>
+          </a:fontRef>
+        </p:style>
+        <p:txBody>
+          <a:bodyPr rtlCol="0" anchor="ctr"/>
+          <a:lstStyle/>
+          <a:p>
+            <a:pPr algn="ctr"/>
+            <a:endParaRPr lang="en-US" dirty="0"/>
+          </a:p>
+        </p:txBody>
+      </p:sp>
+      <p:sp>
+        <p:nvSpPr>
+          <p:cNvPr id="16" name="TextBox 15">
+            <a:extLst>
+              <a:ext uri="{FF2B5EF4-FFF2-40B4-BE49-F238E27FC236}">
+                <a16:creationId xmlns:a16="http://schemas.microsoft.com/office/drawing/2014/main" id="{D8605E0F-1ACC-42FB-9548-B758F375CEBF}"/>
+              </a:ext>
+            </a:extLst>
+          </p:cNvPr>
+          <p:cNvSpPr txBox="1"/>
+          <p:nvPr/>
+        </p:nvSpPr>
+        <p:spPr>
+          <a:xfrm>
+            <a:off x="10829554" y="3097833"/>
+            <a:ext cx="838985" cy="523220"/>
+          </a:xfrm>
+          <a:prstGeom prst="rect">
+            <a:avLst/>
+          </a:prstGeom>
+          <a:noFill/>
+        </p:spPr>
+        <p:txBody>
+          <a:bodyPr wrap="square" rtlCol="0">
+            <a:spAutoFit/>
+          </a:bodyPr>
+          <a:lstStyle/>
+          <a:p>
+            <a:pPr algn="ctr"/>
+            <a:r>
+              <a:rPr lang="en-US" sz="1200" dirty="0">
+                <a:solidFill>
+                  <a:schemeClr val="bg1"/>
+                </a:solidFill>
+              </a:rPr>
+              <a:t>Customer</a:t>
+            </a:r>
+            <a:r>
+              <a:rPr lang="en-US" sz="1400" dirty="0">
+                <a:solidFill>
+                  <a:schemeClr val="bg1"/>
+                </a:solidFill>
+              </a:rPr>
+              <a:t> module</a:t>
+            </a:r>
+          </a:p>
+        </p:txBody>
+      </p:sp>
+      <p:pic>
+        <p:nvPicPr>
+          <p:cNvPr id="17" name="Picture 2" descr="Free photo Computer Network Technology Icon Database - Max Pixel">
+            <a:extLst>
+              <a:ext uri="{FF2B5EF4-FFF2-40B4-BE49-F238E27FC236}">
+                <a16:creationId xmlns:a16="http://schemas.microsoft.com/office/drawing/2014/main" id="{BF3CCE3E-7DEF-4CA5-B481-53BBF1D0E68C}"/>
+              </a:ext>
+            </a:extLst>
+          </p:cNvPr>
+          <p:cNvPicPr>
+            <a:picLocks noChangeAspect="1" noChangeArrowheads="1"/>
+          </p:cNvPicPr>
+          <p:nvPr/>
+        </p:nvPicPr>
+        <p:blipFill>
+          <a:blip r:embed="rId3">
+            <a:extLst>
+              <a:ext uri="{28A0092B-C50C-407E-A947-70E740481C1C}">
+                <a14:useLocalDpi xmlns:a14="http://schemas.microsoft.com/office/drawing/2010/main" val="0"/>
+              </a:ext>
+            </a:extLst>
+          </a:blip>
+          <a:srcRect/>
+          <a:stretch>
+            <a:fillRect/>
+          </a:stretch>
+        </p:blipFill>
+        <p:spPr bwMode="auto">
+          <a:xfrm>
+            <a:off x="11026810" y="2135127"/>
+            <a:ext cx="431128" cy="441435"/>
+          </a:xfrm>
+          <a:prstGeom prst="rect">
+            <a:avLst/>
+          </a:prstGeom>
+          <a:noFill/>
+          <a:extLst>
+            <a:ext uri="{909E8E84-426E-40DD-AFC4-6F175D3DCCD1}">
+              <a14:hiddenFill xmlns:a14="http://schemas.microsoft.com/office/drawing/2010/main">
+                <a:solidFill>
+                  <a:srgbClr val="FFFFFF"/>
+                </a:solidFill>
+              </a14:hiddenFill>
+            </a:ext>
+          </a:extLst>
+        </p:spPr>
+      </p:pic>
+      <p:cxnSp>
+        <p:nvCxnSpPr>
+          <p:cNvPr id="18" name="Straight Arrow Connector 17">
+            <a:extLst>
+              <a:ext uri="{FF2B5EF4-FFF2-40B4-BE49-F238E27FC236}">
+                <a16:creationId xmlns:a16="http://schemas.microsoft.com/office/drawing/2014/main" id="{E3AE99DB-2E32-481A-BA60-AEA55FCC85CC}"/>
+              </a:ext>
+            </a:extLst>
+          </p:cNvPr>
+          <p:cNvCxnSpPr>
+            <a:cxnSpLocks/>
+            <a:stCxn id="16" idx="0"/>
+            <a:endCxn id="17" idx="2"/>
+          </p:cNvCxnSpPr>
+          <p:nvPr/>
+        </p:nvCxnSpPr>
+        <p:spPr>
+          <a:xfrm flipH="1" flipV="1">
+            <a:off x="11242374" y="2576562"/>
+            <a:ext cx="6673" cy="521271"/>
+          </a:xfrm>
+          <a:prstGeom prst="straightConnector1">
+            <a:avLst/>
+          </a:prstGeom>
+          <a:ln w="25400">
+            <a:solidFill>
+              <a:schemeClr val="tx1"/>
+            </a:solidFill>
+            <a:tailEnd type="triangle"/>
+          </a:ln>
+        </p:spPr>
+        <p:style>
+          <a:lnRef idx="1">
+            <a:schemeClr val="accent1"/>
+          </a:lnRef>
+          <a:fillRef idx="0">
+            <a:schemeClr val="accent1"/>
+          </a:fillRef>
+          <a:effectRef idx="0">
+            <a:schemeClr val="accent1"/>
+          </a:effectRef>
+          <a:fontRef idx="minor">
+            <a:schemeClr val="tx1"/>
+          </a:fontRef>
+        </p:style>
+      </p:cxnSp>
+      <p:pic>
+        <p:nvPicPr>
+          <p:cNvPr id="19" name="Picture 2" descr="Free photo Computer Network Technology Icon Database - Max Pixel">
+            <a:extLst>
+              <a:ext uri="{FF2B5EF4-FFF2-40B4-BE49-F238E27FC236}">
+                <a16:creationId xmlns:a16="http://schemas.microsoft.com/office/drawing/2014/main" id="{3D6E7FDD-135D-4BE1-BE53-893121610C33}"/>
+              </a:ext>
+            </a:extLst>
+          </p:cNvPr>
+          <p:cNvPicPr>
+            <a:picLocks noChangeAspect="1" noChangeArrowheads="1"/>
+          </p:cNvPicPr>
+          <p:nvPr/>
+        </p:nvPicPr>
+        <p:blipFill>
+          <a:blip r:embed="rId3">
+            <a:extLst>
+              <a:ext uri="{28A0092B-C50C-407E-A947-70E740481C1C}">
+                <a14:useLocalDpi xmlns:a14="http://schemas.microsoft.com/office/drawing/2010/main" val="0"/>
+              </a:ext>
+            </a:extLst>
+          </a:blip>
+          <a:srcRect/>
+          <a:stretch>
+            <a:fillRect/>
+          </a:stretch>
+        </p:blipFill>
+        <p:spPr bwMode="auto">
+          <a:xfrm>
+            <a:off x="8374074" y="2133293"/>
+            <a:ext cx="431128" cy="441435"/>
+          </a:xfrm>
+          <a:prstGeom prst="rect">
+            <a:avLst/>
+          </a:prstGeom>
+          <a:noFill/>
+          <a:extLst>
+            <a:ext uri="{909E8E84-426E-40DD-AFC4-6F175D3DCCD1}">
+              <a14:hiddenFill xmlns:a14="http://schemas.microsoft.com/office/drawing/2010/main">
+                <a:solidFill>
+                  <a:srgbClr val="FFFFFF"/>
+                </a:solidFill>
+              </a14:hiddenFill>
+            </a:ext>
+          </a:extLst>
+        </p:spPr>
+      </p:pic>
+      <p:cxnSp>
+        <p:nvCxnSpPr>
+          <p:cNvPr id="20" name="Straight Arrow Connector 19">
+            <a:extLst>
+              <a:ext uri="{FF2B5EF4-FFF2-40B4-BE49-F238E27FC236}">
+                <a16:creationId xmlns:a16="http://schemas.microsoft.com/office/drawing/2014/main" id="{1E99C797-BC93-4428-A650-1BB2C9EC2E7B}"/>
+              </a:ext>
+            </a:extLst>
+          </p:cNvPr>
+          <p:cNvCxnSpPr>
+            <a:cxnSpLocks/>
+            <a:stCxn id="10" idx="0"/>
+            <a:endCxn id="19" idx="2"/>
+          </p:cNvCxnSpPr>
+          <p:nvPr/>
+        </p:nvCxnSpPr>
+        <p:spPr>
+          <a:xfrm flipH="1" flipV="1">
+            <a:off x="8589638" y="2574728"/>
+            <a:ext cx="8437" cy="523105"/>
+          </a:xfrm>
+          <a:prstGeom prst="straightConnector1">
+            <a:avLst/>
+          </a:prstGeom>
+          <a:ln w="25400">
+            <a:solidFill>
+              <a:schemeClr val="tx1"/>
+            </a:solidFill>
+            <a:tailEnd type="triangle"/>
+          </a:ln>
+        </p:spPr>
+        <p:style>
+          <a:lnRef idx="1">
+            <a:schemeClr val="accent1"/>
+          </a:lnRef>
+          <a:fillRef idx="0">
+            <a:schemeClr val="accent1"/>
+          </a:fillRef>
+          <a:effectRef idx="0">
+            <a:schemeClr val="accent1"/>
+          </a:effectRef>
+          <a:fontRef idx="minor">
+            <a:schemeClr val="tx1"/>
+          </a:fontRef>
+        </p:style>
+      </p:cxnSp>
+      <p:cxnSp>
+        <p:nvCxnSpPr>
+          <p:cNvPr id="21" name="Straight Arrow Connector 20">
+            <a:extLst>
+              <a:ext uri="{FF2B5EF4-FFF2-40B4-BE49-F238E27FC236}">
+                <a16:creationId xmlns:a16="http://schemas.microsoft.com/office/drawing/2014/main" id="{7EC54710-B428-4F98-A288-E309E9EE1230}"/>
+              </a:ext>
+            </a:extLst>
+          </p:cNvPr>
+          <p:cNvCxnSpPr>
+            <a:stCxn id="4" idx="3"/>
+            <a:endCxn id="11" idx="1"/>
+          </p:cNvCxnSpPr>
+          <p:nvPr/>
+        </p:nvCxnSpPr>
+        <p:spPr>
+          <a:xfrm>
+            <a:off x="9069929" y="3762178"/>
+            <a:ext cx="1736572" cy="0"/>
+          </a:xfrm>
+          <a:prstGeom prst="straightConnector1">
+            <a:avLst/>
+          </a:prstGeom>
+          <a:ln w="25400">
+            <a:solidFill>
+              <a:schemeClr val="tx1"/>
+            </a:solidFill>
+            <a:tailEnd type="triangle"/>
+          </a:ln>
+        </p:spPr>
+        <p:style>
+          <a:lnRef idx="1">
+            <a:schemeClr val="accent1"/>
+          </a:lnRef>
+          <a:fillRef idx="0">
+            <a:schemeClr val="accent1"/>
+          </a:fillRef>
+          <a:effectRef idx="0">
+            <a:schemeClr val="accent1"/>
+          </a:effectRef>
+          <a:fontRef idx="minor">
+            <a:schemeClr val="tx1"/>
+          </a:fontRef>
+        </p:style>
+      </p:cxnSp>
+      <p:sp>
+        <p:nvSpPr>
+          <p:cNvPr id="23" name="TextBox 22">
+            <a:extLst>
+              <a:ext uri="{FF2B5EF4-FFF2-40B4-BE49-F238E27FC236}">
+                <a16:creationId xmlns:a16="http://schemas.microsoft.com/office/drawing/2014/main" id="{645F93D9-1E24-44B7-B232-FA1BBDAD869A}"/>
+              </a:ext>
+            </a:extLst>
+          </p:cNvPr>
+          <p:cNvSpPr txBox="1"/>
+          <p:nvPr/>
+        </p:nvSpPr>
+        <p:spPr>
+          <a:xfrm>
+            <a:off x="9175437" y="3411839"/>
+            <a:ext cx="1531125" cy="338554"/>
+          </a:xfrm>
+          <a:prstGeom prst="rect">
+            <a:avLst/>
+          </a:prstGeom>
+          <a:noFill/>
+        </p:spPr>
+        <p:txBody>
+          <a:bodyPr wrap="none" rtlCol="0">
+            <a:spAutoFit/>
+          </a:bodyPr>
+          <a:lstStyle/>
+          <a:p>
+            <a:r>
+              <a:rPr lang="en-US" sz="1600" dirty="0"/>
+              <a:t>Query customer</a:t>
+            </a:r>
+          </a:p>
+        </p:txBody>
+      </p:sp>
     </p:spTree>
     <p:extLst>
       <p:ext uri="{BB962C8B-B14F-4D97-AF65-F5344CB8AC3E}">
-        <p14:creationId xmlns:p14="http://schemas.microsoft.com/office/powerpoint/2010/main" val="827243710"/>
+        <p14:creationId xmlns:p14="http://schemas.microsoft.com/office/powerpoint/2010/main" val="51650322"/>
       </p:ext>
     </p:extLst>
   </p:cSld>
   <p:clrMapOvr>
     <a:masterClrMapping/>
   </p:clrMapOvr>
+  <p:timing>
+    <p:tnLst>
+      <p:par>
+        <p:cTn id="1" dur="indefinite" restart="never" nodeType="tmRoot">
+          <p:childTnLst>
+            <p:seq concurrent="1" nextAc="seek">
+              <p:cTn id="2" dur="indefinite" nodeType="mainSeq">
+                <p:childTnLst>
+                  <p:par>
+                    <p:cTn id="3" fill="hold">
+                      <p:stCondLst>
+                        <p:cond delay="indefinite"/>
+                      </p:stCondLst>
+                      <p:childTnLst>
+                        <p:par>
+                          <p:cTn id="4" fill="hold">
+                            <p:stCondLst>
+                              <p:cond delay="0"/>
+                            </p:stCondLst>
+                            <p:childTnLst>
+                              <p:par>
+                                <p:cTn id="5" presetID="10" presetClass="entr" presetSubtype="0" fill="hold" grpId="0" nodeType="clickEffect">
+                                  <p:stCondLst>
+                                    <p:cond delay="0"/>
+                                  </p:stCondLst>
+                                  <p:childTnLst>
+                                    <p:set>
+                                      <p:cBhvr>
+                                        <p:cTn id="6" dur="1" fill="hold">
+                                          <p:stCondLst>
+                                            <p:cond delay="0"/>
+                                          </p:stCondLst>
+                                        </p:cTn>
+                                        <p:tgtEl>
+                                          <p:spTgt spid="23"/>
+                                        </p:tgtEl>
+                                        <p:attrNameLst>
+                                          <p:attrName>style.visibility</p:attrName>
+                                        </p:attrNameLst>
+                                      </p:cBhvr>
+                                      <p:to>
+                                        <p:strVal val="visible"/>
+                                      </p:to>
+                                    </p:set>
+                                    <p:animEffect transition="in" filter="fade">
+                                      <p:cBhvr>
+                                        <p:cTn id="7" dur="500"/>
+                                        <p:tgtEl>
+                                          <p:spTgt spid="23"/>
+                                        </p:tgtEl>
+                                      </p:cBhvr>
+                                    </p:animEffect>
+                                  </p:childTnLst>
+                                </p:cTn>
+                              </p:par>
+                              <p:par>
+                                <p:cTn id="8" presetID="10" presetClass="entr" presetSubtype="0" fill="hold" nodeType="withEffect">
+                                  <p:stCondLst>
+                                    <p:cond delay="0"/>
+                                  </p:stCondLst>
+                                  <p:childTnLst>
+                                    <p:set>
+                                      <p:cBhvr>
+                                        <p:cTn id="9" dur="1" fill="hold">
+                                          <p:stCondLst>
+                                            <p:cond delay="0"/>
+                                          </p:stCondLst>
+                                        </p:cTn>
+                                        <p:tgtEl>
+                                          <p:spTgt spid="21"/>
+                                        </p:tgtEl>
+                                        <p:attrNameLst>
+                                          <p:attrName>style.visibility</p:attrName>
+                                        </p:attrNameLst>
+                                      </p:cBhvr>
+                                      <p:to>
+                                        <p:strVal val="visible"/>
+                                      </p:to>
+                                    </p:set>
+                                    <p:animEffect transition="in" filter="fade">
+                                      <p:cBhvr>
+                                        <p:cTn id="10" dur="500"/>
+                                        <p:tgtEl>
+                                          <p:spTgt spid="21"/>
+                                        </p:tgtEl>
+                                      </p:cBhvr>
+                                    </p:animEffect>
+                                  </p:childTnLst>
+                                </p:cTn>
+                              </p:par>
+                            </p:childTnLst>
+                          </p:cTn>
+                        </p:par>
+                      </p:childTnLst>
+                    </p:cTn>
+                  </p:par>
+                  <p:par>
+                    <p:cTn id="11" fill="hold">
+                      <p:stCondLst>
+                        <p:cond delay="indefinite"/>
+                      </p:stCondLst>
+                      <p:childTnLst>
+                        <p:par>
+                          <p:cTn id="12" fill="hold">
+                            <p:stCondLst>
+                              <p:cond delay="0"/>
+                            </p:stCondLst>
+                            <p:childTnLst>
+                              <p:par>
+                                <p:cTn id="13" presetID="10" presetClass="entr" presetSubtype="0" fill="hold" nodeType="clickEffect">
+                                  <p:stCondLst>
+                                    <p:cond delay="0"/>
+                                  </p:stCondLst>
+                                  <p:childTnLst>
+                                    <p:set>
+                                      <p:cBhvr>
+                                        <p:cTn id="14" dur="1" fill="hold">
+                                          <p:stCondLst>
+                                            <p:cond delay="0"/>
+                                          </p:stCondLst>
+                                        </p:cTn>
+                                        <p:tgtEl>
+                                          <p:spTgt spid="3">
+                                            <p:txEl>
+                                              <p:pRg st="0" end="0"/>
+                                            </p:txEl>
+                                          </p:spTgt>
+                                        </p:tgtEl>
+                                        <p:attrNameLst>
+                                          <p:attrName>style.visibility</p:attrName>
+                                        </p:attrNameLst>
+                                      </p:cBhvr>
+                                      <p:to>
+                                        <p:strVal val="visible"/>
+                                      </p:to>
+                                    </p:set>
+                                    <p:animEffect transition="in" filter="fade">
+                                      <p:cBhvr>
+                                        <p:cTn id="15" dur="500"/>
+                                        <p:tgtEl>
+                                          <p:spTgt spid="3">
+                                            <p:txEl>
+                                              <p:pRg st="0" end="0"/>
+                                            </p:txEl>
+                                          </p:spTgt>
+                                        </p:tgtEl>
+                                      </p:cBhvr>
+                                    </p:animEffect>
+                                  </p:childTnLst>
+                                </p:cTn>
+                              </p:par>
+                            </p:childTnLst>
+                          </p:cTn>
+                        </p:par>
+                      </p:childTnLst>
+                    </p:cTn>
+                  </p:par>
+                  <p:par>
+                    <p:cTn id="16" fill="hold">
+                      <p:stCondLst>
+                        <p:cond delay="indefinite"/>
+                      </p:stCondLst>
+                      <p:childTnLst>
+                        <p:par>
+                          <p:cTn id="17" fill="hold">
+                            <p:stCondLst>
+                              <p:cond delay="0"/>
+                            </p:stCondLst>
+                            <p:childTnLst>
+                              <p:par>
+                                <p:cTn id="18" presetID="10" presetClass="entr" presetSubtype="0" fill="hold" nodeType="clickEffect">
+                                  <p:stCondLst>
+                                    <p:cond delay="0"/>
+                                  </p:stCondLst>
+                                  <p:childTnLst>
+                                    <p:set>
+                                      <p:cBhvr>
+                                        <p:cTn id="19" dur="1" fill="hold">
+                                          <p:stCondLst>
+                                            <p:cond delay="0"/>
+                                          </p:stCondLst>
+                                        </p:cTn>
+                                        <p:tgtEl>
+                                          <p:spTgt spid="3">
+                                            <p:txEl>
+                                              <p:pRg st="1" end="1"/>
+                                            </p:txEl>
+                                          </p:spTgt>
+                                        </p:tgtEl>
+                                        <p:attrNameLst>
+                                          <p:attrName>style.visibility</p:attrName>
+                                        </p:attrNameLst>
+                                      </p:cBhvr>
+                                      <p:to>
+                                        <p:strVal val="visible"/>
+                                      </p:to>
+                                    </p:set>
+                                    <p:animEffect transition="in" filter="fade">
+                                      <p:cBhvr>
+                                        <p:cTn id="20" dur="500"/>
+                                        <p:tgtEl>
+                                          <p:spTgt spid="3">
+                                            <p:txEl>
+                                              <p:pRg st="1" end="1"/>
+                                            </p:txEl>
+                                          </p:spTgt>
+                                        </p:tgtEl>
+                                      </p:cBhvr>
+                                    </p:animEffect>
+                                  </p:childTnLst>
+                                </p:cTn>
+                              </p:par>
+                              <p:par>
+                                <p:cTn id="21" presetID="10" presetClass="entr" presetSubtype="0" fill="hold" nodeType="withEffect">
+                                  <p:stCondLst>
+                                    <p:cond delay="0"/>
+                                  </p:stCondLst>
+                                  <p:childTnLst>
+                                    <p:set>
+                                      <p:cBhvr>
+                                        <p:cTn id="22" dur="1" fill="hold">
+                                          <p:stCondLst>
+                                            <p:cond delay="0"/>
+                                          </p:stCondLst>
+                                        </p:cTn>
+                                        <p:tgtEl>
+                                          <p:spTgt spid="3">
+                                            <p:txEl>
+                                              <p:pRg st="2" end="2"/>
+                                            </p:txEl>
+                                          </p:spTgt>
+                                        </p:tgtEl>
+                                        <p:attrNameLst>
+                                          <p:attrName>style.visibility</p:attrName>
+                                        </p:attrNameLst>
+                                      </p:cBhvr>
+                                      <p:to>
+                                        <p:strVal val="visible"/>
+                                      </p:to>
+                                    </p:set>
+                                    <p:animEffect transition="in" filter="fade">
+                                      <p:cBhvr>
+                                        <p:cTn id="23" dur="500"/>
+                                        <p:tgtEl>
+                                          <p:spTgt spid="3">
+                                            <p:txEl>
+                                              <p:pRg st="2" end="2"/>
+                                            </p:txEl>
+                                          </p:spTgt>
+                                        </p:tgtEl>
+                                      </p:cBhvr>
+                                    </p:animEffect>
+                                  </p:childTnLst>
+                                </p:cTn>
+                              </p:par>
+                              <p:par>
+                                <p:cTn id="24" presetID="10" presetClass="entr" presetSubtype="0" fill="hold" nodeType="withEffect">
+                                  <p:stCondLst>
+                                    <p:cond delay="0"/>
+                                  </p:stCondLst>
+                                  <p:childTnLst>
+                                    <p:set>
+                                      <p:cBhvr>
+                                        <p:cTn id="25" dur="1" fill="hold">
+                                          <p:stCondLst>
+                                            <p:cond delay="0"/>
+                                          </p:stCondLst>
+                                        </p:cTn>
+                                        <p:tgtEl>
+                                          <p:spTgt spid="3">
+                                            <p:txEl>
+                                              <p:pRg st="3" end="3"/>
+                                            </p:txEl>
+                                          </p:spTgt>
+                                        </p:tgtEl>
+                                        <p:attrNameLst>
+                                          <p:attrName>style.visibility</p:attrName>
+                                        </p:attrNameLst>
+                                      </p:cBhvr>
+                                      <p:to>
+                                        <p:strVal val="visible"/>
+                                      </p:to>
+                                    </p:set>
+                                    <p:animEffect transition="in" filter="fade">
+                                      <p:cBhvr>
+                                        <p:cTn id="26" dur="500"/>
+                                        <p:tgtEl>
+                                          <p:spTgt spid="3">
+                                            <p:txEl>
+                                              <p:pRg st="3" end="3"/>
+                                            </p:txEl>
+                                          </p:spTgt>
+                                        </p:tgtEl>
+                                      </p:cBhvr>
+                                    </p:animEffect>
+                                  </p:childTnLst>
+                                </p:cTn>
+                              </p:par>
+                            </p:childTnLst>
+                          </p:cTn>
+                        </p:par>
+                      </p:childTnLst>
+                    </p:cTn>
+                  </p:par>
+                  <p:par>
+                    <p:cTn id="27" fill="hold">
+                      <p:stCondLst>
+                        <p:cond delay="indefinite"/>
+                      </p:stCondLst>
+                      <p:childTnLst>
+                        <p:par>
+                          <p:cTn id="28" fill="hold">
+                            <p:stCondLst>
+                              <p:cond delay="0"/>
+                            </p:stCondLst>
+                            <p:childTnLst>
+                              <p:par>
+                                <p:cTn id="29" presetID="10" presetClass="entr" presetSubtype="0" fill="hold" nodeType="clickEffect">
+                                  <p:stCondLst>
+                                    <p:cond delay="0"/>
+                                  </p:stCondLst>
+                                  <p:childTnLst>
+                                    <p:set>
+                                      <p:cBhvr>
+                                        <p:cTn id="30" dur="1" fill="hold">
+                                          <p:stCondLst>
+                                            <p:cond delay="0"/>
+                                          </p:stCondLst>
+                                        </p:cTn>
+                                        <p:tgtEl>
+                                          <p:spTgt spid="3">
+                                            <p:txEl>
+                                              <p:pRg st="4" end="4"/>
+                                            </p:txEl>
+                                          </p:spTgt>
+                                        </p:tgtEl>
+                                        <p:attrNameLst>
+                                          <p:attrName>style.visibility</p:attrName>
+                                        </p:attrNameLst>
+                                      </p:cBhvr>
+                                      <p:to>
+                                        <p:strVal val="visible"/>
+                                      </p:to>
+                                    </p:set>
+                                    <p:animEffect transition="in" filter="fade">
+                                      <p:cBhvr>
+                                        <p:cTn id="31" dur="500"/>
+                                        <p:tgtEl>
+                                          <p:spTgt spid="3">
+                                            <p:txEl>
+                                              <p:pRg st="4" end="4"/>
+                                            </p:txEl>
+                                          </p:spTgt>
+                                        </p:tgtEl>
+                                      </p:cBhvr>
+                                    </p:animEffect>
+                                  </p:childTnLst>
+                                </p:cTn>
+                              </p:par>
+                            </p:childTnLst>
+                          </p:cTn>
+                        </p:par>
+                      </p:childTnLst>
+                    </p:cTn>
+                  </p:par>
+                  <p:par>
+                    <p:cTn id="32" fill="hold">
+                      <p:stCondLst>
+                        <p:cond delay="indefinite"/>
+                      </p:stCondLst>
+                      <p:childTnLst>
+                        <p:par>
+                          <p:cTn id="33" fill="hold">
+                            <p:stCondLst>
+                              <p:cond delay="0"/>
+                            </p:stCondLst>
+                            <p:childTnLst>
+                              <p:par>
+                                <p:cTn id="34" presetID="10" presetClass="entr" presetSubtype="0" fill="hold" nodeType="clickEffect">
+                                  <p:stCondLst>
+                                    <p:cond delay="0"/>
+                                  </p:stCondLst>
+                                  <p:childTnLst>
+                                    <p:set>
+                                      <p:cBhvr>
+                                        <p:cTn id="35" dur="1" fill="hold">
+                                          <p:stCondLst>
+                                            <p:cond delay="0"/>
+                                          </p:stCondLst>
+                                        </p:cTn>
+                                        <p:tgtEl>
+                                          <p:spTgt spid="3">
+                                            <p:txEl>
+                                              <p:pRg st="5" end="5"/>
+                                            </p:txEl>
+                                          </p:spTgt>
+                                        </p:tgtEl>
+                                        <p:attrNameLst>
+                                          <p:attrName>style.visibility</p:attrName>
+                                        </p:attrNameLst>
+                                      </p:cBhvr>
+                                      <p:to>
+                                        <p:strVal val="visible"/>
+                                      </p:to>
+                                    </p:set>
+                                    <p:animEffect transition="in" filter="fade">
+                                      <p:cBhvr>
+                                        <p:cTn id="36" dur="500"/>
+                                        <p:tgtEl>
+                                          <p:spTgt spid="3">
+                                            <p:txEl>
+                                              <p:pRg st="5" end="5"/>
+                                            </p:txEl>
+                                          </p:spTgt>
+                                        </p:tgtEl>
+                                      </p:cBhvr>
+                                    </p:animEffect>
+                                  </p:childTnLst>
+                                </p:cTn>
+                              </p:par>
+                            </p:childTnLst>
+                          </p:cTn>
+                        </p:par>
+                      </p:childTnLst>
+                    </p:cTn>
+                  </p:par>
+                  <p:par>
+                    <p:cTn id="37" fill="hold">
+                      <p:stCondLst>
+                        <p:cond delay="indefinite"/>
+                      </p:stCondLst>
+                      <p:childTnLst>
+                        <p:par>
+                          <p:cTn id="38" fill="hold">
+                            <p:stCondLst>
+                              <p:cond delay="0"/>
+                            </p:stCondLst>
+                            <p:childTnLst>
+                              <p:par>
+                                <p:cTn id="39" presetID="10" presetClass="entr" presetSubtype="0" fill="hold" nodeType="clickEffect">
+                                  <p:stCondLst>
+                                    <p:cond delay="0"/>
+                                  </p:stCondLst>
+                                  <p:childTnLst>
+                                    <p:set>
+                                      <p:cBhvr>
+                                        <p:cTn id="40" dur="1" fill="hold">
+                                          <p:stCondLst>
+                                            <p:cond delay="0"/>
+                                          </p:stCondLst>
+                                        </p:cTn>
+                                        <p:tgtEl>
+                                          <p:spTgt spid="3">
+                                            <p:txEl>
+                                              <p:pRg st="6" end="6"/>
+                                            </p:txEl>
+                                          </p:spTgt>
+                                        </p:tgtEl>
+                                        <p:attrNameLst>
+                                          <p:attrName>style.visibility</p:attrName>
+                                        </p:attrNameLst>
+                                      </p:cBhvr>
+                                      <p:to>
+                                        <p:strVal val="visible"/>
+                                      </p:to>
+                                    </p:set>
+                                    <p:animEffect transition="in" filter="fade">
+                                      <p:cBhvr>
+                                        <p:cTn id="41" dur="500"/>
+                                        <p:tgtEl>
+                                          <p:spTgt spid="3">
+                                            <p:txEl>
+                                              <p:pRg st="6" end="6"/>
+                                            </p:txEl>
+                                          </p:spTgt>
+                                        </p:tgtEl>
+                                      </p:cBhvr>
+                                    </p:animEffect>
+                                  </p:childTnLst>
+                                </p:cTn>
+                              </p:par>
+                            </p:childTnLst>
+                          </p:cTn>
+                        </p:par>
+                      </p:childTnLst>
+                    </p:cTn>
+                  </p:par>
+                </p:childTnLst>
+              </p:cTn>
+              <p:prevCondLst>
+                <p:cond evt="onPrev" delay="0">
+                  <p:tgtEl>
+                    <p:sldTgt/>
+                  </p:tgtEl>
+                </p:cond>
+              </p:prevCondLst>
+              <p:nextCondLst>
+                <p:cond evt="onNext" delay="0">
+                  <p:tgtEl>
+                    <p:sldTgt/>
+                  </p:tgtEl>
+                </p:cond>
+              </p:nextCondLst>
+            </p:seq>
+          </p:childTnLst>
+        </p:cTn>
+      </p:par>
+    </p:tnLst>
+    <p:bldLst>
+      <p:bldP spid="23" grpId="0"/>
+    </p:bldLst>
+  </p:timing>
 </p:sld>
 </file>
 
@@ -32783,7 +34636,12 @@
             <p:ph idx="1"/>
           </p:nvPr>
         </p:nvSpPr>
-        <p:spPr/>
+        <p:spPr>
+          <a:xfrm>
+            <a:off x="838200" y="3657601"/>
+            <a:ext cx="10866120" cy="2519362"/>
+          </a:xfrm>
+        </p:spPr>
         <p:txBody>
           <a:bodyPr/>
           <a:lstStyle/>
@@ -32793,19 +34651,74 @@
                 <a:latin typeface="Euclid Circular B" panose="020B0504000000000000" pitchFamily="34" charset="0"/>
                 <a:ea typeface="Euclid Circular B" panose="020B0504000000000000" pitchFamily="34" charset="0"/>
               </a:rPr>
-              <a:t>TODO</a:t>
-            </a:r>
-            <a:r>
-              <a:rPr lang="en-US">
+              <a:t>Reference to </a:t>
+            </a:r>
+            <a:r>
+              <a:rPr lang="en-US" b="1" i="1" dirty="0" err="1">
                 <a:latin typeface="Euclid Circular B" panose="020B0504000000000000" pitchFamily="34" charset="0"/>
                 <a:ea typeface="Euclid Circular B" panose="020B0504000000000000" pitchFamily="34" charset="0"/>
               </a:rPr>
-              <a:t>: ...</a:t>
-            </a:r>
-            <a:endParaRPr lang="en-US" dirty="0">
-              <a:latin typeface="Euclid Circular B" panose="020B0504000000000000" pitchFamily="34" charset="0"/>
-              <a:ea typeface="Euclid Circular B" panose="020B0504000000000000" pitchFamily="34" charset="0"/>
-            </a:endParaRPr>
+              <a:t>Customers.Application.Contracts</a:t>
+            </a:r>
+            <a:r>
+              <a:rPr lang="en-US" b="1" i="1" dirty="0">
+                <a:latin typeface="Euclid Circular B" panose="020B0504000000000000" pitchFamily="34" charset="0"/>
+                <a:ea typeface="Euclid Circular B" panose="020B0504000000000000" pitchFamily="34" charset="0"/>
+              </a:rPr>
+              <a:t> </a:t>
+            </a:r>
+            <a:r>
+              <a:rPr lang="en-US" dirty="0">
+                <a:solidFill>
+                  <a:schemeClr val="accent3">
+                    <a:lumMod val="75000"/>
+                  </a:schemeClr>
+                </a:solidFill>
+                <a:latin typeface="Euclid Circular B" panose="020B0504000000000000" pitchFamily="34" charset="0"/>
+                <a:ea typeface="Euclid Circular B" panose="020B0504000000000000" pitchFamily="34" charset="0"/>
+              </a:rPr>
+              <a:t>(or </a:t>
+            </a:r>
+            <a:r>
+              <a:rPr lang="en-US" dirty="0" err="1">
+                <a:solidFill>
+                  <a:schemeClr val="accent3">
+                    <a:lumMod val="75000"/>
+                  </a:schemeClr>
+                </a:solidFill>
+                <a:latin typeface="Euclid Circular B" panose="020B0504000000000000" pitchFamily="34" charset="0"/>
+                <a:ea typeface="Euclid Circular B" panose="020B0504000000000000" pitchFamily="34" charset="0"/>
+              </a:rPr>
+              <a:t>Customers.Integration.Contracts</a:t>
+            </a:r>
+            <a:r>
+              <a:rPr lang="en-US" dirty="0">
+                <a:solidFill>
+                  <a:schemeClr val="accent3">
+                    <a:lumMod val="75000"/>
+                  </a:schemeClr>
+                </a:solidFill>
+                <a:latin typeface="Euclid Circular B" panose="020B0504000000000000" pitchFamily="34" charset="0"/>
+                <a:ea typeface="Euclid Circular B" panose="020B0504000000000000" pitchFamily="34" charset="0"/>
+              </a:rPr>
+              <a:t>)</a:t>
+            </a:r>
+            <a:r>
+              <a:rPr lang="en-US" dirty="0">
+                <a:latin typeface="Euclid Circular B" panose="020B0504000000000000" pitchFamily="34" charset="0"/>
+                <a:ea typeface="Euclid Circular B" panose="020B0504000000000000" pitchFamily="34" charset="0"/>
+              </a:rPr>
+              <a:t> project</a:t>
+            </a:r>
+          </a:p>
+          <a:p>
+            <a:r>
+              <a:rPr lang="en-US" dirty="0">
+                <a:latin typeface="Euclid Circular B" panose="020B0504000000000000" pitchFamily="34" charset="0"/>
+                <a:ea typeface="Euclid Circular B" panose="020B0504000000000000" pitchFamily="34" charset="0"/>
+              </a:rPr>
+              <a:t>Hosting application brings the implementations together</a:t>
+            </a:r>
           </a:p>
         </p:txBody>
       </p:sp>
@@ -32845,7 +34758,7 @@
                 <a:latin typeface="Euclid Circular B" panose="020B0504000000000000" pitchFamily="34" charset="0"/>
                 <a:ea typeface="Euclid Circular B" panose="020B0504000000000000" pitchFamily="34" charset="0"/>
               </a:rPr>
-              <a:t>The need for layering</a:t>
+              <a:t>Integrating the modules</a:t>
             </a:r>
             <a:br>
               <a:rPr lang="en-US" b="1" dirty="0">
@@ -32864,7 +34777,7 @@
                 <a:latin typeface="Euclid Circular B" panose="020B0504000000000000" pitchFamily="34" charset="0"/>
                 <a:ea typeface="Euclid Circular B" panose="020B0504000000000000" pitchFamily="34" charset="0"/>
               </a:rPr>
-              <a:t>ABP’s layered module solution structure</a:t>
+              <a:t>Synchronous communication: project dependencies</a:t>
             </a:r>
             <a:endParaRPr lang="en-US" b="1" dirty="0">
               <a:solidFill>
@@ -32876,16 +34789,521 @@
           </a:p>
         </p:txBody>
       </p:sp>
+      <p:pic>
+        <p:nvPicPr>
+          <p:cNvPr id="4" name="Picture 3">
+            <a:extLst>
+              <a:ext uri="{FF2B5EF4-FFF2-40B4-BE49-F238E27FC236}">
+                <a16:creationId xmlns:a16="http://schemas.microsoft.com/office/drawing/2014/main" id="{5B0B8700-B6CB-4943-8B03-60BDC67A9FAA}"/>
+              </a:ext>
+            </a:extLst>
+          </p:cNvPr>
+          <p:cNvPicPr>
+            <a:picLocks noChangeAspect="1"/>
+          </p:cNvPicPr>
+          <p:nvPr/>
+        </p:nvPicPr>
+        <p:blipFill>
+          <a:blip r:embed="rId3"/>
+          <a:stretch>
+            <a:fillRect/>
+          </a:stretch>
+        </p:blipFill>
+        <p:spPr>
+          <a:xfrm>
+            <a:off x="5177045" y="1690688"/>
+            <a:ext cx="3067050" cy="1676400"/>
+          </a:xfrm>
+          <a:prstGeom prst="rect">
+            <a:avLst/>
+          </a:prstGeom>
+        </p:spPr>
+      </p:pic>
+      <p:pic>
+        <p:nvPicPr>
+          <p:cNvPr id="7" name="Picture 6">
+            <a:extLst>
+              <a:ext uri="{FF2B5EF4-FFF2-40B4-BE49-F238E27FC236}">
+                <a16:creationId xmlns:a16="http://schemas.microsoft.com/office/drawing/2014/main" id="{1CB961A2-9429-4D86-80BE-D8B5F217324E}"/>
+              </a:ext>
+            </a:extLst>
+          </p:cNvPr>
+          <p:cNvPicPr>
+            <a:picLocks noChangeAspect="1"/>
+          </p:cNvPicPr>
+          <p:nvPr/>
+        </p:nvPicPr>
+        <p:blipFill>
+          <a:blip r:embed="rId4"/>
+          <a:stretch>
+            <a:fillRect/>
+          </a:stretch>
+        </p:blipFill>
+        <p:spPr>
+          <a:xfrm>
+            <a:off x="838200" y="1690688"/>
+            <a:ext cx="3000375" cy="1676400"/>
+          </a:xfrm>
+          <a:prstGeom prst="rect">
+            <a:avLst/>
+          </a:prstGeom>
+        </p:spPr>
+      </p:pic>
+      <p:cxnSp>
+        <p:nvCxnSpPr>
+          <p:cNvPr id="9" name="Straight Arrow Connector 8">
+            <a:extLst>
+              <a:ext uri="{FF2B5EF4-FFF2-40B4-BE49-F238E27FC236}">
+                <a16:creationId xmlns:a16="http://schemas.microsoft.com/office/drawing/2014/main" id="{6CDD5758-E8CF-42BC-9778-13D69980C050}"/>
+              </a:ext>
+            </a:extLst>
+          </p:cNvPr>
+          <p:cNvCxnSpPr>
+            <a:cxnSpLocks/>
+          </p:cNvCxnSpPr>
+          <p:nvPr/>
+        </p:nvCxnSpPr>
+        <p:spPr>
+          <a:xfrm>
+            <a:off x="3270305" y="2162755"/>
+            <a:ext cx="2067340" cy="159026"/>
+          </a:xfrm>
+          <a:prstGeom prst="straightConnector1">
+            <a:avLst/>
+          </a:prstGeom>
+          <a:ln w="38100">
+            <a:solidFill>
+              <a:schemeClr val="tx1"/>
+            </a:solidFill>
+            <a:tailEnd type="triangle"/>
+          </a:ln>
+        </p:spPr>
+        <p:style>
+          <a:lnRef idx="1">
+            <a:schemeClr val="accent1"/>
+          </a:lnRef>
+          <a:fillRef idx="0">
+            <a:schemeClr val="accent1"/>
+          </a:fillRef>
+          <a:effectRef idx="0">
+            <a:schemeClr val="accent1"/>
+          </a:effectRef>
+          <a:fontRef idx="minor">
+            <a:schemeClr val="tx1"/>
+          </a:fontRef>
+        </p:style>
+      </p:cxnSp>
+      <p:cxnSp>
+        <p:nvCxnSpPr>
+          <p:cNvPr id="11" name="Straight Arrow Connector 10">
+            <a:extLst>
+              <a:ext uri="{FF2B5EF4-FFF2-40B4-BE49-F238E27FC236}">
+                <a16:creationId xmlns:a16="http://schemas.microsoft.com/office/drawing/2014/main" id="{7DC916DF-FFEF-47BE-AD11-F42F0697209E}"/>
+              </a:ext>
+            </a:extLst>
+          </p:cNvPr>
+          <p:cNvCxnSpPr>
+            <a:cxnSpLocks/>
+          </p:cNvCxnSpPr>
+          <p:nvPr/>
+        </p:nvCxnSpPr>
+        <p:spPr>
+          <a:xfrm>
+            <a:off x="3270305" y="2194559"/>
+            <a:ext cx="2067340" cy="1037644"/>
+          </a:xfrm>
+          <a:prstGeom prst="straightConnector1">
+            <a:avLst/>
+          </a:prstGeom>
+          <a:ln w="38100">
+            <a:solidFill>
+              <a:srgbClr val="FF0000"/>
+            </a:solidFill>
+            <a:prstDash val="sysDash"/>
+            <a:tailEnd type="triangle"/>
+          </a:ln>
+        </p:spPr>
+        <p:style>
+          <a:lnRef idx="1">
+            <a:schemeClr val="accent1"/>
+          </a:lnRef>
+          <a:fillRef idx="0">
+            <a:schemeClr val="accent1"/>
+          </a:fillRef>
+          <a:effectRef idx="0">
+            <a:schemeClr val="accent1"/>
+          </a:effectRef>
+          <a:fontRef idx="minor">
+            <a:schemeClr val="tx1"/>
+          </a:fontRef>
+        </p:style>
+      </p:cxnSp>
+      <p:cxnSp>
+        <p:nvCxnSpPr>
+          <p:cNvPr id="22" name="Straight Arrow Connector 21">
+            <a:extLst>
+              <a:ext uri="{FF2B5EF4-FFF2-40B4-BE49-F238E27FC236}">
+                <a16:creationId xmlns:a16="http://schemas.microsoft.com/office/drawing/2014/main" id="{BBF9579B-1E1B-41FF-B7D7-2D8BCDCF2D9E}"/>
+              </a:ext>
+            </a:extLst>
+          </p:cNvPr>
+          <p:cNvCxnSpPr>
+            <a:cxnSpLocks/>
+          </p:cNvCxnSpPr>
+          <p:nvPr/>
+        </p:nvCxnSpPr>
+        <p:spPr>
+          <a:xfrm flipV="1">
+            <a:off x="7769750" y="2403835"/>
+            <a:ext cx="209121" cy="828368"/>
+          </a:xfrm>
+          <a:prstGeom prst="straightConnector1">
+            <a:avLst/>
+          </a:prstGeom>
+          <a:ln w="38100">
+            <a:solidFill>
+              <a:srgbClr val="FF0000"/>
+            </a:solidFill>
+            <a:prstDash val="sysDash"/>
+            <a:tailEnd type="triangle"/>
+          </a:ln>
+        </p:spPr>
+        <p:style>
+          <a:lnRef idx="1">
+            <a:schemeClr val="accent1"/>
+          </a:lnRef>
+          <a:fillRef idx="0">
+            <a:schemeClr val="accent1"/>
+          </a:fillRef>
+          <a:effectRef idx="0">
+            <a:schemeClr val="accent1"/>
+          </a:effectRef>
+          <a:fontRef idx="minor">
+            <a:schemeClr val="tx1"/>
+          </a:fontRef>
+        </p:style>
+      </p:cxnSp>
     </p:spTree>
     <p:extLst>
       <p:ext uri="{BB962C8B-B14F-4D97-AF65-F5344CB8AC3E}">
-        <p14:creationId xmlns:p14="http://schemas.microsoft.com/office/powerpoint/2010/main" val="2964898984"/>
+        <p14:creationId xmlns:p14="http://schemas.microsoft.com/office/powerpoint/2010/main" val="1275376684"/>
       </p:ext>
     </p:extLst>
   </p:cSld>
   <p:clrMapOvr>
     <a:masterClrMapping/>
   </p:clrMapOvr>
+  <p:timing>
+    <p:tnLst>
+      <p:par>
+        <p:cTn id="1" dur="indefinite" restart="never" nodeType="tmRoot">
+          <p:childTnLst>
+            <p:seq concurrent="1" nextAc="seek">
+              <p:cTn id="2" dur="indefinite" nodeType="mainSeq">
+                <p:childTnLst>
+                  <p:par>
+                    <p:cTn id="3" fill="hold">
+                      <p:stCondLst>
+                        <p:cond delay="indefinite"/>
+                      </p:stCondLst>
+                      <p:childTnLst>
+                        <p:par>
+                          <p:cTn id="4" fill="hold">
+                            <p:stCondLst>
+                              <p:cond delay="0"/>
+                            </p:stCondLst>
+                            <p:childTnLst>
+                              <p:par>
+                                <p:cTn id="5" presetID="10" presetClass="entr" presetSubtype="0" fill="hold" nodeType="clickEffect">
+                                  <p:stCondLst>
+                                    <p:cond delay="0"/>
+                                  </p:stCondLst>
+                                  <p:childTnLst>
+                                    <p:set>
+                                      <p:cBhvr>
+                                        <p:cTn id="6" dur="1" fill="hold">
+                                          <p:stCondLst>
+                                            <p:cond delay="0"/>
+                                          </p:stCondLst>
+                                        </p:cTn>
+                                        <p:tgtEl>
+                                          <p:spTgt spid="9"/>
+                                        </p:tgtEl>
+                                        <p:attrNameLst>
+                                          <p:attrName>style.visibility</p:attrName>
+                                        </p:attrNameLst>
+                                      </p:cBhvr>
+                                      <p:to>
+                                        <p:strVal val="visible"/>
+                                      </p:to>
+                                    </p:set>
+                                    <p:animEffect transition="in" filter="fade">
+                                      <p:cBhvr>
+                                        <p:cTn id="7" dur="500"/>
+                                        <p:tgtEl>
+                                          <p:spTgt spid="9"/>
+                                        </p:tgtEl>
+                                      </p:cBhvr>
+                                    </p:animEffect>
+                                  </p:childTnLst>
+                                </p:cTn>
+                              </p:par>
+                            </p:childTnLst>
+                          </p:cTn>
+                        </p:par>
+                      </p:childTnLst>
+                    </p:cTn>
+                  </p:par>
+                  <p:par>
+                    <p:cTn id="8" fill="hold">
+                      <p:stCondLst>
+                        <p:cond delay="indefinite"/>
+                      </p:stCondLst>
+                      <p:childTnLst>
+                        <p:par>
+                          <p:cTn id="9" fill="hold">
+                            <p:stCondLst>
+                              <p:cond delay="0"/>
+                            </p:stCondLst>
+                            <p:childTnLst>
+                              <p:par>
+                                <p:cTn id="10" presetID="10" presetClass="entr" presetSubtype="0" fill="hold" nodeType="clickEffect">
+                                  <p:stCondLst>
+                                    <p:cond delay="0"/>
+                                  </p:stCondLst>
+                                  <p:childTnLst>
+                                    <p:set>
+                                      <p:cBhvr>
+                                        <p:cTn id="11" dur="1" fill="hold">
+                                          <p:stCondLst>
+                                            <p:cond delay="0"/>
+                                          </p:stCondLst>
+                                        </p:cTn>
+                                        <p:tgtEl>
+                                          <p:spTgt spid="3">
+                                            <p:txEl>
+                                              <p:pRg st="0" end="0"/>
+                                            </p:txEl>
+                                          </p:spTgt>
+                                        </p:tgtEl>
+                                        <p:attrNameLst>
+                                          <p:attrName>style.visibility</p:attrName>
+                                        </p:attrNameLst>
+                                      </p:cBhvr>
+                                      <p:to>
+                                        <p:strVal val="visible"/>
+                                      </p:to>
+                                    </p:set>
+                                    <p:animEffect transition="in" filter="fade">
+                                      <p:cBhvr>
+                                        <p:cTn id="12" dur="500"/>
+                                        <p:tgtEl>
+                                          <p:spTgt spid="3">
+                                            <p:txEl>
+                                              <p:pRg st="0" end="0"/>
+                                            </p:txEl>
+                                          </p:spTgt>
+                                        </p:tgtEl>
+                                      </p:cBhvr>
+                                    </p:animEffect>
+                                  </p:childTnLst>
+                                </p:cTn>
+                              </p:par>
+                            </p:childTnLst>
+                          </p:cTn>
+                        </p:par>
+                      </p:childTnLst>
+                    </p:cTn>
+                  </p:par>
+                  <p:par>
+                    <p:cTn id="13" fill="hold">
+                      <p:stCondLst>
+                        <p:cond delay="indefinite"/>
+                      </p:stCondLst>
+                      <p:childTnLst>
+                        <p:par>
+                          <p:cTn id="14" fill="hold">
+                            <p:stCondLst>
+                              <p:cond delay="0"/>
+                            </p:stCondLst>
+                            <p:childTnLst>
+                              <p:par>
+                                <p:cTn id="15" presetID="10" presetClass="entr" presetSubtype="0" fill="hold" nodeType="clickEffect">
+                                  <p:stCondLst>
+                                    <p:cond delay="0"/>
+                                  </p:stCondLst>
+                                  <p:childTnLst>
+                                    <p:set>
+                                      <p:cBhvr>
+                                        <p:cTn id="16" dur="1" fill="hold">
+                                          <p:stCondLst>
+                                            <p:cond delay="0"/>
+                                          </p:stCondLst>
+                                        </p:cTn>
+                                        <p:tgtEl>
+                                          <p:spTgt spid="3">
+                                            <p:txEl>
+                                              <p:pRg st="1" end="1"/>
+                                            </p:txEl>
+                                          </p:spTgt>
+                                        </p:tgtEl>
+                                        <p:attrNameLst>
+                                          <p:attrName>style.visibility</p:attrName>
+                                        </p:attrNameLst>
+                                      </p:cBhvr>
+                                      <p:to>
+                                        <p:strVal val="visible"/>
+                                      </p:to>
+                                    </p:set>
+                                    <p:animEffect transition="in" filter="fade">
+                                      <p:cBhvr>
+                                        <p:cTn id="17" dur="500"/>
+                                        <p:tgtEl>
+                                          <p:spTgt spid="3">
+                                            <p:txEl>
+                                              <p:pRg st="1" end="1"/>
+                                            </p:txEl>
+                                          </p:spTgt>
+                                        </p:tgtEl>
+                                      </p:cBhvr>
+                                    </p:animEffect>
+                                  </p:childTnLst>
+                                </p:cTn>
+                              </p:par>
+                            </p:childTnLst>
+                          </p:cTn>
+                        </p:par>
+                      </p:childTnLst>
+                    </p:cTn>
+                  </p:par>
+                  <p:par>
+                    <p:cTn id="18" fill="hold">
+                      <p:stCondLst>
+                        <p:cond delay="indefinite"/>
+                      </p:stCondLst>
+                      <p:childTnLst>
+                        <p:par>
+                          <p:cTn id="19" fill="hold">
+                            <p:stCondLst>
+                              <p:cond delay="0"/>
+                            </p:stCondLst>
+                            <p:childTnLst>
+                              <p:par>
+                                <p:cTn id="20" presetID="10" presetClass="entr" presetSubtype="0" fill="hold" nodeType="clickEffect">
+                                  <p:stCondLst>
+                                    <p:cond delay="0"/>
+                                  </p:stCondLst>
+                                  <p:childTnLst>
+                                    <p:set>
+                                      <p:cBhvr>
+                                        <p:cTn id="21" dur="1" fill="hold">
+                                          <p:stCondLst>
+                                            <p:cond delay="0"/>
+                                          </p:stCondLst>
+                                        </p:cTn>
+                                        <p:tgtEl>
+                                          <p:spTgt spid="11"/>
+                                        </p:tgtEl>
+                                        <p:attrNameLst>
+                                          <p:attrName>style.visibility</p:attrName>
+                                        </p:attrNameLst>
+                                      </p:cBhvr>
+                                      <p:to>
+                                        <p:strVal val="visible"/>
+                                      </p:to>
+                                    </p:set>
+                                    <p:animEffect transition="in" filter="fade">
+                                      <p:cBhvr>
+                                        <p:cTn id="22" dur="500"/>
+                                        <p:tgtEl>
+                                          <p:spTgt spid="11"/>
+                                        </p:tgtEl>
+                                      </p:cBhvr>
+                                    </p:animEffect>
+                                  </p:childTnLst>
+                                </p:cTn>
+                              </p:par>
+                            </p:childTnLst>
+                          </p:cTn>
+                        </p:par>
+                      </p:childTnLst>
+                    </p:cTn>
+                  </p:par>
+                  <p:par>
+                    <p:cTn id="23" fill="hold">
+                      <p:stCondLst>
+                        <p:cond delay="indefinite"/>
+                      </p:stCondLst>
+                      <p:childTnLst>
+                        <p:par>
+                          <p:cTn id="24" fill="hold">
+                            <p:stCondLst>
+                              <p:cond delay="0"/>
+                            </p:stCondLst>
+                            <p:childTnLst>
+                              <p:par>
+                                <p:cTn id="25" presetID="10" presetClass="entr" presetSubtype="0" fill="hold" nodeType="clickEffect">
+                                  <p:stCondLst>
+                                    <p:cond delay="0"/>
+                                  </p:stCondLst>
+                                  <p:childTnLst>
+                                    <p:set>
+                                      <p:cBhvr>
+                                        <p:cTn id="26" dur="1" fill="hold">
+                                          <p:stCondLst>
+                                            <p:cond delay="0"/>
+                                          </p:stCondLst>
+                                        </p:cTn>
+                                        <p:tgtEl>
+                                          <p:spTgt spid="22"/>
+                                        </p:tgtEl>
+                                        <p:attrNameLst>
+                                          <p:attrName>style.visibility</p:attrName>
+                                        </p:attrNameLst>
+                                      </p:cBhvr>
+                                      <p:to>
+                                        <p:strVal val="visible"/>
+                                      </p:to>
+                                    </p:set>
+                                    <p:animEffect transition="in" filter="fade">
+                                      <p:cBhvr>
+                                        <p:cTn id="27" dur="500"/>
+                                        <p:tgtEl>
+                                          <p:spTgt spid="22"/>
+                                        </p:tgtEl>
+                                      </p:cBhvr>
+                                    </p:animEffect>
+                                  </p:childTnLst>
+                                </p:cTn>
+                              </p:par>
+                            </p:childTnLst>
+                          </p:cTn>
+                        </p:par>
+                      </p:childTnLst>
+                    </p:cTn>
+                  </p:par>
+                </p:childTnLst>
+              </p:cTn>
+              <p:prevCondLst>
+                <p:cond evt="onPrev" delay="0">
+                  <p:tgtEl>
+                    <p:sldTgt/>
+                  </p:tgtEl>
+                </p:cond>
+              </p:prevCondLst>
+              <p:nextCondLst>
+                <p:cond evt="onNext" delay="0">
+                  <p:tgtEl>
+                    <p:sldTgt/>
+                  </p:tgtEl>
+                </p:cond>
+              </p:nextCondLst>
+            </p:seq>
+          </p:childTnLst>
+        </p:cTn>
+      </p:par>
+    </p:tnLst>
+  </p:timing>
 </p:sld>
 </file>
 
@@ -32998,7 +35416,7 @@
                 <a:latin typeface="Euclid Circular B" panose="020B0504000000000000" pitchFamily="34" charset="0"/>
                 <a:ea typeface="Euclid Circular B" panose="020B0504000000000000" pitchFamily="34" charset="0"/>
               </a:rPr>
-              <a:t>The need for layering</a:t>
+              <a:t>Integrating the modules</a:t>
             </a:r>
             <a:br>
               <a:rPr lang="en-US" b="1" dirty="0">
@@ -33010,14 +35428,14 @@
               </a:rPr>
             </a:br>
             <a:r>
-              <a:rPr lang="en-US" sz="3200" b="1" i="1" dirty="0">
+              <a:rPr lang="en-US" sz="3200" b="1" i="1" dirty="0" err="1">
                 <a:solidFill>
                   <a:srgbClr val="292D33"/>
                 </a:solidFill>
                 <a:latin typeface="Euclid Circular B" panose="020B0504000000000000" pitchFamily="34" charset="0"/>
                 <a:ea typeface="Euclid Circular B" panose="020B0504000000000000" pitchFamily="34" charset="0"/>
               </a:rPr>
-              <a:t>ABP’s layered module solution structure</a:t>
+              <a:t>subheader</a:t>
             </a:r>
             <a:endParaRPr lang="en-US" b="1" dirty="0">
               <a:solidFill>
@@ -33032,7 +35450,7 @@
     </p:spTree>
     <p:extLst>
       <p:ext uri="{BB962C8B-B14F-4D97-AF65-F5344CB8AC3E}">
-        <p14:creationId xmlns:p14="http://schemas.microsoft.com/office/powerpoint/2010/main" val="357793711"/>
+        <p14:creationId xmlns:p14="http://schemas.microsoft.com/office/powerpoint/2010/main" val="2627590351"/>
       </p:ext>
     </p:extLst>
   </p:cSld>
@@ -33075,10 +35493,10 @@
       </p:grpSpPr>
       <p:sp>
         <p:nvSpPr>
-          <p:cNvPr id="2" name="Title 1">
-            <a:extLst>
-              <a:ext uri="{FF2B5EF4-FFF2-40B4-BE49-F238E27FC236}">
-                <a16:creationId xmlns:a16="http://schemas.microsoft.com/office/drawing/2014/main" id="{9255DFBE-19DA-408D-84E6-F4043FC30BD3}"/>
+          <p:cNvPr id="3" name="Content Placeholder 2">
+            <a:extLst>
+              <a:ext uri="{FF2B5EF4-FFF2-40B4-BE49-F238E27FC236}">
+                <a16:creationId xmlns:a16="http://schemas.microsoft.com/office/drawing/2014/main" id="{891C7693-D3DF-4635-96F4-97F3B4136FDF}"/>
               </a:ext>
             </a:extLst>
           </p:cNvPr>
@@ -33086,10 +35504,57 @@
             <a:spLocks noGrp="1"/>
           </p:cNvSpPr>
           <p:nvPr>
-            <p:ph type="ctrTitle"/>
+            <p:ph idx="1"/>
           </p:nvPr>
         </p:nvSpPr>
         <p:spPr/>
+        <p:txBody>
+          <a:bodyPr/>
+          <a:lstStyle/>
+          <a:p>
+            <a:r>
+              <a:rPr lang="en-US" dirty="0">
+                <a:latin typeface="Euclid Circular B" panose="020B0504000000000000" pitchFamily="34" charset="0"/>
+                <a:ea typeface="Euclid Circular B" panose="020B0504000000000000" pitchFamily="34" charset="0"/>
+              </a:rPr>
+              <a:t>TODO</a:t>
+            </a:r>
+            <a:r>
+              <a:rPr lang="en-US">
+                <a:latin typeface="Euclid Circular B" panose="020B0504000000000000" pitchFamily="34" charset="0"/>
+                <a:ea typeface="Euclid Circular B" panose="020B0504000000000000" pitchFamily="34" charset="0"/>
+              </a:rPr>
+              <a:t>: ...</a:t>
+            </a:r>
+            <a:endParaRPr lang="en-US" dirty="0">
+              <a:latin typeface="Euclid Circular B" panose="020B0504000000000000" pitchFamily="34" charset="0"/>
+              <a:ea typeface="Euclid Circular B" panose="020B0504000000000000" pitchFamily="34" charset="0"/>
+            </a:endParaRPr>
+          </a:p>
+        </p:txBody>
+      </p:sp>
+      <p:sp>
+        <p:nvSpPr>
+          <p:cNvPr id="6" name="Title 1">
+            <a:extLst>
+              <a:ext uri="{FF2B5EF4-FFF2-40B4-BE49-F238E27FC236}">
+                <a16:creationId xmlns:a16="http://schemas.microsoft.com/office/drawing/2014/main" id="{331D04E0-6416-4CBE-AD16-B2D9C4FE44C3}"/>
+              </a:ext>
+            </a:extLst>
+          </p:cNvPr>
+          <p:cNvSpPr>
+            <a:spLocks noGrp="1"/>
+          </p:cNvSpPr>
+          <p:nvPr>
+            <p:ph type="title"/>
+          </p:nvPr>
+        </p:nvSpPr>
+        <p:spPr>
+          <a:xfrm>
+            <a:off x="838200" y="365125"/>
+            <a:ext cx="10515600" cy="1325563"/>
+          </a:xfrm>
+        </p:spPr>
         <p:txBody>
           <a:bodyPr>
             <a:normAutofit/>
@@ -33097,52 +35562,38 @@
           <a:lstStyle/>
           <a:p>
             <a:r>
-              <a:rPr lang="en-US" sz="4800" b="1" dirty="0">
+              <a:rPr lang="en-US" b="1" dirty="0">
                 <a:solidFill>
                   <a:srgbClr val="292D33"/>
                 </a:solidFill>
                 <a:latin typeface="Euclid Circular B" panose="020B0504000000000000" pitchFamily="34" charset="0"/>
                 <a:ea typeface="Euclid Circular B" panose="020B0504000000000000" pitchFamily="34" charset="0"/>
               </a:rPr>
-              <a:t>MIGRATING TO MICROSERVICES</a:t>
-            </a:r>
-          </a:p>
-        </p:txBody>
-      </p:sp>
-      <p:sp>
-        <p:nvSpPr>
-          <p:cNvPr id="3" name="Subtitle 2">
-            <a:extLst>
-              <a:ext uri="{FF2B5EF4-FFF2-40B4-BE49-F238E27FC236}">
-                <a16:creationId xmlns:a16="http://schemas.microsoft.com/office/drawing/2014/main" id="{265612B9-B745-46CB-8A20-997CA82E05E7}"/>
-              </a:ext>
-            </a:extLst>
-          </p:cNvPr>
-          <p:cNvSpPr>
-            <a:spLocks noGrp="1"/>
-          </p:cNvSpPr>
-          <p:nvPr>
-            <p:ph type="subTitle" idx="1"/>
-          </p:nvPr>
-        </p:nvSpPr>
-        <p:spPr/>
-        <p:txBody>
-          <a:bodyPr>
-            <a:normAutofit/>
-          </a:bodyPr>
-          <a:lstStyle/>
-          <a:p>
-            <a:r>
-              <a:rPr lang="en-US" sz="2000" b="1" dirty="0">
+              <a:t>Integrating the modules</a:t>
+            </a:r>
+            <a:br>
+              <a:rPr lang="en-US" b="1" dirty="0">
                 <a:solidFill>
                   <a:srgbClr val="292D33"/>
                 </a:solidFill>
                 <a:latin typeface="Euclid Circular B" panose="020B0504000000000000" pitchFamily="34" charset="0"/>
                 <a:ea typeface="Euclid Circular B" panose="020B0504000000000000" pitchFamily="34" charset="0"/>
               </a:rPr>
-              <a:t>DESIGNING MONOLITH FIRST FOR MICROSERVICE ARCHITECTURE</a:t>
-            </a:r>
-            <a:endParaRPr lang="en-US" sz="2000" dirty="0">
+            </a:br>
+            <a:r>
+              <a:rPr lang="en-US" sz="3200" b="1" i="1" dirty="0" err="1">
+                <a:solidFill>
+                  <a:srgbClr val="292D33"/>
+                </a:solidFill>
+                <a:latin typeface="Euclid Circular B" panose="020B0504000000000000" pitchFamily="34" charset="0"/>
+                <a:ea typeface="Euclid Circular B" panose="020B0504000000000000" pitchFamily="34" charset="0"/>
+              </a:rPr>
+              <a:t>subheader</a:t>
+            </a:r>
+            <a:endParaRPr lang="en-US" b="1" dirty="0">
+              <a:solidFill>
+                <a:srgbClr val="292D33"/>
+              </a:solidFill>
               <a:latin typeface="Euclid Circular B" panose="020B0504000000000000" pitchFamily="34" charset="0"/>
               <a:ea typeface="Euclid Circular B" panose="020B0504000000000000" pitchFamily="34" charset="0"/>
             </a:endParaRPr>
@@ -33152,7 +35603,7 @@
     </p:spTree>
     <p:extLst>
       <p:ext uri="{BB962C8B-B14F-4D97-AF65-F5344CB8AC3E}">
-        <p14:creationId xmlns:p14="http://schemas.microsoft.com/office/powerpoint/2010/main" val="3507474482"/>
+        <p14:creationId xmlns:p14="http://schemas.microsoft.com/office/powerpoint/2010/main" val="1017573538"/>
       </p:ext>
     </p:extLst>
   </p:cSld>
@@ -33221,7 +35672,7 @@
           <a:graphicData uri="http://schemas.openxmlformats.org/presentationml/2006/ole">
             <mc:AlternateContent xmlns:mc="http://schemas.openxmlformats.org/markup-compatibility/2006">
               <mc:Choice xmlns:v="urn:schemas-microsoft-com:vml" Requires="v">
-                <p:oleObj spid="_x0000_s2122" name="Bitmap Image" r:id="rId4" imgW="12553920" imgH="8362800" progId="Paint.Picture">
+                <p:oleObj spid="_x0000_s2136" name="Bitmap Image" r:id="rId4" imgW="12553920" imgH="8362800" progId="Paint.Picture">
                   <p:embed/>
                 </p:oleObj>
               </mc:Choice>
@@ -33302,40 +35753,6 @@
       </p:grpSpPr>
       <p:sp>
         <p:nvSpPr>
-          <p:cNvPr id="2" name="Title 1">
-            <a:extLst>
-              <a:ext uri="{FF2B5EF4-FFF2-40B4-BE49-F238E27FC236}">
-                <a16:creationId xmlns:a16="http://schemas.microsoft.com/office/drawing/2014/main" id="{55E11F08-6CA0-48F1-AD67-97430DDA07F0}"/>
-              </a:ext>
-            </a:extLst>
-          </p:cNvPr>
-          <p:cNvSpPr>
-            <a:spLocks noGrp="1"/>
-          </p:cNvSpPr>
-          <p:nvPr>
-            <p:ph type="title"/>
-          </p:nvPr>
-        </p:nvSpPr>
-        <p:spPr/>
-        <p:txBody>
-          <a:bodyPr/>
-          <a:lstStyle/>
-          <a:p>
-            <a:r>
-              <a:rPr lang="en-US" b="1" dirty="0">
-                <a:solidFill>
-                  <a:srgbClr val="292D33"/>
-                </a:solidFill>
-                <a:latin typeface="Euclid Circular B" panose="020B0504000000000000" pitchFamily="34" charset="0"/>
-                <a:ea typeface="Euclid Circular B" panose="020B0504000000000000" pitchFamily="34" charset="0"/>
-              </a:rPr>
-              <a:t>Title</a:t>
-            </a:r>
-          </a:p>
-        </p:txBody>
-      </p:sp>
-      <p:sp>
-        <p:nvSpPr>
           <p:cNvPr id="3" name="Content Placeholder 2">
             <a:extLst>
               <a:ext uri="{FF2B5EF4-FFF2-40B4-BE49-F238E27FC236}">
@@ -33376,10 +35793,77 @@
           </a:p>
         </p:txBody>
       </p:sp>
+      <p:sp>
+        <p:nvSpPr>
+          <p:cNvPr id="6" name="Title 1">
+            <a:extLst>
+              <a:ext uri="{FF2B5EF4-FFF2-40B4-BE49-F238E27FC236}">
+                <a16:creationId xmlns:a16="http://schemas.microsoft.com/office/drawing/2014/main" id="{331D04E0-6416-4CBE-AD16-B2D9C4FE44C3}"/>
+              </a:ext>
+            </a:extLst>
+          </p:cNvPr>
+          <p:cNvSpPr>
+            <a:spLocks noGrp="1"/>
+          </p:cNvSpPr>
+          <p:nvPr>
+            <p:ph type="title"/>
+          </p:nvPr>
+        </p:nvSpPr>
+        <p:spPr>
+          <a:xfrm>
+            <a:off x="838200" y="365125"/>
+            <a:ext cx="10515600" cy="1325563"/>
+          </a:xfrm>
+        </p:spPr>
+        <p:txBody>
+          <a:bodyPr>
+            <a:normAutofit/>
+          </a:bodyPr>
+          <a:lstStyle/>
+          <a:p>
+            <a:r>
+              <a:rPr lang="en-US" b="1" dirty="0">
+                <a:solidFill>
+                  <a:srgbClr val="292D33"/>
+                </a:solidFill>
+                <a:latin typeface="Euclid Circular B" panose="020B0504000000000000" pitchFamily="34" charset="0"/>
+                <a:ea typeface="Euclid Circular B" panose="020B0504000000000000" pitchFamily="34" charset="0"/>
+              </a:rPr>
+              <a:t>Integrating the modules</a:t>
+            </a:r>
+            <a:br>
+              <a:rPr lang="en-US" b="1" dirty="0">
+                <a:solidFill>
+                  <a:srgbClr val="292D33"/>
+                </a:solidFill>
+                <a:latin typeface="Euclid Circular B" panose="020B0504000000000000" pitchFamily="34" charset="0"/>
+                <a:ea typeface="Euclid Circular B" panose="020B0504000000000000" pitchFamily="34" charset="0"/>
+              </a:rPr>
+            </a:br>
+            <a:r>
+              <a:rPr lang="en-US" sz="3200" b="1" i="1" dirty="0" err="1">
+                <a:solidFill>
+                  <a:srgbClr val="292D33"/>
+                </a:solidFill>
+                <a:latin typeface="Euclid Circular B" panose="020B0504000000000000" pitchFamily="34" charset="0"/>
+                <a:ea typeface="Euclid Circular B" panose="020B0504000000000000" pitchFamily="34" charset="0"/>
+              </a:rPr>
+              <a:t>subheader</a:t>
+            </a:r>
+            <a:endParaRPr lang="en-US" b="1" dirty="0">
+              <a:solidFill>
+                <a:srgbClr val="292D33"/>
+              </a:solidFill>
+              <a:latin typeface="Euclid Circular B" panose="020B0504000000000000" pitchFamily="34" charset="0"/>
+              <a:ea typeface="Euclid Circular B" panose="020B0504000000000000" pitchFamily="34" charset="0"/>
+            </a:endParaRPr>
+          </a:p>
+        </p:txBody>
+      </p:sp>
     </p:spTree>
     <p:extLst>
       <p:ext uri="{BB962C8B-B14F-4D97-AF65-F5344CB8AC3E}">
-        <p14:creationId xmlns:p14="http://schemas.microsoft.com/office/powerpoint/2010/main" val="1277783299"/>
+        <p14:creationId xmlns:p14="http://schemas.microsoft.com/office/powerpoint/2010/main" val="1130093277"/>
       </p:ext>
     </p:extLst>
   </p:cSld>
@@ -33422,40 +35906,6 @@
       </p:grpSpPr>
       <p:sp>
         <p:nvSpPr>
-          <p:cNvPr id="2" name="Title 1">
-            <a:extLst>
-              <a:ext uri="{FF2B5EF4-FFF2-40B4-BE49-F238E27FC236}">
-                <a16:creationId xmlns:a16="http://schemas.microsoft.com/office/drawing/2014/main" id="{55E11F08-6CA0-48F1-AD67-97430DDA07F0}"/>
-              </a:ext>
-            </a:extLst>
-          </p:cNvPr>
-          <p:cNvSpPr>
-            <a:spLocks noGrp="1"/>
-          </p:cNvSpPr>
-          <p:nvPr>
-            <p:ph type="title"/>
-          </p:nvPr>
-        </p:nvSpPr>
-        <p:spPr/>
-        <p:txBody>
-          <a:bodyPr/>
-          <a:lstStyle/>
-          <a:p>
-            <a:r>
-              <a:rPr lang="en-US" b="1" dirty="0">
-                <a:solidFill>
-                  <a:srgbClr val="292D33"/>
-                </a:solidFill>
-                <a:latin typeface="Euclid Circular B" panose="020B0504000000000000" pitchFamily="34" charset="0"/>
-                <a:ea typeface="Euclid Circular B" panose="020B0504000000000000" pitchFamily="34" charset="0"/>
-              </a:rPr>
-              <a:t>Title</a:t>
-            </a:r>
-          </a:p>
-        </p:txBody>
-      </p:sp>
-      <p:sp>
-        <p:nvSpPr>
           <p:cNvPr id="3" name="Content Placeholder 2">
             <a:extLst>
               <a:ext uri="{FF2B5EF4-FFF2-40B4-BE49-F238E27FC236}">
@@ -33496,10 +35946,77 @@
           </a:p>
         </p:txBody>
       </p:sp>
+      <p:sp>
+        <p:nvSpPr>
+          <p:cNvPr id="6" name="Title 1">
+            <a:extLst>
+              <a:ext uri="{FF2B5EF4-FFF2-40B4-BE49-F238E27FC236}">
+                <a16:creationId xmlns:a16="http://schemas.microsoft.com/office/drawing/2014/main" id="{331D04E0-6416-4CBE-AD16-B2D9C4FE44C3}"/>
+              </a:ext>
+            </a:extLst>
+          </p:cNvPr>
+          <p:cNvSpPr>
+            <a:spLocks noGrp="1"/>
+          </p:cNvSpPr>
+          <p:nvPr>
+            <p:ph type="title"/>
+          </p:nvPr>
+        </p:nvSpPr>
+        <p:spPr>
+          <a:xfrm>
+            <a:off x="838200" y="365125"/>
+            <a:ext cx="10515600" cy="1325563"/>
+          </a:xfrm>
+        </p:spPr>
+        <p:txBody>
+          <a:bodyPr>
+            <a:normAutofit/>
+          </a:bodyPr>
+          <a:lstStyle/>
+          <a:p>
+            <a:r>
+              <a:rPr lang="en-US" b="1" dirty="0">
+                <a:solidFill>
+                  <a:srgbClr val="292D33"/>
+                </a:solidFill>
+                <a:latin typeface="Euclid Circular B" panose="020B0504000000000000" pitchFamily="34" charset="0"/>
+                <a:ea typeface="Euclid Circular B" panose="020B0504000000000000" pitchFamily="34" charset="0"/>
+              </a:rPr>
+              <a:t>Integrating the modules</a:t>
+            </a:r>
+            <a:br>
+              <a:rPr lang="en-US" b="1" dirty="0">
+                <a:solidFill>
+                  <a:srgbClr val="292D33"/>
+                </a:solidFill>
+                <a:latin typeface="Euclid Circular B" panose="020B0504000000000000" pitchFamily="34" charset="0"/>
+                <a:ea typeface="Euclid Circular B" panose="020B0504000000000000" pitchFamily="34" charset="0"/>
+              </a:rPr>
+            </a:br>
+            <a:r>
+              <a:rPr lang="en-US" sz="3200" b="1" i="1" dirty="0" err="1">
+                <a:solidFill>
+                  <a:srgbClr val="292D33"/>
+                </a:solidFill>
+                <a:latin typeface="Euclid Circular B" panose="020B0504000000000000" pitchFamily="34" charset="0"/>
+                <a:ea typeface="Euclid Circular B" panose="020B0504000000000000" pitchFamily="34" charset="0"/>
+              </a:rPr>
+              <a:t>subheader</a:t>
+            </a:r>
+            <a:endParaRPr lang="en-US" b="1" dirty="0">
+              <a:solidFill>
+                <a:srgbClr val="292D33"/>
+              </a:solidFill>
+              <a:latin typeface="Euclid Circular B" panose="020B0504000000000000" pitchFamily="34" charset="0"/>
+              <a:ea typeface="Euclid Circular B" panose="020B0504000000000000" pitchFamily="34" charset="0"/>
+            </a:endParaRPr>
+          </a:p>
+        </p:txBody>
+      </p:sp>
     </p:spTree>
     <p:extLst>
       <p:ext uri="{BB962C8B-B14F-4D97-AF65-F5344CB8AC3E}">
-        <p14:creationId xmlns:p14="http://schemas.microsoft.com/office/powerpoint/2010/main" val="326598016"/>
+        <p14:creationId xmlns:p14="http://schemas.microsoft.com/office/powerpoint/2010/main" val="4032345530"/>
       </p:ext>
     </p:extLst>
   </p:cSld>
@@ -33542,40 +36059,6 @@
       </p:grpSpPr>
       <p:sp>
         <p:nvSpPr>
-          <p:cNvPr id="2" name="Title 1">
-            <a:extLst>
-              <a:ext uri="{FF2B5EF4-FFF2-40B4-BE49-F238E27FC236}">
-                <a16:creationId xmlns:a16="http://schemas.microsoft.com/office/drawing/2014/main" id="{55E11F08-6CA0-48F1-AD67-97430DDA07F0}"/>
-              </a:ext>
-            </a:extLst>
-          </p:cNvPr>
-          <p:cNvSpPr>
-            <a:spLocks noGrp="1"/>
-          </p:cNvSpPr>
-          <p:nvPr>
-            <p:ph type="title"/>
-          </p:nvPr>
-        </p:nvSpPr>
-        <p:spPr/>
-        <p:txBody>
-          <a:bodyPr/>
-          <a:lstStyle/>
-          <a:p>
-            <a:r>
-              <a:rPr lang="en-US" b="1" dirty="0">
-                <a:solidFill>
-                  <a:srgbClr val="292D33"/>
-                </a:solidFill>
-                <a:latin typeface="Euclid Circular B" panose="020B0504000000000000" pitchFamily="34" charset="0"/>
-                <a:ea typeface="Euclid Circular B" panose="020B0504000000000000" pitchFamily="34" charset="0"/>
-              </a:rPr>
-              <a:t>Title</a:t>
-            </a:r>
-          </a:p>
-        </p:txBody>
-      </p:sp>
-      <p:sp>
-        <p:nvSpPr>
           <p:cNvPr id="3" name="Content Placeholder 2">
             <a:extLst>
               <a:ext uri="{FF2B5EF4-FFF2-40B4-BE49-F238E27FC236}">
@@ -33616,10 +36099,77 @@
           </a:p>
         </p:txBody>
       </p:sp>
+      <p:sp>
+        <p:nvSpPr>
+          <p:cNvPr id="6" name="Title 1">
+            <a:extLst>
+              <a:ext uri="{FF2B5EF4-FFF2-40B4-BE49-F238E27FC236}">
+                <a16:creationId xmlns:a16="http://schemas.microsoft.com/office/drawing/2014/main" id="{331D04E0-6416-4CBE-AD16-B2D9C4FE44C3}"/>
+              </a:ext>
+            </a:extLst>
+          </p:cNvPr>
+          <p:cNvSpPr>
+            <a:spLocks noGrp="1"/>
+          </p:cNvSpPr>
+          <p:nvPr>
+            <p:ph type="title"/>
+          </p:nvPr>
+        </p:nvSpPr>
+        <p:spPr>
+          <a:xfrm>
+            <a:off x="838200" y="365125"/>
+            <a:ext cx="10515600" cy="1325563"/>
+          </a:xfrm>
+        </p:spPr>
+        <p:txBody>
+          <a:bodyPr>
+            <a:normAutofit/>
+          </a:bodyPr>
+          <a:lstStyle/>
+          <a:p>
+            <a:r>
+              <a:rPr lang="en-US" b="1" dirty="0">
+                <a:solidFill>
+                  <a:srgbClr val="292D33"/>
+                </a:solidFill>
+                <a:latin typeface="Euclid Circular B" panose="020B0504000000000000" pitchFamily="34" charset="0"/>
+                <a:ea typeface="Euclid Circular B" panose="020B0504000000000000" pitchFamily="34" charset="0"/>
+              </a:rPr>
+              <a:t>Integrating the modules</a:t>
+            </a:r>
+            <a:br>
+              <a:rPr lang="en-US" b="1" dirty="0">
+                <a:solidFill>
+                  <a:srgbClr val="292D33"/>
+                </a:solidFill>
+                <a:latin typeface="Euclid Circular B" panose="020B0504000000000000" pitchFamily="34" charset="0"/>
+                <a:ea typeface="Euclid Circular B" panose="020B0504000000000000" pitchFamily="34" charset="0"/>
+              </a:rPr>
+            </a:br>
+            <a:r>
+              <a:rPr lang="en-US" sz="3200" b="1" i="1" dirty="0" err="1">
+                <a:solidFill>
+                  <a:srgbClr val="292D33"/>
+                </a:solidFill>
+                <a:latin typeface="Euclid Circular B" panose="020B0504000000000000" pitchFamily="34" charset="0"/>
+                <a:ea typeface="Euclid Circular B" panose="020B0504000000000000" pitchFamily="34" charset="0"/>
+              </a:rPr>
+              <a:t>subheader</a:t>
+            </a:r>
+            <a:endParaRPr lang="en-US" b="1" dirty="0">
+              <a:solidFill>
+                <a:srgbClr val="292D33"/>
+              </a:solidFill>
+              <a:latin typeface="Euclid Circular B" panose="020B0504000000000000" pitchFamily="34" charset="0"/>
+              <a:ea typeface="Euclid Circular B" panose="020B0504000000000000" pitchFamily="34" charset="0"/>
+            </a:endParaRPr>
+          </a:p>
+        </p:txBody>
+      </p:sp>
     </p:spTree>
     <p:extLst>
       <p:ext uri="{BB962C8B-B14F-4D97-AF65-F5344CB8AC3E}">
-        <p14:creationId xmlns:p14="http://schemas.microsoft.com/office/powerpoint/2010/main" val="3073250955"/>
+        <p14:creationId xmlns:p14="http://schemas.microsoft.com/office/powerpoint/2010/main" val="1312292003"/>
       </p:ext>
     </p:extLst>
   </p:cSld>
@@ -33665,7 +36215,7 @@
           <p:cNvPr id="2" name="Title 1">
             <a:extLst>
               <a:ext uri="{FF2B5EF4-FFF2-40B4-BE49-F238E27FC236}">
-                <a16:creationId xmlns:a16="http://schemas.microsoft.com/office/drawing/2014/main" id="{55E11F08-6CA0-48F1-AD67-97430DDA07F0}"/>
+                <a16:creationId xmlns:a16="http://schemas.microsoft.com/office/drawing/2014/main" id="{9255DFBE-19DA-408D-84E6-F4043FC30BD3}"/>
               </a:ext>
             </a:extLst>
           </p:cNvPr>
@@ -33673,33 +36223,35 @@
             <a:spLocks noGrp="1"/>
           </p:cNvSpPr>
           <p:nvPr>
-            <p:ph type="title"/>
+            <p:ph type="ctrTitle"/>
           </p:nvPr>
         </p:nvSpPr>
         <p:spPr/>
         <p:txBody>
-          <a:bodyPr/>
+          <a:bodyPr>
+            <a:normAutofit/>
+          </a:bodyPr>
           <a:lstStyle/>
           <a:p>
             <a:r>
-              <a:rPr lang="en-US" b="1" dirty="0">
+              <a:rPr lang="en-US" sz="4800" b="1" dirty="0">
                 <a:solidFill>
                   <a:srgbClr val="292D33"/>
                 </a:solidFill>
                 <a:latin typeface="Euclid Circular B" panose="020B0504000000000000" pitchFamily="34" charset="0"/>
                 <a:ea typeface="Euclid Circular B" panose="020B0504000000000000" pitchFamily="34" charset="0"/>
               </a:rPr>
-              <a:t>Title</a:t>
+              <a:t>MIGRATING TO MICROSERVICES</a:t>
             </a:r>
           </a:p>
         </p:txBody>
       </p:sp>
       <p:sp>
         <p:nvSpPr>
-          <p:cNvPr id="3" name="Content Placeholder 2">
-            <a:extLst>
-              <a:ext uri="{FF2B5EF4-FFF2-40B4-BE49-F238E27FC236}">
-                <a16:creationId xmlns:a16="http://schemas.microsoft.com/office/drawing/2014/main" id="{891C7693-D3DF-4635-96F4-97F3B4136FDF}"/>
+          <p:cNvPr id="3" name="Subtitle 2">
+            <a:extLst>
+              <a:ext uri="{FF2B5EF4-FFF2-40B4-BE49-F238E27FC236}">
+                <a16:creationId xmlns:a16="http://schemas.microsoft.com/office/drawing/2014/main" id="{265612B9-B745-46CB-8A20-997CA82E05E7}"/>
               </a:ext>
             </a:extLst>
           </p:cNvPr>
@@ -33707,29 +36259,27 @@
             <a:spLocks noGrp="1"/>
           </p:cNvSpPr>
           <p:nvPr>
-            <p:ph idx="1"/>
+            <p:ph type="subTitle" idx="1"/>
           </p:nvPr>
         </p:nvSpPr>
         <p:spPr/>
         <p:txBody>
-          <a:bodyPr/>
+          <a:bodyPr>
+            <a:normAutofit/>
+          </a:bodyPr>
           <a:lstStyle/>
           <a:p>
             <a:r>
-              <a:rPr lang="en-US" dirty="0">
+              <a:rPr lang="en-US" sz="2000" b="1" dirty="0">
+                <a:solidFill>
+                  <a:srgbClr val="292D33"/>
+                </a:solidFill>
                 <a:latin typeface="Euclid Circular B" panose="020B0504000000000000" pitchFamily="34" charset="0"/>
                 <a:ea typeface="Euclid Circular B" panose="020B0504000000000000" pitchFamily="34" charset="0"/>
               </a:rPr>
-              <a:t>TODO</a:t>
-            </a:r>
-            <a:r>
-              <a:rPr lang="en-US">
-                <a:latin typeface="Euclid Circular B" panose="020B0504000000000000" pitchFamily="34" charset="0"/>
-                <a:ea typeface="Euclid Circular B" panose="020B0504000000000000" pitchFamily="34" charset="0"/>
-              </a:rPr>
-              <a:t>: ...</a:t>
-            </a:r>
-            <a:endParaRPr lang="en-US" dirty="0">
+              <a:t>DESIGNING MONOLITH FIRST FOR MICROSERVICE ARCHITECTURE</a:t>
+            </a:r>
+            <a:endParaRPr lang="en-US" sz="2000" dirty="0">
               <a:latin typeface="Euclid Circular B" panose="020B0504000000000000" pitchFamily="34" charset="0"/>
               <a:ea typeface="Euclid Circular B" panose="020B0504000000000000" pitchFamily="34" charset="0"/>
             </a:endParaRPr>
@@ -33739,7 +36289,7 @@
     </p:spTree>
     <p:extLst>
       <p:ext uri="{BB962C8B-B14F-4D97-AF65-F5344CB8AC3E}">
-        <p14:creationId xmlns:p14="http://schemas.microsoft.com/office/powerpoint/2010/main" val="214136112"/>
+        <p14:creationId xmlns:p14="http://schemas.microsoft.com/office/powerpoint/2010/main" val="3507474482"/>
       </p:ext>
     </p:extLst>
   </p:cSld>
@@ -33859,7 +36409,7 @@
     </p:spTree>
     <p:extLst>
       <p:ext uri="{BB962C8B-B14F-4D97-AF65-F5344CB8AC3E}">
-        <p14:creationId xmlns:p14="http://schemas.microsoft.com/office/powerpoint/2010/main" val="3539053896"/>
+        <p14:creationId xmlns:p14="http://schemas.microsoft.com/office/powerpoint/2010/main" val="1277783299"/>
       </p:ext>
     </p:extLst>
   </p:cSld>
@@ -33979,7 +36529,7 @@
     </p:spTree>
     <p:extLst>
       <p:ext uri="{BB962C8B-B14F-4D97-AF65-F5344CB8AC3E}">
-        <p14:creationId xmlns:p14="http://schemas.microsoft.com/office/powerpoint/2010/main" val="2818505958"/>
+        <p14:creationId xmlns:p14="http://schemas.microsoft.com/office/powerpoint/2010/main" val="326598016"/>
       </p:ext>
     </p:extLst>
   </p:cSld>
@@ -34099,7 +36649,7 @@
     </p:spTree>
     <p:extLst>
       <p:ext uri="{BB962C8B-B14F-4D97-AF65-F5344CB8AC3E}">
-        <p14:creationId xmlns:p14="http://schemas.microsoft.com/office/powerpoint/2010/main" val="4272791268"/>
+        <p14:creationId xmlns:p14="http://schemas.microsoft.com/office/powerpoint/2010/main" val="3073250955"/>
       </p:ext>
     </p:extLst>
   </p:cSld>
@@ -34219,7 +36769,7 @@
     </p:spTree>
     <p:extLst>
       <p:ext uri="{BB962C8B-B14F-4D97-AF65-F5344CB8AC3E}">
-        <p14:creationId xmlns:p14="http://schemas.microsoft.com/office/powerpoint/2010/main" val="3822449102"/>
+        <p14:creationId xmlns:p14="http://schemas.microsoft.com/office/powerpoint/2010/main" val="214136112"/>
       </p:ext>
     </p:extLst>
   </p:cSld>
@@ -34339,7 +36889,127 @@
     </p:spTree>
     <p:extLst>
       <p:ext uri="{BB962C8B-B14F-4D97-AF65-F5344CB8AC3E}">
-        <p14:creationId xmlns:p14="http://schemas.microsoft.com/office/powerpoint/2010/main" val="540211406"/>
+        <p14:creationId xmlns:p14="http://schemas.microsoft.com/office/powerpoint/2010/main" val="3539053896"/>
+      </p:ext>
+    </p:extLst>
+  </p:cSld>
+  <p:clrMapOvr>
+    <a:masterClrMapping/>
+  </p:clrMapOvr>
+</p:sld>
+</file>
+
+<file path=ppt/slides/slide59.xml><?xml version="1.0" encoding="utf-8"?>
+<p:sld xmlns:a="http://schemas.openxmlformats.org/drawingml/2006/main" xmlns:r="http://schemas.openxmlformats.org/officeDocument/2006/relationships" xmlns:p="http://schemas.openxmlformats.org/presentationml/2006/main">
+  <p:cSld>
+    <p:bg>
+      <p:bgPr>
+        <a:blipFill dpi="0" rotWithShape="1">
+          <a:blip r:embed="rId2">
+            <a:lum/>
+          </a:blip>
+          <a:srcRect/>
+          <a:stretch>
+            <a:fillRect/>
+          </a:stretch>
+        </a:blipFill>
+        <a:effectLst/>
+      </p:bgPr>
+    </p:bg>
+    <p:spTree>
+      <p:nvGrpSpPr>
+        <p:cNvPr id="1" name=""/>
+        <p:cNvGrpSpPr/>
+        <p:nvPr/>
+      </p:nvGrpSpPr>
+      <p:grpSpPr>
+        <a:xfrm>
+          <a:off x="0" y="0"/>
+          <a:ext cx="0" cy="0"/>
+          <a:chOff x="0" y="0"/>
+          <a:chExt cx="0" cy="0"/>
+        </a:xfrm>
+      </p:grpSpPr>
+      <p:sp>
+        <p:nvSpPr>
+          <p:cNvPr id="2" name="Title 1">
+            <a:extLst>
+              <a:ext uri="{FF2B5EF4-FFF2-40B4-BE49-F238E27FC236}">
+                <a16:creationId xmlns:a16="http://schemas.microsoft.com/office/drawing/2014/main" id="{55E11F08-6CA0-48F1-AD67-97430DDA07F0}"/>
+              </a:ext>
+            </a:extLst>
+          </p:cNvPr>
+          <p:cNvSpPr>
+            <a:spLocks noGrp="1"/>
+          </p:cNvSpPr>
+          <p:nvPr>
+            <p:ph type="title"/>
+          </p:nvPr>
+        </p:nvSpPr>
+        <p:spPr/>
+        <p:txBody>
+          <a:bodyPr/>
+          <a:lstStyle/>
+          <a:p>
+            <a:r>
+              <a:rPr lang="en-US" b="1" dirty="0">
+                <a:solidFill>
+                  <a:srgbClr val="292D33"/>
+                </a:solidFill>
+                <a:latin typeface="Euclid Circular B" panose="020B0504000000000000" pitchFamily="34" charset="0"/>
+                <a:ea typeface="Euclid Circular B" panose="020B0504000000000000" pitchFamily="34" charset="0"/>
+              </a:rPr>
+              <a:t>Title</a:t>
+            </a:r>
+          </a:p>
+        </p:txBody>
+      </p:sp>
+      <p:sp>
+        <p:nvSpPr>
+          <p:cNvPr id="3" name="Content Placeholder 2">
+            <a:extLst>
+              <a:ext uri="{FF2B5EF4-FFF2-40B4-BE49-F238E27FC236}">
+                <a16:creationId xmlns:a16="http://schemas.microsoft.com/office/drawing/2014/main" id="{891C7693-D3DF-4635-96F4-97F3B4136FDF}"/>
+              </a:ext>
+            </a:extLst>
+          </p:cNvPr>
+          <p:cNvSpPr>
+            <a:spLocks noGrp="1"/>
+          </p:cNvSpPr>
+          <p:nvPr>
+            <p:ph idx="1"/>
+          </p:nvPr>
+        </p:nvSpPr>
+        <p:spPr/>
+        <p:txBody>
+          <a:bodyPr/>
+          <a:lstStyle/>
+          <a:p>
+            <a:r>
+              <a:rPr lang="en-US" dirty="0">
+                <a:latin typeface="Euclid Circular B" panose="020B0504000000000000" pitchFamily="34" charset="0"/>
+                <a:ea typeface="Euclid Circular B" panose="020B0504000000000000" pitchFamily="34" charset="0"/>
+              </a:rPr>
+              <a:t>TODO</a:t>
+            </a:r>
+            <a:r>
+              <a:rPr lang="en-US">
+                <a:latin typeface="Euclid Circular B" panose="020B0504000000000000" pitchFamily="34" charset="0"/>
+                <a:ea typeface="Euclid Circular B" panose="020B0504000000000000" pitchFamily="34" charset="0"/>
+              </a:rPr>
+              <a:t>: ...</a:t>
+            </a:r>
+            <a:endParaRPr lang="en-US" dirty="0">
+              <a:latin typeface="Euclid Circular B" panose="020B0504000000000000" pitchFamily="34" charset="0"/>
+              <a:ea typeface="Euclid Circular B" panose="020B0504000000000000" pitchFamily="34" charset="0"/>
+            </a:endParaRPr>
+          </a:p>
+        </p:txBody>
+      </p:sp>
+    </p:spTree>
+    <p:extLst>
+      <p:ext uri="{BB962C8B-B14F-4D97-AF65-F5344CB8AC3E}">
+        <p14:creationId xmlns:p14="http://schemas.microsoft.com/office/powerpoint/2010/main" val="2818505958"/>
       </p:ext>
     </p:extLst>
   </p:cSld>
@@ -34476,6 +37146,366 @@
     <p:extLst>
       <p:ext uri="{BB962C8B-B14F-4D97-AF65-F5344CB8AC3E}">
         <p14:creationId xmlns:p14="http://schemas.microsoft.com/office/powerpoint/2010/main" val="2164845799"/>
+      </p:ext>
+    </p:extLst>
+  </p:cSld>
+  <p:clrMapOvr>
+    <a:masterClrMapping/>
+  </p:clrMapOvr>
+</p:sld>
+</file>
+
+<file path=ppt/slides/slide60.xml><?xml version="1.0" encoding="utf-8"?>
+<p:sld xmlns:a="http://schemas.openxmlformats.org/drawingml/2006/main" xmlns:r="http://schemas.openxmlformats.org/officeDocument/2006/relationships" xmlns:p="http://schemas.openxmlformats.org/presentationml/2006/main">
+  <p:cSld>
+    <p:bg>
+      <p:bgPr>
+        <a:blipFill dpi="0" rotWithShape="1">
+          <a:blip r:embed="rId2">
+            <a:lum/>
+          </a:blip>
+          <a:srcRect/>
+          <a:stretch>
+            <a:fillRect/>
+          </a:stretch>
+        </a:blipFill>
+        <a:effectLst/>
+      </p:bgPr>
+    </p:bg>
+    <p:spTree>
+      <p:nvGrpSpPr>
+        <p:cNvPr id="1" name=""/>
+        <p:cNvGrpSpPr/>
+        <p:nvPr/>
+      </p:nvGrpSpPr>
+      <p:grpSpPr>
+        <a:xfrm>
+          <a:off x="0" y="0"/>
+          <a:ext cx="0" cy="0"/>
+          <a:chOff x="0" y="0"/>
+          <a:chExt cx="0" cy="0"/>
+        </a:xfrm>
+      </p:grpSpPr>
+      <p:sp>
+        <p:nvSpPr>
+          <p:cNvPr id="2" name="Title 1">
+            <a:extLst>
+              <a:ext uri="{FF2B5EF4-FFF2-40B4-BE49-F238E27FC236}">
+                <a16:creationId xmlns:a16="http://schemas.microsoft.com/office/drawing/2014/main" id="{55E11F08-6CA0-48F1-AD67-97430DDA07F0}"/>
+              </a:ext>
+            </a:extLst>
+          </p:cNvPr>
+          <p:cNvSpPr>
+            <a:spLocks noGrp="1"/>
+          </p:cNvSpPr>
+          <p:nvPr>
+            <p:ph type="title"/>
+          </p:nvPr>
+        </p:nvSpPr>
+        <p:spPr/>
+        <p:txBody>
+          <a:bodyPr/>
+          <a:lstStyle/>
+          <a:p>
+            <a:r>
+              <a:rPr lang="en-US" b="1" dirty="0">
+                <a:solidFill>
+                  <a:srgbClr val="292D33"/>
+                </a:solidFill>
+                <a:latin typeface="Euclid Circular B" panose="020B0504000000000000" pitchFamily="34" charset="0"/>
+                <a:ea typeface="Euclid Circular B" panose="020B0504000000000000" pitchFamily="34" charset="0"/>
+              </a:rPr>
+              <a:t>Title</a:t>
+            </a:r>
+          </a:p>
+        </p:txBody>
+      </p:sp>
+      <p:sp>
+        <p:nvSpPr>
+          <p:cNvPr id="3" name="Content Placeholder 2">
+            <a:extLst>
+              <a:ext uri="{FF2B5EF4-FFF2-40B4-BE49-F238E27FC236}">
+                <a16:creationId xmlns:a16="http://schemas.microsoft.com/office/drawing/2014/main" id="{891C7693-D3DF-4635-96F4-97F3B4136FDF}"/>
+              </a:ext>
+            </a:extLst>
+          </p:cNvPr>
+          <p:cNvSpPr>
+            <a:spLocks noGrp="1"/>
+          </p:cNvSpPr>
+          <p:nvPr>
+            <p:ph idx="1"/>
+          </p:nvPr>
+        </p:nvSpPr>
+        <p:spPr/>
+        <p:txBody>
+          <a:bodyPr/>
+          <a:lstStyle/>
+          <a:p>
+            <a:r>
+              <a:rPr lang="en-US" dirty="0">
+                <a:latin typeface="Euclid Circular B" panose="020B0504000000000000" pitchFamily="34" charset="0"/>
+                <a:ea typeface="Euclid Circular B" panose="020B0504000000000000" pitchFamily="34" charset="0"/>
+              </a:rPr>
+              <a:t>TODO</a:t>
+            </a:r>
+            <a:r>
+              <a:rPr lang="en-US">
+                <a:latin typeface="Euclid Circular B" panose="020B0504000000000000" pitchFamily="34" charset="0"/>
+                <a:ea typeface="Euclid Circular B" panose="020B0504000000000000" pitchFamily="34" charset="0"/>
+              </a:rPr>
+              <a:t>: ...</a:t>
+            </a:r>
+            <a:endParaRPr lang="en-US" dirty="0">
+              <a:latin typeface="Euclid Circular B" panose="020B0504000000000000" pitchFamily="34" charset="0"/>
+              <a:ea typeface="Euclid Circular B" panose="020B0504000000000000" pitchFamily="34" charset="0"/>
+            </a:endParaRPr>
+          </a:p>
+        </p:txBody>
+      </p:sp>
+    </p:spTree>
+    <p:extLst>
+      <p:ext uri="{BB962C8B-B14F-4D97-AF65-F5344CB8AC3E}">
+        <p14:creationId xmlns:p14="http://schemas.microsoft.com/office/powerpoint/2010/main" val="4272791268"/>
+      </p:ext>
+    </p:extLst>
+  </p:cSld>
+  <p:clrMapOvr>
+    <a:masterClrMapping/>
+  </p:clrMapOvr>
+</p:sld>
+</file>
+
+<file path=ppt/slides/slide61.xml><?xml version="1.0" encoding="utf-8"?>
+<p:sld xmlns:a="http://schemas.openxmlformats.org/drawingml/2006/main" xmlns:r="http://schemas.openxmlformats.org/officeDocument/2006/relationships" xmlns:p="http://schemas.openxmlformats.org/presentationml/2006/main">
+  <p:cSld>
+    <p:bg>
+      <p:bgPr>
+        <a:blipFill dpi="0" rotWithShape="1">
+          <a:blip r:embed="rId2">
+            <a:lum/>
+          </a:blip>
+          <a:srcRect/>
+          <a:stretch>
+            <a:fillRect/>
+          </a:stretch>
+        </a:blipFill>
+        <a:effectLst/>
+      </p:bgPr>
+    </p:bg>
+    <p:spTree>
+      <p:nvGrpSpPr>
+        <p:cNvPr id="1" name=""/>
+        <p:cNvGrpSpPr/>
+        <p:nvPr/>
+      </p:nvGrpSpPr>
+      <p:grpSpPr>
+        <a:xfrm>
+          <a:off x="0" y="0"/>
+          <a:ext cx="0" cy="0"/>
+          <a:chOff x="0" y="0"/>
+          <a:chExt cx="0" cy="0"/>
+        </a:xfrm>
+      </p:grpSpPr>
+      <p:sp>
+        <p:nvSpPr>
+          <p:cNvPr id="2" name="Title 1">
+            <a:extLst>
+              <a:ext uri="{FF2B5EF4-FFF2-40B4-BE49-F238E27FC236}">
+                <a16:creationId xmlns:a16="http://schemas.microsoft.com/office/drawing/2014/main" id="{55E11F08-6CA0-48F1-AD67-97430DDA07F0}"/>
+              </a:ext>
+            </a:extLst>
+          </p:cNvPr>
+          <p:cNvSpPr>
+            <a:spLocks noGrp="1"/>
+          </p:cNvSpPr>
+          <p:nvPr>
+            <p:ph type="title"/>
+          </p:nvPr>
+        </p:nvSpPr>
+        <p:spPr/>
+        <p:txBody>
+          <a:bodyPr/>
+          <a:lstStyle/>
+          <a:p>
+            <a:r>
+              <a:rPr lang="en-US" b="1" dirty="0">
+                <a:solidFill>
+                  <a:srgbClr val="292D33"/>
+                </a:solidFill>
+                <a:latin typeface="Euclid Circular B" panose="020B0504000000000000" pitchFamily="34" charset="0"/>
+                <a:ea typeface="Euclid Circular B" panose="020B0504000000000000" pitchFamily="34" charset="0"/>
+              </a:rPr>
+              <a:t>Title</a:t>
+            </a:r>
+          </a:p>
+        </p:txBody>
+      </p:sp>
+      <p:sp>
+        <p:nvSpPr>
+          <p:cNvPr id="3" name="Content Placeholder 2">
+            <a:extLst>
+              <a:ext uri="{FF2B5EF4-FFF2-40B4-BE49-F238E27FC236}">
+                <a16:creationId xmlns:a16="http://schemas.microsoft.com/office/drawing/2014/main" id="{891C7693-D3DF-4635-96F4-97F3B4136FDF}"/>
+              </a:ext>
+            </a:extLst>
+          </p:cNvPr>
+          <p:cNvSpPr>
+            <a:spLocks noGrp="1"/>
+          </p:cNvSpPr>
+          <p:nvPr>
+            <p:ph idx="1"/>
+          </p:nvPr>
+        </p:nvSpPr>
+        <p:spPr/>
+        <p:txBody>
+          <a:bodyPr/>
+          <a:lstStyle/>
+          <a:p>
+            <a:r>
+              <a:rPr lang="en-US" dirty="0">
+                <a:latin typeface="Euclid Circular B" panose="020B0504000000000000" pitchFamily="34" charset="0"/>
+                <a:ea typeface="Euclid Circular B" panose="020B0504000000000000" pitchFamily="34" charset="0"/>
+              </a:rPr>
+              <a:t>TODO</a:t>
+            </a:r>
+            <a:r>
+              <a:rPr lang="en-US">
+                <a:latin typeface="Euclid Circular B" panose="020B0504000000000000" pitchFamily="34" charset="0"/>
+                <a:ea typeface="Euclid Circular B" panose="020B0504000000000000" pitchFamily="34" charset="0"/>
+              </a:rPr>
+              <a:t>: ...</a:t>
+            </a:r>
+            <a:endParaRPr lang="en-US" dirty="0">
+              <a:latin typeface="Euclid Circular B" panose="020B0504000000000000" pitchFamily="34" charset="0"/>
+              <a:ea typeface="Euclid Circular B" panose="020B0504000000000000" pitchFamily="34" charset="0"/>
+            </a:endParaRPr>
+          </a:p>
+        </p:txBody>
+      </p:sp>
+    </p:spTree>
+    <p:extLst>
+      <p:ext uri="{BB962C8B-B14F-4D97-AF65-F5344CB8AC3E}">
+        <p14:creationId xmlns:p14="http://schemas.microsoft.com/office/powerpoint/2010/main" val="3822449102"/>
+      </p:ext>
+    </p:extLst>
+  </p:cSld>
+  <p:clrMapOvr>
+    <a:masterClrMapping/>
+  </p:clrMapOvr>
+</p:sld>
+</file>
+
+<file path=ppt/slides/slide62.xml><?xml version="1.0" encoding="utf-8"?>
+<p:sld xmlns:a="http://schemas.openxmlformats.org/drawingml/2006/main" xmlns:r="http://schemas.openxmlformats.org/officeDocument/2006/relationships" xmlns:p="http://schemas.openxmlformats.org/presentationml/2006/main">
+  <p:cSld>
+    <p:bg>
+      <p:bgPr>
+        <a:blipFill dpi="0" rotWithShape="1">
+          <a:blip r:embed="rId2">
+            <a:lum/>
+          </a:blip>
+          <a:srcRect/>
+          <a:stretch>
+            <a:fillRect/>
+          </a:stretch>
+        </a:blipFill>
+        <a:effectLst/>
+      </p:bgPr>
+    </p:bg>
+    <p:spTree>
+      <p:nvGrpSpPr>
+        <p:cNvPr id="1" name=""/>
+        <p:cNvGrpSpPr/>
+        <p:nvPr/>
+      </p:nvGrpSpPr>
+      <p:grpSpPr>
+        <a:xfrm>
+          <a:off x="0" y="0"/>
+          <a:ext cx="0" cy="0"/>
+          <a:chOff x="0" y="0"/>
+          <a:chExt cx="0" cy="0"/>
+        </a:xfrm>
+      </p:grpSpPr>
+      <p:sp>
+        <p:nvSpPr>
+          <p:cNvPr id="2" name="Title 1">
+            <a:extLst>
+              <a:ext uri="{FF2B5EF4-FFF2-40B4-BE49-F238E27FC236}">
+                <a16:creationId xmlns:a16="http://schemas.microsoft.com/office/drawing/2014/main" id="{55E11F08-6CA0-48F1-AD67-97430DDA07F0}"/>
+              </a:ext>
+            </a:extLst>
+          </p:cNvPr>
+          <p:cNvSpPr>
+            <a:spLocks noGrp="1"/>
+          </p:cNvSpPr>
+          <p:nvPr>
+            <p:ph type="title"/>
+          </p:nvPr>
+        </p:nvSpPr>
+        <p:spPr/>
+        <p:txBody>
+          <a:bodyPr/>
+          <a:lstStyle/>
+          <a:p>
+            <a:r>
+              <a:rPr lang="en-US" b="1" dirty="0">
+                <a:solidFill>
+                  <a:srgbClr val="292D33"/>
+                </a:solidFill>
+                <a:latin typeface="Euclid Circular B" panose="020B0504000000000000" pitchFamily="34" charset="0"/>
+                <a:ea typeface="Euclid Circular B" panose="020B0504000000000000" pitchFamily="34" charset="0"/>
+              </a:rPr>
+              <a:t>Title</a:t>
+            </a:r>
+          </a:p>
+        </p:txBody>
+      </p:sp>
+      <p:sp>
+        <p:nvSpPr>
+          <p:cNvPr id="3" name="Content Placeholder 2">
+            <a:extLst>
+              <a:ext uri="{FF2B5EF4-FFF2-40B4-BE49-F238E27FC236}">
+                <a16:creationId xmlns:a16="http://schemas.microsoft.com/office/drawing/2014/main" id="{891C7693-D3DF-4635-96F4-97F3B4136FDF}"/>
+              </a:ext>
+            </a:extLst>
+          </p:cNvPr>
+          <p:cNvSpPr>
+            <a:spLocks noGrp="1"/>
+          </p:cNvSpPr>
+          <p:nvPr>
+            <p:ph idx="1"/>
+          </p:nvPr>
+        </p:nvSpPr>
+        <p:spPr/>
+        <p:txBody>
+          <a:bodyPr/>
+          <a:lstStyle/>
+          <a:p>
+            <a:r>
+              <a:rPr lang="en-US" dirty="0">
+                <a:latin typeface="Euclid Circular B" panose="020B0504000000000000" pitchFamily="34" charset="0"/>
+                <a:ea typeface="Euclid Circular B" panose="020B0504000000000000" pitchFamily="34" charset="0"/>
+              </a:rPr>
+              <a:t>TODO</a:t>
+            </a:r>
+            <a:r>
+              <a:rPr lang="en-US">
+                <a:latin typeface="Euclid Circular B" panose="020B0504000000000000" pitchFamily="34" charset="0"/>
+                <a:ea typeface="Euclid Circular B" panose="020B0504000000000000" pitchFamily="34" charset="0"/>
+              </a:rPr>
+              <a:t>: ...</a:t>
+            </a:r>
+            <a:endParaRPr lang="en-US" dirty="0">
+              <a:latin typeface="Euclid Circular B" panose="020B0504000000000000" pitchFamily="34" charset="0"/>
+              <a:ea typeface="Euclid Circular B" panose="020B0504000000000000" pitchFamily="34" charset="0"/>
+            </a:endParaRPr>
+          </a:p>
+        </p:txBody>
+      </p:sp>
+    </p:spTree>
+    <p:extLst>
+      <p:ext uri="{BB962C8B-B14F-4D97-AF65-F5344CB8AC3E}">
+        <p14:creationId xmlns:p14="http://schemas.microsoft.com/office/powerpoint/2010/main" val="540211406"/>
       </p:ext>
     </p:extLst>
   </p:cSld>
@@ -35922,7 +38952,7 @@
           <a:graphicData uri="http://schemas.openxmlformats.org/presentationml/2006/ole">
             <mc:AlternateContent xmlns:mc="http://schemas.openxmlformats.org/markup-compatibility/2006">
               <mc:Choice xmlns:v="urn:schemas-microsoft-com:vml" Requires="v">
-                <p:oleObj spid="_x0000_s3144" name="Bitmap Image" r:id="rId4" imgW="17059320" imgH="5762520" progId="Paint.Picture">
+                <p:oleObj spid="_x0000_s3158" name="Bitmap Image" r:id="rId4" imgW="17059320" imgH="5762520" progId="Paint.Picture">
                   <p:embed/>
                 </p:oleObj>
               </mc:Choice>

--- a/2022-05-12 Designing Monolith First (TR)/Monolith First Presentation.pptx
+++ b/2022-05-12 Designing Monolith First (TR)/Monolith First Presentation.pptx
@@ -320,7 +320,7 @@
           <a:p>
             <a:fld id="{2A14C9FE-EBC3-45D3-899C-58AAF4F8AF71}" type="datetimeFigureOut">
               <a:rPr lang="en-US" smtClean="0"/>
-              <a:t>21-Apr-22</a:t>
+              <a:t>24-Apr-22</a:t>
             </a:fld>
             <a:endParaRPr lang="en-US"/>
           </a:p>
@@ -518,7 +518,7 @@
           <a:p>
             <a:fld id="{2A14C9FE-EBC3-45D3-899C-58AAF4F8AF71}" type="datetimeFigureOut">
               <a:rPr lang="en-US" smtClean="0"/>
-              <a:t>21-Apr-22</a:t>
+              <a:t>24-Apr-22</a:t>
             </a:fld>
             <a:endParaRPr lang="en-US"/>
           </a:p>
@@ -726,7 +726,7 @@
           <a:p>
             <a:fld id="{2A14C9FE-EBC3-45D3-899C-58AAF4F8AF71}" type="datetimeFigureOut">
               <a:rPr lang="en-US" smtClean="0"/>
-              <a:t>21-Apr-22</a:t>
+              <a:t>24-Apr-22</a:t>
             </a:fld>
             <a:endParaRPr lang="en-US"/>
           </a:p>
@@ -924,7 +924,7 @@
           <a:p>
             <a:fld id="{2A14C9FE-EBC3-45D3-899C-58AAF4F8AF71}" type="datetimeFigureOut">
               <a:rPr lang="en-US" smtClean="0"/>
-              <a:t>21-Apr-22</a:t>
+              <a:t>24-Apr-22</a:t>
             </a:fld>
             <a:endParaRPr lang="en-US"/>
           </a:p>
@@ -1199,7 +1199,7 @@
           <a:p>
             <a:fld id="{2A14C9FE-EBC3-45D3-899C-58AAF4F8AF71}" type="datetimeFigureOut">
               <a:rPr lang="en-US" smtClean="0"/>
-              <a:t>21-Apr-22</a:t>
+              <a:t>24-Apr-22</a:t>
             </a:fld>
             <a:endParaRPr lang="en-US"/>
           </a:p>
@@ -1464,7 +1464,7 @@
           <a:p>
             <a:fld id="{2A14C9FE-EBC3-45D3-899C-58AAF4F8AF71}" type="datetimeFigureOut">
               <a:rPr lang="en-US" smtClean="0"/>
-              <a:t>21-Apr-22</a:t>
+              <a:t>24-Apr-22</a:t>
             </a:fld>
             <a:endParaRPr lang="en-US"/>
           </a:p>
@@ -1876,7 +1876,7 @@
           <a:p>
             <a:fld id="{2A14C9FE-EBC3-45D3-899C-58AAF4F8AF71}" type="datetimeFigureOut">
               <a:rPr lang="en-US" smtClean="0"/>
-              <a:t>21-Apr-22</a:t>
+              <a:t>24-Apr-22</a:t>
             </a:fld>
             <a:endParaRPr lang="en-US"/>
           </a:p>
@@ -2017,7 +2017,7 @@
           <a:p>
             <a:fld id="{2A14C9FE-EBC3-45D3-899C-58AAF4F8AF71}" type="datetimeFigureOut">
               <a:rPr lang="en-US" smtClean="0"/>
-              <a:t>21-Apr-22</a:t>
+              <a:t>24-Apr-22</a:t>
             </a:fld>
             <a:endParaRPr lang="en-US"/>
           </a:p>
@@ -2130,7 +2130,7 @@
           <a:p>
             <a:fld id="{2A14C9FE-EBC3-45D3-899C-58AAF4F8AF71}" type="datetimeFigureOut">
               <a:rPr lang="en-US" smtClean="0"/>
-              <a:t>21-Apr-22</a:t>
+              <a:t>24-Apr-22</a:t>
             </a:fld>
             <a:endParaRPr lang="en-US"/>
           </a:p>
@@ -2441,7 +2441,7 @@
           <a:p>
             <a:fld id="{2A14C9FE-EBC3-45D3-899C-58AAF4F8AF71}" type="datetimeFigureOut">
               <a:rPr lang="en-US" smtClean="0"/>
-              <a:t>21-Apr-22</a:t>
+              <a:t>24-Apr-22</a:t>
             </a:fld>
             <a:endParaRPr lang="en-US"/>
           </a:p>
@@ -2729,7 +2729,7 @@
           <a:p>
             <a:fld id="{2A14C9FE-EBC3-45D3-899C-58AAF4F8AF71}" type="datetimeFigureOut">
               <a:rPr lang="en-US" smtClean="0"/>
-              <a:t>21-Apr-22</a:t>
+              <a:t>24-Apr-22</a:t>
             </a:fld>
             <a:endParaRPr lang="en-US"/>
           </a:p>
@@ -2970,7 +2970,7 @@
           <a:p>
             <a:fld id="{2A14C9FE-EBC3-45D3-899C-58AAF4F8AF71}" type="datetimeFigureOut">
               <a:rPr lang="en-US" smtClean="0"/>
-              <a:t>21-Apr-22</a:t>
+              <a:t>24-Apr-22</a:t>
             </a:fld>
             <a:endParaRPr lang="en-US"/>
           </a:p>
@@ -30986,7 +30986,7 @@
           <a:graphicData uri="http://schemas.openxmlformats.org/presentationml/2006/ole">
             <mc:AlternateContent xmlns:mc="http://schemas.openxmlformats.org/markup-compatibility/2006">
               <mc:Choice xmlns:v="urn:schemas-microsoft-com:vml" Requires="v">
-                <p:oleObj spid="_x0000_s4122" name="Bitmap Image" r:id="rId4" imgW="8801280" imgH="2933640" progId="Paint.Picture">
+                <p:oleObj spid="_x0000_s4126" name="Bitmap Image" r:id="rId4" imgW="8801280" imgH="2933640" progId="Paint.Picture">
                   <p:embed/>
                 </p:oleObj>
               </mc:Choice>
@@ -31180,7 +31180,7 @@
           <a:graphicData uri="http://schemas.openxmlformats.org/presentationml/2006/ole">
             <mc:AlternateContent xmlns:mc="http://schemas.openxmlformats.org/markup-compatibility/2006">
               <mc:Choice xmlns:v="urn:schemas-microsoft-com:vml" Requires="v">
-                <p:oleObj spid="_x0000_s5146" name="Bitmap Image" r:id="rId4" imgW="8744040" imgH="3753000" progId="Paint.Picture">
+                <p:oleObj spid="_x0000_s5150" name="Bitmap Image" r:id="rId4" imgW="8744040" imgH="3753000" progId="Paint.Picture">
                   <p:embed/>
                 </p:oleObj>
               </mc:Choice>
@@ -34643,7 +34643,9 @@
           </a:xfrm>
         </p:spPr>
         <p:txBody>
-          <a:bodyPr/>
+          <a:bodyPr>
+            <a:normAutofit lnSpcReduction="10000"/>
+          </a:bodyPr>
           <a:lstStyle/>
           <a:p>
             <a:r>
@@ -34713,11 +34715,48 @@
           </a:p>
           <a:p>
             <a:r>
+              <a:rPr lang="en-US" b="1" dirty="0">
+                <a:latin typeface="Euclid Circular B" panose="020B0504000000000000" pitchFamily="34" charset="0"/>
+                <a:ea typeface="Euclid Circular B" panose="020B0504000000000000" pitchFamily="34" charset="0"/>
+              </a:rPr>
+              <a:t>Monolith hosting </a:t>
+            </a:r>
+            <a:r>
               <a:rPr lang="en-US" dirty="0">
                 <a:latin typeface="Euclid Circular B" panose="020B0504000000000000" pitchFamily="34" charset="0"/>
                 <a:ea typeface="Euclid Circular B" panose="020B0504000000000000" pitchFamily="34" charset="0"/>
               </a:rPr>
-              <a:t>Hosting application brings the implementations together</a:t>
+              <a:t>application brings the implementations together</a:t>
+            </a:r>
+          </a:p>
+          <a:p>
+            <a:r>
+              <a:rPr lang="en-US" dirty="0">
+                <a:latin typeface="Euclid Circular B" panose="020B0504000000000000" pitchFamily="34" charset="0"/>
+                <a:ea typeface="Euclid Circular B" panose="020B0504000000000000" pitchFamily="34" charset="0"/>
+              </a:rPr>
+              <a:t>Microservice hosting application uses the </a:t>
+            </a:r>
+            <a:r>
+              <a:rPr lang="en-US" b="1" i="1" dirty="0" err="1">
+                <a:latin typeface="Euclid Circular B" panose="020B0504000000000000" pitchFamily="34" charset="0"/>
+                <a:ea typeface="Euclid Circular B" panose="020B0504000000000000" pitchFamily="34" charset="0"/>
+              </a:rPr>
+              <a:t>Customers.HttpApi.Client</a:t>
+            </a:r>
+            <a:r>
+              <a:rPr lang="en-US" b="1" i="1" dirty="0">
+                <a:latin typeface="Euclid Circular B" panose="020B0504000000000000" pitchFamily="34" charset="0"/>
+                <a:ea typeface="Euclid Circular B" panose="020B0504000000000000" pitchFamily="34" charset="0"/>
+              </a:rPr>
+              <a:t> </a:t>
+            </a:r>
+            <a:r>
+              <a:rPr lang="en-US" dirty="0">
+                <a:latin typeface="Euclid Circular B" panose="020B0504000000000000" pitchFamily="34" charset="0"/>
+                <a:ea typeface="Euclid Circular B" panose="020B0504000000000000" pitchFamily="34" charset="0"/>
+              </a:rPr>
+              <a:t>project</a:t>
             </a:r>
           </a:p>
         </p:txBody>
@@ -34895,22 +34934,20 @@
       </p:cxnSp>
       <p:cxnSp>
         <p:nvCxnSpPr>
-          <p:cNvPr id="11" name="Straight Arrow Connector 10">
-            <a:extLst>
-              <a:ext uri="{FF2B5EF4-FFF2-40B4-BE49-F238E27FC236}">
-                <a16:creationId xmlns:a16="http://schemas.microsoft.com/office/drawing/2014/main" id="{7DC916DF-FFEF-47BE-AD11-F42F0697209E}"/>
-              </a:ext>
-            </a:extLst>
-          </p:cNvPr>
-          <p:cNvCxnSpPr>
-            <a:cxnSpLocks/>
-          </p:cNvCxnSpPr>
+          <p:cNvPr id="8" name="Straight Arrow Connector 7">
+            <a:extLst>
+              <a:ext uri="{FF2B5EF4-FFF2-40B4-BE49-F238E27FC236}">
+                <a16:creationId xmlns:a16="http://schemas.microsoft.com/office/drawing/2014/main" id="{76B11EAF-E153-4086-A93F-28C3A77B2E68}"/>
+              </a:ext>
+            </a:extLst>
+          </p:cNvPr>
+          <p:cNvCxnSpPr/>
           <p:nvPr/>
         </p:nvCxnSpPr>
         <p:spPr>
-          <a:xfrm>
-            <a:off x="3270305" y="2194559"/>
-            <a:ext cx="2067340" cy="1037644"/>
+          <a:xfrm flipH="1">
+            <a:off x="7677339" y="2162755"/>
+            <a:ext cx="470780" cy="0"/>
           </a:xfrm>
           <a:prstGeom prst="straightConnector1">
             <a:avLst/>
@@ -34940,22 +34977,20 @@
       </p:cxnSp>
       <p:cxnSp>
         <p:nvCxnSpPr>
-          <p:cNvPr id="22" name="Straight Arrow Connector 21">
-            <a:extLst>
-              <a:ext uri="{FF2B5EF4-FFF2-40B4-BE49-F238E27FC236}">
-                <a16:creationId xmlns:a16="http://schemas.microsoft.com/office/drawing/2014/main" id="{BBF9579B-1E1B-41FF-B7D7-2D8BCDCF2D9E}"/>
-              </a:ext>
-            </a:extLst>
-          </p:cNvPr>
-          <p:cNvCxnSpPr>
-            <a:cxnSpLocks/>
-          </p:cNvCxnSpPr>
+          <p:cNvPr id="12" name="Straight Arrow Connector 11">
+            <a:extLst>
+              <a:ext uri="{FF2B5EF4-FFF2-40B4-BE49-F238E27FC236}">
+                <a16:creationId xmlns:a16="http://schemas.microsoft.com/office/drawing/2014/main" id="{B72977B2-342B-4414-9413-7C59FC51E989}"/>
+              </a:ext>
+            </a:extLst>
+          </p:cNvPr>
+          <p:cNvCxnSpPr/>
           <p:nvPr/>
         </p:nvCxnSpPr>
         <p:spPr>
-          <a:xfrm flipV="1">
-            <a:off x="7769750" y="2403835"/>
-            <a:ext cx="209121" cy="828368"/>
+          <a:xfrm flipH="1">
+            <a:off x="7820408" y="3248216"/>
+            <a:ext cx="470780" cy="0"/>
           </a:xfrm>
           <a:prstGeom prst="straightConnector1">
             <a:avLst/>
@@ -35048,33 +35083,15 @@
                                   </p:childTnLst>
                                 </p:cTn>
                               </p:par>
-                            </p:childTnLst>
-                          </p:cTn>
-                        </p:par>
-                      </p:childTnLst>
-                    </p:cTn>
-                  </p:par>
-                  <p:par>
-                    <p:cTn id="8" fill="hold">
-                      <p:stCondLst>
-                        <p:cond delay="indefinite"/>
-                      </p:stCondLst>
-                      <p:childTnLst>
-                        <p:par>
-                          <p:cTn id="9" fill="hold">
-                            <p:stCondLst>
-                              <p:cond delay="0"/>
-                            </p:stCondLst>
-                            <p:childTnLst>
                               <p:par>
-                                <p:cTn id="10" presetID="10" presetClass="entr" presetSubtype="0" fill="hold" nodeType="clickEffect">
+                                <p:cTn id="8" presetID="10" presetClass="entr" presetSubtype="0" fill="hold" nodeType="withEffect">
                                   <p:stCondLst>
                                     <p:cond delay="0"/>
                                   </p:stCondLst>
                                   <p:childTnLst>
                                     <p:set>
                                       <p:cBhvr>
-                                        <p:cTn id="11" dur="1" fill="hold">
+                                        <p:cTn id="9" dur="1" fill="hold">
                                           <p:stCondLst>
                                             <p:cond delay="0"/>
                                           </p:stCondLst>
@@ -35096,7 +35113,7 @@
                                     </p:set>
                                     <p:animEffect transition="in" filter="fade">
                                       <p:cBhvr>
-                                        <p:cTn id="12" dur="500"/>
+                                        <p:cTn id="10" dur="500"/>
                                         <p:tgtEl>
                                           <p:spTgt spid="3">
                                             <p:txEl>
@@ -35116,26 +35133,26 @@
                     </p:cTn>
                   </p:par>
                   <p:par>
-                    <p:cTn id="13" fill="hold">
+                    <p:cTn id="11" fill="hold">
                       <p:stCondLst>
                         <p:cond delay="indefinite"/>
                       </p:stCondLst>
                       <p:childTnLst>
                         <p:par>
-                          <p:cTn id="14" fill="hold">
+                          <p:cTn id="12" fill="hold">
                             <p:stCondLst>
                               <p:cond delay="0"/>
                             </p:stCondLst>
                             <p:childTnLst>
                               <p:par>
-                                <p:cTn id="15" presetID="10" presetClass="entr" presetSubtype="0" fill="hold" nodeType="clickEffect">
+                                <p:cTn id="13" presetID="10" presetClass="entr" presetSubtype="0" fill="hold" nodeType="clickEffect">
                                   <p:stCondLst>
                                     <p:cond delay="0"/>
                                   </p:stCondLst>
                                   <p:childTnLst>
                                     <p:set>
                                       <p:cBhvr>
-                                        <p:cTn id="16" dur="1" fill="hold">
+                                        <p:cTn id="14" dur="1" fill="hold">
                                           <p:stCondLst>
                                             <p:cond delay="0"/>
                                           </p:stCondLst>
@@ -35157,13 +35174,48 @@
                                     </p:set>
                                     <p:animEffect transition="in" filter="fade">
                                       <p:cBhvr>
-                                        <p:cTn id="17" dur="500"/>
+                                        <p:cTn id="15" dur="500"/>
                                         <p:tgtEl>
                                           <p:spTgt spid="3">
                                             <p:txEl>
                                               <p:pRg st="1" end="1"/>
                                             </p:txEl>
                                           </p:spTgt>
+                                        </p:tgtEl>
+                                      </p:cBhvr>
+                                    </p:animEffect>
+                                  </p:childTnLst>
+                                </p:cTn>
+                              </p:par>
+                              <p:par>
+                                <p:cTn id="16" presetID="10" presetClass="entr" presetSubtype="0" fill="hold" nodeType="withEffect">
+                                  <p:stCondLst>
+                                    <p:cond delay="0"/>
+                                  </p:stCondLst>
+                                  <p:childTnLst>
+                                    <p:set>
+                                      <p:cBhvr>
+                                        <p:cTn id="17" dur="1" fill="hold">
+                                          <p:stCondLst>
+                                            <p:cond delay="0"/>
+                                          </p:stCondLst>
+                                        </p:cTn>
+                                        <p:tgtEl>
+                                          <p:spTgt spid="8"/>
+                                        </p:tgtEl>
+                                        <p:attrNameLst>
+                                          <p:attrName>style.visibility</p:attrName>
+                                        </p:attrNameLst>
+                                      </p:cBhvr>
+                                      <p:to>
+                                        <p:strVal val="visible"/>
+                                      </p:to>
+                                    </p:set>
+                                    <p:animEffect transition="in" filter="fade">
+                                      <p:cBhvr>
+                                        <p:cTn id="18" dur="500"/>
+                                        <p:tgtEl>
+                                          <p:spTgt spid="8"/>
                                         </p:tgtEl>
                                       </p:cBhvr>
                                     </p:animEffect>
@@ -35177,32 +35229,36 @@
                     </p:cTn>
                   </p:par>
                   <p:par>
-                    <p:cTn id="18" fill="hold">
+                    <p:cTn id="19" fill="hold">
                       <p:stCondLst>
                         <p:cond delay="indefinite"/>
                       </p:stCondLst>
                       <p:childTnLst>
                         <p:par>
-                          <p:cTn id="19" fill="hold">
+                          <p:cTn id="20" fill="hold">
                             <p:stCondLst>
                               <p:cond delay="0"/>
                             </p:stCondLst>
                             <p:childTnLst>
                               <p:par>
-                                <p:cTn id="20" presetID="10" presetClass="entr" presetSubtype="0" fill="hold" nodeType="clickEffect">
+                                <p:cTn id="21" presetID="10" presetClass="entr" presetSubtype="0" fill="hold" nodeType="clickEffect">
                                   <p:stCondLst>
                                     <p:cond delay="0"/>
                                   </p:stCondLst>
                                   <p:childTnLst>
                                     <p:set>
                                       <p:cBhvr>
-                                        <p:cTn id="21" dur="1" fill="hold">
+                                        <p:cTn id="22" dur="1" fill="hold">
                                           <p:stCondLst>
                                             <p:cond delay="0"/>
                                           </p:stCondLst>
                                         </p:cTn>
                                         <p:tgtEl>
-                                          <p:spTgt spid="11"/>
+                                          <p:spTgt spid="3">
+                                            <p:txEl>
+                                              <p:pRg st="2" end="2"/>
+                                            </p:txEl>
+                                          </p:spTgt>
                                         </p:tgtEl>
                                         <p:attrNameLst>
                                           <p:attrName>style.visibility</p:attrName>
@@ -35214,48 +35270,34 @@
                                     </p:set>
                                     <p:animEffect transition="in" filter="fade">
                                       <p:cBhvr>
-                                        <p:cTn id="22" dur="500"/>
+                                        <p:cTn id="23" dur="500"/>
                                         <p:tgtEl>
-                                          <p:spTgt spid="11"/>
+                                          <p:spTgt spid="3">
+                                            <p:txEl>
+                                              <p:pRg st="2" end="2"/>
+                                            </p:txEl>
+                                          </p:spTgt>
                                         </p:tgtEl>
                                       </p:cBhvr>
                                     </p:animEffect>
                                   </p:childTnLst>
                                 </p:cTn>
                               </p:par>
-                            </p:childTnLst>
-                          </p:cTn>
-                        </p:par>
-                      </p:childTnLst>
-                    </p:cTn>
-                  </p:par>
-                  <p:par>
-                    <p:cTn id="23" fill="hold">
-                      <p:stCondLst>
-                        <p:cond delay="indefinite"/>
-                      </p:stCondLst>
-                      <p:childTnLst>
-                        <p:par>
-                          <p:cTn id="24" fill="hold">
-                            <p:stCondLst>
-                              <p:cond delay="0"/>
-                            </p:stCondLst>
-                            <p:childTnLst>
                               <p:par>
-                                <p:cTn id="25" presetID="10" presetClass="entr" presetSubtype="0" fill="hold" nodeType="clickEffect">
+                                <p:cTn id="24" presetID="10" presetClass="entr" presetSubtype="0" fill="hold" nodeType="withEffect">
                                   <p:stCondLst>
                                     <p:cond delay="0"/>
                                   </p:stCondLst>
                                   <p:childTnLst>
                                     <p:set>
                                       <p:cBhvr>
-                                        <p:cTn id="26" dur="1" fill="hold">
+                                        <p:cTn id="25" dur="1" fill="hold">
                                           <p:stCondLst>
                                             <p:cond delay="0"/>
                                           </p:stCondLst>
                                         </p:cTn>
                                         <p:tgtEl>
-                                          <p:spTgt spid="22"/>
+                                          <p:spTgt spid="12"/>
                                         </p:tgtEl>
                                         <p:attrNameLst>
                                           <p:attrName>style.visibility</p:attrName>
@@ -35267,9 +35309,9 @@
                                     </p:set>
                                     <p:animEffect transition="in" filter="fade">
                                       <p:cBhvr>
-                                        <p:cTn id="27" dur="500"/>
+                                        <p:cTn id="26" dur="500"/>
                                         <p:tgtEl>
-                                          <p:spTgt spid="22"/>
+                                          <p:spTgt spid="12"/>
                                         </p:tgtEl>
                                       </p:cBhvr>
                                     </p:animEffect>
@@ -35340,48 +35382,6 @@
       </p:grpSpPr>
       <p:sp>
         <p:nvSpPr>
-          <p:cNvPr id="3" name="Content Placeholder 2">
-            <a:extLst>
-              <a:ext uri="{FF2B5EF4-FFF2-40B4-BE49-F238E27FC236}">
-                <a16:creationId xmlns:a16="http://schemas.microsoft.com/office/drawing/2014/main" id="{891C7693-D3DF-4635-96F4-97F3B4136FDF}"/>
-              </a:ext>
-            </a:extLst>
-          </p:cNvPr>
-          <p:cNvSpPr>
-            <a:spLocks noGrp="1"/>
-          </p:cNvSpPr>
-          <p:nvPr>
-            <p:ph idx="1"/>
-          </p:nvPr>
-        </p:nvSpPr>
-        <p:spPr/>
-        <p:txBody>
-          <a:bodyPr/>
-          <a:lstStyle/>
-          <a:p>
-            <a:r>
-              <a:rPr lang="en-US" dirty="0">
-                <a:latin typeface="Euclid Circular B" panose="020B0504000000000000" pitchFamily="34" charset="0"/>
-                <a:ea typeface="Euclid Circular B" panose="020B0504000000000000" pitchFamily="34" charset="0"/>
-              </a:rPr>
-              <a:t>TODO</a:t>
-            </a:r>
-            <a:r>
-              <a:rPr lang="en-US">
-                <a:latin typeface="Euclid Circular B" panose="020B0504000000000000" pitchFamily="34" charset="0"/>
-                <a:ea typeface="Euclid Circular B" panose="020B0504000000000000" pitchFamily="34" charset="0"/>
-              </a:rPr>
-              <a:t>: ...</a:t>
-            </a:r>
-            <a:endParaRPr lang="en-US" dirty="0">
-              <a:latin typeface="Euclid Circular B" panose="020B0504000000000000" pitchFamily="34" charset="0"/>
-              <a:ea typeface="Euclid Circular B" panose="020B0504000000000000" pitchFamily="34" charset="0"/>
-            </a:endParaRPr>
-          </a:p>
-        </p:txBody>
-      </p:sp>
-      <p:sp>
-        <p:nvSpPr>
           <p:cNvPr id="6" name="Title 1">
             <a:extLst>
               <a:ext uri="{FF2B5EF4-FFF2-40B4-BE49-F238E27FC236}">
@@ -35428,14 +35428,14 @@
               </a:rPr>
             </a:br>
             <a:r>
-              <a:rPr lang="en-US" sz="3200" b="1" i="1" dirty="0" err="1">
+              <a:rPr lang="en-US" sz="3200" b="1" i="1" dirty="0">
                 <a:solidFill>
                   <a:srgbClr val="292D33"/>
                 </a:solidFill>
                 <a:latin typeface="Euclid Circular B" panose="020B0504000000000000" pitchFamily="34" charset="0"/>
                 <a:ea typeface="Euclid Circular B" panose="020B0504000000000000" pitchFamily="34" charset="0"/>
               </a:rPr>
-              <a:t>subheader</a:t>
+              <a:t>Synchronous communication: caching</a:t>
             </a:r>
             <a:endParaRPr lang="en-US" b="1" dirty="0">
               <a:solidFill>
@@ -35447,6 +35447,1365 @@
           </a:p>
         </p:txBody>
       </p:sp>
+      <p:sp>
+        <p:nvSpPr>
+          <p:cNvPr id="7" name="Rectangle 6">
+            <a:extLst>
+              <a:ext uri="{FF2B5EF4-FFF2-40B4-BE49-F238E27FC236}">
+                <a16:creationId xmlns:a16="http://schemas.microsoft.com/office/drawing/2014/main" id="{8E41FD15-E2AC-4121-803B-70F8480A4A7E}"/>
+              </a:ext>
+            </a:extLst>
+          </p:cNvPr>
+          <p:cNvSpPr/>
+          <p:nvPr/>
+        </p:nvSpPr>
+        <p:spPr>
+          <a:xfrm>
+            <a:off x="2410068" y="3429000"/>
+            <a:ext cx="7552080" cy="1902347"/>
+          </a:xfrm>
+          <a:prstGeom prst="rect">
+            <a:avLst/>
+          </a:prstGeom>
+        </p:spPr>
+        <p:style>
+          <a:lnRef idx="2">
+            <a:schemeClr val="accent6">
+              <a:shade val="50000"/>
+            </a:schemeClr>
+          </a:lnRef>
+          <a:fillRef idx="1">
+            <a:schemeClr val="accent6"/>
+          </a:fillRef>
+          <a:effectRef idx="0">
+            <a:schemeClr val="accent6"/>
+          </a:effectRef>
+          <a:fontRef idx="minor">
+            <a:schemeClr val="lt1"/>
+          </a:fontRef>
+        </p:style>
+        <p:txBody>
+          <a:bodyPr rtlCol="0" anchor="b"/>
+          <a:lstStyle/>
+          <a:p>
+            <a:r>
+              <a:rPr lang="en-US" dirty="0"/>
+              <a:t>Monolith Host (single process)</a:t>
+            </a:r>
+          </a:p>
+        </p:txBody>
+      </p:sp>
+      <p:sp>
+        <p:nvSpPr>
+          <p:cNvPr id="8" name="Rectangle 7">
+            <a:extLst>
+              <a:ext uri="{FF2B5EF4-FFF2-40B4-BE49-F238E27FC236}">
+                <a16:creationId xmlns:a16="http://schemas.microsoft.com/office/drawing/2014/main" id="{1B5E26F6-9D3F-4424-9186-BF786E797B4F}"/>
+              </a:ext>
+            </a:extLst>
+          </p:cNvPr>
+          <p:cNvSpPr/>
+          <p:nvPr/>
+        </p:nvSpPr>
+        <p:spPr>
+          <a:xfrm>
+            <a:off x="2534375" y="3532495"/>
+            <a:ext cx="914400" cy="1285041"/>
+          </a:xfrm>
+          <a:prstGeom prst="rect">
+            <a:avLst/>
+          </a:prstGeom>
+        </p:spPr>
+        <p:style>
+          <a:lnRef idx="2">
+            <a:schemeClr val="accent1">
+              <a:shade val="50000"/>
+            </a:schemeClr>
+          </a:lnRef>
+          <a:fillRef idx="1">
+            <a:schemeClr val="accent1"/>
+          </a:fillRef>
+          <a:effectRef idx="0">
+            <a:schemeClr val="accent1"/>
+          </a:effectRef>
+          <a:fontRef idx="minor">
+            <a:schemeClr val="lt1"/>
+          </a:fontRef>
+        </p:style>
+        <p:txBody>
+          <a:bodyPr rtlCol="0" anchor="ctr"/>
+          <a:lstStyle/>
+          <a:p>
+            <a:pPr algn="ctr"/>
+            <a:endParaRPr lang="en-US" dirty="0"/>
+          </a:p>
+        </p:txBody>
+      </p:sp>
+      <p:sp>
+        <p:nvSpPr>
+          <p:cNvPr id="9" name="Rectangle 8">
+            <a:extLst>
+              <a:ext uri="{FF2B5EF4-FFF2-40B4-BE49-F238E27FC236}">
+                <a16:creationId xmlns:a16="http://schemas.microsoft.com/office/drawing/2014/main" id="{12CE3DF0-716C-4EA4-8CD1-1050C7B4517C}"/>
+              </a:ext>
+            </a:extLst>
+          </p:cNvPr>
+          <p:cNvSpPr/>
+          <p:nvPr/>
+        </p:nvSpPr>
+        <p:spPr>
+          <a:xfrm>
+            <a:off x="2609790" y="4082245"/>
+            <a:ext cx="786623" cy="131976"/>
+          </a:xfrm>
+          <a:prstGeom prst="rect">
+            <a:avLst/>
+          </a:prstGeom>
+          <a:solidFill>
+            <a:schemeClr val="accent5">
+              <a:lumMod val="60000"/>
+              <a:lumOff val="40000"/>
+            </a:schemeClr>
+          </a:solidFill>
+          <a:ln>
+            <a:solidFill>
+              <a:schemeClr val="accent5">
+                <a:lumMod val="40000"/>
+                <a:lumOff val="60000"/>
+              </a:schemeClr>
+            </a:solidFill>
+          </a:ln>
+        </p:spPr>
+        <p:style>
+          <a:lnRef idx="2">
+            <a:schemeClr val="accent4">
+              <a:shade val="50000"/>
+            </a:schemeClr>
+          </a:lnRef>
+          <a:fillRef idx="1">
+            <a:schemeClr val="accent4"/>
+          </a:fillRef>
+          <a:effectRef idx="0">
+            <a:schemeClr val="accent4"/>
+          </a:effectRef>
+          <a:fontRef idx="minor">
+            <a:schemeClr val="lt1"/>
+          </a:fontRef>
+        </p:style>
+        <p:txBody>
+          <a:bodyPr rtlCol="0" anchor="ctr"/>
+          <a:lstStyle/>
+          <a:p>
+            <a:pPr algn="ctr"/>
+            <a:endParaRPr lang="en-US" dirty="0"/>
+          </a:p>
+        </p:txBody>
+      </p:sp>
+      <p:sp>
+        <p:nvSpPr>
+          <p:cNvPr id="10" name="Rectangle 9">
+            <a:extLst>
+              <a:ext uri="{FF2B5EF4-FFF2-40B4-BE49-F238E27FC236}">
+                <a16:creationId xmlns:a16="http://schemas.microsoft.com/office/drawing/2014/main" id="{DBC76DFE-8712-4435-9594-6D5C497B9235}"/>
+              </a:ext>
+            </a:extLst>
+          </p:cNvPr>
+          <p:cNvSpPr/>
+          <p:nvPr/>
+        </p:nvSpPr>
+        <p:spPr>
+          <a:xfrm>
+            <a:off x="2609790" y="4255071"/>
+            <a:ext cx="786623" cy="131976"/>
+          </a:xfrm>
+          <a:prstGeom prst="rect">
+            <a:avLst/>
+          </a:prstGeom>
+          <a:solidFill>
+            <a:schemeClr val="accent5">
+              <a:lumMod val="60000"/>
+              <a:lumOff val="40000"/>
+            </a:schemeClr>
+          </a:solidFill>
+          <a:ln>
+            <a:solidFill>
+              <a:schemeClr val="accent5">
+                <a:lumMod val="40000"/>
+                <a:lumOff val="60000"/>
+              </a:schemeClr>
+            </a:solidFill>
+          </a:ln>
+        </p:spPr>
+        <p:style>
+          <a:lnRef idx="2">
+            <a:schemeClr val="accent4">
+              <a:shade val="50000"/>
+            </a:schemeClr>
+          </a:lnRef>
+          <a:fillRef idx="1">
+            <a:schemeClr val="accent4"/>
+          </a:fillRef>
+          <a:effectRef idx="0">
+            <a:schemeClr val="accent4"/>
+          </a:effectRef>
+          <a:fontRef idx="minor">
+            <a:schemeClr val="lt1"/>
+          </a:fontRef>
+        </p:style>
+        <p:txBody>
+          <a:bodyPr rtlCol="0" anchor="ctr"/>
+          <a:lstStyle/>
+          <a:p>
+            <a:pPr algn="ctr"/>
+            <a:endParaRPr lang="en-US" dirty="0"/>
+          </a:p>
+        </p:txBody>
+      </p:sp>
+      <p:sp>
+        <p:nvSpPr>
+          <p:cNvPr id="11" name="Rectangle 10">
+            <a:extLst>
+              <a:ext uri="{FF2B5EF4-FFF2-40B4-BE49-F238E27FC236}">
+                <a16:creationId xmlns:a16="http://schemas.microsoft.com/office/drawing/2014/main" id="{9E637B45-306E-42C3-9F61-4B25016043E4}"/>
+              </a:ext>
+            </a:extLst>
+          </p:cNvPr>
+          <p:cNvSpPr/>
+          <p:nvPr/>
+        </p:nvSpPr>
+        <p:spPr>
+          <a:xfrm>
+            <a:off x="2609790" y="4427897"/>
+            <a:ext cx="786623" cy="131976"/>
+          </a:xfrm>
+          <a:prstGeom prst="rect">
+            <a:avLst/>
+          </a:prstGeom>
+          <a:solidFill>
+            <a:schemeClr val="accent5">
+              <a:lumMod val="60000"/>
+              <a:lumOff val="40000"/>
+            </a:schemeClr>
+          </a:solidFill>
+          <a:ln>
+            <a:solidFill>
+              <a:schemeClr val="accent5">
+                <a:lumMod val="40000"/>
+                <a:lumOff val="60000"/>
+              </a:schemeClr>
+            </a:solidFill>
+          </a:ln>
+        </p:spPr>
+        <p:style>
+          <a:lnRef idx="2">
+            <a:schemeClr val="accent4">
+              <a:shade val="50000"/>
+            </a:schemeClr>
+          </a:lnRef>
+          <a:fillRef idx="1">
+            <a:schemeClr val="accent4"/>
+          </a:fillRef>
+          <a:effectRef idx="0">
+            <a:schemeClr val="accent4"/>
+          </a:effectRef>
+          <a:fontRef idx="minor">
+            <a:schemeClr val="lt1"/>
+          </a:fontRef>
+        </p:style>
+        <p:txBody>
+          <a:bodyPr rtlCol="0" anchor="ctr"/>
+          <a:lstStyle/>
+          <a:p>
+            <a:pPr algn="ctr"/>
+            <a:endParaRPr lang="en-US" dirty="0"/>
+          </a:p>
+        </p:txBody>
+      </p:sp>
+      <p:sp>
+        <p:nvSpPr>
+          <p:cNvPr id="12" name="Rectangle 11">
+            <a:extLst>
+              <a:ext uri="{FF2B5EF4-FFF2-40B4-BE49-F238E27FC236}">
+                <a16:creationId xmlns:a16="http://schemas.microsoft.com/office/drawing/2014/main" id="{74CC35D2-5F98-4916-826C-3BC5E01D3628}"/>
+              </a:ext>
+            </a:extLst>
+          </p:cNvPr>
+          <p:cNvSpPr/>
+          <p:nvPr/>
+        </p:nvSpPr>
+        <p:spPr>
+          <a:xfrm>
+            <a:off x="2609790" y="4600723"/>
+            <a:ext cx="786623" cy="131976"/>
+          </a:xfrm>
+          <a:prstGeom prst="rect">
+            <a:avLst/>
+          </a:prstGeom>
+          <a:solidFill>
+            <a:schemeClr val="accent5">
+              <a:lumMod val="60000"/>
+              <a:lumOff val="40000"/>
+            </a:schemeClr>
+          </a:solidFill>
+          <a:ln>
+            <a:solidFill>
+              <a:schemeClr val="accent5">
+                <a:lumMod val="40000"/>
+                <a:lumOff val="60000"/>
+              </a:schemeClr>
+            </a:solidFill>
+          </a:ln>
+        </p:spPr>
+        <p:style>
+          <a:lnRef idx="2">
+            <a:schemeClr val="accent4">
+              <a:shade val="50000"/>
+            </a:schemeClr>
+          </a:lnRef>
+          <a:fillRef idx="1">
+            <a:schemeClr val="accent4"/>
+          </a:fillRef>
+          <a:effectRef idx="0">
+            <a:schemeClr val="accent4"/>
+          </a:effectRef>
+          <a:fontRef idx="minor">
+            <a:schemeClr val="lt1"/>
+          </a:fontRef>
+        </p:style>
+        <p:txBody>
+          <a:bodyPr rtlCol="0" anchor="ctr"/>
+          <a:lstStyle/>
+          <a:p>
+            <a:pPr algn="ctr"/>
+            <a:endParaRPr lang="en-US" dirty="0"/>
+          </a:p>
+        </p:txBody>
+      </p:sp>
+      <p:sp>
+        <p:nvSpPr>
+          <p:cNvPr id="13" name="TextBox 12">
+            <a:extLst>
+              <a:ext uri="{FF2B5EF4-FFF2-40B4-BE49-F238E27FC236}">
+                <a16:creationId xmlns:a16="http://schemas.microsoft.com/office/drawing/2014/main" id="{4E8E7315-86F4-4B0F-A43F-1074D90EB625}"/>
+              </a:ext>
+            </a:extLst>
+          </p:cNvPr>
+          <p:cNvSpPr txBox="1"/>
+          <p:nvPr/>
+        </p:nvSpPr>
+        <p:spPr>
+          <a:xfrm>
+            <a:off x="2557428" y="3510671"/>
+            <a:ext cx="838985" cy="523220"/>
+          </a:xfrm>
+          <a:prstGeom prst="rect">
+            <a:avLst/>
+          </a:prstGeom>
+          <a:noFill/>
+        </p:spPr>
+        <p:txBody>
+          <a:bodyPr wrap="square" rtlCol="0">
+            <a:spAutoFit/>
+          </a:bodyPr>
+          <a:lstStyle/>
+          <a:p>
+            <a:pPr algn="ctr"/>
+            <a:r>
+              <a:rPr lang="en-US" sz="1400" dirty="0">
+                <a:solidFill>
+                  <a:schemeClr val="bg1"/>
+                </a:solidFill>
+              </a:rPr>
+              <a:t>Order module</a:t>
+            </a:r>
+          </a:p>
+        </p:txBody>
+      </p:sp>
+      <p:sp>
+        <p:nvSpPr>
+          <p:cNvPr id="14" name="Rectangle 13">
+            <a:extLst>
+              <a:ext uri="{FF2B5EF4-FFF2-40B4-BE49-F238E27FC236}">
+                <a16:creationId xmlns:a16="http://schemas.microsoft.com/office/drawing/2014/main" id="{BD312150-507F-4D7E-A2F8-4CA8AFAC39F8}"/>
+              </a:ext>
+            </a:extLst>
+          </p:cNvPr>
+          <p:cNvSpPr/>
+          <p:nvPr/>
+        </p:nvSpPr>
+        <p:spPr>
+          <a:xfrm>
+            <a:off x="8954646" y="3532495"/>
+            <a:ext cx="914400" cy="1285041"/>
+          </a:xfrm>
+          <a:prstGeom prst="rect">
+            <a:avLst/>
+          </a:prstGeom>
+        </p:spPr>
+        <p:style>
+          <a:lnRef idx="2">
+            <a:schemeClr val="accent1">
+              <a:shade val="50000"/>
+            </a:schemeClr>
+          </a:lnRef>
+          <a:fillRef idx="1">
+            <a:schemeClr val="accent1"/>
+          </a:fillRef>
+          <a:effectRef idx="0">
+            <a:schemeClr val="accent1"/>
+          </a:effectRef>
+          <a:fontRef idx="minor">
+            <a:schemeClr val="lt1"/>
+          </a:fontRef>
+        </p:style>
+        <p:txBody>
+          <a:bodyPr rtlCol="0" anchor="ctr"/>
+          <a:lstStyle/>
+          <a:p>
+            <a:pPr algn="ctr"/>
+            <a:endParaRPr lang="en-US" dirty="0"/>
+          </a:p>
+        </p:txBody>
+      </p:sp>
+      <p:sp>
+        <p:nvSpPr>
+          <p:cNvPr id="15" name="Rectangle 14">
+            <a:extLst>
+              <a:ext uri="{FF2B5EF4-FFF2-40B4-BE49-F238E27FC236}">
+                <a16:creationId xmlns:a16="http://schemas.microsoft.com/office/drawing/2014/main" id="{102084E7-4807-4D3C-9AB7-5E9DBF2F38B1}"/>
+              </a:ext>
+            </a:extLst>
+          </p:cNvPr>
+          <p:cNvSpPr/>
+          <p:nvPr/>
+        </p:nvSpPr>
+        <p:spPr>
+          <a:xfrm>
+            <a:off x="9030061" y="4082245"/>
+            <a:ext cx="786623" cy="131976"/>
+          </a:xfrm>
+          <a:prstGeom prst="rect">
+            <a:avLst/>
+          </a:prstGeom>
+          <a:solidFill>
+            <a:schemeClr val="accent5">
+              <a:lumMod val="60000"/>
+              <a:lumOff val="40000"/>
+            </a:schemeClr>
+          </a:solidFill>
+          <a:ln>
+            <a:solidFill>
+              <a:schemeClr val="accent5">
+                <a:lumMod val="40000"/>
+                <a:lumOff val="60000"/>
+              </a:schemeClr>
+            </a:solidFill>
+          </a:ln>
+        </p:spPr>
+        <p:style>
+          <a:lnRef idx="2">
+            <a:schemeClr val="accent4">
+              <a:shade val="50000"/>
+            </a:schemeClr>
+          </a:lnRef>
+          <a:fillRef idx="1">
+            <a:schemeClr val="accent4"/>
+          </a:fillRef>
+          <a:effectRef idx="0">
+            <a:schemeClr val="accent4"/>
+          </a:effectRef>
+          <a:fontRef idx="minor">
+            <a:schemeClr val="lt1"/>
+          </a:fontRef>
+        </p:style>
+        <p:txBody>
+          <a:bodyPr rtlCol="0" anchor="ctr"/>
+          <a:lstStyle/>
+          <a:p>
+            <a:pPr algn="ctr"/>
+            <a:endParaRPr lang="en-US" dirty="0"/>
+          </a:p>
+        </p:txBody>
+      </p:sp>
+      <p:sp>
+        <p:nvSpPr>
+          <p:cNvPr id="16" name="Rectangle 15">
+            <a:extLst>
+              <a:ext uri="{FF2B5EF4-FFF2-40B4-BE49-F238E27FC236}">
+                <a16:creationId xmlns:a16="http://schemas.microsoft.com/office/drawing/2014/main" id="{320A0F64-447F-4963-BBDF-45BDE43B14C4}"/>
+              </a:ext>
+            </a:extLst>
+          </p:cNvPr>
+          <p:cNvSpPr/>
+          <p:nvPr/>
+        </p:nvSpPr>
+        <p:spPr>
+          <a:xfrm>
+            <a:off x="9030061" y="4255071"/>
+            <a:ext cx="786623" cy="131976"/>
+          </a:xfrm>
+          <a:prstGeom prst="rect">
+            <a:avLst/>
+          </a:prstGeom>
+          <a:solidFill>
+            <a:schemeClr val="accent5">
+              <a:lumMod val="60000"/>
+              <a:lumOff val="40000"/>
+            </a:schemeClr>
+          </a:solidFill>
+          <a:ln>
+            <a:solidFill>
+              <a:schemeClr val="accent5">
+                <a:lumMod val="40000"/>
+                <a:lumOff val="60000"/>
+              </a:schemeClr>
+            </a:solidFill>
+          </a:ln>
+        </p:spPr>
+        <p:style>
+          <a:lnRef idx="2">
+            <a:schemeClr val="accent4">
+              <a:shade val="50000"/>
+            </a:schemeClr>
+          </a:lnRef>
+          <a:fillRef idx="1">
+            <a:schemeClr val="accent4"/>
+          </a:fillRef>
+          <a:effectRef idx="0">
+            <a:schemeClr val="accent4"/>
+          </a:effectRef>
+          <a:fontRef idx="minor">
+            <a:schemeClr val="lt1"/>
+          </a:fontRef>
+        </p:style>
+        <p:txBody>
+          <a:bodyPr rtlCol="0" anchor="ctr"/>
+          <a:lstStyle/>
+          <a:p>
+            <a:pPr algn="ctr"/>
+            <a:endParaRPr lang="en-US" dirty="0"/>
+          </a:p>
+        </p:txBody>
+      </p:sp>
+      <p:sp>
+        <p:nvSpPr>
+          <p:cNvPr id="17" name="Rectangle 16">
+            <a:extLst>
+              <a:ext uri="{FF2B5EF4-FFF2-40B4-BE49-F238E27FC236}">
+                <a16:creationId xmlns:a16="http://schemas.microsoft.com/office/drawing/2014/main" id="{97AEE5C3-785F-4B66-9912-E10ED0FDD5BC}"/>
+              </a:ext>
+            </a:extLst>
+          </p:cNvPr>
+          <p:cNvSpPr/>
+          <p:nvPr/>
+        </p:nvSpPr>
+        <p:spPr>
+          <a:xfrm>
+            <a:off x="9030061" y="4427897"/>
+            <a:ext cx="786623" cy="131976"/>
+          </a:xfrm>
+          <a:prstGeom prst="rect">
+            <a:avLst/>
+          </a:prstGeom>
+          <a:solidFill>
+            <a:schemeClr val="accent5">
+              <a:lumMod val="60000"/>
+              <a:lumOff val="40000"/>
+            </a:schemeClr>
+          </a:solidFill>
+          <a:ln>
+            <a:solidFill>
+              <a:schemeClr val="accent5">
+                <a:lumMod val="40000"/>
+                <a:lumOff val="60000"/>
+              </a:schemeClr>
+            </a:solidFill>
+          </a:ln>
+        </p:spPr>
+        <p:style>
+          <a:lnRef idx="2">
+            <a:schemeClr val="accent4">
+              <a:shade val="50000"/>
+            </a:schemeClr>
+          </a:lnRef>
+          <a:fillRef idx="1">
+            <a:schemeClr val="accent4"/>
+          </a:fillRef>
+          <a:effectRef idx="0">
+            <a:schemeClr val="accent4"/>
+          </a:effectRef>
+          <a:fontRef idx="minor">
+            <a:schemeClr val="lt1"/>
+          </a:fontRef>
+        </p:style>
+        <p:txBody>
+          <a:bodyPr rtlCol="0" anchor="ctr"/>
+          <a:lstStyle/>
+          <a:p>
+            <a:pPr algn="ctr"/>
+            <a:endParaRPr lang="en-US" dirty="0"/>
+          </a:p>
+        </p:txBody>
+      </p:sp>
+      <p:sp>
+        <p:nvSpPr>
+          <p:cNvPr id="18" name="Rectangle 17">
+            <a:extLst>
+              <a:ext uri="{FF2B5EF4-FFF2-40B4-BE49-F238E27FC236}">
+                <a16:creationId xmlns:a16="http://schemas.microsoft.com/office/drawing/2014/main" id="{35AAB8C7-2C96-4C59-B8BA-4492AEFBD77B}"/>
+              </a:ext>
+            </a:extLst>
+          </p:cNvPr>
+          <p:cNvSpPr/>
+          <p:nvPr/>
+        </p:nvSpPr>
+        <p:spPr>
+          <a:xfrm>
+            <a:off x="9030061" y="4600723"/>
+            <a:ext cx="786623" cy="131976"/>
+          </a:xfrm>
+          <a:prstGeom prst="rect">
+            <a:avLst/>
+          </a:prstGeom>
+          <a:solidFill>
+            <a:schemeClr val="accent5">
+              <a:lumMod val="60000"/>
+              <a:lumOff val="40000"/>
+            </a:schemeClr>
+          </a:solidFill>
+          <a:ln>
+            <a:solidFill>
+              <a:schemeClr val="accent5">
+                <a:lumMod val="40000"/>
+                <a:lumOff val="60000"/>
+              </a:schemeClr>
+            </a:solidFill>
+          </a:ln>
+        </p:spPr>
+        <p:style>
+          <a:lnRef idx="2">
+            <a:schemeClr val="accent4">
+              <a:shade val="50000"/>
+            </a:schemeClr>
+          </a:lnRef>
+          <a:fillRef idx="1">
+            <a:schemeClr val="accent4"/>
+          </a:fillRef>
+          <a:effectRef idx="0">
+            <a:schemeClr val="accent4"/>
+          </a:effectRef>
+          <a:fontRef idx="minor">
+            <a:schemeClr val="lt1"/>
+          </a:fontRef>
+        </p:style>
+        <p:txBody>
+          <a:bodyPr rtlCol="0" anchor="ctr"/>
+          <a:lstStyle/>
+          <a:p>
+            <a:pPr algn="ctr"/>
+            <a:endParaRPr lang="en-US" dirty="0"/>
+          </a:p>
+        </p:txBody>
+      </p:sp>
+      <p:sp>
+        <p:nvSpPr>
+          <p:cNvPr id="19" name="TextBox 18">
+            <a:extLst>
+              <a:ext uri="{FF2B5EF4-FFF2-40B4-BE49-F238E27FC236}">
+                <a16:creationId xmlns:a16="http://schemas.microsoft.com/office/drawing/2014/main" id="{3CB2D4F0-E22C-4C28-BEE6-2215BA282ED9}"/>
+              </a:ext>
+            </a:extLst>
+          </p:cNvPr>
+          <p:cNvSpPr txBox="1"/>
+          <p:nvPr/>
+        </p:nvSpPr>
+        <p:spPr>
+          <a:xfrm>
+            <a:off x="8977699" y="3510671"/>
+            <a:ext cx="838985" cy="523220"/>
+          </a:xfrm>
+          <a:prstGeom prst="rect">
+            <a:avLst/>
+          </a:prstGeom>
+          <a:noFill/>
+        </p:spPr>
+        <p:txBody>
+          <a:bodyPr wrap="square" rtlCol="0">
+            <a:spAutoFit/>
+          </a:bodyPr>
+          <a:lstStyle/>
+          <a:p>
+            <a:pPr algn="ctr"/>
+            <a:r>
+              <a:rPr lang="en-US" sz="1200" dirty="0">
+                <a:solidFill>
+                  <a:schemeClr val="bg1"/>
+                </a:solidFill>
+              </a:rPr>
+              <a:t>Customer</a:t>
+            </a:r>
+            <a:r>
+              <a:rPr lang="en-US" sz="1400" dirty="0">
+                <a:solidFill>
+                  <a:schemeClr val="bg1"/>
+                </a:solidFill>
+              </a:rPr>
+              <a:t> module</a:t>
+            </a:r>
+          </a:p>
+        </p:txBody>
+      </p:sp>
+      <p:pic>
+        <p:nvPicPr>
+          <p:cNvPr id="20" name="Picture 2" descr="Free photo Computer Network Technology Icon Database - Max Pixel">
+            <a:extLst>
+              <a:ext uri="{FF2B5EF4-FFF2-40B4-BE49-F238E27FC236}">
+                <a16:creationId xmlns:a16="http://schemas.microsoft.com/office/drawing/2014/main" id="{8540A6EA-BBFE-474C-B85F-81FE71498D91}"/>
+              </a:ext>
+            </a:extLst>
+          </p:cNvPr>
+          <p:cNvPicPr>
+            <a:picLocks noChangeAspect="1" noChangeArrowheads="1"/>
+          </p:cNvPicPr>
+          <p:nvPr/>
+        </p:nvPicPr>
+        <p:blipFill>
+          <a:blip r:embed="rId3">
+            <a:extLst>
+              <a:ext uri="{28A0092B-C50C-407E-A947-70E740481C1C}">
+                <a14:useLocalDpi xmlns:a14="http://schemas.microsoft.com/office/drawing/2010/main" val="0"/>
+              </a:ext>
+            </a:extLst>
+          </a:blip>
+          <a:srcRect/>
+          <a:stretch>
+            <a:fillRect/>
+          </a:stretch>
+        </p:blipFill>
+        <p:spPr bwMode="auto">
+          <a:xfrm>
+            <a:off x="9174955" y="2547965"/>
+            <a:ext cx="431128" cy="441435"/>
+          </a:xfrm>
+          <a:prstGeom prst="rect">
+            <a:avLst/>
+          </a:prstGeom>
+          <a:noFill/>
+          <a:extLst>
+            <a:ext uri="{909E8E84-426E-40DD-AFC4-6F175D3DCCD1}">
+              <a14:hiddenFill xmlns:a14="http://schemas.microsoft.com/office/drawing/2010/main">
+                <a:solidFill>
+                  <a:srgbClr val="FFFFFF"/>
+                </a:solidFill>
+              </a14:hiddenFill>
+            </a:ext>
+          </a:extLst>
+        </p:spPr>
+      </p:pic>
+      <p:cxnSp>
+        <p:nvCxnSpPr>
+          <p:cNvPr id="21" name="Straight Arrow Connector 20">
+            <a:extLst>
+              <a:ext uri="{FF2B5EF4-FFF2-40B4-BE49-F238E27FC236}">
+                <a16:creationId xmlns:a16="http://schemas.microsoft.com/office/drawing/2014/main" id="{C0E767F7-1E5B-4723-8586-31DFED6E37F5}"/>
+              </a:ext>
+            </a:extLst>
+          </p:cNvPr>
+          <p:cNvCxnSpPr>
+            <a:cxnSpLocks/>
+            <a:stCxn id="19" idx="0"/>
+            <a:endCxn id="20" idx="2"/>
+          </p:cNvCxnSpPr>
+          <p:nvPr/>
+        </p:nvCxnSpPr>
+        <p:spPr>
+          <a:xfrm flipH="1" flipV="1">
+            <a:off x="9390519" y="2989400"/>
+            <a:ext cx="6673" cy="521271"/>
+          </a:xfrm>
+          <a:prstGeom prst="straightConnector1">
+            <a:avLst/>
+          </a:prstGeom>
+          <a:ln w="25400">
+            <a:solidFill>
+              <a:schemeClr val="tx1"/>
+            </a:solidFill>
+            <a:tailEnd type="triangle"/>
+          </a:ln>
+        </p:spPr>
+        <p:style>
+          <a:lnRef idx="1">
+            <a:schemeClr val="accent1"/>
+          </a:lnRef>
+          <a:fillRef idx="0">
+            <a:schemeClr val="accent1"/>
+          </a:fillRef>
+          <a:effectRef idx="0">
+            <a:schemeClr val="accent1"/>
+          </a:effectRef>
+          <a:fontRef idx="minor">
+            <a:schemeClr val="tx1"/>
+          </a:fontRef>
+        </p:style>
+      </p:cxnSp>
+      <p:pic>
+        <p:nvPicPr>
+          <p:cNvPr id="22" name="Picture 2" descr="Free photo Computer Network Technology Icon Database - Max Pixel">
+            <a:extLst>
+              <a:ext uri="{FF2B5EF4-FFF2-40B4-BE49-F238E27FC236}">
+                <a16:creationId xmlns:a16="http://schemas.microsoft.com/office/drawing/2014/main" id="{F0E0F68F-1686-4BD5-8DF7-B47D6B65001F}"/>
+              </a:ext>
+            </a:extLst>
+          </p:cNvPr>
+          <p:cNvPicPr>
+            <a:picLocks noChangeAspect="1" noChangeArrowheads="1"/>
+          </p:cNvPicPr>
+          <p:nvPr/>
+        </p:nvPicPr>
+        <p:blipFill>
+          <a:blip r:embed="rId3">
+            <a:extLst>
+              <a:ext uri="{28A0092B-C50C-407E-A947-70E740481C1C}">
+                <a14:useLocalDpi xmlns:a14="http://schemas.microsoft.com/office/drawing/2010/main" val="0"/>
+              </a:ext>
+            </a:extLst>
+          </a:blip>
+          <a:srcRect/>
+          <a:stretch>
+            <a:fillRect/>
+          </a:stretch>
+        </p:blipFill>
+        <p:spPr bwMode="auto">
+          <a:xfrm>
+            <a:off x="2752920" y="2546131"/>
+            <a:ext cx="431128" cy="441435"/>
+          </a:xfrm>
+          <a:prstGeom prst="rect">
+            <a:avLst/>
+          </a:prstGeom>
+          <a:noFill/>
+          <a:extLst>
+            <a:ext uri="{909E8E84-426E-40DD-AFC4-6F175D3DCCD1}">
+              <a14:hiddenFill xmlns:a14="http://schemas.microsoft.com/office/drawing/2010/main">
+                <a:solidFill>
+                  <a:srgbClr val="FFFFFF"/>
+                </a:solidFill>
+              </a14:hiddenFill>
+            </a:ext>
+          </a:extLst>
+        </p:spPr>
+      </p:pic>
+      <p:cxnSp>
+        <p:nvCxnSpPr>
+          <p:cNvPr id="23" name="Straight Arrow Connector 22">
+            <a:extLst>
+              <a:ext uri="{FF2B5EF4-FFF2-40B4-BE49-F238E27FC236}">
+                <a16:creationId xmlns:a16="http://schemas.microsoft.com/office/drawing/2014/main" id="{2EC77C7A-7941-4D1E-8029-83591138ADE9}"/>
+              </a:ext>
+            </a:extLst>
+          </p:cNvPr>
+          <p:cNvCxnSpPr>
+            <a:cxnSpLocks/>
+            <a:stCxn id="13" idx="0"/>
+            <a:endCxn id="22" idx="2"/>
+          </p:cNvCxnSpPr>
+          <p:nvPr/>
+        </p:nvCxnSpPr>
+        <p:spPr>
+          <a:xfrm flipH="1" flipV="1">
+            <a:off x="2968484" y="2987566"/>
+            <a:ext cx="8437" cy="523105"/>
+          </a:xfrm>
+          <a:prstGeom prst="straightConnector1">
+            <a:avLst/>
+          </a:prstGeom>
+          <a:ln w="25400">
+            <a:solidFill>
+              <a:schemeClr val="tx1"/>
+            </a:solidFill>
+            <a:tailEnd type="triangle"/>
+          </a:ln>
+        </p:spPr>
+        <p:style>
+          <a:lnRef idx="1">
+            <a:schemeClr val="accent1"/>
+          </a:lnRef>
+          <a:fillRef idx="0">
+            <a:schemeClr val="accent1"/>
+          </a:fillRef>
+          <a:effectRef idx="0">
+            <a:schemeClr val="accent1"/>
+          </a:effectRef>
+          <a:fontRef idx="minor">
+            <a:schemeClr val="tx1"/>
+          </a:fontRef>
+        </p:style>
+      </p:cxnSp>
+      <p:cxnSp>
+        <p:nvCxnSpPr>
+          <p:cNvPr id="24" name="Straight Arrow Connector 23">
+            <a:extLst>
+              <a:ext uri="{FF2B5EF4-FFF2-40B4-BE49-F238E27FC236}">
+                <a16:creationId xmlns:a16="http://schemas.microsoft.com/office/drawing/2014/main" id="{19D10841-599D-4D75-AD2B-886D89AE04A4}"/>
+              </a:ext>
+            </a:extLst>
+          </p:cNvPr>
+          <p:cNvCxnSpPr>
+            <a:cxnSpLocks/>
+            <a:stCxn id="8" idx="3"/>
+            <a:endCxn id="27" idx="1"/>
+          </p:cNvCxnSpPr>
+          <p:nvPr/>
+        </p:nvCxnSpPr>
+        <p:spPr>
+          <a:xfrm flipV="1">
+            <a:off x="3448775" y="4163764"/>
+            <a:ext cx="1631345" cy="11252"/>
+          </a:xfrm>
+          <a:prstGeom prst="straightConnector1">
+            <a:avLst/>
+          </a:prstGeom>
+          <a:ln w="25400">
+            <a:solidFill>
+              <a:schemeClr val="tx1"/>
+            </a:solidFill>
+            <a:tailEnd type="triangle"/>
+          </a:ln>
+        </p:spPr>
+        <p:style>
+          <a:lnRef idx="1">
+            <a:schemeClr val="accent1"/>
+          </a:lnRef>
+          <a:fillRef idx="0">
+            <a:schemeClr val="accent1"/>
+          </a:fillRef>
+          <a:effectRef idx="0">
+            <a:schemeClr val="accent1"/>
+          </a:effectRef>
+          <a:fontRef idx="minor">
+            <a:schemeClr val="tx1"/>
+          </a:fontRef>
+        </p:style>
+      </p:cxnSp>
+      <p:sp>
+        <p:nvSpPr>
+          <p:cNvPr id="25" name="TextBox 24">
+            <a:extLst>
+              <a:ext uri="{FF2B5EF4-FFF2-40B4-BE49-F238E27FC236}">
+                <a16:creationId xmlns:a16="http://schemas.microsoft.com/office/drawing/2014/main" id="{91EC2945-C788-46E3-8641-AD4B056F6E84}"/>
+              </a:ext>
+            </a:extLst>
+          </p:cNvPr>
+          <p:cNvSpPr txBox="1"/>
+          <p:nvPr/>
+        </p:nvSpPr>
+        <p:spPr>
+          <a:xfrm>
+            <a:off x="3496533" y="3824677"/>
+            <a:ext cx="1531125" cy="338554"/>
+          </a:xfrm>
+          <a:prstGeom prst="rect">
+            <a:avLst/>
+          </a:prstGeom>
+          <a:noFill/>
+        </p:spPr>
+        <p:txBody>
+          <a:bodyPr wrap="none" rtlCol="0">
+            <a:spAutoFit/>
+          </a:bodyPr>
+          <a:lstStyle/>
+          <a:p>
+            <a:r>
+              <a:rPr lang="en-US" sz="1600" dirty="0"/>
+              <a:t>Query customer</a:t>
+            </a:r>
+          </a:p>
+        </p:txBody>
+      </p:sp>
+      <p:sp>
+        <p:nvSpPr>
+          <p:cNvPr id="27" name="Rectangle 26">
+            <a:extLst>
+              <a:ext uri="{FF2B5EF4-FFF2-40B4-BE49-F238E27FC236}">
+                <a16:creationId xmlns:a16="http://schemas.microsoft.com/office/drawing/2014/main" id="{8E3BC9D8-B263-431C-9B08-99E1C45E29C0}"/>
+              </a:ext>
+            </a:extLst>
+          </p:cNvPr>
+          <p:cNvSpPr/>
+          <p:nvPr/>
+        </p:nvSpPr>
+        <p:spPr>
+          <a:xfrm>
+            <a:off x="5080120" y="3862154"/>
+            <a:ext cx="1901007" cy="603220"/>
+          </a:xfrm>
+          <a:prstGeom prst="rect">
+            <a:avLst/>
+          </a:prstGeom>
+        </p:spPr>
+        <p:style>
+          <a:lnRef idx="2">
+            <a:schemeClr val="accent4">
+              <a:shade val="50000"/>
+            </a:schemeClr>
+          </a:lnRef>
+          <a:fillRef idx="1">
+            <a:schemeClr val="accent4"/>
+          </a:fillRef>
+          <a:effectRef idx="0">
+            <a:schemeClr val="accent4"/>
+          </a:effectRef>
+          <a:fontRef idx="minor">
+            <a:schemeClr val="lt1"/>
+          </a:fontRef>
+        </p:style>
+        <p:txBody>
+          <a:bodyPr rtlCol="0" anchor="ctr"/>
+          <a:lstStyle/>
+          <a:p>
+            <a:pPr algn="ctr"/>
+            <a:r>
+              <a:rPr lang="en-US" dirty="0">
+                <a:solidFill>
+                  <a:schemeClr val="tx1"/>
+                </a:solidFill>
+              </a:rPr>
+              <a:t>Distributed cache</a:t>
+            </a:r>
+          </a:p>
+        </p:txBody>
+      </p:sp>
+      <p:cxnSp>
+        <p:nvCxnSpPr>
+          <p:cNvPr id="29" name="Straight Arrow Connector 28">
+            <a:extLst>
+              <a:ext uri="{FF2B5EF4-FFF2-40B4-BE49-F238E27FC236}">
+                <a16:creationId xmlns:a16="http://schemas.microsoft.com/office/drawing/2014/main" id="{58CABE5B-58B2-41F8-A326-D2AA1E218788}"/>
+              </a:ext>
+            </a:extLst>
+          </p:cNvPr>
+          <p:cNvCxnSpPr>
+            <a:cxnSpLocks/>
+            <a:stCxn id="27" idx="3"/>
+            <a:endCxn id="14" idx="1"/>
+          </p:cNvCxnSpPr>
+          <p:nvPr/>
+        </p:nvCxnSpPr>
+        <p:spPr>
+          <a:xfrm>
+            <a:off x="6981127" y="4163764"/>
+            <a:ext cx="1973519" cy="11252"/>
+          </a:xfrm>
+          <a:prstGeom prst="straightConnector1">
+            <a:avLst/>
+          </a:prstGeom>
+          <a:ln w="25400">
+            <a:solidFill>
+              <a:schemeClr val="tx1"/>
+            </a:solidFill>
+            <a:prstDash val="sysDash"/>
+            <a:tailEnd type="triangle"/>
+          </a:ln>
+        </p:spPr>
+        <p:style>
+          <a:lnRef idx="1">
+            <a:schemeClr val="accent1"/>
+          </a:lnRef>
+          <a:fillRef idx="0">
+            <a:schemeClr val="accent1"/>
+          </a:fillRef>
+          <a:effectRef idx="0">
+            <a:schemeClr val="accent1"/>
+          </a:effectRef>
+          <a:fontRef idx="minor">
+            <a:schemeClr val="tx1"/>
+          </a:fontRef>
+        </p:style>
+      </p:cxnSp>
+      <p:sp>
+        <p:nvSpPr>
+          <p:cNvPr id="32" name="TextBox 31">
+            <a:extLst>
+              <a:ext uri="{FF2B5EF4-FFF2-40B4-BE49-F238E27FC236}">
+                <a16:creationId xmlns:a16="http://schemas.microsoft.com/office/drawing/2014/main" id="{745B64D9-9D90-4AC6-A94B-E9D015A9C2C0}"/>
+              </a:ext>
+            </a:extLst>
+          </p:cNvPr>
+          <p:cNvSpPr txBox="1"/>
+          <p:nvPr/>
+        </p:nvSpPr>
+        <p:spPr>
+          <a:xfrm>
+            <a:off x="7049387" y="3838919"/>
+            <a:ext cx="1846531" cy="307777"/>
+          </a:xfrm>
+          <a:prstGeom prst="rect">
+            <a:avLst/>
+          </a:prstGeom>
+          <a:noFill/>
+        </p:spPr>
+        <p:txBody>
+          <a:bodyPr wrap="none" rtlCol="0">
+            <a:spAutoFit/>
+          </a:bodyPr>
+          <a:lstStyle/>
+          <a:p>
+            <a:r>
+              <a:rPr lang="en-US" sz="1400" dirty="0"/>
+              <a:t>Not found in the cache</a:t>
+            </a:r>
+          </a:p>
+        </p:txBody>
+      </p:sp>
+      <p:cxnSp>
+        <p:nvCxnSpPr>
+          <p:cNvPr id="35" name="Connector: Elbow 34">
+            <a:extLst>
+              <a:ext uri="{FF2B5EF4-FFF2-40B4-BE49-F238E27FC236}">
+                <a16:creationId xmlns:a16="http://schemas.microsoft.com/office/drawing/2014/main" id="{B7B449AC-33F0-4AEE-99BC-BD05E82562DD}"/>
+              </a:ext>
+            </a:extLst>
+          </p:cNvPr>
+          <p:cNvCxnSpPr>
+            <a:stCxn id="27" idx="2"/>
+          </p:cNvCxnSpPr>
+          <p:nvPr/>
+        </p:nvCxnSpPr>
+        <p:spPr>
+          <a:xfrm rot="5400000">
+            <a:off x="4650424" y="3234416"/>
+            <a:ext cx="149242" cy="2611158"/>
+          </a:xfrm>
+          <a:prstGeom prst="bentConnector2">
+            <a:avLst/>
+          </a:prstGeom>
+          <a:ln w="25400">
+            <a:solidFill>
+              <a:schemeClr val="tx1"/>
+            </a:solidFill>
+            <a:prstDash val="sysDash"/>
+            <a:tailEnd type="triangle"/>
+          </a:ln>
+        </p:spPr>
+        <p:style>
+          <a:lnRef idx="1">
+            <a:schemeClr val="accent1"/>
+          </a:lnRef>
+          <a:fillRef idx="0">
+            <a:schemeClr val="accent1"/>
+          </a:fillRef>
+          <a:effectRef idx="0">
+            <a:schemeClr val="accent1"/>
+          </a:effectRef>
+          <a:fontRef idx="minor">
+            <a:schemeClr val="tx1"/>
+          </a:fontRef>
+        </p:style>
+      </p:cxnSp>
+      <p:sp>
+        <p:nvSpPr>
+          <p:cNvPr id="36" name="TextBox 35">
+            <a:extLst>
+              <a:ext uri="{FF2B5EF4-FFF2-40B4-BE49-F238E27FC236}">
+                <a16:creationId xmlns:a16="http://schemas.microsoft.com/office/drawing/2014/main" id="{A98CC1EB-A5FF-46CD-8855-DB3221CC7ED8}"/>
+              </a:ext>
+            </a:extLst>
+          </p:cNvPr>
+          <p:cNvSpPr txBox="1"/>
+          <p:nvPr/>
+        </p:nvSpPr>
+        <p:spPr>
+          <a:xfrm>
+            <a:off x="3959101" y="4626854"/>
+            <a:ext cx="1564146" cy="307777"/>
+          </a:xfrm>
+          <a:prstGeom prst="rect">
+            <a:avLst/>
+          </a:prstGeom>
+          <a:noFill/>
+        </p:spPr>
+        <p:txBody>
+          <a:bodyPr wrap="none" rtlCol="0">
+            <a:spAutoFit/>
+          </a:bodyPr>
+          <a:lstStyle/>
+          <a:p>
+            <a:r>
+              <a:rPr lang="en-US" sz="1400" dirty="0"/>
+              <a:t>Found in the cache</a:t>
+            </a:r>
+          </a:p>
+        </p:txBody>
+      </p:sp>
+      <p:cxnSp>
+        <p:nvCxnSpPr>
+          <p:cNvPr id="40" name="Connector: Elbow 39">
+            <a:extLst>
+              <a:ext uri="{FF2B5EF4-FFF2-40B4-BE49-F238E27FC236}">
+                <a16:creationId xmlns:a16="http://schemas.microsoft.com/office/drawing/2014/main" id="{8A099709-0774-413A-BA81-20EAC056B388}"/>
+              </a:ext>
+            </a:extLst>
+          </p:cNvPr>
+          <p:cNvCxnSpPr>
+            <a:cxnSpLocks/>
+          </p:cNvCxnSpPr>
+          <p:nvPr/>
+        </p:nvCxnSpPr>
+        <p:spPr>
+          <a:xfrm rot="10800000">
+            <a:off x="6506679" y="4465375"/>
+            <a:ext cx="2438342" cy="267325"/>
+          </a:xfrm>
+          <a:prstGeom prst="bentConnector3">
+            <a:avLst>
+              <a:gd name="adj1" fmla="val 99738"/>
+            </a:avLst>
+          </a:prstGeom>
+          <a:ln w="25400">
+            <a:solidFill>
+              <a:srgbClr val="FFFF00"/>
+            </a:solidFill>
+            <a:prstDash val="sysDash"/>
+            <a:tailEnd type="triangle"/>
+          </a:ln>
+        </p:spPr>
+        <p:style>
+          <a:lnRef idx="1">
+            <a:schemeClr val="accent1"/>
+          </a:lnRef>
+          <a:fillRef idx="0">
+            <a:schemeClr val="accent1"/>
+          </a:fillRef>
+          <a:effectRef idx="0">
+            <a:schemeClr val="accent1"/>
+          </a:effectRef>
+          <a:fontRef idx="minor">
+            <a:schemeClr val="tx1"/>
+          </a:fontRef>
+        </p:style>
+      </p:cxnSp>
+      <p:sp>
+        <p:nvSpPr>
+          <p:cNvPr id="43" name="TextBox 42">
+            <a:extLst>
+              <a:ext uri="{FF2B5EF4-FFF2-40B4-BE49-F238E27FC236}">
+                <a16:creationId xmlns:a16="http://schemas.microsoft.com/office/drawing/2014/main" id="{CD128698-AB55-46C3-863C-08665777FC2A}"/>
+              </a:ext>
+            </a:extLst>
+          </p:cNvPr>
+          <p:cNvSpPr txBox="1"/>
+          <p:nvPr/>
+        </p:nvSpPr>
+        <p:spPr>
+          <a:xfrm>
+            <a:off x="6981127" y="4432407"/>
+            <a:ext cx="1643976" cy="307777"/>
+          </a:xfrm>
+          <a:prstGeom prst="rect">
+            <a:avLst/>
+          </a:prstGeom>
+          <a:noFill/>
+        </p:spPr>
+        <p:txBody>
+          <a:bodyPr wrap="none" rtlCol="0">
+            <a:spAutoFit/>
+          </a:bodyPr>
+          <a:lstStyle/>
+          <a:p>
+            <a:r>
+              <a:rPr lang="en-US" sz="1400" dirty="0">
+                <a:solidFill>
+                  <a:srgbClr val="FFFF00"/>
+                </a:solidFill>
+              </a:rPr>
+              <a:t>Invalidate the cache</a:t>
+            </a:r>
+          </a:p>
+        </p:txBody>
+      </p:sp>
+      <p:pic>
+        <p:nvPicPr>
+          <p:cNvPr id="45" name="Picture 44" descr="A picture containing text, clipart&#10;&#10;Description automatically generated">
+            <a:extLst>
+              <a:ext uri="{FF2B5EF4-FFF2-40B4-BE49-F238E27FC236}">
+                <a16:creationId xmlns:a16="http://schemas.microsoft.com/office/drawing/2014/main" id="{092EC8A2-3A6B-4F2F-B785-F36EC736DC53}"/>
+              </a:ext>
+            </a:extLst>
+          </p:cNvPr>
+          <p:cNvPicPr>
+            <a:picLocks noChangeAspect="1"/>
+          </p:cNvPicPr>
+          <p:nvPr/>
+        </p:nvPicPr>
+        <p:blipFill>
+          <a:blip r:embed="rId4">
+            <a:extLst>
+              <a:ext uri="{28A0092B-C50C-407E-A947-70E740481C1C}">
+                <a14:useLocalDpi xmlns:a14="http://schemas.microsoft.com/office/drawing/2010/main" val="0"/>
+              </a:ext>
+            </a:extLst>
+          </a:blip>
+          <a:stretch>
+            <a:fillRect/>
+          </a:stretch>
+        </p:blipFill>
+        <p:spPr>
+          <a:xfrm>
+            <a:off x="5300509" y="2165001"/>
+            <a:ext cx="1460227" cy="486742"/>
+          </a:xfrm>
+          <a:prstGeom prst="rect">
+            <a:avLst/>
+          </a:prstGeom>
+        </p:spPr>
+      </p:pic>
+      <p:cxnSp>
+        <p:nvCxnSpPr>
+          <p:cNvPr id="47" name="Straight Arrow Connector 46">
+            <a:extLst>
+              <a:ext uri="{FF2B5EF4-FFF2-40B4-BE49-F238E27FC236}">
+                <a16:creationId xmlns:a16="http://schemas.microsoft.com/office/drawing/2014/main" id="{74568000-4C84-4F8B-8A5E-907244CDC7FF}"/>
+              </a:ext>
+            </a:extLst>
+          </p:cNvPr>
+          <p:cNvCxnSpPr>
+            <a:cxnSpLocks/>
+            <a:stCxn id="27" idx="0"/>
+            <a:endCxn id="45" idx="2"/>
+          </p:cNvCxnSpPr>
+          <p:nvPr/>
+        </p:nvCxnSpPr>
+        <p:spPr>
+          <a:xfrm flipH="1" flipV="1">
+            <a:off x="6030623" y="2651743"/>
+            <a:ext cx="1" cy="1210411"/>
+          </a:xfrm>
+          <a:prstGeom prst="straightConnector1">
+            <a:avLst/>
+          </a:prstGeom>
+          <a:ln w="38100">
+            <a:solidFill>
+              <a:srgbClr val="FF0000"/>
+            </a:solidFill>
+            <a:prstDash val="sysDash"/>
+            <a:tailEnd type="triangle"/>
+          </a:ln>
+        </p:spPr>
+        <p:style>
+          <a:lnRef idx="1">
+            <a:schemeClr val="accent1"/>
+          </a:lnRef>
+          <a:fillRef idx="0">
+            <a:schemeClr val="accent1"/>
+          </a:fillRef>
+          <a:effectRef idx="0">
+            <a:schemeClr val="accent1"/>
+          </a:effectRef>
+          <a:fontRef idx="minor">
+            <a:schemeClr val="tx1"/>
+          </a:fontRef>
+        </p:style>
+      </p:cxnSp>
     </p:spTree>
     <p:extLst>
       <p:ext uri="{BB962C8B-B14F-4D97-AF65-F5344CB8AC3E}">
@@ -35457,6 +36816,482 @@
   <p:clrMapOvr>
     <a:masterClrMapping/>
   </p:clrMapOvr>
+  <p:timing>
+    <p:tnLst>
+      <p:par>
+        <p:cTn id="1" dur="indefinite" restart="never" nodeType="tmRoot">
+          <p:childTnLst>
+            <p:seq concurrent="1" nextAc="seek">
+              <p:cTn id="2" dur="indefinite" nodeType="mainSeq">
+                <p:childTnLst>
+                  <p:par>
+                    <p:cTn id="3" fill="hold">
+                      <p:stCondLst>
+                        <p:cond delay="indefinite"/>
+                      </p:stCondLst>
+                      <p:childTnLst>
+                        <p:par>
+                          <p:cTn id="4" fill="hold">
+                            <p:stCondLst>
+                              <p:cond delay="0"/>
+                            </p:stCondLst>
+                            <p:childTnLst>
+                              <p:par>
+                                <p:cTn id="5" presetID="10" presetClass="entr" presetSubtype="0" fill="hold" nodeType="clickEffect">
+                                  <p:stCondLst>
+                                    <p:cond delay="0"/>
+                                  </p:stCondLst>
+                                  <p:childTnLst>
+                                    <p:set>
+                                      <p:cBhvr>
+                                        <p:cTn id="6" dur="1" fill="hold">
+                                          <p:stCondLst>
+                                            <p:cond delay="0"/>
+                                          </p:stCondLst>
+                                        </p:cTn>
+                                        <p:tgtEl>
+                                          <p:spTgt spid="24"/>
+                                        </p:tgtEl>
+                                        <p:attrNameLst>
+                                          <p:attrName>style.visibility</p:attrName>
+                                        </p:attrNameLst>
+                                      </p:cBhvr>
+                                      <p:to>
+                                        <p:strVal val="visible"/>
+                                      </p:to>
+                                    </p:set>
+                                    <p:animEffect transition="in" filter="fade">
+                                      <p:cBhvr>
+                                        <p:cTn id="7" dur="500"/>
+                                        <p:tgtEl>
+                                          <p:spTgt spid="24"/>
+                                        </p:tgtEl>
+                                      </p:cBhvr>
+                                    </p:animEffect>
+                                  </p:childTnLst>
+                                </p:cTn>
+                              </p:par>
+                              <p:par>
+                                <p:cTn id="8" presetID="10" presetClass="entr" presetSubtype="0" fill="hold" grpId="0" nodeType="withEffect">
+                                  <p:stCondLst>
+                                    <p:cond delay="0"/>
+                                  </p:stCondLst>
+                                  <p:childTnLst>
+                                    <p:set>
+                                      <p:cBhvr>
+                                        <p:cTn id="9" dur="1" fill="hold">
+                                          <p:stCondLst>
+                                            <p:cond delay="0"/>
+                                          </p:stCondLst>
+                                        </p:cTn>
+                                        <p:tgtEl>
+                                          <p:spTgt spid="25"/>
+                                        </p:tgtEl>
+                                        <p:attrNameLst>
+                                          <p:attrName>style.visibility</p:attrName>
+                                        </p:attrNameLst>
+                                      </p:cBhvr>
+                                      <p:to>
+                                        <p:strVal val="visible"/>
+                                      </p:to>
+                                    </p:set>
+                                    <p:animEffect transition="in" filter="fade">
+                                      <p:cBhvr>
+                                        <p:cTn id="10" dur="500"/>
+                                        <p:tgtEl>
+                                          <p:spTgt spid="25"/>
+                                        </p:tgtEl>
+                                      </p:cBhvr>
+                                    </p:animEffect>
+                                  </p:childTnLst>
+                                </p:cTn>
+                              </p:par>
+                            </p:childTnLst>
+                          </p:cTn>
+                        </p:par>
+                      </p:childTnLst>
+                    </p:cTn>
+                  </p:par>
+                  <p:par>
+                    <p:cTn id="11" fill="hold">
+                      <p:stCondLst>
+                        <p:cond delay="indefinite"/>
+                      </p:stCondLst>
+                      <p:childTnLst>
+                        <p:par>
+                          <p:cTn id="12" fill="hold">
+                            <p:stCondLst>
+                              <p:cond delay="0"/>
+                            </p:stCondLst>
+                            <p:childTnLst>
+                              <p:par>
+                                <p:cTn id="13" presetID="10" presetClass="entr" presetSubtype="0" fill="hold" nodeType="clickEffect">
+                                  <p:stCondLst>
+                                    <p:cond delay="0"/>
+                                  </p:stCondLst>
+                                  <p:childTnLst>
+                                    <p:set>
+                                      <p:cBhvr>
+                                        <p:cTn id="14" dur="1" fill="hold">
+                                          <p:stCondLst>
+                                            <p:cond delay="0"/>
+                                          </p:stCondLst>
+                                        </p:cTn>
+                                        <p:tgtEl>
+                                          <p:spTgt spid="29"/>
+                                        </p:tgtEl>
+                                        <p:attrNameLst>
+                                          <p:attrName>style.visibility</p:attrName>
+                                        </p:attrNameLst>
+                                      </p:cBhvr>
+                                      <p:to>
+                                        <p:strVal val="visible"/>
+                                      </p:to>
+                                    </p:set>
+                                    <p:animEffect transition="in" filter="fade">
+                                      <p:cBhvr>
+                                        <p:cTn id="15" dur="500"/>
+                                        <p:tgtEl>
+                                          <p:spTgt spid="29"/>
+                                        </p:tgtEl>
+                                      </p:cBhvr>
+                                    </p:animEffect>
+                                  </p:childTnLst>
+                                </p:cTn>
+                              </p:par>
+                              <p:par>
+                                <p:cTn id="16" presetID="10" presetClass="entr" presetSubtype="0" fill="hold" grpId="0" nodeType="withEffect">
+                                  <p:stCondLst>
+                                    <p:cond delay="0"/>
+                                  </p:stCondLst>
+                                  <p:childTnLst>
+                                    <p:set>
+                                      <p:cBhvr>
+                                        <p:cTn id="17" dur="1" fill="hold">
+                                          <p:stCondLst>
+                                            <p:cond delay="0"/>
+                                          </p:stCondLst>
+                                        </p:cTn>
+                                        <p:tgtEl>
+                                          <p:spTgt spid="32"/>
+                                        </p:tgtEl>
+                                        <p:attrNameLst>
+                                          <p:attrName>style.visibility</p:attrName>
+                                        </p:attrNameLst>
+                                      </p:cBhvr>
+                                      <p:to>
+                                        <p:strVal val="visible"/>
+                                      </p:to>
+                                    </p:set>
+                                    <p:animEffect transition="in" filter="fade">
+                                      <p:cBhvr>
+                                        <p:cTn id="18" dur="500"/>
+                                        <p:tgtEl>
+                                          <p:spTgt spid="32"/>
+                                        </p:tgtEl>
+                                      </p:cBhvr>
+                                    </p:animEffect>
+                                  </p:childTnLst>
+                                </p:cTn>
+                              </p:par>
+                            </p:childTnLst>
+                          </p:cTn>
+                        </p:par>
+                      </p:childTnLst>
+                    </p:cTn>
+                  </p:par>
+                  <p:par>
+                    <p:cTn id="19" fill="hold">
+                      <p:stCondLst>
+                        <p:cond delay="indefinite"/>
+                      </p:stCondLst>
+                      <p:childTnLst>
+                        <p:par>
+                          <p:cTn id="20" fill="hold">
+                            <p:stCondLst>
+                              <p:cond delay="0"/>
+                            </p:stCondLst>
+                            <p:childTnLst>
+                              <p:par>
+                                <p:cTn id="21" presetID="10" presetClass="entr" presetSubtype="0" fill="hold" grpId="0" nodeType="clickEffect">
+                                  <p:stCondLst>
+                                    <p:cond delay="0"/>
+                                  </p:stCondLst>
+                                  <p:childTnLst>
+                                    <p:set>
+                                      <p:cBhvr>
+                                        <p:cTn id="22" dur="1" fill="hold">
+                                          <p:stCondLst>
+                                            <p:cond delay="0"/>
+                                          </p:stCondLst>
+                                        </p:cTn>
+                                        <p:tgtEl>
+                                          <p:spTgt spid="36"/>
+                                        </p:tgtEl>
+                                        <p:attrNameLst>
+                                          <p:attrName>style.visibility</p:attrName>
+                                        </p:attrNameLst>
+                                      </p:cBhvr>
+                                      <p:to>
+                                        <p:strVal val="visible"/>
+                                      </p:to>
+                                    </p:set>
+                                    <p:animEffect transition="in" filter="fade">
+                                      <p:cBhvr>
+                                        <p:cTn id="23" dur="500"/>
+                                        <p:tgtEl>
+                                          <p:spTgt spid="36"/>
+                                        </p:tgtEl>
+                                      </p:cBhvr>
+                                    </p:animEffect>
+                                  </p:childTnLst>
+                                </p:cTn>
+                              </p:par>
+                              <p:par>
+                                <p:cTn id="24" presetID="10" presetClass="entr" presetSubtype="0" fill="hold" nodeType="withEffect">
+                                  <p:stCondLst>
+                                    <p:cond delay="0"/>
+                                  </p:stCondLst>
+                                  <p:childTnLst>
+                                    <p:set>
+                                      <p:cBhvr>
+                                        <p:cTn id="25" dur="1" fill="hold">
+                                          <p:stCondLst>
+                                            <p:cond delay="0"/>
+                                          </p:stCondLst>
+                                        </p:cTn>
+                                        <p:tgtEl>
+                                          <p:spTgt spid="35"/>
+                                        </p:tgtEl>
+                                        <p:attrNameLst>
+                                          <p:attrName>style.visibility</p:attrName>
+                                        </p:attrNameLst>
+                                      </p:cBhvr>
+                                      <p:to>
+                                        <p:strVal val="visible"/>
+                                      </p:to>
+                                    </p:set>
+                                    <p:animEffect transition="in" filter="fade">
+                                      <p:cBhvr>
+                                        <p:cTn id="26" dur="500"/>
+                                        <p:tgtEl>
+                                          <p:spTgt spid="35"/>
+                                        </p:tgtEl>
+                                      </p:cBhvr>
+                                    </p:animEffect>
+                                  </p:childTnLst>
+                                </p:cTn>
+                              </p:par>
+                            </p:childTnLst>
+                          </p:cTn>
+                        </p:par>
+                      </p:childTnLst>
+                    </p:cTn>
+                  </p:par>
+                  <p:par>
+                    <p:cTn id="27" fill="hold">
+                      <p:stCondLst>
+                        <p:cond delay="indefinite"/>
+                      </p:stCondLst>
+                      <p:childTnLst>
+                        <p:par>
+                          <p:cTn id="28" fill="hold">
+                            <p:stCondLst>
+                              <p:cond delay="0"/>
+                            </p:stCondLst>
+                            <p:childTnLst>
+                              <p:par>
+                                <p:cTn id="29" presetID="10" presetClass="entr" presetSubtype="0" fill="hold" nodeType="clickEffect">
+                                  <p:stCondLst>
+                                    <p:cond delay="0"/>
+                                  </p:stCondLst>
+                                  <p:childTnLst>
+                                    <p:set>
+                                      <p:cBhvr>
+                                        <p:cTn id="30" dur="1" fill="hold">
+                                          <p:stCondLst>
+                                            <p:cond delay="0"/>
+                                          </p:stCondLst>
+                                        </p:cTn>
+                                        <p:tgtEl>
+                                          <p:spTgt spid="40"/>
+                                        </p:tgtEl>
+                                        <p:attrNameLst>
+                                          <p:attrName>style.visibility</p:attrName>
+                                        </p:attrNameLst>
+                                      </p:cBhvr>
+                                      <p:to>
+                                        <p:strVal val="visible"/>
+                                      </p:to>
+                                    </p:set>
+                                    <p:animEffect transition="in" filter="fade">
+                                      <p:cBhvr>
+                                        <p:cTn id="31" dur="500"/>
+                                        <p:tgtEl>
+                                          <p:spTgt spid="40"/>
+                                        </p:tgtEl>
+                                      </p:cBhvr>
+                                    </p:animEffect>
+                                  </p:childTnLst>
+                                </p:cTn>
+                              </p:par>
+                              <p:par>
+                                <p:cTn id="32" presetID="10" presetClass="entr" presetSubtype="0" fill="hold" grpId="0" nodeType="withEffect">
+                                  <p:stCondLst>
+                                    <p:cond delay="0"/>
+                                  </p:stCondLst>
+                                  <p:childTnLst>
+                                    <p:set>
+                                      <p:cBhvr>
+                                        <p:cTn id="33" dur="1" fill="hold">
+                                          <p:stCondLst>
+                                            <p:cond delay="0"/>
+                                          </p:stCondLst>
+                                        </p:cTn>
+                                        <p:tgtEl>
+                                          <p:spTgt spid="43"/>
+                                        </p:tgtEl>
+                                        <p:attrNameLst>
+                                          <p:attrName>style.visibility</p:attrName>
+                                        </p:attrNameLst>
+                                      </p:cBhvr>
+                                      <p:to>
+                                        <p:strVal val="visible"/>
+                                      </p:to>
+                                    </p:set>
+                                    <p:animEffect transition="in" filter="fade">
+                                      <p:cBhvr>
+                                        <p:cTn id="34" dur="500"/>
+                                        <p:tgtEl>
+                                          <p:spTgt spid="43"/>
+                                        </p:tgtEl>
+                                      </p:cBhvr>
+                                    </p:animEffect>
+                                  </p:childTnLst>
+                                </p:cTn>
+                              </p:par>
+                            </p:childTnLst>
+                          </p:cTn>
+                        </p:par>
+                      </p:childTnLst>
+                    </p:cTn>
+                  </p:par>
+                  <p:par>
+                    <p:cTn id="35" fill="hold">
+                      <p:stCondLst>
+                        <p:cond delay="indefinite"/>
+                      </p:stCondLst>
+                      <p:childTnLst>
+                        <p:par>
+                          <p:cTn id="36" fill="hold">
+                            <p:stCondLst>
+                              <p:cond delay="0"/>
+                            </p:stCondLst>
+                            <p:childTnLst>
+                              <p:par>
+                                <p:cTn id="37" presetID="10" presetClass="entr" presetSubtype="0" fill="hold" nodeType="clickEffect">
+                                  <p:stCondLst>
+                                    <p:cond delay="0"/>
+                                  </p:stCondLst>
+                                  <p:childTnLst>
+                                    <p:set>
+                                      <p:cBhvr>
+                                        <p:cTn id="38" dur="1" fill="hold">
+                                          <p:stCondLst>
+                                            <p:cond delay="0"/>
+                                          </p:stCondLst>
+                                        </p:cTn>
+                                        <p:tgtEl>
+                                          <p:spTgt spid="47"/>
+                                        </p:tgtEl>
+                                        <p:attrNameLst>
+                                          <p:attrName>style.visibility</p:attrName>
+                                        </p:attrNameLst>
+                                      </p:cBhvr>
+                                      <p:to>
+                                        <p:strVal val="visible"/>
+                                      </p:to>
+                                    </p:set>
+                                    <p:animEffect transition="in" filter="fade">
+                                      <p:cBhvr>
+                                        <p:cTn id="39" dur="500"/>
+                                        <p:tgtEl>
+                                          <p:spTgt spid="47"/>
+                                        </p:tgtEl>
+                                      </p:cBhvr>
+                                    </p:animEffect>
+                                  </p:childTnLst>
+                                </p:cTn>
+                              </p:par>
+                              <p:par>
+                                <p:cTn id="40" presetID="10" presetClass="entr" presetSubtype="0" fill="hold" nodeType="withEffect">
+                                  <p:stCondLst>
+                                    <p:cond delay="0"/>
+                                  </p:stCondLst>
+                                  <p:childTnLst>
+                                    <p:set>
+                                      <p:cBhvr>
+                                        <p:cTn id="41" dur="1" fill="hold">
+                                          <p:stCondLst>
+                                            <p:cond delay="0"/>
+                                          </p:stCondLst>
+                                        </p:cTn>
+                                        <p:tgtEl>
+                                          <p:spTgt spid="45"/>
+                                        </p:tgtEl>
+                                        <p:attrNameLst>
+                                          <p:attrName>style.visibility</p:attrName>
+                                        </p:attrNameLst>
+                                      </p:cBhvr>
+                                      <p:to>
+                                        <p:strVal val="visible"/>
+                                      </p:to>
+                                    </p:set>
+                                    <p:animEffect transition="in" filter="fade">
+                                      <p:cBhvr>
+                                        <p:cTn id="42" dur="500"/>
+                                        <p:tgtEl>
+                                          <p:spTgt spid="45"/>
+                                        </p:tgtEl>
+                                      </p:cBhvr>
+                                    </p:animEffect>
+                                  </p:childTnLst>
+                                </p:cTn>
+                              </p:par>
+                            </p:childTnLst>
+                          </p:cTn>
+                        </p:par>
+                      </p:childTnLst>
+                    </p:cTn>
+                  </p:par>
+                </p:childTnLst>
+              </p:cTn>
+              <p:prevCondLst>
+                <p:cond evt="onPrev" delay="0">
+                  <p:tgtEl>
+                    <p:sldTgt/>
+                  </p:tgtEl>
+                </p:cond>
+              </p:prevCondLst>
+              <p:nextCondLst>
+                <p:cond evt="onNext" delay="0">
+                  <p:tgtEl>
+                    <p:sldTgt/>
+                  </p:tgtEl>
+                </p:cond>
+              </p:nextCondLst>
+            </p:seq>
+          </p:childTnLst>
+        </p:cTn>
+      </p:par>
+    </p:tnLst>
+    <p:bldLst>
+      <p:bldP spid="25" grpId="0"/>
+      <p:bldP spid="32" grpId="0"/>
+      <p:bldP spid="36" grpId="0"/>
+      <p:bldP spid="43" grpId="0"/>
+    </p:bldLst>
+  </p:timing>
 </p:sld>
 </file>
 
@@ -35672,7 +37507,7 @@
           <a:graphicData uri="http://schemas.openxmlformats.org/presentationml/2006/ole">
             <mc:AlternateContent xmlns:mc="http://schemas.openxmlformats.org/markup-compatibility/2006">
               <mc:Choice xmlns:v="urn:schemas-microsoft-com:vml" Requires="v">
-                <p:oleObj spid="_x0000_s2136" name="Bitmap Image" r:id="rId4" imgW="12553920" imgH="8362800" progId="Paint.Picture">
+                <p:oleObj spid="_x0000_s2140" name="Bitmap Image" r:id="rId4" imgW="12553920" imgH="8362800" progId="Paint.Picture">
                   <p:embed/>
                 </p:oleObj>
               </mc:Choice>
@@ -38952,7 +40787,7 @@
           <a:graphicData uri="http://schemas.openxmlformats.org/presentationml/2006/ole">
             <mc:AlternateContent xmlns:mc="http://schemas.openxmlformats.org/markup-compatibility/2006">
               <mc:Choice xmlns:v="urn:schemas-microsoft-com:vml" Requires="v">
-                <p:oleObj spid="_x0000_s3158" name="Bitmap Image" r:id="rId4" imgW="17059320" imgH="5762520" progId="Paint.Picture">
+                <p:oleObj spid="_x0000_s3162" name="Bitmap Image" r:id="rId4" imgW="17059320" imgH="5762520" progId="Paint.Picture">
                   <p:embed/>
                 </p:oleObj>
               </mc:Choice>

--- a/2022-05-12 Designing Monolith First (TR)/Monolith First Presentation.pptx
+++ b/2022-05-12 Designing Monolith First (TR)/Monolith First Presentation.pptx
@@ -30986,7 +30986,7 @@
           <a:graphicData uri="http://schemas.openxmlformats.org/presentationml/2006/ole">
             <mc:AlternateContent xmlns:mc="http://schemas.openxmlformats.org/markup-compatibility/2006">
               <mc:Choice xmlns:v="urn:schemas-microsoft-com:vml" Requires="v">
-                <p:oleObj spid="_x0000_s4126" name="Bitmap Image" r:id="rId4" imgW="8801280" imgH="2933640" progId="Paint.Picture">
+                <p:oleObj spid="_x0000_s4129" name="Bitmap Image" r:id="rId4" imgW="8801280" imgH="2933640" progId="Paint.Picture">
                   <p:embed/>
                 </p:oleObj>
               </mc:Choice>
@@ -31180,7 +31180,7 @@
           <a:graphicData uri="http://schemas.openxmlformats.org/presentationml/2006/ole">
             <mc:AlternateContent xmlns:mc="http://schemas.openxmlformats.org/markup-compatibility/2006">
               <mc:Choice xmlns:v="urn:schemas-microsoft-com:vml" Requires="v">
-                <p:oleObj spid="_x0000_s5150" name="Bitmap Image" r:id="rId4" imgW="8744040" imgH="3753000" progId="Paint.Picture">
+                <p:oleObj spid="_x0000_s5153" name="Bitmap Image" r:id="rId4" imgW="8744040" imgH="3753000" progId="Paint.Picture">
                   <p:embed/>
                 </p:oleObj>
               </mc:Choice>
@@ -37328,48 +37328,6 @@
       </p:grpSpPr>
       <p:sp>
         <p:nvSpPr>
-          <p:cNvPr id="3" name="Content Placeholder 2">
-            <a:extLst>
-              <a:ext uri="{FF2B5EF4-FFF2-40B4-BE49-F238E27FC236}">
-                <a16:creationId xmlns:a16="http://schemas.microsoft.com/office/drawing/2014/main" id="{891C7693-D3DF-4635-96F4-97F3B4136FDF}"/>
-              </a:ext>
-            </a:extLst>
-          </p:cNvPr>
-          <p:cNvSpPr>
-            <a:spLocks noGrp="1"/>
-          </p:cNvSpPr>
-          <p:nvPr>
-            <p:ph idx="1"/>
-          </p:nvPr>
-        </p:nvSpPr>
-        <p:spPr/>
-        <p:txBody>
-          <a:bodyPr/>
-          <a:lstStyle/>
-          <a:p>
-            <a:r>
-              <a:rPr lang="en-US" dirty="0">
-                <a:latin typeface="Euclid Circular B" panose="020B0504000000000000" pitchFamily="34" charset="0"/>
-                <a:ea typeface="Euclid Circular B" panose="020B0504000000000000" pitchFamily="34" charset="0"/>
-              </a:rPr>
-              <a:t>TODO</a:t>
-            </a:r>
-            <a:r>
-              <a:rPr lang="en-US">
-                <a:latin typeface="Euclid Circular B" panose="020B0504000000000000" pitchFamily="34" charset="0"/>
-                <a:ea typeface="Euclid Circular B" panose="020B0504000000000000" pitchFamily="34" charset="0"/>
-              </a:rPr>
-              <a:t>: ...</a:t>
-            </a:r>
-            <a:endParaRPr lang="en-US" dirty="0">
-              <a:latin typeface="Euclid Circular B" panose="020B0504000000000000" pitchFamily="34" charset="0"/>
-              <a:ea typeface="Euclid Circular B" panose="020B0504000000000000" pitchFamily="34" charset="0"/>
-            </a:endParaRPr>
-          </a:p>
-        </p:txBody>
-      </p:sp>
-      <p:sp>
-        <p:nvSpPr>
           <p:cNvPr id="6" name="Title 1">
             <a:extLst>
               <a:ext uri="{FF2B5EF4-FFF2-40B4-BE49-F238E27FC236}">
@@ -37416,14 +37374,14 @@
               </a:rPr>
             </a:br>
             <a:r>
-              <a:rPr lang="en-US" sz="3200" b="1" i="1" dirty="0" err="1">
+              <a:rPr lang="en-US" sz="3200" b="1" i="1" dirty="0">
                 <a:solidFill>
                   <a:srgbClr val="292D33"/>
                 </a:solidFill>
                 <a:latin typeface="Euclid Circular B" panose="020B0504000000000000" pitchFamily="34" charset="0"/>
                 <a:ea typeface="Euclid Circular B" panose="020B0504000000000000" pitchFamily="34" charset="0"/>
               </a:rPr>
-              <a:t>subheader</a:t>
+              <a:t>Synchronous communication: caching</a:t>
             </a:r>
             <a:endParaRPr lang="en-US" b="1" dirty="0">
               <a:solidFill>
@@ -37435,6 +37393,36 @@
           </a:p>
         </p:txBody>
       </p:sp>
+      <p:pic>
+        <p:nvPicPr>
+          <p:cNvPr id="12" name="Picture 11">
+            <a:extLst>
+              <a:ext uri="{FF2B5EF4-FFF2-40B4-BE49-F238E27FC236}">
+                <a16:creationId xmlns:a16="http://schemas.microsoft.com/office/drawing/2014/main" id="{7CC43CC1-9B12-42E3-A2A6-BFB2866CF9C2}"/>
+              </a:ext>
+            </a:extLst>
+          </p:cNvPr>
+          <p:cNvPicPr>
+            <a:picLocks noChangeAspect="1"/>
+          </p:cNvPicPr>
+          <p:nvPr/>
+        </p:nvPicPr>
+        <p:blipFill>
+          <a:blip r:embed="rId3"/>
+          <a:stretch>
+            <a:fillRect/>
+          </a:stretch>
+        </p:blipFill>
+        <p:spPr>
+          <a:xfrm>
+            <a:off x="1524000" y="1985411"/>
+            <a:ext cx="9144000" cy="3695700"/>
+          </a:xfrm>
+          <a:prstGeom prst="rect">
+            <a:avLst/>
+          </a:prstGeom>
+        </p:spPr>
+      </p:pic>
     </p:spTree>
     <p:extLst>
       <p:ext uri="{BB962C8B-B14F-4D97-AF65-F5344CB8AC3E}">
@@ -37507,7 +37495,7 @@
           <a:graphicData uri="http://schemas.openxmlformats.org/presentationml/2006/ole">
             <mc:AlternateContent xmlns:mc="http://schemas.openxmlformats.org/markup-compatibility/2006">
               <mc:Choice xmlns:v="urn:schemas-microsoft-com:vml" Requires="v">
-                <p:oleObj spid="_x0000_s2140" name="Bitmap Image" r:id="rId4" imgW="12553920" imgH="8362800" progId="Paint.Picture">
+                <p:oleObj spid="_x0000_s2143" name="Bitmap Image" r:id="rId4" imgW="12553920" imgH="8362800" progId="Paint.Picture">
                   <p:embed/>
                 </p:oleObj>
               </mc:Choice>
@@ -37588,48 +37576,6 @@
       </p:grpSpPr>
       <p:sp>
         <p:nvSpPr>
-          <p:cNvPr id="3" name="Content Placeholder 2">
-            <a:extLst>
-              <a:ext uri="{FF2B5EF4-FFF2-40B4-BE49-F238E27FC236}">
-                <a16:creationId xmlns:a16="http://schemas.microsoft.com/office/drawing/2014/main" id="{891C7693-D3DF-4635-96F4-97F3B4136FDF}"/>
-              </a:ext>
-            </a:extLst>
-          </p:cNvPr>
-          <p:cNvSpPr>
-            <a:spLocks noGrp="1"/>
-          </p:cNvSpPr>
-          <p:nvPr>
-            <p:ph idx="1"/>
-          </p:nvPr>
-        </p:nvSpPr>
-        <p:spPr/>
-        <p:txBody>
-          <a:bodyPr/>
-          <a:lstStyle/>
-          <a:p>
-            <a:r>
-              <a:rPr lang="en-US" dirty="0">
-                <a:latin typeface="Euclid Circular B" panose="020B0504000000000000" pitchFamily="34" charset="0"/>
-                <a:ea typeface="Euclid Circular B" panose="020B0504000000000000" pitchFamily="34" charset="0"/>
-              </a:rPr>
-              <a:t>TODO</a:t>
-            </a:r>
-            <a:r>
-              <a:rPr lang="en-US">
-                <a:latin typeface="Euclid Circular B" panose="020B0504000000000000" pitchFamily="34" charset="0"/>
-                <a:ea typeface="Euclid Circular B" panose="020B0504000000000000" pitchFamily="34" charset="0"/>
-              </a:rPr>
-              <a:t>: ...</a:t>
-            </a:r>
-            <a:endParaRPr lang="en-US" dirty="0">
-              <a:latin typeface="Euclid Circular B" panose="020B0504000000000000" pitchFamily="34" charset="0"/>
-              <a:ea typeface="Euclid Circular B" panose="020B0504000000000000" pitchFamily="34" charset="0"/>
-            </a:endParaRPr>
-          </a:p>
-        </p:txBody>
-      </p:sp>
-      <p:sp>
-        <p:nvSpPr>
           <p:cNvPr id="6" name="Title 1">
             <a:extLst>
               <a:ext uri="{FF2B5EF4-FFF2-40B4-BE49-F238E27FC236}">
@@ -37657,7 +37603,7 @@
           <a:lstStyle/>
           <a:p>
             <a:r>
-              <a:rPr lang="en-US" b="1" dirty="0">
+              <a:rPr lang="en-US" b="1">
                 <a:solidFill>
                   <a:srgbClr val="292D33"/>
                 </a:solidFill>
@@ -37667,7 +37613,7 @@
               <a:t>Integrating the modules</a:t>
             </a:r>
             <a:br>
-              <a:rPr lang="en-US" b="1" dirty="0">
+              <a:rPr lang="en-US" b="1">
                 <a:solidFill>
                   <a:srgbClr val="292D33"/>
                 </a:solidFill>
@@ -37676,14 +37622,14 @@
               </a:rPr>
             </a:br>
             <a:r>
-              <a:rPr lang="en-US" sz="3200" b="1" i="1" dirty="0" err="1">
+              <a:rPr lang="en-US" sz="3200" b="1" i="1">
                 <a:solidFill>
                   <a:srgbClr val="292D33"/>
                 </a:solidFill>
                 <a:latin typeface="Euclid Circular B" panose="020B0504000000000000" pitchFamily="34" charset="0"/>
                 <a:ea typeface="Euclid Circular B" panose="020B0504000000000000" pitchFamily="34" charset="0"/>
               </a:rPr>
-              <a:t>subheader</a:t>
+              <a:t>Synchronous communication: caching</a:t>
             </a:r>
             <a:endParaRPr lang="en-US" b="1" dirty="0">
               <a:solidFill>
@@ -37695,6 +37641,36 @@
           </a:p>
         </p:txBody>
       </p:sp>
+      <p:pic>
+        <p:nvPicPr>
+          <p:cNvPr id="8" name="Picture 7">
+            <a:extLst>
+              <a:ext uri="{FF2B5EF4-FFF2-40B4-BE49-F238E27FC236}">
+                <a16:creationId xmlns:a16="http://schemas.microsoft.com/office/drawing/2014/main" id="{7D6507C5-7810-44EC-B796-226B71B14E44}"/>
+              </a:ext>
+            </a:extLst>
+          </p:cNvPr>
+          <p:cNvPicPr>
+            <a:picLocks noChangeAspect="1"/>
+          </p:cNvPicPr>
+          <p:nvPr/>
+        </p:nvPicPr>
+        <p:blipFill>
+          <a:blip r:embed="rId3"/>
+          <a:stretch>
+            <a:fillRect/>
+          </a:stretch>
+        </p:blipFill>
+        <p:spPr>
+          <a:xfrm>
+            <a:off x="706454" y="2279884"/>
+            <a:ext cx="11087100" cy="2952750"/>
+          </a:xfrm>
+          <a:prstGeom prst="rect">
+            <a:avLst/>
+          </a:prstGeom>
+        </p:spPr>
+      </p:pic>
     </p:spTree>
     <p:extLst>
       <p:ext uri="{BB962C8B-B14F-4D97-AF65-F5344CB8AC3E}">
@@ -40787,7 +40763,7 @@
           <a:graphicData uri="http://schemas.openxmlformats.org/presentationml/2006/ole">
             <mc:AlternateContent xmlns:mc="http://schemas.openxmlformats.org/markup-compatibility/2006">
               <mc:Choice xmlns:v="urn:schemas-microsoft-com:vml" Requires="v">
-                <p:oleObj spid="_x0000_s3162" name="Bitmap Image" r:id="rId4" imgW="17059320" imgH="5762520" progId="Paint.Picture">
+                <p:oleObj spid="_x0000_s3165" name="Bitmap Image" r:id="rId4" imgW="17059320" imgH="5762520" progId="Paint.Picture">
                   <p:embed/>
                 </p:oleObj>
               </mc:Choice>

--- a/2022-05-12 Designing Monolith First (TR)/Monolith First Presentation.pptx
+++ b/2022-05-12 Designing Monolith First (TR)/Monolith First Presentation.pptx
@@ -57,16 +57,23 @@
     <p:sldId id="320" r:id="rId51"/>
     <p:sldId id="321" r:id="rId52"/>
     <p:sldId id="322" r:id="rId53"/>
-    <p:sldId id="271" r:id="rId54"/>
-    <p:sldId id="262" r:id="rId55"/>
-    <p:sldId id="263" r:id="rId56"/>
-    <p:sldId id="264" r:id="rId57"/>
-    <p:sldId id="265" r:id="rId58"/>
-    <p:sldId id="266" r:id="rId59"/>
-    <p:sldId id="267" r:id="rId60"/>
-    <p:sldId id="268" r:id="rId61"/>
-    <p:sldId id="297" r:id="rId62"/>
-    <p:sldId id="298" r:id="rId63"/>
+    <p:sldId id="323" r:id="rId54"/>
+    <p:sldId id="324" r:id="rId55"/>
+    <p:sldId id="325" r:id="rId56"/>
+    <p:sldId id="326" r:id="rId57"/>
+    <p:sldId id="327" r:id="rId58"/>
+    <p:sldId id="328" r:id="rId59"/>
+    <p:sldId id="329" r:id="rId60"/>
+    <p:sldId id="271" r:id="rId61"/>
+    <p:sldId id="262" r:id="rId62"/>
+    <p:sldId id="263" r:id="rId63"/>
+    <p:sldId id="264" r:id="rId64"/>
+    <p:sldId id="265" r:id="rId65"/>
+    <p:sldId id="266" r:id="rId66"/>
+    <p:sldId id="267" r:id="rId67"/>
+    <p:sldId id="268" r:id="rId68"/>
+    <p:sldId id="297" r:id="rId69"/>
+    <p:sldId id="298" r:id="rId70"/>
   </p:sldIdLst>
   <p:sldSz cx="12192000" cy="6858000"/>
   <p:notesSz cx="6858000" cy="9144000"/>
@@ -320,7 +327,7 @@
           <a:p>
             <a:fld id="{2A14C9FE-EBC3-45D3-899C-58AAF4F8AF71}" type="datetimeFigureOut">
               <a:rPr lang="en-US" smtClean="0"/>
-              <a:t>24-Apr-22</a:t>
+              <a:t>25-Apr-22</a:t>
             </a:fld>
             <a:endParaRPr lang="en-US"/>
           </a:p>
@@ -518,7 +525,7 @@
           <a:p>
             <a:fld id="{2A14C9FE-EBC3-45D3-899C-58AAF4F8AF71}" type="datetimeFigureOut">
               <a:rPr lang="en-US" smtClean="0"/>
-              <a:t>24-Apr-22</a:t>
+              <a:t>25-Apr-22</a:t>
             </a:fld>
             <a:endParaRPr lang="en-US"/>
           </a:p>
@@ -726,7 +733,7 @@
           <a:p>
             <a:fld id="{2A14C9FE-EBC3-45D3-899C-58AAF4F8AF71}" type="datetimeFigureOut">
               <a:rPr lang="en-US" smtClean="0"/>
-              <a:t>24-Apr-22</a:t>
+              <a:t>25-Apr-22</a:t>
             </a:fld>
             <a:endParaRPr lang="en-US"/>
           </a:p>
@@ -924,7 +931,7 @@
           <a:p>
             <a:fld id="{2A14C9FE-EBC3-45D3-899C-58AAF4F8AF71}" type="datetimeFigureOut">
               <a:rPr lang="en-US" smtClean="0"/>
-              <a:t>24-Apr-22</a:t>
+              <a:t>25-Apr-22</a:t>
             </a:fld>
             <a:endParaRPr lang="en-US"/>
           </a:p>
@@ -1199,7 +1206,7 @@
           <a:p>
             <a:fld id="{2A14C9FE-EBC3-45D3-899C-58AAF4F8AF71}" type="datetimeFigureOut">
               <a:rPr lang="en-US" smtClean="0"/>
-              <a:t>24-Apr-22</a:t>
+              <a:t>25-Apr-22</a:t>
             </a:fld>
             <a:endParaRPr lang="en-US"/>
           </a:p>
@@ -1464,7 +1471,7 @@
           <a:p>
             <a:fld id="{2A14C9FE-EBC3-45D3-899C-58AAF4F8AF71}" type="datetimeFigureOut">
               <a:rPr lang="en-US" smtClean="0"/>
-              <a:t>24-Apr-22</a:t>
+              <a:t>25-Apr-22</a:t>
             </a:fld>
             <a:endParaRPr lang="en-US"/>
           </a:p>
@@ -1876,7 +1883,7 @@
           <a:p>
             <a:fld id="{2A14C9FE-EBC3-45D3-899C-58AAF4F8AF71}" type="datetimeFigureOut">
               <a:rPr lang="en-US" smtClean="0"/>
-              <a:t>24-Apr-22</a:t>
+              <a:t>25-Apr-22</a:t>
             </a:fld>
             <a:endParaRPr lang="en-US"/>
           </a:p>
@@ -2017,7 +2024,7 @@
           <a:p>
             <a:fld id="{2A14C9FE-EBC3-45D3-899C-58AAF4F8AF71}" type="datetimeFigureOut">
               <a:rPr lang="en-US" smtClean="0"/>
-              <a:t>24-Apr-22</a:t>
+              <a:t>25-Apr-22</a:t>
             </a:fld>
             <a:endParaRPr lang="en-US"/>
           </a:p>
@@ -2130,7 +2137,7 @@
           <a:p>
             <a:fld id="{2A14C9FE-EBC3-45D3-899C-58AAF4F8AF71}" type="datetimeFigureOut">
               <a:rPr lang="en-US" smtClean="0"/>
-              <a:t>24-Apr-22</a:t>
+              <a:t>25-Apr-22</a:t>
             </a:fld>
             <a:endParaRPr lang="en-US"/>
           </a:p>
@@ -2441,7 +2448,7 @@
           <a:p>
             <a:fld id="{2A14C9FE-EBC3-45D3-899C-58AAF4F8AF71}" type="datetimeFigureOut">
               <a:rPr lang="en-US" smtClean="0"/>
-              <a:t>24-Apr-22</a:t>
+              <a:t>25-Apr-22</a:t>
             </a:fld>
             <a:endParaRPr lang="en-US"/>
           </a:p>
@@ -2729,7 +2736,7 @@
           <a:p>
             <a:fld id="{2A14C9FE-EBC3-45D3-899C-58AAF4F8AF71}" type="datetimeFigureOut">
               <a:rPr lang="en-US" smtClean="0"/>
-              <a:t>24-Apr-22</a:t>
+              <a:t>25-Apr-22</a:t>
             </a:fld>
             <a:endParaRPr lang="en-US"/>
           </a:p>
@@ -2970,7 +2977,7 @@
           <a:p>
             <a:fld id="{2A14C9FE-EBC3-45D3-899C-58AAF4F8AF71}" type="datetimeFigureOut">
               <a:rPr lang="en-US" smtClean="0"/>
-              <a:t>24-Apr-22</a:t>
+              <a:t>25-Apr-22</a:t>
             </a:fld>
             <a:endParaRPr lang="en-US"/>
           </a:p>
@@ -30986,7 +30993,7 @@
           <a:graphicData uri="http://schemas.openxmlformats.org/presentationml/2006/ole">
             <mc:AlternateContent xmlns:mc="http://schemas.openxmlformats.org/markup-compatibility/2006">
               <mc:Choice xmlns:v="urn:schemas-microsoft-com:vml" Requires="v">
-                <p:oleObj spid="_x0000_s4129" name="Bitmap Image" r:id="rId4" imgW="8801280" imgH="2933640" progId="Paint.Picture">
+                <p:oleObj spid="_x0000_s4139" name="Bitmap Image" r:id="rId4" imgW="8801280" imgH="2933640" progId="Paint.Picture">
                   <p:embed/>
                 </p:oleObj>
               </mc:Choice>
@@ -31180,7 +31187,7 @@
           <a:graphicData uri="http://schemas.openxmlformats.org/presentationml/2006/ole">
             <mc:AlternateContent xmlns:mc="http://schemas.openxmlformats.org/markup-compatibility/2006">
               <mc:Choice xmlns:v="urn:schemas-microsoft-com:vml" Requires="v">
-                <p:oleObj spid="_x0000_s5153" name="Bitmap Image" r:id="rId4" imgW="8744040" imgH="3753000" progId="Paint.Picture">
+                <p:oleObj spid="_x0000_s5163" name="Bitmap Image" r:id="rId4" imgW="8744040" imgH="3753000" progId="Paint.Picture">
                   <p:embed/>
                 </p:oleObj>
               </mc:Choice>
@@ -37495,7 +37502,7 @@
           <a:graphicData uri="http://schemas.openxmlformats.org/presentationml/2006/ole">
             <mc:AlternateContent xmlns:mc="http://schemas.openxmlformats.org/markup-compatibility/2006">
               <mc:Choice xmlns:v="urn:schemas-microsoft-com:vml" Requires="v">
-                <p:oleObj spid="_x0000_s2143" name="Bitmap Image" r:id="rId4" imgW="12553920" imgH="8362800" progId="Paint.Picture">
+                <p:oleObj spid="_x0000_s2153" name="Bitmap Image" r:id="rId4" imgW="12553920" imgH="8362800" progId="Paint.Picture">
                   <p:embed/>
                 </p:oleObj>
               </mc:Choice>
@@ -37717,48 +37724,6 @@
       </p:grpSpPr>
       <p:sp>
         <p:nvSpPr>
-          <p:cNvPr id="3" name="Content Placeholder 2">
-            <a:extLst>
-              <a:ext uri="{FF2B5EF4-FFF2-40B4-BE49-F238E27FC236}">
-                <a16:creationId xmlns:a16="http://schemas.microsoft.com/office/drawing/2014/main" id="{891C7693-D3DF-4635-96F4-97F3B4136FDF}"/>
-              </a:ext>
-            </a:extLst>
-          </p:cNvPr>
-          <p:cNvSpPr>
-            <a:spLocks noGrp="1"/>
-          </p:cNvSpPr>
-          <p:nvPr>
-            <p:ph idx="1"/>
-          </p:nvPr>
-        </p:nvSpPr>
-        <p:spPr/>
-        <p:txBody>
-          <a:bodyPr/>
-          <a:lstStyle/>
-          <a:p>
-            <a:r>
-              <a:rPr lang="en-US" dirty="0">
-                <a:latin typeface="Euclid Circular B" panose="020B0504000000000000" pitchFamily="34" charset="0"/>
-                <a:ea typeface="Euclid Circular B" panose="020B0504000000000000" pitchFamily="34" charset="0"/>
-              </a:rPr>
-              <a:t>TODO</a:t>
-            </a:r>
-            <a:r>
-              <a:rPr lang="en-US">
-                <a:latin typeface="Euclid Circular B" panose="020B0504000000000000" pitchFamily="34" charset="0"/>
-                <a:ea typeface="Euclid Circular B" panose="020B0504000000000000" pitchFamily="34" charset="0"/>
-              </a:rPr>
-              <a:t>: ...</a:t>
-            </a:r>
-            <a:endParaRPr lang="en-US" dirty="0">
-              <a:latin typeface="Euclid Circular B" panose="020B0504000000000000" pitchFamily="34" charset="0"/>
-              <a:ea typeface="Euclid Circular B" panose="020B0504000000000000" pitchFamily="34" charset="0"/>
-            </a:endParaRPr>
-          </a:p>
-        </p:txBody>
-      </p:sp>
-      <p:sp>
-        <p:nvSpPr>
           <p:cNvPr id="6" name="Title 1">
             <a:extLst>
               <a:ext uri="{FF2B5EF4-FFF2-40B4-BE49-F238E27FC236}">
@@ -37805,14 +37770,14 @@
               </a:rPr>
             </a:br>
             <a:r>
-              <a:rPr lang="en-US" sz="3200" b="1" i="1" dirty="0" err="1">
+              <a:rPr lang="en-US" sz="3200" b="1" i="1" dirty="0">
                 <a:solidFill>
                   <a:srgbClr val="292D33"/>
                 </a:solidFill>
                 <a:latin typeface="Euclid Circular B" panose="020B0504000000000000" pitchFamily="34" charset="0"/>
                 <a:ea typeface="Euclid Circular B" panose="020B0504000000000000" pitchFamily="34" charset="0"/>
               </a:rPr>
-              <a:t>subheader</a:t>
+              <a:t>Synchronous communication: data duplication</a:t>
             </a:r>
             <a:endParaRPr lang="en-US" b="1" dirty="0">
               <a:solidFill>
@@ -37821,6 +37786,1740 @@
               <a:latin typeface="Euclid Circular B" panose="020B0504000000000000" pitchFamily="34" charset="0"/>
               <a:ea typeface="Euclid Circular B" panose="020B0504000000000000" pitchFamily="34" charset="0"/>
             </a:endParaRPr>
+          </a:p>
+        </p:txBody>
+      </p:sp>
+      <p:sp>
+        <p:nvSpPr>
+          <p:cNvPr id="7" name="Rectangle 6">
+            <a:extLst>
+              <a:ext uri="{FF2B5EF4-FFF2-40B4-BE49-F238E27FC236}">
+                <a16:creationId xmlns:a16="http://schemas.microsoft.com/office/drawing/2014/main" id="{715DC162-6427-4E8A-A6F2-FD9849783D91}"/>
+              </a:ext>
+            </a:extLst>
+          </p:cNvPr>
+          <p:cNvSpPr/>
+          <p:nvPr/>
+        </p:nvSpPr>
+        <p:spPr>
+          <a:xfrm>
+            <a:off x="2410068" y="3655718"/>
+            <a:ext cx="7552080" cy="1902347"/>
+          </a:xfrm>
+          <a:prstGeom prst="rect">
+            <a:avLst/>
+          </a:prstGeom>
+        </p:spPr>
+        <p:style>
+          <a:lnRef idx="2">
+            <a:schemeClr val="accent6">
+              <a:shade val="50000"/>
+            </a:schemeClr>
+          </a:lnRef>
+          <a:fillRef idx="1">
+            <a:schemeClr val="accent6"/>
+          </a:fillRef>
+          <a:effectRef idx="0">
+            <a:schemeClr val="accent6"/>
+          </a:effectRef>
+          <a:fontRef idx="minor">
+            <a:schemeClr val="lt1"/>
+          </a:fontRef>
+        </p:style>
+        <p:txBody>
+          <a:bodyPr rtlCol="0" anchor="b"/>
+          <a:lstStyle/>
+          <a:p>
+            <a:r>
+              <a:rPr lang="en-US" dirty="0"/>
+              <a:t>Monolith Host (single process)</a:t>
+            </a:r>
+          </a:p>
+        </p:txBody>
+      </p:sp>
+      <p:sp>
+        <p:nvSpPr>
+          <p:cNvPr id="8" name="Rectangle 7">
+            <a:extLst>
+              <a:ext uri="{FF2B5EF4-FFF2-40B4-BE49-F238E27FC236}">
+                <a16:creationId xmlns:a16="http://schemas.microsoft.com/office/drawing/2014/main" id="{D5C3005C-D10F-4BB7-AFF2-CFC75C753DD4}"/>
+              </a:ext>
+            </a:extLst>
+          </p:cNvPr>
+          <p:cNvSpPr/>
+          <p:nvPr/>
+        </p:nvSpPr>
+        <p:spPr>
+          <a:xfrm>
+            <a:off x="2534375" y="3759213"/>
+            <a:ext cx="914400" cy="1285041"/>
+          </a:xfrm>
+          <a:prstGeom prst="rect">
+            <a:avLst/>
+          </a:prstGeom>
+        </p:spPr>
+        <p:style>
+          <a:lnRef idx="2">
+            <a:schemeClr val="accent1">
+              <a:shade val="50000"/>
+            </a:schemeClr>
+          </a:lnRef>
+          <a:fillRef idx="1">
+            <a:schemeClr val="accent1"/>
+          </a:fillRef>
+          <a:effectRef idx="0">
+            <a:schemeClr val="accent1"/>
+          </a:effectRef>
+          <a:fontRef idx="minor">
+            <a:schemeClr val="lt1"/>
+          </a:fontRef>
+        </p:style>
+        <p:txBody>
+          <a:bodyPr rtlCol="0" anchor="ctr"/>
+          <a:lstStyle/>
+          <a:p>
+            <a:pPr algn="ctr"/>
+            <a:endParaRPr lang="en-US" dirty="0"/>
+          </a:p>
+        </p:txBody>
+      </p:sp>
+      <p:sp>
+        <p:nvSpPr>
+          <p:cNvPr id="9" name="Rectangle 8">
+            <a:extLst>
+              <a:ext uri="{FF2B5EF4-FFF2-40B4-BE49-F238E27FC236}">
+                <a16:creationId xmlns:a16="http://schemas.microsoft.com/office/drawing/2014/main" id="{10BB5593-8D6D-4948-BC1D-779642C6B456}"/>
+              </a:ext>
+            </a:extLst>
+          </p:cNvPr>
+          <p:cNvSpPr/>
+          <p:nvPr/>
+        </p:nvSpPr>
+        <p:spPr>
+          <a:xfrm>
+            <a:off x="2609790" y="4308963"/>
+            <a:ext cx="786623" cy="131976"/>
+          </a:xfrm>
+          <a:prstGeom prst="rect">
+            <a:avLst/>
+          </a:prstGeom>
+          <a:solidFill>
+            <a:schemeClr val="accent5">
+              <a:lumMod val="60000"/>
+              <a:lumOff val="40000"/>
+            </a:schemeClr>
+          </a:solidFill>
+          <a:ln>
+            <a:solidFill>
+              <a:schemeClr val="accent5">
+                <a:lumMod val="40000"/>
+                <a:lumOff val="60000"/>
+              </a:schemeClr>
+            </a:solidFill>
+          </a:ln>
+        </p:spPr>
+        <p:style>
+          <a:lnRef idx="2">
+            <a:schemeClr val="accent4">
+              <a:shade val="50000"/>
+            </a:schemeClr>
+          </a:lnRef>
+          <a:fillRef idx="1">
+            <a:schemeClr val="accent4"/>
+          </a:fillRef>
+          <a:effectRef idx="0">
+            <a:schemeClr val="accent4"/>
+          </a:effectRef>
+          <a:fontRef idx="minor">
+            <a:schemeClr val="lt1"/>
+          </a:fontRef>
+        </p:style>
+        <p:txBody>
+          <a:bodyPr rtlCol="0" anchor="ctr"/>
+          <a:lstStyle/>
+          <a:p>
+            <a:pPr algn="ctr"/>
+            <a:endParaRPr lang="en-US" dirty="0"/>
+          </a:p>
+        </p:txBody>
+      </p:sp>
+      <p:sp>
+        <p:nvSpPr>
+          <p:cNvPr id="10" name="Rectangle 9">
+            <a:extLst>
+              <a:ext uri="{FF2B5EF4-FFF2-40B4-BE49-F238E27FC236}">
+                <a16:creationId xmlns:a16="http://schemas.microsoft.com/office/drawing/2014/main" id="{2D13E420-0BD7-4AF8-B5C0-5B191F3F1B8C}"/>
+              </a:ext>
+            </a:extLst>
+          </p:cNvPr>
+          <p:cNvSpPr/>
+          <p:nvPr/>
+        </p:nvSpPr>
+        <p:spPr>
+          <a:xfrm>
+            <a:off x="2609790" y="4481789"/>
+            <a:ext cx="786623" cy="131976"/>
+          </a:xfrm>
+          <a:prstGeom prst="rect">
+            <a:avLst/>
+          </a:prstGeom>
+          <a:solidFill>
+            <a:schemeClr val="accent5">
+              <a:lumMod val="60000"/>
+              <a:lumOff val="40000"/>
+            </a:schemeClr>
+          </a:solidFill>
+          <a:ln>
+            <a:solidFill>
+              <a:schemeClr val="accent5">
+                <a:lumMod val="40000"/>
+                <a:lumOff val="60000"/>
+              </a:schemeClr>
+            </a:solidFill>
+          </a:ln>
+        </p:spPr>
+        <p:style>
+          <a:lnRef idx="2">
+            <a:schemeClr val="accent4">
+              <a:shade val="50000"/>
+            </a:schemeClr>
+          </a:lnRef>
+          <a:fillRef idx="1">
+            <a:schemeClr val="accent4"/>
+          </a:fillRef>
+          <a:effectRef idx="0">
+            <a:schemeClr val="accent4"/>
+          </a:effectRef>
+          <a:fontRef idx="minor">
+            <a:schemeClr val="lt1"/>
+          </a:fontRef>
+        </p:style>
+        <p:txBody>
+          <a:bodyPr rtlCol="0" anchor="ctr"/>
+          <a:lstStyle/>
+          <a:p>
+            <a:pPr algn="ctr"/>
+            <a:endParaRPr lang="en-US" dirty="0"/>
+          </a:p>
+        </p:txBody>
+      </p:sp>
+      <p:sp>
+        <p:nvSpPr>
+          <p:cNvPr id="11" name="Rectangle 10">
+            <a:extLst>
+              <a:ext uri="{FF2B5EF4-FFF2-40B4-BE49-F238E27FC236}">
+                <a16:creationId xmlns:a16="http://schemas.microsoft.com/office/drawing/2014/main" id="{D094C18E-9001-4409-AE13-21E582C095FC}"/>
+              </a:ext>
+            </a:extLst>
+          </p:cNvPr>
+          <p:cNvSpPr/>
+          <p:nvPr/>
+        </p:nvSpPr>
+        <p:spPr>
+          <a:xfrm>
+            <a:off x="2609790" y="4654615"/>
+            <a:ext cx="786623" cy="131976"/>
+          </a:xfrm>
+          <a:prstGeom prst="rect">
+            <a:avLst/>
+          </a:prstGeom>
+          <a:solidFill>
+            <a:schemeClr val="accent5">
+              <a:lumMod val="60000"/>
+              <a:lumOff val="40000"/>
+            </a:schemeClr>
+          </a:solidFill>
+          <a:ln>
+            <a:solidFill>
+              <a:schemeClr val="accent5">
+                <a:lumMod val="40000"/>
+                <a:lumOff val="60000"/>
+              </a:schemeClr>
+            </a:solidFill>
+          </a:ln>
+        </p:spPr>
+        <p:style>
+          <a:lnRef idx="2">
+            <a:schemeClr val="accent4">
+              <a:shade val="50000"/>
+            </a:schemeClr>
+          </a:lnRef>
+          <a:fillRef idx="1">
+            <a:schemeClr val="accent4"/>
+          </a:fillRef>
+          <a:effectRef idx="0">
+            <a:schemeClr val="accent4"/>
+          </a:effectRef>
+          <a:fontRef idx="minor">
+            <a:schemeClr val="lt1"/>
+          </a:fontRef>
+        </p:style>
+        <p:txBody>
+          <a:bodyPr rtlCol="0" anchor="ctr"/>
+          <a:lstStyle/>
+          <a:p>
+            <a:pPr algn="ctr"/>
+            <a:endParaRPr lang="en-US" dirty="0"/>
+          </a:p>
+        </p:txBody>
+      </p:sp>
+      <p:sp>
+        <p:nvSpPr>
+          <p:cNvPr id="12" name="Rectangle 11">
+            <a:extLst>
+              <a:ext uri="{FF2B5EF4-FFF2-40B4-BE49-F238E27FC236}">
+                <a16:creationId xmlns:a16="http://schemas.microsoft.com/office/drawing/2014/main" id="{F312299A-0F69-4E3B-8C52-7D2E4F6F6789}"/>
+              </a:ext>
+            </a:extLst>
+          </p:cNvPr>
+          <p:cNvSpPr/>
+          <p:nvPr/>
+        </p:nvSpPr>
+        <p:spPr>
+          <a:xfrm>
+            <a:off x="2609790" y="4827441"/>
+            <a:ext cx="786623" cy="131976"/>
+          </a:xfrm>
+          <a:prstGeom prst="rect">
+            <a:avLst/>
+          </a:prstGeom>
+          <a:solidFill>
+            <a:schemeClr val="accent5">
+              <a:lumMod val="60000"/>
+              <a:lumOff val="40000"/>
+            </a:schemeClr>
+          </a:solidFill>
+          <a:ln>
+            <a:solidFill>
+              <a:schemeClr val="accent5">
+                <a:lumMod val="40000"/>
+                <a:lumOff val="60000"/>
+              </a:schemeClr>
+            </a:solidFill>
+          </a:ln>
+        </p:spPr>
+        <p:style>
+          <a:lnRef idx="2">
+            <a:schemeClr val="accent4">
+              <a:shade val="50000"/>
+            </a:schemeClr>
+          </a:lnRef>
+          <a:fillRef idx="1">
+            <a:schemeClr val="accent4"/>
+          </a:fillRef>
+          <a:effectRef idx="0">
+            <a:schemeClr val="accent4"/>
+          </a:effectRef>
+          <a:fontRef idx="minor">
+            <a:schemeClr val="lt1"/>
+          </a:fontRef>
+        </p:style>
+        <p:txBody>
+          <a:bodyPr rtlCol="0" anchor="ctr"/>
+          <a:lstStyle/>
+          <a:p>
+            <a:pPr algn="ctr"/>
+            <a:endParaRPr lang="en-US" dirty="0"/>
+          </a:p>
+        </p:txBody>
+      </p:sp>
+      <p:sp>
+        <p:nvSpPr>
+          <p:cNvPr id="13" name="TextBox 12">
+            <a:extLst>
+              <a:ext uri="{FF2B5EF4-FFF2-40B4-BE49-F238E27FC236}">
+                <a16:creationId xmlns:a16="http://schemas.microsoft.com/office/drawing/2014/main" id="{B1649CB3-A41E-43C8-9E63-B7EC6CFD2349}"/>
+              </a:ext>
+            </a:extLst>
+          </p:cNvPr>
+          <p:cNvSpPr txBox="1"/>
+          <p:nvPr/>
+        </p:nvSpPr>
+        <p:spPr>
+          <a:xfrm>
+            <a:off x="2557428" y="3737389"/>
+            <a:ext cx="838985" cy="523220"/>
+          </a:xfrm>
+          <a:prstGeom prst="rect">
+            <a:avLst/>
+          </a:prstGeom>
+          <a:noFill/>
+        </p:spPr>
+        <p:txBody>
+          <a:bodyPr wrap="square" rtlCol="0">
+            <a:spAutoFit/>
+          </a:bodyPr>
+          <a:lstStyle/>
+          <a:p>
+            <a:pPr algn="ctr"/>
+            <a:r>
+              <a:rPr lang="en-US" sz="1400" dirty="0">
+                <a:solidFill>
+                  <a:schemeClr val="bg1"/>
+                </a:solidFill>
+              </a:rPr>
+              <a:t>Order module</a:t>
+            </a:r>
+          </a:p>
+        </p:txBody>
+      </p:sp>
+      <p:sp>
+        <p:nvSpPr>
+          <p:cNvPr id="14" name="Rectangle 13">
+            <a:extLst>
+              <a:ext uri="{FF2B5EF4-FFF2-40B4-BE49-F238E27FC236}">
+                <a16:creationId xmlns:a16="http://schemas.microsoft.com/office/drawing/2014/main" id="{4740E247-A45C-48C2-B02B-5C4190381F57}"/>
+              </a:ext>
+            </a:extLst>
+          </p:cNvPr>
+          <p:cNvSpPr/>
+          <p:nvPr/>
+        </p:nvSpPr>
+        <p:spPr>
+          <a:xfrm>
+            <a:off x="8954646" y="3759213"/>
+            <a:ext cx="914400" cy="1285041"/>
+          </a:xfrm>
+          <a:prstGeom prst="rect">
+            <a:avLst/>
+          </a:prstGeom>
+        </p:spPr>
+        <p:style>
+          <a:lnRef idx="2">
+            <a:schemeClr val="accent1">
+              <a:shade val="50000"/>
+            </a:schemeClr>
+          </a:lnRef>
+          <a:fillRef idx="1">
+            <a:schemeClr val="accent1"/>
+          </a:fillRef>
+          <a:effectRef idx="0">
+            <a:schemeClr val="accent1"/>
+          </a:effectRef>
+          <a:fontRef idx="minor">
+            <a:schemeClr val="lt1"/>
+          </a:fontRef>
+        </p:style>
+        <p:txBody>
+          <a:bodyPr rtlCol="0" anchor="ctr"/>
+          <a:lstStyle/>
+          <a:p>
+            <a:pPr algn="ctr"/>
+            <a:endParaRPr lang="en-US" dirty="0"/>
+          </a:p>
+        </p:txBody>
+      </p:sp>
+      <p:sp>
+        <p:nvSpPr>
+          <p:cNvPr id="15" name="Rectangle 14">
+            <a:extLst>
+              <a:ext uri="{FF2B5EF4-FFF2-40B4-BE49-F238E27FC236}">
+                <a16:creationId xmlns:a16="http://schemas.microsoft.com/office/drawing/2014/main" id="{D98531AB-07EF-40F9-8FAB-99BDD1A30382}"/>
+              </a:ext>
+            </a:extLst>
+          </p:cNvPr>
+          <p:cNvSpPr/>
+          <p:nvPr/>
+        </p:nvSpPr>
+        <p:spPr>
+          <a:xfrm>
+            <a:off x="9030061" y="4308963"/>
+            <a:ext cx="786623" cy="131976"/>
+          </a:xfrm>
+          <a:prstGeom prst="rect">
+            <a:avLst/>
+          </a:prstGeom>
+          <a:solidFill>
+            <a:schemeClr val="accent5">
+              <a:lumMod val="60000"/>
+              <a:lumOff val="40000"/>
+            </a:schemeClr>
+          </a:solidFill>
+          <a:ln>
+            <a:solidFill>
+              <a:schemeClr val="accent5">
+                <a:lumMod val="40000"/>
+                <a:lumOff val="60000"/>
+              </a:schemeClr>
+            </a:solidFill>
+          </a:ln>
+        </p:spPr>
+        <p:style>
+          <a:lnRef idx="2">
+            <a:schemeClr val="accent4">
+              <a:shade val="50000"/>
+            </a:schemeClr>
+          </a:lnRef>
+          <a:fillRef idx="1">
+            <a:schemeClr val="accent4"/>
+          </a:fillRef>
+          <a:effectRef idx="0">
+            <a:schemeClr val="accent4"/>
+          </a:effectRef>
+          <a:fontRef idx="minor">
+            <a:schemeClr val="lt1"/>
+          </a:fontRef>
+        </p:style>
+        <p:txBody>
+          <a:bodyPr rtlCol="0" anchor="ctr"/>
+          <a:lstStyle/>
+          <a:p>
+            <a:pPr algn="ctr"/>
+            <a:endParaRPr lang="en-US" dirty="0"/>
+          </a:p>
+        </p:txBody>
+      </p:sp>
+      <p:sp>
+        <p:nvSpPr>
+          <p:cNvPr id="16" name="Rectangle 15">
+            <a:extLst>
+              <a:ext uri="{FF2B5EF4-FFF2-40B4-BE49-F238E27FC236}">
+                <a16:creationId xmlns:a16="http://schemas.microsoft.com/office/drawing/2014/main" id="{590C52A3-2132-4958-8C89-F46AA0B2E790}"/>
+              </a:ext>
+            </a:extLst>
+          </p:cNvPr>
+          <p:cNvSpPr/>
+          <p:nvPr/>
+        </p:nvSpPr>
+        <p:spPr>
+          <a:xfrm>
+            <a:off x="9030061" y="4481789"/>
+            <a:ext cx="786623" cy="131976"/>
+          </a:xfrm>
+          <a:prstGeom prst="rect">
+            <a:avLst/>
+          </a:prstGeom>
+          <a:solidFill>
+            <a:schemeClr val="accent5">
+              <a:lumMod val="60000"/>
+              <a:lumOff val="40000"/>
+            </a:schemeClr>
+          </a:solidFill>
+          <a:ln>
+            <a:solidFill>
+              <a:schemeClr val="accent5">
+                <a:lumMod val="40000"/>
+                <a:lumOff val="60000"/>
+              </a:schemeClr>
+            </a:solidFill>
+          </a:ln>
+        </p:spPr>
+        <p:style>
+          <a:lnRef idx="2">
+            <a:schemeClr val="accent4">
+              <a:shade val="50000"/>
+            </a:schemeClr>
+          </a:lnRef>
+          <a:fillRef idx="1">
+            <a:schemeClr val="accent4"/>
+          </a:fillRef>
+          <a:effectRef idx="0">
+            <a:schemeClr val="accent4"/>
+          </a:effectRef>
+          <a:fontRef idx="minor">
+            <a:schemeClr val="lt1"/>
+          </a:fontRef>
+        </p:style>
+        <p:txBody>
+          <a:bodyPr rtlCol="0" anchor="ctr"/>
+          <a:lstStyle/>
+          <a:p>
+            <a:pPr algn="ctr"/>
+            <a:endParaRPr lang="en-US" dirty="0"/>
+          </a:p>
+        </p:txBody>
+      </p:sp>
+      <p:sp>
+        <p:nvSpPr>
+          <p:cNvPr id="17" name="Rectangle 16">
+            <a:extLst>
+              <a:ext uri="{FF2B5EF4-FFF2-40B4-BE49-F238E27FC236}">
+                <a16:creationId xmlns:a16="http://schemas.microsoft.com/office/drawing/2014/main" id="{D2F04F6A-9D96-4C47-8FC0-8C0FC8900A90}"/>
+              </a:ext>
+            </a:extLst>
+          </p:cNvPr>
+          <p:cNvSpPr/>
+          <p:nvPr/>
+        </p:nvSpPr>
+        <p:spPr>
+          <a:xfrm>
+            <a:off x="9030061" y="4654615"/>
+            <a:ext cx="786623" cy="131976"/>
+          </a:xfrm>
+          <a:prstGeom prst="rect">
+            <a:avLst/>
+          </a:prstGeom>
+          <a:solidFill>
+            <a:schemeClr val="accent5">
+              <a:lumMod val="60000"/>
+              <a:lumOff val="40000"/>
+            </a:schemeClr>
+          </a:solidFill>
+          <a:ln>
+            <a:solidFill>
+              <a:schemeClr val="accent5">
+                <a:lumMod val="40000"/>
+                <a:lumOff val="60000"/>
+              </a:schemeClr>
+            </a:solidFill>
+          </a:ln>
+        </p:spPr>
+        <p:style>
+          <a:lnRef idx="2">
+            <a:schemeClr val="accent4">
+              <a:shade val="50000"/>
+            </a:schemeClr>
+          </a:lnRef>
+          <a:fillRef idx="1">
+            <a:schemeClr val="accent4"/>
+          </a:fillRef>
+          <a:effectRef idx="0">
+            <a:schemeClr val="accent4"/>
+          </a:effectRef>
+          <a:fontRef idx="minor">
+            <a:schemeClr val="lt1"/>
+          </a:fontRef>
+        </p:style>
+        <p:txBody>
+          <a:bodyPr rtlCol="0" anchor="ctr"/>
+          <a:lstStyle/>
+          <a:p>
+            <a:pPr algn="ctr"/>
+            <a:endParaRPr lang="en-US" dirty="0"/>
+          </a:p>
+        </p:txBody>
+      </p:sp>
+      <p:sp>
+        <p:nvSpPr>
+          <p:cNvPr id="18" name="Rectangle 17">
+            <a:extLst>
+              <a:ext uri="{FF2B5EF4-FFF2-40B4-BE49-F238E27FC236}">
+                <a16:creationId xmlns:a16="http://schemas.microsoft.com/office/drawing/2014/main" id="{DFFD27AC-27B1-4A24-9F60-84C8CA3D6CDB}"/>
+              </a:ext>
+            </a:extLst>
+          </p:cNvPr>
+          <p:cNvSpPr/>
+          <p:nvPr/>
+        </p:nvSpPr>
+        <p:spPr>
+          <a:xfrm>
+            <a:off x="9030061" y="4827441"/>
+            <a:ext cx="786623" cy="131976"/>
+          </a:xfrm>
+          <a:prstGeom prst="rect">
+            <a:avLst/>
+          </a:prstGeom>
+          <a:solidFill>
+            <a:schemeClr val="accent5">
+              <a:lumMod val="60000"/>
+              <a:lumOff val="40000"/>
+            </a:schemeClr>
+          </a:solidFill>
+          <a:ln>
+            <a:solidFill>
+              <a:schemeClr val="accent5">
+                <a:lumMod val="40000"/>
+                <a:lumOff val="60000"/>
+              </a:schemeClr>
+            </a:solidFill>
+          </a:ln>
+        </p:spPr>
+        <p:style>
+          <a:lnRef idx="2">
+            <a:schemeClr val="accent4">
+              <a:shade val="50000"/>
+            </a:schemeClr>
+          </a:lnRef>
+          <a:fillRef idx="1">
+            <a:schemeClr val="accent4"/>
+          </a:fillRef>
+          <a:effectRef idx="0">
+            <a:schemeClr val="accent4"/>
+          </a:effectRef>
+          <a:fontRef idx="minor">
+            <a:schemeClr val="lt1"/>
+          </a:fontRef>
+        </p:style>
+        <p:txBody>
+          <a:bodyPr rtlCol="0" anchor="ctr"/>
+          <a:lstStyle/>
+          <a:p>
+            <a:pPr algn="ctr"/>
+            <a:endParaRPr lang="en-US" dirty="0"/>
+          </a:p>
+        </p:txBody>
+      </p:sp>
+      <p:sp>
+        <p:nvSpPr>
+          <p:cNvPr id="19" name="TextBox 18">
+            <a:extLst>
+              <a:ext uri="{FF2B5EF4-FFF2-40B4-BE49-F238E27FC236}">
+                <a16:creationId xmlns:a16="http://schemas.microsoft.com/office/drawing/2014/main" id="{F9A7140F-D0C9-45E2-85B1-1427786C52BC}"/>
+              </a:ext>
+            </a:extLst>
+          </p:cNvPr>
+          <p:cNvSpPr txBox="1"/>
+          <p:nvPr/>
+        </p:nvSpPr>
+        <p:spPr>
+          <a:xfrm>
+            <a:off x="8977699" y="3737389"/>
+            <a:ext cx="838985" cy="523220"/>
+          </a:xfrm>
+          <a:prstGeom prst="rect">
+            <a:avLst/>
+          </a:prstGeom>
+          <a:noFill/>
+        </p:spPr>
+        <p:txBody>
+          <a:bodyPr wrap="square" rtlCol="0">
+            <a:spAutoFit/>
+          </a:bodyPr>
+          <a:lstStyle/>
+          <a:p>
+            <a:pPr algn="ctr"/>
+            <a:r>
+              <a:rPr lang="en-US" sz="1200" dirty="0">
+                <a:solidFill>
+                  <a:schemeClr val="bg1"/>
+                </a:solidFill>
+              </a:rPr>
+              <a:t>Customer</a:t>
+            </a:r>
+            <a:r>
+              <a:rPr lang="en-US" sz="1400" dirty="0">
+                <a:solidFill>
+                  <a:schemeClr val="bg1"/>
+                </a:solidFill>
+              </a:rPr>
+              <a:t> module</a:t>
+            </a:r>
+          </a:p>
+        </p:txBody>
+      </p:sp>
+      <p:pic>
+        <p:nvPicPr>
+          <p:cNvPr id="20" name="Picture 2" descr="Free photo Computer Network Technology Icon Database - Max Pixel">
+            <a:extLst>
+              <a:ext uri="{FF2B5EF4-FFF2-40B4-BE49-F238E27FC236}">
+                <a16:creationId xmlns:a16="http://schemas.microsoft.com/office/drawing/2014/main" id="{38ECAC6E-8CA2-46AA-AD50-5A7D1C5D3FD3}"/>
+              </a:ext>
+            </a:extLst>
+          </p:cNvPr>
+          <p:cNvPicPr>
+            <a:picLocks noChangeAspect="1" noChangeArrowheads="1"/>
+          </p:cNvPicPr>
+          <p:nvPr/>
+        </p:nvPicPr>
+        <p:blipFill>
+          <a:blip r:embed="rId3">
+            <a:extLst>
+              <a:ext uri="{28A0092B-C50C-407E-A947-70E740481C1C}">
+                <a14:useLocalDpi xmlns:a14="http://schemas.microsoft.com/office/drawing/2010/main" val="0"/>
+              </a:ext>
+            </a:extLst>
+          </a:blip>
+          <a:srcRect/>
+          <a:stretch>
+            <a:fillRect/>
+          </a:stretch>
+        </p:blipFill>
+        <p:spPr bwMode="auto">
+          <a:xfrm>
+            <a:off x="9174955" y="2016353"/>
+            <a:ext cx="431128" cy="441435"/>
+          </a:xfrm>
+          <a:prstGeom prst="rect">
+            <a:avLst/>
+          </a:prstGeom>
+          <a:noFill/>
+          <a:extLst>
+            <a:ext uri="{909E8E84-426E-40DD-AFC4-6F175D3DCCD1}">
+              <a14:hiddenFill xmlns:a14="http://schemas.microsoft.com/office/drawing/2010/main">
+                <a:solidFill>
+                  <a:srgbClr val="FFFFFF"/>
+                </a:solidFill>
+              </a14:hiddenFill>
+            </a:ext>
+          </a:extLst>
+        </p:spPr>
+      </p:pic>
+      <p:cxnSp>
+        <p:nvCxnSpPr>
+          <p:cNvPr id="21" name="Straight Arrow Connector 20">
+            <a:extLst>
+              <a:ext uri="{FF2B5EF4-FFF2-40B4-BE49-F238E27FC236}">
+                <a16:creationId xmlns:a16="http://schemas.microsoft.com/office/drawing/2014/main" id="{CD199FA7-1659-4389-9FC6-E3BC8F78046A}"/>
+              </a:ext>
+            </a:extLst>
+          </p:cNvPr>
+          <p:cNvCxnSpPr>
+            <a:cxnSpLocks/>
+            <a:stCxn id="19" idx="0"/>
+            <a:endCxn id="20" idx="2"/>
+          </p:cNvCxnSpPr>
+          <p:nvPr/>
+        </p:nvCxnSpPr>
+        <p:spPr>
+          <a:xfrm flipH="1" flipV="1">
+            <a:off x="9390519" y="2457788"/>
+            <a:ext cx="6673" cy="1279601"/>
+          </a:xfrm>
+          <a:prstGeom prst="straightConnector1">
+            <a:avLst/>
+          </a:prstGeom>
+          <a:ln w="25400">
+            <a:solidFill>
+              <a:schemeClr val="tx1"/>
+            </a:solidFill>
+            <a:tailEnd type="triangle"/>
+          </a:ln>
+        </p:spPr>
+        <p:style>
+          <a:lnRef idx="1">
+            <a:schemeClr val="accent1"/>
+          </a:lnRef>
+          <a:fillRef idx="0">
+            <a:schemeClr val="accent1"/>
+          </a:fillRef>
+          <a:effectRef idx="0">
+            <a:schemeClr val="accent1"/>
+          </a:effectRef>
+          <a:fontRef idx="minor">
+            <a:schemeClr val="tx1"/>
+          </a:fontRef>
+        </p:style>
+      </p:cxnSp>
+      <p:pic>
+        <p:nvPicPr>
+          <p:cNvPr id="22" name="Picture 2" descr="Free photo Computer Network Technology Icon Database - Max Pixel">
+            <a:extLst>
+              <a:ext uri="{FF2B5EF4-FFF2-40B4-BE49-F238E27FC236}">
+                <a16:creationId xmlns:a16="http://schemas.microsoft.com/office/drawing/2014/main" id="{21140E73-43A2-4148-9926-FFBBF410F231}"/>
+              </a:ext>
+            </a:extLst>
+          </p:cNvPr>
+          <p:cNvPicPr>
+            <a:picLocks noChangeAspect="1" noChangeArrowheads="1"/>
+          </p:cNvPicPr>
+          <p:nvPr/>
+        </p:nvPicPr>
+        <p:blipFill>
+          <a:blip r:embed="rId3">
+            <a:extLst>
+              <a:ext uri="{28A0092B-C50C-407E-A947-70E740481C1C}">
+                <a14:useLocalDpi xmlns:a14="http://schemas.microsoft.com/office/drawing/2010/main" val="0"/>
+              </a:ext>
+            </a:extLst>
+          </a:blip>
+          <a:srcRect/>
+          <a:stretch>
+            <a:fillRect/>
+          </a:stretch>
+        </p:blipFill>
+        <p:spPr bwMode="auto">
+          <a:xfrm>
+            <a:off x="2752920" y="2014519"/>
+            <a:ext cx="431128" cy="441435"/>
+          </a:xfrm>
+          <a:prstGeom prst="rect">
+            <a:avLst/>
+          </a:prstGeom>
+          <a:noFill/>
+          <a:extLst>
+            <a:ext uri="{909E8E84-426E-40DD-AFC4-6F175D3DCCD1}">
+              <a14:hiddenFill xmlns:a14="http://schemas.microsoft.com/office/drawing/2010/main">
+                <a:solidFill>
+                  <a:srgbClr val="FFFFFF"/>
+                </a:solidFill>
+              </a14:hiddenFill>
+            </a:ext>
+          </a:extLst>
+        </p:spPr>
+      </p:pic>
+      <p:cxnSp>
+        <p:nvCxnSpPr>
+          <p:cNvPr id="23" name="Straight Arrow Connector 22">
+            <a:extLst>
+              <a:ext uri="{FF2B5EF4-FFF2-40B4-BE49-F238E27FC236}">
+                <a16:creationId xmlns:a16="http://schemas.microsoft.com/office/drawing/2014/main" id="{11BFB835-35B3-46F4-AAF3-FA6EB442173B}"/>
+              </a:ext>
+            </a:extLst>
+          </p:cNvPr>
+          <p:cNvCxnSpPr>
+            <a:cxnSpLocks/>
+            <a:stCxn id="13" idx="0"/>
+            <a:endCxn id="22" idx="2"/>
+          </p:cNvCxnSpPr>
+          <p:nvPr/>
+        </p:nvCxnSpPr>
+        <p:spPr>
+          <a:xfrm flipH="1" flipV="1">
+            <a:off x="2968484" y="2455954"/>
+            <a:ext cx="8437" cy="1281435"/>
+          </a:xfrm>
+          <a:prstGeom prst="straightConnector1">
+            <a:avLst/>
+          </a:prstGeom>
+          <a:ln w="25400">
+            <a:solidFill>
+              <a:schemeClr val="tx1"/>
+            </a:solidFill>
+            <a:tailEnd type="triangle"/>
+          </a:ln>
+        </p:spPr>
+        <p:style>
+          <a:lnRef idx="1">
+            <a:schemeClr val="accent1"/>
+          </a:lnRef>
+          <a:fillRef idx="0">
+            <a:schemeClr val="accent1"/>
+          </a:fillRef>
+          <a:effectRef idx="0">
+            <a:schemeClr val="accent1"/>
+          </a:effectRef>
+          <a:fontRef idx="minor">
+            <a:schemeClr val="tx1"/>
+          </a:fontRef>
+        </p:style>
+      </p:cxnSp>
+      <p:cxnSp>
+        <p:nvCxnSpPr>
+          <p:cNvPr id="24" name="Straight Arrow Connector 23">
+            <a:extLst>
+              <a:ext uri="{FF2B5EF4-FFF2-40B4-BE49-F238E27FC236}">
+                <a16:creationId xmlns:a16="http://schemas.microsoft.com/office/drawing/2014/main" id="{17C1F41B-CA9C-4D3D-936A-80914C6B7E31}"/>
+              </a:ext>
+            </a:extLst>
+          </p:cNvPr>
+          <p:cNvCxnSpPr>
+            <a:cxnSpLocks/>
+            <a:stCxn id="8" idx="3"/>
+            <a:endCxn id="14" idx="1"/>
+          </p:cNvCxnSpPr>
+          <p:nvPr/>
+        </p:nvCxnSpPr>
+        <p:spPr>
+          <a:xfrm>
+            <a:off x="3448775" y="4401734"/>
+            <a:ext cx="5505871" cy="0"/>
+          </a:xfrm>
+          <a:prstGeom prst="straightConnector1">
+            <a:avLst/>
+          </a:prstGeom>
+          <a:ln w="25400">
+            <a:solidFill>
+              <a:schemeClr val="tx1"/>
+            </a:solidFill>
+            <a:tailEnd type="triangle"/>
+          </a:ln>
+        </p:spPr>
+        <p:style>
+          <a:lnRef idx="1">
+            <a:schemeClr val="accent1"/>
+          </a:lnRef>
+          <a:fillRef idx="0">
+            <a:schemeClr val="accent1"/>
+          </a:fillRef>
+          <a:effectRef idx="0">
+            <a:schemeClr val="accent1"/>
+          </a:effectRef>
+          <a:fontRef idx="minor">
+            <a:schemeClr val="tx1"/>
+          </a:fontRef>
+        </p:style>
+      </p:cxnSp>
+      <p:sp>
+        <p:nvSpPr>
+          <p:cNvPr id="25" name="TextBox 24">
+            <a:extLst>
+              <a:ext uri="{FF2B5EF4-FFF2-40B4-BE49-F238E27FC236}">
+                <a16:creationId xmlns:a16="http://schemas.microsoft.com/office/drawing/2014/main" id="{E6BE4CDA-A55F-4C1D-91C4-70C346ED380C}"/>
+              </a:ext>
+            </a:extLst>
+          </p:cNvPr>
+          <p:cNvSpPr txBox="1"/>
+          <p:nvPr/>
+        </p:nvSpPr>
+        <p:spPr>
+          <a:xfrm>
+            <a:off x="4474058" y="4089213"/>
+            <a:ext cx="3731021" cy="338554"/>
+          </a:xfrm>
+          <a:prstGeom prst="rect">
+            <a:avLst/>
+          </a:prstGeom>
+          <a:noFill/>
+        </p:spPr>
+        <p:txBody>
+          <a:bodyPr wrap="none" rtlCol="0">
+            <a:spAutoFit/>
+          </a:bodyPr>
+          <a:lstStyle/>
+          <a:p>
+            <a:r>
+              <a:rPr lang="en-US" sz="1600" dirty="0"/>
+              <a:t>(3) Query customer (potentially use cache)</a:t>
+            </a:r>
+          </a:p>
+        </p:txBody>
+      </p:sp>
+      <p:cxnSp>
+        <p:nvCxnSpPr>
+          <p:cNvPr id="40" name="Connector: Elbow 39">
+            <a:extLst>
+              <a:ext uri="{FF2B5EF4-FFF2-40B4-BE49-F238E27FC236}">
+                <a16:creationId xmlns:a16="http://schemas.microsoft.com/office/drawing/2014/main" id="{2DDB0591-A1DC-4C30-8F8B-CC1609015365}"/>
+              </a:ext>
+            </a:extLst>
+          </p:cNvPr>
+          <p:cNvCxnSpPr>
+            <a:cxnSpLocks/>
+            <a:endCxn id="22" idx="3"/>
+          </p:cNvCxnSpPr>
+          <p:nvPr/>
+        </p:nvCxnSpPr>
+        <p:spPr>
+          <a:xfrm rot="16200000" flipV="1">
+            <a:off x="2528359" y="2890926"/>
+            <a:ext cx="1517072" cy="205693"/>
+          </a:xfrm>
+          <a:prstGeom prst="bentConnector2">
+            <a:avLst/>
+          </a:prstGeom>
+          <a:ln w="25400">
+            <a:solidFill>
+              <a:schemeClr val="tx1"/>
+            </a:solidFill>
+            <a:tailEnd type="triangle"/>
+          </a:ln>
+        </p:spPr>
+        <p:style>
+          <a:lnRef idx="1">
+            <a:schemeClr val="accent1"/>
+          </a:lnRef>
+          <a:fillRef idx="0">
+            <a:schemeClr val="accent1"/>
+          </a:fillRef>
+          <a:effectRef idx="0">
+            <a:schemeClr val="accent1"/>
+          </a:effectRef>
+          <a:fontRef idx="minor">
+            <a:schemeClr val="tx1"/>
+          </a:fontRef>
+        </p:style>
+      </p:cxnSp>
+      <p:cxnSp>
+        <p:nvCxnSpPr>
+          <p:cNvPr id="44" name="Connector: Elbow 43">
+            <a:extLst>
+              <a:ext uri="{FF2B5EF4-FFF2-40B4-BE49-F238E27FC236}">
+                <a16:creationId xmlns:a16="http://schemas.microsoft.com/office/drawing/2014/main" id="{D2B9B0CF-8702-4509-A086-5E7BF99A095F}"/>
+              </a:ext>
+            </a:extLst>
+          </p:cNvPr>
+          <p:cNvCxnSpPr>
+            <a:cxnSpLocks/>
+            <a:stCxn id="22" idx="1"/>
+          </p:cNvCxnSpPr>
+          <p:nvPr/>
+        </p:nvCxnSpPr>
+        <p:spPr>
+          <a:xfrm rot="10800000" flipV="1">
+            <a:off x="2603802" y="2235237"/>
+            <a:ext cx="149118" cy="1502152"/>
+          </a:xfrm>
+          <a:prstGeom prst="bentConnector2">
+            <a:avLst/>
+          </a:prstGeom>
+          <a:ln w="25400">
+            <a:solidFill>
+              <a:schemeClr val="tx1"/>
+            </a:solidFill>
+            <a:tailEnd type="triangle"/>
+          </a:ln>
+        </p:spPr>
+        <p:style>
+          <a:lnRef idx="1">
+            <a:schemeClr val="accent1"/>
+          </a:lnRef>
+          <a:fillRef idx="0">
+            <a:schemeClr val="accent1"/>
+          </a:fillRef>
+          <a:effectRef idx="0">
+            <a:schemeClr val="accent1"/>
+          </a:effectRef>
+          <a:fontRef idx="minor">
+            <a:schemeClr val="tx1"/>
+          </a:fontRef>
+        </p:style>
+      </p:cxnSp>
+      <p:cxnSp>
+        <p:nvCxnSpPr>
+          <p:cNvPr id="48" name="Connector: Elbow 47">
+            <a:extLst>
+              <a:ext uri="{FF2B5EF4-FFF2-40B4-BE49-F238E27FC236}">
+                <a16:creationId xmlns:a16="http://schemas.microsoft.com/office/drawing/2014/main" id="{FAC3C921-EDB1-44CA-9E0C-959962F8BE5C}"/>
+              </a:ext>
+            </a:extLst>
+          </p:cNvPr>
+          <p:cNvCxnSpPr>
+            <a:cxnSpLocks/>
+            <a:stCxn id="8" idx="3"/>
+            <a:endCxn id="22" idx="0"/>
+          </p:cNvCxnSpPr>
+          <p:nvPr/>
+        </p:nvCxnSpPr>
+        <p:spPr>
+          <a:xfrm flipH="1" flipV="1">
+            <a:off x="2968484" y="2014519"/>
+            <a:ext cx="480291" cy="2387215"/>
+          </a:xfrm>
+          <a:prstGeom prst="bentConnector4">
+            <a:avLst>
+              <a:gd name="adj1" fmla="val -47596"/>
+              <a:gd name="adj2" fmla="val 109576"/>
+            </a:avLst>
+          </a:prstGeom>
+          <a:ln w="25400">
+            <a:solidFill>
+              <a:schemeClr val="tx1"/>
+            </a:solidFill>
+            <a:tailEnd type="triangle"/>
+          </a:ln>
+        </p:spPr>
+        <p:style>
+          <a:lnRef idx="1">
+            <a:schemeClr val="accent1"/>
+          </a:lnRef>
+          <a:fillRef idx="0">
+            <a:schemeClr val="accent1"/>
+          </a:fillRef>
+          <a:effectRef idx="0">
+            <a:schemeClr val="accent1"/>
+          </a:effectRef>
+          <a:fontRef idx="minor">
+            <a:schemeClr val="tx1"/>
+          </a:fontRef>
+        </p:style>
+      </p:cxnSp>
+      <p:sp>
+        <p:nvSpPr>
+          <p:cNvPr id="52" name="Rectangle 51">
+            <a:extLst>
+              <a:ext uri="{FF2B5EF4-FFF2-40B4-BE49-F238E27FC236}">
+                <a16:creationId xmlns:a16="http://schemas.microsoft.com/office/drawing/2014/main" id="{656E409E-00DA-479E-B826-C3BDFE7B6356}"/>
+              </a:ext>
+            </a:extLst>
+          </p:cNvPr>
+          <p:cNvSpPr/>
+          <p:nvPr/>
+        </p:nvSpPr>
+        <p:spPr>
+          <a:xfrm>
+            <a:off x="5043430" y="4705700"/>
+            <a:ext cx="2316561" cy="338554"/>
+          </a:xfrm>
+          <a:prstGeom prst="rect">
+            <a:avLst/>
+          </a:prstGeom>
+        </p:spPr>
+        <p:style>
+          <a:lnRef idx="2">
+            <a:schemeClr val="accent4">
+              <a:shade val="50000"/>
+            </a:schemeClr>
+          </a:lnRef>
+          <a:fillRef idx="1">
+            <a:schemeClr val="accent4"/>
+          </a:fillRef>
+          <a:effectRef idx="0">
+            <a:schemeClr val="accent4"/>
+          </a:effectRef>
+          <a:fontRef idx="minor">
+            <a:schemeClr val="lt1"/>
+          </a:fontRef>
+        </p:style>
+        <p:txBody>
+          <a:bodyPr rtlCol="0" anchor="ctr"/>
+          <a:lstStyle/>
+          <a:p>
+            <a:pPr algn="ctr"/>
+            <a:r>
+              <a:rPr lang="en-US" dirty="0">
+                <a:solidFill>
+                  <a:schemeClr val="tx1"/>
+                </a:solidFill>
+              </a:rPr>
+              <a:t>Distributed Event Bus</a:t>
+            </a:r>
+          </a:p>
+        </p:txBody>
+      </p:sp>
+      <p:cxnSp>
+        <p:nvCxnSpPr>
+          <p:cNvPr id="54" name="Straight Arrow Connector 53">
+            <a:extLst>
+              <a:ext uri="{FF2B5EF4-FFF2-40B4-BE49-F238E27FC236}">
+                <a16:creationId xmlns:a16="http://schemas.microsoft.com/office/drawing/2014/main" id="{C9CCFF6E-5810-42A9-B250-83066FDCAB46}"/>
+              </a:ext>
+            </a:extLst>
+          </p:cNvPr>
+          <p:cNvCxnSpPr>
+            <a:cxnSpLocks/>
+            <a:endCxn id="52" idx="3"/>
+          </p:cNvCxnSpPr>
+          <p:nvPr/>
+        </p:nvCxnSpPr>
+        <p:spPr>
+          <a:xfrm flipH="1">
+            <a:off x="7359991" y="4874977"/>
+            <a:ext cx="1594655" cy="0"/>
+          </a:xfrm>
+          <a:prstGeom prst="straightConnector1">
+            <a:avLst/>
+          </a:prstGeom>
+          <a:ln w="25400">
+            <a:solidFill>
+              <a:schemeClr val="tx1"/>
+            </a:solidFill>
+            <a:tailEnd type="triangle"/>
+          </a:ln>
+        </p:spPr>
+        <p:style>
+          <a:lnRef idx="1">
+            <a:schemeClr val="accent1"/>
+          </a:lnRef>
+          <a:fillRef idx="0">
+            <a:schemeClr val="accent1"/>
+          </a:fillRef>
+          <a:effectRef idx="0">
+            <a:schemeClr val="accent1"/>
+          </a:effectRef>
+          <a:fontRef idx="minor">
+            <a:schemeClr val="tx1"/>
+          </a:fontRef>
+        </p:style>
+      </p:cxnSp>
+      <p:cxnSp>
+        <p:nvCxnSpPr>
+          <p:cNvPr id="56" name="Straight Arrow Connector 55">
+            <a:extLst>
+              <a:ext uri="{FF2B5EF4-FFF2-40B4-BE49-F238E27FC236}">
+                <a16:creationId xmlns:a16="http://schemas.microsoft.com/office/drawing/2014/main" id="{A316B05F-03FC-4858-870F-E595420307B7}"/>
+              </a:ext>
+            </a:extLst>
+          </p:cNvPr>
+          <p:cNvCxnSpPr>
+            <a:cxnSpLocks/>
+          </p:cNvCxnSpPr>
+          <p:nvPr/>
+        </p:nvCxnSpPr>
+        <p:spPr>
+          <a:xfrm flipH="1">
+            <a:off x="3448775" y="4881759"/>
+            <a:ext cx="1594655" cy="0"/>
+          </a:xfrm>
+          <a:prstGeom prst="straightConnector1">
+            <a:avLst/>
+          </a:prstGeom>
+          <a:ln w="25400">
+            <a:solidFill>
+              <a:schemeClr val="tx1"/>
+            </a:solidFill>
+            <a:tailEnd type="triangle"/>
+          </a:ln>
+        </p:spPr>
+        <p:style>
+          <a:lnRef idx="1">
+            <a:schemeClr val="accent1"/>
+          </a:lnRef>
+          <a:fillRef idx="0">
+            <a:schemeClr val="accent1"/>
+          </a:fillRef>
+          <a:effectRef idx="0">
+            <a:schemeClr val="accent1"/>
+          </a:effectRef>
+          <a:fontRef idx="minor">
+            <a:schemeClr val="tx1"/>
+          </a:fontRef>
+        </p:style>
+      </p:cxnSp>
+      <p:pic>
+        <p:nvPicPr>
+          <p:cNvPr id="58" name="Picture 57" descr="Logo&#10;&#10;Description automatically generated">
+            <a:extLst>
+              <a:ext uri="{FF2B5EF4-FFF2-40B4-BE49-F238E27FC236}">
+                <a16:creationId xmlns:a16="http://schemas.microsoft.com/office/drawing/2014/main" id="{35E6B881-6721-43FF-916A-1E43684B272F}"/>
+              </a:ext>
+            </a:extLst>
+          </p:cNvPr>
+          <p:cNvPicPr>
+            <a:picLocks noChangeAspect="1"/>
+          </p:cNvPicPr>
+          <p:nvPr/>
+        </p:nvPicPr>
+        <p:blipFill>
+          <a:blip r:embed="rId4">
+            <a:extLst>
+              <a:ext uri="{28A0092B-C50C-407E-A947-70E740481C1C}">
+                <a14:useLocalDpi xmlns:a14="http://schemas.microsoft.com/office/drawing/2010/main" val="0"/>
+              </a:ext>
+            </a:extLst>
+          </a:blip>
+          <a:stretch>
+            <a:fillRect/>
+          </a:stretch>
+        </p:blipFill>
+        <p:spPr>
+          <a:xfrm>
+            <a:off x="5191632" y="6024481"/>
+            <a:ext cx="2020156" cy="317228"/>
+          </a:xfrm>
+          <a:prstGeom prst="rect">
+            <a:avLst/>
+          </a:prstGeom>
+        </p:spPr>
+      </p:pic>
+      <p:cxnSp>
+        <p:nvCxnSpPr>
+          <p:cNvPr id="67" name="Straight Arrow Connector 66">
+            <a:extLst>
+              <a:ext uri="{FF2B5EF4-FFF2-40B4-BE49-F238E27FC236}">
+                <a16:creationId xmlns:a16="http://schemas.microsoft.com/office/drawing/2014/main" id="{80A1E5B5-4B0D-4F92-AC4F-A4272710C431}"/>
+              </a:ext>
+            </a:extLst>
+          </p:cNvPr>
+          <p:cNvCxnSpPr>
+            <a:stCxn id="52" idx="2"/>
+            <a:endCxn id="58" idx="0"/>
+          </p:cNvCxnSpPr>
+          <p:nvPr/>
+        </p:nvCxnSpPr>
+        <p:spPr>
+          <a:xfrm flipH="1">
+            <a:off x="6201710" y="5044254"/>
+            <a:ext cx="1" cy="980227"/>
+          </a:xfrm>
+          <a:prstGeom prst="straightConnector1">
+            <a:avLst/>
+          </a:prstGeom>
+          <a:ln w="38100">
+            <a:solidFill>
+              <a:srgbClr val="FF0000"/>
+            </a:solidFill>
+            <a:prstDash val="sysDash"/>
+            <a:tailEnd type="triangle"/>
+          </a:ln>
+        </p:spPr>
+        <p:style>
+          <a:lnRef idx="1">
+            <a:schemeClr val="accent1"/>
+          </a:lnRef>
+          <a:fillRef idx="0">
+            <a:schemeClr val="accent1"/>
+          </a:fillRef>
+          <a:effectRef idx="0">
+            <a:schemeClr val="accent1"/>
+          </a:effectRef>
+          <a:fontRef idx="minor">
+            <a:schemeClr val="tx1"/>
+          </a:fontRef>
+        </p:style>
+      </p:cxnSp>
+      <p:sp>
+        <p:nvSpPr>
+          <p:cNvPr id="68" name="TextBox 67">
+            <a:extLst>
+              <a:ext uri="{FF2B5EF4-FFF2-40B4-BE49-F238E27FC236}">
+                <a16:creationId xmlns:a16="http://schemas.microsoft.com/office/drawing/2014/main" id="{BC7F755E-CC01-47F3-BBB3-D1EF20111B92}"/>
+              </a:ext>
+            </a:extLst>
+          </p:cNvPr>
+          <p:cNvSpPr txBox="1"/>
+          <p:nvPr/>
+        </p:nvSpPr>
+        <p:spPr>
+          <a:xfrm>
+            <a:off x="4135896" y="1918185"/>
+            <a:ext cx="2466444" cy="369332"/>
+          </a:xfrm>
+          <a:prstGeom prst="rect">
+            <a:avLst/>
+          </a:prstGeom>
+          <a:noFill/>
+        </p:spPr>
+        <p:txBody>
+          <a:bodyPr wrap="none" rtlCol="0">
+            <a:spAutoFit/>
+          </a:bodyPr>
+          <a:lstStyle/>
+          <a:p>
+            <a:r>
+              <a:rPr lang="en-US" dirty="0"/>
+              <a:t>(1) Query local database</a:t>
+            </a:r>
+          </a:p>
+        </p:txBody>
+      </p:sp>
+      <p:sp>
+        <p:nvSpPr>
+          <p:cNvPr id="69" name="TextBox 68">
+            <a:extLst>
+              <a:ext uri="{FF2B5EF4-FFF2-40B4-BE49-F238E27FC236}">
+                <a16:creationId xmlns:a16="http://schemas.microsoft.com/office/drawing/2014/main" id="{46776521-3476-4868-8154-DEE00B1B6094}"/>
+              </a:ext>
+            </a:extLst>
+          </p:cNvPr>
+          <p:cNvSpPr txBox="1"/>
+          <p:nvPr/>
+        </p:nvSpPr>
+        <p:spPr>
+          <a:xfrm>
+            <a:off x="4135896" y="2259865"/>
+            <a:ext cx="1803251" cy="369332"/>
+          </a:xfrm>
+          <a:prstGeom prst="rect">
+            <a:avLst/>
+          </a:prstGeom>
+          <a:noFill/>
+        </p:spPr>
+        <p:txBody>
+          <a:bodyPr wrap="none" rtlCol="0">
+            <a:spAutoFit/>
+          </a:bodyPr>
+          <a:lstStyle/>
+          <a:p>
+            <a:r>
+              <a:rPr lang="en-US" dirty="0"/>
+              <a:t>(2) Use local data</a:t>
+            </a:r>
+          </a:p>
+        </p:txBody>
+      </p:sp>
+      <p:sp>
+        <p:nvSpPr>
+          <p:cNvPr id="70" name="TextBox 69">
+            <a:extLst>
+              <a:ext uri="{FF2B5EF4-FFF2-40B4-BE49-F238E27FC236}">
+                <a16:creationId xmlns:a16="http://schemas.microsoft.com/office/drawing/2014/main" id="{95207157-EC2B-4FBB-BDD9-7B38AE56AFB2}"/>
+              </a:ext>
+            </a:extLst>
+          </p:cNvPr>
+          <p:cNvSpPr txBox="1"/>
+          <p:nvPr/>
+        </p:nvSpPr>
+        <p:spPr>
+          <a:xfrm>
+            <a:off x="4135896" y="2601545"/>
+            <a:ext cx="2140073" cy="369332"/>
+          </a:xfrm>
+          <a:prstGeom prst="rect">
+            <a:avLst/>
+          </a:prstGeom>
+          <a:noFill/>
+        </p:spPr>
+        <p:txBody>
+          <a:bodyPr wrap="none" rtlCol="0">
+            <a:spAutoFit/>
+          </a:bodyPr>
+          <a:lstStyle/>
+          <a:p>
+            <a:r>
+              <a:rPr lang="en-US" dirty="0"/>
+              <a:t>(4) Update local data</a:t>
+            </a:r>
+          </a:p>
+        </p:txBody>
+      </p:sp>
+      <p:sp>
+        <p:nvSpPr>
+          <p:cNvPr id="71" name="TextBox 70">
+            <a:extLst>
+              <a:ext uri="{FF2B5EF4-FFF2-40B4-BE49-F238E27FC236}">
+                <a16:creationId xmlns:a16="http://schemas.microsoft.com/office/drawing/2014/main" id="{182898E5-0927-4D5A-91A6-A819EA9B9129}"/>
+              </a:ext>
+            </a:extLst>
+          </p:cNvPr>
+          <p:cNvSpPr txBox="1"/>
+          <p:nvPr/>
+        </p:nvSpPr>
+        <p:spPr>
+          <a:xfrm>
+            <a:off x="7359594" y="4870293"/>
+            <a:ext cx="1595052" cy="338554"/>
+          </a:xfrm>
+          <a:prstGeom prst="rect">
+            <a:avLst/>
+          </a:prstGeom>
+          <a:noFill/>
+        </p:spPr>
+        <p:txBody>
+          <a:bodyPr wrap="none" rtlCol="0">
+            <a:spAutoFit/>
+          </a:bodyPr>
+          <a:lstStyle/>
+          <a:p>
+            <a:r>
+              <a:rPr lang="en-US" sz="1600" dirty="0"/>
+              <a:t>(5) Change event</a:t>
+            </a:r>
+          </a:p>
+        </p:txBody>
+      </p:sp>
+      <p:sp>
+        <p:nvSpPr>
+          <p:cNvPr id="72" name="TextBox 71">
+            <a:extLst>
+              <a:ext uri="{FF2B5EF4-FFF2-40B4-BE49-F238E27FC236}">
+                <a16:creationId xmlns:a16="http://schemas.microsoft.com/office/drawing/2014/main" id="{A94B9ED5-A943-4448-A026-F6B5B98A81E3}"/>
+              </a:ext>
+            </a:extLst>
+          </p:cNvPr>
+          <p:cNvSpPr txBox="1"/>
+          <p:nvPr/>
+        </p:nvSpPr>
+        <p:spPr>
+          <a:xfrm>
+            <a:off x="3501137" y="4850834"/>
+            <a:ext cx="1595052" cy="338554"/>
+          </a:xfrm>
+          <a:prstGeom prst="rect">
+            <a:avLst/>
+          </a:prstGeom>
+          <a:noFill/>
+        </p:spPr>
+        <p:txBody>
+          <a:bodyPr wrap="none" rtlCol="0">
+            <a:spAutoFit/>
+          </a:bodyPr>
+          <a:lstStyle/>
+          <a:p>
+            <a:r>
+              <a:rPr lang="en-US" sz="1600" dirty="0"/>
+              <a:t>(6) Change event</a:t>
+            </a:r>
+          </a:p>
+        </p:txBody>
+      </p:sp>
+      <p:cxnSp>
+        <p:nvCxnSpPr>
+          <p:cNvPr id="74" name="Connector: Elbow 73">
+            <a:extLst>
+              <a:ext uri="{FF2B5EF4-FFF2-40B4-BE49-F238E27FC236}">
+                <a16:creationId xmlns:a16="http://schemas.microsoft.com/office/drawing/2014/main" id="{21665E7A-5AB8-442A-A9A8-52446C422959}"/>
+              </a:ext>
+            </a:extLst>
+          </p:cNvPr>
+          <p:cNvCxnSpPr>
+            <a:cxnSpLocks/>
+          </p:cNvCxnSpPr>
+          <p:nvPr/>
+        </p:nvCxnSpPr>
+        <p:spPr>
+          <a:xfrm rot="10800000" flipH="1">
+            <a:off x="2534374" y="2148613"/>
+            <a:ext cx="218545" cy="2166497"/>
+          </a:xfrm>
+          <a:prstGeom prst="bentConnector3">
+            <a:avLst>
+              <a:gd name="adj1" fmla="val -139835"/>
+            </a:avLst>
+          </a:prstGeom>
+          <a:ln w="25400">
+            <a:solidFill>
+              <a:schemeClr val="tx1"/>
+            </a:solidFill>
+            <a:tailEnd type="triangle"/>
+          </a:ln>
+        </p:spPr>
+        <p:style>
+          <a:lnRef idx="1">
+            <a:schemeClr val="accent1"/>
+          </a:lnRef>
+          <a:fillRef idx="0">
+            <a:schemeClr val="accent1"/>
+          </a:fillRef>
+          <a:effectRef idx="0">
+            <a:schemeClr val="accent1"/>
+          </a:effectRef>
+          <a:fontRef idx="minor">
+            <a:schemeClr val="tx1"/>
+          </a:fontRef>
+        </p:style>
+      </p:cxnSp>
+      <p:sp>
+        <p:nvSpPr>
+          <p:cNvPr id="83" name="TextBox 82">
+            <a:extLst>
+              <a:ext uri="{FF2B5EF4-FFF2-40B4-BE49-F238E27FC236}">
+                <a16:creationId xmlns:a16="http://schemas.microsoft.com/office/drawing/2014/main" id="{D0D04829-6AD1-4778-8F59-AB23B37A7322}"/>
+              </a:ext>
+            </a:extLst>
+          </p:cNvPr>
+          <p:cNvSpPr txBox="1"/>
+          <p:nvPr/>
+        </p:nvSpPr>
+        <p:spPr>
+          <a:xfrm>
+            <a:off x="4135896" y="2948423"/>
+            <a:ext cx="2140073" cy="369332"/>
+          </a:xfrm>
+          <a:prstGeom prst="rect">
+            <a:avLst/>
+          </a:prstGeom>
+          <a:noFill/>
+        </p:spPr>
+        <p:txBody>
+          <a:bodyPr wrap="none" rtlCol="0">
+            <a:spAutoFit/>
+          </a:bodyPr>
+          <a:lstStyle/>
+          <a:p>
+            <a:r>
+              <a:rPr lang="en-US" dirty="0"/>
+              <a:t>(7) Update local data</a:t>
+            </a:r>
+          </a:p>
+        </p:txBody>
+      </p:sp>
+      <p:sp>
+        <p:nvSpPr>
+          <p:cNvPr id="37" name="TextBox 36">
+            <a:extLst>
+              <a:ext uri="{FF2B5EF4-FFF2-40B4-BE49-F238E27FC236}">
+                <a16:creationId xmlns:a16="http://schemas.microsoft.com/office/drawing/2014/main" id="{4C6BED99-9C0F-4599-99E9-64D8616FC712}"/>
+              </a:ext>
+            </a:extLst>
+          </p:cNvPr>
+          <p:cNvSpPr txBox="1"/>
+          <p:nvPr/>
+        </p:nvSpPr>
+        <p:spPr>
+          <a:xfrm>
+            <a:off x="3321796" y="2806978"/>
+            <a:ext cx="492365" cy="276999"/>
+          </a:xfrm>
+          <a:prstGeom prst="rect">
+            <a:avLst/>
+          </a:prstGeom>
+          <a:noFill/>
+        </p:spPr>
+        <p:txBody>
+          <a:bodyPr wrap="square" rtlCol="0">
+            <a:spAutoFit/>
+          </a:bodyPr>
+          <a:lstStyle/>
+          <a:p>
+            <a:r>
+              <a:rPr lang="en-US" sz="1200" dirty="0"/>
+              <a:t>(1)</a:t>
+            </a:r>
+          </a:p>
+        </p:txBody>
+      </p:sp>
+      <p:sp>
+        <p:nvSpPr>
+          <p:cNvPr id="39" name="TextBox 38">
+            <a:extLst>
+              <a:ext uri="{FF2B5EF4-FFF2-40B4-BE49-F238E27FC236}">
+                <a16:creationId xmlns:a16="http://schemas.microsoft.com/office/drawing/2014/main" id="{2D1DEF71-B4FE-421A-930C-A87F6F87DCF7}"/>
+              </a:ext>
+            </a:extLst>
+          </p:cNvPr>
+          <p:cNvSpPr txBox="1"/>
+          <p:nvPr/>
+        </p:nvSpPr>
+        <p:spPr>
+          <a:xfrm>
+            <a:off x="2301617" y="2815213"/>
+            <a:ext cx="492365" cy="276999"/>
+          </a:xfrm>
+          <a:prstGeom prst="rect">
+            <a:avLst/>
+          </a:prstGeom>
+          <a:noFill/>
+        </p:spPr>
+        <p:txBody>
+          <a:bodyPr wrap="square" rtlCol="0">
+            <a:spAutoFit/>
+          </a:bodyPr>
+          <a:lstStyle/>
+          <a:p>
+            <a:r>
+              <a:rPr lang="en-US" sz="1200" dirty="0"/>
+              <a:t>(2)</a:t>
+            </a:r>
+          </a:p>
+        </p:txBody>
+      </p:sp>
+      <p:sp>
+        <p:nvSpPr>
+          <p:cNvPr id="41" name="TextBox 40">
+            <a:extLst>
+              <a:ext uri="{FF2B5EF4-FFF2-40B4-BE49-F238E27FC236}">
+                <a16:creationId xmlns:a16="http://schemas.microsoft.com/office/drawing/2014/main" id="{50826E01-FA8C-4E53-97AE-D50B6194D59A}"/>
+              </a:ext>
+            </a:extLst>
+          </p:cNvPr>
+          <p:cNvSpPr txBox="1"/>
+          <p:nvPr/>
+        </p:nvSpPr>
+        <p:spPr>
+          <a:xfrm>
+            <a:off x="3202592" y="1515201"/>
+            <a:ext cx="492365" cy="276999"/>
+          </a:xfrm>
+          <a:prstGeom prst="rect">
+            <a:avLst/>
+          </a:prstGeom>
+          <a:noFill/>
+        </p:spPr>
+        <p:txBody>
+          <a:bodyPr wrap="square" rtlCol="0">
+            <a:spAutoFit/>
+          </a:bodyPr>
+          <a:lstStyle/>
+          <a:p>
+            <a:r>
+              <a:rPr lang="en-US" sz="1200" dirty="0"/>
+              <a:t>(4)</a:t>
+            </a:r>
+          </a:p>
+        </p:txBody>
+      </p:sp>
+      <p:sp>
+        <p:nvSpPr>
+          <p:cNvPr id="42" name="TextBox 41">
+            <a:extLst>
+              <a:ext uri="{FF2B5EF4-FFF2-40B4-BE49-F238E27FC236}">
+                <a16:creationId xmlns:a16="http://schemas.microsoft.com/office/drawing/2014/main" id="{6F468536-F08E-416A-AD14-2977B7EA1816}"/>
+              </a:ext>
+            </a:extLst>
+          </p:cNvPr>
+          <p:cNvSpPr txBox="1"/>
+          <p:nvPr/>
+        </p:nvSpPr>
+        <p:spPr>
+          <a:xfrm>
+            <a:off x="1935435" y="2821408"/>
+            <a:ext cx="492365" cy="276999"/>
+          </a:xfrm>
+          <a:prstGeom prst="rect">
+            <a:avLst/>
+          </a:prstGeom>
+          <a:noFill/>
+        </p:spPr>
+        <p:txBody>
+          <a:bodyPr wrap="square" rtlCol="0">
+            <a:spAutoFit/>
+          </a:bodyPr>
+          <a:lstStyle/>
+          <a:p>
+            <a:r>
+              <a:rPr lang="en-US" sz="1200" dirty="0"/>
+              <a:t>(7)</a:t>
+            </a:r>
           </a:p>
         </p:txBody>
       </p:sp>
@@ -37834,6 +39533,929 @@
   <p:clrMapOvr>
     <a:masterClrMapping/>
   </p:clrMapOvr>
+  <p:timing>
+    <p:tnLst>
+      <p:par>
+        <p:cTn id="1" dur="indefinite" restart="never" nodeType="tmRoot">
+          <p:childTnLst>
+            <p:seq concurrent="1" nextAc="seek">
+              <p:cTn id="2" dur="indefinite" nodeType="mainSeq">
+                <p:childTnLst>
+                  <p:par>
+                    <p:cTn id="3" fill="hold">
+                      <p:stCondLst>
+                        <p:cond delay="indefinite"/>
+                      </p:stCondLst>
+                      <p:childTnLst>
+                        <p:par>
+                          <p:cTn id="4" fill="hold">
+                            <p:stCondLst>
+                              <p:cond delay="0"/>
+                            </p:stCondLst>
+                            <p:childTnLst>
+                              <p:par>
+                                <p:cTn id="5" presetID="10" presetClass="entr" presetSubtype="0" fill="hold" grpId="0" nodeType="clickEffect">
+                                  <p:stCondLst>
+                                    <p:cond delay="0"/>
+                                  </p:stCondLst>
+                                  <p:childTnLst>
+                                    <p:set>
+                                      <p:cBhvr>
+                                        <p:cTn id="6" dur="1" fill="hold">
+                                          <p:stCondLst>
+                                            <p:cond delay="0"/>
+                                          </p:stCondLst>
+                                        </p:cTn>
+                                        <p:tgtEl>
+                                          <p:spTgt spid="68"/>
+                                        </p:tgtEl>
+                                        <p:attrNameLst>
+                                          <p:attrName>style.visibility</p:attrName>
+                                        </p:attrNameLst>
+                                      </p:cBhvr>
+                                      <p:to>
+                                        <p:strVal val="visible"/>
+                                      </p:to>
+                                    </p:set>
+                                    <p:animEffect transition="in" filter="fade">
+                                      <p:cBhvr>
+                                        <p:cTn id="7" dur="500"/>
+                                        <p:tgtEl>
+                                          <p:spTgt spid="68"/>
+                                        </p:tgtEl>
+                                      </p:cBhvr>
+                                    </p:animEffect>
+                                  </p:childTnLst>
+                                </p:cTn>
+                              </p:par>
+                              <p:par>
+                                <p:cTn id="8" presetID="10" presetClass="entr" presetSubtype="0" fill="hold" nodeType="withEffect">
+                                  <p:stCondLst>
+                                    <p:cond delay="0"/>
+                                  </p:stCondLst>
+                                  <p:childTnLst>
+                                    <p:set>
+                                      <p:cBhvr>
+                                        <p:cTn id="9" dur="1" fill="hold">
+                                          <p:stCondLst>
+                                            <p:cond delay="0"/>
+                                          </p:stCondLst>
+                                        </p:cTn>
+                                        <p:tgtEl>
+                                          <p:spTgt spid="40"/>
+                                        </p:tgtEl>
+                                        <p:attrNameLst>
+                                          <p:attrName>style.visibility</p:attrName>
+                                        </p:attrNameLst>
+                                      </p:cBhvr>
+                                      <p:to>
+                                        <p:strVal val="visible"/>
+                                      </p:to>
+                                    </p:set>
+                                    <p:animEffect transition="in" filter="fade">
+                                      <p:cBhvr>
+                                        <p:cTn id="10" dur="500"/>
+                                        <p:tgtEl>
+                                          <p:spTgt spid="40"/>
+                                        </p:tgtEl>
+                                      </p:cBhvr>
+                                    </p:animEffect>
+                                  </p:childTnLst>
+                                </p:cTn>
+                              </p:par>
+                              <p:par>
+                                <p:cTn id="11" presetID="10" presetClass="entr" presetSubtype="0" fill="hold" grpId="0" nodeType="withEffect">
+                                  <p:stCondLst>
+                                    <p:cond delay="0"/>
+                                  </p:stCondLst>
+                                  <p:childTnLst>
+                                    <p:set>
+                                      <p:cBhvr>
+                                        <p:cTn id="12" dur="1" fill="hold">
+                                          <p:stCondLst>
+                                            <p:cond delay="0"/>
+                                          </p:stCondLst>
+                                        </p:cTn>
+                                        <p:tgtEl>
+                                          <p:spTgt spid="37"/>
+                                        </p:tgtEl>
+                                        <p:attrNameLst>
+                                          <p:attrName>style.visibility</p:attrName>
+                                        </p:attrNameLst>
+                                      </p:cBhvr>
+                                      <p:to>
+                                        <p:strVal val="visible"/>
+                                      </p:to>
+                                    </p:set>
+                                    <p:animEffect transition="in" filter="fade">
+                                      <p:cBhvr>
+                                        <p:cTn id="13" dur="500"/>
+                                        <p:tgtEl>
+                                          <p:spTgt spid="37"/>
+                                        </p:tgtEl>
+                                      </p:cBhvr>
+                                    </p:animEffect>
+                                  </p:childTnLst>
+                                </p:cTn>
+                              </p:par>
+                            </p:childTnLst>
+                          </p:cTn>
+                        </p:par>
+                      </p:childTnLst>
+                    </p:cTn>
+                  </p:par>
+                  <p:par>
+                    <p:cTn id="14" fill="hold">
+                      <p:stCondLst>
+                        <p:cond delay="indefinite"/>
+                      </p:stCondLst>
+                      <p:childTnLst>
+                        <p:par>
+                          <p:cTn id="15" fill="hold">
+                            <p:stCondLst>
+                              <p:cond delay="0"/>
+                            </p:stCondLst>
+                            <p:childTnLst>
+                              <p:par>
+                                <p:cTn id="16" presetID="10" presetClass="entr" presetSubtype="0" fill="hold" grpId="0" nodeType="clickEffect">
+                                  <p:stCondLst>
+                                    <p:cond delay="0"/>
+                                  </p:stCondLst>
+                                  <p:childTnLst>
+                                    <p:set>
+                                      <p:cBhvr>
+                                        <p:cTn id="17" dur="1" fill="hold">
+                                          <p:stCondLst>
+                                            <p:cond delay="0"/>
+                                          </p:stCondLst>
+                                        </p:cTn>
+                                        <p:tgtEl>
+                                          <p:spTgt spid="69"/>
+                                        </p:tgtEl>
+                                        <p:attrNameLst>
+                                          <p:attrName>style.visibility</p:attrName>
+                                        </p:attrNameLst>
+                                      </p:cBhvr>
+                                      <p:to>
+                                        <p:strVal val="visible"/>
+                                      </p:to>
+                                    </p:set>
+                                    <p:animEffect transition="in" filter="fade">
+                                      <p:cBhvr>
+                                        <p:cTn id="18" dur="500"/>
+                                        <p:tgtEl>
+                                          <p:spTgt spid="69"/>
+                                        </p:tgtEl>
+                                      </p:cBhvr>
+                                    </p:animEffect>
+                                  </p:childTnLst>
+                                </p:cTn>
+                              </p:par>
+                              <p:par>
+                                <p:cTn id="19" presetID="10" presetClass="entr" presetSubtype="0" fill="hold" nodeType="withEffect">
+                                  <p:stCondLst>
+                                    <p:cond delay="0"/>
+                                  </p:stCondLst>
+                                  <p:childTnLst>
+                                    <p:set>
+                                      <p:cBhvr>
+                                        <p:cTn id="20" dur="1" fill="hold">
+                                          <p:stCondLst>
+                                            <p:cond delay="0"/>
+                                          </p:stCondLst>
+                                        </p:cTn>
+                                        <p:tgtEl>
+                                          <p:spTgt spid="44"/>
+                                        </p:tgtEl>
+                                        <p:attrNameLst>
+                                          <p:attrName>style.visibility</p:attrName>
+                                        </p:attrNameLst>
+                                      </p:cBhvr>
+                                      <p:to>
+                                        <p:strVal val="visible"/>
+                                      </p:to>
+                                    </p:set>
+                                    <p:animEffect transition="in" filter="fade">
+                                      <p:cBhvr>
+                                        <p:cTn id="21" dur="500"/>
+                                        <p:tgtEl>
+                                          <p:spTgt spid="44"/>
+                                        </p:tgtEl>
+                                      </p:cBhvr>
+                                    </p:animEffect>
+                                  </p:childTnLst>
+                                </p:cTn>
+                              </p:par>
+                              <p:par>
+                                <p:cTn id="22" presetID="10" presetClass="entr" presetSubtype="0" fill="hold" grpId="0" nodeType="withEffect">
+                                  <p:stCondLst>
+                                    <p:cond delay="0"/>
+                                  </p:stCondLst>
+                                  <p:childTnLst>
+                                    <p:set>
+                                      <p:cBhvr>
+                                        <p:cTn id="23" dur="1" fill="hold">
+                                          <p:stCondLst>
+                                            <p:cond delay="0"/>
+                                          </p:stCondLst>
+                                        </p:cTn>
+                                        <p:tgtEl>
+                                          <p:spTgt spid="39"/>
+                                        </p:tgtEl>
+                                        <p:attrNameLst>
+                                          <p:attrName>style.visibility</p:attrName>
+                                        </p:attrNameLst>
+                                      </p:cBhvr>
+                                      <p:to>
+                                        <p:strVal val="visible"/>
+                                      </p:to>
+                                    </p:set>
+                                    <p:animEffect transition="in" filter="fade">
+                                      <p:cBhvr>
+                                        <p:cTn id="24" dur="500"/>
+                                        <p:tgtEl>
+                                          <p:spTgt spid="39"/>
+                                        </p:tgtEl>
+                                      </p:cBhvr>
+                                    </p:animEffect>
+                                  </p:childTnLst>
+                                </p:cTn>
+                              </p:par>
+                            </p:childTnLst>
+                          </p:cTn>
+                        </p:par>
+                      </p:childTnLst>
+                    </p:cTn>
+                  </p:par>
+                  <p:par>
+                    <p:cTn id="25" fill="hold">
+                      <p:stCondLst>
+                        <p:cond delay="indefinite"/>
+                      </p:stCondLst>
+                      <p:childTnLst>
+                        <p:par>
+                          <p:cTn id="26" fill="hold">
+                            <p:stCondLst>
+                              <p:cond delay="0"/>
+                            </p:stCondLst>
+                            <p:childTnLst>
+                              <p:par>
+                                <p:cTn id="27" presetID="10" presetClass="entr" presetSubtype="0" fill="hold" grpId="0" nodeType="clickEffect">
+                                  <p:stCondLst>
+                                    <p:cond delay="0"/>
+                                  </p:stCondLst>
+                                  <p:childTnLst>
+                                    <p:set>
+                                      <p:cBhvr>
+                                        <p:cTn id="28" dur="1" fill="hold">
+                                          <p:stCondLst>
+                                            <p:cond delay="0"/>
+                                          </p:stCondLst>
+                                        </p:cTn>
+                                        <p:tgtEl>
+                                          <p:spTgt spid="25"/>
+                                        </p:tgtEl>
+                                        <p:attrNameLst>
+                                          <p:attrName>style.visibility</p:attrName>
+                                        </p:attrNameLst>
+                                      </p:cBhvr>
+                                      <p:to>
+                                        <p:strVal val="visible"/>
+                                      </p:to>
+                                    </p:set>
+                                    <p:animEffect transition="in" filter="fade">
+                                      <p:cBhvr>
+                                        <p:cTn id="29" dur="500"/>
+                                        <p:tgtEl>
+                                          <p:spTgt spid="25"/>
+                                        </p:tgtEl>
+                                      </p:cBhvr>
+                                    </p:animEffect>
+                                  </p:childTnLst>
+                                </p:cTn>
+                              </p:par>
+                              <p:par>
+                                <p:cTn id="30" presetID="10" presetClass="entr" presetSubtype="0" fill="hold" nodeType="withEffect">
+                                  <p:stCondLst>
+                                    <p:cond delay="0"/>
+                                  </p:stCondLst>
+                                  <p:childTnLst>
+                                    <p:set>
+                                      <p:cBhvr>
+                                        <p:cTn id="31" dur="1" fill="hold">
+                                          <p:stCondLst>
+                                            <p:cond delay="0"/>
+                                          </p:stCondLst>
+                                        </p:cTn>
+                                        <p:tgtEl>
+                                          <p:spTgt spid="24"/>
+                                        </p:tgtEl>
+                                        <p:attrNameLst>
+                                          <p:attrName>style.visibility</p:attrName>
+                                        </p:attrNameLst>
+                                      </p:cBhvr>
+                                      <p:to>
+                                        <p:strVal val="visible"/>
+                                      </p:to>
+                                    </p:set>
+                                    <p:animEffect transition="in" filter="fade">
+                                      <p:cBhvr>
+                                        <p:cTn id="32" dur="500"/>
+                                        <p:tgtEl>
+                                          <p:spTgt spid="24"/>
+                                        </p:tgtEl>
+                                      </p:cBhvr>
+                                    </p:animEffect>
+                                  </p:childTnLst>
+                                </p:cTn>
+                              </p:par>
+                            </p:childTnLst>
+                          </p:cTn>
+                        </p:par>
+                      </p:childTnLst>
+                    </p:cTn>
+                  </p:par>
+                  <p:par>
+                    <p:cTn id="33" fill="hold">
+                      <p:stCondLst>
+                        <p:cond delay="indefinite"/>
+                      </p:stCondLst>
+                      <p:childTnLst>
+                        <p:par>
+                          <p:cTn id="34" fill="hold">
+                            <p:stCondLst>
+                              <p:cond delay="0"/>
+                            </p:stCondLst>
+                            <p:childTnLst>
+                              <p:par>
+                                <p:cTn id="35" presetID="10" presetClass="entr" presetSubtype="0" fill="hold" nodeType="clickEffect">
+                                  <p:stCondLst>
+                                    <p:cond delay="0"/>
+                                  </p:stCondLst>
+                                  <p:childTnLst>
+                                    <p:set>
+                                      <p:cBhvr>
+                                        <p:cTn id="36" dur="1" fill="hold">
+                                          <p:stCondLst>
+                                            <p:cond delay="0"/>
+                                          </p:stCondLst>
+                                        </p:cTn>
+                                        <p:tgtEl>
+                                          <p:spTgt spid="48"/>
+                                        </p:tgtEl>
+                                        <p:attrNameLst>
+                                          <p:attrName>style.visibility</p:attrName>
+                                        </p:attrNameLst>
+                                      </p:cBhvr>
+                                      <p:to>
+                                        <p:strVal val="visible"/>
+                                      </p:to>
+                                    </p:set>
+                                    <p:animEffect transition="in" filter="fade">
+                                      <p:cBhvr>
+                                        <p:cTn id="37" dur="500"/>
+                                        <p:tgtEl>
+                                          <p:spTgt spid="48"/>
+                                        </p:tgtEl>
+                                      </p:cBhvr>
+                                    </p:animEffect>
+                                  </p:childTnLst>
+                                </p:cTn>
+                              </p:par>
+                              <p:par>
+                                <p:cTn id="38" presetID="10" presetClass="entr" presetSubtype="0" fill="hold" grpId="0" nodeType="withEffect">
+                                  <p:stCondLst>
+                                    <p:cond delay="0"/>
+                                  </p:stCondLst>
+                                  <p:childTnLst>
+                                    <p:set>
+                                      <p:cBhvr>
+                                        <p:cTn id="39" dur="1" fill="hold">
+                                          <p:stCondLst>
+                                            <p:cond delay="0"/>
+                                          </p:stCondLst>
+                                        </p:cTn>
+                                        <p:tgtEl>
+                                          <p:spTgt spid="70"/>
+                                        </p:tgtEl>
+                                        <p:attrNameLst>
+                                          <p:attrName>style.visibility</p:attrName>
+                                        </p:attrNameLst>
+                                      </p:cBhvr>
+                                      <p:to>
+                                        <p:strVal val="visible"/>
+                                      </p:to>
+                                    </p:set>
+                                    <p:animEffect transition="in" filter="fade">
+                                      <p:cBhvr>
+                                        <p:cTn id="40" dur="500"/>
+                                        <p:tgtEl>
+                                          <p:spTgt spid="70"/>
+                                        </p:tgtEl>
+                                      </p:cBhvr>
+                                    </p:animEffect>
+                                  </p:childTnLst>
+                                </p:cTn>
+                              </p:par>
+                              <p:par>
+                                <p:cTn id="41" presetID="10" presetClass="entr" presetSubtype="0" fill="hold" grpId="0" nodeType="withEffect">
+                                  <p:stCondLst>
+                                    <p:cond delay="0"/>
+                                  </p:stCondLst>
+                                  <p:childTnLst>
+                                    <p:set>
+                                      <p:cBhvr>
+                                        <p:cTn id="42" dur="1" fill="hold">
+                                          <p:stCondLst>
+                                            <p:cond delay="0"/>
+                                          </p:stCondLst>
+                                        </p:cTn>
+                                        <p:tgtEl>
+                                          <p:spTgt spid="41"/>
+                                        </p:tgtEl>
+                                        <p:attrNameLst>
+                                          <p:attrName>style.visibility</p:attrName>
+                                        </p:attrNameLst>
+                                      </p:cBhvr>
+                                      <p:to>
+                                        <p:strVal val="visible"/>
+                                      </p:to>
+                                    </p:set>
+                                    <p:animEffect transition="in" filter="fade">
+                                      <p:cBhvr>
+                                        <p:cTn id="43" dur="500"/>
+                                        <p:tgtEl>
+                                          <p:spTgt spid="41"/>
+                                        </p:tgtEl>
+                                      </p:cBhvr>
+                                    </p:animEffect>
+                                  </p:childTnLst>
+                                </p:cTn>
+                              </p:par>
+                            </p:childTnLst>
+                          </p:cTn>
+                        </p:par>
+                      </p:childTnLst>
+                    </p:cTn>
+                  </p:par>
+                  <p:par>
+                    <p:cTn id="44" fill="hold">
+                      <p:stCondLst>
+                        <p:cond delay="indefinite"/>
+                      </p:stCondLst>
+                      <p:childTnLst>
+                        <p:par>
+                          <p:cTn id="45" fill="hold">
+                            <p:stCondLst>
+                              <p:cond delay="0"/>
+                            </p:stCondLst>
+                            <p:childTnLst>
+                              <p:par>
+                                <p:cTn id="46" presetID="10" presetClass="entr" presetSubtype="0" fill="hold" nodeType="clickEffect">
+                                  <p:stCondLst>
+                                    <p:cond delay="0"/>
+                                  </p:stCondLst>
+                                  <p:childTnLst>
+                                    <p:set>
+                                      <p:cBhvr>
+                                        <p:cTn id="47" dur="1" fill="hold">
+                                          <p:stCondLst>
+                                            <p:cond delay="0"/>
+                                          </p:stCondLst>
+                                        </p:cTn>
+                                        <p:tgtEl>
+                                          <p:spTgt spid="54"/>
+                                        </p:tgtEl>
+                                        <p:attrNameLst>
+                                          <p:attrName>style.visibility</p:attrName>
+                                        </p:attrNameLst>
+                                      </p:cBhvr>
+                                      <p:to>
+                                        <p:strVal val="visible"/>
+                                      </p:to>
+                                    </p:set>
+                                    <p:animEffect transition="in" filter="fade">
+                                      <p:cBhvr>
+                                        <p:cTn id="48" dur="500"/>
+                                        <p:tgtEl>
+                                          <p:spTgt spid="54"/>
+                                        </p:tgtEl>
+                                      </p:cBhvr>
+                                    </p:animEffect>
+                                  </p:childTnLst>
+                                </p:cTn>
+                              </p:par>
+                              <p:par>
+                                <p:cTn id="49" presetID="10" presetClass="entr" presetSubtype="0" fill="hold" grpId="0" nodeType="withEffect">
+                                  <p:stCondLst>
+                                    <p:cond delay="0"/>
+                                  </p:stCondLst>
+                                  <p:childTnLst>
+                                    <p:set>
+                                      <p:cBhvr>
+                                        <p:cTn id="50" dur="1" fill="hold">
+                                          <p:stCondLst>
+                                            <p:cond delay="0"/>
+                                          </p:stCondLst>
+                                        </p:cTn>
+                                        <p:tgtEl>
+                                          <p:spTgt spid="71"/>
+                                        </p:tgtEl>
+                                        <p:attrNameLst>
+                                          <p:attrName>style.visibility</p:attrName>
+                                        </p:attrNameLst>
+                                      </p:cBhvr>
+                                      <p:to>
+                                        <p:strVal val="visible"/>
+                                      </p:to>
+                                    </p:set>
+                                    <p:animEffect transition="in" filter="fade">
+                                      <p:cBhvr>
+                                        <p:cTn id="51" dur="500"/>
+                                        <p:tgtEl>
+                                          <p:spTgt spid="71"/>
+                                        </p:tgtEl>
+                                      </p:cBhvr>
+                                    </p:animEffect>
+                                  </p:childTnLst>
+                                </p:cTn>
+                              </p:par>
+                              <p:par>
+                                <p:cTn id="52" presetID="10" presetClass="entr" presetSubtype="0" fill="hold" grpId="0" nodeType="withEffect">
+                                  <p:stCondLst>
+                                    <p:cond delay="0"/>
+                                  </p:stCondLst>
+                                  <p:childTnLst>
+                                    <p:set>
+                                      <p:cBhvr>
+                                        <p:cTn id="53" dur="1" fill="hold">
+                                          <p:stCondLst>
+                                            <p:cond delay="0"/>
+                                          </p:stCondLst>
+                                        </p:cTn>
+                                        <p:tgtEl>
+                                          <p:spTgt spid="52"/>
+                                        </p:tgtEl>
+                                        <p:attrNameLst>
+                                          <p:attrName>style.visibility</p:attrName>
+                                        </p:attrNameLst>
+                                      </p:cBhvr>
+                                      <p:to>
+                                        <p:strVal val="visible"/>
+                                      </p:to>
+                                    </p:set>
+                                    <p:animEffect transition="in" filter="fade">
+                                      <p:cBhvr>
+                                        <p:cTn id="54" dur="500"/>
+                                        <p:tgtEl>
+                                          <p:spTgt spid="52"/>
+                                        </p:tgtEl>
+                                      </p:cBhvr>
+                                    </p:animEffect>
+                                  </p:childTnLst>
+                                </p:cTn>
+                              </p:par>
+                            </p:childTnLst>
+                          </p:cTn>
+                        </p:par>
+                      </p:childTnLst>
+                    </p:cTn>
+                  </p:par>
+                  <p:par>
+                    <p:cTn id="55" fill="hold">
+                      <p:stCondLst>
+                        <p:cond delay="indefinite"/>
+                      </p:stCondLst>
+                      <p:childTnLst>
+                        <p:par>
+                          <p:cTn id="56" fill="hold">
+                            <p:stCondLst>
+                              <p:cond delay="0"/>
+                            </p:stCondLst>
+                            <p:childTnLst>
+                              <p:par>
+                                <p:cTn id="57" presetID="10" presetClass="entr" presetSubtype="0" fill="hold" nodeType="clickEffect">
+                                  <p:stCondLst>
+                                    <p:cond delay="0"/>
+                                  </p:stCondLst>
+                                  <p:childTnLst>
+                                    <p:set>
+                                      <p:cBhvr>
+                                        <p:cTn id="58" dur="1" fill="hold">
+                                          <p:stCondLst>
+                                            <p:cond delay="0"/>
+                                          </p:stCondLst>
+                                        </p:cTn>
+                                        <p:tgtEl>
+                                          <p:spTgt spid="56"/>
+                                        </p:tgtEl>
+                                        <p:attrNameLst>
+                                          <p:attrName>style.visibility</p:attrName>
+                                        </p:attrNameLst>
+                                      </p:cBhvr>
+                                      <p:to>
+                                        <p:strVal val="visible"/>
+                                      </p:to>
+                                    </p:set>
+                                    <p:animEffect transition="in" filter="fade">
+                                      <p:cBhvr>
+                                        <p:cTn id="59" dur="500"/>
+                                        <p:tgtEl>
+                                          <p:spTgt spid="56"/>
+                                        </p:tgtEl>
+                                      </p:cBhvr>
+                                    </p:animEffect>
+                                  </p:childTnLst>
+                                </p:cTn>
+                              </p:par>
+                              <p:par>
+                                <p:cTn id="60" presetID="10" presetClass="entr" presetSubtype="0" fill="hold" grpId="0" nodeType="withEffect">
+                                  <p:stCondLst>
+                                    <p:cond delay="0"/>
+                                  </p:stCondLst>
+                                  <p:childTnLst>
+                                    <p:set>
+                                      <p:cBhvr>
+                                        <p:cTn id="61" dur="1" fill="hold">
+                                          <p:stCondLst>
+                                            <p:cond delay="0"/>
+                                          </p:stCondLst>
+                                        </p:cTn>
+                                        <p:tgtEl>
+                                          <p:spTgt spid="72"/>
+                                        </p:tgtEl>
+                                        <p:attrNameLst>
+                                          <p:attrName>style.visibility</p:attrName>
+                                        </p:attrNameLst>
+                                      </p:cBhvr>
+                                      <p:to>
+                                        <p:strVal val="visible"/>
+                                      </p:to>
+                                    </p:set>
+                                    <p:animEffect transition="in" filter="fade">
+                                      <p:cBhvr>
+                                        <p:cTn id="62" dur="500"/>
+                                        <p:tgtEl>
+                                          <p:spTgt spid="72"/>
+                                        </p:tgtEl>
+                                      </p:cBhvr>
+                                    </p:animEffect>
+                                  </p:childTnLst>
+                                </p:cTn>
+                              </p:par>
+                            </p:childTnLst>
+                          </p:cTn>
+                        </p:par>
+                      </p:childTnLst>
+                    </p:cTn>
+                  </p:par>
+                  <p:par>
+                    <p:cTn id="63" fill="hold">
+                      <p:stCondLst>
+                        <p:cond delay="indefinite"/>
+                      </p:stCondLst>
+                      <p:childTnLst>
+                        <p:par>
+                          <p:cTn id="64" fill="hold">
+                            <p:stCondLst>
+                              <p:cond delay="0"/>
+                            </p:stCondLst>
+                            <p:childTnLst>
+                              <p:par>
+                                <p:cTn id="65" presetID="10" presetClass="entr" presetSubtype="0" fill="hold" nodeType="clickEffect">
+                                  <p:stCondLst>
+                                    <p:cond delay="0"/>
+                                  </p:stCondLst>
+                                  <p:childTnLst>
+                                    <p:set>
+                                      <p:cBhvr>
+                                        <p:cTn id="66" dur="1" fill="hold">
+                                          <p:stCondLst>
+                                            <p:cond delay="0"/>
+                                          </p:stCondLst>
+                                        </p:cTn>
+                                        <p:tgtEl>
+                                          <p:spTgt spid="74"/>
+                                        </p:tgtEl>
+                                        <p:attrNameLst>
+                                          <p:attrName>style.visibility</p:attrName>
+                                        </p:attrNameLst>
+                                      </p:cBhvr>
+                                      <p:to>
+                                        <p:strVal val="visible"/>
+                                      </p:to>
+                                    </p:set>
+                                    <p:animEffect transition="in" filter="fade">
+                                      <p:cBhvr>
+                                        <p:cTn id="67" dur="500"/>
+                                        <p:tgtEl>
+                                          <p:spTgt spid="74"/>
+                                        </p:tgtEl>
+                                      </p:cBhvr>
+                                    </p:animEffect>
+                                  </p:childTnLst>
+                                </p:cTn>
+                              </p:par>
+                              <p:par>
+                                <p:cTn id="68" presetID="10" presetClass="entr" presetSubtype="0" fill="hold" grpId="0" nodeType="withEffect">
+                                  <p:stCondLst>
+                                    <p:cond delay="0"/>
+                                  </p:stCondLst>
+                                  <p:childTnLst>
+                                    <p:set>
+                                      <p:cBhvr>
+                                        <p:cTn id="69" dur="1" fill="hold">
+                                          <p:stCondLst>
+                                            <p:cond delay="0"/>
+                                          </p:stCondLst>
+                                        </p:cTn>
+                                        <p:tgtEl>
+                                          <p:spTgt spid="83"/>
+                                        </p:tgtEl>
+                                        <p:attrNameLst>
+                                          <p:attrName>style.visibility</p:attrName>
+                                        </p:attrNameLst>
+                                      </p:cBhvr>
+                                      <p:to>
+                                        <p:strVal val="visible"/>
+                                      </p:to>
+                                    </p:set>
+                                    <p:animEffect transition="in" filter="fade">
+                                      <p:cBhvr>
+                                        <p:cTn id="70" dur="500"/>
+                                        <p:tgtEl>
+                                          <p:spTgt spid="83"/>
+                                        </p:tgtEl>
+                                      </p:cBhvr>
+                                    </p:animEffect>
+                                  </p:childTnLst>
+                                </p:cTn>
+                              </p:par>
+                              <p:par>
+                                <p:cTn id="71" presetID="10" presetClass="entr" presetSubtype="0" fill="hold" grpId="0" nodeType="withEffect">
+                                  <p:stCondLst>
+                                    <p:cond delay="0"/>
+                                  </p:stCondLst>
+                                  <p:childTnLst>
+                                    <p:set>
+                                      <p:cBhvr>
+                                        <p:cTn id="72" dur="1" fill="hold">
+                                          <p:stCondLst>
+                                            <p:cond delay="0"/>
+                                          </p:stCondLst>
+                                        </p:cTn>
+                                        <p:tgtEl>
+                                          <p:spTgt spid="42"/>
+                                        </p:tgtEl>
+                                        <p:attrNameLst>
+                                          <p:attrName>style.visibility</p:attrName>
+                                        </p:attrNameLst>
+                                      </p:cBhvr>
+                                      <p:to>
+                                        <p:strVal val="visible"/>
+                                      </p:to>
+                                    </p:set>
+                                    <p:animEffect transition="in" filter="fade">
+                                      <p:cBhvr>
+                                        <p:cTn id="73" dur="500"/>
+                                        <p:tgtEl>
+                                          <p:spTgt spid="42"/>
+                                        </p:tgtEl>
+                                      </p:cBhvr>
+                                    </p:animEffect>
+                                  </p:childTnLst>
+                                </p:cTn>
+                              </p:par>
+                            </p:childTnLst>
+                          </p:cTn>
+                        </p:par>
+                      </p:childTnLst>
+                    </p:cTn>
+                  </p:par>
+                  <p:par>
+                    <p:cTn id="74" fill="hold">
+                      <p:stCondLst>
+                        <p:cond delay="indefinite"/>
+                      </p:stCondLst>
+                      <p:childTnLst>
+                        <p:par>
+                          <p:cTn id="75" fill="hold">
+                            <p:stCondLst>
+                              <p:cond delay="0"/>
+                            </p:stCondLst>
+                            <p:childTnLst>
+                              <p:par>
+                                <p:cTn id="76" presetID="10" presetClass="entr" presetSubtype="0" fill="hold" nodeType="clickEffect">
+                                  <p:stCondLst>
+                                    <p:cond delay="0"/>
+                                  </p:stCondLst>
+                                  <p:childTnLst>
+                                    <p:set>
+                                      <p:cBhvr>
+                                        <p:cTn id="77" dur="1" fill="hold">
+                                          <p:stCondLst>
+                                            <p:cond delay="0"/>
+                                          </p:stCondLst>
+                                        </p:cTn>
+                                        <p:tgtEl>
+                                          <p:spTgt spid="67"/>
+                                        </p:tgtEl>
+                                        <p:attrNameLst>
+                                          <p:attrName>style.visibility</p:attrName>
+                                        </p:attrNameLst>
+                                      </p:cBhvr>
+                                      <p:to>
+                                        <p:strVal val="visible"/>
+                                      </p:to>
+                                    </p:set>
+                                    <p:animEffect transition="in" filter="fade">
+                                      <p:cBhvr>
+                                        <p:cTn id="78" dur="500"/>
+                                        <p:tgtEl>
+                                          <p:spTgt spid="67"/>
+                                        </p:tgtEl>
+                                      </p:cBhvr>
+                                    </p:animEffect>
+                                  </p:childTnLst>
+                                </p:cTn>
+                              </p:par>
+                              <p:par>
+                                <p:cTn id="79" presetID="10" presetClass="entr" presetSubtype="0" fill="hold" nodeType="withEffect">
+                                  <p:stCondLst>
+                                    <p:cond delay="0"/>
+                                  </p:stCondLst>
+                                  <p:childTnLst>
+                                    <p:set>
+                                      <p:cBhvr>
+                                        <p:cTn id="80" dur="1" fill="hold">
+                                          <p:stCondLst>
+                                            <p:cond delay="0"/>
+                                          </p:stCondLst>
+                                        </p:cTn>
+                                        <p:tgtEl>
+                                          <p:spTgt spid="58"/>
+                                        </p:tgtEl>
+                                        <p:attrNameLst>
+                                          <p:attrName>style.visibility</p:attrName>
+                                        </p:attrNameLst>
+                                      </p:cBhvr>
+                                      <p:to>
+                                        <p:strVal val="visible"/>
+                                      </p:to>
+                                    </p:set>
+                                    <p:animEffect transition="in" filter="fade">
+                                      <p:cBhvr>
+                                        <p:cTn id="81" dur="500"/>
+                                        <p:tgtEl>
+                                          <p:spTgt spid="58"/>
+                                        </p:tgtEl>
+                                      </p:cBhvr>
+                                    </p:animEffect>
+                                  </p:childTnLst>
+                                </p:cTn>
+                              </p:par>
+                            </p:childTnLst>
+                          </p:cTn>
+                        </p:par>
+                      </p:childTnLst>
+                    </p:cTn>
+                  </p:par>
+                </p:childTnLst>
+              </p:cTn>
+              <p:prevCondLst>
+                <p:cond evt="onPrev" delay="0">
+                  <p:tgtEl>
+                    <p:sldTgt/>
+                  </p:tgtEl>
+                </p:cond>
+              </p:prevCondLst>
+              <p:nextCondLst>
+                <p:cond evt="onNext" delay="0">
+                  <p:tgtEl>
+                    <p:sldTgt/>
+                  </p:tgtEl>
+                </p:cond>
+              </p:nextCondLst>
+            </p:seq>
+          </p:childTnLst>
+        </p:cTn>
+      </p:par>
+    </p:tnLst>
+    <p:bldLst>
+      <p:bldP spid="25" grpId="0"/>
+      <p:bldP spid="52" grpId="0" animBg="1"/>
+      <p:bldP spid="68" grpId="0"/>
+      <p:bldP spid="69" grpId="0"/>
+      <p:bldP spid="70" grpId="0"/>
+      <p:bldP spid="71" grpId="0"/>
+      <p:bldP spid="72" grpId="0"/>
+      <p:bldP spid="83" grpId="0"/>
+      <p:bldP spid="37" grpId="0"/>
+      <p:bldP spid="39" grpId="0"/>
+      <p:bldP spid="41" grpId="0"/>
+      <p:bldP spid="42" grpId="0"/>
+    </p:bldLst>
+  </p:timing>
 </p:sld>
 </file>
 
@@ -37894,19 +40516,8 @@
                 <a:latin typeface="Euclid Circular B" panose="020B0504000000000000" pitchFamily="34" charset="0"/>
                 <a:ea typeface="Euclid Circular B" panose="020B0504000000000000" pitchFamily="34" charset="0"/>
               </a:rPr>
-              <a:t>TODO</a:t>
-            </a:r>
-            <a:r>
-              <a:rPr lang="en-US">
-                <a:latin typeface="Euclid Circular B" panose="020B0504000000000000" pitchFamily="34" charset="0"/>
-                <a:ea typeface="Euclid Circular B" panose="020B0504000000000000" pitchFamily="34" charset="0"/>
-              </a:rPr>
-              <a:t>: ...</a:t>
-            </a:r>
-            <a:endParaRPr lang="en-US" dirty="0">
-              <a:latin typeface="Euclid Circular B" panose="020B0504000000000000" pitchFamily="34" charset="0"/>
-              <a:ea typeface="Euclid Circular B" panose="020B0504000000000000" pitchFamily="34" charset="0"/>
-            </a:endParaRPr>
+              <a:t>TODO: SHOW CODE FROM ABP</a:t>
+            </a:r>
           </a:p>
         </p:txBody>
       </p:sp>
@@ -37958,14 +40569,14 @@
               </a:rPr>
             </a:br>
             <a:r>
-              <a:rPr lang="en-US" sz="3200" b="1" i="1" dirty="0" err="1">
+              <a:rPr lang="en-US" sz="3200" b="1" i="1" dirty="0">
                 <a:solidFill>
                   <a:srgbClr val="292D33"/>
                 </a:solidFill>
                 <a:latin typeface="Euclid Circular B" panose="020B0504000000000000" pitchFamily="34" charset="0"/>
                 <a:ea typeface="Euclid Circular B" panose="020B0504000000000000" pitchFamily="34" charset="0"/>
               </a:rPr>
-              <a:t>subheader</a:t>
+              <a:t>caching vs data duplication</a:t>
             </a:r>
             <a:endParaRPr lang="en-US" b="1" dirty="0">
               <a:solidFill>
@@ -38023,10 +40634,10 @@
       </p:grpSpPr>
       <p:sp>
         <p:nvSpPr>
-          <p:cNvPr id="2" name="Title 1">
-            <a:extLst>
-              <a:ext uri="{FF2B5EF4-FFF2-40B4-BE49-F238E27FC236}">
-                <a16:creationId xmlns:a16="http://schemas.microsoft.com/office/drawing/2014/main" id="{9255DFBE-19DA-408D-84E6-F4043FC30BD3}"/>
+          <p:cNvPr id="3" name="Content Placeholder 2">
+            <a:extLst>
+              <a:ext uri="{FF2B5EF4-FFF2-40B4-BE49-F238E27FC236}">
+                <a16:creationId xmlns:a16="http://schemas.microsoft.com/office/drawing/2014/main" id="{891C7693-D3DF-4635-96F4-97F3B4136FDF}"/>
               </a:ext>
             </a:extLst>
           </p:cNvPr>
@@ -38034,10 +40645,169 @@
             <a:spLocks noGrp="1"/>
           </p:cNvSpPr>
           <p:nvPr>
-            <p:ph type="ctrTitle"/>
+            <p:ph idx="1"/>
           </p:nvPr>
         </p:nvSpPr>
-        <p:spPr/>
+        <p:spPr>
+          <a:xfrm>
+            <a:off x="838200" y="1825625"/>
+            <a:ext cx="5037814" cy="3708483"/>
+          </a:xfrm>
+        </p:spPr>
+        <p:txBody>
+          <a:bodyPr/>
+          <a:lstStyle/>
+          <a:p>
+            <a:pPr marL="0" indent="0">
+              <a:buNone/>
+            </a:pPr>
+            <a:r>
+              <a:rPr lang="en-US" b="1" u="sng" dirty="0">
+                <a:latin typeface="Euclid Circular B" panose="020B0504000000000000" pitchFamily="34" charset="0"/>
+                <a:ea typeface="Euclid Circular B" panose="020B0504000000000000" pitchFamily="34" charset="0"/>
+              </a:rPr>
+              <a:t>Caching</a:t>
+            </a:r>
+          </a:p>
+          <a:p>
+            <a:r>
+              <a:rPr lang="en-US" sz="2400" b="1" dirty="0">
+                <a:latin typeface="Euclid Circular B" panose="020B0504000000000000" pitchFamily="34" charset="0"/>
+                <a:ea typeface="Euclid Circular B" panose="020B0504000000000000" pitchFamily="34" charset="0"/>
+              </a:rPr>
+              <a:t>+ Faster</a:t>
+            </a:r>
+            <a:r>
+              <a:rPr lang="en-US" sz="2400" dirty="0">
+                <a:latin typeface="Euclid Circular B" panose="020B0504000000000000" pitchFamily="34" charset="0"/>
+                <a:ea typeface="Euclid Circular B" panose="020B0504000000000000" pitchFamily="34" charset="0"/>
+              </a:rPr>
+              <a:t> &amp; lightweight</a:t>
+            </a:r>
+          </a:p>
+          <a:p>
+            <a:r>
+              <a:rPr lang="en-US" sz="2400" b="1" dirty="0">
+                <a:latin typeface="Euclid Circular B" panose="020B0504000000000000" pitchFamily="34" charset="0"/>
+                <a:ea typeface="Euclid Circular B" panose="020B0504000000000000" pitchFamily="34" charset="0"/>
+              </a:rPr>
+              <a:t>+ </a:t>
+            </a:r>
+            <a:r>
+              <a:rPr lang="en-US" sz="2400" dirty="0">
+                <a:latin typeface="Euclid Circular B" panose="020B0504000000000000" pitchFamily="34" charset="0"/>
+                <a:ea typeface="Euclid Circular B" panose="020B0504000000000000" pitchFamily="34" charset="0"/>
+              </a:rPr>
+              <a:t>Doesn’t need </a:t>
+            </a:r>
+            <a:r>
+              <a:rPr lang="en-US" sz="2400" b="1" dirty="0">
+                <a:latin typeface="Euclid Circular B" panose="020B0504000000000000" pitchFamily="34" charset="0"/>
+                <a:ea typeface="Euclid Circular B" panose="020B0504000000000000" pitchFamily="34" charset="0"/>
+              </a:rPr>
+              <a:t>synchronization</a:t>
+            </a:r>
+          </a:p>
+          <a:p>
+            <a:r>
+              <a:rPr lang="en-US" sz="2400" b="1" dirty="0">
+                <a:latin typeface="Euclid Circular B" panose="020B0504000000000000" pitchFamily="34" charset="0"/>
+                <a:ea typeface="Euclid Circular B" panose="020B0504000000000000" pitchFamily="34" charset="0"/>
+              </a:rPr>
+              <a:t>-</a:t>
+            </a:r>
+            <a:r>
+              <a:rPr lang="en-US" sz="2400" dirty="0">
+                <a:latin typeface="Euclid Circular B" panose="020B0504000000000000" pitchFamily="34" charset="0"/>
+                <a:ea typeface="Euclid Circular B" panose="020B0504000000000000" pitchFamily="34" charset="0"/>
+              </a:rPr>
+              <a:t> Only </a:t>
+            </a:r>
+            <a:r>
+              <a:rPr lang="en-US" sz="2400" b="1" dirty="0">
+                <a:latin typeface="Euclid Circular B" panose="020B0504000000000000" pitchFamily="34" charset="0"/>
+                <a:ea typeface="Euclid Circular B" panose="020B0504000000000000" pitchFamily="34" charset="0"/>
+              </a:rPr>
+              <a:t>individual</a:t>
+            </a:r>
+            <a:r>
+              <a:rPr lang="en-US" sz="2400" dirty="0">
+                <a:latin typeface="Euclid Circular B" panose="020B0504000000000000" pitchFamily="34" charset="0"/>
+                <a:ea typeface="Euclid Circular B" panose="020B0504000000000000" pitchFamily="34" charset="0"/>
+              </a:rPr>
+              <a:t> access to the cached data</a:t>
+            </a:r>
+          </a:p>
+          <a:p>
+            <a:r>
+              <a:rPr lang="en-US" sz="2400" b="1" dirty="0">
+                <a:latin typeface="Euclid Circular B" panose="020B0504000000000000" pitchFamily="34" charset="0"/>
+                <a:ea typeface="Euclid Circular B" panose="020B0504000000000000" pitchFamily="34" charset="0"/>
+              </a:rPr>
+              <a:t>-</a:t>
+            </a:r>
+            <a:r>
+              <a:rPr lang="en-US" sz="2400" dirty="0">
+                <a:latin typeface="Euclid Circular B" panose="020B0504000000000000" pitchFamily="34" charset="0"/>
+                <a:ea typeface="Euclid Circular B" panose="020B0504000000000000" pitchFamily="34" charset="0"/>
+              </a:rPr>
+              <a:t> Limited </a:t>
+            </a:r>
+            <a:r>
+              <a:rPr lang="en-US" sz="2400" b="1" dirty="0">
+                <a:latin typeface="Euclid Circular B" panose="020B0504000000000000" pitchFamily="34" charset="0"/>
+                <a:ea typeface="Euclid Circular B" panose="020B0504000000000000" pitchFamily="34" charset="0"/>
+              </a:rPr>
+              <a:t>offline access</a:t>
+            </a:r>
+          </a:p>
+          <a:p>
+            <a:r>
+              <a:rPr lang="en-US" sz="2400" dirty="0">
+                <a:latin typeface="Euclid Circular B" panose="020B0504000000000000" pitchFamily="34" charset="0"/>
+                <a:ea typeface="Euclid Circular B" panose="020B0504000000000000" pitchFamily="34" charset="0"/>
+              </a:rPr>
+              <a:t>Use if you only need to query </a:t>
+            </a:r>
+            <a:r>
+              <a:rPr lang="en-US" sz="2400" b="1" dirty="0">
+                <a:latin typeface="Euclid Circular B" panose="020B0504000000000000" pitchFamily="34" charset="0"/>
+                <a:ea typeface="Euclid Circular B" panose="020B0504000000000000" pitchFamily="34" charset="0"/>
+              </a:rPr>
+              <a:t>individual</a:t>
+            </a:r>
+            <a:r>
+              <a:rPr lang="en-US" sz="2400" dirty="0">
+                <a:latin typeface="Euclid Circular B" panose="020B0504000000000000" pitchFamily="34" charset="0"/>
+                <a:ea typeface="Euclid Circular B" panose="020B0504000000000000" pitchFamily="34" charset="0"/>
+              </a:rPr>
+              <a:t> data</a:t>
+            </a:r>
+          </a:p>
+        </p:txBody>
+      </p:sp>
+      <p:sp>
+        <p:nvSpPr>
+          <p:cNvPr id="6" name="Title 1">
+            <a:extLst>
+              <a:ext uri="{FF2B5EF4-FFF2-40B4-BE49-F238E27FC236}">
+                <a16:creationId xmlns:a16="http://schemas.microsoft.com/office/drawing/2014/main" id="{331D04E0-6416-4CBE-AD16-B2D9C4FE44C3}"/>
+              </a:ext>
+            </a:extLst>
+          </p:cNvPr>
+          <p:cNvSpPr>
+            <a:spLocks noGrp="1"/>
+          </p:cNvSpPr>
+          <p:nvPr>
+            <p:ph type="title"/>
+          </p:nvPr>
+        </p:nvSpPr>
+        <p:spPr>
+          <a:xfrm>
+            <a:off x="838200" y="365125"/>
+            <a:ext cx="10515600" cy="1325563"/>
+          </a:xfrm>
+        </p:spPr>
         <p:txBody>
           <a:bodyPr>
             <a:normAutofit/>
@@ -38045,68 +40815,1294 @@
           <a:lstStyle/>
           <a:p>
             <a:r>
-              <a:rPr lang="en-US" sz="4800" b="1" dirty="0">
+              <a:rPr lang="en-US" b="1" dirty="0">
                 <a:solidFill>
                   <a:srgbClr val="292D33"/>
                 </a:solidFill>
                 <a:latin typeface="Euclid Circular B" panose="020B0504000000000000" pitchFamily="34" charset="0"/>
                 <a:ea typeface="Euclid Circular B" panose="020B0504000000000000" pitchFamily="34" charset="0"/>
               </a:rPr>
-              <a:t>MIGRATING TO MICROSERVICES</a:t>
-            </a:r>
-          </a:p>
-        </p:txBody>
-      </p:sp>
-      <p:sp>
-        <p:nvSpPr>
-          <p:cNvPr id="3" name="Subtitle 2">
-            <a:extLst>
-              <a:ext uri="{FF2B5EF4-FFF2-40B4-BE49-F238E27FC236}">
-                <a16:creationId xmlns:a16="http://schemas.microsoft.com/office/drawing/2014/main" id="{265612B9-B745-46CB-8A20-997CA82E05E7}"/>
-              </a:ext>
-            </a:extLst>
-          </p:cNvPr>
-          <p:cNvSpPr>
-            <a:spLocks noGrp="1"/>
-          </p:cNvSpPr>
-          <p:nvPr>
-            <p:ph type="subTitle" idx="1"/>
-          </p:nvPr>
-        </p:nvSpPr>
-        <p:spPr/>
-        <p:txBody>
-          <a:bodyPr>
-            <a:normAutofit/>
-          </a:bodyPr>
-          <a:lstStyle/>
-          <a:p>
-            <a:r>
-              <a:rPr lang="en-US" sz="2000" b="1" dirty="0">
+              <a:t>Integrating the modules</a:t>
+            </a:r>
+            <a:br>
+              <a:rPr lang="en-US" b="1" dirty="0">
                 <a:solidFill>
                   <a:srgbClr val="292D33"/>
                 </a:solidFill>
                 <a:latin typeface="Euclid Circular B" panose="020B0504000000000000" pitchFamily="34" charset="0"/>
                 <a:ea typeface="Euclid Circular B" panose="020B0504000000000000" pitchFamily="34" charset="0"/>
               </a:rPr>
-              <a:t>DESIGNING MONOLITH FIRST FOR MICROSERVICE ARCHITECTURE</a:t>
-            </a:r>
-            <a:endParaRPr lang="en-US" sz="2000" dirty="0">
+            </a:br>
+            <a:r>
+              <a:rPr lang="en-US" sz="3200" b="1" i="1" dirty="0">
+                <a:solidFill>
+                  <a:srgbClr val="292D33"/>
+                </a:solidFill>
+                <a:latin typeface="Euclid Circular B" panose="020B0504000000000000" pitchFamily="34" charset="0"/>
+                <a:ea typeface="Euclid Circular B" panose="020B0504000000000000" pitchFamily="34" charset="0"/>
+              </a:rPr>
+              <a:t>caching vs data duplication</a:t>
+            </a:r>
+            <a:endParaRPr lang="en-US" b="1" dirty="0">
+              <a:solidFill>
+                <a:srgbClr val="292D33"/>
+              </a:solidFill>
               <a:latin typeface="Euclid Circular B" panose="020B0504000000000000" pitchFamily="34" charset="0"/>
               <a:ea typeface="Euclid Circular B" panose="020B0504000000000000" pitchFamily="34" charset="0"/>
             </a:endParaRPr>
+          </a:p>
+        </p:txBody>
+      </p:sp>
+      <p:sp>
+        <p:nvSpPr>
+          <p:cNvPr id="4" name="Content Placeholder 2">
+            <a:extLst>
+              <a:ext uri="{FF2B5EF4-FFF2-40B4-BE49-F238E27FC236}">
+                <a16:creationId xmlns:a16="http://schemas.microsoft.com/office/drawing/2014/main" id="{55ADE81D-49FF-4C16-AB3A-53E4B0721377}"/>
+              </a:ext>
+            </a:extLst>
+          </p:cNvPr>
+          <p:cNvSpPr txBox="1">
+            <a:spLocks/>
+          </p:cNvSpPr>
+          <p:nvPr/>
+        </p:nvSpPr>
+        <p:spPr>
+          <a:xfrm>
+            <a:off x="6315986" y="1825625"/>
+            <a:ext cx="5037814" cy="3899314"/>
+          </a:xfrm>
+          <a:prstGeom prst="rect">
+            <a:avLst/>
+          </a:prstGeom>
+        </p:spPr>
+        <p:txBody>
+          <a:bodyPr vert="horz" lIns="91440" tIns="45720" rIns="91440" bIns="45720" rtlCol="0">
+            <a:normAutofit/>
+          </a:bodyPr>
+          <a:lstStyle>
+            <a:lvl1pPr marL="228600" indent="-228600" algn="l" defTabSz="914400" rtl="0" eaLnBrk="1" latinLnBrk="0" hangingPunct="1">
+              <a:lnSpc>
+                <a:spcPct val="90000"/>
+              </a:lnSpc>
+              <a:spcBef>
+                <a:spcPts val="1000"/>
+              </a:spcBef>
+              <a:buFont typeface="Arial" panose="020B0604020202020204" pitchFamily="34" charset="0"/>
+              <a:buChar char="•"/>
+              <a:defRPr sz="2800" kern="1200">
+                <a:solidFill>
+                  <a:schemeClr val="tx1"/>
+                </a:solidFill>
+                <a:latin typeface="+mn-lt"/>
+                <a:ea typeface="+mn-ea"/>
+                <a:cs typeface="+mn-cs"/>
+              </a:defRPr>
+            </a:lvl1pPr>
+            <a:lvl2pPr marL="685800" indent="-228600" algn="l" defTabSz="914400" rtl="0" eaLnBrk="1" latinLnBrk="0" hangingPunct="1">
+              <a:lnSpc>
+                <a:spcPct val="90000"/>
+              </a:lnSpc>
+              <a:spcBef>
+                <a:spcPts val="500"/>
+              </a:spcBef>
+              <a:buFont typeface="Arial" panose="020B0604020202020204" pitchFamily="34" charset="0"/>
+              <a:buChar char="•"/>
+              <a:defRPr sz="2400" kern="1200">
+                <a:solidFill>
+                  <a:schemeClr val="tx1"/>
+                </a:solidFill>
+                <a:latin typeface="+mn-lt"/>
+                <a:ea typeface="+mn-ea"/>
+                <a:cs typeface="+mn-cs"/>
+              </a:defRPr>
+            </a:lvl2pPr>
+            <a:lvl3pPr marL="1143000" indent="-228600" algn="l" defTabSz="914400" rtl="0" eaLnBrk="1" latinLnBrk="0" hangingPunct="1">
+              <a:lnSpc>
+                <a:spcPct val="90000"/>
+              </a:lnSpc>
+              <a:spcBef>
+                <a:spcPts val="500"/>
+              </a:spcBef>
+              <a:buFont typeface="Arial" panose="020B0604020202020204" pitchFamily="34" charset="0"/>
+              <a:buChar char="•"/>
+              <a:defRPr sz="2000" kern="1200">
+                <a:solidFill>
+                  <a:schemeClr val="tx1"/>
+                </a:solidFill>
+                <a:latin typeface="+mn-lt"/>
+                <a:ea typeface="+mn-ea"/>
+                <a:cs typeface="+mn-cs"/>
+              </a:defRPr>
+            </a:lvl3pPr>
+            <a:lvl4pPr marL="1600200" indent="-228600" algn="l" defTabSz="914400" rtl="0" eaLnBrk="1" latinLnBrk="0" hangingPunct="1">
+              <a:lnSpc>
+                <a:spcPct val="90000"/>
+              </a:lnSpc>
+              <a:spcBef>
+                <a:spcPts val="500"/>
+              </a:spcBef>
+              <a:buFont typeface="Arial" panose="020B0604020202020204" pitchFamily="34" charset="0"/>
+              <a:buChar char="•"/>
+              <a:defRPr sz="1800" kern="1200">
+                <a:solidFill>
+                  <a:schemeClr val="tx1"/>
+                </a:solidFill>
+                <a:latin typeface="+mn-lt"/>
+                <a:ea typeface="+mn-ea"/>
+                <a:cs typeface="+mn-cs"/>
+              </a:defRPr>
+            </a:lvl4pPr>
+            <a:lvl5pPr marL="2057400" indent="-228600" algn="l" defTabSz="914400" rtl="0" eaLnBrk="1" latinLnBrk="0" hangingPunct="1">
+              <a:lnSpc>
+                <a:spcPct val="90000"/>
+              </a:lnSpc>
+              <a:spcBef>
+                <a:spcPts val="500"/>
+              </a:spcBef>
+              <a:buFont typeface="Arial" panose="020B0604020202020204" pitchFamily="34" charset="0"/>
+              <a:buChar char="•"/>
+              <a:defRPr sz="1800" kern="1200">
+                <a:solidFill>
+                  <a:schemeClr val="tx1"/>
+                </a:solidFill>
+                <a:latin typeface="+mn-lt"/>
+                <a:ea typeface="+mn-ea"/>
+                <a:cs typeface="+mn-cs"/>
+              </a:defRPr>
+            </a:lvl5pPr>
+            <a:lvl6pPr marL="2514600" indent="-228600" algn="l" defTabSz="914400" rtl="0" eaLnBrk="1" latinLnBrk="0" hangingPunct="1">
+              <a:lnSpc>
+                <a:spcPct val="90000"/>
+              </a:lnSpc>
+              <a:spcBef>
+                <a:spcPts val="500"/>
+              </a:spcBef>
+              <a:buFont typeface="Arial" panose="020B0604020202020204" pitchFamily="34" charset="0"/>
+              <a:buChar char="•"/>
+              <a:defRPr sz="1800" kern="1200">
+                <a:solidFill>
+                  <a:schemeClr val="tx1"/>
+                </a:solidFill>
+                <a:latin typeface="+mn-lt"/>
+                <a:ea typeface="+mn-ea"/>
+                <a:cs typeface="+mn-cs"/>
+              </a:defRPr>
+            </a:lvl6pPr>
+            <a:lvl7pPr marL="2971800" indent="-228600" algn="l" defTabSz="914400" rtl="0" eaLnBrk="1" latinLnBrk="0" hangingPunct="1">
+              <a:lnSpc>
+                <a:spcPct val="90000"/>
+              </a:lnSpc>
+              <a:spcBef>
+                <a:spcPts val="500"/>
+              </a:spcBef>
+              <a:buFont typeface="Arial" panose="020B0604020202020204" pitchFamily="34" charset="0"/>
+              <a:buChar char="•"/>
+              <a:defRPr sz="1800" kern="1200">
+                <a:solidFill>
+                  <a:schemeClr val="tx1"/>
+                </a:solidFill>
+                <a:latin typeface="+mn-lt"/>
+                <a:ea typeface="+mn-ea"/>
+                <a:cs typeface="+mn-cs"/>
+              </a:defRPr>
+            </a:lvl7pPr>
+            <a:lvl8pPr marL="3429000" indent="-228600" algn="l" defTabSz="914400" rtl="0" eaLnBrk="1" latinLnBrk="0" hangingPunct="1">
+              <a:lnSpc>
+                <a:spcPct val="90000"/>
+              </a:lnSpc>
+              <a:spcBef>
+                <a:spcPts val="500"/>
+              </a:spcBef>
+              <a:buFont typeface="Arial" panose="020B0604020202020204" pitchFamily="34" charset="0"/>
+              <a:buChar char="•"/>
+              <a:defRPr sz="1800" kern="1200">
+                <a:solidFill>
+                  <a:schemeClr val="tx1"/>
+                </a:solidFill>
+                <a:latin typeface="+mn-lt"/>
+                <a:ea typeface="+mn-ea"/>
+                <a:cs typeface="+mn-cs"/>
+              </a:defRPr>
+            </a:lvl8pPr>
+            <a:lvl9pPr marL="3886200" indent="-228600" algn="l" defTabSz="914400" rtl="0" eaLnBrk="1" latinLnBrk="0" hangingPunct="1">
+              <a:lnSpc>
+                <a:spcPct val="90000"/>
+              </a:lnSpc>
+              <a:spcBef>
+                <a:spcPts val="500"/>
+              </a:spcBef>
+              <a:buFont typeface="Arial" panose="020B0604020202020204" pitchFamily="34" charset="0"/>
+              <a:buChar char="•"/>
+              <a:defRPr sz="1800" kern="1200">
+                <a:solidFill>
+                  <a:schemeClr val="tx1"/>
+                </a:solidFill>
+                <a:latin typeface="+mn-lt"/>
+                <a:ea typeface="+mn-ea"/>
+                <a:cs typeface="+mn-cs"/>
+              </a:defRPr>
+            </a:lvl9pPr>
+          </a:lstStyle>
+          <a:p>
+            <a:pPr marL="0" indent="0">
+              <a:buFont typeface="Arial" panose="020B0604020202020204" pitchFamily="34" charset="0"/>
+              <a:buNone/>
+            </a:pPr>
+            <a:r>
+              <a:rPr lang="en-US" b="1" u="sng" dirty="0">
+                <a:latin typeface="Euclid Circular B" panose="020B0504000000000000" pitchFamily="34" charset="0"/>
+                <a:ea typeface="Euclid Circular B" panose="020B0504000000000000" pitchFamily="34" charset="0"/>
+              </a:rPr>
+              <a:t>Data duplication</a:t>
+            </a:r>
+          </a:p>
+          <a:p>
+            <a:r>
+              <a:rPr lang="en-US" sz="2400" b="1" dirty="0">
+                <a:latin typeface="Euclid Circular B" panose="020B0504000000000000" pitchFamily="34" charset="0"/>
+                <a:ea typeface="Euclid Circular B" panose="020B0504000000000000" pitchFamily="34" charset="0"/>
+              </a:rPr>
+              <a:t>-</a:t>
+            </a:r>
+            <a:r>
+              <a:rPr lang="en-US" sz="2400" dirty="0">
+                <a:latin typeface="Euclid Circular B" panose="020B0504000000000000" pitchFamily="34" charset="0"/>
+                <a:ea typeface="Euclid Circular B" panose="020B0504000000000000" pitchFamily="34" charset="0"/>
+              </a:rPr>
+              <a:t> </a:t>
+            </a:r>
+            <a:r>
+              <a:rPr lang="en-US" sz="2400" b="1" dirty="0">
+                <a:latin typeface="Euclid Circular B" panose="020B0504000000000000" pitchFamily="34" charset="0"/>
+                <a:ea typeface="Euclid Circular B" panose="020B0504000000000000" pitchFamily="34" charset="0"/>
+              </a:rPr>
+              <a:t>Slower </a:t>
+            </a:r>
+            <a:r>
+              <a:rPr lang="en-US" sz="2400" dirty="0">
+                <a:latin typeface="Euclid Circular B" panose="020B0504000000000000" pitchFamily="34" charset="0"/>
+                <a:ea typeface="Euclid Circular B" panose="020B0504000000000000" pitchFamily="34" charset="0"/>
+              </a:rPr>
+              <a:t>(database operations)</a:t>
+            </a:r>
+          </a:p>
+          <a:p>
+            <a:r>
+              <a:rPr lang="en-US" sz="2400" b="1" dirty="0">
+                <a:latin typeface="Euclid Circular B" panose="020B0504000000000000" pitchFamily="34" charset="0"/>
+                <a:ea typeface="Euclid Circular B" panose="020B0504000000000000" pitchFamily="34" charset="0"/>
+              </a:rPr>
+              <a:t>-</a:t>
+            </a:r>
+            <a:r>
+              <a:rPr lang="en-US" sz="2400" dirty="0">
+                <a:latin typeface="Euclid Circular B" panose="020B0504000000000000" pitchFamily="34" charset="0"/>
+                <a:ea typeface="Euclid Circular B" panose="020B0504000000000000" pitchFamily="34" charset="0"/>
+              </a:rPr>
+              <a:t> Needs </a:t>
+            </a:r>
+            <a:r>
+              <a:rPr lang="en-US" sz="2400" b="1" dirty="0">
+                <a:latin typeface="Euclid Circular B" panose="020B0504000000000000" pitchFamily="34" charset="0"/>
+                <a:ea typeface="Euclid Circular B" panose="020B0504000000000000" pitchFamily="34" charset="0"/>
+              </a:rPr>
+              <a:t>synchronization</a:t>
+            </a:r>
+          </a:p>
+          <a:p>
+            <a:r>
+              <a:rPr lang="en-US" sz="2400" b="1" dirty="0">
+                <a:latin typeface="Euclid Circular B" panose="020B0504000000000000" pitchFamily="34" charset="0"/>
+                <a:ea typeface="Euclid Circular B" panose="020B0504000000000000" pitchFamily="34" charset="0"/>
+              </a:rPr>
+              <a:t>+ Individual </a:t>
+            </a:r>
+            <a:r>
+              <a:rPr lang="en-US" sz="2400" dirty="0">
+                <a:latin typeface="Euclid Circular B" panose="020B0504000000000000" pitchFamily="34" charset="0"/>
+                <a:ea typeface="Euclid Circular B" panose="020B0504000000000000" pitchFamily="34" charset="0"/>
+              </a:rPr>
+              <a:t>and </a:t>
+            </a:r>
+            <a:r>
+              <a:rPr lang="en-US" sz="2400" b="1" dirty="0">
+                <a:latin typeface="Euclid Circular B" panose="020B0504000000000000" pitchFamily="34" charset="0"/>
+                <a:ea typeface="Euclid Circular B" panose="020B0504000000000000" pitchFamily="34" charset="0"/>
+              </a:rPr>
+              <a:t>mass </a:t>
+            </a:r>
+            <a:r>
+              <a:rPr lang="en-US" sz="2400" dirty="0">
+                <a:latin typeface="Euclid Circular B" panose="020B0504000000000000" pitchFamily="34" charset="0"/>
+                <a:ea typeface="Euclid Circular B" panose="020B0504000000000000" pitchFamily="34" charset="0"/>
+              </a:rPr>
+              <a:t>access (JOIN queries) to the duplicated data</a:t>
+            </a:r>
+          </a:p>
+          <a:p>
+            <a:r>
+              <a:rPr lang="en-US" sz="2400" b="1" dirty="0">
+                <a:latin typeface="Euclid Circular B" panose="020B0504000000000000" pitchFamily="34" charset="0"/>
+                <a:ea typeface="Euclid Circular B" panose="020B0504000000000000" pitchFamily="34" charset="0"/>
+              </a:rPr>
+              <a:t>+ </a:t>
+            </a:r>
+            <a:r>
+              <a:rPr lang="en-US" sz="2400" dirty="0">
+                <a:latin typeface="Euclid Circular B" panose="020B0504000000000000" pitchFamily="34" charset="0"/>
+                <a:ea typeface="Euclid Circular B" panose="020B0504000000000000" pitchFamily="34" charset="0"/>
+              </a:rPr>
+              <a:t>Better </a:t>
+            </a:r>
+            <a:r>
+              <a:rPr lang="en-US" sz="2400" b="1" dirty="0">
+                <a:latin typeface="Euclid Circular B" panose="020B0504000000000000" pitchFamily="34" charset="0"/>
+                <a:ea typeface="Euclid Circular B" panose="020B0504000000000000" pitchFamily="34" charset="0"/>
+              </a:rPr>
+              <a:t>offline access</a:t>
+            </a:r>
+          </a:p>
+          <a:p>
+            <a:r>
+              <a:rPr lang="en-US" sz="2400" dirty="0">
+                <a:latin typeface="Euclid Circular B" panose="020B0504000000000000" pitchFamily="34" charset="0"/>
+                <a:ea typeface="Euclid Circular B" panose="020B0504000000000000" pitchFamily="34" charset="0"/>
+              </a:rPr>
+              <a:t>Use if you need to query </a:t>
+            </a:r>
+            <a:r>
+              <a:rPr lang="en-US" sz="2400" b="1" dirty="0">
+                <a:latin typeface="Euclid Circular B" panose="020B0504000000000000" pitchFamily="34" charset="0"/>
+                <a:ea typeface="Euclid Circular B" panose="020B0504000000000000" pitchFamily="34" charset="0"/>
+              </a:rPr>
+              <a:t>mass</a:t>
+            </a:r>
+            <a:r>
+              <a:rPr lang="en-US" sz="2400" dirty="0">
+                <a:latin typeface="Euclid Circular B" panose="020B0504000000000000" pitchFamily="34" charset="0"/>
+                <a:ea typeface="Euclid Circular B" panose="020B0504000000000000" pitchFamily="34" charset="0"/>
+              </a:rPr>
+              <a:t> data</a:t>
+            </a:r>
+          </a:p>
+        </p:txBody>
+      </p:sp>
+      <p:sp>
+        <p:nvSpPr>
+          <p:cNvPr id="5" name="Content Placeholder 2">
+            <a:extLst>
+              <a:ext uri="{FF2B5EF4-FFF2-40B4-BE49-F238E27FC236}">
+                <a16:creationId xmlns:a16="http://schemas.microsoft.com/office/drawing/2014/main" id="{3BD513B5-C6E0-4130-A0A0-124102BE8A06}"/>
+              </a:ext>
+            </a:extLst>
+          </p:cNvPr>
+          <p:cNvSpPr txBox="1">
+            <a:spLocks/>
+          </p:cNvSpPr>
+          <p:nvPr/>
+        </p:nvSpPr>
+        <p:spPr>
+          <a:xfrm>
+            <a:off x="2842259" y="5859876"/>
+            <a:ext cx="6507481" cy="455074"/>
+          </a:xfrm>
+          <a:prstGeom prst="rect">
+            <a:avLst/>
+          </a:prstGeom>
+        </p:spPr>
+        <p:txBody>
+          <a:bodyPr vert="horz" lIns="91440" tIns="45720" rIns="91440" bIns="45720" rtlCol="0">
+            <a:normAutofit/>
+          </a:bodyPr>
+          <a:lstStyle>
+            <a:lvl1pPr marL="228600" indent="-228600" algn="l" defTabSz="914400" rtl="0" eaLnBrk="1" latinLnBrk="0" hangingPunct="1">
+              <a:lnSpc>
+                <a:spcPct val="90000"/>
+              </a:lnSpc>
+              <a:spcBef>
+                <a:spcPts val="1000"/>
+              </a:spcBef>
+              <a:buFont typeface="Arial" panose="020B0604020202020204" pitchFamily="34" charset="0"/>
+              <a:buChar char="•"/>
+              <a:defRPr sz="2800" kern="1200">
+                <a:solidFill>
+                  <a:schemeClr val="tx1"/>
+                </a:solidFill>
+                <a:latin typeface="+mn-lt"/>
+                <a:ea typeface="+mn-ea"/>
+                <a:cs typeface="+mn-cs"/>
+              </a:defRPr>
+            </a:lvl1pPr>
+            <a:lvl2pPr marL="685800" indent="-228600" algn="l" defTabSz="914400" rtl="0" eaLnBrk="1" latinLnBrk="0" hangingPunct="1">
+              <a:lnSpc>
+                <a:spcPct val="90000"/>
+              </a:lnSpc>
+              <a:spcBef>
+                <a:spcPts val="500"/>
+              </a:spcBef>
+              <a:buFont typeface="Arial" panose="020B0604020202020204" pitchFamily="34" charset="0"/>
+              <a:buChar char="•"/>
+              <a:defRPr sz="2400" kern="1200">
+                <a:solidFill>
+                  <a:schemeClr val="tx1"/>
+                </a:solidFill>
+                <a:latin typeface="+mn-lt"/>
+                <a:ea typeface="+mn-ea"/>
+                <a:cs typeface="+mn-cs"/>
+              </a:defRPr>
+            </a:lvl2pPr>
+            <a:lvl3pPr marL="1143000" indent="-228600" algn="l" defTabSz="914400" rtl="0" eaLnBrk="1" latinLnBrk="0" hangingPunct="1">
+              <a:lnSpc>
+                <a:spcPct val="90000"/>
+              </a:lnSpc>
+              <a:spcBef>
+                <a:spcPts val="500"/>
+              </a:spcBef>
+              <a:buFont typeface="Arial" panose="020B0604020202020204" pitchFamily="34" charset="0"/>
+              <a:buChar char="•"/>
+              <a:defRPr sz="2000" kern="1200">
+                <a:solidFill>
+                  <a:schemeClr val="tx1"/>
+                </a:solidFill>
+                <a:latin typeface="+mn-lt"/>
+                <a:ea typeface="+mn-ea"/>
+                <a:cs typeface="+mn-cs"/>
+              </a:defRPr>
+            </a:lvl3pPr>
+            <a:lvl4pPr marL="1600200" indent="-228600" algn="l" defTabSz="914400" rtl="0" eaLnBrk="1" latinLnBrk="0" hangingPunct="1">
+              <a:lnSpc>
+                <a:spcPct val="90000"/>
+              </a:lnSpc>
+              <a:spcBef>
+                <a:spcPts val="500"/>
+              </a:spcBef>
+              <a:buFont typeface="Arial" panose="020B0604020202020204" pitchFamily="34" charset="0"/>
+              <a:buChar char="•"/>
+              <a:defRPr sz="1800" kern="1200">
+                <a:solidFill>
+                  <a:schemeClr val="tx1"/>
+                </a:solidFill>
+                <a:latin typeface="+mn-lt"/>
+                <a:ea typeface="+mn-ea"/>
+                <a:cs typeface="+mn-cs"/>
+              </a:defRPr>
+            </a:lvl4pPr>
+            <a:lvl5pPr marL="2057400" indent="-228600" algn="l" defTabSz="914400" rtl="0" eaLnBrk="1" latinLnBrk="0" hangingPunct="1">
+              <a:lnSpc>
+                <a:spcPct val="90000"/>
+              </a:lnSpc>
+              <a:spcBef>
+                <a:spcPts val="500"/>
+              </a:spcBef>
+              <a:buFont typeface="Arial" panose="020B0604020202020204" pitchFamily="34" charset="0"/>
+              <a:buChar char="•"/>
+              <a:defRPr sz="1800" kern="1200">
+                <a:solidFill>
+                  <a:schemeClr val="tx1"/>
+                </a:solidFill>
+                <a:latin typeface="+mn-lt"/>
+                <a:ea typeface="+mn-ea"/>
+                <a:cs typeface="+mn-cs"/>
+              </a:defRPr>
+            </a:lvl5pPr>
+            <a:lvl6pPr marL="2514600" indent="-228600" algn="l" defTabSz="914400" rtl="0" eaLnBrk="1" latinLnBrk="0" hangingPunct="1">
+              <a:lnSpc>
+                <a:spcPct val="90000"/>
+              </a:lnSpc>
+              <a:spcBef>
+                <a:spcPts val="500"/>
+              </a:spcBef>
+              <a:buFont typeface="Arial" panose="020B0604020202020204" pitchFamily="34" charset="0"/>
+              <a:buChar char="•"/>
+              <a:defRPr sz="1800" kern="1200">
+                <a:solidFill>
+                  <a:schemeClr val="tx1"/>
+                </a:solidFill>
+                <a:latin typeface="+mn-lt"/>
+                <a:ea typeface="+mn-ea"/>
+                <a:cs typeface="+mn-cs"/>
+              </a:defRPr>
+            </a:lvl6pPr>
+            <a:lvl7pPr marL="2971800" indent="-228600" algn="l" defTabSz="914400" rtl="0" eaLnBrk="1" latinLnBrk="0" hangingPunct="1">
+              <a:lnSpc>
+                <a:spcPct val="90000"/>
+              </a:lnSpc>
+              <a:spcBef>
+                <a:spcPts val="500"/>
+              </a:spcBef>
+              <a:buFont typeface="Arial" panose="020B0604020202020204" pitchFamily="34" charset="0"/>
+              <a:buChar char="•"/>
+              <a:defRPr sz="1800" kern="1200">
+                <a:solidFill>
+                  <a:schemeClr val="tx1"/>
+                </a:solidFill>
+                <a:latin typeface="+mn-lt"/>
+                <a:ea typeface="+mn-ea"/>
+                <a:cs typeface="+mn-cs"/>
+              </a:defRPr>
+            </a:lvl7pPr>
+            <a:lvl8pPr marL="3429000" indent="-228600" algn="l" defTabSz="914400" rtl="0" eaLnBrk="1" latinLnBrk="0" hangingPunct="1">
+              <a:lnSpc>
+                <a:spcPct val="90000"/>
+              </a:lnSpc>
+              <a:spcBef>
+                <a:spcPts val="500"/>
+              </a:spcBef>
+              <a:buFont typeface="Arial" panose="020B0604020202020204" pitchFamily="34" charset="0"/>
+              <a:buChar char="•"/>
+              <a:defRPr sz="1800" kern="1200">
+                <a:solidFill>
+                  <a:schemeClr val="tx1"/>
+                </a:solidFill>
+                <a:latin typeface="+mn-lt"/>
+                <a:ea typeface="+mn-ea"/>
+                <a:cs typeface="+mn-cs"/>
+              </a:defRPr>
+            </a:lvl8pPr>
+            <a:lvl9pPr marL="3886200" indent="-228600" algn="l" defTabSz="914400" rtl="0" eaLnBrk="1" latinLnBrk="0" hangingPunct="1">
+              <a:lnSpc>
+                <a:spcPct val="90000"/>
+              </a:lnSpc>
+              <a:spcBef>
+                <a:spcPts val="500"/>
+              </a:spcBef>
+              <a:buFont typeface="Arial" panose="020B0604020202020204" pitchFamily="34" charset="0"/>
+              <a:buChar char="•"/>
+              <a:defRPr sz="1800" kern="1200">
+                <a:solidFill>
+                  <a:schemeClr val="tx1"/>
+                </a:solidFill>
+                <a:latin typeface="+mn-lt"/>
+                <a:ea typeface="+mn-ea"/>
+                <a:cs typeface="+mn-cs"/>
+              </a:defRPr>
+            </a:lvl9pPr>
+          </a:lstStyle>
+          <a:p>
+            <a:pPr marL="0" indent="0">
+              <a:buFont typeface="Arial" panose="020B0604020202020204" pitchFamily="34" charset="0"/>
+              <a:buNone/>
+            </a:pPr>
+            <a:r>
+              <a:rPr lang="en-US" sz="2400" i="1" dirty="0">
+                <a:solidFill>
+                  <a:srgbClr val="C00000"/>
+                </a:solidFill>
+                <a:latin typeface="Euclid Circular B" panose="020B0504000000000000" pitchFamily="34" charset="0"/>
+                <a:ea typeface="Euclid Circular B" panose="020B0504000000000000" pitchFamily="34" charset="0"/>
+              </a:rPr>
+              <a:t>YOU CAN ALWAYS COMBINE TOGETHER</a:t>
+            </a:r>
           </a:p>
         </p:txBody>
       </p:sp>
     </p:spTree>
     <p:extLst>
       <p:ext uri="{BB962C8B-B14F-4D97-AF65-F5344CB8AC3E}">
-        <p14:creationId xmlns:p14="http://schemas.microsoft.com/office/powerpoint/2010/main" val="3507474482"/>
+        <p14:creationId xmlns:p14="http://schemas.microsoft.com/office/powerpoint/2010/main" val="4113877640"/>
       </p:ext>
     </p:extLst>
   </p:cSld>
   <p:clrMapOvr>
     <a:masterClrMapping/>
   </p:clrMapOvr>
+  <p:timing>
+    <p:tnLst>
+      <p:par>
+        <p:cTn id="1" dur="indefinite" restart="never" nodeType="tmRoot">
+          <p:childTnLst>
+            <p:seq concurrent="1" nextAc="seek">
+              <p:cTn id="2" dur="indefinite" nodeType="mainSeq">
+                <p:childTnLst>
+                  <p:par>
+                    <p:cTn id="3" fill="hold">
+                      <p:stCondLst>
+                        <p:cond delay="indefinite"/>
+                      </p:stCondLst>
+                      <p:childTnLst>
+                        <p:par>
+                          <p:cTn id="4" fill="hold">
+                            <p:stCondLst>
+                              <p:cond delay="0"/>
+                            </p:stCondLst>
+                            <p:childTnLst>
+                              <p:par>
+                                <p:cTn id="5" presetID="10" presetClass="entr" presetSubtype="0" fill="hold" nodeType="clickEffect">
+                                  <p:stCondLst>
+                                    <p:cond delay="0"/>
+                                  </p:stCondLst>
+                                  <p:childTnLst>
+                                    <p:set>
+                                      <p:cBhvr>
+                                        <p:cTn id="6" dur="1" fill="hold">
+                                          <p:stCondLst>
+                                            <p:cond delay="0"/>
+                                          </p:stCondLst>
+                                        </p:cTn>
+                                        <p:tgtEl>
+                                          <p:spTgt spid="3">
+                                            <p:txEl>
+                                              <p:pRg st="1" end="1"/>
+                                            </p:txEl>
+                                          </p:spTgt>
+                                        </p:tgtEl>
+                                        <p:attrNameLst>
+                                          <p:attrName>style.visibility</p:attrName>
+                                        </p:attrNameLst>
+                                      </p:cBhvr>
+                                      <p:to>
+                                        <p:strVal val="visible"/>
+                                      </p:to>
+                                    </p:set>
+                                    <p:animEffect transition="in" filter="fade">
+                                      <p:cBhvr>
+                                        <p:cTn id="7" dur="500"/>
+                                        <p:tgtEl>
+                                          <p:spTgt spid="3">
+                                            <p:txEl>
+                                              <p:pRg st="1" end="1"/>
+                                            </p:txEl>
+                                          </p:spTgt>
+                                        </p:tgtEl>
+                                      </p:cBhvr>
+                                    </p:animEffect>
+                                  </p:childTnLst>
+                                </p:cTn>
+                              </p:par>
+                            </p:childTnLst>
+                          </p:cTn>
+                        </p:par>
+                      </p:childTnLst>
+                    </p:cTn>
+                  </p:par>
+                  <p:par>
+                    <p:cTn id="8" fill="hold">
+                      <p:stCondLst>
+                        <p:cond delay="indefinite"/>
+                      </p:stCondLst>
+                      <p:childTnLst>
+                        <p:par>
+                          <p:cTn id="9" fill="hold">
+                            <p:stCondLst>
+                              <p:cond delay="0"/>
+                            </p:stCondLst>
+                            <p:childTnLst>
+                              <p:par>
+                                <p:cTn id="10" presetID="10" presetClass="entr" presetSubtype="0" fill="hold" nodeType="clickEffect">
+                                  <p:stCondLst>
+                                    <p:cond delay="0"/>
+                                  </p:stCondLst>
+                                  <p:childTnLst>
+                                    <p:set>
+                                      <p:cBhvr>
+                                        <p:cTn id="11" dur="1" fill="hold">
+                                          <p:stCondLst>
+                                            <p:cond delay="0"/>
+                                          </p:stCondLst>
+                                        </p:cTn>
+                                        <p:tgtEl>
+                                          <p:spTgt spid="4">
+                                            <p:txEl>
+                                              <p:pRg st="1" end="1"/>
+                                            </p:txEl>
+                                          </p:spTgt>
+                                        </p:tgtEl>
+                                        <p:attrNameLst>
+                                          <p:attrName>style.visibility</p:attrName>
+                                        </p:attrNameLst>
+                                      </p:cBhvr>
+                                      <p:to>
+                                        <p:strVal val="visible"/>
+                                      </p:to>
+                                    </p:set>
+                                    <p:animEffect transition="in" filter="fade">
+                                      <p:cBhvr>
+                                        <p:cTn id="12" dur="500"/>
+                                        <p:tgtEl>
+                                          <p:spTgt spid="4">
+                                            <p:txEl>
+                                              <p:pRg st="1" end="1"/>
+                                            </p:txEl>
+                                          </p:spTgt>
+                                        </p:tgtEl>
+                                      </p:cBhvr>
+                                    </p:animEffect>
+                                  </p:childTnLst>
+                                </p:cTn>
+                              </p:par>
+                            </p:childTnLst>
+                          </p:cTn>
+                        </p:par>
+                      </p:childTnLst>
+                    </p:cTn>
+                  </p:par>
+                  <p:par>
+                    <p:cTn id="13" fill="hold">
+                      <p:stCondLst>
+                        <p:cond delay="indefinite"/>
+                      </p:stCondLst>
+                      <p:childTnLst>
+                        <p:par>
+                          <p:cTn id="14" fill="hold">
+                            <p:stCondLst>
+                              <p:cond delay="0"/>
+                            </p:stCondLst>
+                            <p:childTnLst>
+                              <p:par>
+                                <p:cTn id="15" presetID="10" presetClass="entr" presetSubtype="0" fill="hold" nodeType="clickEffect">
+                                  <p:stCondLst>
+                                    <p:cond delay="0"/>
+                                  </p:stCondLst>
+                                  <p:childTnLst>
+                                    <p:set>
+                                      <p:cBhvr>
+                                        <p:cTn id="16" dur="1" fill="hold">
+                                          <p:stCondLst>
+                                            <p:cond delay="0"/>
+                                          </p:stCondLst>
+                                        </p:cTn>
+                                        <p:tgtEl>
+                                          <p:spTgt spid="3">
+                                            <p:txEl>
+                                              <p:pRg st="2" end="2"/>
+                                            </p:txEl>
+                                          </p:spTgt>
+                                        </p:tgtEl>
+                                        <p:attrNameLst>
+                                          <p:attrName>style.visibility</p:attrName>
+                                        </p:attrNameLst>
+                                      </p:cBhvr>
+                                      <p:to>
+                                        <p:strVal val="visible"/>
+                                      </p:to>
+                                    </p:set>
+                                    <p:animEffect transition="in" filter="fade">
+                                      <p:cBhvr>
+                                        <p:cTn id="17" dur="500"/>
+                                        <p:tgtEl>
+                                          <p:spTgt spid="3">
+                                            <p:txEl>
+                                              <p:pRg st="2" end="2"/>
+                                            </p:txEl>
+                                          </p:spTgt>
+                                        </p:tgtEl>
+                                      </p:cBhvr>
+                                    </p:animEffect>
+                                  </p:childTnLst>
+                                </p:cTn>
+                              </p:par>
+                            </p:childTnLst>
+                          </p:cTn>
+                        </p:par>
+                      </p:childTnLst>
+                    </p:cTn>
+                  </p:par>
+                  <p:par>
+                    <p:cTn id="18" fill="hold">
+                      <p:stCondLst>
+                        <p:cond delay="indefinite"/>
+                      </p:stCondLst>
+                      <p:childTnLst>
+                        <p:par>
+                          <p:cTn id="19" fill="hold">
+                            <p:stCondLst>
+                              <p:cond delay="0"/>
+                            </p:stCondLst>
+                            <p:childTnLst>
+                              <p:par>
+                                <p:cTn id="20" presetID="10" presetClass="entr" presetSubtype="0" fill="hold" nodeType="clickEffect">
+                                  <p:stCondLst>
+                                    <p:cond delay="0"/>
+                                  </p:stCondLst>
+                                  <p:childTnLst>
+                                    <p:set>
+                                      <p:cBhvr>
+                                        <p:cTn id="21" dur="1" fill="hold">
+                                          <p:stCondLst>
+                                            <p:cond delay="0"/>
+                                          </p:stCondLst>
+                                        </p:cTn>
+                                        <p:tgtEl>
+                                          <p:spTgt spid="4">
+                                            <p:txEl>
+                                              <p:pRg st="2" end="2"/>
+                                            </p:txEl>
+                                          </p:spTgt>
+                                        </p:tgtEl>
+                                        <p:attrNameLst>
+                                          <p:attrName>style.visibility</p:attrName>
+                                        </p:attrNameLst>
+                                      </p:cBhvr>
+                                      <p:to>
+                                        <p:strVal val="visible"/>
+                                      </p:to>
+                                    </p:set>
+                                    <p:animEffect transition="in" filter="fade">
+                                      <p:cBhvr>
+                                        <p:cTn id="22" dur="500"/>
+                                        <p:tgtEl>
+                                          <p:spTgt spid="4">
+                                            <p:txEl>
+                                              <p:pRg st="2" end="2"/>
+                                            </p:txEl>
+                                          </p:spTgt>
+                                        </p:tgtEl>
+                                      </p:cBhvr>
+                                    </p:animEffect>
+                                  </p:childTnLst>
+                                </p:cTn>
+                              </p:par>
+                            </p:childTnLst>
+                          </p:cTn>
+                        </p:par>
+                      </p:childTnLst>
+                    </p:cTn>
+                  </p:par>
+                  <p:par>
+                    <p:cTn id="23" fill="hold">
+                      <p:stCondLst>
+                        <p:cond delay="indefinite"/>
+                      </p:stCondLst>
+                      <p:childTnLst>
+                        <p:par>
+                          <p:cTn id="24" fill="hold">
+                            <p:stCondLst>
+                              <p:cond delay="0"/>
+                            </p:stCondLst>
+                            <p:childTnLst>
+                              <p:par>
+                                <p:cTn id="25" presetID="10" presetClass="entr" presetSubtype="0" fill="hold" nodeType="clickEffect">
+                                  <p:stCondLst>
+                                    <p:cond delay="0"/>
+                                  </p:stCondLst>
+                                  <p:childTnLst>
+                                    <p:set>
+                                      <p:cBhvr>
+                                        <p:cTn id="26" dur="1" fill="hold">
+                                          <p:stCondLst>
+                                            <p:cond delay="0"/>
+                                          </p:stCondLst>
+                                        </p:cTn>
+                                        <p:tgtEl>
+                                          <p:spTgt spid="3">
+                                            <p:txEl>
+                                              <p:pRg st="3" end="3"/>
+                                            </p:txEl>
+                                          </p:spTgt>
+                                        </p:tgtEl>
+                                        <p:attrNameLst>
+                                          <p:attrName>style.visibility</p:attrName>
+                                        </p:attrNameLst>
+                                      </p:cBhvr>
+                                      <p:to>
+                                        <p:strVal val="visible"/>
+                                      </p:to>
+                                    </p:set>
+                                    <p:animEffect transition="in" filter="fade">
+                                      <p:cBhvr>
+                                        <p:cTn id="27" dur="500"/>
+                                        <p:tgtEl>
+                                          <p:spTgt spid="3">
+                                            <p:txEl>
+                                              <p:pRg st="3" end="3"/>
+                                            </p:txEl>
+                                          </p:spTgt>
+                                        </p:tgtEl>
+                                      </p:cBhvr>
+                                    </p:animEffect>
+                                  </p:childTnLst>
+                                </p:cTn>
+                              </p:par>
+                            </p:childTnLst>
+                          </p:cTn>
+                        </p:par>
+                      </p:childTnLst>
+                    </p:cTn>
+                  </p:par>
+                  <p:par>
+                    <p:cTn id="28" fill="hold">
+                      <p:stCondLst>
+                        <p:cond delay="indefinite"/>
+                      </p:stCondLst>
+                      <p:childTnLst>
+                        <p:par>
+                          <p:cTn id="29" fill="hold">
+                            <p:stCondLst>
+                              <p:cond delay="0"/>
+                            </p:stCondLst>
+                            <p:childTnLst>
+                              <p:par>
+                                <p:cTn id="30" presetID="10" presetClass="entr" presetSubtype="0" fill="hold" nodeType="clickEffect">
+                                  <p:stCondLst>
+                                    <p:cond delay="0"/>
+                                  </p:stCondLst>
+                                  <p:childTnLst>
+                                    <p:set>
+                                      <p:cBhvr>
+                                        <p:cTn id="31" dur="1" fill="hold">
+                                          <p:stCondLst>
+                                            <p:cond delay="0"/>
+                                          </p:stCondLst>
+                                        </p:cTn>
+                                        <p:tgtEl>
+                                          <p:spTgt spid="4">
+                                            <p:txEl>
+                                              <p:pRg st="3" end="3"/>
+                                            </p:txEl>
+                                          </p:spTgt>
+                                        </p:tgtEl>
+                                        <p:attrNameLst>
+                                          <p:attrName>style.visibility</p:attrName>
+                                        </p:attrNameLst>
+                                      </p:cBhvr>
+                                      <p:to>
+                                        <p:strVal val="visible"/>
+                                      </p:to>
+                                    </p:set>
+                                    <p:animEffect transition="in" filter="fade">
+                                      <p:cBhvr>
+                                        <p:cTn id="32" dur="500"/>
+                                        <p:tgtEl>
+                                          <p:spTgt spid="4">
+                                            <p:txEl>
+                                              <p:pRg st="3" end="3"/>
+                                            </p:txEl>
+                                          </p:spTgt>
+                                        </p:tgtEl>
+                                      </p:cBhvr>
+                                    </p:animEffect>
+                                  </p:childTnLst>
+                                </p:cTn>
+                              </p:par>
+                            </p:childTnLst>
+                          </p:cTn>
+                        </p:par>
+                      </p:childTnLst>
+                    </p:cTn>
+                  </p:par>
+                  <p:par>
+                    <p:cTn id="33" fill="hold">
+                      <p:stCondLst>
+                        <p:cond delay="indefinite"/>
+                      </p:stCondLst>
+                      <p:childTnLst>
+                        <p:par>
+                          <p:cTn id="34" fill="hold">
+                            <p:stCondLst>
+                              <p:cond delay="0"/>
+                            </p:stCondLst>
+                            <p:childTnLst>
+                              <p:par>
+                                <p:cTn id="35" presetID="10" presetClass="entr" presetSubtype="0" fill="hold" nodeType="clickEffect">
+                                  <p:stCondLst>
+                                    <p:cond delay="0"/>
+                                  </p:stCondLst>
+                                  <p:childTnLst>
+                                    <p:set>
+                                      <p:cBhvr>
+                                        <p:cTn id="36" dur="1" fill="hold">
+                                          <p:stCondLst>
+                                            <p:cond delay="0"/>
+                                          </p:stCondLst>
+                                        </p:cTn>
+                                        <p:tgtEl>
+                                          <p:spTgt spid="3">
+                                            <p:txEl>
+                                              <p:pRg st="4" end="4"/>
+                                            </p:txEl>
+                                          </p:spTgt>
+                                        </p:tgtEl>
+                                        <p:attrNameLst>
+                                          <p:attrName>style.visibility</p:attrName>
+                                        </p:attrNameLst>
+                                      </p:cBhvr>
+                                      <p:to>
+                                        <p:strVal val="visible"/>
+                                      </p:to>
+                                    </p:set>
+                                    <p:animEffect transition="in" filter="fade">
+                                      <p:cBhvr>
+                                        <p:cTn id="37" dur="500"/>
+                                        <p:tgtEl>
+                                          <p:spTgt spid="3">
+                                            <p:txEl>
+                                              <p:pRg st="4" end="4"/>
+                                            </p:txEl>
+                                          </p:spTgt>
+                                        </p:tgtEl>
+                                      </p:cBhvr>
+                                    </p:animEffect>
+                                  </p:childTnLst>
+                                </p:cTn>
+                              </p:par>
+                            </p:childTnLst>
+                          </p:cTn>
+                        </p:par>
+                      </p:childTnLst>
+                    </p:cTn>
+                  </p:par>
+                  <p:par>
+                    <p:cTn id="38" fill="hold">
+                      <p:stCondLst>
+                        <p:cond delay="indefinite"/>
+                      </p:stCondLst>
+                      <p:childTnLst>
+                        <p:par>
+                          <p:cTn id="39" fill="hold">
+                            <p:stCondLst>
+                              <p:cond delay="0"/>
+                            </p:stCondLst>
+                            <p:childTnLst>
+                              <p:par>
+                                <p:cTn id="40" presetID="10" presetClass="entr" presetSubtype="0" fill="hold" nodeType="clickEffect">
+                                  <p:stCondLst>
+                                    <p:cond delay="0"/>
+                                  </p:stCondLst>
+                                  <p:childTnLst>
+                                    <p:set>
+                                      <p:cBhvr>
+                                        <p:cTn id="41" dur="1" fill="hold">
+                                          <p:stCondLst>
+                                            <p:cond delay="0"/>
+                                          </p:stCondLst>
+                                        </p:cTn>
+                                        <p:tgtEl>
+                                          <p:spTgt spid="4">
+                                            <p:txEl>
+                                              <p:pRg st="4" end="4"/>
+                                            </p:txEl>
+                                          </p:spTgt>
+                                        </p:tgtEl>
+                                        <p:attrNameLst>
+                                          <p:attrName>style.visibility</p:attrName>
+                                        </p:attrNameLst>
+                                      </p:cBhvr>
+                                      <p:to>
+                                        <p:strVal val="visible"/>
+                                      </p:to>
+                                    </p:set>
+                                    <p:animEffect transition="in" filter="fade">
+                                      <p:cBhvr>
+                                        <p:cTn id="42" dur="500"/>
+                                        <p:tgtEl>
+                                          <p:spTgt spid="4">
+                                            <p:txEl>
+                                              <p:pRg st="4" end="4"/>
+                                            </p:txEl>
+                                          </p:spTgt>
+                                        </p:tgtEl>
+                                      </p:cBhvr>
+                                    </p:animEffect>
+                                  </p:childTnLst>
+                                </p:cTn>
+                              </p:par>
+                            </p:childTnLst>
+                          </p:cTn>
+                        </p:par>
+                      </p:childTnLst>
+                    </p:cTn>
+                  </p:par>
+                  <p:par>
+                    <p:cTn id="43" fill="hold">
+                      <p:stCondLst>
+                        <p:cond delay="indefinite"/>
+                      </p:stCondLst>
+                      <p:childTnLst>
+                        <p:par>
+                          <p:cTn id="44" fill="hold">
+                            <p:stCondLst>
+                              <p:cond delay="0"/>
+                            </p:stCondLst>
+                            <p:childTnLst>
+                              <p:par>
+                                <p:cTn id="45" presetID="10" presetClass="entr" presetSubtype="0" fill="hold" nodeType="clickEffect">
+                                  <p:stCondLst>
+                                    <p:cond delay="0"/>
+                                  </p:stCondLst>
+                                  <p:childTnLst>
+                                    <p:set>
+                                      <p:cBhvr>
+                                        <p:cTn id="46" dur="1" fill="hold">
+                                          <p:stCondLst>
+                                            <p:cond delay="0"/>
+                                          </p:stCondLst>
+                                        </p:cTn>
+                                        <p:tgtEl>
+                                          <p:spTgt spid="3">
+                                            <p:txEl>
+                                              <p:pRg st="5" end="5"/>
+                                            </p:txEl>
+                                          </p:spTgt>
+                                        </p:tgtEl>
+                                        <p:attrNameLst>
+                                          <p:attrName>style.visibility</p:attrName>
+                                        </p:attrNameLst>
+                                      </p:cBhvr>
+                                      <p:to>
+                                        <p:strVal val="visible"/>
+                                      </p:to>
+                                    </p:set>
+                                    <p:animEffect transition="in" filter="fade">
+                                      <p:cBhvr>
+                                        <p:cTn id="47" dur="500"/>
+                                        <p:tgtEl>
+                                          <p:spTgt spid="3">
+                                            <p:txEl>
+                                              <p:pRg st="5" end="5"/>
+                                            </p:txEl>
+                                          </p:spTgt>
+                                        </p:tgtEl>
+                                      </p:cBhvr>
+                                    </p:animEffect>
+                                  </p:childTnLst>
+                                </p:cTn>
+                              </p:par>
+                            </p:childTnLst>
+                          </p:cTn>
+                        </p:par>
+                      </p:childTnLst>
+                    </p:cTn>
+                  </p:par>
+                  <p:par>
+                    <p:cTn id="48" fill="hold">
+                      <p:stCondLst>
+                        <p:cond delay="indefinite"/>
+                      </p:stCondLst>
+                      <p:childTnLst>
+                        <p:par>
+                          <p:cTn id="49" fill="hold">
+                            <p:stCondLst>
+                              <p:cond delay="0"/>
+                            </p:stCondLst>
+                            <p:childTnLst>
+                              <p:par>
+                                <p:cTn id="50" presetID="10" presetClass="entr" presetSubtype="0" fill="hold" nodeType="clickEffect">
+                                  <p:stCondLst>
+                                    <p:cond delay="0"/>
+                                  </p:stCondLst>
+                                  <p:childTnLst>
+                                    <p:set>
+                                      <p:cBhvr>
+                                        <p:cTn id="51" dur="1" fill="hold">
+                                          <p:stCondLst>
+                                            <p:cond delay="0"/>
+                                          </p:stCondLst>
+                                        </p:cTn>
+                                        <p:tgtEl>
+                                          <p:spTgt spid="4">
+                                            <p:txEl>
+                                              <p:pRg st="5" end="5"/>
+                                            </p:txEl>
+                                          </p:spTgt>
+                                        </p:tgtEl>
+                                        <p:attrNameLst>
+                                          <p:attrName>style.visibility</p:attrName>
+                                        </p:attrNameLst>
+                                      </p:cBhvr>
+                                      <p:to>
+                                        <p:strVal val="visible"/>
+                                      </p:to>
+                                    </p:set>
+                                    <p:animEffect transition="in" filter="fade">
+                                      <p:cBhvr>
+                                        <p:cTn id="52" dur="500"/>
+                                        <p:tgtEl>
+                                          <p:spTgt spid="4">
+                                            <p:txEl>
+                                              <p:pRg st="5" end="5"/>
+                                            </p:txEl>
+                                          </p:spTgt>
+                                        </p:tgtEl>
+                                      </p:cBhvr>
+                                    </p:animEffect>
+                                  </p:childTnLst>
+                                </p:cTn>
+                              </p:par>
+                            </p:childTnLst>
+                          </p:cTn>
+                        </p:par>
+                      </p:childTnLst>
+                    </p:cTn>
+                  </p:par>
+                  <p:par>
+                    <p:cTn id="53" fill="hold">
+                      <p:stCondLst>
+                        <p:cond delay="indefinite"/>
+                      </p:stCondLst>
+                      <p:childTnLst>
+                        <p:par>
+                          <p:cTn id="54" fill="hold">
+                            <p:stCondLst>
+                              <p:cond delay="0"/>
+                            </p:stCondLst>
+                            <p:childTnLst>
+                              <p:par>
+                                <p:cTn id="55" presetID="10" presetClass="entr" presetSubtype="0" fill="hold" grpId="0" nodeType="clickEffect">
+                                  <p:stCondLst>
+                                    <p:cond delay="0"/>
+                                  </p:stCondLst>
+                                  <p:childTnLst>
+                                    <p:set>
+                                      <p:cBhvr>
+                                        <p:cTn id="56" dur="1" fill="hold">
+                                          <p:stCondLst>
+                                            <p:cond delay="0"/>
+                                          </p:stCondLst>
+                                        </p:cTn>
+                                        <p:tgtEl>
+                                          <p:spTgt spid="5"/>
+                                        </p:tgtEl>
+                                        <p:attrNameLst>
+                                          <p:attrName>style.visibility</p:attrName>
+                                        </p:attrNameLst>
+                                      </p:cBhvr>
+                                      <p:to>
+                                        <p:strVal val="visible"/>
+                                      </p:to>
+                                    </p:set>
+                                    <p:animEffect transition="in" filter="fade">
+                                      <p:cBhvr>
+                                        <p:cTn id="57" dur="500"/>
+                                        <p:tgtEl>
+                                          <p:spTgt spid="5"/>
+                                        </p:tgtEl>
+                                      </p:cBhvr>
+                                    </p:animEffect>
+                                  </p:childTnLst>
+                                </p:cTn>
+                              </p:par>
+                            </p:childTnLst>
+                          </p:cTn>
+                        </p:par>
+                      </p:childTnLst>
+                    </p:cTn>
+                  </p:par>
+                </p:childTnLst>
+              </p:cTn>
+              <p:prevCondLst>
+                <p:cond evt="onPrev" delay="0">
+                  <p:tgtEl>
+                    <p:sldTgt/>
+                  </p:tgtEl>
+                </p:cond>
+              </p:prevCondLst>
+              <p:nextCondLst>
+                <p:cond evt="onNext" delay="0">
+                  <p:tgtEl>
+                    <p:sldTgt/>
+                  </p:tgtEl>
+                </p:cond>
+              </p:nextCondLst>
+            </p:seq>
+          </p:childTnLst>
+        </p:cTn>
+      </p:par>
+    </p:tnLst>
+    <p:bldLst>
+      <p:bldP spid="5" grpId="0"/>
+    </p:bldLst>
+  </p:timing>
 </p:sld>
 </file>
 
@@ -38143,40 +42139,6 @@
       </p:grpSpPr>
       <p:sp>
         <p:nvSpPr>
-          <p:cNvPr id="2" name="Title 1">
-            <a:extLst>
-              <a:ext uri="{FF2B5EF4-FFF2-40B4-BE49-F238E27FC236}">
-                <a16:creationId xmlns:a16="http://schemas.microsoft.com/office/drawing/2014/main" id="{55E11F08-6CA0-48F1-AD67-97430DDA07F0}"/>
-              </a:ext>
-            </a:extLst>
-          </p:cNvPr>
-          <p:cNvSpPr>
-            <a:spLocks noGrp="1"/>
-          </p:cNvSpPr>
-          <p:nvPr>
-            <p:ph type="title"/>
-          </p:nvPr>
-        </p:nvSpPr>
-        <p:spPr/>
-        <p:txBody>
-          <a:bodyPr/>
-          <a:lstStyle/>
-          <a:p>
-            <a:r>
-              <a:rPr lang="en-US" b="1" dirty="0">
-                <a:solidFill>
-                  <a:srgbClr val="292D33"/>
-                </a:solidFill>
-                <a:latin typeface="Euclid Circular B" panose="020B0504000000000000" pitchFamily="34" charset="0"/>
-                <a:ea typeface="Euclid Circular B" panose="020B0504000000000000" pitchFamily="34" charset="0"/>
-              </a:rPr>
-              <a:t>Title</a:t>
-            </a:r>
-          </a:p>
-        </p:txBody>
-      </p:sp>
-      <p:sp>
-        <p:nvSpPr>
           <p:cNvPr id="3" name="Content Placeholder 2">
             <a:extLst>
               <a:ext uri="{FF2B5EF4-FFF2-40B4-BE49-F238E27FC236}">
@@ -38217,10 +42179,77 @@
           </a:p>
         </p:txBody>
       </p:sp>
+      <p:sp>
+        <p:nvSpPr>
+          <p:cNvPr id="6" name="Title 1">
+            <a:extLst>
+              <a:ext uri="{FF2B5EF4-FFF2-40B4-BE49-F238E27FC236}">
+                <a16:creationId xmlns:a16="http://schemas.microsoft.com/office/drawing/2014/main" id="{331D04E0-6416-4CBE-AD16-B2D9C4FE44C3}"/>
+              </a:ext>
+            </a:extLst>
+          </p:cNvPr>
+          <p:cNvSpPr>
+            <a:spLocks noGrp="1"/>
+          </p:cNvSpPr>
+          <p:nvPr>
+            <p:ph type="title"/>
+          </p:nvPr>
+        </p:nvSpPr>
+        <p:spPr>
+          <a:xfrm>
+            <a:off x="838200" y="365125"/>
+            <a:ext cx="10515600" cy="1325563"/>
+          </a:xfrm>
+        </p:spPr>
+        <p:txBody>
+          <a:bodyPr>
+            <a:normAutofit/>
+          </a:bodyPr>
+          <a:lstStyle/>
+          <a:p>
+            <a:r>
+              <a:rPr lang="en-US" b="1" dirty="0">
+                <a:solidFill>
+                  <a:srgbClr val="292D33"/>
+                </a:solidFill>
+                <a:latin typeface="Euclid Circular B" panose="020B0504000000000000" pitchFamily="34" charset="0"/>
+                <a:ea typeface="Euclid Circular B" panose="020B0504000000000000" pitchFamily="34" charset="0"/>
+              </a:rPr>
+              <a:t>Integrating the modules</a:t>
+            </a:r>
+            <a:br>
+              <a:rPr lang="en-US" b="1" dirty="0">
+                <a:solidFill>
+                  <a:srgbClr val="292D33"/>
+                </a:solidFill>
+                <a:latin typeface="Euclid Circular B" panose="020B0504000000000000" pitchFamily="34" charset="0"/>
+                <a:ea typeface="Euclid Circular B" panose="020B0504000000000000" pitchFamily="34" charset="0"/>
+              </a:rPr>
+            </a:br>
+            <a:r>
+              <a:rPr lang="en-US" sz="3200" b="1" i="1" dirty="0">
+                <a:solidFill>
+                  <a:srgbClr val="292D33"/>
+                </a:solidFill>
+                <a:latin typeface="Euclid Circular B" panose="020B0504000000000000" pitchFamily="34" charset="0"/>
+                <a:ea typeface="Euclid Circular B" panose="020B0504000000000000" pitchFamily="34" charset="0"/>
+              </a:rPr>
+              <a:t>caching vs data duplication</a:t>
+            </a:r>
+            <a:endParaRPr lang="en-US" b="1" dirty="0">
+              <a:solidFill>
+                <a:srgbClr val="292D33"/>
+              </a:solidFill>
+              <a:latin typeface="Euclid Circular B" panose="020B0504000000000000" pitchFamily="34" charset="0"/>
+              <a:ea typeface="Euclid Circular B" panose="020B0504000000000000" pitchFamily="34" charset="0"/>
+            </a:endParaRPr>
+          </a:p>
+        </p:txBody>
+      </p:sp>
     </p:spTree>
     <p:extLst>
       <p:ext uri="{BB962C8B-B14F-4D97-AF65-F5344CB8AC3E}">
-        <p14:creationId xmlns:p14="http://schemas.microsoft.com/office/powerpoint/2010/main" val="1277783299"/>
+        <p14:creationId xmlns:p14="http://schemas.microsoft.com/office/powerpoint/2010/main" val="3266800818"/>
       </p:ext>
     </p:extLst>
   </p:cSld>
@@ -38263,40 +42292,6 @@
       </p:grpSpPr>
       <p:sp>
         <p:nvSpPr>
-          <p:cNvPr id="2" name="Title 1">
-            <a:extLst>
-              <a:ext uri="{FF2B5EF4-FFF2-40B4-BE49-F238E27FC236}">
-                <a16:creationId xmlns:a16="http://schemas.microsoft.com/office/drawing/2014/main" id="{55E11F08-6CA0-48F1-AD67-97430DDA07F0}"/>
-              </a:ext>
-            </a:extLst>
-          </p:cNvPr>
-          <p:cNvSpPr>
-            <a:spLocks noGrp="1"/>
-          </p:cNvSpPr>
-          <p:nvPr>
-            <p:ph type="title"/>
-          </p:nvPr>
-        </p:nvSpPr>
-        <p:spPr/>
-        <p:txBody>
-          <a:bodyPr/>
-          <a:lstStyle/>
-          <a:p>
-            <a:r>
-              <a:rPr lang="en-US" b="1" dirty="0">
-                <a:solidFill>
-                  <a:srgbClr val="292D33"/>
-                </a:solidFill>
-                <a:latin typeface="Euclid Circular B" panose="020B0504000000000000" pitchFamily="34" charset="0"/>
-                <a:ea typeface="Euclid Circular B" panose="020B0504000000000000" pitchFamily="34" charset="0"/>
-              </a:rPr>
-              <a:t>Title</a:t>
-            </a:r>
-          </a:p>
-        </p:txBody>
-      </p:sp>
-      <p:sp>
-        <p:nvSpPr>
           <p:cNvPr id="3" name="Content Placeholder 2">
             <a:extLst>
               <a:ext uri="{FF2B5EF4-FFF2-40B4-BE49-F238E27FC236}">
@@ -38337,10 +42332,77 @@
           </a:p>
         </p:txBody>
       </p:sp>
+      <p:sp>
+        <p:nvSpPr>
+          <p:cNvPr id="6" name="Title 1">
+            <a:extLst>
+              <a:ext uri="{FF2B5EF4-FFF2-40B4-BE49-F238E27FC236}">
+                <a16:creationId xmlns:a16="http://schemas.microsoft.com/office/drawing/2014/main" id="{331D04E0-6416-4CBE-AD16-B2D9C4FE44C3}"/>
+              </a:ext>
+            </a:extLst>
+          </p:cNvPr>
+          <p:cNvSpPr>
+            <a:spLocks noGrp="1"/>
+          </p:cNvSpPr>
+          <p:nvPr>
+            <p:ph type="title"/>
+          </p:nvPr>
+        </p:nvSpPr>
+        <p:spPr>
+          <a:xfrm>
+            <a:off x="838200" y="365125"/>
+            <a:ext cx="10515600" cy="1325563"/>
+          </a:xfrm>
+        </p:spPr>
+        <p:txBody>
+          <a:bodyPr>
+            <a:normAutofit/>
+          </a:bodyPr>
+          <a:lstStyle/>
+          <a:p>
+            <a:r>
+              <a:rPr lang="en-US" b="1" dirty="0">
+                <a:solidFill>
+                  <a:srgbClr val="292D33"/>
+                </a:solidFill>
+                <a:latin typeface="Euclid Circular B" panose="020B0504000000000000" pitchFamily="34" charset="0"/>
+                <a:ea typeface="Euclid Circular B" panose="020B0504000000000000" pitchFamily="34" charset="0"/>
+              </a:rPr>
+              <a:t>Integrating the modules</a:t>
+            </a:r>
+            <a:br>
+              <a:rPr lang="en-US" b="1" dirty="0">
+                <a:solidFill>
+                  <a:srgbClr val="292D33"/>
+                </a:solidFill>
+                <a:latin typeface="Euclid Circular B" panose="020B0504000000000000" pitchFamily="34" charset="0"/>
+                <a:ea typeface="Euclid Circular B" panose="020B0504000000000000" pitchFamily="34" charset="0"/>
+              </a:rPr>
+            </a:br>
+            <a:r>
+              <a:rPr lang="en-US" sz="3200" b="1" i="1" dirty="0">
+                <a:solidFill>
+                  <a:srgbClr val="292D33"/>
+                </a:solidFill>
+                <a:latin typeface="Euclid Circular B" panose="020B0504000000000000" pitchFamily="34" charset="0"/>
+                <a:ea typeface="Euclid Circular B" panose="020B0504000000000000" pitchFamily="34" charset="0"/>
+              </a:rPr>
+              <a:t>caching vs data duplication</a:t>
+            </a:r>
+            <a:endParaRPr lang="en-US" b="1" dirty="0">
+              <a:solidFill>
+                <a:srgbClr val="292D33"/>
+              </a:solidFill>
+              <a:latin typeface="Euclid Circular B" panose="020B0504000000000000" pitchFamily="34" charset="0"/>
+              <a:ea typeface="Euclid Circular B" panose="020B0504000000000000" pitchFamily="34" charset="0"/>
+            </a:endParaRPr>
+          </a:p>
+        </p:txBody>
+      </p:sp>
     </p:spTree>
     <p:extLst>
       <p:ext uri="{BB962C8B-B14F-4D97-AF65-F5344CB8AC3E}">
-        <p14:creationId xmlns:p14="http://schemas.microsoft.com/office/powerpoint/2010/main" val="326598016"/>
+        <p14:creationId xmlns:p14="http://schemas.microsoft.com/office/powerpoint/2010/main" val="490047287"/>
       </p:ext>
     </p:extLst>
   </p:cSld>
@@ -38383,40 +42445,6 @@
       </p:grpSpPr>
       <p:sp>
         <p:nvSpPr>
-          <p:cNvPr id="2" name="Title 1">
-            <a:extLst>
-              <a:ext uri="{FF2B5EF4-FFF2-40B4-BE49-F238E27FC236}">
-                <a16:creationId xmlns:a16="http://schemas.microsoft.com/office/drawing/2014/main" id="{55E11F08-6CA0-48F1-AD67-97430DDA07F0}"/>
-              </a:ext>
-            </a:extLst>
-          </p:cNvPr>
-          <p:cNvSpPr>
-            <a:spLocks noGrp="1"/>
-          </p:cNvSpPr>
-          <p:nvPr>
-            <p:ph type="title"/>
-          </p:nvPr>
-        </p:nvSpPr>
-        <p:spPr/>
-        <p:txBody>
-          <a:bodyPr/>
-          <a:lstStyle/>
-          <a:p>
-            <a:r>
-              <a:rPr lang="en-US" b="1" dirty="0">
-                <a:solidFill>
-                  <a:srgbClr val="292D33"/>
-                </a:solidFill>
-                <a:latin typeface="Euclid Circular B" panose="020B0504000000000000" pitchFamily="34" charset="0"/>
-                <a:ea typeface="Euclid Circular B" panose="020B0504000000000000" pitchFamily="34" charset="0"/>
-              </a:rPr>
-              <a:t>Title</a:t>
-            </a:r>
-          </a:p>
-        </p:txBody>
-      </p:sp>
-      <p:sp>
-        <p:nvSpPr>
           <p:cNvPr id="3" name="Content Placeholder 2">
             <a:extLst>
               <a:ext uri="{FF2B5EF4-FFF2-40B4-BE49-F238E27FC236}">
@@ -38457,10 +42485,77 @@
           </a:p>
         </p:txBody>
       </p:sp>
+      <p:sp>
+        <p:nvSpPr>
+          <p:cNvPr id="6" name="Title 1">
+            <a:extLst>
+              <a:ext uri="{FF2B5EF4-FFF2-40B4-BE49-F238E27FC236}">
+                <a16:creationId xmlns:a16="http://schemas.microsoft.com/office/drawing/2014/main" id="{331D04E0-6416-4CBE-AD16-B2D9C4FE44C3}"/>
+              </a:ext>
+            </a:extLst>
+          </p:cNvPr>
+          <p:cNvSpPr>
+            <a:spLocks noGrp="1"/>
+          </p:cNvSpPr>
+          <p:nvPr>
+            <p:ph type="title"/>
+          </p:nvPr>
+        </p:nvSpPr>
+        <p:spPr>
+          <a:xfrm>
+            <a:off x="838200" y="365125"/>
+            <a:ext cx="10515600" cy="1325563"/>
+          </a:xfrm>
+        </p:spPr>
+        <p:txBody>
+          <a:bodyPr>
+            <a:normAutofit/>
+          </a:bodyPr>
+          <a:lstStyle/>
+          <a:p>
+            <a:r>
+              <a:rPr lang="en-US" b="1" dirty="0">
+                <a:solidFill>
+                  <a:srgbClr val="292D33"/>
+                </a:solidFill>
+                <a:latin typeface="Euclid Circular B" panose="020B0504000000000000" pitchFamily="34" charset="0"/>
+                <a:ea typeface="Euclid Circular B" panose="020B0504000000000000" pitchFamily="34" charset="0"/>
+              </a:rPr>
+              <a:t>Integrating the modules</a:t>
+            </a:r>
+            <a:br>
+              <a:rPr lang="en-US" b="1" dirty="0">
+                <a:solidFill>
+                  <a:srgbClr val="292D33"/>
+                </a:solidFill>
+                <a:latin typeface="Euclid Circular B" panose="020B0504000000000000" pitchFamily="34" charset="0"/>
+                <a:ea typeface="Euclid Circular B" panose="020B0504000000000000" pitchFamily="34" charset="0"/>
+              </a:rPr>
+            </a:br>
+            <a:r>
+              <a:rPr lang="en-US" sz="3200" b="1" i="1" dirty="0">
+                <a:solidFill>
+                  <a:srgbClr val="292D33"/>
+                </a:solidFill>
+                <a:latin typeface="Euclid Circular B" panose="020B0504000000000000" pitchFamily="34" charset="0"/>
+                <a:ea typeface="Euclid Circular B" panose="020B0504000000000000" pitchFamily="34" charset="0"/>
+              </a:rPr>
+              <a:t>caching vs data duplication</a:t>
+            </a:r>
+            <a:endParaRPr lang="en-US" b="1" dirty="0">
+              <a:solidFill>
+                <a:srgbClr val="292D33"/>
+              </a:solidFill>
+              <a:latin typeface="Euclid Circular B" panose="020B0504000000000000" pitchFamily="34" charset="0"/>
+              <a:ea typeface="Euclid Circular B" panose="020B0504000000000000" pitchFamily="34" charset="0"/>
+            </a:endParaRPr>
+          </a:p>
+        </p:txBody>
+      </p:sp>
     </p:spTree>
     <p:extLst>
       <p:ext uri="{BB962C8B-B14F-4D97-AF65-F5344CB8AC3E}">
-        <p14:creationId xmlns:p14="http://schemas.microsoft.com/office/powerpoint/2010/main" val="3073250955"/>
+        <p14:creationId xmlns:p14="http://schemas.microsoft.com/office/powerpoint/2010/main" val="2899040401"/>
       </p:ext>
     </p:extLst>
   </p:cSld>
@@ -38503,40 +42598,6 @@
       </p:grpSpPr>
       <p:sp>
         <p:nvSpPr>
-          <p:cNvPr id="2" name="Title 1">
-            <a:extLst>
-              <a:ext uri="{FF2B5EF4-FFF2-40B4-BE49-F238E27FC236}">
-                <a16:creationId xmlns:a16="http://schemas.microsoft.com/office/drawing/2014/main" id="{55E11F08-6CA0-48F1-AD67-97430DDA07F0}"/>
-              </a:ext>
-            </a:extLst>
-          </p:cNvPr>
-          <p:cNvSpPr>
-            <a:spLocks noGrp="1"/>
-          </p:cNvSpPr>
-          <p:nvPr>
-            <p:ph type="title"/>
-          </p:nvPr>
-        </p:nvSpPr>
-        <p:spPr/>
-        <p:txBody>
-          <a:bodyPr/>
-          <a:lstStyle/>
-          <a:p>
-            <a:r>
-              <a:rPr lang="en-US" b="1" dirty="0">
-                <a:solidFill>
-                  <a:srgbClr val="292D33"/>
-                </a:solidFill>
-                <a:latin typeface="Euclid Circular B" panose="020B0504000000000000" pitchFamily="34" charset="0"/>
-                <a:ea typeface="Euclid Circular B" panose="020B0504000000000000" pitchFamily="34" charset="0"/>
-              </a:rPr>
-              <a:t>Title</a:t>
-            </a:r>
-          </a:p>
-        </p:txBody>
-      </p:sp>
-      <p:sp>
-        <p:nvSpPr>
           <p:cNvPr id="3" name="Content Placeholder 2">
             <a:extLst>
               <a:ext uri="{FF2B5EF4-FFF2-40B4-BE49-F238E27FC236}">
@@ -38577,10 +42638,77 @@
           </a:p>
         </p:txBody>
       </p:sp>
+      <p:sp>
+        <p:nvSpPr>
+          <p:cNvPr id="6" name="Title 1">
+            <a:extLst>
+              <a:ext uri="{FF2B5EF4-FFF2-40B4-BE49-F238E27FC236}">
+                <a16:creationId xmlns:a16="http://schemas.microsoft.com/office/drawing/2014/main" id="{331D04E0-6416-4CBE-AD16-B2D9C4FE44C3}"/>
+              </a:ext>
+            </a:extLst>
+          </p:cNvPr>
+          <p:cNvSpPr>
+            <a:spLocks noGrp="1"/>
+          </p:cNvSpPr>
+          <p:nvPr>
+            <p:ph type="title"/>
+          </p:nvPr>
+        </p:nvSpPr>
+        <p:spPr>
+          <a:xfrm>
+            <a:off x="838200" y="365125"/>
+            <a:ext cx="10515600" cy="1325563"/>
+          </a:xfrm>
+        </p:spPr>
+        <p:txBody>
+          <a:bodyPr>
+            <a:normAutofit/>
+          </a:bodyPr>
+          <a:lstStyle/>
+          <a:p>
+            <a:r>
+              <a:rPr lang="en-US" b="1" dirty="0">
+                <a:solidFill>
+                  <a:srgbClr val="292D33"/>
+                </a:solidFill>
+                <a:latin typeface="Euclid Circular B" panose="020B0504000000000000" pitchFamily="34" charset="0"/>
+                <a:ea typeface="Euclid Circular B" panose="020B0504000000000000" pitchFamily="34" charset="0"/>
+              </a:rPr>
+              <a:t>Integrating the modules</a:t>
+            </a:r>
+            <a:br>
+              <a:rPr lang="en-US" b="1" dirty="0">
+                <a:solidFill>
+                  <a:srgbClr val="292D33"/>
+                </a:solidFill>
+                <a:latin typeface="Euclid Circular B" panose="020B0504000000000000" pitchFamily="34" charset="0"/>
+                <a:ea typeface="Euclid Circular B" panose="020B0504000000000000" pitchFamily="34" charset="0"/>
+              </a:rPr>
+            </a:br>
+            <a:r>
+              <a:rPr lang="en-US" sz="3200" b="1" i="1" dirty="0">
+                <a:solidFill>
+                  <a:srgbClr val="292D33"/>
+                </a:solidFill>
+                <a:latin typeface="Euclid Circular B" panose="020B0504000000000000" pitchFamily="34" charset="0"/>
+                <a:ea typeface="Euclid Circular B" panose="020B0504000000000000" pitchFamily="34" charset="0"/>
+              </a:rPr>
+              <a:t>caching vs data duplication</a:t>
+            </a:r>
+            <a:endParaRPr lang="en-US" b="1" dirty="0">
+              <a:solidFill>
+                <a:srgbClr val="292D33"/>
+              </a:solidFill>
+              <a:latin typeface="Euclid Circular B" panose="020B0504000000000000" pitchFamily="34" charset="0"/>
+              <a:ea typeface="Euclid Circular B" panose="020B0504000000000000" pitchFamily="34" charset="0"/>
+            </a:endParaRPr>
+          </a:p>
+        </p:txBody>
+      </p:sp>
     </p:spTree>
     <p:extLst>
       <p:ext uri="{BB962C8B-B14F-4D97-AF65-F5344CB8AC3E}">
-        <p14:creationId xmlns:p14="http://schemas.microsoft.com/office/powerpoint/2010/main" val="214136112"/>
+        <p14:creationId xmlns:p14="http://schemas.microsoft.com/office/powerpoint/2010/main" val="2099563339"/>
       </p:ext>
     </p:extLst>
   </p:cSld>
@@ -38623,40 +42751,6 @@
       </p:grpSpPr>
       <p:sp>
         <p:nvSpPr>
-          <p:cNvPr id="2" name="Title 1">
-            <a:extLst>
-              <a:ext uri="{FF2B5EF4-FFF2-40B4-BE49-F238E27FC236}">
-                <a16:creationId xmlns:a16="http://schemas.microsoft.com/office/drawing/2014/main" id="{55E11F08-6CA0-48F1-AD67-97430DDA07F0}"/>
-              </a:ext>
-            </a:extLst>
-          </p:cNvPr>
-          <p:cNvSpPr>
-            <a:spLocks noGrp="1"/>
-          </p:cNvSpPr>
-          <p:nvPr>
-            <p:ph type="title"/>
-          </p:nvPr>
-        </p:nvSpPr>
-        <p:spPr/>
-        <p:txBody>
-          <a:bodyPr/>
-          <a:lstStyle/>
-          <a:p>
-            <a:r>
-              <a:rPr lang="en-US" b="1" dirty="0">
-                <a:solidFill>
-                  <a:srgbClr val="292D33"/>
-                </a:solidFill>
-                <a:latin typeface="Euclid Circular B" panose="020B0504000000000000" pitchFamily="34" charset="0"/>
-                <a:ea typeface="Euclid Circular B" panose="020B0504000000000000" pitchFamily="34" charset="0"/>
-              </a:rPr>
-              <a:t>Title</a:t>
-            </a:r>
-          </a:p>
-        </p:txBody>
-      </p:sp>
-      <p:sp>
-        <p:nvSpPr>
           <p:cNvPr id="3" name="Content Placeholder 2">
             <a:extLst>
               <a:ext uri="{FF2B5EF4-FFF2-40B4-BE49-F238E27FC236}">
@@ -38697,10 +42791,77 @@
           </a:p>
         </p:txBody>
       </p:sp>
+      <p:sp>
+        <p:nvSpPr>
+          <p:cNvPr id="6" name="Title 1">
+            <a:extLst>
+              <a:ext uri="{FF2B5EF4-FFF2-40B4-BE49-F238E27FC236}">
+                <a16:creationId xmlns:a16="http://schemas.microsoft.com/office/drawing/2014/main" id="{331D04E0-6416-4CBE-AD16-B2D9C4FE44C3}"/>
+              </a:ext>
+            </a:extLst>
+          </p:cNvPr>
+          <p:cNvSpPr>
+            <a:spLocks noGrp="1"/>
+          </p:cNvSpPr>
+          <p:nvPr>
+            <p:ph type="title"/>
+          </p:nvPr>
+        </p:nvSpPr>
+        <p:spPr>
+          <a:xfrm>
+            <a:off x="838200" y="365125"/>
+            <a:ext cx="10515600" cy="1325563"/>
+          </a:xfrm>
+        </p:spPr>
+        <p:txBody>
+          <a:bodyPr>
+            <a:normAutofit/>
+          </a:bodyPr>
+          <a:lstStyle/>
+          <a:p>
+            <a:r>
+              <a:rPr lang="en-US" b="1" dirty="0">
+                <a:solidFill>
+                  <a:srgbClr val="292D33"/>
+                </a:solidFill>
+                <a:latin typeface="Euclid Circular B" panose="020B0504000000000000" pitchFamily="34" charset="0"/>
+                <a:ea typeface="Euclid Circular B" panose="020B0504000000000000" pitchFamily="34" charset="0"/>
+              </a:rPr>
+              <a:t>Integrating the modules</a:t>
+            </a:r>
+            <a:br>
+              <a:rPr lang="en-US" b="1" dirty="0">
+                <a:solidFill>
+                  <a:srgbClr val="292D33"/>
+                </a:solidFill>
+                <a:latin typeface="Euclid Circular B" panose="020B0504000000000000" pitchFamily="34" charset="0"/>
+                <a:ea typeface="Euclid Circular B" panose="020B0504000000000000" pitchFamily="34" charset="0"/>
+              </a:rPr>
+            </a:br>
+            <a:r>
+              <a:rPr lang="en-US" sz="3200" b="1" i="1" dirty="0">
+                <a:solidFill>
+                  <a:srgbClr val="292D33"/>
+                </a:solidFill>
+                <a:latin typeface="Euclid Circular B" panose="020B0504000000000000" pitchFamily="34" charset="0"/>
+                <a:ea typeface="Euclid Circular B" panose="020B0504000000000000" pitchFamily="34" charset="0"/>
+              </a:rPr>
+              <a:t>caching vs data duplication</a:t>
+            </a:r>
+            <a:endParaRPr lang="en-US" b="1" dirty="0">
+              <a:solidFill>
+                <a:srgbClr val="292D33"/>
+              </a:solidFill>
+              <a:latin typeface="Euclid Circular B" panose="020B0504000000000000" pitchFamily="34" charset="0"/>
+              <a:ea typeface="Euclid Circular B" panose="020B0504000000000000" pitchFamily="34" charset="0"/>
+            </a:endParaRPr>
+          </a:p>
+        </p:txBody>
+      </p:sp>
     </p:spTree>
     <p:extLst>
       <p:ext uri="{BB962C8B-B14F-4D97-AF65-F5344CB8AC3E}">
-        <p14:creationId xmlns:p14="http://schemas.microsoft.com/office/powerpoint/2010/main" val="3539053896"/>
+        <p14:creationId xmlns:p14="http://schemas.microsoft.com/office/powerpoint/2010/main" val="3795673997"/>
       </p:ext>
     </p:extLst>
   </p:cSld>
@@ -38743,40 +42904,6 @@
       </p:grpSpPr>
       <p:sp>
         <p:nvSpPr>
-          <p:cNvPr id="2" name="Title 1">
-            <a:extLst>
-              <a:ext uri="{FF2B5EF4-FFF2-40B4-BE49-F238E27FC236}">
-                <a16:creationId xmlns:a16="http://schemas.microsoft.com/office/drawing/2014/main" id="{55E11F08-6CA0-48F1-AD67-97430DDA07F0}"/>
-              </a:ext>
-            </a:extLst>
-          </p:cNvPr>
-          <p:cNvSpPr>
-            <a:spLocks noGrp="1"/>
-          </p:cNvSpPr>
-          <p:nvPr>
-            <p:ph type="title"/>
-          </p:nvPr>
-        </p:nvSpPr>
-        <p:spPr/>
-        <p:txBody>
-          <a:bodyPr/>
-          <a:lstStyle/>
-          <a:p>
-            <a:r>
-              <a:rPr lang="en-US" b="1" dirty="0">
-                <a:solidFill>
-                  <a:srgbClr val="292D33"/>
-                </a:solidFill>
-                <a:latin typeface="Euclid Circular B" panose="020B0504000000000000" pitchFamily="34" charset="0"/>
-                <a:ea typeface="Euclid Circular B" panose="020B0504000000000000" pitchFamily="34" charset="0"/>
-              </a:rPr>
-              <a:t>Title</a:t>
-            </a:r>
-          </a:p>
-        </p:txBody>
-      </p:sp>
-      <p:sp>
-        <p:nvSpPr>
           <p:cNvPr id="3" name="Content Placeholder 2">
             <a:extLst>
               <a:ext uri="{FF2B5EF4-FFF2-40B4-BE49-F238E27FC236}">
@@ -38817,10 +42944,77 @@
           </a:p>
         </p:txBody>
       </p:sp>
+      <p:sp>
+        <p:nvSpPr>
+          <p:cNvPr id="6" name="Title 1">
+            <a:extLst>
+              <a:ext uri="{FF2B5EF4-FFF2-40B4-BE49-F238E27FC236}">
+                <a16:creationId xmlns:a16="http://schemas.microsoft.com/office/drawing/2014/main" id="{331D04E0-6416-4CBE-AD16-B2D9C4FE44C3}"/>
+              </a:ext>
+            </a:extLst>
+          </p:cNvPr>
+          <p:cNvSpPr>
+            <a:spLocks noGrp="1"/>
+          </p:cNvSpPr>
+          <p:nvPr>
+            <p:ph type="title"/>
+          </p:nvPr>
+        </p:nvSpPr>
+        <p:spPr>
+          <a:xfrm>
+            <a:off x="838200" y="365125"/>
+            <a:ext cx="10515600" cy="1325563"/>
+          </a:xfrm>
+        </p:spPr>
+        <p:txBody>
+          <a:bodyPr>
+            <a:normAutofit/>
+          </a:bodyPr>
+          <a:lstStyle/>
+          <a:p>
+            <a:r>
+              <a:rPr lang="en-US" b="1" dirty="0">
+                <a:solidFill>
+                  <a:srgbClr val="292D33"/>
+                </a:solidFill>
+                <a:latin typeface="Euclid Circular B" panose="020B0504000000000000" pitchFamily="34" charset="0"/>
+                <a:ea typeface="Euclid Circular B" panose="020B0504000000000000" pitchFamily="34" charset="0"/>
+              </a:rPr>
+              <a:t>Integrating the modules</a:t>
+            </a:r>
+            <a:br>
+              <a:rPr lang="en-US" b="1" dirty="0">
+                <a:solidFill>
+                  <a:srgbClr val="292D33"/>
+                </a:solidFill>
+                <a:latin typeface="Euclid Circular B" panose="020B0504000000000000" pitchFamily="34" charset="0"/>
+                <a:ea typeface="Euclid Circular B" panose="020B0504000000000000" pitchFamily="34" charset="0"/>
+              </a:rPr>
+            </a:br>
+            <a:r>
+              <a:rPr lang="en-US" sz="3200" b="1" i="1" dirty="0">
+                <a:solidFill>
+                  <a:srgbClr val="292D33"/>
+                </a:solidFill>
+                <a:latin typeface="Euclid Circular B" panose="020B0504000000000000" pitchFamily="34" charset="0"/>
+                <a:ea typeface="Euclid Circular B" panose="020B0504000000000000" pitchFamily="34" charset="0"/>
+              </a:rPr>
+              <a:t>caching vs data duplication</a:t>
+            </a:r>
+            <a:endParaRPr lang="en-US" b="1" dirty="0">
+              <a:solidFill>
+                <a:srgbClr val="292D33"/>
+              </a:solidFill>
+              <a:latin typeface="Euclid Circular B" panose="020B0504000000000000" pitchFamily="34" charset="0"/>
+              <a:ea typeface="Euclid Circular B" panose="020B0504000000000000" pitchFamily="34" charset="0"/>
+            </a:endParaRPr>
+          </a:p>
+        </p:txBody>
+      </p:sp>
     </p:spTree>
     <p:extLst>
       <p:ext uri="{BB962C8B-B14F-4D97-AF65-F5344CB8AC3E}">
-        <p14:creationId xmlns:p14="http://schemas.microsoft.com/office/powerpoint/2010/main" val="2818505958"/>
+        <p14:creationId xmlns:p14="http://schemas.microsoft.com/office/powerpoint/2010/main" val="658856836"/>
       </p:ext>
     </p:extLst>
   </p:cSld>
@@ -39002,7 +43196,7 @@
           <p:cNvPr id="2" name="Title 1">
             <a:extLst>
               <a:ext uri="{FF2B5EF4-FFF2-40B4-BE49-F238E27FC236}">
-                <a16:creationId xmlns:a16="http://schemas.microsoft.com/office/drawing/2014/main" id="{55E11F08-6CA0-48F1-AD67-97430DDA07F0}"/>
+                <a16:creationId xmlns:a16="http://schemas.microsoft.com/office/drawing/2014/main" id="{9255DFBE-19DA-408D-84E6-F4043FC30BD3}"/>
               </a:ext>
             </a:extLst>
           </p:cNvPr>
@@ -39010,33 +43204,35 @@
             <a:spLocks noGrp="1"/>
           </p:cNvSpPr>
           <p:nvPr>
-            <p:ph type="title"/>
+            <p:ph type="ctrTitle"/>
           </p:nvPr>
         </p:nvSpPr>
         <p:spPr/>
         <p:txBody>
-          <a:bodyPr/>
+          <a:bodyPr>
+            <a:normAutofit/>
+          </a:bodyPr>
           <a:lstStyle/>
           <a:p>
             <a:r>
-              <a:rPr lang="en-US" b="1" dirty="0">
+              <a:rPr lang="en-US" sz="4800" b="1" dirty="0">
                 <a:solidFill>
                   <a:srgbClr val="292D33"/>
                 </a:solidFill>
                 <a:latin typeface="Euclid Circular B" panose="020B0504000000000000" pitchFamily="34" charset="0"/>
                 <a:ea typeface="Euclid Circular B" panose="020B0504000000000000" pitchFamily="34" charset="0"/>
               </a:rPr>
-              <a:t>Title</a:t>
+              <a:t>MIGRATING TO MICROSERVICES</a:t>
             </a:r>
           </a:p>
         </p:txBody>
       </p:sp>
       <p:sp>
         <p:nvSpPr>
-          <p:cNvPr id="3" name="Content Placeholder 2">
-            <a:extLst>
-              <a:ext uri="{FF2B5EF4-FFF2-40B4-BE49-F238E27FC236}">
-                <a16:creationId xmlns:a16="http://schemas.microsoft.com/office/drawing/2014/main" id="{891C7693-D3DF-4635-96F4-97F3B4136FDF}"/>
+          <p:cNvPr id="3" name="Subtitle 2">
+            <a:extLst>
+              <a:ext uri="{FF2B5EF4-FFF2-40B4-BE49-F238E27FC236}">
+                <a16:creationId xmlns:a16="http://schemas.microsoft.com/office/drawing/2014/main" id="{265612B9-B745-46CB-8A20-997CA82E05E7}"/>
               </a:ext>
             </a:extLst>
           </p:cNvPr>
@@ -39044,29 +43240,27 @@
             <a:spLocks noGrp="1"/>
           </p:cNvSpPr>
           <p:nvPr>
-            <p:ph idx="1"/>
+            <p:ph type="subTitle" idx="1"/>
           </p:nvPr>
         </p:nvSpPr>
         <p:spPr/>
         <p:txBody>
-          <a:bodyPr/>
+          <a:bodyPr>
+            <a:normAutofit/>
+          </a:bodyPr>
           <a:lstStyle/>
           <a:p>
             <a:r>
-              <a:rPr lang="en-US" dirty="0">
+              <a:rPr lang="en-US" sz="2000" b="1" dirty="0">
+                <a:solidFill>
+                  <a:srgbClr val="292D33"/>
+                </a:solidFill>
                 <a:latin typeface="Euclid Circular B" panose="020B0504000000000000" pitchFamily="34" charset="0"/>
                 <a:ea typeface="Euclid Circular B" panose="020B0504000000000000" pitchFamily="34" charset="0"/>
               </a:rPr>
-              <a:t>TODO</a:t>
-            </a:r>
-            <a:r>
-              <a:rPr lang="en-US">
-                <a:latin typeface="Euclid Circular B" panose="020B0504000000000000" pitchFamily="34" charset="0"/>
-                <a:ea typeface="Euclid Circular B" panose="020B0504000000000000" pitchFamily="34" charset="0"/>
-              </a:rPr>
-              <a:t>: ...</a:t>
-            </a:r>
-            <a:endParaRPr lang="en-US" dirty="0">
+              <a:t>DESIGNING MONOLITH FIRST FOR MICROSERVICE ARCHITECTURE</a:t>
+            </a:r>
+            <a:endParaRPr lang="en-US" sz="2000" dirty="0">
               <a:latin typeface="Euclid Circular B" panose="020B0504000000000000" pitchFamily="34" charset="0"/>
               <a:ea typeface="Euclid Circular B" panose="020B0504000000000000" pitchFamily="34" charset="0"/>
             </a:endParaRPr>
@@ -39076,7 +43270,7 @@
     </p:spTree>
     <p:extLst>
       <p:ext uri="{BB962C8B-B14F-4D97-AF65-F5344CB8AC3E}">
-        <p14:creationId xmlns:p14="http://schemas.microsoft.com/office/powerpoint/2010/main" val="4272791268"/>
+        <p14:creationId xmlns:p14="http://schemas.microsoft.com/office/powerpoint/2010/main" val="3507474482"/>
       </p:ext>
     </p:extLst>
   </p:cSld>
@@ -39196,6 +43390,846 @@
     </p:spTree>
     <p:extLst>
       <p:ext uri="{BB962C8B-B14F-4D97-AF65-F5344CB8AC3E}">
+        <p14:creationId xmlns:p14="http://schemas.microsoft.com/office/powerpoint/2010/main" val="1277783299"/>
+      </p:ext>
+    </p:extLst>
+  </p:cSld>
+  <p:clrMapOvr>
+    <a:masterClrMapping/>
+  </p:clrMapOvr>
+</p:sld>
+</file>
+
+<file path=ppt/slides/slide62.xml><?xml version="1.0" encoding="utf-8"?>
+<p:sld xmlns:a="http://schemas.openxmlformats.org/drawingml/2006/main" xmlns:r="http://schemas.openxmlformats.org/officeDocument/2006/relationships" xmlns:p="http://schemas.openxmlformats.org/presentationml/2006/main">
+  <p:cSld>
+    <p:bg>
+      <p:bgPr>
+        <a:blipFill dpi="0" rotWithShape="1">
+          <a:blip r:embed="rId2">
+            <a:lum/>
+          </a:blip>
+          <a:srcRect/>
+          <a:stretch>
+            <a:fillRect/>
+          </a:stretch>
+        </a:blipFill>
+        <a:effectLst/>
+      </p:bgPr>
+    </p:bg>
+    <p:spTree>
+      <p:nvGrpSpPr>
+        <p:cNvPr id="1" name=""/>
+        <p:cNvGrpSpPr/>
+        <p:nvPr/>
+      </p:nvGrpSpPr>
+      <p:grpSpPr>
+        <a:xfrm>
+          <a:off x="0" y="0"/>
+          <a:ext cx="0" cy="0"/>
+          <a:chOff x="0" y="0"/>
+          <a:chExt cx="0" cy="0"/>
+        </a:xfrm>
+      </p:grpSpPr>
+      <p:sp>
+        <p:nvSpPr>
+          <p:cNvPr id="2" name="Title 1">
+            <a:extLst>
+              <a:ext uri="{FF2B5EF4-FFF2-40B4-BE49-F238E27FC236}">
+                <a16:creationId xmlns:a16="http://schemas.microsoft.com/office/drawing/2014/main" id="{55E11F08-6CA0-48F1-AD67-97430DDA07F0}"/>
+              </a:ext>
+            </a:extLst>
+          </p:cNvPr>
+          <p:cNvSpPr>
+            <a:spLocks noGrp="1"/>
+          </p:cNvSpPr>
+          <p:nvPr>
+            <p:ph type="title"/>
+          </p:nvPr>
+        </p:nvSpPr>
+        <p:spPr/>
+        <p:txBody>
+          <a:bodyPr/>
+          <a:lstStyle/>
+          <a:p>
+            <a:r>
+              <a:rPr lang="en-US" b="1" dirty="0">
+                <a:solidFill>
+                  <a:srgbClr val="292D33"/>
+                </a:solidFill>
+                <a:latin typeface="Euclid Circular B" panose="020B0504000000000000" pitchFamily="34" charset="0"/>
+                <a:ea typeface="Euclid Circular B" panose="020B0504000000000000" pitchFamily="34" charset="0"/>
+              </a:rPr>
+              <a:t>Title</a:t>
+            </a:r>
+          </a:p>
+        </p:txBody>
+      </p:sp>
+      <p:sp>
+        <p:nvSpPr>
+          <p:cNvPr id="3" name="Content Placeholder 2">
+            <a:extLst>
+              <a:ext uri="{FF2B5EF4-FFF2-40B4-BE49-F238E27FC236}">
+                <a16:creationId xmlns:a16="http://schemas.microsoft.com/office/drawing/2014/main" id="{891C7693-D3DF-4635-96F4-97F3B4136FDF}"/>
+              </a:ext>
+            </a:extLst>
+          </p:cNvPr>
+          <p:cNvSpPr>
+            <a:spLocks noGrp="1"/>
+          </p:cNvSpPr>
+          <p:nvPr>
+            <p:ph idx="1"/>
+          </p:nvPr>
+        </p:nvSpPr>
+        <p:spPr/>
+        <p:txBody>
+          <a:bodyPr/>
+          <a:lstStyle/>
+          <a:p>
+            <a:r>
+              <a:rPr lang="en-US" dirty="0">
+                <a:latin typeface="Euclid Circular B" panose="020B0504000000000000" pitchFamily="34" charset="0"/>
+                <a:ea typeface="Euclid Circular B" panose="020B0504000000000000" pitchFamily="34" charset="0"/>
+              </a:rPr>
+              <a:t>TODO</a:t>
+            </a:r>
+            <a:r>
+              <a:rPr lang="en-US">
+                <a:latin typeface="Euclid Circular B" panose="020B0504000000000000" pitchFamily="34" charset="0"/>
+                <a:ea typeface="Euclid Circular B" panose="020B0504000000000000" pitchFamily="34" charset="0"/>
+              </a:rPr>
+              <a:t>: ...</a:t>
+            </a:r>
+            <a:endParaRPr lang="en-US" dirty="0">
+              <a:latin typeface="Euclid Circular B" panose="020B0504000000000000" pitchFamily="34" charset="0"/>
+              <a:ea typeface="Euclid Circular B" panose="020B0504000000000000" pitchFamily="34" charset="0"/>
+            </a:endParaRPr>
+          </a:p>
+        </p:txBody>
+      </p:sp>
+    </p:spTree>
+    <p:extLst>
+      <p:ext uri="{BB962C8B-B14F-4D97-AF65-F5344CB8AC3E}">
+        <p14:creationId xmlns:p14="http://schemas.microsoft.com/office/powerpoint/2010/main" val="326598016"/>
+      </p:ext>
+    </p:extLst>
+  </p:cSld>
+  <p:clrMapOvr>
+    <a:masterClrMapping/>
+  </p:clrMapOvr>
+</p:sld>
+</file>
+
+<file path=ppt/slides/slide63.xml><?xml version="1.0" encoding="utf-8"?>
+<p:sld xmlns:a="http://schemas.openxmlformats.org/drawingml/2006/main" xmlns:r="http://schemas.openxmlformats.org/officeDocument/2006/relationships" xmlns:p="http://schemas.openxmlformats.org/presentationml/2006/main">
+  <p:cSld>
+    <p:bg>
+      <p:bgPr>
+        <a:blipFill dpi="0" rotWithShape="1">
+          <a:blip r:embed="rId2">
+            <a:lum/>
+          </a:blip>
+          <a:srcRect/>
+          <a:stretch>
+            <a:fillRect/>
+          </a:stretch>
+        </a:blipFill>
+        <a:effectLst/>
+      </p:bgPr>
+    </p:bg>
+    <p:spTree>
+      <p:nvGrpSpPr>
+        <p:cNvPr id="1" name=""/>
+        <p:cNvGrpSpPr/>
+        <p:nvPr/>
+      </p:nvGrpSpPr>
+      <p:grpSpPr>
+        <a:xfrm>
+          <a:off x="0" y="0"/>
+          <a:ext cx="0" cy="0"/>
+          <a:chOff x="0" y="0"/>
+          <a:chExt cx="0" cy="0"/>
+        </a:xfrm>
+      </p:grpSpPr>
+      <p:sp>
+        <p:nvSpPr>
+          <p:cNvPr id="2" name="Title 1">
+            <a:extLst>
+              <a:ext uri="{FF2B5EF4-FFF2-40B4-BE49-F238E27FC236}">
+                <a16:creationId xmlns:a16="http://schemas.microsoft.com/office/drawing/2014/main" id="{55E11F08-6CA0-48F1-AD67-97430DDA07F0}"/>
+              </a:ext>
+            </a:extLst>
+          </p:cNvPr>
+          <p:cNvSpPr>
+            <a:spLocks noGrp="1"/>
+          </p:cNvSpPr>
+          <p:nvPr>
+            <p:ph type="title"/>
+          </p:nvPr>
+        </p:nvSpPr>
+        <p:spPr/>
+        <p:txBody>
+          <a:bodyPr/>
+          <a:lstStyle/>
+          <a:p>
+            <a:r>
+              <a:rPr lang="en-US" b="1" dirty="0">
+                <a:solidFill>
+                  <a:srgbClr val="292D33"/>
+                </a:solidFill>
+                <a:latin typeface="Euclid Circular B" panose="020B0504000000000000" pitchFamily="34" charset="0"/>
+                <a:ea typeface="Euclid Circular B" panose="020B0504000000000000" pitchFamily="34" charset="0"/>
+              </a:rPr>
+              <a:t>Title</a:t>
+            </a:r>
+          </a:p>
+        </p:txBody>
+      </p:sp>
+      <p:sp>
+        <p:nvSpPr>
+          <p:cNvPr id="3" name="Content Placeholder 2">
+            <a:extLst>
+              <a:ext uri="{FF2B5EF4-FFF2-40B4-BE49-F238E27FC236}">
+                <a16:creationId xmlns:a16="http://schemas.microsoft.com/office/drawing/2014/main" id="{891C7693-D3DF-4635-96F4-97F3B4136FDF}"/>
+              </a:ext>
+            </a:extLst>
+          </p:cNvPr>
+          <p:cNvSpPr>
+            <a:spLocks noGrp="1"/>
+          </p:cNvSpPr>
+          <p:nvPr>
+            <p:ph idx="1"/>
+          </p:nvPr>
+        </p:nvSpPr>
+        <p:spPr/>
+        <p:txBody>
+          <a:bodyPr/>
+          <a:lstStyle/>
+          <a:p>
+            <a:r>
+              <a:rPr lang="en-US" dirty="0">
+                <a:latin typeface="Euclid Circular B" panose="020B0504000000000000" pitchFamily="34" charset="0"/>
+                <a:ea typeface="Euclid Circular B" panose="020B0504000000000000" pitchFamily="34" charset="0"/>
+              </a:rPr>
+              <a:t>TODO</a:t>
+            </a:r>
+            <a:r>
+              <a:rPr lang="en-US">
+                <a:latin typeface="Euclid Circular B" panose="020B0504000000000000" pitchFamily="34" charset="0"/>
+                <a:ea typeface="Euclid Circular B" panose="020B0504000000000000" pitchFamily="34" charset="0"/>
+              </a:rPr>
+              <a:t>: ...</a:t>
+            </a:r>
+            <a:endParaRPr lang="en-US" dirty="0">
+              <a:latin typeface="Euclid Circular B" panose="020B0504000000000000" pitchFamily="34" charset="0"/>
+              <a:ea typeface="Euclid Circular B" panose="020B0504000000000000" pitchFamily="34" charset="0"/>
+            </a:endParaRPr>
+          </a:p>
+        </p:txBody>
+      </p:sp>
+    </p:spTree>
+    <p:extLst>
+      <p:ext uri="{BB962C8B-B14F-4D97-AF65-F5344CB8AC3E}">
+        <p14:creationId xmlns:p14="http://schemas.microsoft.com/office/powerpoint/2010/main" val="3073250955"/>
+      </p:ext>
+    </p:extLst>
+  </p:cSld>
+  <p:clrMapOvr>
+    <a:masterClrMapping/>
+  </p:clrMapOvr>
+</p:sld>
+</file>
+
+<file path=ppt/slides/slide64.xml><?xml version="1.0" encoding="utf-8"?>
+<p:sld xmlns:a="http://schemas.openxmlformats.org/drawingml/2006/main" xmlns:r="http://schemas.openxmlformats.org/officeDocument/2006/relationships" xmlns:p="http://schemas.openxmlformats.org/presentationml/2006/main">
+  <p:cSld>
+    <p:bg>
+      <p:bgPr>
+        <a:blipFill dpi="0" rotWithShape="1">
+          <a:blip r:embed="rId2">
+            <a:lum/>
+          </a:blip>
+          <a:srcRect/>
+          <a:stretch>
+            <a:fillRect/>
+          </a:stretch>
+        </a:blipFill>
+        <a:effectLst/>
+      </p:bgPr>
+    </p:bg>
+    <p:spTree>
+      <p:nvGrpSpPr>
+        <p:cNvPr id="1" name=""/>
+        <p:cNvGrpSpPr/>
+        <p:nvPr/>
+      </p:nvGrpSpPr>
+      <p:grpSpPr>
+        <a:xfrm>
+          <a:off x="0" y="0"/>
+          <a:ext cx="0" cy="0"/>
+          <a:chOff x="0" y="0"/>
+          <a:chExt cx="0" cy="0"/>
+        </a:xfrm>
+      </p:grpSpPr>
+      <p:sp>
+        <p:nvSpPr>
+          <p:cNvPr id="2" name="Title 1">
+            <a:extLst>
+              <a:ext uri="{FF2B5EF4-FFF2-40B4-BE49-F238E27FC236}">
+                <a16:creationId xmlns:a16="http://schemas.microsoft.com/office/drawing/2014/main" id="{55E11F08-6CA0-48F1-AD67-97430DDA07F0}"/>
+              </a:ext>
+            </a:extLst>
+          </p:cNvPr>
+          <p:cNvSpPr>
+            <a:spLocks noGrp="1"/>
+          </p:cNvSpPr>
+          <p:nvPr>
+            <p:ph type="title"/>
+          </p:nvPr>
+        </p:nvSpPr>
+        <p:spPr/>
+        <p:txBody>
+          <a:bodyPr/>
+          <a:lstStyle/>
+          <a:p>
+            <a:r>
+              <a:rPr lang="en-US" b="1" dirty="0">
+                <a:solidFill>
+                  <a:srgbClr val="292D33"/>
+                </a:solidFill>
+                <a:latin typeface="Euclid Circular B" panose="020B0504000000000000" pitchFamily="34" charset="0"/>
+                <a:ea typeface="Euclid Circular B" panose="020B0504000000000000" pitchFamily="34" charset="0"/>
+              </a:rPr>
+              <a:t>Title</a:t>
+            </a:r>
+          </a:p>
+        </p:txBody>
+      </p:sp>
+      <p:sp>
+        <p:nvSpPr>
+          <p:cNvPr id="3" name="Content Placeholder 2">
+            <a:extLst>
+              <a:ext uri="{FF2B5EF4-FFF2-40B4-BE49-F238E27FC236}">
+                <a16:creationId xmlns:a16="http://schemas.microsoft.com/office/drawing/2014/main" id="{891C7693-D3DF-4635-96F4-97F3B4136FDF}"/>
+              </a:ext>
+            </a:extLst>
+          </p:cNvPr>
+          <p:cNvSpPr>
+            <a:spLocks noGrp="1"/>
+          </p:cNvSpPr>
+          <p:nvPr>
+            <p:ph idx="1"/>
+          </p:nvPr>
+        </p:nvSpPr>
+        <p:spPr/>
+        <p:txBody>
+          <a:bodyPr/>
+          <a:lstStyle/>
+          <a:p>
+            <a:r>
+              <a:rPr lang="en-US" dirty="0">
+                <a:latin typeface="Euclid Circular B" panose="020B0504000000000000" pitchFamily="34" charset="0"/>
+                <a:ea typeface="Euclid Circular B" panose="020B0504000000000000" pitchFamily="34" charset="0"/>
+              </a:rPr>
+              <a:t>TODO</a:t>
+            </a:r>
+            <a:r>
+              <a:rPr lang="en-US">
+                <a:latin typeface="Euclid Circular B" panose="020B0504000000000000" pitchFamily="34" charset="0"/>
+                <a:ea typeface="Euclid Circular B" panose="020B0504000000000000" pitchFamily="34" charset="0"/>
+              </a:rPr>
+              <a:t>: ...</a:t>
+            </a:r>
+            <a:endParaRPr lang="en-US" dirty="0">
+              <a:latin typeface="Euclid Circular B" panose="020B0504000000000000" pitchFamily="34" charset="0"/>
+              <a:ea typeface="Euclid Circular B" panose="020B0504000000000000" pitchFamily="34" charset="0"/>
+            </a:endParaRPr>
+          </a:p>
+        </p:txBody>
+      </p:sp>
+    </p:spTree>
+    <p:extLst>
+      <p:ext uri="{BB962C8B-B14F-4D97-AF65-F5344CB8AC3E}">
+        <p14:creationId xmlns:p14="http://schemas.microsoft.com/office/powerpoint/2010/main" val="214136112"/>
+      </p:ext>
+    </p:extLst>
+  </p:cSld>
+  <p:clrMapOvr>
+    <a:masterClrMapping/>
+  </p:clrMapOvr>
+</p:sld>
+</file>
+
+<file path=ppt/slides/slide65.xml><?xml version="1.0" encoding="utf-8"?>
+<p:sld xmlns:a="http://schemas.openxmlformats.org/drawingml/2006/main" xmlns:r="http://schemas.openxmlformats.org/officeDocument/2006/relationships" xmlns:p="http://schemas.openxmlformats.org/presentationml/2006/main">
+  <p:cSld>
+    <p:bg>
+      <p:bgPr>
+        <a:blipFill dpi="0" rotWithShape="1">
+          <a:blip r:embed="rId2">
+            <a:lum/>
+          </a:blip>
+          <a:srcRect/>
+          <a:stretch>
+            <a:fillRect/>
+          </a:stretch>
+        </a:blipFill>
+        <a:effectLst/>
+      </p:bgPr>
+    </p:bg>
+    <p:spTree>
+      <p:nvGrpSpPr>
+        <p:cNvPr id="1" name=""/>
+        <p:cNvGrpSpPr/>
+        <p:nvPr/>
+      </p:nvGrpSpPr>
+      <p:grpSpPr>
+        <a:xfrm>
+          <a:off x="0" y="0"/>
+          <a:ext cx="0" cy="0"/>
+          <a:chOff x="0" y="0"/>
+          <a:chExt cx="0" cy="0"/>
+        </a:xfrm>
+      </p:grpSpPr>
+      <p:sp>
+        <p:nvSpPr>
+          <p:cNvPr id="2" name="Title 1">
+            <a:extLst>
+              <a:ext uri="{FF2B5EF4-FFF2-40B4-BE49-F238E27FC236}">
+                <a16:creationId xmlns:a16="http://schemas.microsoft.com/office/drawing/2014/main" id="{55E11F08-6CA0-48F1-AD67-97430DDA07F0}"/>
+              </a:ext>
+            </a:extLst>
+          </p:cNvPr>
+          <p:cNvSpPr>
+            <a:spLocks noGrp="1"/>
+          </p:cNvSpPr>
+          <p:nvPr>
+            <p:ph type="title"/>
+          </p:nvPr>
+        </p:nvSpPr>
+        <p:spPr/>
+        <p:txBody>
+          <a:bodyPr/>
+          <a:lstStyle/>
+          <a:p>
+            <a:r>
+              <a:rPr lang="en-US" b="1" dirty="0">
+                <a:solidFill>
+                  <a:srgbClr val="292D33"/>
+                </a:solidFill>
+                <a:latin typeface="Euclid Circular B" panose="020B0504000000000000" pitchFamily="34" charset="0"/>
+                <a:ea typeface="Euclid Circular B" panose="020B0504000000000000" pitchFamily="34" charset="0"/>
+              </a:rPr>
+              <a:t>Title</a:t>
+            </a:r>
+          </a:p>
+        </p:txBody>
+      </p:sp>
+      <p:sp>
+        <p:nvSpPr>
+          <p:cNvPr id="3" name="Content Placeholder 2">
+            <a:extLst>
+              <a:ext uri="{FF2B5EF4-FFF2-40B4-BE49-F238E27FC236}">
+                <a16:creationId xmlns:a16="http://schemas.microsoft.com/office/drawing/2014/main" id="{891C7693-D3DF-4635-96F4-97F3B4136FDF}"/>
+              </a:ext>
+            </a:extLst>
+          </p:cNvPr>
+          <p:cNvSpPr>
+            <a:spLocks noGrp="1"/>
+          </p:cNvSpPr>
+          <p:nvPr>
+            <p:ph idx="1"/>
+          </p:nvPr>
+        </p:nvSpPr>
+        <p:spPr/>
+        <p:txBody>
+          <a:bodyPr/>
+          <a:lstStyle/>
+          <a:p>
+            <a:r>
+              <a:rPr lang="en-US" dirty="0">
+                <a:latin typeface="Euclid Circular B" panose="020B0504000000000000" pitchFamily="34" charset="0"/>
+                <a:ea typeface="Euclid Circular B" panose="020B0504000000000000" pitchFamily="34" charset="0"/>
+              </a:rPr>
+              <a:t>TODO</a:t>
+            </a:r>
+            <a:r>
+              <a:rPr lang="en-US">
+                <a:latin typeface="Euclid Circular B" panose="020B0504000000000000" pitchFamily="34" charset="0"/>
+                <a:ea typeface="Euclid Circular B" panose="020B0504000000000000" pitchFamily="34" charset="0"/>
+              </a:rPr>
+              <a:t>: ...</a:t>
+            </a:r>
+            <a:endParaRPr lang="en-US" dirty="0">
+              <a:latin typeface="Euclid Circular B" panose="020B0504000000000000" pitchFamily="34" charset="0"/>
+              <a:ea typeface="Euclid Circular B" panose="020B0504000000000000" pitchFamily="34" charset="0"/>
+            </a:endParaRPr>
+          </a:p>
+        </p:txBody>
+      </p:sp>
+    </p:spTree>
+    <p:extLst>
+      <p:ext uri="{BB962C8B-B14F-4D97-AF65-F5344CB8AC3E}">
+        <p14:creationId xmlns:p14="http://schemas.microsoft.com/office/powerpoint/2010/main" val="3539053896"/>
+      </p:ext>
+    </p:extLst>
+  </p:cSld>
+  <p:clrMapOvr>
+    <a:masterClrMapping/>
+  </p:clrMapOvr>
+</p:sld>
+</file>
+
+<file path=ppt/slides/slide66.xml><?xml version="1.0" encoding="utf-8"?>
+<p:sld xmlns:a="http://schemas.openxmlformats.org/drawingml/2006/main" xmlns:r="http://schemas.openxmlformats.org/officeDocument/2006/relationships" xmlns:p="http://schemas.openxmlformats.org/presentationml/2006/main">
+  <p:cSld>
+    <p:bg>
+      <p:bgPr>
+        <a:blipFill dpi="0" rotWithShape="1">
+          <a:blip r:embed="rId2">
+            <a:lum/>
+          </a:blip>
+          <a:srcRect/>
+          <a:stretch>
+            <a:fillRect/>
+          </a:stretch>
+        </a:blipFill>
+        <a:effectLst/>
+      </p:bgPr>
+    </p:bg>
+    <p:spTree>
+      <p:nvGrpSpPr>
+        <p:cNvPr id="1" name=""/>
+        <p:cNvGrpSpPr/>
+        <p:nvPr/>
+      </p:nvGrpSpPr>
+      <p:grpSpPr>
+        <a:xfrm>
+          <a:off x="0" y="0"/>
+          <a:ext cx="0" cy="0"/>
+          <a:chOff x="0" y="0"/>
+          <a:chExt cx="0" cy="0"/>
+        </a:xfrm>
+      </p:grpSpPr>
+      <p:sp>
+        <p:nvSpPr>
+          <p:cNvPr id="2" name="Title 1">
+            <a:extLst>
+              <a:ext uri="{FF2B5EF4-FFF2-40B4-BE49-F238E27FC236}">
+                <a16:creationId xmlns:a16="http://schemas.microsoft.com/office/drawing/2014/main" id="{55E11F08-6CA0-48F1-AD67-97430DDA07F0}"/>
+              </a:ext>
+            </a:extLst>
+          </p:cNvPr>
+          <p:cNvSpPr>
+            <a:spLocks noGrp="1"/>
+          </p:cNvSpPr>
+          <p:nvPr>
+            <p:ph type="title"/>
+          </p:nvPr>
+        </p:nvSpPr>
+        <p:spPr/>
+        <p:txBody>
+          <a:bodyPr/>
+          <a:lstStyle/>
+          <a:p>
+            <a:r>
+              <a:rPr lang="en-US" b="1" dirty="0">
+                <a:solidFill>
+                  <a:srgbClr val="292D33"/>
+                </a:solidFill>
+                <a:latin typeface="Euclid Circular B" panose="020B0504000000000000" pitchFamily="34" charset="0"/>
+                <a:ea typeface="Euclid Circular B" panose="020B0504000000000000" pitchFamily="34" charset="0"/>
+              </a:rPr>
+              <a:t>Title</a:t>
+            </a:r>
+          </a:p>
+        </p:txBody>
+      </p:sp>
+      <p:sp>
+        <p:nvSpPr>
+          <p:cNvPr id="3" name="Content Placeholder 2">
+            <a:extLst>
+              <a:ext uri="{FF2B5EF4-FFF2-40B4-BE49-F238E27FC236}">
+                <a16:creationId xmlns:a16="http://schemas.microsoft.com/office/drawing/2014/main" id="{891C7693-D3DF-4635-96F4-97F3B4136FDF}"/>
+              </a:ext>
+            </a:extLst>
+          </p:cNvPr>
+          <p:cNvSpPr>
+            <a:spLocks noGrp="1"/>
+          </p:cNvSpPr>
+          <p:nvPr>
+            <p:ph idx="1"/>
+          </p:nvPr>
+        </p:nvSpPr>
+        <p:spPr/>
+        <p:txBody>
+          <a:bodyPr/>
+          <a:lstStyle/>
+          <a:p>
+            <a:r>
+              <a:rPr lang="en-US" dirty="0">
+                <a:latin typeface="Euclid Circular B" panose="020B0504000000000000" pitchFamily="34" charset="0"/>
+                <a:ea typeface="Euclid Circular B" panose="020B0504000000000000" pitchFamily="34" charset="0"/>
+              </a:rPr>
+              <a:t>TODO</a:t>
+            </a:r>
+            <a:r>
+              <a:rPr lang="en-US">
+                <a:latin typeface="Euclid Circular B" panose="020B0504000000000000" pitchFamily="34" charset="0"/>
+                <a:ea typeface="Euclid Circular B" panose="020B0504000000000000" pitchFamily="34" charset="0"/>
+              </a:rPr>
+              <a:t>: ...</a:t>
+            </a:r>
+            <a:endParaRPr lang="en-US" dirty="0">
+              <a:latin typeface="Euclid Circular B" panose="020B0504000000000000" pitchFamily="34" charset="0"/>
+              <a:ea typeface="Euclid Circular B" panose="020B0504000000000000" pitchFamily="34" charset="0"/>
+            </a:endParaRPr>
+          </a:p>
+        </p:txBody>
+      </p:sp>
+    </p:spTree>
+    <p:extLst>
+      <p:ext uri="{BB962C8B-B14F-4D97-AF65-F5344CB8AC3E}">
+        <p14:creationId xmlns:p14="http://schemas.microsoft.com/office/powerpoint/2010/main" val="2818505958"/>
+      </p:ext>
+    </p:extLst>
+  </p:cSld>
+  <p:clrMapOvr>
+    <a:masterClrMapping/>
+  </p:clrMapOvr>
+</p:sld>
+</file>
+
+<file path=ppt/slides/slide67.xml><?xml version="1.0" encoding="utf-8"?>
+<p:sld xmlns:a="http://schemas.openxmlformats.org/drawingml/2006/main" xmlns:r="http://schemas.openxmlformats.org/officeDocument/2006/relationships" xmlns:p="http://schemas.openxmlformats.org/presentationml/2006/main">
+  <p:cSld>
+    <p:bg>
+      <p:bgPr>
+        <a:blipFill dpi="0" rotWithShape="1">
+          <a:blip r:embed="rId2">
+            <a:lum/>
+          </a:blip>
+          <a:srcRect/>
+          <a:stretch>
+            <a:fillRect/>
+          </a:stretch>
+        </a:blipFill>
+        <a:effectLst/>
+      </p:bgPr>
+    </p:bg>
+    <p:spTree>
+      <p:nvGrpSpPr>
+        <p:cNvPr id="1" name=""/>
+        <p:cNvGrpSpPr/>
+        <p:nvPr/>
+      </p:nvGrpSpPr>
+      <p:grpSpPr>
+        <a:xfrm>
+          <a:off x="0" y="0"/>
+          <a:ext cx="0" cy="0"/>
+          <a:chOff x="0" y="0"/>
+          <a:chExt cx="0" cy="0"/>
+        </a:xfrm>
+      </p:grpSpPr>
+      <p:sp>
+        <p:nvSpPr>
+          <p:cNvPr id="2" name="Title 1">
+            <a:extLst>
+              <a:ext uri="{FF2B5EF4-FFF2-40B4-BE49-F238E27FC236}">
+                <a16:creationId xmlns:a16="http://schemas.microsoft.com/office/drawing/2014/main" id="{55E11F08-6CA0-48F1-AD67-97430DDA07F0}"/>
+              </a:ext>
+            </a:extLst>
+          </p:cNvPr>
+          <p:cNvSpPr>
+            <a:spLocks noGrp="1"/>
+          </p:cNvSpPr>
+          <p:nvPr>
+            <p:ph type="title"/>
+          </p:nvPr>
+        </p:nvSpPr>
+        <p:spPr/>
+        <p:txBody>
+          <a:bodyPr/>
+          <a:lstStyle/>
+          <a:p>
+            <a:r>
+              <a:rPr lang="en-US" b="1" dirty="0">
+                <a:solidFill>
+                  <a:srgbClr val="292D33"/>
+                </a:solidFill>
+                <a:latin typeface="Euclid Circular B" panose="020B0504000000000000" pitchFamily="34" charset="0"/>
+                <a:ea typeface="Euclid Circular B" panose="020B0504000000000000" pitchFamily="34" charset="0"/>
+              </a:rPr>
+              <a:t>Title</a:t>
+            </a:r>
+          </a:p>
+        </p:txBody>
+      </p:sp>
+      <p:sp>
+        <p:nvSpPr>
+          <p:cNvPr id="3" name="Content Placeholder 2">
+            <a:extLst>
+              <a:ext uri="{FF2B5EF4-FFF2-40B4-BE49-F238E27FC236}">
+                <a16:creationId xmlns:a16="http://schemas.microsoft.com/office/drawing/2014/main" id="{891C7693-D3DF-4635-96F4-97F3B4136FDF}"/>
+              </a:ext>
+            </a:extLst>
+          </p:cNvPr>
+          <p:cNvSpPr>
+            <a:spLocks noGrp="1"/>
+          </p:cNvSpPr>
+          <p:nvPr>
+            <p:ph idx="1"/>
+          </p:nvPr>
+        </p:nvSpPr>
+        <p:spPr/>
+        <p:txBody>
+          <a:bodyPr/>
+          <a:lstStyle/>
+          <a:p>
+            <a:r>
+              <a:rPr lang="en-US" dirty="0">
+                <a:latin typeface="Euclid Circular B" panose="020B0504000000000000" pitchFamily="34" charset="0"/>
+                <a:ea typeface="Euclid Circular B" panose="020B0504000000000000" pitchFamily="34" charset="0"/>
+              </a:rPr>
+              <a:t>TODO</a:t>
+            </a:r>
+            <a:r>
+              <a:rPr lang="en-US">
+                <a:latin typeface="Euclid Circular B" panose="020B0504000000000000" pitchFamily="34" charset="0"/>
+                <a:ea typeface="Euclid Circular B" panose="020B0504000000000000" pitchFamily="34" charset="0"/>
+              </a:rPr>
+              <a:t>: ...</a:t>
+            </a:r>
+            <a:endParaRPr lang="en-US" dirty="0">
+              <a:latin typeface="Euclid Circular B" panose="020B0504000000000000" pitchFamily="34" charset="0"/>
+              <a:ea typeface="Euclid Circular B" panose="020B0504000000000000" pitchFamily="34" charset="0"/>
+            </a:endParaRPr>
+          </a:p>
+        </p:txBody>
+      </p:sp>
+    </p:spTree>
+    <p:extLst>
+      <p:ext uri="{BB962C8B-B14F-4D97-AF65-F5344CB8AC3E}">
+        <p14:creationId xmlns:p14="http://schemas.microsoft.com/office/powerpoint/2010/main" val="4272791268"/>
+      </p:ext>
+    </p:extLst>
+  </p:cSld>
+  <p:clrMapOvr>
+    <a:masterClrMapping/>
+  </p:clrMapOvr>
+</p:sld>
+</file>
+
+<file path=ppt/slides/slide68.xml><?xml version="1.0" encoding="utf-8"?>
+<p:sld xmlns:a="http://schemas.openxmlformats.org/drawingml/2006/main" xmlns:r="http://schemas.openxmlformats.org/officeDocument/2006/relationships" xmlns:p="http://schemas.openxmlformats.org/presentationml/2006/main">
+  <p:cSld>
+    <p:bg>
+      <p:bgPr>
+        <a:blipFill dpi="0" rotWithShape="1">
+          <a:blip r:embed="rId2">
+            <a:lum/>
+          </a:blip>
+          <a:srcRect/>
+          <a:stretch>
+            <a:fillRect/>
+          </a:stretch>
+        </a:blipFill>
+        <a:effectLst/>
+      </p:bgPr>
+    </p:bg>
+    <p:spTree>
+      <p:nvGrpSpPr>
+        <p:cNvPr id="1" name=""/>
+        <p:cNvGrpSpPr/>
+        <p:nvPr/>
+      </p:nvGrpSpPr>
+      <p:grpSpPr>
+        <a:xfrm>
+          <a:off x="0" y="0"/>
+          <a:ext cx="0" cy="0"/>
+          <a:chOff x="0" y="0"/>
+          <a:chExt cx="0" cy="0"/>
+        </a:xfrm>
+      </p:grpSpPr>
+      <p:sp>
+        <p:nvSpPr>
+          <p:cNvPr id="2" name="Title 1">
+            <a:extLst>
+              <a:ext uri="{FF2B5EF4-FFF2-40B4-BE49-F238E27FC236}">
+                <a16:creationId xmlns:a16="http://schemas.microsoft.com/office/drawing/2014/main" id="{55E11F08-6CA0-48F1-AD67-97430DDA07F0}"/>
+              </a:ext>
+            </a:extLst>
+          </p:cNvPr>
+          <p:cNvSpPr>
+            <a:spLocks noGrp="1"/>
+          </p:cNvSpPr>
+          <p:nvPr>
+            <p:ph type="title"/>
+          </p:nvPr>
+        </p:nvSpPr>
+        <p:spPr/>
+        <p:txBody>
+          <a:bodyPr/>
+          <a:lstStyle/>
+          <a:p>
+            <a:r>
+              <a:rPr lang="en-US" b="1" dirty="0">
+                <a:solidFill>
+                  <a:srgbClr val="292D33"/>
+                </a:solidFill>
+                <a:latin typeface="Euclid Circular B" panose="020B0504000000000000" pitchFamily="34" charset="0"/>
+                <a:ea typeface="Euclid Circular B" panose="020B0504000000000000" pitchFamily="34" charset="0"/>
+              </a:rPr>
+              <a:t>Title</a:t>
+            </a:r>
+          </a:p>
+        </p:txBody>
+      </p:sp>
+      <p:sp>
+        <p:nvSpPr>
+          <p:cNvPr id="3" name="Content Placeholder 2">
+            <a:extLst>
+              <a:ext uri="{FF2B5EF4-FFF2-40B4-BE49-F238E27FC236}">
+                <a16:creationId xmlns:a16="http://schemas.microsoft.com/office/drawing/2014/main" id="{891C7693-D3DF-4635-96F4-97F3B4136FDF}"/>
+              </a:ext>
+            </a:extLst>
+          </p:cNvPr>
+          <p:cNvSpPr>
+            <a:spLocks noGrp="1"/>
+          </p:cNvSpPr>
+          <p:nvPr>
+            <p:ph idx="1"/>
+          </p:nvPr>
+        </p:nvSpPr>
+        <p:spPr/>
+        <p:txBody>
+          <a:bodyPr/>
+          <a:lstStyle/>
+          <a:p>
+            <a:r>
+              <a:rPr lang="en-US" dirty="0">
+                <a:latin typeface="Euclid Circular B" panose="020B0504000000000000" pitchFamily="34" charset="0"/>
+                <a:ea typeface="Euclid Circular B" panose="020B0504000000000000" pitchFamily="34" charset="0"/>
+              </a:rPr>
+              <a:t>TODO</a:t>
+            </a:r>
+            <a:r>
+              <a:rPr lang="en-US">
+                <a:latin typeface="Euclid Circular B" panose="020B0504000000000000" pitchFamily="34" charset="0"/>
+                <a:ea typeface="Euclid Circular B" panose="020B0504000000000000" pitchFamily="34" charset="0"/>
+              </a:rPr>
+              <a:t>: ...</a:t>
+            </a:r>
+            <a:endParaRPr lang="en-US" dirty="0">
+              <a:latin typeface="Euclid Circular B" panose="020B0504000000000000" pitchFamily="34" charset="0"/>
+              <a:ea typeface="Euclid Circular B" panose="020B0504000000000000" pitchFamily="34" charset="0"/>
+            </a:endParaRPr>
+          </a:p>
+        </p:txBody>
+      </p:sp>
+    </p:spTree>
+    <p:extLst>
+      <p:ext uri="{BB962C8B-B14F-4D97-AF65-F5344CB8AC3E}">
         <p14:creationId xmlns:p14="http://schemas.microsoft.com/office/powerpoint/2010/main" val="3822449102"/>
       </p:ext>
     </p:extLst>
@@ -39206,7 +44240,7 @@
 </p:sld>
 </file>
 
-<file path=ppt/slides/slide62.xml><?xml version="1.0" encoding="utf-8"?>
+<file path=ppt/slides/slide69.xml><?xml version="1.0" encoding="utf-8"?>
 <p:sld xmlns:a="http://schemas.openxmlformats.org/drawingml/2006/main" xmlns:r="http://schemas.openxmlformats.org/officeDocument/2006/relationships" xmlns:p="http://schemas.openxmlformats.org/presentationml/2006/main">
   <p:cSld>
     <p:bg>
@@ -40763,7 +45797,7 @@
           <a:graphicData uri="http://schemas.openxmlformats.org/presentationml/2006/ole">
             <mc:AlternateContent xmlns:mc="http://schemas.openxmlformats.org/markup-compatibility/2006">
               <mc:Choice xmlns:v="urn:schemas-microsoft-com:vml" Requires="v">
-                <p:oleObj spid="_x0000_s3165" name="Bitmap Image" r:id="rId4" imgW="17059320" imgH="5762520" progId="Paint.Picture">
+                <p:oleObj spid="_x0000_s3175" name="Bitmap Image" r:id="rId4" imgW="17059320" imgH="5762520" progId="Paint.Picture">
                   <p:embed/>
                 </p:oleObj>
               </mc:Choice>
